--- a/trunk/Capitulos Finales/FilminasV0.2.pptx
+++ b/trunk/Capitulos Finales/FilminasV0.2.pptx
@@ -4776,11 +4776,7 @@
           <a:p>
             <a:r>
               <a:rPr lang="es-ES_tradnl" dirty="0" smtClean="0"/>
-              <a:t>Desarrollo de una herramienta para soportar la técnica y asistir al </a:t>
-            </a:r>
-            <a:r>
-              <a:rPr lang="es-ES_tradnl" dirty="0" smtClean="0"/>
-              <a:t>analista</a:t>
+              <a:t>Desarrollo de una herramienta para soportar la técnica y asistir al analista</a:t>
             </a:r>
             <a:endParaRPr lang="es-ES" dirty="0"/>
           </a:p>
@@ -4832,7 +4828,7 @@
         </p:xfrm>
         <a:graphic>
           <a:graphicData uri="http://schemas.openxmlformats.org/presentationml/2006/ole">
-            <p:oleObj spid="_x0000_s28680" name="Visio" r:id="rId3" imgW="5536846" imgH="3445815" progId="Visio.Drawing.11">
+            <p:oleObj spid="_x0000_s28680" name="Visio" r:id="rId3" imgW="5536846" imgH="3445815" progId="">
               <p:embed/>
             </p:oleObj>
           </a:graphicData>
@@ -5206,38 +5202,18 @@
             <a:pPr lvl="1"/>
             <a:r>
               <a:rPr lang="es-ES_tradnl" dirty="0" smtClean="0"/>
-              <a:t>H</a:t>
-            </a:r>
-            <a:r>
-              <a:rPr lang="es-ES_tradnl" dirty="0" smtClean="0"/>
-              <a:t>erramienta </a:t>
+              <a:t>Herramienta </a:t>
             </a:r>
             <a:r>
               <a:rPr lang="es-AR" dirty="0" smtClean="0"/>
-              <a:t>semi-automatizadas </a:t>
-            </a:r>
+              <a:t>semi-automatizadas para identificar aspectos tempranos desde casos de uso</a:t>
+            </a:r>
+          </a:p>
+          <a:p>
+            <a:pPr lvl="1"/>
             <a:r>
               <a:rPr lang="es-AR" dirty="0" smtClean="0"/>
-              <a:t>para identificar aspectos tempranos desde </a:t>
-            </a:r>
-            <a:r>
-              <a:rPr lang="es-AR" dirty="0" smtClean="0"/>
-              <a:t>casos de uso</a:t>
-            </a:r>
-          </a:p>
-          <a:p>
-            <a:pPr lvl="1"/>
-            <a:r>
-              <a:rPr lang="es-AR" dirty="0" smtClean="0"/>
-              <a:t>Especifica </a:t>
-            </a:r>
-            <a:r>
-              <a:rPr lang="es-AR" dirty="0" smtClean="0"/>
-              <a:t>un aspecto temprano mediante un nombre y un conjunto de pares de palabras &lt;verbo, objeto</a:t>
-            </a:r>
-            <a:r>
-              <a:rPr lang="es-AR" dirty="0" smtClean="0"/>
-              <a:t>&gt;</a:t>
+              <a:t>Especifica un aspecto temprano mediante un nombre y un conjunto de pares de palabras &lt;verbo, objeto&gt;</a:t>
             </a:r>
           </a:p>
         </p:txBody>
@@ -5288,7 +5264,7 @@
         </p:xfrm>
         <a:graphic>
           <a:graphicData uri="http://schemas.openxmlformats.org/presentationml/2006/ole">
-            <p:oleObj spid="_x0000_s46082" name="Visio" r:id="rId3" imgW="5536846" imgH="3445815" progId="Visio.Drawing.11">
+            <p:oleObj spid="_x0000_s46082" name="Visio" r:id="rId3" imgW="5536846" imgH="3445815" progId="">
               <p:embed/>
             </p:oleObj>
           </a:graphicData>
@@ -5709,7 +5685,7 @@
         </p:xfrm>
         <a:graphic>
           <a:graphicData uri="http://schemas.openxmlformats.org/presentationml/2006/ole">
-            <p:oleObj spid="_x0000_s47106" name="Visio" r:id="rId3" imgW="5536846" imgH="3445815" progId="Visio.Drawing.11">
+            <p:oleObj spid="_x0000_s47106" name="Visio" r:id="rId3" imgW="5536846" imgH="3445815" progId="">
               <p:embed/>
             </p:oleObj>
           </a:graphicData>
@@ -6995,11 +6971,7 @@
           <a:p>
             <a:r>
               <a:rPr lang="es-ES" dirty="0" smtClean="0"/>
-              <a:t>Atributos </a:t>
-            </a:r>
-            <a:r>
-              <a:rPr lang="es-ES" dirty="0" smtClean="0"/>
-              <a:t>de calidad y aspectos tempranos</a:t>
+              <a:t>Atributos de calidad y aspectos tempranos</a:t>
             </a:r>
           </a:p>
           <a:p>
@@ -7193,11 +7165,7 @@
             </a:r>
             <a:r>
               <a:rPr lang="es-AR" sz="1600" b="1" i="1" u="sng" dirty="0" smtClean="0"/>
-              <a:t>son realmente </a:t>
-            </a:r>
-            <a:r>
-              <a:rPr lang="es-AR" sz="1600" b="1" i="1" u="sng" dirty="0" smtClean="0"/>
-              <a:t>QAs</a:t>
+              <a:t>son realmente QAs</a:t>
             </a:r>
             <a:endParaRPr lang="es-AR" sz="1600" dirty="0" smtClean="0"/>
           </a:p>
@@ -7221,11 +7189,7 @@
             </a:r>
             <a:r>
               <a:rPr lang="es-AR" sz="1600" b="1" i="1" u="sng" dirty="0" smtClean="0"/>
-              <a:t>no son realmente </a:t>
-            </a:r>
-            <a:r>
-              <a:rPr lang="es-AR" sz="1600" b="1" i="1" u="sng" dirty="0" smtClean="0"/>
-              <a:t>QAs</a:t>
+              <a:t>no son realmente QAs</a:t>
             </a:r>
             <a:endParaRPr lang="es-AR" sz="1600" dirty="0" smtClean="0"/>
           </a:p>
@@ -7253,13 +7217,8 @@
             </a:r>
             <a:r>
               <a:rPr lang="es-AR" sz="1600" dirty="0" smtClean="0"/>
-              <a:t> o que se identificaron de manera errónea a partir de los datos de </a:t>
-            </a:r>
-            <a:r>
-              <a:rPr lang="es-AR" sz="1600" dirty="0" smtClean="0"/>
-              <a:t>entrada</a:t>
-            </a:r>
-            <a:endParaRPr lang="es-AR" sz="1600" dirty="0" smtClean="0"/>
+              <a:t> o que se identificaron de manera errónea a partir de los datos de entrada</a:t>
+            </a:r>
           </a:p>
           <a:p>
             <a:pPr lvl="1"/>
@@ -7281,13 +7240,8 @@
             </a:r>
             <a:r>
               <a:rPr lang="es-AR" sz="1600" b="1" i="1" u="sng" dirty="0" smtClean="0"/>
-              <a:t>son realmente </a:t>
-            </a:r>
-            <a:r>
-              <a:rPr lang="es-AR" sz="1600" b="1" i="1" u="sng" dirty="0" smtClean="0"/>
-              <a:t>QAs</a:t>
-            </a:r>
-            <a:endParaRPr lang="es-AR" sz="1600" b="1" i="1" u="sng" dirty="0" smtClean="0"/>
+              <a:t>son realmente QAs</a:t>
+            </a:r>
           </a:p>
           <a:p>
             <a:pPr lvl="1"/>
@@ -10063,13 +10017,8 @@
             </a:pPr>
             <a:r>
               <a:rPr lang="es-ES" dirty="0" smtClean="0"/>
-              <a:t>análisis de cada aspecto </a:t>
-            </a:r>
-            <a:r>
-              <a:rPr lang="es-ES" dirty="0" smtClean="0"/>
-              <a:t>temprano</a:t>
-            </a:r>
-            <a:endParaRPr lang="es-ES" dirty="0" smtClean="0"/>
+              <a:t>análisis de cada aspecto temprano</a:t>
+            </a:r>
           </a:p>
           <a:p>
             <a:pPr>
@@ -10568,6 +10517,30 @@
           </a:p>
         </p:txBody>
       </p:sp>
+      <p:pic>
+        <p:nvPicPr>
+          <p:cNvPr id="4" name="3 Imagen" descr="balanza.jpg"/>
+          <p:cNvPicPr>
+            <a:picLocks noChangeAspect="1"/>
+          </p:cNvPicPr>
+          <p:nvPr/>
+        </p:nvPicPr>
+        <p:blipFill>
+          <a:blip r:embed="rId2"/>
+          <a:stretch>
+            <a:fillRect/>
+          </a:stretch>
+        </p:blipFill>
+        <p:spPr>
+          <a:xfrm>
+            <a:off x="6064411" y="281863"/>
+            <a:ext cx="2258495" cy="2092916"/>
+          </a:xfrm>
+          <a:prstGeom prst="rect">
+            <a:avLst/>
+          </a:prstGeom>
+        </p:spPr>
+      </p:pic>
     </p:spTree>
   </p:cSld>
   <p:clrMapOvr>
@@ -11534,13 +11507,8 @@
           <a:p>
             <a:r>
               <a:rPr lang="es-ES" dirty="0" smtClean="0"/>
-              <a:t>Los atributos de calidad (QAs) son propiedades deseadas o requerimientos adicionales de un sistema.  Ejemplo: performance, seguridad, disponibilidad, </a:t>
-            </a:r>
-            <a:r>
-              <a:rPr lang="es-ES" dirty="0" smtClean="0"/>
-              <a:t> etc.</a:t>
-            </a:r>
-            <a:endParaRPr lang="es-ES" dirty="0" smtClean="0"/>
+              <a:t>Los atributos de calidad (QAs) son propiedades deseadas o requerimientos adicionales de un sistema.  Ejemplo: performance, seguridad, disponibilidad,  etc.</a:t>
+            </a:r>
           </a:p>
           <a:p>
             <a:r>
@@ -11559,13 +11527,8 @@
             </a:r>
             <a:r>
               <a:rPr lang="es-ES" dirty="0" smtClean="0"/>
-              <a:t> para que el sistema posea los atributos </a:t>
-            </a:r>
-            <a:r>
-              <a:rPr lang="es-ES" dirty="0" smtClean="0"/>
-              <a:t>faltantes</a:t>
-            </a:r>
-            <a:endParaRPr lang="es-ES" dirty="0" smtClean="0"/>
+              <a:t> para que el sistema posea los atributos faltantes</a:t>
+            </a:r>
           </a:p>
           <a:p>
             <a:endParaRPr lang="es-ES" dirty="0"/>
@@ -12345,7 +12308,6 @@
               <a:rPr lang="es-ES" dirty="0" smtClean="0"/>
               <a:t>Autentificación         Seguridad</a:t>
             </a:r>
-            <a:endParaRPr lang="es-ES" dirty="0" smtClean="0"/>
           </a:p>
           <a:p>
             <a:pPr lvl="1"/>
@@ -12355,11 +12317,7 @@
             </a:r>
             <a:r>
               <a:rPr lang="es-ES" smtClean="0"/>
-              <a:t>usuario </a:t>
-            </a:r>
-            <a:r>
-              <a:rPr lang="es-ES" smtClean="0"/>
-              <a:t>       Usabilidad</a:t>
+              <a:t>usuario        Usabilidad</a:t>
             </a:r>
             <a:endParaRPr lang="es-ES" dirty="0" smtClean="0"/>
           </a:p>

--- a/trunk/Capitulos Finales/FilminasV0.2.pptx
+++ b/trunk/Capitulos Finales/FilminasV0.2.pptx
@@ -10533,7 +10533,7 @@
         </p:blipFill>
         <p:spPr>
           <a:xfrm>
-            <a:off x="6064411" y="281863"/>
+            <a:off x="6381652" y="4032769"/>
             <a:ext cx="2258495" cy="2092916"/>
           </a:xfrm>
           <a:prstGeom prst="rect">

--- a/trunk/Capitulos Finales/FilminasV0.2.pptx
+++ b/trunk/Capitulos Finales/FilminasV0.2.pptx
@@ -4828,7 +4828,7 @@
         </p:xfrm>
         <a:graphic>
           <a:graphicData uri="http://schemas.openxmlformats.org/presentationml/2006/ole">
-            <p:oleObj spid="_x0000_s28680" name="Visio" r:id="rId3" imgW="5536846" imgH="3445815" progId="">
+            <p:oleObj spid="_x0000_s28680" name="Visio" r:id="rId3" imgW="5536846" imgH="3445815" progId="Visio.Drawing.11">
               <p:embed/>
             </p:oleObj>
           </a:graphicData>
@@ -5264,7 +5264,7 @@
         </p:xfrm>
         <a:graphic>
           <a:graphicData uri="http://schemas.openxmlformats.org/presentationml/2006/ole">
-            <p:oleObj spid="_x0000_s46082" name="Visio" r:id="rId3" imgW="5536846" imgH="3445815" progId="">
+            <p:oleObj spid="_x0000_s46082" name="Visio" r:id="rId3" imgW="5536846" imgH="3445815" progId="Visio.Drawing.11">
               <p:embed/>
             </p:oleObj>
           </a:graphicData>
@@ -5685,7 +5685,7 @@
         </p:xfrm>
         <a:graphic>
           <a:graphicData uri="http://schemas.openxmlformats.org/presentationml/2006/ole">
-            <p:oleObj spid="_x0000_s47106" name="Visio" r:id="rId3" imgW="5536846" imgH="3445815" progId="">
+            <p:oleObj spid="_x0000_s47106" name="Visio" r:id="rId3" imgW="5536846" imgH="3445815" progId="Visio.Drawing.11">
               <p:embed/>
             </p:oleObj>
           </a:graphicData>
@@ -10526,15 +10526,15 @@
           <p:nvPr/>
         </p:nvPicPr>
         <p:blipFill>
-          <a:blip r:embed="rId2"/>
+          <a:blip r:embed="rId2" cstate="print"/>
           <a:stretch>
             <a:fillRect/>
           </a:stretch>
         </p:blipFill>
         <p:spPr>
           <a:xfrm>
-            <a:off x="6381652" y="4032769"/>
-            <a:ext cx="2258495" cy="2092916"/>
+            <a:off x="6496842" y="4139513"/>
+            <a:ext cx="2143305" cy="1986171"/>
           </a:xfrm>
           <a:prstGeom prst="rect">
             <a:avLst/>
@@ -10710,7 +10710,7 @@
         <p:spPr>
           <a:xfrm>
             <a:off x="467544" y="3645024"/>
-            <a:ext cx="1872208" cy="576064"/>
+            <a:ext cx="1872208" cy="482133"/>
           </a:xfrm>
           <a:prstGeom prst="roundRect">
             <a:avLst/>

--- a/trunk/Capitulos Finales/FilminasV0.2.pptx
+++ b/trunk/Capitulos Finales/FilminasV0.2.pptx
@@ -230,7 +230,7 @@
             <a:fld id="{42D63BFC-F4BA-48C9-8576-4CE39202FED6}" type="datetimeFigureOut">
               <a:rPr lang="es-ES" smtClean="0"/>
               <a:pPr/>
-              <a:t>13/11/2010</a:t>
+              <a:t>14/11/2010</a:t>
             </a:fld>
             <a:endParaRPr lang="es-ES" dirty="0"/>
           </a:p>
@@ -722,7 +722,7 @@
             <a:fld id="{F7222BF2-5C0F-41D6-AF26-3ACA31A5334A}" type="datetimeFigureOut">
               <a:rPr lang="es-ES" smtClean="0"/>
               <a:pPr/>
-              <a:t>13/11/2010</a:t>
+              <a:t>14/11/2010</a:t>
             </a:fld>
             <a:endParaRPr lang="es-ES" dirty="0"/>
           </a:p>
@@ -1083,7 +1083,7 @@
             <a:fld id="{F7222BF2-5C0F-41D6-AF26-3ACA31A5334A}" type="datetimeFigureOut">
               <a:rPr lang="es-ES" smtClean="0"/>
               <a:pPr/>
-              <a:t>13/11/2010</a:t>
+              <a:t>14/11/2010</a:t>
             </a:fld>
             <a:endParaRPr lang="es-ES" dirty="0"/>
           </a:p>
@@ -1260,7 +1260,7 @@
             <a:fld id="{F7222BF2-5C0F-41D6-AF26-3ACA31A5334A}" type="datetimeFigureOut">
               <a:rPr lang="es-ES" smtClean="0"/>
               <a:pPr/>
-              <a:t>13/11/2010</a:t>
+              <a:t>14/11/2010</a:t>
             </a:fld>
             <a:endParaRPr lang="es-ES" dirty="0"/>
           </a:p>
@@ -1497,7 +1497,7 @@
             <a:fld id="{F7222BF2-5C0F-41D6-AF26-3ACA31A5334A}" type="datetimeFigureOut">
               <a:rPr lang="es-ES" smtClean="0"/>
               <a:pPr/>
-              <a:t>13/11/2010</a:t>
+              <a:t>14/11/2010</a:t>
             </a:fld>
             <a:endParaRPr lang="es-ES" dirty="0"/>
           </a:p>
@@ -1768,7 +1768,7 @@
             <a:fld id="{F7222BF2-5C0F-41D6-AF26-3ACA31A5334A}" type="datetimeFigureOut">
               <a:rPr lang="es-ES" smtClean="0"/>
               <a:pPr/>
-              <a:t>13/11/2010</a:t>
+              <a:t>14/11/2010</a:t>
             </a:fld>
             <a:endParaRPr lang="es-ES" dirty="0"/>
           </a:p>
@@ -1990,7 +1990,7 @@
             <a:fld id="{F7222BF2-5C0F-41D6-AF26-3ACA31A5334A}" type="datetimeFigureOut">
               <a:rPr lang="es-ES" smtClean="0"/>
               <a:pPr/>
-              <a:t>13/11/2010</a:t>
+              <a:t>14/11/2010</a:t>
             </a:fld>
             <a:endParaRPr lang="es-ES" dirty="0"/>
           </a:p>
@@ -2344,7 +2344,7 @@
             <a:fld id="{F7222BF2-5C0F-41D6-AF26-3ACA31A5334A}" type="datetimeFigureOut">
               <a:rPr lang="es-ES" smtClean="0"/>
               <a:pPr/>
-              <a:t>13/11/2010</a:t>
+              <a:t>14/11/2010</a:t>
             </a:fld>
             <a:endParaRPr lang="es-ES" dirty="0"/>
           </a:p>
@@ -2578,7 +2578,7 @@
             <a:fld id="{F7222BF2-5C0F-41D6-AF26-3ACA31A5334A}" type="datetimeFigureOut">
               <a:rPr lang="es-ES" smtClean="0"/>
               <a:pPr/>
-              <a:t>13/11/2010</a:t>
+              <a:t>14/11/2010</a:t>
             </a:fld>
             <a:endParaRPr lang="es-ES" dirty="0"/>
           </a:p>
@@ -2720,7 +2720,7 @@
             <a:fld id="{F7222BF2-5C0F-41D6-AF26-3ACA31A5334A}" type="datetimeFigureOut">
               <a:rPr lang="es-ES" smtClean="0"/>
               <a:pPr/>
-              <a:t>13/11/2010</a:t>
+              <a:t>14/11/2010</a:t>
             </a:fld>
             <a:endParaRPr lang="es-ES" dirty="0"/>
           </a:p>
@@ -2999,7 +2999,7 @@
             <a:fld id="{F7222BF2-5C0F-41D6-AF26-3ACA31A5334A}" type="datetimeFigureOut">
               <a:rPr lang="es-ES" smtClean="0"/>
               <a:pPr/>
-              <a:t>13/11/2010</a:t>
+              <a:t>14/11/2010</a:t>
             </a:fld>
             <a:endParaRPr lang="es-ES" dirty="0"/>
           </a:p>
@@ -3408,7 +3408,7 @@
             <a:fld id="{F7222BF2-5C0F-41D6-AF26-3ACA31A5334A}" type="datetimeFigureOut">
               <a:rPr lang="es-ES" smtClean="0"/>
               <a:pPr/>
-              <a:t>13/11/2010</a:t>
+              <a:t>14/11/2010</a:t>
             </a:fld>
             <a:endParaRPr lang="es-ES" dirty="0"/>
           </a:p>
@@ -3748,7 +3748,7 @@
             <a:fld id="{F7222BF2-5C0F-41D6-AF26-3ACA31A5334A}" type="datetimeFigureOut">
               <a:rPr lang="es-ES" smtClean="0"/>
               <a:pPr/>
-              <a:t>13/11/2010</a:t>
+              <a:t>14/11/2010</a:t>
             </a:fld>
             <a:endParaRPr lang="es-ES" dirty="0"/>
           </a:p>
@@ -4814,26 +4814,137 @@
           <a:chExt cx="0" cy="0"/>
         </a:xfrm>
       </p:grpSpPr>
-      <p:graphicFrame>
-        <p:nvGraphicFramePr>
-          <p:cNvPr id="28680" name="Object 8"/>
-          <p:cNvGraphicFramePr>
-            <a:graphicFrameLocks noChangeAspect="1"/>
-          </p:cNvGraphicFramePr>
+      <p:sp>
+        <p:nvSpPr>
+          <p:cNvPr id="2" name="1 Título"/>
+          <p:cNvSpPr>
+            <a:spLocks noGrp="1"/>
+          </p:cNvSpPr>
+          <p:nvPr>
+            <p:ph type="title"/>
+          </p:nvPr>
+        </p:nvSpPr>
+        <p:spPr/>
+        <p:txBody>
+          <a:bodyPr/>
+          <a:lstStyle/>
+          <a:p>
+            <a:r>
+              <a:rPr lang="es-ES" dirty="0" smtClean="0"/>
+              <a:t>Proceso</a:t>
+            </a:r>
+            <a:endParaRPr lang="es-ES" dirty="0"/>
+          </a:p>
+        </p:txBody>
+      </p:sp>
+      <p:sp>
+        <p:nvSpPr>
+          <p:cNvPr id="28676" name="Rectangle 4"/>
+          <p:cNvSpPr>
+            <a:spLocks noChangeArrowheads="1"/>
+          </p:cNvSpPr>
           <p:nvPr/>
-        </p:nvGraphicFramePr>
-        <p:xfrm>
-          <a:off x="518983" y="1124464"/>
-          <a:ext cx="8210552" cy="5115697"/>
-        </p:xfrm>
-        <a:graphic>
-          <a:graphicData uri="http://schemas.openxmlformats.org/presentationml/2006/ole">
-            <p:oleObj spid="_x0000_s28680" name="Visio" r:id="rId3" imgW="5536846" imgH="3445815" progId="Visio.Drawing.11">
-              <p:embed/>
-            </p:oleObj>
-          </a:graphicData>
-        </a:graphic>
-      </p:graphicFrame>
+        </p:nvSpPr>
+        <p:spPr bwMode="auto">
+          <a:xfrm>
+            <a:off x="0" y="0"/>
+            <a:ext cx="9144000" cy="0"/>
+          </a:xfrm>
+          <a:prstGeom prst="rect">
+            <a:avLst/>
+          </a:prstGeom>
+          <a:noFill/>
+          <a:ln w="9525">
+            <a:noFill/>
+            <a:miter lim="800000"/>
+            <a:headEnd/>
+            <a:tailEnd/>
+          </a:ln>
+          <a:effectLst/>
+        </p:spPr>
+        <p:txBody>
+          <a:bodyPr vert="horz" wrap="none" lIns="91440" tIns="45720" rIns="91440" bIns="45720" numCol="1" anchor="ctr" anchorCtr="0" compatLnSpc="1">
+            <a:prstTxWarp prst="textNoShape">
+              <a:avLst/>
+            </a:prstTxWarp>
+            <a:spAutoFit/>
+          </a:bodyPr>
+          <a:lstStyle/>
+          <a:p>
+            <a:endParaRPr lang="es-ES_tradnl"/>
+          </a:p>
+        </p:txBody>
+      </p:sp>
+      <p:sp>
+        <p:nvSpPr>
+          <p:cNvPr id="28681" name="Rectangle 9"/>
+          <p:cNvSpPr>
+            <a:spLocks noChangeArrowheads="1"/>
+          </p:cNvSpPr>
+          <p:nvPr/>
+        </p:nvSpPr>
+        <p:spPr bwMode="auto">
+          <a:xfrm>
+            <a:off x="0" y="0"/>
+            <a:ext cx="9144000" cy="0"/>
+          </a:xfrm>
+          <a:prstGeom prst="rect">
+            <a:avLst/>
+          </a:prstGeom>
+          <a:noFill/>
+          <a:ln w="9525">
+            <a:noFill/>
+            <a:miter lim="800000"/>
+            <a:headEnd/>
+            <a:tailEnd/>
+          </a:ln>
+          <a:effectLst/>
+        </p:spPr>
+        <p:txBody>
+          <a:bodyPr vert="horz" wrap="none" lIns="91440" tIns="45720" rIns="91440" bIns="45720" numCol="1" anchor="ctr" anchorCtr="0" compatLnSpc="1">
+            <a:prstTxWarp prst="textNoShape">
+              <a:avLst/>
+            </a:prstTxWarp>
+            <a:spAutoFit/>
+          </a:bodyPr>
+          <a:lstStyle/>
+          <a:p>
+            <a:endParaRPr lang="es-ES_tradnl"/>
+          </a:p>
+        </p:txBody>
+      </p:sp>
+      <p:pic>
+        <p:nvPicPr>
+          <p:cNvPr id="28682" name="Picture 10"/>
+          <p:cNvPicPr>
+            <a:picLocks noChangeAspect="1" noChangeArrowheads="1"/>
+          </p:cNvPicPr>
+          <p:nvPr/>
+        </p:nvPicPr>
+        <p:blipFill>
+          <a:blip r:embed="rId2" cstate="print"/>
+          <a:srcRect/>
+          <a:stretch>
+            <a:fillRect/>
+          </a:stretch>
+        </p:blipFill>
+        <p:spPr bwMode="auto">
+          <a:xfrm>
+            <a:off x="370703" y="1160505"/>
+            <a:ext cx="8106032" cy="5341906"/>
+          </a:xfrm>
+          <a:prstGeom prst="rect">
+            <a:avLst/>
+          </a:prstGeom>
+          <a:noFill/>
+          <a:ln w="9525">
+            <a:noFill/>
+            <a:miter lim="800000"/>
+            <a:headEnd/>
+            <a:tailEnd/>
+          </a:ln>
+        </p:spPr>
+      </p:pic>
       <p:sp>
         <p:nvSpPr>
           <p:cNvPr id="8" name="7 Rectángulo redondeado"/>
@@ -4842,7 +4953,7 @@
         </p:nvSpPr>
         <p:spPr>
           <a:xfrm>
-            <a:off x="2376823" y="1062681"/>
+            <a:off x="2240898" y="1062681"/>
             <a:ext cx="6309978" cy="1519881"/>
           </a:xfrm>
           <a:prstGeom prst="roundRect">
@@ -4874,105 +4985,6 @@
           <a:p>
             <a:pPr algn="ctr"/>
             <a:endParaRPr lang="es-ES_tradnl" dirty="0"/>
-          </a:p>
-        </p:txBody>
-      </p:sp>
-      <p:sp>
-        <p:nvSpPr>
-          <p:cNvPr id="2" name="1 Título"/>
-          <p:cNvSpPr>
-            <a:spLocks noGrp="1"/>
-          </p:cNvSpPr>
-          <p:nvPr>
-            <p:ph type="title"/>
-          </p:nvPr>
-        </p:nvSpPr>
-        <p:spPr/>
-        <p:txBody>
-          <a:bodyPr/>
-          <a:lstStyle/>
-          <a:p>
-            <a:r>
-              <a:rPr lang="es-ES" dirty="0" smtClean="0"/>
-              <a:t>Proceso</a:t>
-            </a:r>
-            <a:endParaRPr lang="es-ES" dirty="0"/>
-          </a:p>
-        </p:txBody>
-      </p:sp>
-      <p:sp>
-        <p:nvSpPr>
-          <p:cNvPr id="28676" name="Rectangle 4"/>
-          <p:cNvSpPr>
-            <a:spLocks noChangeArrowheads="1"/>
-          </p:cNvSpPr>
-          <p:nvPr/>
-        </p:nvSpPr>
-        <p:spPr bwMode="auto">
-          <a:xfrm>
-            <a:off x="0" y="0"/>
-            <a:ext cx="9144000" cy="0"/>
-          </a:xfrm>
-          <a:prstGeom prst="rect">
-            <a:avLst/>
-          </a:prstGeom>
-          <a:noFill/>
-          <a:ln w="9525">
-            <a:noFill/>
-            <a:miter lim="800000"/>
-            <a:headEnd/>
-            <a:tailEnd/>
-          </a:ln>
-          <a:effectLst/>
-        </p:spPr>
-        <p:txBody>
-          <a:bodyPr vert="horz" wrap="none" lIns="91440" tIns="45720" rIns="91440" bIns="45720" numCol="1" anchor="ctr" anchorCtr="0" compatLnSpc="1">
-            <a:prstTxWarp prst="textNoShape">
-              <a:avLst/>
-            </a:prstTxWarp>
-            <a:spAutoFit/>
-          </a:bodyPr>
-          <a:lstStyle/>
-          <a:p>
-            <a:endParaRPr lang="es-ES_tradnl"/>
-          </a:p>
-        </p:txBody>
-      </p:sp>
-      <p:sp>
-        <p:nvSpPr>
-          <p:cNvPr id="28681" name="Rectangle 9"/>
-          <p:cNvSpPr>
-            <a:spLocks noChangeArrowheads="1"/>
-          </p:cNvSpPr>
-          <p:nvPr/>
-        </p:nvSpPr>
-        <p:spPr bwMode="auto">
-          <a:xfrm>
-            <a:off x="0" y="0"/>
-            <a:ext cx="9144000" cy="0"/>
-          </a:xfrm>
-          <a:prstGeom prst="rect">
-            <a:avLst/>
-          </a:prstGeom>
-          <a:noFill/>
-          <a:ln w="9525">
-            <a:noFill/>
-            <a:miter lim="800000"/>
-            <a:headEnd/>
-            <a:tailEnd/>
-          </a:ln>
-          <a:effectLst/>
-        </p:spPr>
-        <p:txBody>
-          <a:bodyPr vert="horz" wrap="none" lIns="91440" tIns="45720" rIns="91440" bIns="45720" numCol="1" anchor="ctr" anchorCtr="0" compatLnSpc="1">
-            <a:prstTxWarp prst="textNoShape">
-              <a:avLst/>
-            </a:prstTxWarp>
-            <a:spAutoFit/>
-          </a:bodyPr>
-          <a:lstStyle/>
-          <a:p>
-            <a:endParaRPr lang="es-ES_tradnl"/>
           </a:p>
         </p:txBody>
       </p:sp>
@@ -5042,59 +5054,6 @@
                       </p:childTnLst>
                     </p:cTn>
                   </p:par>
-                  <p:par>
-                    <p:cTn id="8" fill="hold">
-                      <p:stCondLst>
-                        <p:cond delay="indefinite"/>
-                      </p:stCondLst>
-                      <p:childTnLst>
-                        <p:par>
-                          <p:cTn id="9" fill="hold">
-                            <p:stCondLst>
-                              <p:cond delay="0"/>
-                            </p:stCondLst>
-                            <p:childTnLst>
-                              <p:par>
-                                <p:cTn id="10" presetID="4" presetClass="exit" presetSubtype="16" fill="hold" grpId="1" nodeType="clickEffect">
-                                  <p:stCondLst>
-                                    <p:cond delay="0"/>
-                                  </p:stCondLst>
-                                  <p:childTnLst>
-                                    <p:animEffect transition="out" filter="box(in)">
-                                      <p:cBhvr>
-                                        <p:cTn id="11" dur="500"/>
-                                        <p:tgtEl>
-                                          <p:spTgt spid="8"/>
-                                        </p:tgtEl>
-                                      </p:cBhvr>
-                                    </p:animEffect>
-                                    <p:set>
-                                      <p:cBhvr>
-                                        <p:cTn id="12" dur="1" fill="hold">
-                                          <p:stCondLst>
-                                            <p:cond delay="499"/>
-                                          </p:stCondLst>
-                                        </p:cTn>
-                                        <p:tgtEl>
-                                          <p:spTgt spid="8"/>
-                                        </p:tgtEl>
-                                        <p:attrNameLst>
-                                          <p:attrName>style.visibility</p:attrName>
-                                        </p:attrNameLst>
-                                      </p:cBhvr>
-                                      <p:to>
-                                        <p:strVal val="hidden"/>
-                                      </p:to>
-                                    </p:set>
-                                  </p:childTnLst>
-                                </p:cTn>
-                              </p:par>
-                            </p:childTnLst>
-                          </p:cTn>
-                        </p:par>
-                      </p:childTnLst>
-                    </p:cTn>
-                  </p:par>
                 </p:childTnLst>
               </p:cTn>
               <p:prevCondLst>
@@ -5118,7 +5077,6 @@
     </p:tnLst>
     <p:bldLst>
       <p:bldP spid="8" grpId="0" animBg="1"/>
-      <p:bldP spid="8" grpId="1" animBg="1"/>
     </p:bldLst>
   </p:timing>
 </p:sld>
@@ -5213,8 +5171,21 @@
             <a:pPr lvl="1"/>
             <a:r>
               <a:rPr lang="es-AR" dirty="0" smtClean="0"/>
-              <a:t>Especifica un aspecto temprano mediante un nombre y un conjunto de pares de palabras &lt;verbo, objeto&gt;</a:t>
-            </a:r>
+              <a:t>Especifica un aspecto temprano mediante un nombre y un conjunto de pares </a:t>
+            </a:r>
+            <a:r>
+              <a:rPr lang="es-AR" dirty="0" smtClean="0"/>
+              <a:t>&lt;</a:t>
+            </a:r>
+            <a:r>
+              <a:rPr lang="es-AR" dirty="0" smtClean="0"/>
+              <a:t>verbo, </a:t>
+            </a:r>
+            <a:r>
+              <a:rPr lang="es-AR" dirty="0" smtClean="0"/>
+              <a:t>objeto directo&gt;</a:t>
+            </a:r>
+            <a:endParaRPr lang="es-AR" dirty="0" smtClean="0"/>
           </a:p>
         </p:txBody>
       </p:sp>
@@ -5250,26 +5221,38 @@
           <a:chExt cx="0" cy="0"/>
         </a:xfrm>
       </p:grpSpPr>
-      <p:graphicFrame>
-        <p:nvGraphicFramePr>
-          <p:cNvPr id="28680" name="Object 8"/>
-          <p:cNvGraphicFramePr>
-            <a:graphicFrameLocks noChangeAspect="1"/>
-          </p:cNvGraphicFramePr>
+      <p:pic>
+        <p:nvPicPr>
+          <p:cNvPr id="7" name="Picture 10"/>
+          <p:cNvPicPr>
+            <a:picLocks noChangeAspect="1" noChangeArrowheads="1"/>
+          </p:cNvPicPr>
           <p:nvPr/>
-        </p:nvGraphicFramePr>
-        <p:xfrm>
-          <a:off x="518983" y="1124464"/>
-          <a:ext cx="8210552" cy="5115697"/>
-        </p:xfrm>
-        <a:graphic>
-          <a:graphicData uri="http://schemas.openxmlformats.org/presentationml/2006/ole">
-            <p:oleObj spid="_x0000_s46082" name="Visio" r:id="rId3" imgW="5536846" imgH="3445815" progId="Visio.Drawing.11">
-              <p:embed/>
-            </p:oleObj>
-          </a:graphicData>
-        </a:graphic>
-      </p:graphicFrame>
+        </p:nvPicPr>
+        <p:blipFill>
+          <a:blip r:embed="rId2" cstate="print"/>
+          <a:srcRect/>
+          <a:stretch>
+            <a:fillRect/>
+          </a:stretch>
+        </p:blipFill>
+        <p:spPr bwMode="auto">
+          <a:xfrm>
+            <a:off x="370703" y="1160505"/>
+            <a:ext cx="8106032" cy="5341906"/>
+          </a:xfrm>
+          <a:prstGeom prst="rect">
+            <a:avLst/>
+          </a:prstGeom>
+          <a:noFill/>
+          <a:ln w="9525">
+            <a:noFill/>
+            <a:miter lim="800000"/>
+            <a:headEnd/>
+            <a:tailEnd/>
+          </a:ln>
+        </p:spPr>
+      </p:pic>
       <p:sp>
         <p:nvSpPr>
           <p:cNvPr id="2" name="1 Título"/>
@@ -5301,7 +5284,7 @@
         </p:nvSpPr>
         <p:spPr>
           <a:xfrm>
-            <a:off x="2331659" y="2638862"/>
+            <a:off x="1960956" y="2774786"/>
             <a:ext cx="4628485" cy="1735429"/>
           </a:xfrm>
           <a:prstGeom prst="roundRect">
@@ -5478,59 +5461,6 @@
                       </p:childTnLst>
                     </p:cTn>
                   </p:par>
-                  <p:par>
-                    <p:cTn id="8" fill="hold">
-                      <p:stCondLst>
-                        <p:cond delay="indefinite"/>
-                      </p:stCondLst>
-                      <p:childTnLst>
-                        <p:par>
-                          <p:cTn id="9" fill="hold">
-                            <p:stCondLst>
-                              <p:cond delay="0"/>
-                            </p:stCondLst>
-                            <p:childTnLst>
-                              <p:par>
-                                <p:cTn id="10" presetID="8" presetClass="exit" presetSubtype="16" fill="hold" grpId="1" nodeType="clickEffect">
-                                  <p:stCondLst>
-                                    <p:cond delay="0"/>
-                                  </p:stCondLst>
-                                  <p:childTnLst>
-                                    <p:animEffect transition="out" filter="diamond(in)">
-                                      <p:cBhvr>
-                                        <p:cTn id="11" dur="2000"/>
-                                        <p:tgtEl>
-                                          <p:spTgt spid="9"/>
-                                        </p:tgtEl>
-                                      </p:cBhvr>
-                                    </p:animEffect>
-                                    <p:set>
-                                      <p:cBhvr>
-                                        <p:cTn id="12" dur="1" fill="hold">
-                                          <p:stCondLst>
-                                            <p:cond delay="1999"/>
-                                          </p:stCondLst>
-                                        </p:cTn>
-                                        <p:tgtEl>
-                                          <p:spTgt spid="9"/>
-                                        </p:tgtEl>
-                                        <p:attrNameLst>
-                                          <p:attrName>style.visibility</p:attrName>
-                                        </p:attrNameLst>
-                                      </p:cBhvr>
-                                      <p:to>
-                                        <p:strVal val="hidden"/>
-                                      </p:to>
-                                    </p:set>
-                                  </p:childTnLst>
-                                </p:cTn>
-                              </p:par>
-                            </p:childTnLst>
-                          </p:cTn>
-                        </p:par>
-                      </p:childTnLst>
-                    </p:cTn>
-                  </p:par>
                 </p:childTnLst>
               </p:cTn>
               <p:prevCondLst>
@@ -5554,7 +5484,6 @@
     </p:tnLst>
     <p:bldLst>
       <p:bldP spid="9" grpId="0" animBg="1"/>
-      <p:bldP spid="9" grpId="1" animBg="1"/>
     </p:bldLst>
   </p:timing>
 </p:sld>
@@ -5606,7 +5535,7 @@
       </p:sp>
       <p:pic>
         <p:nvPicPr>
-          <p:cNvPr id="57345" name="Picture 1"/>
+          <p:cNvPr id="3" name="Picture 1"/>
           <p:cNvPicPr>
             <a:picLocks noGrp="1" noChangeAspect="1" noChangeArrowheads="1"/>
           </p:cNvPicPr>
@@ -5623,8 +5552,8 @@
         </p:blipFill>
         <p:spPr bwMode="auto">
           <a:xfrm>
-            <a:off x="1418252" y="1176691"/>
-            <a:ext cx="6438123" cy="5126152"/>
+            <a:off x="1977081" y="1285436"/>
+            <a:ext cx="4497859" cy="5572564"/>
           </a:xfrm>
           <a:prstGeom prst="rect">
             <a:avLst/>
@@ -5636,7 +5565,6 @@
             <a:headEnd/>
             <a:tailEnd/>
           </a:ln>
-          <a:effectLst/>
         </p:spPr>
       </p:pic>
     </p:spTree>
@@ -5671,26 +5599,38 @@
           <a:chExt cx="0" cy="0"/>
         </a:xfrm>
       </p:grpSpPr>
-      <p:graphicFrame>
-        <p:nvGraphicFramePr>
-          <p:cNvPr id="28680" name="Object 8"/>
-          <p:cNvGraphicFramePr>
-            <a:graphicFrameLocks noChangeAspect="1"/>
-          </p:cNvGraphicFramePr>
+      <p:pic>
+        <p:nvPicPr>
+          <p:cNvPr id="7" name="Picture 10"/>
+          <p:cNvPicPr>
+            <a:picLocks noChangeAspect="1" noChangeArrowheads="1"/>
+          </p:cNvPicPr>
           <p:nvPr/>
-        </p:nvGraphicFramePr>
-        <p:xfrm>
-          <a:off x="518983" y="1124464"/>
-          <a:ext cx="8210552" cy="5115697"/>
-        </p:xfrm>
-        <a:graphic>
-          <a:graphicData uri="http://schemas.openxmlformats.org/presentationml/2006/ole">
-            <p:oleObj spid="_x0000_s47106" name="Visio" r:id="rId3" imgW="5536846" imgH="3445815" progId="Visio.Drawing.11">
-              <p:embed/>
-            </p:oleObj>
-          </a:graphicData>
-        </a:graphic>
-      </p:graphicFrame>
+        </p:nvPicPr>
+        <p:blipFill>
+          <a:blip r:embed="rId2" cstate="print"/>
+          <a:srcRect/>
+          <a:stretch>
+            <a:fillRect/>
+          </a:stretch>
+        </p:blipFill>
+        <p:spPr bwMode="auto">
+          <a:xfrm>
+            <a:off x="370703" y="1160505"/>
+            <a:ext cx="8106032" cy="5341906"/>
+          </a:xfrm>
+          <a:prstGeom prst="rect">
+            <a:avLst/>
+          </a:prstGeom>
+          <a:noFill/>
+          <a:ln w="9525">
+            <a:noFill/>
+            <a:miter lim="800000"/>
+            <a:headEnd/>
+            <a:tailEnd/>
+          </a:ln>
+        </p:spPr>
+      </p:pic>
       <p:sp>
         <p:nvSpPr>
           <p:cNvPr id="2" name="1 Título"/>
@@ -5722,7 +5662,7 @@
         </p:nvSpPr>
         <p:spPr>
           <a:xfrm>
-            <a:off x="2492297" y="4467661"/>
+            <a:off x="2121594" y="4801294"/>
             <a:ext cx="4628485" cy="1735429"/>
           </a:xfrm>
           <a:prstGeom prst="roundRect">
@@ -5899,59 +5839,6 @@
                       </p:childTnLst>
                     </p:cTn>
                   </p:par>
-                  <p:par>
-                    <p:cTn id="8" fill="hold">
-                      <p:stCondLst>
-                        <p:cond delay="indefinite"/>
-                      </p:stCondLst>
-                      <p:childTnLst>
-                        <p:par>
-                          <p:cTn id="9" fill="hold">
-                            <p:stCondLst>
-                              <p:cond delay="0"/>
-                            </p:stCondLst>
-                            <p:childTnLst>
-                              <p:par>
-                                <p:cTn id="10" presetID="8" presetClass="exit" presetSubtype="16" fill="hold" grpId="1" nodeType="clickEffect">
-                                  <p:stCondLst>
-                                    <p:cond delay="0"/>
-                                  </p:stCondLst>
-                                  <p:childTnLst>
-                                    <p:animEffect transition="out" filter="diamond(in)">
-                                      <p:cBhvr>
-                                        <p:cTn id="11" dur="2000"/>
-                                        <p:tgtEl>
-                                          <p:spTgt spid="9"/>
-                                        </p:tgtEl>
-                                      </p:cBhvr>
-                                    </p:animEffect>
-                                    <p:set>
-                                      <p:cBhvr>
-                                        <p:cTn id="12" dur="1" fill="hold">
-                                          <p:stCondLst>
-                                            <p:cond delay="1999"/>
-                                          </p:stCondLst>
-                                        </p:cTn>
-                                        <p:tgtEl>
-                                          <p:spTgt spid="9"/>
-                                        </p:tgtEl>
-                                        <p:attrNameLst>
-                                          <p:attrName>style.visibility</p:attrName>
-                                        </p:attrNameLst>
-                                      </p:cBhvr>
-                                      <p:to>
-                                        <p:strVal val="hidden"/>
-                                      </p:to>
-                                    </p:set>
-                                  </p:childTnLst>
-                                </p:cTn>
-                              </p:par>
-                            </p:childTnLst>
-                          </p:cTn>
-                        </p:par>
-                      </p:childTnLst>
-                    </p:cTn>
-                  </p:par>
                 </p:childTnLst>
               </p:cTn>
               <p:prevCondLst>
@@ -5975,7 +5862,6 @@
     </p:tnLst>
     <p:bldLst>
       <p:bldP spid="9" grpId="0" animBg="1"/>
-      <p:bldP spid="9" grpId="1" animBg="1"/>
     </p:bldLst>
   </p:timing>
 </p:sld>
@@ -6025,15 +5911,32 @@
           </a:p>
         </p:txBody>
       </p:sp>
+      <p:sp>
+        <p:nvSpPr>
+          <p:cNvPr id="5" name="4 Marcador de contenido"/>
+          <p:cNvSpPr>
+            <a:spLocks noGrp="1"/>
+          </p:cNvSpPr>
+          <p:nvPr>
+            <p:ph sz="quarter" idx="1"/>
+          </p:nvPr>
+        </p:nvSpPr>
+        <p:spPr/>
+        <p:txBody>
+          <a:bodyPr/>
+          <a:lstStyle/>
+          <a:p>
+            <a:endParaRPr lang="es-ES_tradnl" dirty="0"/>
+          </a:p>
+        </p:txBody>
+      </p:sp>
       <p:pic>
         <p:nvPicPr>
-          <p:cNvPr id="59394" name="Picture 2"/>
+          <p:cNvPr id="3" name="Picture 2"/>
           <p:cNvPicPr>
-            <a:picLocks noGrp="1" noChangeAspect="1" noChangeArrowheads="1"/>
+            <a:picLocks noChangeAspect="1" noChangeArrowheads="1"/>
           </p:cNvPicPr>
-          <p:nvPr>
-            <p:ph sz="quarter" idx="1"/>
-          </p:nvPr>
+          <p:nvPr/>
         </p:nvPicPr>
         <p:blipFill>
           <a:blip r:embed="rId2" cstate="print"/>
@@ -6044,8 +5947,8 @@
         </p:blipFill>
         <p:spPr bwMode="auto">
           <a:xfrm>
-            <a:off x="769285" y="1455576"/>
-            <a:ext cx="7884154" cy="4627983"/>
+            <a:off x="545628" y="1348431"/>
+            <a:ext cx="7930558" cy="4409817"/>
           </a:xfrm>
           <a:prstGeom prst="rect">
             <a:avLst/>
@@ -6057,7 +5960,6 @@
             <a:headEnd/>
             <a:tailEnd/>
           </a:ln>
-          <a:effectLst/>
         </p:spPr>
       </p:pic>
     </p:spTree>

--- a/trunk/Capitulos Finales/FilminasV0.2.pptx
+++ b/trunk/Capitulos Finales/FilminasV0.2.pptx
@@ -542,6 +542,1379 @@
           </a:bodyPr>
           <a:lstStyle/>
           <a:p>
+            <a:r>
+              <a:rPr lang="es-ES_tradnl" dirty="0" smtClean="0"/>
+              <a:t>Presentación</a:t>
+            </a:r>
+            <a:r>
+              <a:rPr lang="es-ES_tradnl" baseline="0" dirty="0" smtClean="0"/>
+              <a:t>: </a:t>
+            </a:r>
+          </a:p>
+          <a:p>
+            <a:pPr lvl="1">
+              <a:buFontTx/>
+              <a:buChar char="-"/>
+            </a:pPr>
+            <a:r>
+              <a:rPr lang="es-ES_tradnl" baseline="0" dirty="0" smtClean="0"/>
+              <a:t>Nosotros</a:t>
+            </a:r>
+          </a:p>
+          <a:p>
+            <a:pPr lvl="1">
+              <a:buFontTx/>
+              <a:buChar char="-"/>
+            </a:pPr>
+            <a:r>
+              <a:rPr lang="es-ES_tradnl" baseline="0" dirty="0" smtClean="0"/>
+              <a:t>Tesis</a:t>
+            </a:r>
+          </a:p>
+          <a:p>
+            <a:pPr lvl="1">
+              <a:buFontTx/>
+              <a:buChar char="-"/>
+            </a:pPr>
+            <a:r>
+              <a:rPr lang="es-ES_tradnl" baseline="0" dirty="0" smtClean="0"/>
+              <a:t> Directores</a:t>
+            </a:r>
+            <a:endParaRPr lang="es-ES_tradnl" dirty="0"/>
+          </a:p>
+        </p:txBody>
+      </p:sp>
+      <p:sp>
+        <p:nvSpPr>
+          <p:cNvPr id="4" name="3 Marcador de número de diapositiva"/>
+          <p:cNvSpPr>
+            <a:spLocks noGrp="1"/>
+          </p:cNvSpPr>
+          <p:nvPr>
+            <p:ph type="sldNum" sz="quarter" idx="10"/>
+          </p:nvPr>
+        </p:nvSpPr>
+        <p:spPr/>
+        <p:txBody>
+          <a:bodyPr/>
+          <a:lstStyle/>
+          <a:p>
+            <a:fld id="{1872ED1A-74B4-42AE-A5BF-D7540D1CC6CA}" type="slidenum">
+              <a:rPr lang="es-ES" smtClean="0"/>
+              <a:pPr/>
+              <a:t>1</a:t>
+            </a:fld>
+            <a:endParaRPr lang="es-ES" dirty="0"/>
+          </a:p>
+        </p:txBody>
+      </p:sp>
+    </p:spTree>
+  </p:cSld>
+  <p:clrMapOvr>
+    <a:masterClrMapping/>
+  </p:clrMapOvr>
+</p:notes>
+</file>
+
+<file path=ppt/notesSlides/notesSlide10.xml><?xml version="1.0" encoding="utf-8"?>
+<p:notes xmlns:a="http://schemas.openxmlformats.org/drawingml/2006/main" xmlns:r="http://schemas.openxmlformats.org/officeDocument/2006/relationships" xmlns:p="http://schemas.openxmlformats.org/presentationml/2006/main">
+  <p:cSld>
+    <p:spTree>
+      <p:nvGrpSpPr>
+        <p:cNvPr id="1" name=""/>
+        <p:cNvGrpSpPr/>
+        <p:nvPr/>
+      </p:nvGrpSpPr>
+      <p:grpSpPr>
+        <a:xfrm>
+          <a:off x="0" y="0"/>
+          <a:ext cx="0" cy="0"/>
+          <a:chOff x="0" y="0"/>
+          <a:chExt cx="0" cy="0"/>
+        </a:xfrm>
+      </p:grpSpPr>
+      <p:sp>
+        <p:nvSpPr>
+          <p:cNvPr id="2" name="1 Marcador de imagen de diapositiva"/>
+          <p:cNvSpPr>
+            <a:spLocks noGrp="1" noRot="1" noChangeAspect="1"/>
+          </p:cNvSpPr>
+          <p:nvPr>
+            <p:ph type="sldImg"/>
+          </p:nvPr>
+        </p:nvSpPr>
+        <p:spPr/>
+      </p:sp>
+      <p:sp>
+        <p:nvSpPr>
+          <p:cNvPr id="3" name="2 Marcador de notas"/>
+          <p:cNvSpPr>
+            <a:spLocks noGrp="1"/>
+          </p:cNvSpPr>
+          <p:nvPr>
+            <p:ph type="body" idx="1"/>
+          </p:nvPr>
+        </p:nvSpPr>
+        <p:spPr/>
+        <p:txBody>
+          <a:bodyPr>
+            <a:normAutofit/>
+          </a:bodyPr>
+          <a:lstStyle/>
+          <a:p>
+            <a:pPr marL="0" marR="0" indent="0" algn="l" defTabSz="914400" rtl="0" eaLnBrk="1" fontAlgn="auto" latinLnBrk="0" hangingPunct="1">
+              <a:lnSpc>
+                <a:spcPct val="100000"/>
+              </a:lnSpc>
+              <a:spcBef>
+                <a:spcPts val="0"/>
+              </a:spcBef>
+              <a:spcAft>
+                <a:spcPts val="0"/>
+              </a:spcAft>
+              <a:buClrTx/>
+              <a:buSzTx/>
+              <a:buFontTx/>
+              <a:buNone/>
+              <a:tabLst/>
+              <a:defRPr/>
+            </a:pPr>
+            <a:r>
+              <a:rPr lang="es-AR" sz="1200" kern="1200" dirty="0" smtClean="0">
+                <a:solidFill>
+                  <a:schemeClr val="tx1"/>
+                </a:solidFill>
+                <a:latin typeface="+mn-lt"/>
+                <a:ea typeface="+mn-ea"/>
+                <a:cs typeface="+mn-cs"/>
+              </a:rPr>
+              <a:t>Los actores principales son: el analista, que es el encargado de definir los casos de uso del sistema y, además, quien se beneficia de la salida del proceso; y el experto en el dominio, cuya responsabilidad es desarrollar la ontología para que pueda ser utilizada durante la etapa de análisis.</a:t>
+            </a:r>
+            <a:endParaRPr lang="es-ES_tradnl" sz="1200" kern="1200" dirty="0" smtClean="0">
+              <a:solidFill>
+                <a:schemeClr val="tx1"/>
+              </a:solidFill>
+              <a:latin typeface="+mn-lt"/>
+              <a:ea typeface="+mn-ea"/>
+              <a:cs typeface="+mn-cs"/>
+            </a:endParaRPr>
+          </a:p>
+          <a:p>
+            <a:endParaRPr lang="es-ES_tradnl" dirty="0"/>
+          </a:p>
+        </p:txBody>
+      </p:sp>
+      <p:sp>
+        <p:nvSpPr>
+          <p:cNvPr id="4" name="3 Marcador de número de diapositiva"/>
+          <p:cNvSpPr>
+            <a:spLocks noGrp="1"/>
+          </p:cNvSpPr>
+          <p:nvPr>
+            <p:ph type="sldNum" sz="quarter" idx="10"/>
+          </p:nvPr>
+        </p:nvSpPr>
+        <p:spPr/>
+        <p:txBody>
+          <a:bodyPr/>
+          <a:lstStyle/>
+          <a:p>
+            <a:fld id="{1872ED1A-74B4-42AE-A5BF-D7540D1CC6CA}" type="slidenum">
+              <a:rPr lang="es-ES" smtClean="0"/>
+              <a:pPr/>
+              <a:t>12</a:t>
+            </a:fld>
+            <a:endParaRPr lang="es-ES" dirty="0"/>
+          </a:p>
+        </p:txBody>
+      </p:sp>
+    </p:spTree>
+  </p:cSld>
+  <p:clrMapOvr>
+    <a:masterClrMapping/>
+  </p:clrMapOvr>
+</p:notes>
+</file>
+
+<file path=ppt/notesSlides/notesSlide11.xml><?xml version="1.0" encoding="utf-8"?>
+<p:notes xmlns:a="http://schemas.openxmlformats.org/drawingml/2006/main" xmlns:r="http://schemas.openxmlformats.org/officeDocument/2006/relationships" xmlns:p="http://schemas.openxmlformats.org/presentationml/2006/main">
+  <p:cSld>
+    <p:spTree>
+      <p:nvGrpSpPr>
+        <p:cNvPr id="1" name=""/>
+        <p:cNvGrpSpPr/>
+        <p:nvPr/>
+      </p:nvGrpSpPr>
+      <p:grpSpPr>
+        <a:xfrm>
+          <a:off x="0" y="0"/>
+          <a:ext cx="0" cy="0"/>
+          <a:chOff x="0" y="0"/>
+          <a:chExt cx="0" cy="0"/>
+        </a:xfrm>
+      </p:grpSpPr>
+      <p:sp>
+        <p:nvSpPr>
+          <p:cNvPr id="2" name="1 Marcador de imagen de diapositiva"/>
+          <p:cNvSpPr>
+            <a:spLocks noGrp="1" noRot="1" noChangeAspect="1"/>
+          </p:cNvSpPr>
+          <p:nvPr>
+            <p:ph type="sldImg"/>
+          </p:nvPr>
+        </p:nvSpPr>
+        <p:spPr/>
+      </p:sp>
+      <p:sp>
+        <p:nvSpPr>
+          <p:cNvPr id="3" name="2 Marcador de notas"/>
+          <p:cNvSpPr>
+            <a:spLocks noGrp="1"/>
+          </p:cNvSpPr>
+          <p:nvPr>
+            <p:ph type="body" idx="1"/>
+          </p:nvPr>
+        </p:nvSpPr>
+        <p:spPr/>
+        <p:txBody>
+          <a:bodyPr>
+            <a:normAutofit/>
+          </a:bodyPr>
+          <a:lstStyle/>
+          <a:p>
+            <a:r>
+              <a:rPr lang="es-AR" sz="1200" kern="1200" dirty="0" smtClean="0">
+                <a:solidFill>
+                  <a:schemeClr val="tx1"/>
+                </a:solidFill>
+                <a:latin typeface="+mn-lt"/>
+                <a:ea typeface="+mn-ea"/>
+                <a:cs typeface="+mn-cs"/>
+              </a:rPr>
+              <a:t>Las entradas del proceso son los casos de uso</a:t>
+            </a:r>
+            <a:r>
+              <a:rPr lang="es-ES_tradnl" sz="1200" kern="1200" dirty="0" smtClean="0">
+                <a:solidFill>
+                  <a:schemeClr val="tx1"/>
+                </a:solidFill>
+                <a:latin typeface="+mn-lt"/>
+                <a:ea typeface="+mn-ea"/>
+                <a:cs typeface="+mn-cs"/>
+              </a:rPr>
+              <a:t> y el aspecto temprano que los relaciona. Se asume que el aspecto temprano ha sido previamente identificado por medio de algún </a:t>
+            </a:r>
+            <a:r>
+              <a:rPr lang="es-ES_tradnl" sz="1200" kern="1200" dirty="0" err="1" smtClean="0">
+                <a:solidFill>
+                  <a:schemeClr val="tx1"/>
+                </a:solidFill>
+                <a:latin typeface="+mn-lt"/>
+                <a:ea typeface="+mn-ea"/>
+                <a:cs typeface="+mn-cs"/>
+              </a:rPr>
+              <a:t>tool</a:t>
+            </a:r>
+            <a:r>
+              <a:rPr lang="es-ES_tradnl" sz="1200" kern="1200" dirty="0" smtClean="0">
+                <a:solidFill>
+                  <a:schemeClr val="tx1"/>
+                </a:solidFill>
+                <a:latin typeface="+mn-lt"/>
+                <a:ea typeface="+mn-ea"/>
+                <a:cs typeface="+mn-cs"/>
+              </a:rPr>
+              <a:t> de detección de aspectos tempranos. En este trabajo, se utilizó para este propósito la herramienta </a:t>
+            </a:r>
+            <a:r>
+              <a:rPr lang="es-AR" sz="1200" i="1" kern="1200" dirty="0" smtClean="0">
+                <a:solidFill>
+                  <a:schemeClr val="tx1"/>
+                </a:solidFill>
+                <a:latin typeface="+mn-lt"/>
+                <a:ea typeface="+mn-ea"/>
+                <a:cs typeface="+mn-cs"/>
+              </a:rPr>
+              <a:t>Aspect Extractor </a:t>
+            </a:r>
+            <a:r>
+              <a:rPr lang="es-AR" sz="1200" i="1" kern="1200" dirty="0" err="1" smtClean="0">
+                <a:solidFill>
+                  <a:schemeClr val="tx1"/>
+                </a:solidFill>
+                <a:latin typeface="+mn-lt"/>
+                <a:ea typeface="+mn-ea"/>
+                <a:cs typeface="+mn-cs"/>
+              </a:rPr>
+              <a:t>Tool</a:t>
+            </a:r>
+            <a:r>
+              <a:rPr lang="es-AR" sz="1200" kern="1200" dirty="0" smtClean="0">
+                <a:solidFill>
+                  <a:schemeClr val="tx1"/>
+                </a:solidFill>
+                <a:latin typeface="+mn-lt"/>
+                <a:ea typeface="+mn-ea"/>
+                <a:cs typeface="+mn-cs"/>
+              </a:rPr>
+              <a:t> [8],</a:t>
+            </a:r>
+            <a:r>
+              <a:rPr lang="es-AR" sz="1200" i="1" kern="1200" dirty="0" smtClean="0">
+                <a:solidFill>
+                  <a:schemeClr val="tx1"/>
+                </a:solidFill>
+                <a:latin typeface="+mn-lt"/>
+                <a:ea typeface="+mn-ea"/>
+                <a:cs typeface="+mn-cs"/>
+              </a:rPr>
+              <a:t> </a:t>
+            </a:r>
+            <a:r>
+              <a:rPr lang="es-ES_tradnl" sz="1200" kern="1200" dirty="0" smtClean="0">
+                <a:solidFill>
+                  <a:schemeClr val="tx1"/>
+                </a:solidFill>
+                <a:latin typeface="+mn-lt"/>
+                <a:ea typeface="+mn-ea"/>
+                <a:cs typeface="+mn-cs"/>
+              </a:rPr>
+              <a:t>la cual identifica un conjunto de aspectos tempranos candidatos a partir de una especificación de requerimientos</a:t>
+            </a:r>
+            <a:endParaRPr lang="es-ES_tradnl" dirty="0" smtClean="0"/>
+          </a:p>
+          <a:p>
+            <a:endParaRPr lang="es-ES_tradnl" dirty="0"/>
+          </a:p>
+        </p:txBody>
+      </p:sp>
+      <p:sp>
+        <p:nvSpPr>
+          <p:cNvPr id="4" name="3 Marcador de número de diapositiva"/>
+          <p:cNvSpPr>
+            <a:spLocks noGrp="1"/>
+          </p:cNvSpPr>
+          <p:nvPr>
+            <p:ph type="sldNum" sz="quarter" idx="10"/>
+          </p:nvPr>
+        </p:nvSpPr>
+        <p:spPr/>
+        <p:txBody>
+          <a:bodyPr/>
+          <a:lstStyle/>
+          <a:p>
+            <a:fld id="{1872ED1A-74B4-42AE-A5BF-D7540D1CC6CA}" type="slidenum">
+              <a:rPr lang="es-ES" smtClean="0"/>
+              <a:pPr/>
+              <a:t>13</a:t>
+            </a:fld>
+            <a:endParaRPr lang="es-ES" dirty="0"/>
+          </a:p>
+        </p:txBody>
+      </p:sp>
+    </p:spTree>
+  </p:cSld>
+  <p:clrMapOvr>
+    <a:masterClrMapping/>
+  </p:clrMapOvr>
+</p:notes>
+</file>
+
+<file path=ppt/notesSlides/notesSlide12.xml><?xml version="1.0" encoding="utf-8"?>
+<p:notes xmlns:a="http://schemas.openxmlformats.org/drawingml/2006/main" xmlns:r="http://schemas.openxmlformats.org/officeDocument/2006/relationships" xmlns:p="http://schemas.openxmlformats.org/presentationml/2006/main">
+  <p:cSld>
+    <p:spTree>
+      <p:nvGrpSpPr>
+        <p:cNvPr id="1" name=""/>
+        <p:cNvGrpSpPr/>
+        <p:nvPr/>
+      </p:nvGrpSpPr>
+      <p:grpSpPr>
+        <a:xfrm>
+          <a:off x="0" y="0"/>
+          <a:ext cx="0" cy="0"/>
+          <a:chOff x="0" y="0"/>
+          <a:chExt cx="0" cy="0"/>
+        </a:xfrm>
+      </p:grpSpPr>
+      <p:sp>
+        <p:nvSpPr>
+          <p:cNvPr id="2" name="1 Marcador de imagen de diapositiva"/>
+          <p:cNvSpPr>
+            <a:spLocks noGrp="1" noRot="1" noChangeAspect="1"/>
+          </p:cNvSpPr>
+          <p:nvPr>
+            <p:ph type="sldImg"/>
+          </p:nvPr>
+        </p:nvSpPr>
+        <p:spPr/>
+      </p:sp>
+      <p:sp>
+        <p:nvSpPr>
+          <p:cNvPr id="3" name="2 Marcador de notas"/>
+          <p:cNvSpPr>
+            <a:spLocks noGrp="1"/>
+          </p:cNvSpPr>
+          <p:nvPr>
+            <p:ph type="body" idx="1"/>
+          </p:nvPr>
+        </p:nvSpPr>
+        <p:spPr/>
+        <p:txBody>
+          <a:bodyPr>
+            <a:normAutofit/>
+          </a:bodyPr>
+          <a:lstStyle/>
+          <a:p>
+            <a:endParaRPr lang="es-ES_tradnl" dirty="0"/>
+          </a:p>
+        </p:txBody>
+      </p:sp>
+      <p:sp>
+        <p:nvSpPr>
+          <p:cNvPr id="4" name="3 Marcador de número de diapositiva"/>
+          <p:cNvSpPr>
+            <a:spLocks noGrp="1"/>
+          </p:cNvSpPr>
+          <p:nvPr>
+            <p:ph type="sldNum" sz="quarter" idx="10"/>
+          </p:nvPr>
+        </p:nvSpPr>
+        <p:spPr/>
+        <p:txBody>
+          <a:bodyPr/>
+          <a:lstStyle/>
+          <a:p>
+            <a:fld id="{1872ED1A-74B4-42AE-A5BF-D7540D1CC6CA}" type="slidenum">
+              <a:rPr lang="es-ES" smtClean="0"/>
+              <a:pPr/>
+              <a:t>14</a:t>
+            </a:fld>
+            <a:endParaRPr lang="es-ES" dirty="0"/>
+          </a:p>
+        </p:txBody>
+      </p:sp>
+    </p:spTree>
+  </p:cSld>
+  <p:clrMapOvr>
+    <a:masterClrMapping/>
+  </p:clrMapOvr>
+</p:notes>
+</file>
+
+<file path=ppt/notesSlides/notesSlide13.xml><?xml version="1.0" encoding="utf-8"?>
+<p:notes xmlns:a="http://schemas.openxmlformats.org/drawingml/2006/main" xmlns:r="http://schemas.openxmlformats.org/officeDocument/2006/relationships" xmlns:p="http://schemas.openxmlformats.org/presentationml/2006/main">
+  <p:cSld>
+    <p:spTree>
+      <p:nvGrpSpPr>
+        <p:cNvPr id="1" name=""/>
+        <p:cNvGrpSpPr/>
+        <p:nvPr/>
+      </p:nvGrpSpPr>
+      <p:grpSpPr>
+        <a:xfrm>
+          <a:off x="0" y="0"/>
+          <a:ext cx="0" cy="0"/>
+          <a:chOff x="0" y="0"/>
+          <a:chExt cx="0" cy="0"/>
+        </a:xfrm>
+      </p:grpSpPr>
+      <p:sp>
+        <p:nvSpPr>
+          <p:cNvPr id="2" name="1 Marcador de imagen de diapositiva"/>
+          <p:cNvSpPr>
+            <a:spLocks noGrp="1" noRot="1" noChangeAspect="1"/>
+          </p:cNvSpPr>
+          <p:nvPr>
+            <p:ph type="sldImg"/>
+          </p:nvPr>
+        </p:nvSpPr>
+        <p:spPr/>
+      </p:sp>
+      <p:sp>
+        <p:nvSpPr>
+          <p:cNvPr id="3" name="2 Marcador de notas"/>
+          <p:cNvSpPr>
+            <a:spLocks noGrp="1"/>
+          </p:cNvSpPr>
+          <p:nvPr>
+            <p:ph type="body" idx="1"/>
+          </p:nvPr>
+        </p:nvSpPr>
+        <p:spPr/>
+        <p:txBody>
+          <a:bodyPr>
+            <a:normAutofit/>
+          </a:bodyPr>
+          <a:lstStyle/>
+          <a:p>
+            <a:endParaRPr lang="es-ES_tradnl" dirty="0"/>
+          </a:p>
+        </p:txBody>
+      </p:sp>
+      <p:sp>
+        <p:nvSpPr>
+          <p:cNvPr id="4" name="3 Marcador de número de diapositiva"/>
+          <p:cNvSpPr>
+            <a:spLocks noGrp="1"/>
+          </p:cNvSpPr>
+          <p:nvPr>
+            <p:ph type="sldNum" sz="quarter" idx="10"/>
+          </p:nvPr>
+        </p:nvSpPr>
+        <p:spPr/>
+        <p:txBody>
+          <a:bodyPr/>
+          <a:lstStyle/>
+          <a:p>
+            <a:fld id="{1872ED1A-74B4-42AE-A5BF-D7540D1CC6CA}" type="slidenum">
+              <a:rPr lang="es-ES" smtClean="0"/>
+              <a:pPr/>
+              <a:t>15</a:t>
+            </a:fld>
+            <a:endParaRPr lang="es-ES" dirty="0"/>
+          </a:p>
+        </p:txBody>
+      </p:sp>
+    </p:spTree>
+  </p:cSld>
+  <p:clrMapOvr>
+    <a:masterClrMapping/>
+  </p:clrMapOvr>
+</p:notes>
+</file>
+
+<file path=ppt/notesSlides/notesSlide14.xml><?xml version="1.0" encoding="utf-8"?>
+<p:notes xmlns:a="http://schemas.openxmlformats.org/drawingml/2006/main" xmlns:r="http://schemas.openxmlformats.org/officeDocument/2006/relationships" xmlns:p="http://schemas.openxmlformats.org/presentationml/2006/main">
+  <p:cSld>
+    <p:spTree>
+      <p:nvGrpSpPr>
+        <p:cNvPr id="1" name=""/>
+        <p:cNvGrpSpPr/>
+        <p:nvPr/>
+      </p:nvGrpSpPr>
+      <p:grpSpPr>
+        <a:xfrm>
+          <a:off x="0" y="0"/>
+          <a:ext cx="0" cy="0"/>
+          <a:chOff x="0" y="0"/>
+          <a:chExt cx="0" cy="0"/>
+        </a:xfrm>
+      </p:grpSpPr>
+      <p:sp>
+        <p:nvSpPr>
+          <p:cNvPr id="2" name="1 Marcador de imagen de diapositiva"/>
+          <p:cNvSpPr>
+            <a:spLocks noGrp="1" noRot="1" noChangeAspect="1"/>
+          </p:cNvSpPr>
+          <p:nvPr>
+            <p:ph type="sldImg"/>
+          </p:nvPr>
+        </p:nvSpPr>
+        <p:spPr/>
+      </p:sp>
+      <p:sp>
+        <p:nvSpPr>
+          <p:cNvPr id="3" name="2 Marcador de notas"/>
+          <p:cNvSpPr>
+            <a:spLocks noGrp="1"/>
+          </p:cNvSpPr>
+          <p:nvPr>
+            <p:ph type="body" idx="1"/>
+          </p:nvPr>
+        </p:nvSpPr>
+        <p:spPr/>
+        <p:txBody>
+          <a:bodyPr>
+            <a:normAutofit/>
+          </a:bodyPr>
+          <a:lstStyle/>
+          <a:p>
+            <a:pPr marL="0" marR="0" indent="0" algn="l" defTabSz="914400" rtl="0" eaLnBrk="1" fontAlgn="auto" latinLnBrk="0" hangingPunct="1">
+              <a:lnSpc>
+                <a:spcPct val="100000"/>
+              </a:lnSpc>
+              <a:spcBef>
+                <a:spcPts val="0"/>
+              </a:spcBef>
+              <a:spcAft>
+                <a:spcPts val="0"/>
+              </a:spcAft>
+              <a:buClrTx/>
+              <a:buSzTx/>
+              <a:buFontTx/>
+              <a:buNone/>
+              <a:tabLst/>
+              <a:defRPr/>
+            </a:pPr>
+            <a:r>
+              <a:rPr lang="es-AR" sz="1200" kern="1200" dirty="0" smtClean="0">
+                <a:solidFill>
+                  <a:schemeClr val="tx1"/>
+                </a:solidFill>
+                <a:latin typeface="+mn-lt"/>
+                <a:ea typeface="+mn-ea"/>
+                <a:cs typeface="+mn-cs"/>
+              </a:rPr>
+              <a:t>Como soporte a este proceso se ha desarrollado una herramienta, denominada </a:t>
+            </a:r>
+            <a:r>
+              <a:rPr lang="es-AR" sz="1200" i="1" kern="1200" dirty="0" smtClean="0">
+                <a:solidFill>
+                  <a:schemeClr val="tx1"/>
+                </a:solidFill>
+                <a:latin typeface="+mn-lt"/>
+                <a:ea typeface="+mn-ea"/>
+                <a:cs typeface="+mn-cs"/>
+              </a:rPr>
+              <a:t>QA </a:t>
+            </a:r>
+            <a:r>
+              <a:rPr lang="es-AR" sz="1200" i="1" kern="1200" dirty="0" err="1" smtClean="0">
+                <a:solidFill>
+                  <a:schemeClr val="tx1"/>
+                </a:solidFill>
+                <a:latin typeface="+mn-lt"/>
+                <a:ea typeface="+mn-ea"/>
+                <a:cs typeface="+mn-cs"/>
+              </a:rPr>
+              <a:t>Miner</a:t>
+            </a:r>
+            <a:r>
+              <a:rPr lang="es-AR" sz="1200" kern="1200" dirty="0" smtClean="0">
+                <a:solidFill>
+                  <a:schemeClr val="tx1"/>
+                </a:solidFill>
+                <a:latin typeface="+mn-lt"/>
+                <a:ea typeface="+mn-ea"/>
+                <a:cs typeface="+mn-cs"/>
+              </a:rPr>
+              <a:t>, la cual es un </a:t>
+            </a:r>
+            <a:r>
+              <a:rPr lang="es-AR" sz="1200" i="1" kern="1200" dirty="0" err="1" smtClean="0">
+                <a:solidFill>
+                  <a:schemeClr val="tx1"/>
+                </a:solidFill>
+                <a:latin typeface="+mn-lt"/>
+                <a:ea typeface="+mn-ea"/>
+                <a:cs typeface="+mn-cs"/>
+              </a:rPr>
+              <a:t>plugin</a:t>
+            </a:r>
+            <a:r>
+              <a:rPr lang="es-AR" sz="1200" kern="1200" dirty="0" smtClean="0">
+                <a:solidFill>
+                  <a:schemeClr val="tx1"/>
+                </a:solidFill>
+                <a:latin typeface="+mn-lt"/>
+                <a:ea typeface="+mn-ea"/>
+                <a:cs typeface="+mn-cs"/>
+              </a:rPr>
+              <a:t> de Eclipse. Esta herramienta permite al analista seleccionar como entrada el aspecto temprano que desea analizar, junto a los casos de uso que los relaciona. Mediante </a:t>
+            </a:r>
+            <a:r>
+              <a:rPr lang="es-AR" sz="1200" i="1" kern="1200" dirty="0" smtClean="0">
+                <a:solidFill>
+                  <a:schemeClr val="tx1"/>
+                </a:solidFill>
+                <a:latin typeface="+mn-lt"/>
+                <a:ea typeface="+mn-ea"/>
+                <a:cs typeface="+mn-cs"/>
+              </a:rPr>
+              <a:t>QA </a:t>
+            </a:r>
+            <a:r>
+              <a:rPr lang="es-AR" sz="1200" i="1" kern="1200" dirty="0" err="1" smtClean="0">
+                <a:solidFill>
+                  <a:schemeClr val="tx1"/>
+                </a:solidFill>
+                <a:latin typeface="+mn-lt"/>
+                <a:ea typeface="+mn-ea"/>
+                <a:cs typeface="+mn-cs"/>
+              </a:rPr>
+              <a:t>Miner</a:t>
+            </a:r>
+            <a:r>
+              <a:rPr lang="es-AR" sz="1200" kern="1200" dirty="0" smtClean="0">
+                <a:solidFill>
+                  <a:schemeClr val="tx1"/>
+                </a:solidFill>
+                <a:latin typeface="+mn-lt"/>
+                <a:ea typeface="+mn-ea"/>
+                <a:cs typeface="+mn-cs"/>
+              </a:rPr>
+              <a:t>, el analista podrá contar con información acerca de los atributos de calidad identificados para el conjunto de datos de entrada. Es decir, para cada aspecto temprano del sistema, se muestra un ranking de porcentajes, con un atributo de calidad cada uno, indicando el grado de relación entre ese aspecto temprano y los distintos atributos de calidad presentes en la ontología. De esta manera, el analista podrá seleccionar los atributos de calidad destacados, para tenerlos en cuenta en las etapas siguientes del ciclo de desarrollo.</a:t>
+            </a:r>
+            <a:endParaRPr lang="es-ES_tradnl" sz="1200" kern="1200" dirty="0" smtClean="0">
+              <a:solidFill>
+                <a:schemeClr val="tx1"/>
+              </a:solidFill>
+              <a:latin typeface="+mn-lt"/>
+              <a:ea typeface="+mn-ea"/>
+              <a:cs typeface="+mn-cs"/>
+            </a:endParaRPr>
+          </a:p>
+          <a:p>
+            <a:endParaRPr lang="es-ES_tradnl" dirty="0"/>
+          </a:p>
+        </p:txBody>
+      </p:sp>
+      <p:sp>
+        <p:nvSpPr>
+          <p:cNvPr id="4" name="3 Marcador de número de diapositiva"/>
+          <p:cNvSpPr>
+            <a:spLocks noGrp="1"/>
+          </p:cNvSpPr>
+          <p:nvPr>
+            <p:ph type="sldNum" sz="quarter" idx="10"/>
+          </p:nvPr>
+        </p:nvSpPr>
+        <p:spPr/>
+        <p:txBody>
+          <a:bodyPr/>
+          <a:lstStyle/>
+          <a:p>
+            <a:fld id="{1872ED1A-74B4-42AE-A5BF-D7540D1CC6CA}" type="slidenum">
+              <a:rPr lang="es-ES" smtClean="0"/>
+              <a:pPr/>
+              <a:t>18</a:t>
+            </a:fld>
+            <a:endParaRPr lang="es-ES" dirty="0"/>
+          </a:p>
+        </p:txBody>
+      </p:sp>
+    </p:spTree>
+  </p:cSld>
+  <p:clrMapOvr>
+    <a:masterClrMapping/>
+  </p:clrMapOvr>
+</p:notes>
+</file>
+
+<file path=ppt/notesSlides/notesSlide2.xml><?xml version="1.0" encoding="utf-8"?>
+<p:notes xmlns:a="http://schemas.openxmlformats.org/drawingml/2006/main" xmlns:r="http://schemas.openxmlformats.org/officeDocument/2006/relationships" xmlns:p="http://schemas.openxmlformats.org/presentationml/2006/main">
+  <p:cSld>
+    <p:spTree>
+      <p:nvGrpSpPr>
+        <p:cNvPr id="1" name=""/>
+        <p:cNvGrpSpPr/>
+        <p:nvPr/>
+      </p:nvGrpSpPr>
+      <p:grpSpPr>
+        <a:xfrm>
+          <a:off x="0" y="0"/>
+          <a:ext cx="0" cy="0"/>
+          <a:chOff x="0" y="0"/>
+          <a:chExt cx="0" cy="0"/>
+        </a:xfrm>
+      </p:grpSpPr>
+      <p:sp>
+        <p:nvSpPr>
+          <p:cNvPr id="2" name="1 Marcador de imagen de diapositiva"/>
+          <p:cNvSpPr>
+            <a:spLocks noGrp="1" noRot="1" noChangeAspect="1"/>
+          </p:cNvSpPr>
+          <p:nvPr>
+            <p:ph type="sldImg"/>
+          </p:nvPr>
+        </p:nvSpPr>
+        <p:spPr/>
+      </p:sp>
+      <p:sp>
+        <p:nvSpPr>
+          <p:cNvPr id="3" name="2 Marcador de notas"/>
+          <p:cNvSpPr>
+            <a:spLocks noGrp="1"/>
+          </p:cNvSpPr>
+          <p:nvPr>
+            <p:ph type="body" idx="1"/>
+          </p:nvPr>
+        </p:nvSpPr>
+        <p:spPr/>
+        <p:txBody>
+          <a:bodyPr>
+            <a:normAutofit/>
+          </a:bodyPr>
+          <a:lstStyle/>
+          <a:p>
+            <a:r>
+              <a:rPr lang="es-ES_tradnl" dirty="0" smtClean="0"/>
+              <a:t>Agenda</a:t>
+            </a:r>
+            <a:r>
+              <a:rPr lang="es-ES_tradnl" baseline="0" dirty="0" smtClean="0"/>
+              <a:t> que se va a seguir durante la presentación</a:t>
+            </a:r>
+            <a:endParaRPr lang="es-ES_tradnl" dirty="0"/>
+          </a:p>
+        </p:txBody>
+      </p:sp>
+      <p:sp>
+        <p:nvSpPr>
+          <p:cNvPr id="4" name="3 Marcador de número de diapositiva"/>
+          <p:cNvSpPr>
+            <a:spLocks noGrp="1"/>
+          </p:cNvSpPr>
+          <p:nvPr>
+            <p:ph type="sldNum" sz="quarter" idx="10"/>
+          </p:nvPr>
+        </p:nvSpPr>
+        <p:spPr/>
+        <p:txBody>
+          <a:bodyPr/>
+          <a:lstStyle/>
+          <a:p>
+            <a:fld id="{1872ED1A-74B4-42AE-A5BF-D7540D1CC6CA}" type="slidenum">
+              <a:rPr lang="es-ES" smtClean="0"/>
+              <a:pPr/>
+              <a:t>2</a:t>
+            </a:fld>
+            <a:endParaRPr lang="es-ES" dirty="0"/>
+          </a:p>
+        </p:txBody>
+      </p:sp>
+    </p:spTree>
+  </p:cSld>
+  <p:clrMapOvr>
+    <a:masterClrMapping/>
+  </p:clrMapOvr>
+</p:notes>
+</file>
+
+<file path=ppt/notesSlides/notesSlide3.xml><?xml version="1.0" encoding="utf-8"?>
+<p:notes xmlns:a="http://schemas.openxmlformats.org/drawingml/2006/main" xmlns:r="http://schemas.openxmlformats.org/officeDocument/2006/relationships" xmlns:p="http://schemas.openxmlformats.org/presentationml/2006/main">
+  <p:cSld>
+    <p:spTree>
+      <p:nvGrpSpPr>
+        <p:cNvPr id="1" name=""/>
+        <p:cNvGrpSpPr/>
+        <p:nvPr/>
+      </p:nvGrpSpPr>
+      <p:grpSpPr>
+        <a:xfrm>
+          <a:off x="0" y="0"/>
+          <a:ext cx="0" cy="0"/>
+          <a:chOff x="0" y="0"/>
+          <a:chExt cx="0" cy="0"/>
+        </a:xfrm>
+      </p:grpSpPr>
+      <p:sp>
+        <p:nvSpPr>
+          <p:cNvPr id="2" name="1 Marcador de imagen de diapositiva"/>
+          <p:cNvSpPr>
+            <a:spLocks noGrp="1" noRot="1" noChangeAspect="1"/>
+          </p:cNvSpPr>
+          <p:nvPr>
+            <p:ph type="sldImg"/>
+          </p:nvPr>
+        </p:nvSpPr>
+        <p:spPr/>
+      </p:sp>
+      <p:sp>
+        <p:nvSpPr>
+          <p:cNvPr id="3" name="2 Marcador de notas"/>
+          <p:cNvSpPr>
+            <a:spLocks noGrp="1"/>
+          </p:cNvSpPr>
+          <p:nvPr>
+            <p:ph type="body" idx="1"/>
+          </p:nvPr>
+        </p:nvSpPr>
+        <p:spPr/>
+        <p:txBody>
+          <a:bodyPr>
+            <a:normAutofit/>
+          </a:bodyPr>
+          <a:lstStyle/>
+          <a:p>
+            <a:endParaRPr lang="es-ES_tradnl" dirty="0"/>
+          </a:p>
+        </p:txBody>
+      </p:sp>
+      <p:sp>
+        <p:nvSpPr>
+          <p:cNvPr id="4" name="3 Marcador de número de diapositiva"/>
+          <p:cNvSpPr>
+            <a:spLocks noGrp="1"/>
+          </p:cNvSpPr>
+          <p:nvPr>
+            <p:ph type="sldNum" sz="quarter" idx="10"/>
+          </p:nvPr>
+        </p:nvSpPr>
+        <p:spPr/>
+        <p:txBody>
+          <a:bodyPr/>
+          <a:lstStyle/>
+          <a:p>
+            <a:fld id="{1872ED1A-74B4-42AE-A5BF-D7540D1CC6CA}" type="slidenum">
+              <a:rPr lang="es-ES" smtClean="0"/>
+              <a:pPr/>
+              <a:t>3</a:t>
+            </a:fld>
+            <a:endParaRPr lang="es-ES" dirty="0"/>
+          </a:p>
+        </p:txBody>
+      </p:sp>
+    </p:spTree>
+  </p:cSld>
+  <p:clrMapOvr>
+    <a:masterClrMapping/>
+  </p:clrMapOvr>
+</p:notes>
+</file>
+
+<file path=ppt/notesSlides/notesSlide4.xml><?xml version="1.0" encoding="utf-8"?>
+<p:notes xmlns:a="http://schemas.openxmlformats.org/drawingml/2006/main" xmlns:r="http://schemas.openxmlformats.org/officeDocument/2006/relationships" xmlns:p="http://schemas.openxmlformats.org/presentationml/2006/main">
+  <p:cSld>
+    <p:spTree>
+      <p:nvGrpSpPr>
+        <p:cNvPr id="1" name=""/>
+        <p:cNvGrpSpPr/>
+        <p:nvPr/>
+      </p:nvGrpSpPr>
+      <p:grpSpPr>
+        <a:xfrm>
+          <a:off x="0" y="0"/>
+          <a:ext cx="0" cy="0"/>
+          <a:chOff x="0" y="0"/>
+          <a:chExt cx="0" cy="0"/>
+        </a:xfrm>
+      </p:grpSpPr>
+      <p:sp>
+        <p:nvSpPr>
+          <p:cNvPr id="2" name="1 Marcador de imagen de diapositiva"/>
+          <p:cNvSpPr>
+            <a:spLocks noGrp="1" noRot="1" noChangeAspect="1"/>
+          </p:cNvSpPr>
+          <p:nvPr>
+            <p:ph type="sldImg"/>
+          </p:nvPr>
+        </p:nvSpPr>
+        <p:spPr/>
+      </p:sp>
+      <p:sp>
+        <p:nvSpPr>
+          <p:cNvPr id="3" name="2 Marcador de notas"/>
+          <p:cNvSpPr>
+            <a:spLocks noGrp="1"/>
+          </p:cNvSpPr>
+          <p:nvPr>
+            <p:ph type="body" idx="1"/>
+          </p:nvPr>
+        </p:nvSpPr>
+        <p:spPr/>
+        <p:txBody>
+          <a:bodyPr>
+            <a:normAutofit lnSpcReduction="10000"/>
+          </a:bodyPr>
+          <a:lstStyle/>
+          <a:p>
+            <a:r>
+              <a:rPr lang="es-AR" sz="1200" kern="1200" dirty="0" smtClean="0">
+                <a:solidFill>
+                  <a:schemeClr val="tx1"/>
+                </a:solidFill>
+                <a:latin typeface="+mn-lt"/>
+                <a:ea typeface="+mn-ea"/>
+                <a:cs typeface="+mn-cs"/>
+              </a:rPr>
+              <a:t>Durante mucho tiempo los sistemas de software han sido construidos basándose en requerimientos funcionales. Implícitamente, existía la idea de que éstos eran suficientes para construir un sistema de software exitoso. En este contexto, la </a:t>
+            </a:r>
+            <a:r>
+              <a:rPr lang="es-AR" sz="1200" i="1" kern="1200" dirty="0" smtClean="0">
+                <a:solidFill>
+                  <a:schemeClr val="tx1"/>
+                </a:solidFill>
+                <a:latin typeface="+mn-lt"/>
+                <a:ea typeface="+mn-ea"/>
+                <a:cs typeface="+mn-cs"/>
+              </a:rPr>
+              <a:t>Arquitectura de Software</a:t>
+            </a:r>
+            <a:r>
+              <a:rPr lang="es-AR" sz="1200" kern="1200" dirty="0" smtClean="0">
+                <a:solidFill>
+                  <a:schemeClr val="tx1"/>
+                </a:solidFill>
+                <a:latin typeface="+mn-lt"/>
+                <a:ea typeface="+mn-ea"/>
+                <a:cs typeface="+mn-cs"/>
+              </a:rPr>
+              <a:t> ha emergido como un eslabón importante en el proceso de desarrollo de software. La arquitectura de software de un programa o sistema computarizado es la estructura o estructuras del sistema, que involucra elementos de software y las propiedades externamente visibles de esos elementos </a:t>
+            </a:r>
+            <a:r>
+              <a:rPr lang="es-ES" sz="1200" i="0" kern="1200" dirty="0" smtClean="0">
+                <a:solidFill>
+                  <a:schemeClr val="tx1"/>
+                </a:solidFill>
+                <a:latin typeface="+mn-lt"/>
+                <a:ea typeface="+mn-ea"/>
+                <a:cs typeface="+mn-cs"/>
+              </a:rPr>
+              <a:t>[1]</a:t>
+            </a:r>
+            <a:r>
+              <a:rPr lang="es-AR" sz="1200" i="1" kern="1200" dirty="0" smtClean="0">
+                <a:solidFill>
+                  <a:schemeClr val="tx1"/>
+                </a:solidFill>
+                <a:latin typeface="+mn-lt"/>
+                <a:ea typeface="+mn-ea"/>
+                <a:cs typeface="+mn-cs"/>
+              </a:rPr>
+              <a:t>.</a:t>
+            </a:r>
+            <a:endParaRPr lang="es-ES_tradnl" sz="1200" kern="1200" dirty="0" smtClean="0">
+              <a:solidFill>
+                <a:schemeClr val="tx1"/>
+              </a:solidFill>
+              <a:latin typeface="+mn-lt"/>
+              <a:ea typeface="+mn-ea"/>
+              <a:cs typeface="+mn-cs"/>
+            </a:endParaRPr>
+          </a:p>
+          <a:p>
+            <a:r>
+              <a:rPr lang="es-AR" sz="1200" kern="1200" dirty="0" smtClean="0">
+                <a:solidFill>
+                  <a:schemeClr val="tx1"/>
+                </a:solidFill>
+                <a:latin typeface="+mn-lt"/>
+                <a:ea typeface="+mn-ea"/>
+                <a:cs typeface="+mn-cs"/>
+              </a:rPr>
+              <a:t>En el desarrollo de los sistemas actuales, la arquitectura de software constituye el primer paso hacia el diseño de un sistema que tiene un conjunto de propiedades deseadas, tales como: Performance, Disponibilidad, Portabilidad, Seguridad, Usabilidad, etc. Estas propiedades son requerimientos adicionales del sistema [2] que hacen referencia a características o restricciones que éste debe satisfacer, y complementan los requerimientos funcionales del mismo. Estas características o atributos se conocen con el nombre de “atributos de calidad” (</a:t>
+            </a:r>
+            <a:r>
+              <a:rPr lang="es-AR" sz="1200" i="1" kern="1200" dirty="0" smtClean="0">
+                <a:solidFill>
+                  <a:schemeClr val="tx1"/>
+                </a:solidFill>
+                <a:latin typeface="+mn-lt"/>
+                <a:ea typeface="+mn-ea"/>
+                <a:cs typeface="+mn-cs"/>
+              </a:rPr>
+              <a:t>Quality </a:t>
+            </a:r>
+            <a:r>
+              <a:rPr lang="es-AR" sz="1200" i="1" kern="1200" dirty="0" err="1" smtClean="0">
+                <a:solidFill>
+                  <a:schemeClr val="tx1"/>
+                </a:solidFill>
+                <a:latin typeface="+mn-lt"/>
+                <a:ea typeface="+mn-ea"/>
+                <a:cs typeface="+mn-cs"/>
+              </a:rPr>
+              <a:t>Attributes</a:t>
+            </a:r>
+            <a:r>
+              <a:rPr lang="es-AR" sz="1200" i="1" kern="1200" dirty="0" smtClean="0">
+                <a:solidFill>
+                  <a:schemeClr val="tx1"/>
+                </a:solidFill>
+                <a:latin typeface="+mn-lt"/>
+                <a:ea typeface="+mn-ea"/>
+                <a:cs typeface="+mn-cs"/>
+              </a:rPr>
+              <a:t>, QAs</a:t>
+            </a:r>
+            <a:r>
+              <a:rPr lang="es-AR" sz="1200" kern="1200" dirty="0" smtClean="0">
+                <a:solidFill>
+                  <a:schemeClr val="tx1"/>
+                </a:solidFill>
+                <a:latin typeface="+mn-lt"/>
+                <a:ea typeface="+mn-ea"/>
+                <a:cs typeface="+mn-cs"/>
+              </a:rPr>
+              <a:t>) [3].</a:t>
+            </a:r>
+            <a:endParaRPr lang="es-ES_tradnl" sz="1200" kern="1200" dirty="0" smtClean="0">
+              <a:solidFill>
+                <a:schemeClr val="tx1"/>
+              </a:solidFill>
+              <a:latin typeface="+mn-lt"/>
+              <a:ea typeface="+mn-ea"/>
+              <a:cs typeface="+mn-cs"/>
+            </a:endParaRPr>
+          </a:p>
+          <a:p>
+            <a:r>
+              <a:rPr lang="es-AR" sz="1200" kern="1200" dirty="0" smtClean="0">
+                <a:solidFill>
+                  <a:schemeClr val="tx1"/>
+                </a:solidFill>
+                <a:latin typeface="+mn-lt"/>
+                <a:ea typeface="+mn-ea"/>
+                <a:cs typeface="+mn-cs"/>
+              </a:rPr>
+              <a:t>Existen evidencias de la relación entre QAs correctamente identificados y el éxito o fracaso de un sistema</a:t>
+            </a:r>
+            <a:r>
+              <a:rPr lang="es-ES" sz="1200" kern="1200" dirty="0" smtClean="0">
+                <a:solidFill>
+                  <a:schemeClr val="tx1"/>
+                </a:solidFill>
+                <a:latin typeface="+mn-lt"/>
+                <a:ea typeface="+mn-ea"/>
+                <a:cs typeface="+mn-cs"/>
+              </a:rPr>
+              <a:t> [4]</a:t>
+            </a:r>
+            <a:r>
+              <a:rPr lang="es-AR" sz="1200" kern="1200" dirty="0" smtClean="0">
+                <a:solidFill>
+                  <a:schemeClr val="tx1"/>
+                </a:solidFill>
+                <a:latin typeface="+mn-lt"/>
+                <a:ea typeface="+mn-ea"/>
+                <a:cs typeface="+mn-cs"/>
+              </a:rPr>
+              <a:t>. Por ejemplo, las consecuencias de una especificación equivocada de performance pueden incluir: relaciones dañadas con el cliente, fallas en el negocio, pérdida de ingresos, aumento del costo del proyecto debido a los costos de sumar recursos adicionales para resolver la falla, entre otras. En este contexto, la correcta identificación y comprensión de los QAs de un sistema es comúnmente señalada como un factor clave de éxito en la construcción de software de calidad</a:t>
+            </a:r>
+            <a:r>
+              <a:rPr lang="es-ES" sz="1200" kern="1200" dirty="0" smtClean="0">
+                <a:solidFill>
+                  <a:schemeClr val="tx1"/>
+                </a:solidFill>
+                <a:latin typeface="+mn-lt"/>
+                <a:ea typeface="+mn-ea"/>
+                <a:cs typeface="+mn-cs"/>
+              </a:rPr>
+              <a:t> [5]</a:t>
+            </a:r>
+            <a:r>
+              <a:rPr lang="es-AR" sz="1200" kern="1200" dirty="0" smtClean="0">
+                <a:solidFill>
+                  <a:schemeClr val="tx1"/>
+                </a:solidFill>
+                <a:latin typeface="+mn-lt"/>
+                <a:ea typeface="+mn-ea"/>
+                <a:cs typeface="+mn-cs"/>
+              </a:rPr>
+              <a:t>.</a:t>
+            </a:r>
+            <a:endParaRPr lang="es-ES_tradnl" sz="1200" kern="1200" dirty="0" smtClean="0">
+              <a:solidFill>
+                <a:schemeClr val="tx1"/>
+              </a:solidFill>
+              <a:latin typeface="+mn-lt"/>
+              <a:ea typeface="+mn-ea"/>
+              <a:cs typeface="+mn-cs"/>
+            </a:endParaRPr>
+          </a:p>
+          <a:p>
+            <a:endParaRPr lang="es-ES_tradnl" dirty="0"/>
+          </a:p>
+        </p:txBody>
+      </p:sp>
+      <p:sp>
+        <p:nvSpPr>
+          <p:cNvPr id="4" name="3 Marcador de número de diapositiva"/>
+          <p:cNvSpPr>
+            <a:spLocks noGrp="1"/>
+          </p:cNvSpPr>
+          <p:nvPr>
+            <p:ph type="sldNum" sz="quarter" idx="10"/>
+          </p:nvPr>
+        </p:nvSpPr>
+        <p:spPr/>
+        <p:txBody>
+          <a:bodyPr/>
+          <a:lstStyle/>
+          <a:p>
+            <a:fld id="{1872ED1A-74B4-42AE-A5BF-D7540D1CC6CA}" type="slidenum">
+              <a:rPr lang="es-ES" smtClean="0"/>
+              <a:pPr/>
+              <a:t>4</a:t>
+            </a:fld>
+            <a:endParaRPr lang="es-ES" dirty="0"/>
+          </a:p>
+        </p:txBody>
+      </p:sp>
+    </p:spTree>
+  </p:cSld>
+  <p:clrMapOvr>
+    <a:masterClrMapping/>
+  </p:clrMapOvr>
+</p:notes>
+</file>
+
+<file path=ppt/notesSlides/notesSlide5.xml><?xml version="1.0" encoding="utf-8"?>
+<p:notes xmlns:a="http://schemas.openxmlformats.org/drawingml/2006/main" xmlns:r="http://schemas.openxmlformats.org/officeDocument/2006/relationships" xmlns:p="http://schemas.openxmlformats.org/presentationml/2006/main">
+  <p:cSld>
+    <p:spTree>
+      <p:nvGrpSpPr>
+        <p:cNvPr id="1" name=""/>
+        <p:cNvGrpSpPr/>
+        <p:nvPr/>
+      </p:nvGrpSpPr>
+      <p:grpSpPr>
+        <a:xfrm>
+          <a:off x="0" y="0"/>
+          <a:ext cx="0" cy="0"/>
+          <a:chOff x="0" y="0"/>
+          <a:chExt cx="0" cy="0"/>
+        </a:xfrm>
+      </p:grpSpPr>
+      <p:sp>
+        <p:nvSpPr>
+          <p:cNvPr id="2" name="1 Marcador de imagen de diapositiva"/>
+          <p:cNvSpPr>
+            <a:spLocks noGrp="1" noRot="1" noChangeAspect="1"/>
+          </p:cNvSpPr>
+          <p:nvPr>
+            <p:ph type="sldImg"/>
+          </p:nvPr>
+        </p:nvSpPr>
+        <p:spPr/>
+      </p:sp>
+      <p:sp>
+        <p:nvSpPr>
+          <p:cNvPr id="3" name="2 Marcador de notas"/>
+          <p:cNvSpPr>
+            <a:spLocks noGrp="1"/>
+          </p:cNvSpPr>
+          <p:nvPr>
+            <p:ph type="body" idx="1"/>
+          </p:nvPr>
+        </p:nvSpPr>
+        <p:spPr/>
+        <p:txBody>
+          <a:bodyPr>
+            <a:normAutofit/>
+          </a:bodyPr>
+          <a:lstStyle/>
+          <a:p>
+            <a:r>
+              <a:rPr lang="es-AR" sz="1200" kern="1200" dirty="0" smtClean="0">
+                <a:solidFill>
+                  <a:schemeClr val="tx1"/>
+                </a:solidFill>
+                <a:latin typeface="+mn-lt"/>
+                <a:ea typeface="+mn-ea"/>
+                <a:cs typeface="+mn-cs"/>
+              </a:rPr>
+              <a:t>Dado el rol que los QAs juegan en el diseño de la arquitectura, la elicitación de QAs es importante para tomarlos en consideración desde las primeras etapas del ciclo de vida de un sistema. </a:t>
+            </a:r>
+            <a:endParaRPr lang="es-ES_tradnl" sz="1200" kern="1200" dirty="0" smtClean="0">
+              <a:solidFill>
+                <a:schemeClr val="tx1"/>
+              </a:solidFill>
+              <a:latin typeface="+mn-lt"/>
+              <a:ea typeface="+mn-ea"/>
+              <a:cs typeface="+mn-cs"/>
+            </a:endParaRPr>
+          </a:p>
+          <a:p>
+            <a:r>
+              <a:rPr lang="es-AR" sz="1200" kern="1200" dirty="0" smtClean="0">
+                <a:solidFill>
+                  <a:schemeClr val="tx1"/>
+                </a:solidFill>
+                <a:latin typeface="+mn-lt"/>
+                <a:ea typeface="+mn-ea"/>
+                <a:cs typeface="+mn-cs"/>
+              </a:rPr>
+              <a:t>Por lo general, los QAs de un sistema provienen de distintas fuentes, como por ejemplo los objetivos de negocio, las entrevistas con los stakeholders y/o las especificaciones de requerimientos. En este último caso, cuando se </a:t>
+            </a:r>
+            <a:r>
+              <a:rPr lang="es-AR" sz="1200" kern="1200" dirty="0" err="1" smtClean="0">
+                <a:solidFill>
+                  <a:schemeClr val="tx1"/>
+                </a:solidFill>
+                <a:latin typeface="+mn-lt"/>
+                <a:ea typeface="+mn-ea"/>
+                <a:cs typeface="+mn-cs"/>
+              </a:rPr>
+              <a:t>elicitan</a:t>
+            </a:r>
+            <a:r>
+              <a:rPr lang="es-AR" sz="1200" kern="1200" dirty="0" smtClean="0">
+                <a:solidFill>
+                  <a:schemeClr val="tx1"/>
+                </a:solidFill>
+                <a:latin typeface="+mn-lt"/>
+                <a:ea typeface="+mn-ea"/>
+                <a:cs typeface="+mn-cs"/>
+              </a:rPr>
+              <a:t> los requerimientos funcionales (por ejemplo, en casos de uso), muchos stakeholders introducen aspectos de calidad relacionados con funcionalidades especificas del sistema. Algunos investigadores han señalado que, en determinadas ocasiones, ciertos QAs están “ocultos” entre los requerimientos que especifican la funcionalidad y, por ello, podrían ser ignorados por los analistas </a:t>
+            </a:r>
+            <a:r>
+              <a:rPr lang="es-ES_tradnl" sz="1200" kern="1200" dirty="0" smtClean="0">
+                <a:solidFill>
+                  <a:schemeClr val="tx1"/>
+                </a:solidFill>
+                <a:latin typeface="+mn-lt"/>
+                <a:ea typeface="+mn-ea"/>
+                <a:cs typeface="+mn-cs"/>
+              </a:rPr>
+              <a:t>[6]</a:t>
+            </a:r>
+            <a:r>
+              <a:rPr lang="es-AR" sz="1200" kern="1200" dirty="0" smtClean="0">
+                <a:solidFill>
+                  <a:schemeClr val="tx1"/>
+                </a:solidFill>
+                <a:latin typeface="+mn-lt"/>
+                <a:ea typeface="+mn-ea"/>
+                <a:cs typeface="+mn-cs"/>
+              </a:rPr>
+              <a:t>. </a:t>
+            </a:r>
+            <a:endParaRPr lang="es-ES_tradnl" sz="1200" kern="1200" dirty="0" smtClean="0">
+              <a:solidFill>
+                <a:schemeClr val="tx1"/>
+              </a:solidFill>
+              <a:latin typeface="+mn-lt"/>
+              <a:ea typeface="+mn-ea"/>
+              <a:cs typeface="+mn-cs"/>
+            </a:endParaRPr>
+          </a:p>
+          <a:p>
+            <a:r>
+              <a:rPr lang="es-AR" sz="1200" kern="1200" dirty="0" smtClean="0">
+                <a:solidFill>
+                  <a:schemeClr val="tx1"/>
+                </a:solidFill>
+                <a:latin typeface="+mn-lt"/>
+                <a:ea typeface="+mn-ea"/>
+                <a:cs typeface="+mn-cs"/>
+              </a:rPr>
+              <a:t>A pesar de que podría parecer una tarea sencilla, en la práctica la identificación de QAs en casos de uso puede resultar una tarea dificultosa para el analista, insumiendo gran cantidad de tiempo y esfuerzo. Esto se debe a que, en general, los requerimientos funcionales están expresados en forma de texto plano. Esta dificultad se acrecienta en especificaciones de requerimientos de gran tamaño, debido a la dificultad del analista para analizar texto no estructurado.</a:t>
+            </a:r>
+            <a:endParaRPr lang="es-ES_tradnl" sz="1200" kern="1200" dirty="0" smtClean="0">
+              <a:solidFill>
+                <a:schemeClr val="tx1"/>
+              </a:solidFill>
+              <a:latin typeface="+mn-lt"/>
+              <a:ea typeface="+mn-ea"/>
+              <a:cs typeface="+mn-cs"/>
+            </a:endParaRPr>
+          </a:p>
+          <a:p>
+            <a:r>
+              <a:rPr lang="es-AR" sz="1200" kern="1200" dirty="0" smtClean="0">
+                <a:solidFill>
+                  <a:schemeClr val="tx1"/>
+                </a:solidFill>
+                <a:latin typeface="+mn-lt"/>
+                <a:ea typeface="+mn-ea"/>
+                <a:cs typeface="+mn-cs"/>
+              </a:rPr>
+              <a:t>Por esta razón, es de utilidad el desarrollo de herramientas semi-automáticas que asistan al analista en la identificación de QAs en especificaciones de requerimientos, presentando un conjunto de QAs candidatos extraídos de los casos de uso. De esta manera, se reduciría el tiempo y el esfuerzo invertido en realizar esta tarea de forma manual. </a:t>
+            </a:r>
+            <a:endParaRPr lang="es-ES_tradnl" sz="1200" kern="1200" dirty="0" smtClean="0">
+              <a:solidFill>
+                <a:schemeClr val="tx1"/>
+              </a:solidFill>
+              <a:latin typeface="+mn-lt"/>
+              <a:ea typeface="+mn-ea"/>
+              <a:cs typeface="+mn-cs"/>
+            </a:endParaRPr>
+          </a:p>
+          <a:p>
             <a:endParaRPr lang="es-ES" dirty="0"/>
           </a:p>
         </p:txBody>
@@ -565,6 +1938,619 @@
               <a:rPr lang="es-ES" smtClean="0"/>
               <a:pPr/>
               <a:t>5</a:t>
+            </a:fld>
+            <a:endParaRPr lang="es-ES" dirty="0"/>
+          </a:p>
+        </p:txBody>
+      </p:sp>
+    </p:spTree>
+  </p:cSld>
+  <p:clrMapOvr>
+    <a:masterClrMapping/>
+  </p:clrMapOvr>
+</p:notes>
+</file>
+
+<file path=ppt/notesSlides/notesSlide6.xml><?xml version="1.0" encoding="utf-8"?>
+<p:notes xmlns:a="http://schemas.openxmlformats.org/drawingml/2006/main" xmlns:r="http://schemas.openxmlformats.org/officeDocument/2006/relationships" xmlns:p="http://schemas.openxmlformats.org/presentationml/2006/main">
+  <p:cSld>
+    <p:spTree>
+      <p:nvGrpSpPr>
+        <p:cNvPr id="1" name=""/>
+        <p:cNvGrpSpPr/>
+        <p:nvPr/>
+      </p:nvGrpSpPr>
+      <p:grpSpPr>
+        <a:xfrm>
+          <a:off x="0" y="0"/>
+          <a:ext cx="0" cy="0"/>
+          <a:chOff x="0" y="0"/>
+          <a:chExt cx="0" cy="0"/>
+        </a:xfrm>
+      </p:grpSpPr>
+      <p:sp>
+        <p:nvSpPr>
+          <p:cNvPr id="2" name="1 Marcador de imagen de diapositiva"/>
+          <p:cNvSpPr>
+            <a:spLocks noGrp="1" noRot="1" noChangeAspect="1"/>
+          </p:cNvSpPr>
+          <p:nvPr>
+            <p:ph type="sldImg"/>
+          </p:nvPr>
+        </p:nvSpPr>
+        <p:spPr/>
+      </p:sp>
+      <p:sp>
+        <p:nvSpPr>
+          <p:cNvPr id="3" name="2 Marcador de notas"/>
+          <p:cNvSpPr>
+            <a:spLocks noGrp="1"/>
+          </p:cNvSpPr>
+          <p:nvPr>
+            <p:ph type="body" idx="1"/>
+          </p:nvPr>
+        </p:nvSpPr>
+        <p:spPr/>
+        <p:txBody>
+          <a:bodyPr>
+            <a:normAutofit/>
+          </a:bodyPr>
+          <a:lstStyle/>
+          <a:p>
+            <a:pPr marL="0" marR="0" indent="0" algn="l" defTabSz="914400" rtl="0" eaLnBrk="1" fontAlgn="auto" latinLnBrk="0" hangingPunct="1">
+              <a:lnSpc>
+                <a:spcPct val="100000"/>
+              </a:lnSpc>
+              <a:spcBef>
+                <a:spcPts val="0"/>
+              </a:spcBef>
+              <a:spcAft>
+                <a:spcPts val="0"/>
+              </a:spcAft>
+              <a:buClrTx/>
+              <a:buSzTx/>
+              <a:buFontTx/>
+              <a:buNone/>
+              <a:tabLst/>
+              <a:defRPr/>
+            </a:pPr>
+            <a:r>
+              <a:rPr lang="es-AR" sz="1200" kern="1200" dirty="0" smtClean="0">
+                <a:solidFill>
+                  <a:schemeClr val="tx1"/>
+                </a:solidFill>
+                <a:latin typeface="+mn-lt"/>
+                <a:ea typeface="+mn-ea"/>
+                <a:cs typeface="+mn-cs"/>
+              </a:rPr>
+              <a:t>Los aspectos tempranos (EA) son intereses (</a:t>
+            </a:r>
+            <a:r>
+              <a:rPr lang="es-AR" sz="1200" i="1" kern="1200" dirty="0" smtClean="0">
+                <a:solidFill>
+                  <a:schemeClr val="tx1"/>
+                </a:solidFill>
+                <a:latin typeface="+mn-lt"/>
+                <a:ea typeface="+mn-ea"/>
+                <a:cs typeface="+mn-cs"/>
+              </a:rPr>
+              <a:t>concerns</a:t>
+            </a:r>
+            <a:r>
+              <a:rPr lang="es-AR" sz="1200" kern="1200" dirty="0" smtClean="0">
+                <a:solidFill>
+                  <a:schemeClr val="tx1"/>
+                </a:solidFill>
+                <a:latin typeface="+mn-lt"/>
+                <a:ea typeface="+mn-ea"/>
+                <a:cs typeface="+mn-cs"/>
+              </a:rPr>
+              <a:t>) que se encuentran mezclados y  diseminados  en  los  requerimientos  y/o  en  los artefactos  arquitectónicos del sistema.  En la actualidad, existen diversas técnicas y herramientas que tienen como objetivo identificar estos aspectos tempranos.</a:t>
+            </a:r>
+            <a:endParaRPr lang="es-ES_tradnl" sz="1200" kern="1200" dirty="0" smtClean="0">
+              <a:solidFill>
+                <a:schemeClr val="tx1"/>
+              </a:solidFill>
+              <a:latin typeface="+mn-lt"/>
+              <a:ea typeface="+mn-ea"/>
+              <a:cs typeface="+mn-cs"/>
+            </a:endParaRPr>
+          </a:p>
+          <a:p>
+            <a:endParaRPr lang="es-ES_tradnl" dirty="0"/>
+          </a:p>
+        </p:txBody>
+      </p:sp>
+      <p:sp>
+        <p:nvSpPr>
+          <p:cNvPr id="4" name="3 Marcador de número de diapositiva"/>
+          <p:cNvSpPr>
+            <a:spLocks noGrp="1"/>
+          </p:cNvSpPr>
+          <p:nvPr>
+            <p:ph type="sldNum" sz="quarter" idx="10"/>
+          </p:nvPr>
+        </p:nvSpPr>
+        <p:spPr/>
+        <p:txBody>
+          <a:bodyPr/>
+          <a:lstStyle/>
+          <a:p>
+            <a:fld id="{1872ED1A-74B4-42AE-A5BF-D7540D1CC6CA}" type="slidenum">
+              <a:rPr lang="es-ES" smtClean="0"/>
+              <a:pPr/>
+              <a:t>7</a:t>
+            </a:fld>
+            <a:endParaRPr lang="es-ES" dirty="0"/>
+          </a:p>
+        </p:txBody>
+      </p:sp>
+    </p:spTree>
+  </p:cSld>
+  <p:clrMapOvr>
+    <a:masterClrMapping/>
+  </p:clrMapOvr>
+</p:notes>
+</file>
+
+<file path=ppt/notesSlides/notesSlide7.xml><?xml version="1.0" encoding="utf-8"?>
+<p:notes xmlns:a="http://schemas.openxmlformats.org/drawingml/2006/main" xmlns:r="http://schemas.openxmlformats.org/officeDocument/2006/relationships" xmlns:p="http://schemas.openxmlformats.org/presentationml/2006/main">
+  <p:cSld>
+    <p:spTree>
+      <p:nvGrpSpPr>
+        <p:cNvPr id="1" name=""/>
+        <p:cNvGrpSpPr/>
+        <p:nvPr/>
+      </p:nvGrpSpPr>
+      <p:grpSpPr>
+        <a:xfrm>
+          <a:off x="0" y="0"/>
+          <a:ext cx="0" cy="0"/>
+          <a:chOff x="0" y="0"/>
+          <a:chExt cx="0" cy="0"/>
+        </a:xfrm>
+      </p:grpSpPr>
+      <p:sp>
+        <p:nvSpPr>
+          <p:cNvPr id="2" name="1 Marcador de imagen de diapositiva"/>
+          <p:cNvSpPr>
+            <a:spLocks noGrp="1" noRot="1" noChangeAspect="1"/>
+          </p:cNvSpPr>
+          <p:nvPr>
+            <p:ph type="sldImg"/>
+          </p:nvPr>
+        </p:nvSpPr>
+        <p:spPr/>
+      </p:sp>
+      <p:sp>
+        <p:nvSpPr>
+          <p:cNvPr id="3" name="2 Marcador de notas"/>
+          <p:cNvSpPr>
+            <a:spLocks noGrp="1"/>
+          </p:cNvSpPr>
+          <p:nvPr>
+            <p:ph type="body" idx="1"/>
+          </p:nvPr>
+        </p:nvSpPr>
+        <p:spPr/>
+        <p:txBody>
+          <a:bodyPr>
+            <a:normAutofit/>
+          </a:bodyPr>
+          <a:lstStyle/>
+          <a:p>
+            <a:endParaRPr lang="es-ES_tradnl" dirty="0"/>
+          </a:p>
+        </p:txBody>
+      </p:sp>
+      <p:sp>
+        <p:nvSpPr>
+          <p:cNvPr id="4" name="3 Marcador de número de diapositiva"/>
+          <p:cNvSpPr>
+            <a:spLocks noGrp="1"/>
+          </p:cNvSpPr>
+          <p:nvPr>
+            <p:ph type="sldNum" sz="quarter" idx="10"/>
+          </p:nvPr>
+        </p:nvSpPr>
+        <p:spPr/>
+        <p:txBody>
+          <a:bodyPr/>
+          <a:lstStyle/>
+          <a:p>
+            <a:fld id="{1872ED1A-74B4-42AE-A5BF-D7540D1CC6CA}" type="slidenum">
+              <a:rPr lang="es-ES" smtClean="0"/>
+              <a:pPr/>
+              <a:t>8</a:t>
+            </a:fld>
+            <a:endParaRPr lang="es-ES" dirty="0"/>
+          </a:p>
+        </p:txBody>
+      </p:sp>
+    </p:spTree>
+  </p:cSld>
+  <p:clrMapOvr>
+    <a:masterClrMapping/>
+  </p:clrMapOvr>
+</p:notes>
+</file>
+
+<file path=ppt/notesSlides/notesSlide8.xml><?xml version="1.0" encoding="utf-8"?>
+<p:notes xmlns:a="http://schemas.openxmlformats.org/drawingml/2006/main" xmlns:r="http://schemas.openxmlformats.org/officeDocument/2006/relationships" xmlns:p="http://schemas.openxmlformats.org/presentationml/2006/main">
+  <p:cSld>
+    <p:spTree>
+      <p:nvGrpSpPr>
+        <p:cNvPr id="1" name=""/>
+        <p:cNvGrpSpPr/>
+        <p:nvPr/>
+      </p:nvGrpSpPr>
+      <p:grpSpPr>
+        <a:xfrm>
+          <a:off x="0" y="0"/>
+          <a:ext cx="0" cy="0"/>
+          <a:chOff x="0" y="0"/>
+          <a:chExt cx="0" cy="0"/>
+        </a:xfrm>
+      </p:grpSpPr>
+      <p:sp>
+        <p:nvSpPr>
+          <p:cNvPr id="2" name="1 Marcador de imagen de diapositiva"/>
+          <p:cNvSpPr>
+            <a:spLocks noGrp="1" noRot="1" noChangeAspect="1"/>
+          </p:cNvSpPr>
+          <p:nvPr>
+            <p:ph type="sldImg"/>
+          </p:nvPr>
+        </p:nvSpPr>
+        <p:spPr/>
+      </p:sp>
+      <p:sp>
+        <p:nvSpPr>
+          <p:cNvPr id="3" name="2 Marcador de notas"/>
+          <p:cNvSpPr>
+            <a:spLocks noGrp="1"/>
+          </p:cNvSpPr>
+          <p:nvPr>
+            <p:ph type="body" idx="1"/>
+          </p:nvPr>
+        </p:nvSpPr>
+        <p:spPr/>
+        <p:txBody>
+          <a:bodyPr>
+            <a:normAutofit/>
+          </a:bodyPr>
+          <a:lstStyle/>
+          <a:p>
+            <a:r>
+              <a:rPr lang="es-AR" sz="1200" kern="1200" dirty="0" smtClean="0">
+                <a:solidFill>
+                  <a:schemeClr val="tx1"/>
+                </a:solidFill>
+                <a:latin typeface="+mn-lt"/>
+                <a:ea typeface="+mn-ea"/>
+                <a:cs typeface="+mn-cs"/>
+              </a:rPr>
+              <a:t>Muchos </a:t>
+            </a:r>
+            <a:r>
+              <a:rPr lang="es-AR" sz="1200" kern="1200" dirty="0" err="1" smtClean="0">
+                <a:solidFill>
+                  <a:schemeClr val="tx1"/>
+                </a:solidFill>
+                <a:latin typeface="+mn-lt"/>
+                <a:ea typeface="+mn-ea"/>
+                <a:cs typeface="+mn-cs"/>
+              </a:rPr>
+              <a:t>EAs</a:t>
+            </a:r>
+            <a:r>
+              <a:rPr lang="es-AR" sz="1200" kern="1200" dirty="0" smtClean="0">
+                <a:solidFill>
+                  <a:schemeClr val="tx1"/>
+                </a:solidFill>
+                <a:latin typeface="+mn-lt"/>
+                <a:ea typeface="+mn-ea"/>
+                <a:cs typeface="+mn-cs"/>
+              </a:rPr>
+              <a:t> del sistema se relacionan con atributos de calidad del mismo. Por ejemplo, los aspectos tempranos </a:t>
+            </a:r>
+            <a:r>
+              <a:rPr lang="es-AR" sz="1200" i="1" kern="1200" dirty="0" smtClean="0">
+                <a:solidFill>
+                  <a:schemeClr val="tx1"/>
+                </a:solidFill>
+                <a:latin typeface="+mn-lt"/>
+                <a:ea typeface="+mn-ea"/>
+                <a:cs typeface="+mn-cs"/>
+              </a:rPr>
+              <a:t>GUI (</a:t>
+            </a:r>
+            <a:r>
+              <a:rPr lang="es-AR" sz="1200" i="1" kern="1200" dirty="0" err="1" smtClean="0">
+                <a:solidFill>
+                  <a:schemeClr val="tx1"/>
+                </a:solidFill>
+                <a:latin typeface="+mn-lt"/>
+                <a:ea typeface="+mn-ea"/>
+                <a:cs typeface="+mn-cs"/>
+              </a:rPr>
+              <a:t>Graphic</a:t>
+            </a:r>
+            <a:r>
+              <a:rPr lang="es-AR" sz="1200" i="1" kern="1200" dirty="0" smtClean="0">
+                <a:solidFill>
+                  <a:schemeClr val="tx1"/>
+                </a:solidFill>
+                <a:latin typeface="+mn-lt"/>
+                <a:ea typeface="+mn-ea"/>
+                <a:cs typeface="+mn-cs"/>
+              </a:rPr>
+              <a:t> </a:t>
+            </a:r>
+            <a:r>
+              <a:rPr lang="es-AR" sz="1200" i="1" kern="1200" dirty="0" err="1" smtClean="0">
+                <a:solidFill>
+                  <a:schemeClr val="tx1"/>
+                </a:solidFill>
+                <a:latin typeface="+mn-lt"/>
+                <a:ea typeface="+mn-ea"/>
+                <a:cs typeface="+mn-cs"/>
+              </a:rPr>
+              <a:t>User</a:t>
+            </a:r>
+            <a:r>
+              <a:rPr lang="es-AR" sz="1200" i="1" kern="1200" dirty="0" smtClean="0">
+                <a:solidFill>
+                  <a:schemeClr val="tx1"/>
+                </a:solidFill>
+                <a:latin typeface="+mn-lt"/>
+                <a:ea typeface="+mn-ea"/>
+                <a:cs typeface="+mn-cs"/>
+              </a:rPr>
+              <a:t> Interface) </a:t>
+            </a:r>
+            <a:r>
+              <a:rPr lang="es-AR" sz="1200" kern="1200" dirty="0" smtClean="0">
+                <a:solidFill>
+                  <a:schemeClr val="tx1"/>
+                </a:solidFill>
+                <a:latin typeface="+mn-lt"/>
+                <a:ea typeface="+mn-ea"/>
+                <a:cs typeface="+mn-cs"/>
+              </a:rPr>
+              <a:t>o </a:t>
+            </a:r>
+            <a:r>
+              <a:rPr lang="es-AR" sz="1200" i="1" kern="1200" dirty="0" err="1" smtClean="0">
+                <a:solidFill>
+                  <a:schemeClr val="tx1"/>
+                </a:solidFill>
+                <a:latin typeface="+mn-lt"/>
+                <a:ea typeface="+mn-ea"/>
+                <a:cs typeface="+mn-cs"/>
+              </a:rPr>
+              <a:t>Authentication</a:t>
+            </a:r>
+            <a:r>
+              <a:rPr lang="es-AR" sz="1200" kern="1200" dirty="0" smtClean="0">
+                <a:solidFill>
+                  <a:schemeClr val="tx1"/>
+                </a:solidFill>
+                <a:latin typeface="+mn-lt"/>
+                <a:ea typeface="+mn-ea"/>
+                <a:cs typeface="+mn-cs"/>
+              </a:rPr>
+              <a:t> que usualmente se detectan en las especificaciones de requerimientos, se pueden relacionar de forma directa con los atributos de calidad </a:t>
+            </a:r>
+            <a:r>
+              <a:rPr lang="es-AR" sz="1200" i="1" kern="1200" dirty="0" smtClean="0">
+                <a:solidFill>
+                  <a:schemeClr val="tx1"/>
+                </a:solidFill>
+                <a:latin typeface="+mn-lt"/>
+                <a:ea typeface="+mn-ea"/>
+                <a:cs typeface="+mn-cs"/>
+              </a:rPr>
+              <a:t>Usabilidad y Seguridad</a:t>
+            </a:r>
+            <a:r>
+              <a:rPr lang="es-AR" sz="1200" kern="1200" dirty="0" smtClean="0">
+                <a:solidFill>
+                  <a:schemeClr val="tx1"/>
+                </a:solidFill>
+                <a:latin typeface="+mn-lt"/>
+                <a:ea typeface="+mn-ea"/>
+                <a:cs typeface="+mn-cs"/>
+              </a:rPr>
+              <a:t>, respectivamente</a:t>
+            </a:r>
+            <a:r>
+              <a:rPr lang="es-AR" sz="1200" i="1" kern="1200" dirty="0" smtClean="0">
+                <a:solidFill>
+                  <a:schemeClr val="tx1"/>
+                </a:solidFill>
+                <a:latin typeface="+mn-lt"/>
+                <a:ea typeface="+mn-ea"/>
+                <a:cs typeface="+mn-cs"/>
+              </a:rPr>
+              <a:t>.</a:t>
+            </a:r>
+            <a:r>
+              <a:rPr lang="es-AR" sz="1200" kern="1200" dirty="0" smtClean="0">
+                <a:solidFill>
+                  <a:schemeClr val="tx1"/>
+                </a:solidFill>
+                <a:latin typeface="+mn-lt"/>
+                <a:ea typeface="+mn-ea"/>
+                <a:cs typeface="+mn-cs"/>
+              </a:rPr>
+              <a:t> Tanto el descubrimiento de los aspectos tempranos como de los atributos de calidad tiene una significativa importancia a la hora de diseñar la arquitectura. En particular, el descubrimiento de los primeros puede proporcionar información importante para identificar atributos de calidad. Es decir, dado un aspecto temprano puede ser posible realizar un razonamiento acerca de los potenciales atributos de calidad al que éste hace referencia.</a:t>
+            </a:r>
+            <a:endParaRPr lang="es-ES_tradnl" dirty="0"/>
+          </a:p>
+        </p:txBody>
+      </p:sp>
+      <p:sp>
+        <p:nvSpPr>
+          <p:cNvPr id="4" name="3 Marcador de número de diapositiva"/>
+          <p:cNvSpPr>
+            <a:spLocks noGrp="1"/>
+          </p:cNvSpPr>
+          <p:nvPr>
+            <p:ph type="sldNum" sz="quarter" idx="10"/>
+          </p:nvPr>
+        </p:nvSpPr>
+        <p:spPr/>
+        <p:txBody>
+          <a:bodyPr/>
+          <a:lstStyle/>
+          <a:p>
+            <a:fld id="{1872ED1A-74B4-42AE-A5BF-D7540D1CC6CA}" type="slidenum">
+              <a:rPr lang="es-ES" smtClean="0"/>
+              <a:pPr/>
+              <a:t>9</a:t>
+            </a:fld>
+            <a:endParaRPr lang="es-ES" dirty="0"/>
+          </a:p>
+        </p:txBody>
+      </p:sp>
+    </p:spTree>
+  </p:cSld>
+  <p:clrMapOvr>
+    <a:masterClrMapping/>
+  </p:clrMapOvr>
+</p:notes>
+</file>
+
+<file path=ppt/notesSlides/notesSlide9.xml><?xml version="1.0" encoding="utf-8"?>
+<p:notes xmlns:a="http://schemas.openxmlformats.org/drawingml/2006/main" xmlns:r="http://schemas.openxmlformats.org/officeDocument/2006/relationships" xmlns:p="http://schemas.openxmlformats.org/presentationml/2006/main">
+  <p:cSld>
+    <p:spTree>
+      <p:nvGrpSpPr>
+        <p:cNvPr id="1" name=""/>
+        <p:cNvGrpSpPr/>
+        <p:nvPr/>
+      </p:nvGrpSpPr>
+      <p:grpSpPr>
+        <a:xfrm>
+          <a:off x="0" y="0"/>
+          <a:ext cx="0" cy="0"/>
+          <a:chOff x="0" y="0"/>
+          <a:chExt cx="0" cy="0"/>
+        </a:xfrm>
+      </p:grpSpPr>
+      <p:sp>
+        <p:nvSpPr>
+          <p:cNvPr id="2" name="1 Marcador de imagen de diapositiva"/>
+          <p:cNvSpPr>
+            <a:spLocks noGrp="1" noRot="1" noChangeAspect="1"/>
+          </p:cNvSpPr>
+          <p:nvPr>
+            <p:ph type="sldImg"/>
+          </p:nvPr>
+        </p:nvSpPr>
+        <p:spPr/>
+      </p:sp>
+      <p:sp>
+        <p:nvSpPr>
+          <p:cNvPr id="3" name="2 Marcador de notas"/>
+          <p:cNvSpPr>
+            <a:spLocks noGrp="1"/>
+          </p:cNvSpPr>
+          <p:nvPr>
+            <p:ph type="body" idx="1"/>
+          </p:nvPr>
+        </p:nvSpPr>
+        <p:spPr/>
+        <p:txBody>
+          <a:bodyPr>
+            <a:normAutofit/>
+          </a:bodyPr>
+          <a:lstStyle/>
+          <a:p>
+            <a:pPr marL="0" marR="0" indent="0" algn="l" defTabSz="914400" rtl="0" eaLnBrk="1" fontAlgn="auto" latinLnBrk="0" hangingPunct="1">
+              <a:lnSpc>
+                <a:spcPct val="100000"/>
+              </a:lnSpc>
+              <a:spcBef>
+                <a:spcPts val="0"/>
+              </a:spcBef>
+              <a:spcAft>
+                <a:spcPts val="0"/>
+              </a:spcAft>
+              <a:buClrTx/>
+              <a:buSzTx/>
+              <a:buFontTx/>
+              <a:buNone/>
+              <a:tabLst/>
+              <a:defRPr/>
+            </a:pPr>
+            <a:r>
+              <a:rPr lang="es-AR" sz="1200" kern="1200" dirty="0" smtClean="0">
+                <a:solidFill>
+                  <a:schemeClr val="tx1"/>
+                </a:solidFill>
+                <a:latin typeface="+mn-lt"/>
+                <a:ea typeface="+mn-ea"/>
+                <a:cs typeface="+mn-cs"/>
+              </a:rPr>
+              <a:t>El enfoque que se presenta en este trabajo tiene como objetivo identificar un conjunto de atributos de calidad candidatos, presentes en los casos de uso de un sistema, utilizando como soporte la información que aportan los aspectos tempranos detectados previamente. Se considera que sería beneficioso identificar primero los </a:t>
+            </a:r>
+            <a:r>
+              <a:rPr lang="es-AR" sz="1200" kern="1200" dirty="0" err="1" smtClean="0">
+                <a:solidFill>
+                  <a:schemeClr val="tx1"/>
+                </a:solidFill>
+                <a:latin typeface="+mn-lt"/>
+                <a:ea typeface="+mn-ea"/>
+                <a:cs typeface="+mn-cs"/>
+              </a:rPr>
+              <a:t>EAs</a:t>
+            </a:r>
+            <a:r>
+              <a:rPr lang="es-AR" sz="1200" kern="1200" dirty="0" smtClean="0">
+                <a:solidFill>
+                  <a:schemeClr val="tx1"/>
+                </a:solidFill>
+                <a:latin typeface="+mn-lt"/>
+                <a:ea typeface="+mn-ea"/>
+                <a:cs typeface="+mn-cs"/>
+              </a:rPr>
+              <a:t> del sistema, ya que podrían aportar información relevante en la identificación de los QAs presentes en la especificación de requerimientos.</a:t>
+            </a:r>
+            <a:endParaRPr lang="es-ES_tradnl" sz="1200" kern="1200" dirty="0" smtClean="0">
+              <a:solidFill>
+                <a:schemeClr val="tx1"/>
+              </a:solidFill>
+              <a:latin typeface="+mn-lt"/>
+              <a:ea typeface="+mn-ea"/>
+              <a:cs typeface="+mn-cs"/>
+            </a:endParaRPr>
+          </a:p>
+          <a:p>
+            <a:endParaRPr lang="es-ES_tradnl" dirty="0"/>
+          </a:p>
+        </p:txBody>
+      </p:sp>
+      <p:sp>
+        <p:nvSpPr>
+          <p:cNvPr id="4" name="3 Marcador de número de diapositiva"/>
+          <p:cNvSpPr>
+            <a:spLocks noGrp="1"/>
+          </p:cNvSpPr>
+          <p:nvPr>
+            <p:ph type="sldNum" sz="quarter" idx="10"/>
+          </p:nvPr>
+        </p:nvSpPr>
+        <p:spPr/>
+        <p:txBody>
+          <a:bodyPr/>
+          <a:lstStyle/>
+          <a:p>
+            <a:fld id="{1872ED1A-74B4-42AE-A5BF-D7540D1CC6CA}" type="slidenum">
+              <a:rPr lang="es-ES" smtClean="0"/>
+              <a:pPr/>
+              <a:t>11</a:t>
             </a:fld>
             <a:endParaRPr lang="es-ES" dirty="0"/>
           </a:p>
@@ -4376,7 +6362,7 @@
           <p:nvPr/>
         </p:nvPicPr>
         <p:blipFill>
-          <a:blip r:embed="rId2" cstate="print"/>
+          <a:blip r:embed="rId3" cstate="print"/>
           <a:srcRect/>
           <a:stretch>
             <a:fillRect/>
@@ -4922,7 +6908,7 @@
           <p:nvPr/>
         </p:nvPicPr>
         <p:blipFill>
-          <a:blip r:embed="rId2" cstate="print"/>
+          <a:blip r:embed="rId3" cstate="print"/>
           <a:srcRect/>
           <a:stretch>
             <a:fillRect/>
@@ -5171,21 +7157,8 @@
             <a:pPr lvl="1"/>
             <a:r>
               <a:rPr lang="es-AR" dirty="0" smtClean="0"/>
-              <a:t>Especifica un aspecto temprano mediante un nombre y un conjunto de pares </a:t>
-            </a:r>
-            <a:r>
-              <a:rPr lang="es-AR" dirty="0" smtClean="0"/>
-              <a:t>&lt;</a:t>
-            </a:r>
-            <a:r>
-              <a:rPr lang="es-AR" dirty="0" smtClean="0"/>
-              <a:t>verbo, </a:t>
-            </a:r>
-            <a:r>
-              <a:rPr lang="es-AR" dirty="0" smtClean="0"/>
-              <a:t>objeto directo&gt;</a:t>
-            </a:r>
-            <a:endParaRPr lang="es-AR" dirty="0" smtClean="0"/>
+              <a:t>Especifica un aspecto temprano mediante un nombre y un conjunto de pares &lt;verbo, objeto directo&gt;</a:t>
+            </a:r>
           </a:p>
         </p:txBody>
       </p:sp>
@@ -5230,7 +7203,7 @@
           <p:nvPr/>
         </p:nvPicPr>
         <p:blipFill>
-          <a:blip r:embed="rId2" cstate="print"/>
+          <a:blip r:embed="rId3" cstate="print"/>
           <a:srcRect/>
           <a:stretch>
             <a:fillRect/>
@@ -5544,7 +7517,7 @@
           </p:nvPr>
         </p:nvPicPr>
         <p:blipFill>
-          <a:blip r:embed="rId2" cstate="print"/>
+          <a:blip r:embed="rId3" cstate="print"/>
           <a:srcRect/>
           <a:stretch>
             <a:fillRect/>
@@ -5552,8 +7525,83 @@
         </p:blipFill>
         <p:spPr bwMode="auto">
           <a:xfrm>
-            <a:off x="1977081" y="1285436"/>
-            <a:ext cx="4497859" cy="5572564"/>
+            <a:off x="2140864" y="1308013"/>
+            <a:ext cx="4497859" cy="5220295"/>
+          </a:xfrm>
+          <a:prstGeom prst="rect">
+            <a:avLst/>
+          </a:prstGeom>
+          <a:noFill/>
+          <a:ln w="9525">
+            <a:noFill/>
+            <a:miter lim="800000"/>
+            <a:headEnd/>
+            <a:tailEnd/>
+          </a:ln>
+        </p:spPr>
+      </p:pic>
+      <p:sp>
+        <p:nvSpPr>
+          <p:cNvPr id="7" name="6 Rectángulo redondeado"/>
+          <p:cNvSpPr/>
+          <p:nvPr/>
+        </p:nvSpPr>
+        <p:spPr>
+          <a:xfrm>
+            <a:off x="2683445" y="4312354"/>
+            <a:ext cx="3119044" cy="767646"/>
+          </a:xfrm>
+          <a:prstGeom prst="roundRect">
+            <a:avLst/>
+          </a:prstGeom>
+          <a:solidFill>
+            <a:srgbClr val="00CCFF">
+              <a:alpha val="12157"/>
+            </a:srgbClr>
+          </a:solidFill>
+        </p:spPr>
+        <p:style>
+          <a:lnRef idx="1">
+            <a:schemeClr val="accent3"/>
+          </a:lnRef>
+          <a:fillRef idx="3">
+            <a:schemeClr val="accent3"/>
+          </a:fillRef>
+          <a:effectRef idx="2">
+            <a:schemeClr val="accent3"/>
+          </a:effectRef>
+          <a:fontRef idx="minor">
+            <a:schemeClr val="lt1"/>
+          </a:fontRef>
+        </p:style>
+        <p:txBody>
+          <a:bodyPr rtlCol="0" anchor="ctr"/>
+          <a:lstStyle/>
+          <a:p>
+            <a:pPr algn="ctr"/>
+            <a:endParaRPr lang="es-ES_tradnl" dirty="0"/>
+          </a:p>
+        </p:txBody>
+      </p:sp>
+      <p:pic>
+        <p:nvPicPr>
+          <p:cNvPr id="1028" name="Picture 4"/>
+          <p:cNvPicPr>
+            <a:picLocks noChangeAspect="1" noChangeArrowheads="1"/>
+          </p:cNvPicPr>
+          <p:nvPr/>
+        </p:nvPicPr>
+        <p:blipFill>
+          <a:blip r:embed="rId4" cstate="print"/>
+          <a:srcRect/>
+          <a:stretch>
+            <a:fillRect/>
+          </a:stretch>
+        </p:blipFill>
+        <p:spPr bwMode="auto">
+          <a:xfrm>
+            <a:off x="3045354" y="1623380"/>
+            <a:ext cx="2949045" cy="4296799"/>
           </a:xfrm>
           <a:prstGeom prst="rect">
             <a:avLst/>
@@ -5575,9 +7623,172 @@
   <p:timing>
     <p:tnLst>
       <p:par>
-        <p:cTn id="1" dur="indefinite" restart="never" nodeType="tmRoot"/>
+        <p:cTn id="1" dur="indefinite" restart="never" nodeType="tmRoot">
+          <p:childTnLst>
+            <p:seq concurrent="1" nextAc="seek">
+              <p:cTn id="2" dur="indefinite" nodeType="mainSeq">
+                <p:childTnLst>
+                  <p:par>
+                    <p:cTn id="3" fill="hold">
+                      <p:stCondLst>
+                        <p:cond delay="indefinite"/>
+                      </p:stCondLst>
+                      <p:childTnLst>
+                        <p:par>
+                          <p:cTn id="4" fill="hold">
+                            <p:stCondLst>
+                              <p:cond delay="0"/>
+                            </p:stCondLst>
+                            <p:childTnLst>
+                              <p:par>
+                                <p:cTn id="5" presetID="4" presetClass="entr" presetSubtype="16" fill="hold" grpId="0" nodeType="clickEffect">
+                                  <p:stCondLst>
+                                    <p:cond delay="0"/>
+                                  </p:stCondLst>
+                                  <p:childTnLst>
+                                    <p:set>
+                                      <p:cBhvr>
+                                        <p:cTn id="6" dur="1" fill="hold">
+                                          <p:stCondLst>
+                                            <p:cond delay="0"/>
+                                          </p:stCondLst>
+                                        </p:cTn>
+                                        <p:tgtEl>
+                                          <p:spTgt spid="7"/>
+                                        </p:tgtEl>
+                                        <p:attrNameLst>
+                                          <p:attrName>style.visibility</p:attrName>
+                                        </p:attrNameLst>
+                                      </p:cBhvr>
+                                      <p:to>
+                                        <p:strVal val="visible"/>
+                                      </p:to>
+                                    </p:set>
+                                    <p:animEffect transition="in" filter="box(in)">
+                                      <p:cBhvr>
+                                        <p:cTn id="7" dur="500"/>
+                                        <p:tgtEl>
+                                          <p:spTgt spid="7"/>
+                                        </p:tgtEl>
+                                      </p:cBhvr>
+                                    </p:animEffect>
+                                  </p:childTnLst>
+                                </p:cTn>
+                              </p:par>
+                            </p:childTnLst>
+                          </p:cTn>
+                        </p:par>
+                      </p:childTnLst>
+                    </p:cTn>
+                  </p:par>
+                  <p:par>
+                    <p:cTn id="8" fill="hold">
+                      <p:stCondLst>
+                        <p:cond delay="indefinite"/>
+                      </p:stCondLst>
+                      <p:childTnLst>
+                        <p:par>
+                          <p:cTn id="9" fill="hold">
+                            <p:stCondLst>
+                              <p:cond delay="0"/>
+                            </p:stCondLst>
+                            <p:childTnLst>
+                              <p:par>
+                                <p:cTn id="10" presetID="9" presetClass="emph" presetSubtype="0" nodeType="clickEffect">
+                                  <p:stCondLst>
+                                    <p:cond delay="0"/>
+                                  </p:stCondLst>
+                                  <p:childTnLst>
+                                    <p:set>
+                                      <p:cBhvr rctx="PPT">
+                                        <p:cTn id="11" dur="indefinite"/>
+                                        <p:tgtEl>
+                                          <p:spTgt spid="3"/>
+                                        </p:tgtEl>
+                                        <p:attrNameLst>
+                                          <p:attrName>style.opacity</p:attrName>
+                                        </p:attrNameLst>
+                                      </p:cBhvr>
+                                      <p:to>
+                                        <p:strVal val="0.5"/>
+                                      </p:to>
+                                    </p:set>
+                                    <p:animEffect filter="image" prLst="opacity: 0.5">
+                                      <p:cBhvr rctx="IE">
+                                        <p:cTn id="12" dur="indefinite"/>
+                                        <p:tgtEl>
+                                          <p:spTgt spid="3"/>
+                                        </p:tgtEl>
+                                      </p:cBhvr>
+                                    </p:animEffect>
+                                  </p:childTnLst>
+                                </p:cTn>
+                              </p:par>
+                              <p:par>
+                                <p:cTn id="13" presetID="3" presetClass="entr" presetSubtype="10" fill="hold" nodeType="withEffect">
+                                  <p:stCondLst>
+                                    <p:cond delay="0"/>
+                                  </p:stCondLst>
+                                  <p:childTnLst>
+                                    <p:set>
+                                      <p:cBhvr>
+                                        <p:cTn id="14" dur="1" fill="hold">
+                                          <p:stCondLst>
+                                            <p:cond delay="0"/>
+                                          </p:stCondLst>
+                                        </p:cTn>
+                                        <p:tgtEl>
+                                          <p:spTgt spid="1028"/>
+                                        </p:tgtEl>
+                                        <p:attrNameLst>
+                                          <p:attrName>style.visibility</p:attrName>
+                                        </p:attrNameLst>
+                                      </p:cBhvr>
+                                      <p:to>
+                                        <p:strVal val="visible"/>
+                                      </p:to>
+                                    </p:set>
+                                    <p:animEffect transition="in" filter="blinds(horizontal)">
+                                      <p:cBhvr>
+                                        <p:cTn id="15" dur="500"/>
+                                        <p:tgtEl>
+                                          <p:spTgt spid="1028"/>
+                                        </p:tgtEl>
+                                      </p:cBhvr>
+                                    </p:animEffect>
+                                  </p:childTnLst>
+                                </p:cTn>
+                              </p:par>
+                            </p:childTnLst>
+                          </p:cTn>
+                        </p:par>
+                      </p:childTnLst>
+                    </p:cTn>
+                  </p:par>
+                </p:childTnLst>
+              </p:cTn>
+              <p:prevCondLst>
+                <p:cond evt="onPrev" delay="0">
+                  <p:tgtEl>
+                    <p:sldTgt/>
+                  </p:tgtEl>
+                </p:cond>
+              </p:prevCondLst>
+              <p:nextCondLst>
+                <p:cond evt="onNext" delay="0">
+                  <p:tgtEl>
+                    <p:sldTgt/>
+                  </p:tgtEl>
+                </p:cond>
+              </p:nextCondLst>
+            </p:seq>
+          </p:childTnLst>
+        </p:cTn>
       </p:par>
     </p:tnLst>
+    <p:bldLst>
+      <p:bldP spid="7" grpId="0" animBg="1"/>
+    </p:bldLst>
   </p:timing>
 </p:sld>
 </file>
@@ -6112,7 +8323,7 @@
           <p:nvPr/>
         </p:nvPicPr>
         <p:blipFill>
-          <a:blip r:embed="rId2" cstate="print"/>
+          <a:blip r:embed="rId3" cstate="print"/>
           <a:srcRect/>
           <a:stretch>
             <a:fillRect/>
@@ -6952,7 +9163,7 @@
           <p:nvPr/>
         </p:nvPicPr>
         <p:blipFill>
-          <a:blip r:embed="rId2" cstate="print"/>
+          <a:blip r:embed="rId3" cstate="print"/>
           <a:srcRect/>
           <a:stretch>
             <a:fillRect/>
@@ -7563,18 +9774,18 @@
           <p:nvPr/>
         </p:nvGraphicFramePr>
         <p:xfrm>
-          <a:off x="827584" y="4365104"/>
-          <a:ext cx="2520280" cy="1771510"/>
+          <a:off x="598311" y="4278489"/>
+          <a:ext cx="2749553" cy="1858125"/>
         </p:xfrm>
         <a:graphic>
           <a:graphicData uri="http://schemas.openxmlformats.org/drawingml/2006/table">
             <a:tbl>
               <a:tblPr/>
               <a:tblGrid>
-                <a:gridCol w="1704868"/>
-                <a:gridCol w="815412"/>
+                <a:gridCol w="1859962"/>
+                <a:gridCol w="889591"/>
               </a:tblGrid>
-              <a:tr h="354302">
+              <a:tr h="371625">
                 <a:tc>
                   <a:txBody>
                     <a:bodyPr/>
@@ -7710,7 +9921,7 @@
                   </a:tcPr>
                 </a:tc>
               </a:tr>
-              <a:tr h="354302">
+              <a:tr h="371625">
                 <a:tc>
                   <a:txBody>
                     <a:bodyPr/>
@@ -7834,7 +10045,7 @@
                   </a:tcPr>
                 </a:tc>
               </a:tr>
-              <a:tr h="354302">
+              <a:tr h="371625">
                 <a:tc>
                   <a:txBody>
                     <a:bodyPr/>
@@ -7958,7 +10169,7 @@
                   </a:tcPr>
                 </a:tc>
               </a:tr>
-              <a:tr h="354302">
+              <a:tr h="371625">
                 <a:tc>
                   <a:txBody>
                     <a:bodyPr/>
@@ -8082,7 +10293,7 @@
                   </a:tcPr>
                 </a:tc>
               </a:tr>
-              <a:tr h="354302">
+              <a:tr h="371625">
                 <a:tc>
                   <a:txBody>
                     <a:bodyPr/>
@@ -8268,8 +10479,8 @@
         </p:blipFill>
         <p:spPr bwMode="auto">
           <a:xfrm>
-            <a:off x="4067944" y="4653136"/>
-            <a:ext cx="3510991" cy="519135"/>
+            <a:off x="4067944" y="4583290"/>
+            <a:ext cx="3983377" cy="588982"/>
           </a:xfrm>
           <a:prstGeom prst="rect">
             <a:avLst/>
@@ -8305,8 +10516,8 @@
         </p:blipFill>
         <p:spPr bwMode="auto">
           <a:xfrm>
-            <a:off x="4139952" y="5445224"/>
-            <a:ext cx="3103924" cy="504056"/>
+            <a:off x="4139952" y="5445223"/>
+            <a:ext cx="3590318" cy="583043"/>
           </a:xfrm>
           <a:prstGeom prst="rect">
             <a:avLst/>
@@ -10945,7 +13156,7 @@
           <p:nvPr/>
         </p:nvPicPr>
         <p:blipFill>
-          <a:blip r:embed="rId2" cstate="print"/>
+          <a:blip r:embed="rId3" cstate="print"/>
           <a:srcRect/>
           <a:stretch>
             <a:fillRect/>
@@ -12060,7 +14271,7 @@
           <p:nvPr/>
         </p:nvPicPr>
         <p:blipFill>
-          <a:blip r:embed="rId2" cstate="print"/>
+          <a:blip r:embed="rId3" cstate="print"/>
           <a:srcRect/>
           <a:stretch>
             <a:fillRect/>
@@ -12092,7 +14303,7 @@
           <p:nvPr/>
         </p:nvPicPr>
         <p:blipFill>
-          <a:blip r:embed="rId3" cstate="print"/>
+          <a:blip r:embed="rId4" cstate="print"/>
           <a:srcRect/>
           <a:stretch>
             <a:fillRect/>
@@ -12237,7 +14448,7 @@
           <p:nvPr/>
         </p:nvPicPr>
         <p:blipFill>
-          <a:blip r:embed="rId2" cstate="print"/>
+          <a:blip r:embed="rId3" cstate="print"/>
           <a:srcRect/>
           <a:stretch>
             <a:fillRect/>

--- a/trunk/Capitulos Finales/FilminasV0.2.pptx
+++ b/trunk/Capitulos Finales/FilminasV0.2.pptx
@@ -5,7 +5,7 @@
     <p:sldMasterId id="2147483984" r:id="rId1"/>
   </p:sldMasterIdLst>
   <p:notesMasterIdLst>
-    <p:notesMasterId r:id="rId34"/>
+    <p:notesMasterId r:id="rId35"/>
   </p:notesMasterIdLst>
   <p:sldIdLst>
     <p:sldId id="256" r:id="rId2"/>
@@ -25,21 +25,22 @@
     <p:sldId id="302" r:id="rId16"/>
     <p:sldId id="303" r:id="rId17"/>
     <p:sldId id="304" r:id="rId18"/>
-    <p:sldId id="268" r:id="rId19"/>
-    <p:sldId id="293" r:id="rId20"/>
-    <p:sldId id="269" r:id="rId21"/>
-    <p:sldId id="270" r:id="rId22"/>
-    <p:sldId id="277" r:id="rId23"/>
-    <p:sldId id="271" r:id="rId24"/>
-    <p:sldId id="278" r:id="rId25"/>
-    <p:sldId id="272" r:id="rId26"/>
-    <p:sldId id="294" r:id="rId27"/>
-    <p:sldId id="296" r:id="rId28"/>
-    <p:sldId id="273" r:id="rId29"/>
-    <p:sldId id="295" r:id="rId30"/>
-    <p:sldId id="275" r:id="rId31"/>
-    <p:sldId id="276" r:id="rId32"/>
-    <p:sldId id="298" r:id="rId33"/>
+    <p:sldId id="306" r:id="rId19"/>
+    <p:sldId id="268" r:id="rId20"/>
+    <p:sldId id="293" r:id="rId21"/>
+    <p:sldId id="269" r:id="rId22"/>
+    <p:sldId id="270" r:id="rId23"/>
+    <p:sldId id="277" r:id="rId24"/>
+    <p:sldId id="271" r:id="rId25"/>
+    <p:sldId id="278" r:id="rId26"/>
+    <p:sldId id="272" r:id="rId27"/>
+    <p:sldId id="294" r:id="rId28"/>
+    <p:sldId id="296" r:id="rId29"/>
+    <p:sldId id="273" r:id="rId30"/>
+    <p:sldId id="295" r:id="rId31"/>
+    <p:sldId id="275" r:id="rId32"/>
+    <p:sldId id="276" r:id="rId33"/>
+    <p:sldId id="298" r:id="rId34"/>
   </p:sldIdLst>
   <p:sldSz cx="9144000" cy="6858000" type="screen4x3"/>
   <p:notesSz cx="6858000" cy="9144000"/>
@@ -1278,7 +1279,7 @@
             <a:fld id="{1872ED1A-74B4-42AE-A5BF-D7540D1CC6CA}" type="slidenum">
               <a:rPr lang="es-ES" smtClean="0"/>
               <a:pPr/>
-              <a:t>18</a:t>
+              <a:t>19</a:t>
             </a:fld>
             <a:endParaRPr lang="es-ES" dirty="0"/>
           </a:p>
@@ -8189,6 +8190,136 @@
 </file>
 
 <file path=ppt/slides/slide18.xml><?xml version="1.0" encoding="utf-8"?>
+<p:sld xmlns:a="http://schemas.openxmlformats.org/drawingml/2006/main" xmlns:r="http://schemas.openxmlformats.org/officeDocument/2006/relationships" xmlns:p="http://schemas.openxmlformats.org/presentationml/2006/main">
+  <p:cSld>
+    <p:spTree>
+      <p:nvGrpSpPr>
+        <p:cNvPr id="1" name=""/>
+        <p:cNvGrpSpPr/>
+        <p:nvPr/>
+      </p:nvGrpSpPr>
+      <p:grpSpPr>
+        <a:xfrm>
+          <a:off x="0" y="0"/>
+          <a:ext cx="0" cy="0"/>
+          <a:chOff x="0" y="0"/>
+          <a:chExt cx="0" cy="0"/>
+        </a:xfrm>
+      </p:grpSpPr>
+      <p:sp>
+        <p:nvSpPr>
+          <p:cNvPr id="2" name="1 Título"/>
+          <p:cNvSpPr>
+            <a:spLocks noGrp="1"/>
+          </p:cNvSpPr>
+          <p:nvPr>
+            <p:ph type="title"/>
+          </p:nvPr>
+        </p:nvSpPr>
+        <p:spPr/>
+        <p:txBody>
+          <a:bodyPr>
+            <a:normAutofit/>
+          </a:bodyPr>
+          <a:lstStyle/>
+          <a:p>
+            <a:r>
+              <a:rPr lang="es-ES_tradnl" dirty="0" err="1" smtClean="0"/>
+              <a:t>Ontolología</a:t>
+            </a:r>
+            <a:endParaRPr lang="es-ES_tradnl" dirty="0"/>
+          </a:p>
+        </p:txBody>
+      </p:sp>
+      <p:sp>
+        <p:nvSpPr>
+          <p:cNvPr id="5" name="4 Marcador de contenido"/>
+          <p:cNvSpPr>
+            <a:spLocks noGrp="1"/>
+          </p:cNvSpPr>
+          <p:nvPr>
+            <p:ph sz="quarter" idx="1"/>
+          </p:nvPr>
+        </p:nvSpPr>
+        <p:spPr/>
+        <p:txBody>
+          <a:bodyPr/>
+          <a:lstStyle/>
+          <a:p>
+            <a:r>
+              <a:rPr lang="es-ES_tradnl" dirty="0" smtClean="0"/>
+              <a:t>Una ontología es un modelo de datos que describe conceptos en un dominio del discurso,  propiedades de los conceptos y restricciones sobre los mismos</a:t>
+            </a:r>
+          </a:p>
+          <a:p>
+            <a:r>
+              <a:rPr lang="es-ES_tradnl" dirty="0" smtClean="0"/>
+              <a:t>La técnica propuesta toma como fuente de conocimiento a la ontología definida</a:t>
+            </a:r>
+          </a:p>
+          <a:p>
+            <a:r>
+              <a:rPr lang="es-ES_tradnl" dirty="0" smtClean="0"/>
+              <a:t>La misma cuenta con </a:t>
+            </a:r>
+            <a:r>
+              <a:rPr lang="es-ES_tradnl" dirty="0" smtClean="0"/>
+              <a:t>los conceptos de </a:t>
+            </a:r>
+            <a:r>
+              <a:rPr lang="es-ES_tradnl" dirty="0" smtClean="0"/>
+              <a:t>atributo </a:t>
+            </a:r>
+            <a:r>
+              <a:rPr lang="es-ES_tradnl" dirty="0" smtClean="0"/>
+              <a:t>de calidad, </a:t>
+            </a:r>
+            <a:r>
+              <a:rPr lang="es-ES_tradnl" dirty="0" smtClean="0"/>
+              <a:t>escenario y las distintas partes de un escenario</a:t>
+            </a:r>
+            <a:endParaRPr lang="es-ES_tradnl" dirty="0" smtClean="0"/>
+          </a:p>
+        </p:txBody>
+      </p:sp>
+      <p:pic>
+        <p:nvPicPr>
+          <p:cNvPr id="8" name="7 Imagen" descr="ontologiaReducida.jpeg"/>
+          <p:cNvPicPr/>
+          <p:nvPr/>
+        </p:nvPicPr>
+        <p:blipFill>
+          <a:blip r:embed="rId2"/>
+          <a:stretch>
+            <a:fillRect/>
+          </a:stretch>
+        </p:blipFill>
+        <p:spPr>
+          <a:xfrm>
+            <a:off x="1253067" y="474134"/>
+            <a:ext cx="6976533" cy="6062134"/>
+          </a:xfrm>
+          <a:prstGeom prst="rect">
+            <a:avLst/>
+          </a:prstGeom>
+        </p:spPr>
+      </p:pic>
+    </p:spTree>
+  </p:cSld>
+  <p:clrMapOvr>
+    <a:masterClrMapping/>
+  </p:clrMapOvr>
+  <p:timing>
+    <p:tnLst>
+      <p:par>
+        <p:cTn id="1" dur="indefinite" restart="never" nodeType="tmRoot"/>
+      </p:par>
+    </p:tnLst>
+  </p:timing>
+</p:sld>
+</file>
+
+<file path=ppt/slides/slide19.xml><?xml version="1.0" encoding="utf-8"?>
 <p:sld xmlns:a="http://schemas.openxmlformats.org/drawingml/2006/main" xmlns:r="http://schemas.openxmlformats.org/officeDocument/2006/relationships" xmlns:p="http://schemas.openxmlformats.org/presentationml/2006/main">
   <p:cSld>
     <p:spTree>
@@ -8738,7 +8869,168 @@
 </p:sld>
 </file>
 
-<file path=ppt/slides/slide19.xml><?xml version="1.0" encoding="utf-8"?>
+<file path=ppt/slides/slide2.xml><?xml version="1.0" encoding="utf-8"?>
+<p:sld xmlns:a="http://schemas.openxmlformats.org/drawingml/2006/main" xmlns:r="http://schemas.openxmlformats.org/officeDocument/2006/relationships" xmlns:p="http://schemas.openxmlformats.org/presentationml/2006/main">
+  <p:cSld>
+    <p:spTree>
+      <p:nvGrpSpPr>
+        <p:cNvPr id="1" name=""/>
+        <p:cNvGrpSpPr/>
+        <p:nvPr/>
+      </p:nvGrpSpPr>
+      <p:grpSpPr>
+        <a:xfrm>
+          <a:off x="0" y="0"/>
+          <a:ext cx="0" cy="0"/>
+          <a:chOff x="0" y="0"/>
+          <a:chExt cx="0" cy="0"/>
+        </a:xfrm>
+      </p:grpSpPr>
+      <p:sp>
+        <p:nvSpPr>
+          <p:cNvPr id="3" name="2 Marcador de contenido"/>
+          <p:cNvSpPr>
+            <a:spLocks noGrp="1"/>
+          </p:cNvSpPr>
+          <p:nvPr>
+            <p:ph sz="quarter" idx="1"/>
+          </p:nvPr>
+        </p:nvSpPr>
+        <p:spPr>
+          <a:xfrm>
+            <a:off x="457200" y="1268760"/>
+            <a:ext cx="8507288" cy="5472608"/>
+          </a:xfrm>
+        </p:spPr>
+        <p:txBody>
+          <a:bodyPr>
+            <a:normAutofit/>
+          </a:bodyPr>
+          <a:lstStyle/>
+          <a:p>
+            <a:r>
+              <a:rPr lang="es-ES" dirty="0" smtClean="0"/>
+              <a:t>Introducción</a:t>
+            </a:r>
+          </a:p>
+          <a:p>
+            <a:r>
+              <a:rPr lang="es-ES" dirty="0" smtClean="0"/>
+              <a:t>Atributos de calidad y aspectos tempranos</a:t>
+            </a:r>
+          </a:p>
+          <a:p>
+            <a:r>
+              <a:rPr lang="es-ES" dirty="0" smtClean="0"/>
+              <a:t>Enfoque propuesto</a:t>
+            </a:r>
+          </a:p>
+          <a:p>
+            <a:r>
+              <a:rPr lang="es-ES" dirty="0" smtClean="0"/>
+              <a:t>Evaluación</a:t>
+            </a:r>
+          </a:p>
+          <a:p>
+            <a:r>
+              <a:rPr lang="es-ES" dirty="0" smtClean="0"/>
+              <a:t>Conclusiones</a:t>
+            </a:r>
+          </a:p>
+          <a:p>
+            <a:r>
+              <a:rPr lang="es-ES" dirty="0" smtClean="0"/>
+              <a:t>Preguntas</a:t>
+            </a:r>
+          </a:p>
+          <a:p>
+            <a:pPr lvl="1">
+              <a:buNone/>
+            </a:pPr>
+            <a:endParaRPr lang="es-ES" dirty="0" smtClean="0"/>
+          </a:p>
+          <a:p>
+            <a:pPr lvl="1">
+              <a:buNone/>
+            </a:pPr>
+            <a:endParaRPr lang="es-ES" dirty="0" smtClean="0"/>
+          </a:p>
+          <a:p>
+            <a:endParaRPr lang="es-ES" dirty="0" smtClean="0"/>
+          </a:p>
+          <a:p>
+            <a:endParaRPr lang="es-ES" dirty="0"/>
+          </a:p>
+        </p:txBody>
+      </p:sp>
+      <p:sp>
+        <p:nvSpPr>
+          <p:cNvPr id="2" name="1 Título"/>
+          <p:cNvSpPr>
+            <a:spLocks noGrp="1"/>
+          </p:cNvSpPr>
+          <p:nvPr>
+            <p:ph type="title"/>
+          </p:nvPr>
+        </p:nvSpPr>
+        <p:spPr/>
+        <p:txBody>
+          <a:bodyPr/>
+          <a:lstStyle/>
+          <a:p>
+            <a:r>
+              <a:rPr lang="es-ES" dirty="0" smtClean="0"/>
+              <a:t>Agenda</a:t>
+            </a:r>
+            <a:endParaRPr lang="es-ES" dirty="0"/>
+          </a:p>
+        </p:txBody>
+      </p:sp>
+      <p:pic>
+        <p:nvPicPr>
+          <p:cNvPr id="9217" name="Picture 1" descr="C:\Documents and Settings\Administrador\Configuración local\Archivos temporales de Internet\Content.IE5\5WQ1CSKL\MP900405396[1].jpg"/>
+          <p:cNvPicPr>
+            <a:picLocks noChangeAspect="1" noChangeArrowheads="1"/>
+          </p:cNvPicPr>
+          <p:nvPr/>
+        </p:nvPicPr>
+        <p:blipFill>
+          <a:blip r:embed="rId3" cstate="print"/>
+          <a:srcRect/>
+          <a:stretch>
+            <a:fillRect/>
+          </a:stretch>
+        </p:blipFill>
+        <p:spPr bwMode="auto">
+          <a:xfrm>
+            <a:off x="5436096" y="3573016"/>
+            <a:ext cx="3130545" cy="2236104"/>
+          </a:xfrm>
+          <a:prstGeom prst="rect">
+            <a:avLst/>
+          </a:prstGeom>
+          <a:noFill/>
+        </p:spPr>
+      </p:pic>
+    </p:spTree>
+  </p:cSld>
+  <p:clrMapOvr>
+    <a:masterClrMapping/>
+  </p:clrMapOvr>
+  <p:transition>
+    <p:cut/>
+  </p:transition>
+  <p:timing>
+    <p:tnLst>
+      <p:par>
+        <p:cTn id="1" dur="indefinite" restart="never" nodeType="tmRoot"/>
+      </p:par>
+    </p:tnLst>
+  </p:timing>
+</p:sld>
+</file>
+
+<file path=ppt/slides/slide20.xml><?xml version="1.0" encoding="utf-8"?>
 <p:sld xmlns:a="http://schemas.openxmlformats.org/drawingml/2006/main" xmlns:r="http://schemas.openxmlformats.org/officeDocument/2006/relationships" xmlns:p="http://schemas.openxmlformats.org/presentationml/2006/main">
   <p:cSld>
     <p:spTree>
@@ -9037,168 +9329,7 @@
 </p:sld>
 </file>
 
-<file path=ppt/slides/slide2.xml><?xml version="1.0" encoding="utf-8"?>
-<p:sld xmlns:a="http://schemas.openxmlformats.org/drawingml/2006/main" xmlns:r="http://schemas.openxmlformats.org/officeDocument/2006/relationships" xmlns:p="http://schemas.openxmlformats.org/presentationml/2006/main">
-  <p:cSld>
-    <p:spTree>
-      <p:nvGrpSpPr>
-        <p:cNvPr id="1" name=""/>
-        <p:cNvGrpSpPr/>
-        <p:nvPr/>
-      </p:nvGrpSpPr>
-      <p:grpSpPr>
-        <a:xfrm>
-          <a:off x="0" y="0"/>
-          <a:ext cx="0" cy="0"/>
-          <a:chOff x="0" y="0"/>
-          <a:chExt cx="0" cy="0"/>
-        </a:xfrm>
-      </p:grpSpPr>
-      <p:sp>
-        <p:nvSpPr>
-          <p:cNvPr id="3" name="2 Marcador de contenido"/>
-          <p:cNvSpPr>
-            <a:spLocks noGrp="1"/>
-          </p:cNvSpPr>
-          <p:nvPr>
-            <p:ph sz="quarter" idx="1"/>
-          </p:nvPr>
-        </p:nvSpPr>
-        <p:spPr>
-          <a:xfrm>
-            <a:off x="457200" y="1268760"/>
-            <a:ext cx="8507288" cy="5472608"/>
-          </a:xfrm>
-        </p:spPr>
-        <p:txBody>
-          <a:bodyPr>
-            <a:normAutofit/>
-          </a:bodyPr>
-          <a:lstStyle/>
-          <a:p>
-            <a:r>
-              <a:rPr lang="es-ES" dirty="0" smtClean="0"/>
-              <a:t>Introducción</a:t>
-            </a:r>
-          </a:p>
-          <a:p>
-            <a:r>
-              <a:rPr lang="es-ES" dirty="0" smtClean="0"/>
-              <a:t>Atributos de calidad y aspectos tempranos</a:t>
-            </a:r>
-          </a:p>
-          <a:p>
-            <a:r>
-              <a:rPr lang="es-ES" dirty="0" smtClean="0"/>
-              <a:t>Enfoque propuesto</a:t>
-            </a:r>
-          </a:p>
-          <a:p>
-            <a:r>
-              <a:rPr lang="es-ES" dirty="0" smtClean="0"/>
-              <a:t>Evaluación</a:t>
-            </a:r>
-          </a:p>
-          <a:p>
-            <a:r>
-              <a:rPr lang="es-ES" dirty="0" smtClean="0"/>
-              <a:t>Conclusiones</a:t>
-            </a:r>
-          </a:p>
-          <a:p>
-            <a:r>
-              <a:rPr lang="es-ES" dirty="0" smtClean="0"/>
-              <a:t>Preguntas</a:t>
-            </a:r>
-          </a:p>
-          <a:p>
-            <a:pPr lvl="1">
-              <a:buNone/>
-            </a:pPr>
-            <a:endParaRPr lang="es-ES" dirty="0" smtClean="0"/>
-          </a:p>
-          <a:p>
-            <a:pPr lvl="1">
-              <a:buNone/>
-            </a:pPr>
-            <a:endParaRPr lang="es-ES" dirty="0" smtClean="0"/>
-          </a:p>
-          <a:p>
-            <a:endParaRPr lang="es-ES" dirty="0" smtClean="0"/>
-          </a:p>
-          <a:p>
-            <a:endParaRPr lang="es-ES" dirty="0"/>
-          </a:p>
-        </p:txBody>
-      </p:sp>
-      <p:sp>
-        <p:nvSpPr>
-          <p:cNvPr id="2" name="1 Título"/>
-          <p:cNvSpPr>
-            <a:spLocks noGrp="1"/>
-          </p:cNvSpPr>
-          <p:nvPr>
-            <p:ph type="title"/>
-          </p:nvPr>
-        </p:nvSpPr>
-        <p:spPr/>
-        <p:txBody>
-          <a:bodyPr/>
-          <a:lstStyle/>
-          <a:p>
-            <a:r>
-              <a:rPr lang="es-ES" dirty="0" smtClean="0"/>
-              <a:t>Agenda</a:t>
-            </a:r>
-            <a:endParaRPr lang="es-ES" dirty="0"/>
-          </a:p>
-        </p:txBody>
-      </p:sp>
-      <p:pic>
-        <p:nvPicPr>
-          <p:cNvPr id="9217" name="Picture 1" descr="C:\Documents and Settings\Administrador\Configuración local\Archivos temporales de Internet\Content.IE5\5WQ1CSKL\MP900405396[1].jpg"/>
-          <p:cNvPicPr>
-            <a:picLocks noChangeAspect="1" noChangeArrowheads="1"/>
-          </p:cNvPicPr>
-          <p:nvPr/>
-        </p:nvPicPr>
-        <p:blipFill>
-          <a:blip r:embed="rId3" cstate="print"/>
-          <a:srcRect/>
-          <a:stretch>
-            <a:fillRect/>
-          </a:stretch>
-        </p:blipFill>
-        <p:spPr bwMode="auto">
-          <a:xfrm>
-            <a:off x="5436096" y="3573016"/>
-            <a:ext cx="3130545" cy="2236104"/>
-          </a:xfrm>
-          <a:prstGeom prst="rect">
-            <a:avLst/>
-          </a:prstGeom>
-          <a:noFill/>
-        </p:spPr>
-      </p:pic>
-    </p:spTree>
-  </p:cSld>
-  <p:clrMapOvr>
-    <a:masterClrMapping/>
-  </p:clrMapOvr>
-  <p:transition>
-    <p:cut/>
-  </p:transition>
-  <p:timing>
-    <p:tnLst>
-      <p:par>
-        <p:cTn id="1" dur="indefinite" restart="never" nodeType="tmRoot"/>
-      </p:par>
-    </p:tnLst>
-  </p:timing>
-</p:sld>
-</file>
-
-<file path=ppt/slides/slide20.xml><?xml version="1.0" encoding="utf-8"?>
+<file path=ppt/slides/slide21.xml><?xml version="1.0" encoding="utf-8"?>
 <p:sld xmlns:a="http://schemas.openxmlformats.org/drawingml/2006/main" xmlns:r="http://schemas.openxmlformats.org/officeDocument/2006/relationships" xmlns:p="http://schemas.openxmlformats.org/presentationml/2006/main">
   <p:cSld>
     <p:spTree>
@@ -9594,7 +9725,7 @@
 </p:sld>
 </file>
 
-<file path=ppt/slides/slide21.xml><?xml version="1.0" encoding="utf-8"?>
+<file path=ppt/slides/slide22.xml><?xml version="1.0" encoding="utf-8"?>
 <p:sld xmlns:a="http://schemas.openxmlformats.org/drawingml/2006/main" xmlns:r="http://schemas.openxmlformats.org/officeDocument/2006/relationships" xmlns:p="http://schemas.openxmlformats.org/presentationml/2006/main">
   <p:cSld>
     <p:spTree>
@@ -9696,7 +9827,7 @@
 </p:sld>
 </file>
 
-<file path=ppt/slides/slide22.xml><?xml version="1.0" encoding="utf-8"?>
+<file path=ppt/slides/slide23.xml><?xml version="1.0" encoding="utf-8"?>
 <p:sld xmlns:a="http://schemas.openxmlformats.org/drawingml/2006/main" xmlns:r="http://schemas.openxmlformats.org/officeDocument/2006/relationships" xmlns:p="http://schemas.openxmlformats.org/presentationml/2006/main">
   <p:cSld>
     <p:spTree>
@@ -10798,7 +10929,7 @@
 </p:sld>
 </file>
 
-<file path=ppt/slides/slide23.xml><?xml version="1.0" encoding="utf-8"?>
+<file path=ppt/slides/slide24.xml><?xml version="1.0" encoding="utf-8"?>
 <p:sld xmlns:a="http://schemas.openxmlformats.org/drawingml/2006/main" xmlns:r="http://schemas.openxmlformats.org/officeDocument/2006/relationships" xmlns:p="http://schemas.openxmlformats.org/presentationml/2006/main">
   <p:cSld>
     <p:spTree>
@@ -10899,7 +11030,7 @@
 </p:sld>
 </file>
 
-<file path=ppt/slides/slide24.xml><?xml version="1.0" encoding="utf-8"?>
+<file path=ppt/slides/slide25.xml><?xml version="1.0" encoding="utf-8"?>
 <p:sld xmlns:a="http://schemas.openxmlformats.org/drawingml/2006/main" xmlns:r="http://schemas.openxmlformats.org/officeDocument/2006/relationships" xmlns:p="http://schemas.openxmlformats.org/presentationml/2006/main">
   <p:cSld>
     <p:spTree>
@@ -12057,7 +12188,7 @@
 </p:sld>
 </file>
 
-<file path=ppt/slides/slide25.xml><?xml version="1.0" encoding="utf-8"?>
+<file path=ppt/slides/slide26.xml><?xml version="1.0" encoding="utf-8"?>
 <p:sld xmlns:a="http://schemas.openxmlformats.org/drawingml/2006/main" xmlns:r="http://schemas.openxmlformats.org/officeDocument/2006/relationships" xmlns:p="http://schemas.openxmlformats.org/presentationml/2006/main">
   <p:cSld>
     <p:spTree>
@@ -12210,7 +12341,7 @@
 </p:sld>
 </file>
 
-<file path=ppt/slides/slide26.xml><?xml version="1.0" encoding="utf-8"?>
+<file path=ppt/slides/slide27.xml><?xml version="1.0" encoding="utf-8"?>
 <p:sld xmlns:a="http://schemas.openxmlformats.org/drawingml/2006/main" xmlns:r="http://schemas.openxmlformats.org/officeDocument/2006/relationships" xmlns:p="http://schemas.openxmlformats.org/presentationml/2006/main">
   <p:cSld>
     <p:spTree>
@@ -12487,7 +12618,7 @@
 </p:sld>
 </file>
 
-<file path=ppt/slides/slide27.xml><?xml version="1.0" encoding="utf-8"?>
+<file path=ppt/slides/slide28.xml><?xml version="1.0" encoding="utf-8"?>
 <p:sld xmlns:a="http://schemas.openxmlformats.org/drawingml/2006/main" xmlns:r="http://schemas.openxmlformats.org/officeDocument/2006/relationships" xmlns:p="http://schemas.openxmlformats.org/presentationml/2006/main">
   <p:cSld>
     <p:spTree>
@@ -12669,7 +12800,7 @@
 </p:sld>
 </file>
 
-<file path=ppt/slides/slide28.xml><?xml version="1.0" encoding="utf-8"?>
+<file path=ppt/slides/slide29.xml><?xml version="1.0" encoding="utf-8"?>
 <p:sld xmlns:a="http://schemas.openxmlformats.org/drawingml/2006/main" xmlns:r="http://schemas.openxmlformats.org/officeDocument/2006/relationships" xmlns:p="http://schemas.openxmlformats.org/presentationml/2006/main">
   <p:cSld>
     <p:spTree>
@@ -12775,187 +12906,6 @@
           <a:xfrm>
             <a:off x="3635896" y="4293096"/>
             <a:ext cx="1868119" cy="1522476"/>
-          </a:xfrm>
-          <a:prstGeom prst="rect">
-            <a:avLst/>
-          </a:prstGeom>
-          <a:noFill/>
-        </p:spPr>
-      </p:pic>
-    </p:spTree>
-  </p:cSld>
-  <p:clrMapOvr>
-    <a:masterClrMapping/>
-  </p:clrMapOvr>
-  <p:timing>
-    <p:tnLst>
-      <p:par>
-        <p:cTn id="1" dur="indefinite" restart="never" nodeType="tmRoot"/>
-      </p:par>
-    </p:tnLst>
-  </p:timing>
-</p:sld>
-</file>
-
-<file path=ppt/slides/slide29.xml><?xml version="1.0" encoding="utf-8"?>
-<p:sld xmlns:a="http://schemas.openxmlformats.org/drawingml/2006/main" xmlns:r="http://schemas.openxmlformats.org/officeDocument/2006/relationships" xmlns:p="http://schemas.openxmlformats.org/presentationml/2006/main">
-  <p:cSld>
-    <p:spTree>
-      <p:nvGrpSpPr>
-        <p:cNvPr id="1" name=""/>
-        <p:cNvGrpSpPr/>
-        <p:nvPr/>
-      </p:nvGrpSpPr>
-      <p:grpSpPr>
-        <a:xfrm>
-          <a:off x="0" y="0"/>
-          <a:ext cx="0" cy="0"/>
-          <a:chOff x="0" y="0"/>
-          <a:chExt cx="0" cy="0"/>
-        </a:xfrm>
-      </p:grpSpPr>
-      <p:sp>
-        <p:nvSpPr>
-          <p:cNvPr id="5" name="4 Rectángulo redondeado"/>
-          <p:cNvSpPr/>
-          <p:nvPr/>
-        </p:nvSpPr>
-        <p:spPr>
-          <a:xfrm>
-            <a:off x="467544" y="3645024"/>
-            <a:ext cx="1872208" cy="482133"/>
-          </a:xfrm>
-          <a:prstGeom prst="roundRect">
-            <a:avLst/>
-          </a:prstGeom>
-        </p:spPr>
-        <p:style>
-          <a:lnRef idx="1">
-            <a:schemeClr val="accent2"/>
-          </a:lnRef>
-          <a:fillRef idx="2">
-            <a:schemeClr val="accent2"/>
-          </a:fillRef>
-          <a:effectRef idx="1">
-            <a:schemeClr val="accent2"/>
-          </a:effectRef>
-          <a:fontRef idx="minor">
-            <a:schemeClr val="dk1"/>
-          </a:fontRef>
-        </p:style>
-        <p:txBody>
-          <a:bodyPr rtlCol="0" anchor="ctr"/>
-          <a:lstStyle/>
-          <a:p>
-            <a:pPr algn="ctr"/>
-            <a:endParaRPr lang="es-ES_tradnl" dirty="0"/>
-          </a:p>
-        </p:txBody>
-      </p:sp>
-      <p:sp>
-        <p:nvSpPr>
-          <p:cNvPr id="3" name="2 Marcador de contenido"/>
-          <p:cNvSpPr>
-            <a:spLocks noGrp="1"/>
-          </p:cNvSpPr>
-          <p:nvPr>
-            <p:ph sz="quarter" idx="1"/>
-          </p:nvPr>
-        </p:nvSpPr>
-        <p:spPr>
-          <a:xfrm>
-            <a:off x="457200" y="1268760"/>
-            <a:ext cx="8507288" cy="4968552"/>
-          </a:xfrm>
-        </p:spPr>
-        <p:txBody>
-          <a:bodyPr>
-            <a:normAutofit/>
-          </a:bodyPr>
-          <a:lstStyle/>
-          <a:p>
-            <a:r>
-              <a:rPr lang="es-ES" dirty="0" smtClean="0"/>
-              <a:t>Introducción</a:t>
-            </a:r>
-          </a:p>
-          <a:p>
-            <a:r>
-              <a:rPr lang="es-ES" dirty="0" smtClean="0"/>
-              <a:t>Atributos de calidad y aspectos tempranos</a:t>
-            </a:r>
-          </a:p>
-          <a:p>
-            <a:r>
-              <a:rPr lang="es-ES" dirty="0" smtClean="0"/>
-              <a:t>Enfoque propuesto</a:t>
-            </a:r>
-          </a:p>
-          <a:p>
-            <a:r>
-              <a:rPr lang="es-ES" dirty="0" smtClean="0"/>
-              <a:t>Evaluación</a:t>
-            </a:r>
-          </a:p>
-          <a:p>
-            <a:r>
-              <a:rPr lang="es-ES" dirty="0" smtClean="0"/>
-              <a:t>Conclusiones</a:t>
-            </a:r>
-          </a:p>
-          <a:p>
-            <a:r>
-              <a:rPr lang="es-ES" dirty="0" smtClean="0"/>
-              <a:t>Preguntas</a:t>
-            </a:r>
-          </a:p>
-          <a:p>
-            <a:endParaRPr lang="es-ES" dirty="0"/>
-          </a:p>
-        </p:txBody>
-      </p:sp>
-      <p:sp>
-        <p:nvSpPr>
-          <p:cNvPr id="2" name="1 Título"/>
-          <p:cNvSpPr>
-            <a:spLocks noGrp="1"/>
-          </p:cNvSpPr>
-          <p:nvPr>
-            <p:ph type="title"/>
-          </p:nvPr>
-        </p:nvSpPr>
-        <p:spPr/>
-        <p:txBody>
-          <a:bodyPr/>
-          <a:lstStyle/>
-          <a:p>
-            <a:r>
-              <a:rPr lang="es-ES" dirty="0" smtClean="0"/>
-              <a:t>Agenda</a:t>
-            </a:r>
-            <a:endParaRPr lang="es-ES" dirty="0"/>
-          </a:p>
-        </p:txBody>
-      </p:sp>
-      <p:pic>
-        <p:nvPicPr>
-          <p:cNvPr id="9217" name="Picture 1" descr="C:\Documents and Settings\Administrador\Configuración local\Archivos temporales de Internet\Content.IE5\5WQ1CSKL\MP900405396[1].jpg"/>
-          <p:cNvPicPr>
-            <a:picLocks noChangeAspect="1" noChangeArrowheads="1"/>
-          </p:cNvPicPr>
-          <p:nvPr/>
-        </p:nvPicPr>
-        <p:blipFill>
-          <a:blip r:embed="rId2" cstate="print"/>
-          <a:srcRect/>
-          <a:stretch>
-            <a:fillRect/>
-          </a:stretch>
-        </p:blipFill>
-        <p:spPr bwMode="auto">
-          <a:xfrm>
-            <a:off x="5436096" y="3573016"/>
-            <a:ext cx="3130545" cy="2236104"/>
           </a:xfrm>
           <a:prstGeom prst="rect">
             <a:avLst/>
@@ -13289,49 +13239,151 @@
       </p:grpSpPr>
       <p:sp>
         <p:nvSpPr>
-          <p:cNvPr id="2" name="1 Título"/>
-          <p:cNvSpPr>
-            <a:spLocks noGrp="1"/>
-          </p:cNvSpPr>
-          <p:nvPr>
-            <p:ph type="title"/>
-          </p:nvPr>
-        </p:nvSpPr>
-        <p:spPr/>
-        <p:txBody>
-          <a:bodyPr/>
+          <p:cNvPr id="5" name="4 Rectángulo redondeado"/>
+          <p:cNvSpPr/>
+          <p:nvPr/>
+        </p:nvSpPr>
+        <p:spPr>
+          <a:xfrm>
+            <a:off x="467544" y="3645024"/>
+            <a:ext cx="1872208" cy="482133"/>
+          </a:xfrm>
+          <a:prstGeom prst="roundRect">
+            <a:avLst/>
+          </a:prstGeom>
+        </p:spPr>
+        <p:style>
+          <a:lnRef idx="1">
+            <a:schemeClr val="accent2"/>
+          </a:lnRef>
+          <a:fillRef idx="2">
+            <a:schemeClr val="accent2"/>
+          </a:fillRef>
+          <a:effectRef idx="1">
+            <a:schemeClr val="accent2"/>
+          </a:effectRef>
+          <a:fontRef idx="minor">
+            <a:schemeClr val="dk1"/>
+          </a:fontRef>
+        </p:style>
+        <p:txBody>
+          <a:bodyPr rtlCol="0" anchor="ctr"/>
           <a:lstStyle/>
           <a:p>
             <a:pPr algn="ctr"/>
+            <a:endParaRPr lang="es-ES_tradnl" dirty="0"/>
+          </a:p>
+        </p:txBody>
+      </p:sp>
+      <p:sp>
+        <p:nvSpPr>
+          <p:cNvPr id="3" name="2 Marcador de contenido"/>
+          <p:cNvSpPr>
+            <a:spLocks noGrp="1"/>
+          </p:cNvSpPr>
+          <p:nvPr>
+            <p:ph sz="quarter" idx="1"/>
+          </p:nvPr>
+        </p:nvSpPr>
+        <p:spPr>
+          <a:xfrm>
+            <a:off x="457200" y="1268760"/>
+            <a:ext cx="8507288" cy="4968552"/>
+          </a:xfrm>
+        </p:spPr>
+        <p:txBody>
+          <a:bodyPr>
+            <a:normAutofit/>
+          </a:bodyPr>
+          <a:lstStyle/>
+          <a:p>
+            <a:r>
+              <a:rPr lang="es-ES" dirty="0" smtClean="0"/>
+              <a:t>Introducción</a:t>
+            </a:r>
+          </a:p>
+          <a:p>
+            <a:r>
+              <a:rPr lang="es-ES" dirty="0" smtClean="0"/>
+              <a:t>Atributos de calidad y aspectos tempranos</a:t>
+            </a:r>
+          </a:p>
+          <a:p>
+            <a:r>
+              <a:rPr lang="es-ES" dirty="0" smtClean="0"/>
+              <a:t>Enfoque propuesto</a:t>
+            </a:r>
+          </a:p>
+          <a:p>
+            <a:r>
+              <a:rPr lang="es-ES" dirty="0" smtClean="0"/>
+              <a:t>Evaluación</a:t>
+            </a:r>
+          </a:p>
+          <a:p>
+            <a:r>
+              <a:rPr lang="es-ES" dirty="0" smtClean="0"/>
+              <a:t>Conclusiones</a:t>
+            </a:r>
+          </a:p>
+          <a:p>
             <a:r>
               <a:rPr lang="es-ES" dirty="0" smtClean="0"/>
               <a:t>Preguntas</a:t>
             </a:r>
+          </a:p>
+          <a:p>
+            <a:endParaRPr lang="es-ES" dirty="0"/>
+          </a:p>
+        </p:txBody>
+      </p:sp>
+      <p:sp>
+        <p:nvSpPr>
+          <p:cNvPr id="2" name="1 Título"/>
+          <p:cNvSpPr>
+            <a:spLocks noGrp="1"/>
+          </p:cNvSpPr>
+          <p:nvPr>
+            <p:ph type="title"/>
+          </p:nvPr>
+        </p:nvSpPr>
+        <p:spPr/>
+        <p:txBody>
+          <a:bodyPr/>
+          <a:lstStyle/>
+          <a:p>
+            <a:r>
+              <a:rPr lang="es-ES" dirty="0" smtClean="0"/>
+              <a:t>Agenda</a:t>
+            </a:r>
             <a:endParaRPr lang="es-ES" dirty="0"/>
           </a:p>
         </p:txBody>
       </p:sp>
       <p:pic>
         <p:nvPicPr>
-          <p:cNvPr id="14" name="13 Marcador de contenido" descr="preguntas (1).jpg"/>
+          <p:cNvPr id="9217" name="Picture 1" descr="C:\Documents and Settings\Administrador\Configuración local\Archivos temporales de Internet\Content.IE5\5WQ1CSKL\MP900405396[1].jpg"/>
           <p:cNvPicPr>
-            <a:picLocks noGrp="1" noChangeAspect="1"/>
+            <a:picLocks noChangeAspect="1" noChangeArrowheads="1"/>
           </p:cNvPicPr>
-          <p:nvPr>
-            <p:ph sz="quarter" idx="1"/>
-          </p:nvPr>
+          <p:nvPr/>
         </p:nvPicPr>
         <p:blipFill>
           <a:blip r:embed="rId2" cstate="print"/>
+          <a:srcRect/>
           <a:stretch>
             <a:fillRect/>
           </a:stretch>
         </p:blipFill>
-        <p:spPr>
+        <p:spPr bwMode="auto">
           <a:xfrm>
-            <a:off x="1079500" y="1782762"/>
-            <a:ext cx="6985000" cy="3810000"/>
+            <a:off x="5436096" y="3573016"/>
+            <a:ext cx="3130545" cy="2236104"/>
           </a:xfrm>
+          <a:prstGeom prst="rect">
+            <a:avLst/>
+          </a:prstGeom>
+          <a:noFill/>
         </p:spPr>
       </p:pic>
     </p:spTree>
@@ -13381,14 +13433,38 @@
           <a:bodyPr/>
           <a:lstStyle/>
           <a:p>
+            <a:pPr algn="ctr"/>
             <a:r>
               <a:rPr lang="es-ES" dirty="0" smtClean="0"/>
-              <a:t>GRACIAS!!!!</a:t>
+              <a:t>Preguntas</a:t>
             </a:r>
             <a:endParaRPr lang="es-ES" dirty="0"/>
           </a:p>
         </p:txBody>
       </p:sp>
+      <p:pic>
+        <p:nvPicPr>
+          <p:cNvPr id="14" name="13 Marcador de contenido" descr="preguntas (1).jpg"/>
+          <p:cNvPicPr>
+            <a:picLocks noGrp="1" noChangeAspect="1"/>
+          </p:cNvPicPr>
+          <p:nvPr>
+            <p:ph sz="quarter" idx="1"/>
+          </p:nvPr>
+        </p:nvPicPr>
+        <p:blipFill>
+          <a:blip r:embed="rId2" cstate="print"/>
+          <a:stretch>
+            <a:fillRect/>
+          </a:stretch>
+        </p:blipFill>
+        <p:spPr>
+          <a:xfrm>
+            <a:off x="1079500" y="1782762"/>
+            <a:ext cx="6985000" cy="3810000"/>
+          </a:xfrm>
+        </p:spPr>
+      </p:pic>
     </p:spTree>
   </p:cSld>
   <p:clrMapOvr>
@@ -13405,6 +13481,61 @@
 </file>
 
 <file path=ppt/slides/slide32.xml><?xml version="1.0" encoding="utf-8"?>
+<p:sld xmlns:a="http://schemas.openxmlformats.org/drawingml/2006/main" xmlns:r="http://schemas.openxmlformats.org/officeDocument/2006/relationships" xmlns:p="http://schemas.openxmlformats.org/presentationml/2006/main">
+  <p:cSld>
+    <p:spTree>
+      <p:nvGrpSpPr>
+        <p:cNvPr id="1" name=""/>
+        <p:cNvGrpSpPr/>
+        <p:nvPr/>
+      </p:nvGrpSpPr>
+      <p:grpSpPr>
+        <a:xfrm>
+          <a:off x="0" y="0"/>
+          <a:ext cx="0" cy="0"/>
+          <a:chOff x="0" y="0"/>
+          <a:chExt cx="0" cy="0"/>
+        </a:xfrm>
+      </p:grpSpPr>
+      <p:sp>
+        <p:nvSpPr>
+          <p:cNvPr id="2" name="1 Título"/>
+          <p:cNvSpPr>
+            <a:spLocks noGrp="1"/>
+          </p:cNvSpPr>
+          <p:nvPr>
+            <p:ph type="title"/>
+          </p:nvPr>
+        </p:nvSpPr>
+        <p:spPr/>
+        <p:txBody>
+          <a:bodyPr/>
+          <a:lstStyle/>
+          <a:p>
+            <a:r>
+              <a:rPr lang="es-ES" dirty="0" smtClean="0"/>
+              <a:t>GRACIAS!!!!</a:t>
+            </a:r>
+            <a:endParaRPr lang="es-ES" dirty="0"/>
+          </a:p>
+        </p:txBody>
+      </p:sp>
+    </p:spTree>
+  </p:cSld>
+  <p:clrMapOvr>
+    <a:masterClrMapping/>
+  </p:clrMapOvr>
+  <p:timing>
+    <p:tnLst>
+      <p:par>
+        <p:cTn id="1" dur="indefinite" restart="never" nodeType="tmRoot"/>
+      </p:par>
+    </p:tnLst>
+  </p:timing>
+</p:sld>
+</file>
+
+<file path=ppt/slides/slide33.xml><?xml version="1.0" encoding="utf-8"?>
 <p:sld xmlns:a="http://schemas.openxmlformats.org/drawingml/2006/main" xmlns:r="http://schemas.openxmlformats.org/officeDocument/2006/relationships" xmlns:p="http://schemas.openxmlformats.org/presentationml/2006/main">
   <p:cSld>
     <p:spTree>

--- a/trunk/Capitulos Finales/FilminasV0.2.pptx
+++ b/trunk/Capitulos Finales/FilminasV0.2.pptx
@@ -8206,82 +8206,6 @@
           <a:chExt cx="0" cy="0"/>
         </a:xfrm>
       </p:grpSpPr>
-      <p:sp>
-        <p:nvSpPr>
-          <p:cNvPr id="2" name="1 Título"/>
-          <p:cNvSpPr>
-            <a:spLocks noGrp="1"/>
-          </p:cNvSpPr>
-          <p:nvPr>
-            <p:ph type="title"/>
-          </p:nvPr>
-        </p:nvSpPr>
-        <p:spPr/>
-        <p:txBody>
-          <a:bodyPr>
-            <a:normAutofit/>
-          </a:bodyPr>
-          <a:lstStyle/>
-          <a:p>
-            <a:r>
-              <a:rPr lang="es-ES_tradnl" dirty="0" err="1" smtClean="0"/>
-              <a:t>Ontolología</a:t>
-            </a:r>
-            <a:endParaRPr lang="es-ES_tradnl" dirty="0"/>
-          </a:p>
-        </p:txBody>
-      </p:sp>
-      <p:sp>
-        <p:nvSpPr>
-          <p:cNvPr id="5" name="4 Marcador de contenido"/>
-          <p:cNvSpPr>
-            <a:spLocks noGrp="1"/>
-          </p:cNvSpPr>
-          <p:nvPr>
-            <p:ph sz="quarter" idx="1"/>
-          </p:nvPr>
-        </p:nvSpPr>
-        <p:spPr/>
-        <p:txBody>
-          <a:bodyPr/>
-          <a:lstStyle/>
-          <a:p>
-            <a:r>
-              <a:rPr lang="es-ES_tradnl" dirty="0" smtClean="0"/>
-              <a:t>Una ontología es un modelo de datos que describe conceptos en un dominio del discurso,  propiedades de los conceptos y restricciones sobre los mismos</a:t>
-            </a:r>
-          </a:p>
-          <a:p>
-            <a:r>
-              <a:rPr lang="es-ES_tradnl" dirty="0" smtClean="0"/>
-              <a:t>La técnica propuesta toma como fuente de conocimiento a la ontología definida</a:t>
-            </a:r>
-          </a:p>
-          <a:p>
-            <a:r>
-              <a:rPr lang="es-ES_tradnl" dirty="0" smtClean="0"/>
-              <a:t>La misma cuenta con </a:t>
-            </a:r>
-            <a:r>
-              <a:rPr lang="es-ES_tradnl" dirty="0" smtClean="0"/>
-              <a:t>los conceptos de </a:t>
-            </a:r>
-            <a:r>
-              <a:rPr lang="es-ES_tradnl" dirty="0" smtClean="0"/>
-              <a:t>atributo </a:t>
-            </a:r>
-            <a:r>
-              <a:rPr lang="es-ES_tradnl" dirty="0" smtClean="0"/>
-              <a:t>de calidad, </a:t>
-            </a:r>
-            <a:r>
-              <a:rPr lang="es-ES_tradnl" dirty="0" smtClean="0"/>
-              <a:t>escenario y las distintas partes de un escenario</a:t>
-            </a:r>
-            <a:endParaRPr lang="es-ES_tradnl" dirty="0" smtClean="0"/>
-          </a:p>
-        </p:txBody>
-      </p:sp>
       <p:pic>
         <p:nvPicPr>
           <p:cNvPr id="8" name="7 Imagen" descr="ontologiaReducida.jpeg"/>
@@ -8289,21 +8213,93 @@
           <p:nvPr/>
         </p:nvPicPr>
         <p:blipFill>
-          <a:blip r:embed="rId2"/>
+          <a:blip r:embed="rId2" cstate="print"/>
           <a:stretch>
             <a:fillRect/>
           </a:stretch>
         </p:blipFill>
         <p:spPr>
           <a:xfrm>
-            <a:off x="1253067" y="474134"/>
-            <a:ext cx="6976533" cy="6062134"/>
+            <a:off x="124177" y="101599"/>
+            <a:ext cx="8884355" cy="6632222"/>
           </a:xfrm>
           <a:prstGeom prst="rect">
             <a:avLst/>
           </a:prstGeom>
         </p:spPr>
       </p:pic>
+      <p:sp>
+        <p:nvSpPr>
+          <p:cNvPr id="2" name="1 Título"/>
+          <p:cNvSpPr>
+            <a:spLocks noGrp="1"/>
+          </p:cNvSpPr>
+          <p:nvPr>
+            <p:ph type="title"/>
+          </p:nvPr>
+        </p:nvSpPr>
+        <p:spPr/>
+        <p:txBody>
+          <a:bodyPr>
+            <a:normAutofit/>
+          </a:bodyPr>
+          <a:lstStyle/>
+          <a:p>
+            <a:r>
+              <a:rPr lang="es-ES_tradnl" dirty="0" smtClean="0"/>
+              <a:t>Ontología</a:t>
+            </a:r>
+            <a:endParaRPr lang="es-ES_tradnl" dirty="0"/>
+          </a:p>
+        </p:txBody>
+      </p:sp>
+      <p:sp>
+        <p:nvSpPr>
+          <p:cNvPr id="5" name="4 Marcador de contenido"/>
+          <p:cNvSpPr>
+            <a:spLocks noGrp="1"/>
+          </p:cNvSpPr>
+          <p:nvPr>
+            <p:ph sz="quarter" idx="1"/>
+          </p:nvPr>
+        </p:nvSpPr>
+        <p:spPr/>
+        <p:txBody>
+          <a:bodyPr/>
+          <a:lstStyle/>
+          <a:p>
+            <a:r>
+              <a:rPr lang="es-ES_tradnl" dirty="0" smtClean="0"/>
+              <a:t>Modelo </a:t>
+            </a:r>
+            <a:r>
+              <a:rPr lang="es-ES_tradnl" dirty="0" smtClean="0"/>
+              <a:t>de datos que describe conceptos en un dominio del discurso,  propiedades de los conceptos y restricciones sobre los mismos</a:t>
+            </a:r>
+          </a:p>
+          <a:p>
+            <a:r>
+              <a:rPr lang="es-AR" dirty="0" smtClean="0"/>
+              <a:t>La </a:t>
+            </a:r>
+            <a:r>
+              <a:rPr lang="es-AR" dirty="0" smtClean="0"/>
+              <a:t>ontología definida representa el dominio de atributos de calidad y escenarios de </a:t>
+            </a:r>
+            <a:r>
+              <a:rPr lang="es-AR" dirty="0" smtClean="0"/>
+              <a:t>calidad</a:t>
+            </a:r>
+          </a:p>
+          <a:p>
+            <a:r>
+              <a:rPr lang="es-AR" dirty="0" smtClean="0"/>
+              <a:t>La técnica propuesta se basa en esta ontología para consultar el grado de relación de las palabras de cada token con los atributos de calidad</a:t>
+            </a:r>
+            <a:endParaRPr lang="es-ES_tradnl" dirty="0" smtClean="0"/>
+          </a:p>
+        </p:txBody>
+      </p:sp>
     </p:spTree>
   </p:cSld>
   <p:clrMapOvr>
@@ -8312,7 +8308,83 @@
   <p:timing>
     <p:tnLst>
       <p:par>
-        <p:cTn id="1" dur="indefinite" restart="never" nodeType="tmRoot"/>
+        <p:cTn id="1" dur="indefinite" restart="never" nodeType="tmRoot">
+          <p:childTnLst>
+            <p:seq concurrent="1" nextAc="seek">
+              <p:cTn id="2" dur="indefinite" nodeType="mainSeq">
+                <p:childTnLst>
+                  <p:par>
+                    <p:cTn id="3" fill="hold">
+                      <p:stCondLst>
+                        <p:cond delay="indefinite"/>
+                      </p:stCondLst>
+                      <p:childTnLst>
+                        <p:par>
+                          <p:cTn id="4" fill="hold">
+                            <p:stCondLst>
+                              <p:cond delay="0"/>
+                            </p:stCondLst>
+                            <p:childTnLst>
+                              <p:par>
+                                <p:cTn id="5" presetID="4" presetClass="entr" presetSubtype="16" fill="hold" nodeType="clickEffect">
+                                  <p:stCondLst>
+                                    <p:cond delay="0"/>
+                                  </p:stCondLst>
+                                  <p:childTnLst>
+                                    <p:set>
+                                      <p:cBhvr>
+                                        <p:cTn id="6" dur="1" fill="hold">
+                                          <p:stCondLst>
+                                            <p:cond delay="0"/>
+                                          </p:stCondLst>
+                                        </p:cTn>
+                                        <p:tgtEl>
+                                          <p:spTgt spid="8"/>
+                                        </p:tgtEl>
+                                        <p:attrNameLst>
+                                          <p:attrName>style.visibility</p:attrName>
+                                        </p:attrNameLst>
+                                      </p:cBhvr>
+                                      <p:to>
+                                        <p:strVal val="visible"/>
+                                      </p:to>
+                                    </p:set>
+                                    <p:animEffect transition="in" filter="box(in)">
+                                      <p:cBhvr>
+                                        <p:cTn id="7" dur="500"/>
+                                        <p:tgtEl>
+                                          <p:spTgt spid="8"/>
+                                        </p:tgtEl>
+                                      </p:cBhvr>
+                                    </p:animEffect>
+                                  </p:childTnLst>
+                                </p:cTn>
+                              </p:par>
+                            </p:childTnLst>
+                          </p:cTn>
+                        </p:par>
+                      </p:childTnLst>
+                    </p:cTn>
+                  </p:par>
+                </p:childTnLst>
+              </p:cTn>
+              <p:prevCondLst>
+                <p:cond evt="onPrev" delay="0">
+                  <p:tgtEl>
+                    <p:sldTgt/>
+                  </p:tgtEl>
+                </p:cond>
+              </p:prevCondLst>
+              <p:nextCondLst>
+                <p:cond evt="onNext" delay="0">
+                  <p:tgtEl>
+                    <p:sldTgt/>
+                  </p:tgtEl>
+                </p:cond>
+              </p:nextCondLst>
+            </p:seq>
+          </p:childTnLst>
+        </p:cTn>
       </p:par>
     </p:tnLst>
   </p:timing>

--- a/trunk/Capitulos Finales/FilminasV0.2.pptx
+++ b/trunk/Capitulos Finales/FilminasV0.2.pptx
@@ -8206,6 +8206,66 @@
           <a:chExt cx="0" cy="0"/>
         </a:xfrm>
       </p:grpSpPr>
+      <p:sp>
+        <p:nvSpPr>
+          <p:cNvPr id="2" name="1 Título"/>
+          <p:cNvSpPr>
+            <a:spLocks noGrp="1"/>
+          </p:cNvSpPr>
+          <p:nvPr>
+            <p:ph type="title"/>
+          </p:nvPr>
+        </p:nvSpPr>
+        <p:spPr/>
+        <p:txBody>
+          <a:bodyPr>
+            <a:normAutofit/>
+          </a:bodyPr>
+          <a:lstStyle/>
+          <a:p>
+            <a:r>
+              <a:rPr lang="es-ES_tradnl" dirty="0" smtClean="0"/>
+              <a:t>Ontología</a:t>
+            </a:r>
+            <a:endParaRPr lang="es-ES_tradnl" dirty="0"/>
+          </a:p>
+        </p:txBody>
+      </p:sp>
+      <p:sp>
+        <p:nvSpPr>
+          <p:cNvPr id="5" name="4 Marcador de contenido"/>
+          <p:cNvSpPr>
+            <a:spLocks noGrp="1"/>
+          </p:cNvSpPr>
+          <p:nvPr>
+            <p:ph sz="quarter" idx="1"/>
+          </p:nvPr>
+        </p:nvSpPr>
+        <p:spPr/>
+        <p:txBody>
+          <a:bodyPr/>
+          <a:lstStyle/>
+          <a:p>
+            <a:r>
+              <a:rPr lang="es-ES_tradnl" dirty="0" smtClean="0"/>
+              <a:t>Modelo de datos que describe conceptos en un dominio del discurso,  propiedades de los conceptos y restricciones sobre los mismos</a:t>
+            </a:r>
+          </a:p>
+          <a:p>
+            <a:r>
+              <a:rPr lang="es-AR" dirty="0" smtClean="0"/>
+              <a:t>La ontología definida representa el dominio de atributos de calidad y escenarios de calidad</a:t>
+            </a:r>
+          </a:p>
+          <a:p>
+            <a:r>
+              <a:rPr lang="es-AR" dirty="0" smtClean="0"/>
+              <a:t>La técnica propuesta se basa en esta ontología para consultar el grado de relación de las palabras de cada token con los atributos de calidad</a:t>
+            </a:r>
+            <a:endParaRPr lang="es-ES_tradnl" dirty="0" smtClean="0"/>
+          </a:p>
+        </p:txBody>
+      </p:sp>
       <p:pic>
         <p:nvPicPr>
           <p:cNvPr id="8" name="7 Imagen" descr="ontologiaReducida.jpeg"/>
@@ -8228,78 +8288,6 @@
           </a:prstGeom>
         </p:spPr>
       </p:pic>
-      <p:sp>
-        <p:nvSpPr>
-          <p:cNvPr id="2" name="1 Título"/>
-          <p:cNvSpPr>
-            <a:spLocks noGrp="1"/>
-          </p:cNvSpPr>
-          <p:nvPr>
-            <p:ph type="title"/>
-          </p:nvPr>
-        </p:nvSpPr>
-        <p:spPr/>
-        <p:txBody>
-          <a:bodyPr>
-            <a:normAutofit/>
-          </a:bodyPr>
-          <a:lstStyle/>
-          <a:p>
-            <a:r>
-              <a:rPr lang="es-ES_tradnl" dirty="0" smtClean="0"/>
-              <a:t>Ontología</a:t>
-            </a:r>
-            <a:endParaRPr lang="es-ES_tradnl" dirty="0"/>
-          </a:p>
-        </p:txBody>
-      </p:sp>
-      <p:sp>
-        <p:nvSpPr>
-          <p:cNvPr id="5" name="4 Marcador de contenido"/>
-          <p:cNvSpPr>
-            <a:spLocks noGrp="1"/>
-          </p:cNvSpPr>
-          <p:nvPr>
-            <p:ph sz="quarter" idx="1"/>
-          </p:nvPr>
-        </p:nvSpPr>
-        <p:spPr/>
-        <p:txBody>
-          <a:bodyPr/>
-          <a:lstStyle/>
-          <a:p>
-            <a:r>
-              <a:rPr lang="es-ES_tradnl" dirty="0" smtClean="0"/>
-              <a:t>Modelo </a:t>
-            </a:r>
-            <a:r>
-              <a:rPr lang="es-ES_tradnl" dirty="0" smtClean="0"/>
-              <a:t>de datos que describe conceptos en un dominio del discurso,  propiedades de los conceptos y restricciones sobre los mismos</a:t>
-            </a:r>
-          </a:p>
-          <a:p>
-            <a:r>
-              <a:rPr lang="es-AR" dirty="0" smtClean="0"/>
-              <a:t>La </a:t>
-            </a:r>
-            <a:r>
-              <a:rPr lang="es-AR" dirty="0" smtClean="0"/>
-              <a:t>ontología definida representa el dominio de atributos de calidad y escenarios de </a:t>
-            </a:r>
-            <a:r>
-              <a:rPr lang="es-AR" dirty="0" smtClean="0"/>
-              <a:t>calidad</a:t>
-            </a:r>
-          </a:p>
-          <a:p>
-            <a:r>
-              <a:rPr lang="es-AR" dirty="0" smtClean="0"/>
-              <a:t>La técnica propuesta se basa en esta ontología para consultar el grado de relación de las palabras de cada token con los atributos de calidad</a:t>
-            </a:r>
-            <a:endParaRPr lang="es-ES_tradnl" dirty="0" smtClean="0"/>
-          </a:p>
-        </p:txBody>
-      </p:sp>
     </p:spTree>
   </p:cSld>
   <p:clrMapOvr>

--- a/trunk/Capitulos Finales/FilminasV0.2.pptx
+++ b/trunk/Capitulos Finales/FilminasV0.2.pptx
@@ -8259,8 +8259,30 @@
           </a:p>
           <a:p>
             <a:r>
-              <a:rPr lang="es-AR" dirty="0" smtClean="0"/>
-              <a:t>La técnica propuesta se basa en esta ontología para consultar el grado de relación de las palabras de cada token con los atributos de calidad</a:t>
+              <a:rPr lang="es-ES" dirty="0" smtClean="0"/>
+              <a:t>La técnica </a:t>
+            </a:r>
+            <a:r>
+              <a:rPr lang="es-ES" dirty="0" smtClean="0"/>
+              <a:t>propuesta utiliza </a:t>
+            </a:r>
+            <a:r>
+              <a:rPr lang="es-ES" dirty="0" smtClean="0"/>
+              <a:t>a la ontología </a:t>
+            </a:r>
+            <a:r>
+              <a:rPr lang="es-ES" dirty="0" smtClean="0"/>
+              <a:t>definida como fuente de </a:t>
+            </a:r>
+            <a:r>
+              <a:rPr lang="es-ES" dirty="0" smtClean="0"/>
+              <a:t>conocimiento.</a:t>
+            </a:r>
+          </a:p>
+          <a:p>
+            <a:r>
+              <a:rPr lang="es-ES" dirty="0" smtClean="0"/>
+              <a:t>Se supone que la ontología está cargada por un experto</a:t>
             </a:r>
             <a:endParaRPr lang="es-ES_tradnl" dirty="0" smtClean="0"/>
           </a:p>

--- a/trunk/Capitulos Finales/FilminasV0.2.pptx
+++ b/trunk/Capitulos Finales/FilminasV0.2.pptx
@@ -5,7 +5,7 @@
     <p:sldMasterId id="2147483984" r:id="rId1"/>
   </p:sldMasterIdLst>
   <p:notesMasterIdLst>
-    <p:notesMasterId r:id="rId35"/>
+    <p:notesMasterId r:id="rId36"/>
   </p:notesMasterIdLst>
   <p:sldIdLst>
     <p:sldId id="256" r:id="rId2"/>
@@ -26,21 +26,22 @@
     <p:sldId id="303" r:id="rId17"/>
     <p:sldId id="304" r:id="rId18"/>
     <p:sldId id="306" r:id="rId19"/>
-    <p:sldId id="268" r:id="rId20"/>
-    <p:sldId id="293" r:id="rId21"/>
-    <p:sldId id="269" r:id="rId22"/>
-    <p:sldId id="270" r:id="rId23"/>
-    <p:sldId id="277" r:id="rId24"/>
-    <p:sldId id="271" r:id="rId25"/>
-    <p:sldId id="278" r:id="rId26"/>
-    <p:sldId id="272" r:id="rId27"/>
-    <p:sldId id="294" r:id="rId28"/>
-    <p:sldId id="296" r:id="rId29"/>
-    <p:sldId id="273" r:id="rId30"/>
-    <p:sldId id="295" r:id="rId31"/>
-    <p:sldId id="275" r:id="rId32"/>
-    <p:sldId id="276" r:id="rId33"/>
-    <p:sldId id="298" r:id="rId34"/>
+    <p:sldId id="307" r:id="rId20"/>
+    <p:sldId id="268" r:id="rId21"/>
+    <p:sldId id="293" r:id="rId22"/>
+    <p:sldId id="269" r:id="rId23"/>
+    <p:sldId id="270" r:id="rId24"/>
+    <p:sldId id="277" r:id="rId25"/>
+    <p:sldId id="271" r:id="rId26"/>
+    <p:sldId id="278" r:id="rId27"/>
+    <p:sldId id="272" r:id="rId28"/>
+    <p:sldId id="294" r:id="rId29"/>
+    <p:sldId id="296" r:id="rId30"/>
+    <p:sldId id="273" r:id="rId31"/>
+    <p:sldId id="295" r:id="rId32"/>
+    <p:sldId id="275" r:id="rId33"/>
+    <p:sldId id="276" r:id="rId34"/>
+    <p:sldId id="298" r:id="rId35"/>
   </p:sldIdLst>
   <p:sldSz cx="9144000" cy="6858000" type="screen4x3"/>
   <p:notesSz cx="6858000" cy="9144000"/>
@@ -231,7 +232,7 @@
             <a:fld id="{42D63BFC-F4BA-48C9-8576-4CE39202FED6}" type="datetimeFigureOut">
               <a:rPr lang="es-ES" smtClean="0"/>
               <a:pPr/>
-              <a:t>14/11/2010</a:t>
+              <a:t>16/11/2010</a:t>
             </a:fld>
             <a:endParaRPr lang="es-ES" dirty="0"/>
           </a:p>
@@ -663,44 +664,6 @@
           </a:bodyPr>
           <a:lstStyle/>
           <a:p>
-            <a:pPr marL="0" marR="0" indent="0" algn="l" defTabSz="914400" rtl="0" eaLnBrk="1" fontAlgn="auto" latinLnBrk="0" hangingPunct="1">
-              <a:lnSpc>
-                <a:spcPct val="100000"/>
-              </a:lnSpc>
-              <a:spcBef>
-                <a:spcPts val="0"/>
-              </a:spcBef>
-              <a:spcAft>
-                <a:spcPts val="0"/>
-              </a:spcAft>
-              <a:buClrTx/>
-              <a:buSzTx/>
-              <a:buFontTx/>
-              <a:buNone/>
-              <a:tabLst/>
-              <a:defRPr/>
-            </a:pPr>
-            <a:r>
-              <a:rPr lang="es-AR" sz="1200" kern="1200" dirty="0" smtClean="0">
-                <a:solidFill>
-                  <a:schemeClr val="tx1"/>
-                </a:solidFill>
-                <a:latin typeface="+mn-lt"/>
-                <a:ea typeface="+mn-ea"/>
-                <a:cs typeface="+mn-cs"/>
-              </a:rPr>
-              <a:t>Los actores principales son: el analista, que es el encargado de definir los casos de uso del sistema y, además, quien se beneficia de la salida del proceso; y el experto en el dominio, cuya responsabilidad es desarrollar la ontología para que pueda ser utilizada durante la etapa de análisis.</a:t>
-            </a:r>
-            <a:endParaRPr lang="es-ES_tradnl" sz="1200" kern="1200" dirty="0" smtClean="0">
-              <a:solidFill>
-                <a:schemeClr val="tx1"/>
-              </a:solidFill>
-              <a:latin typeface="+mn-lt"/>
-              <a:ea typeface="+mn-ea"/>
-              <a:cs typeface="+mn-cs"/>
-            </a:endParaRPr>
-          </a:p>
-          <a:p>
             <a:endParaRPr lang="es-ES_tradnl" dirty="0"/>
           </a:p>
         </p:txBody>
@@ -723,7 +686,7 @@
             <a:fld id="{1872ED1A-74B4-42AE-A5BF-D7540D1CC6CA}" type="slidenum">
               <a:rPr lang="es-ES" smtClean="0"/>
               <a:pPr/>
-              <a:t>12</a:t>
+              <a:t>11</a:t>
             </a:fld>
             <a:endParaRPr lang="es-ES" dirty="0"/>
           </a:p>
@@ -783,6 +746,23 @@
           </a:bodyPr>
           <a:lstStyle/>
           <a:p>
+            <a:pPr marL="0" marR="0" indent="0" algn="l" defTabSz="914400" rtl="0" eaLnBrk="1" fontAlgn="auto" latinLnBrk="0" hangingPunct="1">
+              <a:lnSpc>
+                <a:spcPct val="100000"/>
+              </a:lnSpc>
+              <a:spcBef>
+                <a:spcPts val="0"/>
+              </a:spcBef>
+              <a:spcAft>
+                <a:spcPts val="0"/>
+              </a:spcAft>
+              <a:buClrTx/>
+              <a:buSzTx/>
+              <a:buFontTx/>
+              <a:buNone/>
+              <a:tabLst/>
+              <a:defRPr/>
+            </a:pPr>
             <a:r>
               <a:rPr lang="es-AR" sz="1200" kern="1200" dirty="0" smtClean="0">
                 <a:solidFill>
@@ -792,97 +772,16 @@
                 <a:ea typeface="+mn-ea"/>
                 <a:cs typeface="+mn-cs"/>
               </a:rPr>
-              <a:t>Las entradas del proceso son los casos de uso</a:t>
-            </a:r>
-            <a:r>
-              <a:rPr lang="es-ES_tradnl" sz="1200" kern="1200" dirty="0" smtClean="0">
-                <a:solidFill>
-                  <a:schemeClr val="tx1"/>
-                </a:solidFill>
-                <a:latin typeface="+mn-lt"/>
-                <a:ea typeface="+mn-ea"/>
-                <a:cs typeface="+mn-cs"/>
-              </a:rPr>
-              <a:t> y el aspecto temprano que los relaciona. Se asume que el aspecto temprano ha sido previamente identificado por medio de algún </a:t>
-            </a:r>
-            <a:r>
-              <a:rPr lang="es-ES_tradnl" sz="1200" kern="1200" dirty="0" err="1" smtClean="0">
-                <a:solidFill>
-                  <a:schemeClr val="tx1"/>
-                </a:solidFill>
-                <a:latin typeface="+mn-lt"/>
-                <a:ea typeface="+mn-ea"/>
-                <a:cs typeface="+mn-cs"/>
-              </a:rPr>
-              <a:t>tool</a:t>
-            </a:r>
-            <a:r>
-              <a:rPr lang="es-ES_tradnl" sz="1200" kern="1200" dirty="0" smtClean="0">
-                <a:solidFill>
-                  <a:schemeClr val="tx1"/>
-                </a:solidFill>
-                <a:latin typeface="+mn-lt"/>
-                <a:ea typeface="+mn-ea"/>
-                <a:cs typeface="+mn-cs"/>
-              </a:rPr>
-              <a:t> de detección de aspectos tempranos. En este trabajo, se utilizó para este propósito la herramienta </a:t>
-            </a:r>
-            <a:r>
-              <a:rPr lang="es-AR" sz="1200" i="1" kern="1200" dirty="0" smtClean="0">
-                <a:solidFill>
-                  <a:schemeClr val="tx1"/>
-                </a:solidFill>
-                <a:latin typeface="+mn-lt"/>
-                <a:ea typeface="+mn-ea"/>
-                <a:cs typeface="+mn-cs"/>
-              </a:rPr>
-              <a:t>Aspect Extractor </a:t>
-            </a:r>
-            <a:r>
-              <a:rPr lang="es-AR" sz="1200" i="1" kern="1200" dirty="0" err="1" smtClean="0">
-                <a:solidFill>
-                  <a:schemeClr val="tx1"/>
-                </a:solidFill>
-                <a:latin typeface="+mn-lt"/>
-                <a:ea typeface="+mn-ea"/>
-                <a:cs typeface="+mn-cs"/>
-              </a:rPr>
-              <a:t>Tool</a:t>
-            </a:r>
-            <a:r>
-              <a:rPr lang="es-AR" sz="1200" kern="1200" dirty="0" smtClean="0">
-                <a:solidFill>
-                  <a:schemeClr val="tx1"/>
-                </a:solidFill>
-                <a:latin typeface="+mn-lt"/>
-                <a:ea typeface="+mn-ea"/>
-                <a:cs typeface="+mn-cs"/>
-              </a:rPr>
-              <a:t> [8],</a:t>
-            </a:r>
-            <a:r>
-              <a:rPr lang="es-AR" sz="1200" i="1" kern="1200" dirty="0" smtClean="0">
-                <a:solidFill>
-                  <a:schemeClr val="tx1"/>
-                </a:solidFill>
-                <a:latin typeface="+mn-lt"/>
-                <a:ea typeface="+mn-ea"/>
-                <a:cs typeface="+mn-cs"/>
-              </a:rPr>
-              <a:t> </a:t>
-            </a:r>
-            <a:r>
-              <a:rPr lang="es-ES_tradnl" sz="1200" kern="1200" dirty="0" smtClean="0">
-                <a:solidFill>
-                  <a:schemeClr val="tx1"/>
-                </a:solidFill>
-                <a:latin typeface="+mn-lt"/>
-                <a:ea typeface="+mn-ea"/>
-                <a:cs typeface="+mn-cs"/>
-              </a:rPr>
-              <a:t>la cual identifica un conjunto de aspectos tempranos candidatos a partir de una especificación de requerimientos</a:t>
-            </a:r>
-            <a:endParaRPr lang="es-ES_tradnl" dirty="0" smtClean="0"/>
+              <a:t>Los actores principales son: el analista, que es el encargado de definir los casos de uso del sistema y, además, quien se beneficia de la salida del proceso; y el experto en el dominio, cuya responsabilidad es desarrollar la ontología para que pueda ser utilizada durante la etapa de análisis.</a:t>
+            </a:r>
+            <a:endParaRPr lang="es-ES_tradnl" sz="1200" kern="1200" dirty="0" smtClean="0">
+              <a:solidFill>
+                <a:schemeClr val="tx1"/>
+              </a:solidFill>
+              <a:latin typeface="+mn-lt"/>
+              <a:ea typeface="+mn-ea"/>
+              <a:cs typeface="+mn-cs"/>
+            </a:endParaRPr>
           </a:p>
           <a:p>
             <a:endParaRPr lang="es-ES_tradnl" dirty="0"/>
@@ -907,7 +806,7 @@
             <a:fld id="{1872ED1A-74B4-42AE-A5BF-D7540D1CC6CA}" type="slidenum">
               <a:rPr lang="es-ES" smtClean="0"/>
               <a:pPr/>
-              <a:t>13</a:t>
+              <a:t>12</a:t>
             </a:fld>
             <a:endParaRPr lang="es-ES" dirty="0"/>
           </a:p>
@@ -967,6 +866,108 @@
           </a:bodyPr>
           <a:lstStyle/>
           <a:p>
+            <a:r>
+              <a:rPr lang="es-AR" sz="1200" kern="1200" dirty="0" smtClean="0">
+                <a:solidFill>
+                  <a:schemeClr val="tx1"/>
+                </a:solidFill>
+                <a:latin typeface="+mn-lt"/>
+                <a:ea typeface="+mn-ea"/>
+                <a:cs typeface="+mn-cs"/>
+              </a:rPr>
+              <a:t>Las entradas del proceso son los casos de uso</a:t>
+            </a:r>
+            <a:r>
+              <a:rPr lang="es-ES_tradnl" sz="1200" kern="1200" dirty="0" smtClean="0">
+                <a:solidFill>
+                  <a:schemeClr val="tx1"/>
+                </a:solidFill>
+                <a:latin typeface="+mn-lt"/>
+                <a:ea typeface="+mn-ea"/>
+                <a:cs typeface="+mn-cs"/>
+              </a:rPr>
+              <a:t> y el aspecto temprano que los relaciona. Se asume que el aspecto temprano ha sido previamente identificado por medio de algún </a:t>
+            </a:r>
+            <a:r>
+              <a:rPr lang="es-ES_tradnl" sz="1200" kern="1200" dirty="0" err="1" smtClean="0">
+                <a:solidFill>
+                  <a:schemeClr val="tx1"/>
+                </a:solidFill>
+                <a:latin typeface="+mn-lt"/>
+                <a:ea typeface="+mn-ea"/>
+                <a:cs typeface="+mn-cs"/>
+              </a:rPr>
+              <a:t>tool</a:t>
+            </a:r>
+            <a:r>
+              <a:rPr lang="es-ES_tradnl" sz="1200" kern="1200" dirty="0" smtClean="0">
+                <a:solidFill>
+                  <a:schemeClr val="tx1"/>
+                </a:solidFill>
+                <a:latin typeface="+mn-lt"/>
+                <a:ea typeface="+mn-ea"/>
+                <a:cs typeface="+mn-cs"/>
+              </a:rPr>
+              <a:t> de detección de aspectos tempranos. En este trabajo, se utilizó para este propósito la herramienta </a:t>
+            </a:r>
+            <a:r>
+              <a:rPr lang="es-AR" sz="1200" i="1" kern="1200" dirty="0" smtClean="0">
+                <a:solidFill>
+                  <a:schemeClr val="tx1"/>
+                </a:solidFill>
+                <a:latin typeface="+mn-lt"/>
+                <a:ea typeface="+mn-ea"/>
+                <a:cs typeface="+mn-cs"/>
+              </a:rPr>
+              <a:t>Aspect Extractor </a:t>
+            </a:r>
+            <a:r>
+              <a:rPr lang="es-AR" sz="1200" i="1" kern="1200" dirty="0" err="1" smtClean="0">
+                <a:solidFill>
+                  <a:schemeClr val="tx1"/>
+                </a:solidFill>
+                <a:latin typeface="+mn-lt"/>
+                <a:ea typeface="+mn-ea"/>
+                <a:cs typeface="+mn-cs"/>
+              </a:rPr>
+              <a:t>Tool</a:t>
+            </a:r>
+            <a:r>
+              <a:rPr lang="es-AR" sz="1200" kern="1200" dirty="0" smtClean="0">
+                <a:solidFill>
+                  <a:schemeClr val="tx1"/>
+                </a:solidFill>
+                <a:latin typeface="+mn-lt"/>
+                <a:ea typeface="+mn-ea"/>
+                <a:cs typeface="+mn-cs"/>
+              </a:rPr>
+              <a:t> [8],</a:t>
+            </a:r>
+            <a:r>
+              <a:rPr lang="es-AR" sz="1200" i="1" kern="1200" dirty="0" smtClean="0">
+                <a:solidFill>
+                  <a:schemeClr val="tx1"/>
+                </a:solidFill>
+                <a:latin typeface="+mn-lt"/>
+                <a:ea typeface="+mn-ea"/>
+                <a:cs typeface="+mn-cs"/>
+              </a:rPr>
+              <a:t> </a:t>
+            </a:r>
+            <a:r>
+              <a:rPr lang="es-ES_tradnl" sz="1200" kern="1200" dirty="0" smtClean="0">
+                <a:solidFill>
+                  <a:schemeClr val="tx1"/>
+                </a:solidFill>
+                <a:latin typeface="+mn-lt"/>
+                <a:ea typeface="+mn-ea"/>
+                <a:cs typeface="+mn-cs"/>
+              </a:rPr>
+              <a:t>la cual identifica un conjunto de aspectos tempranos candidatos a partir de una especificación de requerimientos</a:t>
+            </a:r>
+            <a:endParaRPr lang="es-ES_tradnl" dirty="0" smtClean="0"/>
+          </a:p>
+          <a:p>
             <a:endParaRPr lang="es-ES_tradnl" dirty="0"/>
           </a:p>
         </p:txBody>
@@ -989,7 +990,7 @@
             <a:fld id="{1872ED1A-74B4-42AE-A5BF-D7540D1CC6CA}" type="slidenum">
               <a:rPr lang="es-ES" smtClean="0"/>
               <a:pPr/>
-              <a:t>14</a:t>
+              <a:t>13</a:t>
             </a:fld>
             <a:endParaRPr lang="es-ES" dirty="0"/>
           </a:p>
@@ -1071,7 +1072,7 @@
             <a:fld id="{1872ED1A-74B4-42AE-A5BF-D7540D1CC6CA}" type="slidenum">
               <a:rPr lang="es-ES" smtClean="0"/>
               <a:pPr/>
-              <a:t>15</a:t>
+              <a:t>14</a:t>
             </a:fld>
             <a:endParaRPr lang="es-ES" dirty="0"/>
           </a:p>
@@ -1131,6 +1132,112 @@
           </a:bodyPr>
           <a:lstStyle/>
           <a:p>
+            <a:r>
+              <a:rPr lang="es-ES_tradnl" dirty="0" smtClean="0"/>
+              <a:t>La</a:t>
+            </a:r>
+            <a:r>
+              <a:rPr lang="es-ES_tradnl" baseline="0" dirty="0" smtClean="0"/>
+              <a:t> etapa </a:t>
+            </a:r>
+            <a:r>
+              <a:rPr lang="es-ES_tradnl" baseline="0" dirty="0" err="1" smtClean="0"/>
+              <a:t>Tokens</a:t>
+            </a:r>
+            <a:r>
+              <a:rPr lang="es-ES_tradnl" baseline="0" dirty="0" smtClean="0"/>
+              <a:t> </a:t>
+            </a:r>
+            <a:r>
+              <a:rPr lang="es-ES_tradnl" baseline="0" dirty="0" err="1" smtClean="0"/>
+              <a:t>Generation</a:t>
+            </a:r>
+            <a:r>
+              <a:rPr lang="es-ES_tradnl" baseline="0" dirty="0" smtClean="0"/>
+              <a:t> tiene como objetivo </a:t>
+            </a:r>
+            <a:endParaRPr lang="es-ES_tradnl" dirty="0"/>
+          </a:p>
+        </p:txBody>
+      </p:sp>
+      <p:sp>
+        <p:nvSpPr>
+          <p:cNvPr id="4" name="3 Marcador de número de diapositiva"/>
+          <p:cNvSpPr>
+            <a:spLocks noGrp="1"/>
+          </p:cNvSpPr>
+          <p:nvPr>
+            <p:ph type="sldNum" sz="quarter" idx="10"/>
+          </p:nvPr>
+        </p:nvSpPr>
+        <p:spPr/>
+        <p:txBody>
+          <a:bodyPr/>
+          <a:lstStyle/>
+          <a:p>
+            <a:fld id="{1872ED1A-74B4-42AE-A5BF-D7540D1CC6CA}" type="slidenum">
+              <a:rPr lang="es-ES" smtClean="0"/>
+              <a:pPr/>
+              <a:t>15</a:t>
+            </a:fld>
+            <a:endParaRPr lang="es-ES" dirty="0"/>
+          </a:p>
+        </p:txBody>
+      </p:sp>
+    </p:spTree>
+  </p:cSld>
+  <p:clrMapOvr>
+    <a:masterClrMapping/>
+  </p:clrMapOvr>
+</p:notes>
+</file>
+
+<file path=ppt/notesSlides/notesSlide15.xml><?xml version="1.0" encoding="utf-8"?>
+<p:notes xmlns:a="http://schemas.openxmlformats.org/drawingml/2006/main" xmlns:r="http://schemas.openxmlformats.org/officeDocument/2006/relationships" xmlns:p="http://schemas.openxmlformats.org/presentationml/2006/main">
+  <p:cSld>
+    <p:spTree>
+      <p:nvGrpSpPr>
+        <p:cNvPr id="1" name=""/>
+        <p:cNvGrpSpPr/>
+        <p:nvPr/>
+      </p:nvGrpSpPr>
+      <p:grpSpPr>
+        <a:xfrm>
+          <a:off x="0" y="0"/>
+          <a:ext cx="0" cy="0"/>
+          <a:chOff x="0" y="0"/>
+          <a:chExt cx="0" cy="0"/>
+        </a:xfrm>
+      </p:grpSpPr>
+      <p:sp>
+        <p:nvSpPr>
+          <p:cNvPr id="2" name="1 Marcador de imagen de diapositiva"/>
+          <p:cNvSpPr>
+            <a:spLocks noGrp="1" noRot="1" noChangeAspect="1"/>
+          </p:cNvSpPr>
+          <p:nvPr>
+            <p:ph type="sldImg"/>
+          </p:nvPr>
+        </p:nvSpPr>
+        <p:spPr/>
+      </p:sp>
+      <p:sp>
+        <p:nvSpPr>
+          <p:cNvPr id="3" name="2 Marcador de notas"/>
+          <p:cNvSpPr>
+            <a:spLocks noGrp="1"/>
+          </p:cNvSpPr>
+          <p:nvPr>
+            <p:ph type="body" idx="1"/>
+          </p:nvPr>
+        </p:nvSpPr>
+        <p:spPr/>
+        <p:txBody>
+          <a:bodyPr>
+            <a:normAutofit/>
+          </a:bodyPr>
+          <a:lstStyle/>
+          <a:p>
             <a:pPr marL="0" marR="0" indent="0" algn="l" defTabSz="914400" rtl="0" eaLnBrk="1" fontAlgn="auto" latinLnBrk="0" hangingPunct="1">
               <a:lnSpc>
                 <a:spcPct val="100000"/>
@@ -1279,7 +1386,89 @@
             <a:fld id="{1872ED1A-74B4-42AE-A5BF-D7540D1CC6CA}" type="slidenum">
               <a:rPr lang="es-ES" smtClean="0"/>
               <a:pPr/>
-              <a:t>19</a:t>
+              <a:t>20</a:t>
+            </a:fld>
+            <a:endParaRPr lang="es-ES" dirty="0"/>
+          </a:p>
+        </p:txBody>
+      </p:sp>
+    </p:spTree>
+  </p:cSld>
+  <p:clrMapOvr>
+    <a:masterClrMapping/>
+  </p:clrMapOvr>
+</p:notes>
+</file>
+
+<file path=ppt/notesSlides/notesSlide16.xml><?xml version="1.0" encoding="utf-8"?>
+<p:notes xmlns:a="http://schemas.openxmlformats.org/drawingml/2006/main" xmlns:r="http://schemas.openxmlformats.org/officeDocument/2006/relationships" xmlns:p="http://schemas.openxmlformats.org/presentationml/2006/main">
+  <p:cSld>
+    <p:spTree>
+      <p:nvGrpSpPr>
+        <p:cNvPr id="1" name=""/>
+        <p:cNvGrpSpPr/>
+        <p:nvPr/>
+      </p:nvGrpSpPr>
+      <p:grpSpPr>
+        <a:xfrm>
+          <a:off x="0" y="0"/>
+          <a:ext cx="0" cy="0"/>
+          <a:chOff x="0" y="0"/>
+          <a:chExt cx="0" cy="0"/>
+        </a:xfrm>
+      </p:grpSpPr>
+      <p:sp>
+        <p:nvSpPr>
+          <p:cNvPr id="2" name="1 Marcador de imagen de diapositiva"/>
+          <p:cNvSpPr>
+            <a:spLocks noGrp="1" noRot="1" noChangeAspect="1"/>
+          </p:cNvSpPr>
+          <p:nvPr>
+            <p:ph type="sldImg"/>
+          </p:nvPr>
+        </p:nvSpPr>
+        <p:spPr/>
+      </p:sp>
+      <p:sp>
+        <p:nvSpPr>
+          <p:cNvPr id="3" name="2 Marcador de notas"/>
+          <p:cNvSpPr>
+            <a:spLocks noGrp="1"/>
+          </p:cNvSpPr>
+          <p:nvPr>
+            <p:ph type="body" idx="1"/>
+          </p:nvPr>
+        </p:nvSpPr>
+        <p:spPr/>
+        <p:txBody>
+          <a:bodyPr>
+            <a:normAutofit/>
+          </a:bodyPr>
+          <a:lstStyle/>
+          <a:p>
+            <a:endParaRPr lang="es-ES_tradnl" dirty="0"/>
+          </a:p>
+        </p:txBody>
+      </p:sp>
+      <p:sp>
+        <p:nvSpPr>
+          <p:cNvPr id="4" name="3 Marcador de número de diapositiva"/>
+          <p:cNvSpPr>
+            <a:spLocks noGrp="1"/>
+          </p:cNvSpPr>
+          <p:nvPr>
+            <p:ph type="sldNum" sz="quarter" idx="10"/>
+          </p:nvPr>
+        </p:nvSpPr>
+        <p:spPr/>
+        <p:txBody>
+          <a:bodyPr/>
+          <a:lstStyle/>
+          <a:p>
+            <a:fld id="{1872ED1A-74B4-42AE-A5BF-D7540D1CC6CA}" type="slidenum">
+              <a:rPr lang="es-ES" smtClean="0"/>
+              <a:pPr/>
+              <a:t>21</a:t>
             </a:fld>
             <a:endParaRPr lang="es-ES" dirty="0"/>
           </a:p>
@@ -1520,18 +1709,7 @@
                 <a:ea typeface="+mn-ea"/>
                 <a:cs typeface="+mn-cs"/>
               </a:rPr>
-              <a:t>Durante mucho tiempo los sistemas de software han sido construidos basándose en requerimientos funcionales. Implícitamente, existía la idea de que éstos eran suficientes para construir un sistema de software exitoso. En este contexto, la </a:t>
-            </a:r>
-            <a:r>
-              <a:rPr lang="es-AR" sz="1200" i="1" kern="1200" dirty="0" smtClean="0">
-                <a:solidFill>
-                  <a:schemeClr val="tx1"/>
-                </a:solidFill>
-                <a:latin typeface="+mn-lt"/>
-                <a:ea typeface="+mn-ea"/>
-                <a:cs typeface="+mn-cs"/>
-              </a:rPr>
-              <a:t>Arquitectura de Software</a:t>
+              <a:t>-Estas </a:t>
             </a:r>
             <a:r>
               <a:rPr lang="es-AR" sz="1200" kern="1200" dirty="0" smtClean="0">
@@ -1542,40 +1720,8 @@
                 <a:ea typeface="+mn-ea"/>
                 <a:cs typeface="+mn-cs"/>
               </a:rPr>
-              <a:t> ha emergido como un eslabón importante en el proceso de desarrollo de software. La arquitectura de software de un programa o sistema computarizado es la estructura o estructuras del sistema, que involucra elementos de software y las propiedades externamente visibles de esos elementos </a:t>
-            </a:r>
-            <a:r>
-              <a:rPr lang="es-ES" sz="1200" i="0" kern="1200" dirty="0" smtClean="0">
-                <a:solidFill>
-                  <a:schemeClr val="tx1"/>
-                </a:solidFill>
-                <a:latin typeface="+mn-lt"/>
-                <a:ea typeface="+mn-ea"/>
-                <a:cs typeface="+mn-cs"/>
-              </a:rPr>
-              <a:t>[1]</a:t>
-            </a:r>
-            <a:r>
-              <a:rPr lang="es-AR" sz="1200" i="1" kern="1200" dirty="0" smtClean="0">
-                <a:solidFill>
-                  <a:schemeClr val="tx1"/>
-                </a:solidFill>
-                <a:latin typeface="+mn-lt"/>
-                <a:ea typeface="+mn-ea"/>
-                <a:cs typeface="+mn-cs"/>
-              </a:rPr>
-              <a:t>.</a:t>
-            </a:r>
-            <a:endParaRPr lang="es-ES_tradnl" sz="1200" kern="1200" dirty="0" smtClean="0">
-              <a:solidFill>
-                <a:schemeClr val="tx1"/>
-              </a:solidFill>
-              <a:latin typeface="+mn-lt"/>
-              <a:ea typeface="+mn-ea"/>
-              <a:cs typeface="+mn-cs"/>
-            </a:endParaRPr>
-          </a:p>
-          <a:p>
+              <a:t>propiedades son requerimientos adicionales del </a:t>
+            </a:r>
             <a:r>
               <a:rPr lang="es-AR" sz="1200" kern="1200" dirty="0" smtClean="0">
                 <a:solidFill>
@@ -1585,40 +1731,7 @@
                 <a:ea typeface="+mn-ea"/>
                 <a:cs typeface="+mn-cs"/>
               </a:rPr>
-              <a:t>En el desarrollo de los sistemas actuales, la arquitectura de software constituye el primer paso hacia el diseño de un sistema que tiene un conjunto de propiedades deseadas, tales como: Performance, Disponibilidad, Portabilidad, Seguridad, Usabilidad, etc. Estas propiedades son requerimientos adicionales del sistema [2] que hacen referencia a características o restricciones que éste debe satisfacer, y complementan los requerimientos funcionales del mismo. Estas características o atributos se conocen con el nombre de “atributos de calidad” (</a:t>
-            </a:r>
-            <a:r>
-              <a:rPr lang="es-AR" sz="1200" i="1" kern="1200" dirty="0" smtClean="0">
-                <a:solidFill>
-                  <a:schemeClr val="tx1"/>
-                </a:solidFill>
-                <a:latin typeface="+mn-lt"/>
-                <a:ea typeface="+mn-ea"/>
-                <a:cs typeface="+mn-cs"/>
-              </a:rPr>
-              <a:t>Quality </a:t>
-            </a:r>
-            <a:r>
-              <a:rPr lang="es-AR" sz="1200" i="1" kern="1200" dirty="0" err="1" smtClean="0">
-                <a:solidFill>
-                  <a:schemeClr val="tx1"/>
-                </a:solidFill>
-                <a:latin typeface="+mn-lt"/>
-                <a:ea typeface="+mn-ea"/>
-                <a:cs typeface="+mn-cs"/>
-              </a:rPr>
-              <a:t>Attributes</a:t>
-            </a:r>
-            <a:r>
-              <a:rPr lang="es-AR" sz="1200" i="1" kern="1200" dirty="0" smtClean="0">
-                <a:solidFill>
-                  <a:schemeClr val="tx1"/>
-                </a:solidFill>
-                <a:latin typeface="+mn-lt"/>
-                <a:ea typeface="+mn-ea"/>
-                <a:cs typeface="+mn-cs"/>
-              </a:rPr>
-              <a:t>, QAs</a:t>
+              <a:t>sistema que </a:t>
             </a:r>
             <a:r>
               <a:rPr lang="es-AR" sz="1200" kern="1200" dirty="0" smtClean="0">
@@ -1629,9 +1742,19 @@
                 <a:ea typeface="+mn-ea"/>
                 <a:cs typeface="+mn-cs"/>
               </a:rPr>
-              <a:t>) [3].</a:t>
-            </a:r>
-            <a:endParaRPr lang="es-ES_tradnl" sz="1200" kern="1200" dirty="0" smtClean="0">
+              <a:t>hacen referencia a características o restricciones que éste debe satisfacer, y complementan los requerimientos funcionales del mismo. </a:t>
+            </a:r>
+            <a:endParaRPr lang="es-AR" sz="1200" kern="1200" dirty="0" smtClean="0">
+              <a:solidFill>
+                <a:schemeClr val="tx1"/>
+              </a:solidFill>
+              <a:latin typeface="+mn-lt"/>
+              <a:ea typeface="+mn-ea"/>
+              <a:cs typeface="+mn-cs"/>
+            </a:endParaRPr>
+          </a:p>
+          <a:p>
+            <a:endParaRPr lang="es-AR" sz="1200" kern="1200" dirty="0" smtClean="0">
               <a:solidFill>
                 <a:schemeClr val="tx1"/>
               </a:solidFill>
@@ -1650,10 +1773,10 @@
                 <a:ea typeface="+mn-ea"/>
                 <a:cs typeface="+mn-cs"/>
               </a:rPr>
-              <a:t>Existen evidencias de la relación entre QAs correctamente identificados y el éxito o fracaso de un sistema</a:t>
-            </a:r>
-            <a:r>
-              <a:rPr lang="es-ES" sz="1200" kern="1200" dirty="0" smtClean="0">
+              <a:t>-Es</a:t>
+            </a:r>
+            <a:r>
+              <a:rPr lang="es-AR" sz="1200" kern="1200" baseline="0" dirty="0" smtClean="0">
                 <a:solidFill>
                   <a:schemeClr val="tx1"/>
                 </a:solidFill>
@@ -1661,7 +1784,228 @@
                 <a:ea typeface="+mn-ea"/>
                 <a:cs typeface="+mn-cs"/>
               </a:rPr>
-              <a:t> [4]</a:t>
+              <a:t> necesario </a:t>
+            </a:r>
+            <a:r>
+              <a:rPr lang="es-AR" sz="1200" kern="1200" baseline="0" dirty="0" err="1" smtClean="0">
+                <a:solidFill>
+                  <a:schemeClr val="tx1"/>
+                </a:solidFill>
+                <a:latin typeface="+mn-lt"/>
+                <a:ea typeface="+mn-ea"/>
+                <a:cs typeface="+mn-cs"/>
+              </a:rPr>
+              <a:t>indentificar</a:t>
+            </a:r>
+            <a:r>
+              <a:rPr lang="es-AR" sz="1200" kern="1200" baseline="0" dirty="0" smtClean="0">
+                <a:solidFill>
+                  <a:schemeClr val="tx1"/>
+                </a:solidFill>
+                <a:latin typeface="+mn-lt"/>
+                <a:ea typeface="+mn-ea"/>
+                <a:cs typeface="+mn-cs"/>
+              </a:rPr>
+              <a:t> tempranamente los </a:t>
+            </a:r>
+            <a:r>
+              <a:rPr lang="es-AR" sz="1200" kern="1200" baseline="0" dirty="0" err="1" smtClean="0">
+                <a:solidFill>
+                  <a:schemeClr val="tx1"/>
+                </a:solidFill>
+                <a:latin typeface="+mn-lt"/>
+                <a:ea typeface="+mn-ea"/>
+                <a:cs typeface="+mn-cs"/>
+              </a:rPr>
+              <a:t>Qas</a:t>
+            </a:r>
+            <a:r>
+              <a:rPr lang="es-AR" sz="1200" kern="1200" baseline="0" dirty="0" smtClean="0">
+                <a:solidFill>
+                  <a:schemeClr val="tx1"/>
+                </a:solidFill>
+                <a:latin typeface="+mn-lt"/>
+                <a:ea typeface="+mn-ea"/>
+                <a:cs typeface="+mn-cs"/>
+              </a:rPr>
+              <a:t> del sistema para ser </a:t>
+            </a:r>
+            <a:r>
+              <a:rPr lang="es-AR" sz="1200" kern="1200" baseline="0" dirty="0" err="1" smtClean="0">
+                <a:solidFill>
+                  <a:schemeClr val="tx1"/>
+                </a:solidFill>
+                <a:latin typeface="+mn-lt"/>
+                <a:ea typeface="+mn-ea"/>
+                <a:cs typeface="+mn-cs"/>
+              </a:rPr>
+              <a:t>tenenidos</a:t>
+            </a:r>
+            <a:r>
+              <a:rPr lang="es-AR" sz="1200" kern="1200" baseline="0" dirty="0" smtClean="0">
+                <a:solidFill>
+                  <a:schemeClr val="tx1"/>
+                </a:solidFill>
+                <a:latin typeface="+mn-lt"/>
+                <a:ea typeface="+mn-ea"/>
+                <a:cs typeface="+mn-cs"/>
+              </a:rPr>
+              <a:t> en cuenta desde las primeras decisiones de diseño, que impactan </a:t>
+            </a:r>
+            <a:r>
+              <a:rPr lang="es-AR" sz="1200" kern="1200" baseline="0" dirty="0" err="1" smtClean="0">
+                <a:solidFill>
+                  <a:schemeClr val="tx1"/>
+                </a:solidFill>
+                <a:latin typeface="+mn-lt"/>
+                <a:ea typeface="+mn-ea"/>
+                <a:cs typeface="+mn-cs"/>
+              </a:rPr>
+              <a:t>siginificativamenete</a:t>
+            </a:r>
+            <a:r>
+              <a:rPr lang="es-AR" sz="1200" kern="1200" baseline="0" dirty="0" smtClean="0">
+                <a:solidFill>
+                  <a:schemeClr val="tx1"/>
+                </a:solidFill>
+                <a:latin typeface="+mn-lt"/>
+                <a:ea typeface="+mn-ea"/>
+                <a:cs typeface="+mn-cs"/>
+              </a:rPr>
+              <a:t> en las etapas posteriores.</a:t>
+            </a:r>
+          </a:p>
+          <a:p>
+            <a:endParaRPr lang="es-AR" sz="1200" kern="1200" baseline="0" dirty="0" smtClean="0">
+              <a:solidFill>
+                <a:schemeClr val="tx1"/>
+              </a:solidFill>
+              <a:latin typeface="+mn-lt"/>
+              <a:ea typeface="+mn-ea"/>
+              <a:cs typeface="+mn-cs"/>
+            </a:endParaRPr>
+          </a:p>
+          <a:p>
+            <a:r>
+              <a:rPr lang="es-AR" sz="1200" kern="1200" baseline="0" dirty="0" smtClean="0">
+                <a:solidFill>
+                  <a:schemeClr val="tx1"/>
+                </a:solidFill>
+                <a:latin typeface="+mn-lt"/>
+                <a:ea typeface="+mn-ea"/>
+                <a:cs typeface="+mn-cs"/>
+              </a:rPr>
+              <a:t>-Una incorrecta </a:t>
+            </a:r>
+            <a:r>
+              <a:rPr lang="es-AR" sz="1200" kern="1200" baseline="0" dirty="0" err="1" smtClean="0">
+                <a:solidFill>
+                  <a:schemeClr val="tx1"/>
+                </a:solidFill>
+                <a:latin typeface="+mn-lt"/>
+                <a:ea typeface="+mn-ea"/>
+                <a:cs typeface="+mn-cs"/>
+              </a:rPr>
+              <a:t>identificacion</a:t>
+            </a:r>
+            <a:r>
+              <a:rPr lang="es-AR" sz="1200" kern="1200" baseline="0" dirty="0" smtClean="0">
+                <a:solidFill>
+                  <a:schemeClr val="tx1"/>
+                </a:solidFill>
+                <a:latin typeface="+mn-lt"/>
+                <a:ea typeface="+mn-ea"/>
+                <a:cs typeface="+mn-cs"/>
+              </a:rPr>
+              <a:t> (ya sea por </a:t>
+            </a:r>
+            <a:r>
+              <a:rPr lang="es-AR" sz="1200" kern="1200" baseline="0" dirty="0" err="1" smtClean="0">
+                <a:solidFill>
+                  <a:schemeClr val="tx1"/>
+                </a:solidFill>
+                <a:latin typeface="+mn-lt"/>
+                <a:ea typeface="+mn-ea"/>
+                <a:cs typeface="+mn-cs"/>
+              </a:rPr>
+              <a:t>Qas</a:t>
+            </a:r>
+            <a:r>
+              <a:rPr lang="es-AR" sz="1200" kern="1200" baseline="0" dirty="0" smtClean="0">
+                <a:solidFill>
+                  <a:schemeClr val="tx1"/>
+                </a:solidFill>
+                <a:latin typeface="+mn-lt"/>
+                <a:ea typeface="+mn-ea"/>
+                <a:cs typeface="+mn-cs"/>
+              </a:rPr>
+              <a:t> faltantes o </a:t>
+            </a:r>
+            <a:r>
+              <a:rPr lang="es-AR" sz="1200" kern="1200" baseline="0" dirty="0" err="1" smtClean="0">
+                <a:solidFill>
+                  <a:schemeClr val="tx1"/>
+                </a:solidFill>
+                <a:latin typeface="+mn-lt"/>
+                <a:ea typeface="+mn-ea"/>
+                <a:cs typeface="+mn-cs"/>
+              </a:rPr>
+              <a:t>Qas</a:t>
+            </a:r>
+            <a:r>
+              <a:rPr lang="es-AR" sz="1200" kern="1200" baseline="0" dirty="0" smtClean="0">
+                <a:solidFill>
+                  <a:schemeClr val="tx1"/>
+                </a:solidFill>
+                <a:latin typeface="+mn-lt"/>
+                <a:ea typeface="+mn-ea"/>
+                <a:cs typeface="+mn-cs"/>
+              </a:rPr>
+              <a:t> </a:t>
+            </a:r>
+            <a:r>
+              <a:rPr lang="es-AR" sz="1200" kern="1200" baseline="0" dirty="0" err="1" smtClean="0">
+                <a:solidFill>
+                  <a:schemeClr val="tx1"/>
+                </a:solidFill>
+                <a:latin typeface="+mn-lt"/>
+                <a:ea typeface="+mn-ea"/>
+                <a:cs typeface="+mn-cs"/>
+              </a:rPr>
+              <a:t>erroneamente</a:t>
+            </a:r>
+            <a:r>
+              <a:rPr lang="es-AR" sz="1200" kern="1200" baseline="0" dirty="0" smtClean="0">
+                <a:solidFill>
+                  <a:schemeClr val="tx1"/>
+                </a:solidFill>
+                <a:latin typeface="+mn-lt"/>
+                <a:ea typeface="+mn-ea"/>
+                <a:cs typeface="+mn-cs"/>
+              </a:rPr>
+              <a:t> identificados) pueden producir costos elevados de </a:t>
+            </a:r>
+            <a:r>
+              <a:rPr lang="es-AR" sz="1200" kern="1200" baseline="0" dirty="0" err="1" smtClean="0">
+                <a:solidFill>
+                  <a:schemeClr val="tx1"/>
+                </a:solidFill>
+                <a:latin typeface="+mn-lt"/>
+                <a:ea typeface="+mn-ea"/>
+                <a:cs typeface="+mn-cs"/>
+              </a:rPr>
+              <a:t>retrabajo</a:t>
+            </a:r>
+            <a:r>
+              <a:rPr lang="es-AR" sz="1200" kern="1200" baseline="0" dirty="0" smtClean="0">
+                <a:solidFill>
+                  <a:schemeClr val="tx1"/>
+                </a:solidFill>
+                <a:latin typeface="+mn-lt"/>
+                <a:ea typeface="+mn-ea"/>
+                <a:cs typeface="+mn-cs"/>
+              </a:rPr>
+              <a:t> si, éstos son detectados en etapas finales del desarrollo.</a:t>
             </a:r>
             <a:r>
               <a:rPr lang="es-AR" sz="1200" kern="1200" dirty="0" smtClean="0">
@@ -1672,41 +2016,8 @@
                 <a:ea typeface="+mn-ea"/>
                 <a:cs typeface="+mn-cs"/>
               </a:rPr>
-              <a:t>. Por ejemplo, las consecuencias de una especificación equivocada de performance pueden incluir: relaciones dañadas con el cliente, fallas en el negocio, pérdida de ingresos, aumento del costo del proyecto debido a los costos de sumar recursos adicionales para resolver la falla, entre otras. En este contexto, la correcta identificación y comprensión de los QAs de un sistema es comúnmente señalada como un factor clave de éxito en la construcción de software de calidad</a:t>
-            </a:r>
-            <a:r>
-              <a:rPr lang="es-ES" sz="1200" kern="1200" dirty="0" smtClean="0">
-                <a:solidFill>
-                  <a:schemeClr val="tx1"/>
-                </a:solidFill>
-                <a:latin typeface="+mn-lt"/>
-                <a:ea typeface="+mn-ea"/>
-                <a:cs typeface="+mn-cs"/>
-              </a:rPr>
-              <a:t> [5]</a:t>
-            </a:r>
-            <a:r>
-              <a:rPr lang="es-AR" sz="1200" kern="1200" dirty="0" smtClean="0">
-                <a:solidFill>
-                  <a:schemeClr val="tx1"/>
-                </a:solidFill>
-                <a:latin typeface="+mn-lt"/>
-                <a:ea typeface="+mn-ea"/>
-                <a:cs typeface="+mn-cs"/>
-              </a:rPr>
-              <a:t>.</a:t>
-            </a:r>
-            <a:endParaRPr lang="es-ES_tradnl" sz="1200" kern="1200" dirty="0" smtClean="0">
-              <a:solidFill>
-                <a:schemeClr val="tx1"/>
-              </a:solidFill>
-              <a:latin typeface="+mn-lt"/>
-              <a:ea typeface="+mn-ea"/>
-              <a:cs typeface="+mn-cs"/>
-            </a:endParaRPr>
-          </a:p>
-          <a:p>
-            <a:endParaRPr lang="es-ES_tradnl" dirty="0"/>
+              <a:t> En este contexto, la correcta identificación y comprensión de los QAs de un sistema es comúnmente señalada como un factor clave de éxito en la construcción de software de calidad.</a:t>
+            </a:r>
           </a:p>
         </p:txBody>
       </p:sp>
@@ -1797,18 +2108,8 @@
                 <a:ea typeface="+mn-ea"/>
                 <a:cs typeface="+mn-cs"/>
               </a:rPr>
-              <a:t>Dado el rol que los QAs juegan en el diseño de la arquitectura, la elicitación de QAs es importante para tomarlos en consideración desde las primeras etapas del ciclo de vida de un sistema. </a:t>
-            </a:r>
-            <a:endParaRPr lang="es-ES_tradnl" sz="1200" kern="1200" dirty="0" smtClean="0">
-              <a:solidFill>
-                <a:schemeClr val="tx1"/>
-              </a:solidFill>
-              <a:latin typeface="+mn-lt"/>
-              <a:ea typeface="+mn-ea"/>
-              <a:cs typeface="+mn-cs"/>
-            </a:endParaRPr>
-          </a:p>
-          <a:p>
+              <a:t>-Por </a:t>
+            </a:r>
             <a:r>
               <a:rPr lang="es-AR" sz="1200" kern="1200" dirty="0" smtClean="0">
                 <a:solidFill>
@@ -1818,7 +2119,49 @@
                 <a:ea typeface="+mn-ea"/>
                 <a:cs typeface="+mn-cs"/>
               </a:rPr>
-              <a:t>Por lo general, los QAs de un sistema provienen de distintas fuentes, como por ejemplo los objetivos de negocio, las entrevistas con los stakeholders y/o las especificaciones de requerimientos. En este último caso, cuando se </a:t>
+              <a:t>lo general, los QAs de un sistema provienen de distintas fuentes, como por ejemplo los objetivos de negocio, las entrevistas con los stakeholders y/o las especificaciones de requerimientos. </a:t>
+            </a:r>
+            <a:endParaRPr lang="es-AR" sz="1200" kern="1200" dirty="0" smtClean="0">
+              <a:solidFill>
+                <a:schemeClr val="tx1"/>
+              </a:solidFill>
+              <a:latin typeface="+mn-lt"/>
+              <a:ea typeface="+mn-ea"/>
+              <a:cs typeface="+mn-cs"/>
+            </a:endParaRPr>
+          </a:p>
+          <a:p>
+            <a:endParaRPr lang="es-AR" sz="1200" kern="1200" dirty="0" smtClean="0">
+              <a:solidFill>
+                <a:schemeClr val="tx1"/>
+              </a:solidFill>
+              <a:latin typeface="+mn-lt"/>
+              <a:ea typeface="+mn-ea"/>
+              <a:cs typeface="+mn-cs"/>
+            </a:endParaRPr>
+          </a:p>
+          <a:p>
+            <a:r>
+              <a:rPr lang="es-AR" sz="1200" kern="1200" dirty="0" smtClean="0">
+                <a:solidFill>
+                  <a:schemeClr val="tx1"/>
+                </a:solidFill>
+                <a:latin typeface="+mn-lt"/>
+                <a:ea typeface="+mn-ea"/>
+                <a:cs typeface="+mn-cs"/>
+              </a:rPr>
+              <a:t>-En </a:t>
+            </a:r>
+            <a:r>
+              <a:rPr lang="es-AR" sz="1200" kern="1200" dirty="0" smtClean="0">
+                <a:solidFill>
+                  <a:schemeClr val="tx1"/>
+                </a:solidFill>
+                <a:latin typeface="+mn-lt"/>
+                <a:ea typeface="+mn-ea"/>
+                <a:cs typeface="+mn-cs"/>
+              </a:rPr>
+              <a:t>este último caso, cuando se </a:t>
             </a:r>
             <a:r>
               <a:rPr lang="es-AR" sz="1200" kern="1200" dirty="0" err="1" smtClean="0">
@@ -1840,18 +2183,7 @@
                 <a:ea typeface="+mn-ea"/>
                 <a:cs typeface="+mn-cs"/>
               </a:rPr>
-              <a:t> los requerimientos funcionales (por ejemplo, en casos de uso), muchos stakeholders introducen aspectos de calidad relacionados con funcionalidades especificas del sistema. Algunos investigadores han señalado que, en determinadas ocasiones, ciertos QAs están “ocultos” entre los requerimientos que especifican la funcionalidad y, por ello, podrían ser ignorados por los analistas </a:t>
-            </a:r>
-            <a:r>
-              <a:rPr lang="es-ES_tradnl" sz="1200" kern="1200" dirty="0" smtClean="0">
-                <a:solidFill>
-                  <a:schemeClr val="tx1"/>
-                </a:solidFill>
-                <a:latin typeface="+mn-lt"/>
-                <a:ea typeface="+mn-ea"/>
-                <a:cs typeface="+mn-cs"/>
-              </a:rPr>
-              <a:t>[6]</a:t>
+              <a:t> los requerimientos funcionales (por ejemplo, en casos de uso), muchos stakeholders introducen aspectos de calidad relacionados con funcionalidades especificas del sistema. </a:t>
             </a:r>
             <a:r>
               <a:rPr lang="es-AR" sz="1200" kern="1200" dirty="0" smtClean="0">
@@ -1862,8 +2194,32 @@
                 <a:ea typeface="+mn-ea"/>
                 <a:cs typeface="+mn-cs"/>
               </a:rPr>
-              <a:t>. </a:t>
-            </a:r>
+              <a:t>Algunos QAs </a:t>
+            </a:r>
+            <a:r>
+              <a:rPr lang="es-AR" sz="1200" kern="1200" dirty="0" smtClean="0">
+                <a:solidFill>
+                  <a:schemeClr val="tx1"/>
+                </a:solidFill>
+                <a:latin typeface="+mn-lt"/>
+                <a:ea typeface="+mn-ea"/>
+                <a:cs typeface="+mn-cs"/>
+              </a:rPr>
+              <a:t>están “ocultos” entre los requerimientos que especifican la funcionalidad y, por ello, podrían ser ignorados por los </a:t>
+            </a:r>
+            <a:r>
+              <a:rPr lang="es-AR" sz="1200" kern="1200" dirty="0" smtClean="0">
+                <a:solidFill>
+                  <a:schemeClr val="tx1"/>
+                </a:solidFill>
+                <a:latin typeface="+mn-lt"/>
+                <a:ea typeface="+mn-ea"/>
+                <a:cs typeface="+mn-cs"/>
+              </a:rPr>
+              <a:t>analistas. </a:t>
+            </a:r>
+          </a:p>
+          <a:p>
             <a:endParaRPr lang="es-ES_tradnl" sz="1200" kern="1200" dirty="0" smtClean="0">
               <a:solidFill>
                 <a:schemeClr val="tx1"/>
@@ -1883,8 +2239,32 @@
                 <a:ea typeface="+mn-ea"/>
                 <a:cs typeface="+mn-cs"/>
               </a:rPr>
-              <a:t>A pesar de que podría parecer una tarea sencilla, en la práctica la identificación de QAs en casos de uso puede resultar una tarea dificultosa para el analista, insumiendo gran cantidad de tiempo y esfuerzo. Esto se debe a que, en general, los requerimientos funcionales están expresados en forma de texto plano. Esta dificultad se acrecienta en especificaciones de requerimientos de gran tamaño, debido a la dificultad del analista para analizar texto no estructurado.</a:t>
-            </a:r>
+              <a:t>-A </a:t>
+            </a:r>
+            <a:r>
+              <a:rPr lang="es-AR" sz="1200" kern="1200" dirty="0" smtClean="0">
+                <a:solidFill>
+                  <a:schemeClr val="tx1"/>
+                </a:solidFill>
+                <a:latin typeface="+mn-lt"/>
+                <a:ea typeface="+mn-ea"/>
+                <a:cs typeface="+mn-cs"/>
+              </a:rPr>
+              <a:t>pesar de que podría parecer una tarea sencilla, en la práctica la identificación de QAs en casos de uso puede resultar una tarea dificultosa para el analista, insumiendo gran cantidad de tiempo y esfuerzo. Esto se debe a que, en general, los requerimientos funcionales están expresados en forma de texto plano. Esta dificultad se acrecienta en especificaciones de requerimientos de gran tamaño, debido a la dificultad del analista para analizar texto no estructurado</a:t>
+            </a:r>
+            <a:r>
+              <a:rPr lang="es-AR" sz="1200" kern="1200" dirty="0" smtClean="0">
+                <a:solidFill>
+                  <a:schemeClr val="tx1"/>
+                </a:solidFill>
+                <a:latin typeface="+mn-lt"/>
+                <a:ea typeface="+mn-ea"/>
+                <a:cs typeface="+mn-cs"/>
+              </a:rPr>
+              <a:t>.</a:t>
+            </a:r>
+          </a:p>
+          <a:p>
             <a:endParaRPr lang="es-ES_tradnl" sz="1200" kern="1200" dirty="0" smtClean="0">
               <a:solidFill>
                 <a:schemeClr val="tx1"/>
@@ -1904,7 +2284,18 @@
                 <a:ea typeface="+mn-ea"/>
                 <a:cs typeface="+mn-cs"/>
               </a:rPr>
-              <a:t>Por esta razón, es de utilidad el desarrollo de herramientas semi-automáticas que asistan al analista en la identificación de QAs en especificaciones de requerimientos, presentando un conjunto de QAs candidatos extraídos de los casos de uso. De esta manera, se reduciría el tiempo y el esfuerzo invertido en realizar esta tarea de forma manual. </a:t>
+              <a:t>-Por </a:t>
+            </a:r>
+            <a:r>
+              <a:rPr lang="es-AR" sz="1200" kern="1200" dirty="0" smtClean="0">
+                <a:solidFill>
+                  <a:schemeClr val="tx1"/>
+                </a:solidFill>
+                <a:latin typeface="+mn-lt"/>
+                <a:ea typeface="+mn-ea"/>
+                <a:cs typeface="+mn-cs"/>
+              </a:rPr>
+              <a:t>esta razón, es de utilidad el desarrollo de herramientas semi-automáticas que asistan al analista en la identificación de QAs en especificaciones de requerimientos, presentando un conjunto de QAs candidatos extraídos de los casos de uso. De esta manera, se reduciría el tiempo y el esfuerzo invertido en realizar esta tarea de forma manual. </a:t>
             </a:r>
             <a:endParaRPr lang="es-ES_tradnl" sz="1200" kern="1200" dirty="0" smtClean="0">
               <a:solidFill>
@@ -1998,66 +2389,22 @@
           </a:bodyPr>
           <a:lstStyle/>
           <a:p>
-            <a:pPr marL="0" marR="0" indent="0" algn="l" defTabSz="914400" rtl="0" eaLnBrk="1" fontAlgn="auto" latinLnBrk="0" hangingPunct="1">
-              <a:lnSpc>
-                <a:spcPct val="100000"/>
-              </a:lnSpc>
-              <a:spcBef>
-                <a:spcPts val="0"/>
-              </a:spcBef>
-              <a:spcAft>
-                <a:spcPts val="0"/>
-              </a:spcAft>
-              <a:buClrTx/>
-              <a:buSzTx/>
-              <a:buFontTx/>
-              <a:buNone/>
-              <a:tabLst/>
-              <a:defRPr/>
-            </a:pPr>
-            <a:r>
-              <a:rPr lang="es-AR" sz="1200" kern="1200" dirty="0" smtClean="0">
-                <a:solidFill>
-                  <a:schemeClr val="tx1"/>
-                </a:solidFill>
-                <a:latin typeface="+mn-lt"/>
-                <a:ea typeface="+mn-ea"/>
-                <a:cs typeface="+mn-cs"/>
-              </a:rPr>
-              <a:t>Los aspectos tempranos (EA) son intereses (</a:t>
-            </a:r>
-            <a:r>
-              <a:rPr lang="es-AR" sz="1200" i="1" kern="1200" dirty="0" smtClean="0">
-                <a:solidFill>
-                  <a:schemeClr val="tx1"/>
-                </a:solidFill>
-                <a:latin typeface="+mn-lt"/>
-                <a:ea typeface="+mn-ea"/>
-                <a:cs typeface="+mn-cs"/>
-              </a:rPr>
-              <a:t>concerns</a:t>
-            </a:r>
-            <a:r>
-              <a:rPr lang="es-AR" sz="1200" kern="1200" dirty="0" smtClean="0">
-                <a:solidFill>
-                  <a:schemeClr val="tx1"/>
-                </a:solidFill>
-                <a:latin typeface="+mn-lt"/>
-                <a:ea typeface="+mn-ea"/>
-                <a:cs typeface="+mn-cs"/>
-              </a:rPr>
-              <a:t>) que se encuentran mezclados y  diseminados  en  los  requerimientos  y/o  en  los artefactos  arquitectónicos del sistema.  En la actualidad, existen diversas técnicas y herramientas que tienen como objetivo identificar estos aspectos tempranos.</a:t>
-            </a:r>
-            <a:endParaRPr lang="es-ES_tradnl" sz="1200" kern="1200" dirty="0" smtClean="0">
-              <a:solidFill>
-                <a:schemeClr val="tx1"/>
-              </a:solidFill>
-              <a:latin typeface="+mn-lt"/>
-              <a:ea typeface="+mn-ea"/>
-              <a:cs typeface="+mn-cs"/>
-            </a:endParaRPr>
-          </a:p>
-          <a:p>
+            <a:r>
+              <a:rPr lang="es-ES_tradnl" dirty="0" smtClean="0"/>
+              <a:t>Antes del enfoque propuesto,</a:t>
+            </a:r>
+            <a:r>
+              <a:rPr lang="es-ES_tradnl" baseline="0" dirty="0" smtClean="0"/>
+              <a:t> introducimos los conceptos de EA y la relación con QA ya que el enfoque tiene en cuenta esta </a:t>
+            </a:r>
+            <a:r>
+              <a:rPr lang="es-ES_tradnl" baseline="0" dirty="0" err="1" smtClean="0"/>
+              <a:t>relacion</a:t>
+            </a:r>
+            <a:r>
+              <a:rPr lang="es-ES_tradnl" baseline="0" dirty="0" smtClean="0"/>
+              <a:t> para su análisis.</a:t>
+            </a:r>
             <a:endParaRPr lang="es-ES_tradnl" dirty="0"/>
           </a:p>
         </p:txBody>
@@ -2080,7 +2427,7 @@
             <a:fld id="{1872ED1A-74B4-42AE-A5BF-D7540D1CC6CA}" type="slidenum">
               <a:rPr lang="es-ES" smtClean="0"/>
               <a:pPr/>
-              <a:t>7</a:t>
+              <a:t>6</a:t>
             </a:fld>
             <a:endParaRPr lang="es-ES" dirty="0"/>
           </a:p>
@@ -2140,6 +2487,116 @@
           </a:bodyPr>
           <a:lstStyle/>
           <a:p>
+            <a:r>
+              <a:rPr lang="es-ES" sz="1200" kern="1200" dirty="0" smtClean="0">
+                <a:solidFill>
+                  <a:schemeClr val="tx1"/>
+                </a:solidFill>
+                <a:latin typeface="+mn-lt"/>
+                <a:ea typeface="+mn-ea"/>
+                <a:cs typeface="+mn-cs"/>
+              </a:rPr>
+              <a:t>- En las primeras etapas de desarrollo, los </a:t>
+            </a:r>
+            <a:r>
+              <a:rPr lang="es-ES" sz="1200" kern="1200" dirty="0" err="1" smtClean="0">
+                <a:solidFill>
+                  <a:schemeClr val="tx1"/>
+                </a:solidFill>
+                <a:latin typeface="+mn-lt"/>
+                <a:ea typeface="+mn-ea"/>
+                <a:cs typeface="+mn-cs"/>
+              </a:rPr>
+              <a:t>concerns</a:t>
+            </a:r>
+            <a:r>
+              <a:rPr lang="es-ES" sz="1200" kern="1200" dirty="0" smtClean="0">
+                <a:solidFill>
+                  <a:schemeClr val="tx1"/>
+                </a:solidFill>
+                <a:latin typeface="+mn-lt"/>
+                <a:ea typeface="+mn-ea"/>
+                <a:cs typeface="+mn-cs"/>
+              </a:rPr>
+              <a:t> de interés central son los requerimientos. Una especificación de requerimientos bien escrita está caracterizada por el hecho de que cada requerimiento representa un solo </a:t>
+            </a:r>
+            <a:r>
+              <a:rPr lang="es-ES" sz="1200" kern="1200" dirty="0" err="1" smtClean="0">
+                <a:solidFill>
+                  <a:schemeClr val="tx1"/>
+                </a:solidFill>
+                <a:latin typeface="+mn-lt"/>
+                <a:ea typeface="+mn-ea"/>
+                <a:cs typeface="+mn-cs"/>
+              </a:rPr>
+              <a:t>concern</a:t>
+            </a:r>
+            <a:r>
+              <a:rPr lang="es-ES" sz="1200" kern="1200" dirty="0" smtClean="0">
+                <a:solidFill>
+                  <a:schemeClr val="tx1"/>
+                </a:solidFill>
+                <a:latin typeface="+mn-lt"/>
+                <a:ea typeface="+mn-ea"/>
+                <a:cs typeface="+mn-cs"/>
+              </a:rPr>
+              <a:t>. Sin embargo, algunos</a:t>
+            </a:r>
+            <a:r>
+              <a:rPr lang="es-ES" sz="1200" kern="1200" baseline="0" dirty="0" smtClean="0">
+                <a:solidFill>
+                  <a:schemeClr val="tx1"/>
+                </a:solidFill>
+                <a:latin typeface="+mn-lt"/>
+                <a:ea typeface="+mn-ea"/>
+                <a:cs typeface="+mn-cs"/>
+              </a:rPr>
+              <a:t> </a:t>
+            </a:r>
+            <a:r>
+              <a:rPr lang="es-ES" sz="1200" kern="1200" baseline="0" dirty="0" err="1" smtClean="0">
+                <a:solidFill>
+                  <a:schemeClr val="tx1"/>
+                </a:solidFill>
+                <a:latin typeface="+mn-lt"/>
+                <a:ea typeface="+mn-ea"/>
+                <a:cs typeface="+mn-cs"/>
+              </a:rPr>
+              <a:t>concerns</a:t>
+            </a:r>
+            <a:r>
+              <a:rPr lang="es-ES" sz="1200" kern="1200" baseline="0" dirty="0" smtClean="0">
+                <a:solidFill>
+                  <a:schemeClr val="tx1"/>
+                </a:solidFill>
+                <a:latin typeface="+mn-lt"/>
+                <a:ea typeface="+mn-ea"/>
+                <a:cs typeface="+mn-cs"/>
+              </a:rPr>
+              <a:t> no pueden ser </a:t>
+            </a:r>
+            <a:r>
+              <a:rPr lang="es-ES" sz="1200" kern="1200" baseline="0" dirty="0" err="1" smtClean="0">
+                <a:solidFill>
+                  <a:schemeClr val="tx1"/>
+                </a:solidFill>
+                <a:latin typeface="+mn-lt"/>
+                <a:ea typeface="+mn-ea"/>
+                <a:cs typeface="+mn-cs"/>
+              </a:rPr>
+              <a:t>modularizados</a:t>
+            </a:r>
+            <a:r>
+              <a:rPr lang="es-ES" sz="1200" kern="1200" baseline="0" dirty="0" smtClean="0">
+                <a:solidFill>
+                  <a:schemeClr val="tx1"/>
+                </a:solidFill>
+                <a:latin typeface="+mn-lt"/>
+                <a:ea typeface="+mn-ea"/>
+                <a:cs typeface="+mn-cs"/>
+              </a:rPr>
+              <a:t> en un solo requerimiento y se encuentran presentes en varios, a estos se los denominan “Aspectos Tempranos”.</a:t>
+            </a:r>
             <a:endParaRPr lang="es-ES_tradnl" dirty="0"/>
           </a:p>
         </p:txBody>
@@ -2162,7 +2619,7 @@
             <a:fld id="{1872ED1A-74B4-42AE-A5BF-D7540D1CC6CA}" type="slidenum">
               <a:rPr lang="es-ES" smtClean="0"/>
               <a:pPr/>
-              <a:t>8</a:t>
+              <a:t>7</a:t>
             </a:fld>
             <a:endParaRPr lang="es-ES" dirty="0"/>
           </a:p>
@@ -2222,171 +2679,6 @@
           </a:bodyPr>
           <a:lstStyle/>
           <a:p>
-            <a:r>
-              <a:rPr lang="es-AR" sz="1200" kern="1200" dirty="0" smtClean="0">
-                <a:solidFill>
-                  <a:schemeClr val="tx1"/>
-                </a:solidFill>
-                <a:latin typeface="+mn-lt"/>
-                <a:ea typeface="+mn-ea"/>
-                <a:cs typeface="+mn-cs"/>
-              </a:rPr>
-              <a:t>Muchos </a:t>
-            </a:r>
-            <a:r>
-              <a:rPr lang="es-AR" sz="1200" kern="1200" dirty="0" err="1" smtClean="0">
-                <a:solidFill>
-                  <a:schemeClr val="tx1"/>
-                </a:solidFill>
-                <a:latin typeface="+mn-lt"/>
-                <a:ea typeface="+mn-ea"/>
-                <a:cs typeface="+mn-cs"/>
-              </a:rPr>
-              <a:t>EAs</a:t>
-            </a:r>
-            <a:r>
-              <a:rPr lang="es-AR" sz="1200" kern="1200" dirty="0" smtClean="0">
-                <a:solidFill>
-                  <a:schemeClr val="tx1"/>
-                </a:solidFill>
-                <a:latin typeface="+mn-lt"/>
-                <a:ea typeface="+mn-ea"/>
-                <a:cs typeface="+mn-cs"/>
-              </a:rPr>
-              <a:t> del sistema se relacionan con atributos de calidad del mismo. Por ejemplo, los aspectos tempranos </a:t>
-            </a:r>
-            <a:r>
-              <a:rPr lang="es-AR" sz="1200" i="1" kern="1200" dirty="0" smtClean="0">
-                <a:solidFill>
-                  <a:schemeClr val="tx1"/>
-                </a:solidFill>
-                <a:latin typeface="+mn-lt"/>
-                <a:ea typeface="+mn-ea"/>
-                <a:cs typeface="+mn-cs"/>
-              </a:rPr>
-              <a:t>GUI (</a:t>
-            </a:r>
-            <a:r>
-              <a:rPr lang="es-AR" sz="1200" i="1" kern="1200" dirty="0" err="1" smtClean="0">
-                <a:solidFill>
-                  <a:schemeClr val="tx1"/>
-                </a:solidFill>
-                <a:latin typeface="+mn-lt"/>
-                <a:ea typeface="+mn-ea"/>
-                <a:cs typeface="+mn-cs"/>
-              </a:rPr>
-              <a:t>Graphic</a:t>
-            </a:r>
-            <a:r>
-              <a:rPr lang="es-AR" sz="1200" i="1" kern="1200" dirty="0" smtClean="0">
-                <a:solidFill>
-                  <a:schemeClr val="tx1"/>
-                </a:solidFill>
-                <a:latin typeface="+mn-lt"/>
-                <a:ea typeface="+mn-ea"/>
-                <a:cs typeface="+mn-cs"/>
-              </a:rPr>
-              <a:t> </a:t>
-            </a:r>
-            <a:r>
-              <a:rPr lang="es-AR" sz="1200" i="1" kern="1200" dirty="0" err="1" smtClean="0">
-                <a:solidFill>
-                  <a:schemeClr val="tx1"/>
-                </a:solidFill>
-                <a:latin typeface="+mn-lt"/>
-                <a:ea typeface="+mn-ea"/>
-                <a:cs typeface="+mn-cs"/>
-              </a:rPr>
-              <a:t>User</a:t>
-            </a:r>
-            <a:r>
-              <a:rPr lang="es-AR" sz="1200" i="1" kern="1200" dirty="0" smtClean="0">
-                <a:solidFill>
-                  <a:schemeClr val="tx1"/>
-                </a:solidFill>
-                <a:latin typeface="+mn-lt"/>
-                <a:ea typeface="+mn-ea"/>
-                <a:cs typeface="+mn-cs"/>
-              </a:rPr>
-              <a:t> Interface) </a:t>
-            </a:r>
-            <a:r>
-              <a:rPr lang="es-AR" sz="1200" kern="1200" dirty="0" smtClean="0">
-                <a:solidFill>
-                  <a:schemeClr val="tx1"/>
-                </a:solidFill>
-                <a:latin typeface="+mn-lt"/>
-                <a:ea typeface="+mn-ea"/>
-                <a:cs typeface="+mn-cs"/>
-              </a:rPr>
-              <a:t>o </a:t>
-            </a:r>
-            <a:r>
-              <a:rPr lang="es-AR" sz="1200" i="1" kern="1200" dirty="0" err="1" smtClean="0">
-                <a:solidFill>
-                  <a:schemeClr val="tx1"/>
-                </a:solidFill>
-                <a:latin typeface="+mn-lt"/>
-                <a:ea typeface="+mn-ea"/>
-                <a:cs typeface="+mn-cs"/>
-              </a:rPr>
-              <a:t>Authentication</a:t>
-            </a:r>
-            <a:r>
-              <a:rPr lang="es-AR" sz="1200" kern="1200" dirty="0" smtClean="0">
-                <a:solidFill>
-                  <a:schemeClr val="tx1"/>
-                </a:solidFill>
-                <a:latin typeface="+mn-lt"/>
-                <a:ea typeface="+mn-ea"/>
-                <a:cs typeface="+mn-cs"/>
-              </a:rPr>
-              <a:t> que usualmente se detectan en las especificaciones de requerimientos, se pueden relacionar de forma directa con los atributos de calidad </a:t>
-            </a:r>
-            <a:r>
-              <a:rPr lang="es-AR" sz="1200" i="1" kern="1200" dirty="0" smtClean="0">
-                <a:solidFill>
-                  <a:schemeClr val="tx1"/>
-                </a:solidFill>
-                <a:latin typeface="+mn-lt"/>
-                <a:ea typeface="+mn-ea"/>
-                <a:cs typeface="+mn-cs"/>
-              </a:rPr>
-              <a:t>Usabilidad y Seguridad</a:t>
-            </a:r>
-            <a:r>
-              <a:rPr lang="es-AR" sz="1200" kern="1200" dirty="0" smtClean="0">
-                <a:solidFill>
-                  <a:schemeClr val="tx1"/>
-                </a:solidFill>
-                <a:latin typeface="+mn-lt"/>
-                <a:ea typeface="+mn-ea"/>
-                <a:cs typeface="+mn-cs"/>
-              </a:rPr>
-              <a:t>, respectivamente</a:t>
-            </a:r>
-            <a:r>
-              <a:rPr lang="es-AR" sz="1200" i="1" kern="1200" dirty="0" smtClean="0">
-                <a:solidFill>
-                  <a:schemeClr val="tx1"/>
-                </a:solidFill>
-                <a:latin typeface="+mn-lt"/>
-                <a:ea typeface="+mn-ea"/>
-                <a:cs typeface="+mn-cs"/>
-              </a:rPr>
-              <a:t>.</a:t>
-            </a:r>
-            <a:r>
-              <a:rPr lang="es-AR" sz="1200" kern="1200" dirty="0" smtClean="0">
-                <a:solidFill>
-                  <a:schemeClr val="tx1"/>
-                </a:solidFill>
-                <a:latin typeface="+mn-lt"/>
-                <a:ea typeface="+mn-ea"/>
-                <a:cs typeface="+mn-cs"/>
-              </a:rPr>
-              <a:t> Tanto el descubrimiento de los aspectos tempranos como de los atributos de calidad tiene una significativa importancia a la hora de diseñar la arquitectura. En particular, el descubrimiento de los primeros puede proporcionar información importante para identificar atributos de calidad. Es decir, dado un aspecto temprano puede ser posible realizar un razonamiento acerca de los potenciales atributos de calidad al que éste hace referencia.</a:t>
-            </a:r>
             <a:endParaRPr lang="es-ES_tradnl" dirty="0"/>
           </a:p>
         </p:txBody>
@@ -2409,7 +2701,7 @@
             <a:fld id="{1872ED1A-74B4-42AE-A5BF-D7540D1CC6CA}" type="slidenum">
               <a:rPr lang="es-ES" smtClean="0"/>
               <a:pPr/>
-              <a:t>9</a:t>
+              <a:t>8</a:t>
             </a:fld>
             <a:endParaRPr lang="es-ES" dirty="0"/>
           </a:p>
@@ -2469,66 +2761,6 @@
           </a:bodyPr>
           <a:lstStyle/>
           <a:p>
-            <a:pPr marL="0" marR="0" indent="0" algn="l" defTabSz="914400" rtl="0" eaLnBrk="1" fontAlgn="auto" latinLnBrk="0" hangingPunct="1">
-              <a:lnSpc>
-                <a:spcPct val="100000"/>
-              </a:lnSpc>
-              <a:spcBef>
-                <a:spcPts val="0"/>
-              </a:spcBef>
-              <a:spcAft>
-                <a:spcPts val="0"/>
-              </a:spcAft>
-              <a:buClrTx/>
-              <a:buSzTx/>
-              <a:buFontTx/>
-              <a:buNone/>
-              <a:tabLst/>
-              <a:defRPr/>
-            </a:pPr>
-            <a:r>
-              <a:rPr lang="es-AR" sz="1200" kern="1200" dirty="0" smtClean="0">
-                <a:solidFill>
-                  <a:schemeClr val="tx1"/>
-                </a:solidFill>
-                <a:latin typeface="+mn-lt"/>
-                <a:ea typeface="+mn-ea"/>
-                <a:cs typeface="+mn-cs"/>
-              </a:rPr>
-              <a:t>El enfoque que se presenta en este trabajo tiene como objetivo identificar un conjunto de atributos de calidad candidatos, presentes en los casos de uso de un sistema, utilizando como soporte la información que aportan los aspectos tempranos detectados previamente. Se considera que sería beneficioso identificar primero los </a:t>
-            </a:r>
-            <a:r>
-              <a:rPr lang="es-AR" sz="1200" kern="1200" dirty="0" err="1" smtClean="0">
-                <a:solidFill>
-                  <a:schemeClr val="tx1"/>
-                </a:solidFill>
-                <a:latin typeface="+mn-lt"/>
-                <a:ea typeface="+mn-ea"/>
-                <a:cs typeface="+mn-cs"/>
-              </a:rPr>
-              <a:t>EAs</a:t>
-            </a:r>
-            <a:r>
-              <a:rPr lang="es-AR" sz="1200" kern="1200" dirty="0" smtClean="0">
-                <a:solidFill>
-                  <a:schemeClr val="tx1"/>
-                </a:solidFill>
-                <a:latin typeface="+mn-lt"/>
-                <a:ea typeface="+mn-ea"/>
-                <a:cs typeface="+mn-cs"/>
-              </a:rPr>
-              <a:t> del sistema, ya que podrían aportar información relevante en la identificación de los QAs presentes en la especificación de requerimientos.</a:t>
-            </a:r>
-            <a:endParaRPr lang="es-ES_tradnl" sz="1200" kern="1200" dirty="0" smtClean="0">
-              <a:solidFill>
-                <a:schemeClr val="tx1"/>
-              </a:solidFill>
-              <a:latin typeface="+mn-lt"/>
-              <a:ea typeface="+mn-ea"/>
-              <a:cs typeface="+mn-cs"/>
-            </a:endParaRPr>
-          </a:p>
-          <a:p>
             <a:endParaRPr lang="es-ES_tradnl" dirty="0"/>
           </a:p>
         </p:txBody>
@@ -2551,7 +2783,7 @@
             <a:fld id="{1872ED1A-74B4-42AE-A5BF-D7540D1CC6CA}" type="slidenum">
               <a:rPr lang="es-ES" smtClean="0"/>
               <a:pPr/>
-              <a:t>11</a:t>
+              <a:t>9</a:t>
             </a:fld>
             <a:endParaRPr lang="es-ES" dirty="0"/>
           </a:p>
@@ -2709,7 +2941,7 @@
             <a:fld id="{F7222BF2-5C0F-41D6-AF26-3ACA31A5334A}" type="datetimeFigureOut">
               <a:rPr lang="es-ES" smtClean="0"/>
               <a:pPr/>
-              <a:t>14/11/2010</a:t>
+              <a:t>16/11/2010</a:t>
             </a:fld>
             <a:endParaRPr lang="es-ES" dirty="0"/>
           </a:p>
@@ -3070,7 +3302,7 @@
             <a:fld id="{F7222BF2-5C0F-41D6-AF26-3ACA31A5334A}" type="datetimeFigureOut">
               <a:rPr lang="es-ES" smtClean="0"/>
               <a:pPr/>
-              <a:t>14/11/2010</a:t>
+              <a:t>16/11/2010</a:t>
             </a:fld>
             <a:endParaRPr lang="es-ES" dirty="0"/>
           </a:p>
@@ -3247,7 +3479,7 @@
             <a:fld id="{F7222BF2-5C0F-41D6-AF26-3ACA31A5334A}" type="datetimeFigureOut">
               <a:rPr lang="es-ES" smtClean="0"/>
               <a:pPr/>
-              <a:t>14/11/2010</a:t>
+              <a:t>16/11/2010</a:t>
             </a:fld>
             <a:endParaRPr lang="es-ES" dirty="0"/>
           </a:p>
@@ -3484,7 +3716,7 @@
             <a:fld id="{F7222BF2-5C0F-41D6-AF26-3ACA31A5334A}" type="datetimeFigureOut">
               <a:rPr lang="es-ES" smtClean="0"/>
               <a:pPr/>
-              <a:t>14/11/2010</a:t>
+              <a:t>16/11/2010</a:t>
             </a:fld>
             <a:endParaRPr lang="es-ES" dirty="0"/>
           </a:p>
@@ -3755,7 +3987,7 @@
             <a:fld id="{F7222BF2-5C0F-41D6-AF26-3ACA31A5334A}" type="datetimeFigureOut">
               <a:rPr lang="es-ES" smtClean="0"/>
               <a:pPr/>
-              <a:t>14/11/2010</a:t>
+              <a:t>16/11/2010</a:t>
             </a:fld>
             <a:endParaRPr lang="es-ES" dirty="0"/>
           </a:p>
@@ -3977,7 +4209,7 @@
             <a:fld id="{F7222BF2-5C0F-41D6-AF26-3ACA31A5334A}" type="datetimeFigureOut">
               <a:rPr lang="es-ES" smtClean="0"/>
               <a:pPr/>
-              <a:t>14/11/2010</a:t>
+              <a:t>16/11/2010</a:t>
             </a:fld>
             <a:endParaRPr lang="es-ES" dirty="0"/>
           </a:p>
@@ -4331,7 +4563,7 @@
             <a:fld id="{F7222BF2-5C0F-41D6-AF26-3ACA31A5334A}" type="datetimeFigureOut">
               <a:rPr lang="es-ES" smtClean="0"/>
               <a:pPr/>
-              <a:t>14/11/2010</a:t>
+              <a:t>16/11/2010</a:t>
             </a:fld>
             <a:endParaRPr lang="es-ES" dirty="0"/>
           </a:p>
@@ -4565,7 +4797,7 @@
             <a:fld id="{F7222BF2-5C0F-41D6-AF26-3ACA31A5334A}" type="datetimeFigureOut">
               <a:rPr lang="es-ES" smtClean="0"/>
               <a:pPr/>
-              <a:t>14/11/2010</a:t>
+              <a:t>16/11/2010</a:t>
             </a:fld>
             <a:endParaRPr lang="es-ES" dirty="0"/>
           </a:p>
@@ -4707,7 +4939,7 @@
             <a:fld id="{F7222BF2-5C0F-41D6-AF26-3ACA31A5334A}" type="datetimeFigureOut">
               <a:rPr lang="es-ES" smtClean="0"/>
               <a:pPr/>
-              <a:t>14/11/2010</a:t>
+              <a:t>16/11/2010</a:t>
             </a:fld>
             <a:endParaRPr lang="es-ES" dirty="0"/>
           </a:p>
@@ -4986,7 +5218,7 @@
             <a:fld id="{F7222BF2-5C0F-41D6-AF26-3ACA31A5334A}" type="datetimeFigureOut">
               <a:rPr lang="es-ES" smtClean="0"/>
               <a:pPr/>
-              <a:t>14/11/2010</a:t>
+              <a:t>16/11/2010</a:t>
             </a:fld>
             <a:endParaRPr lang="es-ES" dirty="0"/>
           </a:p>
@@ -5395,7 +5627,7 @@
             <a:fld id="{F7222BF2-5C0F-41D6-AF26-3ACA31A5334A}" type="datetimeFigureOut">
               <a:rPr lang="es-ES" smtClean="0"/>
               <a:pPr/>
-              <a:t>14/11/2010</a:t>
+              <a:t>16/11/2010</a:t>
             </a:fld>
             <a:endParaRPr lang="es-ES" dirty="0"/>
           </a:p>
@@ -5735,7 +5967,7 @@
             <a:fld id="{F7222BF2-5C0F-41D6-AF26-3ACA31A5334A}" type="datetimeFigureOut">
               <a:rPr lang="es-ES" smtClean="0"/>
               <a:pPr/>
-              <a:t>14/11/2010</a:t>
+              <a:t>16/11/2010</a:t>
             </a:fld>
             <a:endParaRPr lang="es-ES" dirty="0"/>
           </a:p>
@@ -6421,7 +6653,7 @@
         <p:spPr>
           <a:xfrm>
             <a:off x="395536" y="2276872"/>
-            <a:ext cx="3168352" cy="1656184"/>
+            <a:ext cx="3183042" cy="1516195"/>
           </a:xfrm>
           <a:prstGeom prst="roundRect">
             <a:avLst/>
@@ -6490,21 +6722,21 @@
             </a:r>
           </a:p>
           <a:p>
-            <a:pPr lvl="1"/>
+            <a:pPr lvl="2"/>
             <a:r>
               <a:rPr lang="es-ES" dirty="0" smtClean="0"/>
               <a:t>Propuesta</a:t>
             </a:r>
           </a:p>
           <a:p>
-            <a:pPr lvl="1"/>
+            <a:pPr lvl="2"/>
             <a:r>
               <a:rPr lang="es-ES" dirty="0" smtClean="0"/>
               <a:t>Proceso</a:t>
             </a:r>
           </a:p>
           <a:p>
-            <a:pPr lvl="1"/>
+            <a:pPr lvl="2"/>
             <a:r>
               <a:rPr lang="es-ES" dirty="0" smtClean="0"/>
               <a:t>QA Miner</a:t>
@@ -6801,6 +7033,38 @@
           <a:chExt cx="0" cy="0"/>
         </a:xfrm>
       </p:grpSpPr>
+      <p:pic>
+        <p:nvPicPr>
+          <p:cNvPr id="7" name="Picture 2"/>
+          <p:cNvPicPr>
+            <a:picLocks noChangeAspect="1" noChangeArrowheads="1"/>
+          </p:cNvPicPr>
+          <p:nvPr/>
+        </p:nvPicPr>
+        <p:blipFill>
+          <a:blip r:embed="rId3" cstate="print"/>
+          <a:srcRect/>
+          <a:stretch>
+            <a:fillRect/>
+          </a:stretch>
+        </p:blipFill>
+        <p:spPr bwMode="auto">
+          <a:xfrm>
+            <a:off x="695326" y="1362076"/>
+            <a:ext cx="7662862" cy="4731340"/>
+          </a:xfrm>
+          <a:prstGeom prst="rect">
+            <a:avLst/>
+          </a:prstGeom>
+          <a:noFill/>
+          <a:ln w="9525">
+            <a:noFill/>
+            <a:miter lim="800000"/>
+            <a:headEnd/>
+            <a:tailEnd/>
+          </a:ln>
+        </p:spPr>
+      </p:pic>
       <p:sp>
         <p:nvSpPr>
           <p:cNvPr id="2" name="1 Título"/>
@@ -6900,38 +7164,6 @@
           </a:p>
         </p:txBody>
       </p:sp>
-      <p:pic>
-        <p:nvPicPr>
-          <p:cNvPr id="28682" name="Picture 10"/>
-          <p:cNvPicPr>
-            <a:picLocks noChangeAspect="1" noChangeArrowheads="1"/>
-          </p:cNvPicPr>
-          <p:nvPr/>
-        </p:nvPicPr>
-        <p:blipFill>
-          <a:blip r:embed="rId3" cstate="print"/>
-          <a:srcRect/>
-          <a:stretch>
-            <a:fillRect/>
-          </a:stretch>
-        </p:blipFill>
-        <p:spPr bwMode="auto">
-          <a:xfrm>
-            <a:off x="370703" y="1160505"/>
-            <a:ext cx="8106032" cy="5341906"/>
-          </a:xfrm>
-          <a:prstGeom prst="rect">
-            <a:avLst/>
-          </a:prstGeom>
-          <a:noFill/>
-          <a:ln w="9525">
-            <a:noFill/>
-            <a:miter lim="800000"/>
-            <a:headEnd/>
-            <a:tailEnd/>
-          </a:ln>
-        </p:spPr>
-      </p:pic>
       <p:sp>
         <p:nvSpPr>
           <p:cNvPr id="8" name="7 Rectángulo redondeado"/>
@@ -6940,8 +7172,8 @@
         </p:nvSpPr>
         <p:spPr>
           <a:xfrm>
-            <a:off x="2240898" y="1062681"/>
-            <a:ext cx="6309978" cy="1519881"/>
+            <a:off x="2240898" y="1257300"/>
+            <a:ext cx="6203015" cy="1328738"/>
           </a:xfrm>
           <a:prstGeom prst="roundRect">
             <a:avLst/>
@@ -7197,7 +7429,7 @@
       </p:grpSpPr>
       <p:pic>
         <p:nvPicPr>
-          <p:cNvPr id="7" name="Picture 10"/>
+          <p:cNvPr id="2050" name="Picture 2"/>
           <p:cNvPicPr>
             <a:picLocks noChangeAspect="1" noChangeArrowheads="1"/>
           </p:cNvPicPr>
@@ -7212,8 +7444,8 @@
         </p:blipFill>
         <p:spPr bwMode="auto">
           <a:xfrm>
-            <a:off x="370703" y="1160505"/>
-            <a:ext cx="8106032" cy="5341906"/>
+            <a:off x="695326" y="1362076"/>
+            <a:ext cx="7662862" cy="4731340"/>
           </a:xfrm>
           <a:prstGeom prst="rect">
             <a:avLst/>
@@ -7258,8 +7490,8 @@
         </p:nvSpPr>
         <p:spPr>
           <a:xfrm>
-            <a:off x="1960956" y="2774786"/>
-            <a:ext cx="4628485" cy="1735429"/>
+            <a:off x="2518169" y="2774785"/>
+            <a:ext cx="4239819" cy="1525753"/>
           </a:xfrm>
           <a:prstGeom prst="roundRect">
             <a:avLst/>
@@ -7496,12 +7728,16 @@
           <a:lstStyle/>
           <a:p>
             <a:r>
+              <a:rPr lang="es-ES_tradnl" dirty="0" err="1" smtClean="0"/>
+              <a:t>Tokens</a:t>
+            </a:r>
+            <a:r>
               <a:rPr lang="es-ES_tradnl" dirty="0" smtClean="0"/>
-              <a:t>Generación de </a:t>
+              <a:t> </a:t>
             </a:r>
             <a:r>
               <a:rPr lang="es-ES_tradnl" dirty="0" err="1" smtClean="0"/>
-              <a:t>tokens</a:t>
+              <a:t>Generation</a:t>
             </a:r>
             <a:endParaRPr lang="es-ES_tradnl" dirty="0"/>
           </a:p>
@@ -7813,7 +8049,7 @@
       </p:grpSpPr>
       <p:pic>
         <p:nvPicPr>
-          <p:cNvPr id="7" name="Picture 10"/>
+          <p:cNvPr id="8" name="Picture 2"/>
           <p:cNvPicPr>
             <a:picLocks noChangeAspect="1" noChangeArrowheads="1"/>
           </p:cNvPicPr>
@@ -7828,8 +8064,8 @@
         </p:blipFill>
         <p:spPr bwMode="auto">
           <a:xfrm>
-            <a:off x="370703" y="1160505"/>
-            <a:ext cx="8106032" cy="5341906"/>
+            <a:off x="695326" y="1362076"/>
+            <a:ext cx="7662862" cy="4731340"/>
           </a:xfrm>
           <a:prstGeom prst="rect">
             <a:avLst/>
@@ -7874,8 +8110,8 @@
         </p:nvSpPr>
         <p:spPr>
           <a:xfrm>
-            <a:off x="2121594" y="4801294"/>
-            <a:ext cx="4628485" cy="1735429"/>
+            <a:off x="2471738" y="4529139"/>
+            <a:ext cx="4406929" cy="1371600"/>
           </a:xfrm>
           <a:prstGeom prst="roundRect">
             <a:avLst/>
@@ -8112,12 +8348,16 @@
           <a:lstStyle/>
           <a:p>
             <a:r>
+              <a:rPr lang="es-ES_tradnl" dirty="0" err="1" smtClean="0"/>
+              <a:t>Tokens</a:t>
+            </a:r>
+            <a:r>
               <a:rPr lang="es-ES_tradnl" dirty="0" smtClean="0"/>
-              <a:t>Análisis de </a:t>
+              <a:t> </a:t>
             </a:r>
             <a:r>
               <a:rPr lang="es-ES_tradnl" dirty="0" err="1" smtClean="0"/>
-              <a:t>tokens</a:t>
+              <a:t>Analysis</a:t>
             </a:r>
             <a:endParaRPr lang="es-ES_tradnl" dirty="0"/>
           </a:p>
@@ -8174,6 +8414,49 @@
           </a:ln>
         </p:spPr>
       </p:pic>
+      <p:sp>
+        <p:nvSpPr>
+          <p:cNvPr id="6" name="5 Rectángulo redondeado"/>
+          <p:cNvSpPr/>
+          <p:nvPr/>
+        </p:nvSpPr>
+        <p:spPr>
+          <a:xfrm>
+            <a:off x="2112311" y="4171950"/>
+            <a:ext cx="4759978" cy="1328738"/>
+          </a:xfrm>
+          <a:prstGeom prst="roundRect">
+            <a:avLst/>
+          </a:prstGeom>
+          <a:solidFill>
+            <a:srgbClr val="00CCFF">
+              <a:alpha val="12157"/>
+            </a:srgbClr>
+          </a:solidFill>
+        </p:spPr>
+        <p:style>
+          <a:lnRef idx="1">
+            <a:schemeClr val="accent3"/>
+          </a:lnRef>
+          <a:fillRef idx="3">
+            <a:schemeClr val="accent3"/>
+          </a:fillRef>
+          <a:effectRef idx="2">
+            <a:schemeClr val="accent3"/>
+          </a:effectRef>
+          <a:fontRef idx="minor">
+            <a:schemeClr val="lt1"/>
+          </a:fontRef>
+        </p:style>
+        <p:txBody>
+          <a:bodyPr rtlCol="0" anchor="ctr"/>
+          <a:lstStyle/>
+          <a:p>
+            <a:pPr algn="ctr"/>
+            <a:endParaRPr lang="es-ES_tradnl" dirty="0"/>
+          </a:p>
+        </p:txBody>
+      </p:sp>
     </p:spTree>
   </p:cSld>
   <p:clrMapOvr>
@@ -8182,9 +8465,88 @@
   <p:timing>
     <p:tnLst>
       <p:par>
-        <p:cTn id="1" dur="indefinite" restart="never" nodeType="tmRoot"/>
+        <p:cTn id="1" dur="indefinite" restart="never" nodeType="tmRoot">
+          <p:childTnLst>
+            <p:seq concurrent="1" nextAc="seek">
+              <p:cTn id="2" dur="indefinite" nodeType="mainSeq">
+                <p:childTnLst>
+                  <p:par>
+                    <p:cTn id="3" fill="hold">
+                      <p:stCondLst>
+                        <p:cond delay="indefinite"/>
+                      </p:stCondLst>
+                      <p:childTnLst>
+                        <p:par>
+                          <p:cTn id="4" fill="hold">
+                            <p:stCondLst>
+                              <p:cond delay="0"/>
+                            </p:stCondLst>
+                            <p:childTnLst>
+                              <p:par>
+                                <p:cTn id="5" presetID="4" presetClass="entr" presetSubtype="16" fill="hold" grpId="0" nodeType="clickEffect">
+                                  <p:stCondLst>
+                                    <p:cond delay="0"/>
+                                  </p:stCondLst>
+                                  <p:childTnLst>
+                                    <p:set>
+                                      <p:cBhvr>
+                                        <p:cTn id="6" dur="1" fill="hold">
+                                          <p:stCondLst>
+                                            <p:cond delay="0"/>
+                                          </p:stCondLst>
+                                        </p:cTn>
+                                        <p:tgtEl>
+                                          <p:spTgt spid="6"/>
+                                        </p:tgtEl>
+                                        <p:attrNameLst>
+                                          <p:attrName>style.visibility</p:attrName>
+                                        </p:attrNameLst>
+                                      </p:cBhvr>
+                                      <p:to>
+                                        <p:strVal val="visible"/>
+                                      </p:to>
+                                    </p:set>
+                                    <p:animEffect transition="in" filter="box(in)">
+                                      <p:cBhvr>
+                                        <p:cTn id="7" dur="500"/>
+                                        <p:tgtEl>
+                                          <p:spTgt spid="6"/>
+                                        </p:tgtEl>
+                                      </p:cBhvr>
+                                    </p:animEffect>
+                                  </p:childTnLst>
+                                </p:cTn>
+                              </p:par>
+                            </p:childTnLst>
+                          </p:cTn>
+                        </p:par>
+                      </p:childTnLst>
+                    </p:cTn>
+                  </p:par>
+                </p:childTnLst>
+              </p:cTn>
+              <p:prevCondLst>
+                <p:cond evt="onPrev" delay="0">
+                  <p:tgtEl>
+                    <p:sldTgt/>
+                  </p:tgtEl>
+                </p:cond>
+              </p:prevCondLst>
+              <p:nextCondLst>
+                <p:cond evt="onNext" delay="0">
+                  <p:tgtEl>
+                    <p:sldTgt/>
+                  </p:tgtEl>
+                </p:cond>
+              </p:nextCondLst>
+            </p:seq>
+          </p:childTnLst>
+        </p:cTn>
       </p:par>
     </p:tnLst>
+    <p:bldLst>
+      <p:bldP spid="6" grpId="0" animBg="1"/>
+    </p:bldLst>
   </p:timing>
 </p:sld>
 </file>
@@ -8260,23 +8622,7 @@
           <a:p>
             <a:r>
               <a:rPr lang="es-ES" dirty="0" smtClean="0"/>
-              <a:t>La técnica </a:t>
-            </a:r>
-            <a:r>
-              <a:rPr lang="es-ES" dirty="0" smtClean="0"/>
-              <a:t>propuesta utiliza </a:t>
-            </a:r>
-            <a:r>
-              <a:rPr lang="es-ES" dirty="0" smtClean="0"/>
-              <a:t>a la ontología </a:t>
-            </a:r>
-            <a:r>
-              <a:rPr lang="es-ES" dirty="0" smtClean="0"/>
-              <a:t>definida como fuente de </a:t>
-            </a:r>
-            <a:r>
-              <a:rPr lang="es-ES" dirty="0" smtClean="0"/>
-              <a:t>conocimiento.</a:t>
+              <a:t>La técnica propuesta utiliza a la ontología definida como fuente de conocimiento</a:t>
             </a:r>
           </a:p>
           <a:p>
@@ -8434,6 +8780,403 @@
           <a:lstStyle/>
           <a:p>
             <a:r>
+              <a:rPr lang="es-ES_tradnl" dirty="0" err="1" smtClean="0"/>
+              <a:t>Tokens</a:t>
+            </a:r>
+            <a:r>
+              <a:rPr lang="es-ES_tradnl" dirty="0" smtClean="0"/>
+              <a:t> </a:t>
+            </a:r>
+            <a:r>
+              <a:rPr lang="es-ES_tradnl" dirty="0" err="1" smtClean="0"/>
+              <a:t>Analysis</a:t>
+            </a:r>
+            <a:endParaRPr lang="es-ES_tradnl" dirty="0"/>
+          </a:p>
+        </p:txBody>
+      </p:sp>
+      <p:sp>
+        <p:nvSpPr>
+          <p:cNvPr id="5" name="4 Marcador de contenido"/>
+          <p:cNvSpPr>
+            <a:spLocks noGrp="1"/>
+          </p:cNvSpPr>
+          <p:nvPr>
+            <p:ph sz="quarter" idx="1"/>
+          </p:nvPr>
+        </p:nvSpPr>
+        <p:spPr/>
+        <p:txBody>
+          <a:bodyPr/>
+          <a:lstStyle/>
+          <a:p>
+            <a:endParaRPr lang="es-ES_tradnl" dirty="0"/>
+          </a:p>
+        </p:txBody>
+      </p:sp>
+      <p:pic>
+        <p:nvPicPr>
+          <p:cNvPr id="3" name="Picture 2"/>
+          <p:cNvPicPr>
+            <a:picLocks noChangeAspect="1" noChangeArrowheads="1"/>
+          </p:cNvPicPr>
+          <p:nvPr/>
+        </p:nvPicPr>
+        <p:blipFill>
+          <a:blip r:embed="rId2" cstate="print"/>
+          <a:srcRect/>
+          <a:stretch>
+            <a:fillRect/>
+          </a:stretch>
+        </p:blipFill>
+        <p:spPr bwMode="auto">
+          <a:xfrm>
+            <a:off x="545628" y="1348431"/>
+            <a:ext cx="7930558" cy="4409817"/>
+          </a:xfrm>
+          <a:prstGeom prst="rect">
+            <a:avLst/>
+          </a:prstGeom>
+          <a:noFill/>
+          <a:ln w="9525">
+            <a:noFill/>
+            <a:miter lim="800000"/>
+            <a:headEnd/>
+            <a:tailEnd/>
+          </a:ln>
+        </p:spPr>
+      </p:pic>
+      <p:sp>
+        <p:nvSpPr>
+          <p:cNvPr id="6" name="5 Rectángulo redondeado"/>
+          <p:cNvSpPr/>
+          <p:nvPr/>
+        </p:nvSpPr>
+        <p:spPr>
+          <a:xfrm>
+            <a:off x="481263" y="2679032"/>
+            <a:ext cx="4899110" cy="1010652"/>
+          </a:xfrm>
+          <a:prstGeom prst="roundRect">
+            <a:avLst/>
+          </a:prstGeom>
+          <a:solidFill>
+            <a:srgbClr val="00CCFF">
+              <a:alpha val="12157"/>
+            </a:srgbClr>
+          </a:solidFill>
+        </p:spPr>
+        <p:style>
+          <a:lnRef idx="1">
+            <a:schemeClr val="accent3"/>
+          </a:lnRef>
+          <a:fillRef idx="3">
+            <a:schemeClr val="accent3"/>
+          </a:fillRef>
+          <a:effectRef idx="2">
+            <a:schemeClr val="accent3"/>
+          </a:effectRef>
+          <a:fontRef idx="minor">
+            <a:schemeClr val="lt1"/>
+          </a:fontRef>
+        </p:style>
+        <p:txBody>
+          <a:bodyPr rtlCol="0" anchor="ctr"/>
+          <a:lstStyle/>
+          <a:p>
+            <a:pPr algn="ctr"/>
+            <a:endParaRPr lang="es-ES_tradnl" dirty="0"/>
+          </a:p>
+        </p:txBody>
+      </p:sp>
+    </p:spTree>
+  </p:cSld>
+  <p:clrMapOvr>
+    <a:masterClrMapping/>
+  </p:clrMapOvr>
+  <p:timing>
+    <p:tnLst>
+      <p:par>
+        <p:cTn id="1" dur="indefinite" restart="never" nodeType="tmRoot">
+          <p:childTnLst>
+            <p:seq concurrent="1" nextAc="seek">
+              <p:cTn id="2" dur="indefinite" nodeType="mainSeq">
+                <p:childTnLst>
+                  <p:par>
+                    <p:cTn id="3" fill="hold">
+                      <p:stCondLst>
+                        <p:cond delay="indefinite"/>
+                      </p:stCondLst>
+                      <p:childTnLst>
+                        <p:par>
+                          <p:cTn id="4" fill="hold">
+                            <p:stCondLst>
+                              <p:cond delay="0"/>
+                            </p:stCondLst>
+                            <p:childTnLst>
+                              <p:par>
+                                <p:cTn id="5" presetID="4" presetClass="entr" presetSubtype="16" fill="hold" grpId="0" nodeType="clickEffect">
+                                  <p:stCondLst>
+                                    <p:cond delay="0"/>
+                                  </p:stCondLst>
+                                  <p:childTnLst>
+                                    <p:set>
+                                      <p:cBhvr>
+                                        <p:cTn id="6" dur="1" fill="hold">
+                                          <p:stCondLst>
+                                            <p:cond delay="0"/>
+                                          </p:stCondLst>
+                                        </p:cTn>
+                                        <p:tgtEl>
+                                          <p:spTgt spid="6"/>
+                                        </p:tgtEl>
+                                        <p:attrNameLst>
+                                          <p:attrName>style.visibility</p:attrName>
+                                        </p:attrNameLst>
+                                      </p:cBhvr>
+                                      <p:to>
+                                        <p:strVal val="visible"/>
+                                      </p:to>
+                                    </p:set>
+                                    <p:animEffect transition="in" filter="box(in)">
+                                      <p:cBhvr>
+                                        <p:cTn id="7" dur="500"/>
+                                        <p:tgtEl>
+                                          <p:spTgt spid="6"/>
+                                        </p:tgtEl>
+                                      </p:cBhvr>
+                                    </p:animEffect>
+                                  </p:childTnLst>
+                                </p:cTn>
+                              </p:par>
+                            </p:childTnLst>
+                          </p:cTn>
+                        </p:par>
+                      </p:childTnLst>
+                    </p:cTn>
+                  </p:par>
+                </p:childTnLst>
+              </p:cTn>
+              <p:prevCondLst>
+                <p:cond evt="onPrev" delay="0">
+                  <p:tgtEl>
+                    <p:sldTgt/>
+                  </p:tgtEl>
+                </p:cond>
+              </p:prevCondLst>
+              <p:nextCondLst>
+                <p:cond evt="onNext" delay="0">
+                  <p:tgtEl>
+                    <p:sldTgt/>
+                  </p:tgtEl>
+                </p:cond>
+              </p:nextCondLst>
+            </p:seq>
+          </p:childTnLst>
+        </p:cTn>
+      </p:par>
+    </p:tnLst>
+    <p:bldLst>
+      <p:bldP spid="6" grpId="0" animBg="1"/>
+    </p:bldLst>
+  </p:timing>
+</p:sld>
+</file>
+
+<file path=ppt/slides/slide2.xml><?xml version="1.0" encoding="utf-8"?>
+<p:sld xmlns:a="http://schemas.openxmlformats.org/drawingml/2006/main" xmlns:r="http://schemas.openxmlformats.org/officeDocument/2006/relationships" xmlns:p="http://schemas.openxmlformats.org/presentationml/2006/main">
+  <p:cSld>
+    <p:spTree>
+      <p:nvGrpSpPr>
+        <p:cNvPr id="1" name=""/>
+        <p:cNvGrpSpPr/>
+        <p:nvPr/>
+      </p:nvGrpSpPr>
+      <p:grpSpPr>
+        <a:xfrm>
+          <a:off x="0" y="0"/>
+          <a:ext cx="0" cy="0"/>
+          <a:chOff x="0" y="0"/>
+          <a:chExt cx="0" cy="0"/>
+        </a:xfrm>
+      </p:grpSpPr>
+      <p:sp>
+        <p:nvSpPr>
+          <p:cNvPr id="3" name="2 Marcador de contenido"/>
+          <p:cNvSpPr>
+            <a:spLocks noGrp="1"/>
+          </p:cNvSpPr>
+          <p:nvPr>
+            <p:ph sz="quarter" idx="1"/>
+          </p:nvPr>
+        </p:nvSpPr>
+        <p:spPr>
+          <a:xfrm>
+            <a:off x="457200" y="1268760"/>
+            <a:ext cx="8507288" cy="5472608"/>
+          </a:xfrm>
+        </p:spPr>
+        <p:txBody>
+          <a:bodyPr>
+            <a:normAutofit/>
+          </a:bodyPr>
+          <a:lstStyle/>
+          <a:p>
+            <a:r>
+              <a:rPr lang="es-ES" dirty="0" smtClean="0"/>
+              <a:t>Introducción</a:t>
+            </a:r>
+          </a:p>
+          <a:p>
+            <a:r>
+              <a:rPr lang="es-ES" dirty="0" smtClean="0"/>
+              <a:t>Atributos de calidad y aspectos tempranos</a:t>
+            </a:r>
+          </a:p>
+          <a:p>
+            <a:r>
+              <a:rPr lang="es-ES" dirty="0" smtClean="0"/>
+              <a:t>Enfoque propuesto</a:t>
+            </a:r>
+          </a:p>
+          <a:p>
+            <a:r>
+              <a:rPr lang="es-ES" dirty="0" smtClean="0"/>
+              <a:t>Evaluación</a:t>
+            </a:r>
+          </a:p>
+          <a:p>
+            <a:r>
+              <a:rPr lang="es-ES" dirty="0" smtClean="0"/>
+              <a:t>Conclusiones</a:t>
+            </a:r>
+          </a:p>
+          <a:p>
+            <a:r>
+              <a:rPr lang="es-ES" dirty="0" smtClean="0"/>
+              <a:t>Preguntas</a:t>
+            </a:r>
+          </a:p>
+          <a:p>
+            <a:pPr lvl="1">
+              <a:buNone/>
+            </a:pPr>
+            <a:endParaRPr lang="es-ES" dirty="0" smtClean="0"/>
+          </a:p>
+          <a:p>
+            <a:pPr lvl="1">
+              <a:buNone/>
+            </a:pPr>
+            <a:endParaRPr lang="es-ES" dirty="0" smtClean="0"/>
+          </a:p>
+          <a:p>
+            <a:endParaRPr lang="es-ES" dirty="0" smtClean="0"/>
+          </a:p>
+          <a:p>
+            <a:endParaRPr lang="es-ES" dirty="0"/>
+          </a:p>
+        </p:txBody>
+      </p:sp>
+      <p:sp>
+        <p:nvSpPr>
+          <p:cNvPr id="2" name="1 Título"/>
+          <p:cNvSpPr>
+            <a:spLocks noGrp="1"/>
+          </p:cNvSpPr>
+          <p:nvPr>
+            <p:ph type="title"/>
+          </p:nvPr>
+        </p:nvSpPr>
+        <p:spPr/>
+        <p:txBody>
+          <a:bodyPr/>
+          <a:lstStyle/>
+          <a:p>
+            <a:r>
+              <a:rPr lang="es-ES" dirty="0" smtClean="0"/>
+              <a:t>Agenda</a:t>
+            </a:r>
+            <a:endParaRPr lang="es-ES" dirty="0"/>
+          </a:p>
+        </p:txBody>
+      </p:sp>
+      <p:pic>
+        <p:nvPicPr>
+          <p:cNvPr id="9217" name="Picture 1" descr="C:\Documents and Settings\Administrador\Configuración local\Archivos temporales de Internet\Content.IE5\5WQ1CSKL\MP900405396[1].jpg"/>
+          <p:cNvPicPr>
+            <a:picLocks noChangeAspect="1" noChangeArrowheads="1"/>
+          </p:cNvPicPr>
+          <p:nvPr/>
+        </p:nvPicPr>
+        <p:blipFill>
+          <a:blip r:embed="rId3" cstate="print"/>
+          <a:srcRect/>
+          <a:stretch>
+            <a:fillRect/>
+          </a:stretch>
+        </p:blipFill>
+        <p:spPr bwMode="auto">
+          <a:xfrm>
+            <a:off x="5436096" y="3573016"/>
+            <a:ext cx="3130545" cy="2236104"/>
+          </a:xfrm>
+          <a:prstGeom prst="rect">
+            <a:avLst/>
+          </a:prstGeom>
+          <a:noFill/>
+        </p:spPr>
+      </p:pic>
+    </p:spTree>
+  </p:cSld>
+  <p:clrMapOvr>
+    <a:masterClrMapping/>
+  </p:clrMapOvr>
+  <p:transition>
+    <p:cut/>
+  </p:transition>
+  <p:timing>
+    <p:tnLst>
+      <p:par>
+        <p:cTn id="1" dur="indefinite" restart="never" nodeType="tmRoot"/>
+      </p:par>
+    </p:tnLst>
+  </p:timing>
+</p:sld>
+</file>
+
+<file path=ppt/slides/slide20.xml><?xml version="1.0" encoding="utf-8"?>
+<p:sld xmlns:a="http://schemas.openxmlformats.org/drawingml/2006/main" xmlns:r="http://schemas.openxmlformats.org/officeDocument/2006/relationships" xmlns:p="http://schemas.openxmlformats.org/presentationml/2006/main">
+  <p:cSld>
+    <p:spTree>
+      <p:nvGrpSpPr>
+        <p:cNvPr id="1" name=""/>
+        <p:cNvGrpSpPr/>
+        <p:nvPr/>
+      </p:nvGrpSpPr>
+      <p:grpSpPr>
+        <a:xfrm>
+          <a:off x="0" y="0"/>
+          <a:ext cx="0" cy="0"/>
+          <a:chOff x="0" y="0"/>
+          <a:chExt cx="0" cy="0"/>
+        </a:xfrm>
+      </p:grpSpPr>
+      <p:sp>
+        <p:nvSpPr>
+          <p:cNvPr id="2" name="1 Título"/>
+          <p:cNvSpPr>
+            <a:spLocks noGrp="1"/>
+          </p:cNvSpPr>
+          <p:nvPr>
+            <p:ph type="title"/>
+          </p:nvPr>
+        </p:nvSpPr>
+        <p:spPr/>
+        <p:txBody>
+          <a:bodyPr/>
+          <a:lstStyle/>
+          <a:p>
+            <a:r>
               <a:rPr lang="es-ES" dirty="0" smtClean="0"/>
               <a:t>QA Miner</a:t>
             </a:r>
@@ -8509,8 +9252,13 @@
             <a:pPr lvl="1"/>
             <a:r>
               <a:rPr lang="es-ES" dirty="0" smtClean="0"/>
-              <a:t>Importancia de la entrada (aspectos tempranos vs. casos de uso)</a:t>
-            </a:r>
+              <a:t>Grado de </a:t>
+            </a:r>
+            <a:r>
+              <a:rPr lang="es-ES_tradnl" dirty="0" smtClean="0"/>
+              <a:t>combinación de las listas</a:t>
+            </a:r>
+            <a:endParaRPr lang="es-ES" dirty="0" smtClean="0"/>
           </a:p>
           <a:p>
             <a:r>
@@ -8951,7 +9699,7 @@
 </p:sld>
 </file>
 
-<file path=ppt/slides/slide2.xml><?xml version="1.0" encoding="utf-8"?>
+<file path=ppt/slides/slide21.xml><?xml version="1.0" encoding="utf-8"?>
 <p:sld xmlns:a="http://schemas.openxmlformats.org/drawingml/2006/main" xmlns:r="http://schemas.openxmlformats.org/officeDocument/2006/relationships" xmlns:p="http://schemas.openxmlformats.org/presentationml/2006/main">
   <p:cSld>
     <p:spTree>
@@ -8970,175 +9718,14 @@
       </p:grpSpPr>
       <p:sp>
         <p:nvSpPr>
-          <p:cNvPr id="3" name="2 Marcador de contenido"/>
-          <p:cNvSpPr>
-            <a:spLocks noGrp="1"/>
-          </p:cNvSpPr>
-          <p:nvPr>
-            <p:ph sz="quarter" idx="1"/>
-          </p:nvPr>
-        </p:nvSpPr>
-        <p:spPr>
-          <a:xfrm>
-            <a:off x="457200" y="1268760"/>
-            <a:ext cx="8507288" cy="5472608"/>
-          </a:xfrm>
-        </p:spPr>
-        <p:txBody>
-          <a:bodyPr>
-            <a:normAutofit/>
-          </a:bodyPr>
-          <a:lstStyle/>
-          <a:p>
-            <a:r>
-              <a:rPr lang="es-ES" dirty="0" smtClean="0"/>
-              <a:t>Introducción</a:t>
-            </a:r>
-          </a:p>
-          <a:p>
-            <a:r>
-              <a:rPr lang="es-ES" dirty="0" smtClean="0"/>
-              <a:t>Atributos de calidad y aspectos tempranos</a:t>
-            </a:r>
-          </a:p>
-          <a:p>
-            <a:r>
-              <a:rPr lang="es-ES" dirty="0" smtClean="0"/>
-              <a:t>Enfoque propuesto</a:t>
-            </a:r>
-          </a:p>
-          <a:p>
-            <a:r>
-              <a:rPr lang="es-ES" dirty="0" smtClean="0"/>
-              <a:t>Evaluación</a:t>
-            </a:r>
-          </a:p>
-          <a:p>
-            <a:r>
-              <a:rPr lang="es-ES" dirty="0" smtClean="0"/>
-              <a:t>Conclusiones</a:t>
-            </a:r>
-          </a:p>
-          <a:p>
-            <a:r>
-              <a:rPr lang="es-ES" dirty="0" smtClean="0"/>
-              <a:t>Preguntas</a:t>
-            </a:r>
-          </a:p>
-          <a:p>
-            <a:pPr lvl="1">
-              <a:buNone/>
-            </a:pPr>
-            <a:endParaRPr lang="es-ES" dirty="0" smtClean="0"/>
-          </a:p>
-          <a:p>
-            <a:pPr lvl="1">
-              <a:buNone/>
-            </a:pPr>
-            <a:endParaRPr lang="es-ES" dirty="0" smtClean="0"/>
-          </a:p>
-          <a:p>
-            <a:endParaRPr lang="es-ES" dirty="0" smtClean="0"/>
-          </a:p>
-          <a:p>
-            <a:endParaRPr lang="es-ES" dirty="0"/>
-          </a:p>
-        </p:txBody>
-      </p:sp>
-      <p:sp>
-        <p:nvSpPr>
-          <p:cNvPr id="2" name="1 Título"/>
-          <p:cNvSpPr>
-            <a:spLocks noGrp="1"/>
-          </p:cNvSpPr>
-          <p:nvPr>
-            <p:ph type="title"/>
-          </p:nvPr>
-        </p:nvSpPr>
-        <p:spPr/>
-        <p:txBody>
-          <a:bodyPr/>
-          <a:lstStyle/>
-          <a:p>
-            <a:r>
-              <a:rPr lang="es-ES" dirty="0" smtClean="0"/>
-              <a:t>Agenda</a:t>
-            </a:r>
-            <a:endParaRPr lang="es-ES" dirty="0"/>
-          </a:p>
-        </p:txBody>
-      </p:sp>
-      <p:pic>
-        <p:nvPicPr>
-          <p:cNvPr id="9217" name="Picture 1" descr="C:\Documents and Settings\Administrador\Configuración local\Archivos temporales de Internet\Content.IE5\5WQ1CSKL\MP900405396[1].jpg"/>
-          <p:cNvPicPr>
-            <a:picLocks noChangeAspect="1" noChangeArrowheads="1"/>
-          </p:cNvPicPr>
-          <p:nvPr/>
-        </p:nvPicPr>
-        <p:blipFill>
-          <a:blip r:embed="rId3" cstate="print"/>
-          <a:srcRect/>
-          <a:stretch>
-            <a:fillRect/>
-          </a:stretch>
-        </p:blipFill>
-        <p:spPr bwMode="auto">
-          <a:xfrm>
-            <a:off x="5436096" y="3573016"/>
-            <a:ext cx="3130545" cy="2236104"/>
-          </a:xfrm>
-          <a:prstGeom prst="rect">
-            <a:avLst/>
-          </a:prstGeom>
-          <a:noFill/>
-        </p:spPr>
-      </p:pic>
-    </p:spTree>
-  </p:cSld>
-  <p:clrMapOvr>
-    <a:masterClrMapping/>
-  </p:clrMapOvr>
-  <p:transition>
-    <p:cut/>
-  </p:transition>
-  <p:timing>
-    <p:tnLst>
-      <p:par>
-        <p:cTn id="1" dur="indefinite" restart="never" nodeType="tmRoot"/>
-      </p:par>
-    </p:tnLst>
-  </p:timing>
-</p:sld>
-</file>
-
-<file path=ppt/slides/slide20.xml><?xml version="1.0" encoding="utf-8"?>
-<p:sld xmlns:a="http://schemas.openxmlformats.org/drawingml/2006/main" xmlns:r="http://schemas.openxmlformats.org/officeDocument/2006/relationships" xmlns:p="http://schemas.openxmlformats.org/presentationml/2006/main">
-  <p:cSld>
-    <p:spTree>
-      <p:nvGrpSpPr>
-        <p:cNvPr id="1" name=""/>
-        <p:cNvGrpSpPr/>
-        <p:nvPr/>
-      </p:nvGrpSpPr>
-      <p:grpSpPr>
-        <a:xfrm>
-          <a:off x="0" y="0"/>
-          <a:ext cx="0" cy="0"/>
-          <a:chOff x="0" y="0"/>
-          <a:chExt cx="0" cy="0"/>
-        </a:xfrm>
-      </p:grpSpPr>
-      <p:sp>
-        <p:nvSpPr>
           <p:cNvPr id="5" name="4 Rectángulo redondeado"/>
           <p:cNvSpPr/>
           <p:nvPr/>
         </p:nvSpPr>
         <p:spPr>
           <a:xfrm>
-            <a:off x="467544" y="2708920"/>
-            <a:ext cx="3024336" cy="1656184"/>
+            <a:off x="467543" y="2708920"/>
+            <a:ext cx="3302351" cy="1558280"/>
           </a:xfrm>
           <a:prstGeom prst="roundRect">
             <a:avLst/>
@@ -9213,25 +9800,43 @@
             </a:r>
           </a:p>
           <a:p>
-            <a:pPr lvl="1"/>
+            <a:pPr lvl="2"/>
             <a:r>
               <a:rPr lang="es-ES" dirty="0" smtClean="0"/>
               <a:t>Métricas</a:t>
             </a:r>
           </a:p>
           <a:p>
-            <a:pPr lvl="1"/>
+            <a:pPr lvl="2"/>
             <a:r>
               <a:rPr lang="es-ES" dirty="0" smtClean="0"/>
-              <a:t>Caso de Estudio I</a:t>
-            </a:r>
-          </a:p>
-          <a:p>
-            <a:pPr lvl="1"/>
+              <a:t>Caso de </a:t>
+            </a:r>
             <a:r>
               <a:rPr lang="es-ES" dirty="0" smtClean="0"/>
-              <a:t>Caso de Estudio II</a:t>
-            </a:r>
+              <a:t>Estudio </a:t>
+            </a:r>
+            <a:r>
+              <a:rPr lang="es-ES" dirty="0" smtClean="0"/>
+              <a:t>HWS</a:t>
+            </a:r>
+            <a:endParaRPr lang="es-ES" dirty="0" smtClean="0"/>
+          </a:p>
+          <a:p>
+            <a:pPr lvl="2"/>
+            <a:r>
+              <a:rPr lang="es-ES" dirty="0" smtClean="0"/>
+              <a:t>Caso de </a:t>
+            </a:r>
+            <a:r>
+              <a:rPr lang="es-ES" dirty="0" smtClean="0"/>
+              <a:t>Estudio C</a:t>
+            </a:r>
+            <a:r>
+              <a:rPr lang="es-ES" dirty="0" smtClean="0"/>
+              <a:t>RS</a:t>
+            </a:r>
+            <a:endParaRPr lang="es-ES" dirty="0" smtClean="0"/>
           </a:p>
           <a:p>
             <a:r>
@@ -9297,7 +9902,7 @@
           <p:nvPr/>
         </p:nvPicPr>
         <p:blipFill>
-          <a:blip r:embed="rId2" cstate="print"/>
+          <a:blip r:embed="rId3" cstate="print"/>
           <a:srcRect/>
           <a:stretch>
             <a:fillRect/>
@@ -9411,7 +10016,7 @@
 </p:sld>
 </file>
 
-<file path=ppt/slides/slide21.xml><?xml version="1.0" encoding="utf-8"?>
+<file path=ppt/slides/slide22.xml><?xml version="1.0" encoding="utf-8"?>
 <p:sld xmlns:a="http://schemas.openxmlformats.org/drawingml/2006/main" xmlns:r="http://schemas.openxmlformats.org/officeDocument/2006/relationships" xmlns:p="http://schemas.openxmlformats.org/presentationml/2006/main">
   <p:cSld>
     <p:spTree>
@@ -9492,30 +10097,6 @@
             <a:r>
               <a:rPr lang="es-AR" sz="1600" b="1" i="1" u="sng" dirty="0" smtClean="0"/>
               <a:t>son realmente QAs</a:t>
-            </a:r>
-            <a:endParaRPr lang="es-AR" sz="1600" dirty="0" smtClean="0"/>
-          </a:p>
-          <a:p>
-            <a:pPr lvl="1"/>
-            <a:r>
-              <a:rPr lang="es-AR" sz="1600" b="1" dirty="0" smtClean="0"/>
-              <a:t>QVN</a:t>
-            </a:r>
-            <a:r>
-              <a:rPr lang="es-AR" sz="1600" dirty="0" smtClean="0"/>
-              <a:t>: QAs </a:t>
-            </a:r>
-            <a:r>
-              <a:rPr lang="es-AR" sz="1600" b="1" i="1" u="sng" dirty="0" smtClean="0"/>
-              <a:t>no identificados</a:t>
-            </a:r>
-            <a:r>
-              <a:rPr lang="es-AR" sz="1600" dirty="0" smtClean="0"/>
-              <a:t>, que </a:t>
-            </a:r>
-            <a:r>
-              <a:rPr lang="es-AR" sz="1600" b="1" i="1" u="sng" dirty="0" smtClean="0"/>
-              <a:t>no son realmente QAs</a:t>
             </a:r>
             <a:endParaRPr lang="es-AR" sz="1600" dirty="0" smtClean="0"/>
           </a:p>
@@ -9626,7 +10207,7 @@
         </p:blipFill>
         <p:spPr bwMode="auto">
           <a:xfrm>
-            <a:off x="1331640" y="3933056"/>
+            <a:off x="1467108" y="3402473"/>
             <a:ext cx="2418365" cy="577974"/>
           </a:xfrm>
           <a:prstGeom prst="rect">
@@ -9672,7 +10253,7 @@
         </p:blipFill>
         <p:spPr bwMode="auto">
           <a:xfrm>
-            <a:off x="4572000" y="3933056"/>
+            <a:off x="4707468" y="3402473"/>
             <a:ext cx="2129378" cy="577974"/>
           </a:xfrm>
           <a:prstGeom prst="rect">
@@ -9807,7 +10388,7 @@
 </p:sld>
 </file>
 
-<file path=ppt/slides/slide22.xml><?xml version="1.0" encoding="utf-8"?>
+<file path=ppt/slides/slide23.xml><?xml version="1.0" encoding="utf-8"?>
 <p:sld xmlns:a="http://schemas.openxmlformats.org/drawingml/2006/main" xmlns:r="http://schemas.openxmlformats.org/officeDocument/2006/relationships" xmlns:p="http://schemas.openxmlformats.org/presentationml/2006/main">
   <p:cSld>
     <p:spTree>
@@ -9886,8 +10467,13 @@
           <a:p>
             <a:r>
               <a:rPr lang="es-ES" dirty="0" smtClean="0"/>
-              <a:t>QAs detectados a través del análisis de la arquitectura del sistema: usability, availability, performance, scalability, security, persistence</a:t>
-            </a:r>
+              <a:t>QAs detectados a través del análisis de la arquitectura del </a:t>
+            </a:r>
+            <a:r>
+              <a:rPr lang="es-ES" dirty="0" smtClean="0"/>
+              <a:t>sistema</a:t>
+            </a:r>
+            <a:endParaRPr lang="es-ES" dirty="0" smtClean="0"/>
           </a:p>
           <a:p>
             <a:endParaRPr lang="es-ES" dirty="0"/>
@@ -9909,7 +10495,7 @@
 </p:sld>
 </file>
 
-<file path=ppt/slides/slide23.xml><?xml version="1.0" encoding="utf-8"?>
+<file path=ppt/slides/slide24.xml><?xml version="1.0" encoding="utf-8"?>
 <p:sld xmlns:a="http://schemas.openxmlformats.org/drawingml/2006/main" xmlns:r="http://schemas.openxmlformats.org/officeDocument/2006/relationships" xmlns:p="http://schemas.openxmlformats.org/presentationml/2006/main">
   <p:cSld>
     <p:spTree>
@@ -11011,7 +11597,7 @@
 </p:sld>
 </file>
 
-<file path=ppt/slides/slide24.xml><?xml version="1.0" encoding="utf-8"?>
+<file path=ppt/slides/slide25.xml><?xml version="1.0" encoding="utf-8"?>
 <p:sld xmlns:a="http://schemas.openxmlformats.org/drawingml/2006/main" xmlns:r="http://schemas.openxmlformats.org/officeDocument/2006/relationships" xmlns:p="http://schemas.openxmlformats.org/presentationml/2006/main">
   <p:cSld>
     <p:spTree>
@@ -11112,7 +11698,7 @@
 </p:sld>
 </file>
 
-<file path=ppt/slides/slide25.xml><?xml version="1.0" encoding="utf-8"?>
+<file path=ppt/slides/slide26.xml><?xml version="1.0" encoding="utf-8"?>
 <p:sld xmlns:a="http://schemas.openxmlformats.org/drawingml/2006/main" xmlns:r="http://schemas.openxmlformats.org/officeDocument/2006/relationships" xmlns:p="http://schemas.openxmlformats.org/presentationml/2006/main">
   <p:cSld>
     <p:spTree>
@@ -12270,7 +12856,7 @@
 </p:sld>
 </file>
 
-<file path=ppt/slides/slide26.xml><?xml version="1.0" encoding="utf-8"?>
+<file path=ppt/slides/slide27.xml><?xml version="1.0" encoding="utf-8"?>
 <p:sld xmlns:a="http://schemas.openxmlformats.org/drawingml/2006/main" xmlns:r="http://schemas.openxmlformats.org/officeDocument/2006/relationships" xmlns:p="http://schemas.openxmlformats.org/presentationml/2006/main">
   <p:cSld>
     <p:spTree>
@@ -12423,7 +13009,7 @@
 </p:sld>
 </file>
 
-<file path=ppt/slides/slide27.xml><?xml version="1.0" encoding="utf-8"?>
+<file path=ppt/slides/slide28.xml><?xml version="1.0" encoding="utf-8"?>
 <p:sld xmlns:a="http://schemas.openxmlformats.org/drawingml/2006/main" xmlns:r="http://schemas.openxmlformats.org/officeDocument/2006/relationships" xmlns:p="http://schemas.openxmlformats.org/presentationml/2006/main">
   <p:cSld>
     <p:spTree>
@@ -12448,8 +13034,8 @@
         </p:nvSpPr>
         <p:spPr>
           <a:xfrm>
-            <a:off x="467544" y="3212976"/>
-            <a:ext cx="3312368" cy="1296144"/>
+            <a:off x="474133" y="3212976"/>
+            <a:ext cx="3330223" cy="1155824"/>
           </a:xfrm>
           <a:prstGeom prst="roundRect">
             <a:avLst/>
@@ -12530,14 +13116,14 @@
             </a:r>
           </a:p>
           <a:p>
-            <a:pPr lvl="1"/>
+            <a:pPr lvl="2"/>
             <a:r>
               <a:rPr lang="es-ES" dirty="0" smtClean="0"/>
               <a:t>Ventajas y desventajas</a:t>
             </a:r>
           </a:p>
           <a:p>
-            <a:pPr lvl="1"/>
+            <a:pPr lvl="2"/>
             <a:r>
               <a:rPr lang="es-ES" dirty="0" smtClean="0"/>
               <a:t>Trabajos futuros</a:t>
@@ -12700,7 +13286,7 @@
 </p:sld>
 </file>
 
-<file path=ppt/slides/slide28.xml><?xml version="1.0" encoding="utf-8"?>
+<file path=ppt/slides/slide29.xml><?xml version="1.0" encoding="utf-8"?>
 <p:sld xmlns:a="http://schemas.openxmlformats.org/drawingml/2006/main" xmlns:r="http://schemas.openxmlformats.org/officeDocument/2006/relationships" xmlns:p="http://schemas.openxmlformats.org/presentationml/2006/main">
   <p:cSld>
     <p:spTree>
@@ -12882,134 +13468,6 @@
 </p:sld>
 </file>
 
-<file path=ppt/slides/slide29.xml><?xml version="1.0" encoding="utf-8"?>
-<p:sld xmlns:a="http://schemas.openxmlformats.org/drawingml/2006/main" xmlns:r="http://schemas.openxmlformats.org/officeDocument/2006/relationships" xmlns:p="http://schemas.openxmlformats.org/presentationml/2006/main">
-  <p:cSld>
-    <p:spTree>
-      <p:nvGrpSpPr>
-        <p:cNvPr id="1" name=""/>
-        <p:cNvGrpSpPr/>
-        <p:nvPr/>
-      </p:nvGrpSpPr>
-      <p:grpSpPr>
-        <a:xfrm>
-          <a:off x="0" y="0"/>
-          <a:ext cx="0" cy="0"/>
-          <a:chOff x="0" y="0"/>
-          <a:chExt cx="0" cy="0"/>
-        </a:xfrm>
-      </p:grpSpPr>
-      <p:sp>
-        <p:nvSpPr>
-          <p:cNvPr id="2" name="1 Título"/>
-          <p:cNvSpPr>
-            <a:spLocks noGrp="1"/>
-          </p:cNvSpPr>
-          <p:nvPr>
-            <p:ph type="title"/>
-          </p:nvPr>
-        </p:nvSpPr>
-        <p:spPr/>
-        <p:txBody>
-          <a:bodyPr/>
-          <a:lstStyle/>
-          <a:p>
-            <a:r>
-              <a:rPr lang="es-ES" dirty="0" smtClean="0"/>
-              <a:t>Trabajos Futuros</a:t>
-            </a:r>
-            <a:endParaRPr lang="es-ES" dirty="0"/>
-          </a:p>
-        </p:txBody>
-      </p:sp>
-      <p:sp>
-        <p:nvSpPr>
-          <p:cNvPr id="3" name="2 Marcador de contenido"/>
-          <p:cNvSpPr>
-            <a:spLocks noGrp="1"/>
-          </p:cNvSpPr>
-          <p:nvPr>
-            <p:ph sz="quarter" idx="1"/>
-          </p:nvPr>
-        </p:nvSpPr>
-        <p:spPr/>
-        <p:txBody>
-          <a:bodyPr/>
-          <a:lstStyle/>
-          <a:p>
-            <a:r>
-              <a:rPr lang="es-ES" dirty="0" smtClean="0"/>
-              <a:t>Mejora de la ontología</a:t>
-            </a:r>
-          </a:p>
-          <a:p>
-            <a:r>
-              <a:rPr lang="es-ES" dirty="0" smtClean="0"/>
-              <a:t>Atributos de los tokens</a:t>
-            </a:r>
-          </a:p>
-          <a:p>
-            <a:r>
-              <a:rPr lang="es-ES" dirty="0" smtClean="0"/>
-              <a:t>Minar QAs desde otros documentos</a:t>
-            </a:r>
-          </a:p>
-          <a:p>
-            <a:r>
-              <a:rPr lang="es-ES" dirty="0" smtClean="0"/>
-              <a:t>Aprendizaje</a:t>
-            </a:r>
-          </a:p>
-          <a:p>
-            <a:r>
-              <a:rPr lang="es-ES" dirty="0" smtClean="0"/>
-              <a:t>Arquitecturas orientadas a aspectos</a:t>
-            </a:r>
-            <a:endParaRPr lang="es-ES" dirty="0"/>
-          </a:p>
-        </p:txBody>
-      </p:sp>
-      <p:pic>
-        <p:nvPicPr>
-          <p:cNvPr id="30725" name="Picture 5" descr="C:\Documents and Settings\Administrador\Configuración local\Archivos temporales de Internet\Content.IE5\5WQ1CSKL\MC900312584[1].wmf"/>
-          <p:cNvPicPr>
-            <a:picLocks noChangeAspect="1" noChangeArrowheads="1"/>
-          </p:cNvPicPr>
-          <p:nvPr/>
-        </p:nvPicPr>
-        <p:blipFill>
-          <a:blip r:embed="rId2" cstate="print"/>
-          <a:srcRect/>
-          <a:stretch>
-            <a:fillRect/>
-          </a:stretch>
-        </p:blipFill>
-        <p:spPr bwMode="auto">
-          <a:xfrm>
-            <a:off x="3635896" y="4293096"/>
-            <a:ext cx="1868119" cy="1522476"/>
-          </a:xfrm>
-          <a:prstGeom prst="rect">
-            <a:avLst/>
-          </a:prstGeom>
-          <a:noFill/>
-        </p:spPr>
-      </p:pic>
-    </p:spTree>
-  </p:cSld>
-  <p:clrMapOvr>
-    <a:masterClrMapping/>
-  </p:clrMapOvr>
-  <p:timing>
-    <p:tnLst>
-      <p:par>
-        <p:cTn id="1" dur="indefinite" restart="never" nodeType="tmRoot"/>
-      </p:par>
-    </p:tnLst>
-  </p:timing>
-</p:sld>
-</file>
-
 <file path=ppt/slides/slide3.xml><?xml version="1.0" encoding="utf-8"?>
 <p:sld xmlns:a="http://schemas.openxmlformats.org/drawingml/2006/main" xmlns:r="http://schemas.openxmlformats.org/officeDocument/2006/relationships" xmlns:p="http://schemas.openxmlformats.org/presentationml/2006/main">
   <p:cSld>
@@ -13036,7 +13494,7 @@
         <p:spPr>
           <a:xfrm>
             <a:off x="467544" y="1340768"/>
-            <a:ext cx="2448272" cy="1296144"/>
+            <a:ext cx="2524012" cy="1165365"/>
           </a:xfrm>
           <a:prstGeom prst="roundRect">
             <a:avLst/>
@@ -13093,14 +13551,14 @@
             </a:r>
           </a:p>
           <a:p>
-            <a:pPr lvl="1"/>
+            <a:pPr lvl="2"/>
             <a:r>
               <a:rPr lang="es-ES" dirty="0" smtClean="0"/>
               <a:t>Contexto </a:t>
             </a:r>
           </a:p>
           <a:p>
-            <a:pPr lvl="1"/>
+            <a:pPr lvl="2"/>
             <a:r>
               <a:rPr lang="es-ES" dirty="0" smtClean="0"/>
               <a:t>Problemática</a:t>
@@ -13321,6 +13779,134 @@
       </p:grpSpPr>
       <p:sp>
         <p:nvSpPr>
+          <p:cNvPr id="2" name="1 Título"/>
+          <p:cNvSpPr>
+            <a:spLocks noGrp="1"/>
+          </p:cNvSpPr>
+          <p:nvPr>
+            <p:ph type="title"/>
+          </p:nvPr>
+        </p:nvSpPr>
+        <p:spPr/>
+        <p:txBody>
+          <a:bodyPr/>
+          <a:lstStyle/>
+          <a:p>
+            <a:r>
+              <a:rPr lang="es-ES" dirty="0" smtClean="0"/>
+              <a:t>Trabajos Futuros</a:t>
+            </a:r>
+            <a:endParaRPr lang="es-ES" dirty="0"/>
+          </a:p>
+        </p:txBody>
+      </p:sp>
+      <p:sp>
+        <p:nvSpPr>
+          <p:cNvPr id="3" name="2 Marcador de contenido"/>
+          <p:cNvSpPr>
+            <a:spLocks noGrp="1"/>
+          </p:cNvSpPr>
+          <p:nvPr>
+            <p:ph sz="quarter" idx="1"/>
+          </p:nvPr>
+        </p:nvSpPr>
+        <p:spPr/>
+        <p:txBody>
+          <a:bodyPr/>
+          <a:lstStyle/>
+          <a:p>
+            <a:r>
+              <a:rPr lang="es-ES" dirty="0" smtClean="0"/>
+              <a:t>Mejora de la ontología</a:t>
+            </a:r>
+          </a:p>
+          <a:p>
+            <a:r>
+              <a:rPr lang="es-ES" dirty="0" smtClean="0"/>
+              <a:t>Atributos de los tokens</a:t>
+            </a:r>
+          </a:p>
+          <a:p>
+            <a:r>
+              <a:rPr lang="es-ES" dirty="0" smtClean="0"/>
+              <a:t>Minar QAs desde otros documentos</a:t>
+            </a:r>
+          </a:p>
+          <a:p>
+            <a:r>
+              <a:rPr lang="es-ES" dirty="0" smtClean="0"/>
+              <a:t>Aprendizaje</a:t>
+            </a:r>
+          </a:p>
+          <a:p>
+            <a:r>
+              <a:rPr lang="es-ES" dirty="0" smtClean="0"/>
+              <a:t>Arquitecturas orientadas a aspectos</a:t>
+            </a:r>
+            <a:endParaRPr lang="es-ES" dirty="0"/>
+          </a:p>
+        </p:txBody>
+      </p:sp>
+      <p:pic>
+        <p:nvPicPr>
+          <p:cNvPr id="30725" name="Picture 5" descr="C:\Documents and Settings\Administrador\Configuración local\Archivos temporales de Internet\Content.IE5\5WQ1CSKL\MC900312584[1].wmf"/>
+          <p:cNvPicPr>
+            <a:picLocks noChangeAspect="1" noChangeArrowheads="1"/>
+          </p:cNvPicPr>
+          <p:nvPr/>
+        </p:nvPicPr>
+        <p:blipFill>
+          <a:blip r:embed="rId2" cstate="print"/>
+          <a:srcRect/>
+          <a:stretch>
+            <a:fillRect/>
+          </a:stretch>
+        </p:blipFill>
+        <p:spPr bwMode="auto">
+          <a:xfrm>
+            <a:off x="3635896" y="4293096"/>
+            <a:ext cx="1868119" cy="1522476"/>
+          </a:xfrm>
+          <a:prstGeom prst="rect">
+            <a:avLst/>
+          </a:prstGeom>
+          <a:noFill/>
+        </p:spPr>
+      </p:pic>
+    </p:spTree>
+  </p:cSld>
+  <p:clrMapOvr>
+    <a:masterClrMapping/>
+  </p:clrMapOvr>
+  <p:timing>
+    <p:tnLst>
+      <p:par>
+        <p:cTn id="1" dur="indefinite" restart="never" nodeType="tmRoot"/>
+      </p:par>
+    </p:tnLst>
+  </p:timing>
+</p:sld>
+</file>
+
+<file path=ppt/slides/slide31.xml><?xml version="1.0" encoding="utf-8"?>
+<p:sld xmlns:a="http://schemas.openxmlformats.org/drawingml/2006/main" xmlns:r="http://schemas.openxmlformats.org/officeDocument/2006/relationships" xmlns:p="http://schemas.openxmlformats.org/presentationml/2006/main">
+  <p:cSld>
+    <p:spTree>
+      <p:nvGrpSpPr>
+        <p:cNvPr id="1" name=""/>
+        <p:cNvGrpSpPr/>
+        <p:nvPr/>
+      </p:nvGrpSpPr>
+      <p:grpSpPr>
+        <a:xfrm>
+          <a:off x="0" y="0"/>
+          <a:ext cx="0" cy="0"/>
+          <a:chOff x="0" y="0"/>
+          <a:chExt cx="0" cy="0"/>
+        </a:xfrm>
+      </p:grpSpPr>
+      <p:sp>
+        <p:nvSpPr>
           <p:cNvPr id="5" name="4 Rectángulo redondeado"/>
           <p:cNvSpPr/>
           <p:nvPr/>
@@ -13483,85 +14069,6 @@
 </p:sld>
 </file>
 
-<file path=ppt/slides/slide31.xml><?xml version="1.0" encoding="utf-8"?>
-<p:sld xmlns:a="http://schemas.openxmlformats.org/drawingml/2006/main" xmlns:r="http://schemas.openxmlformats.org/officeDocument/2006/relationships" xmlns:p="http://schemas.openxmlformats.org/presentationml/2006/main">
-  <p:cSld>
-    <p:spTree>
-      <p:nvGrpSpPr>
-        <p:cNvPr id="1" name=""/>
-        <p:cNvGrpSpPr/>
-        <p:nvPr/>
-      </p:nvGrpSpPr>
-      <p:grpSpPr>
-        <a:xfrm>
-          <a:off x="0" y="0"/>
-          <a:ext cx="0" cy="0"/>
-          <a:chOff x="0" y="0"/>
-          <a:chExt cx="0" cy="0"/>
-        </a:xfrm>
-      </p:grpSpPr>
-      <p:sp>
-        <p:nvSpPr>
-          <p:cNvPr id="2" name="1 Título"/>
-          <p:cNvSpPr>
-            <a:spLocks noGrp="1"/>
-          </p:cNvSpPr>
-          <p:nvPr>
-            <p:ph type="title"/>
-          </p:nvPr>
-        </p:nvSpPr>
-        <p:spPr/>
-        <p:txBody>
-          <a:bodyPr/>
-          <a:lstStyle/>
-          <a:p>
-            <a:pPr algn="ctr"/>
-            <a:r>
-              <a:rPr lang="es-ES" dirty="0" smtClean="0"/>
-              <a:t>Preguntas</a:t>
-            </a:r>
-            <a:endParaRPr lang="es-ES" dirty="0"/>
-          </a:p>
-        </p:txBody>
-      </p:sp>
-      <p:pic>
-        <p:nvPicPr>
-          <p:cNvPr id="14" name="13 Marcador de contenido" descr="preguntas (1).jpg"/>
-          <p:cNvPicPr>
-            <a:picLocks noGrp="1" noChangeAspect="1"/>
-          </p:cNvPicPr>
-          <p:nvPr>
-            <p:ph sz="quarter" idx="1"/>
-          </p:nvPr>
-        </p:nvPicPr>
-        <p:blipFill>
-          <a:blip r:embed="rId2" cstate="print"/>
-          <a:stretch>
-            <a:fillRect/>
-          </a:stretch>
-        </p:blipFill>
-        <p:spPr>
-          <a:xfrm>
-            <a:off x="1079500" y="1782762"/>
-            <a:ext cx="6985000" cy="3810000"/>
-          </a:xfrm>
-        </p:spPr>
-      </p:pic>
-    </p:spTree>
-  </p:cSld>
-  <p:clrMapOvr>
-    <a:masterClrMapping/>
-  </p:clrMapOvr>
-  <p:timing>
-    <p:tnLst>
-      <p:par>
-        <p:cTn id="1" dur="indefinite" restart="never" nodeType="tmRoot"/>
-      </p:par>
-    </p:tnLst>
-  </p:timing>
-</p:sld>
-</file>
-
 <file path=ppt/slides/slide32.xml><?xml version="1.0" encoding="utf-8"?>
 <p:sld xmlns:a="http://schemas.openxmlformats.org/drawingml/2006/main" xmlns:r="http://schemas.openxmlformats.org/officeDocument/2006/relationships" xmlns:p="http://schemas.openxmlformats.org/presentationml/2006/main">
   <p:cSld>
@@ -13594,14 +14101,38 @@
           <a:bodyPr/>
           <a:lstStyle/>
           <a:p>
+            <a:pPr algn="ctr"/>
             <a:r>
               <a:rPr lang="es-ES" dirty="0" smtClean="0"/>
-              <a:t>GRACIAS!!!!</a:t>
+              <a:t>Preguntas</a:t>
             </a:r>
             <a:endParaRPr lang="es-ES" dirty="0"/>
           </a:p>
         </p:txBody>
       </p:sp>
+      <p:pic>
+        <p:nvPicPr>
+          <p:cNvPr id="14" name="13 Marcador de contenido" descr="preguntas (1).jpg"/>
+          <p:cNvPicPr>
+            <a:picLocks noGrp="1" noChangeAspect="1"/>
+          </p:cNvPicPr>
+          <p:nvPr>
+            <p:ph sz="quarter" idx="1"/>
+          </p:nvPr>
+        </p:nvPicPr>
+        <p:blipFill>
+          <a:blip r:embed="rId2" cstate="print"/>
+          <a:stretch>
+            <a:fillRect/>
+          </a:stretch>
+        </p:blipFill>
+        <p:spPr>
+          <a:xfrm>
+            <a:off x="1079500" y="1782762"/>
+            <a:ext cx="6985000" cy="3810000"/>
+          </a:xfrm>
+        </p:spPr>
+      </p:pic>
     </p:spTree>
   </p:cSld>
   <p:clrMapOvr>
@@ -13634,6 +14165,64 @@
           <a:chExt cx="0" cy="0"/>
         </a:xfrm>
       </p:grpSpPr>
+      <p:pic>
+        <p:nvPicPr>
+          <p:cNvPr id="1026" name="Picture 2" descr="C:\Documents and Settings\Administrador\Escritorio\gracias.jpg"/>
+          <p:cNvPicPr>
+            <a:picLocks noChangeAspect="1" noChangeArrowheads="1"/>
+          </p:cNvPicPr>
+          <p:nvPr/>
+        </p:nvPicPr>
+        <p:blipFill>
+          <a:blip r:embed="rId2" cstate="print"/>
+          <a:srcRect/>
+          <a:stretch>
+            <a:fillRect/>
+          </a:stretch>
+        </p:blipFill>
+        <p:spPr bwMode="auto">
+          <a:xfrm>
+            <a:off x="2060750" y="1891419"/>
+            <a:ext cx="5314951" cy="3486150"/>
+          </a:xfrm>
+          <a:prstGeom prst="rect">
+            <a:avLst/>
+          </a:prstGeom>
+          <a:noFill/>
+        </p:spPr>
+      </p:pic>
+    </p:spTree>
+  </p:cSld>
+  <p:clrMapOvr>
+    <a:masterClrMapping/>
+  </p:clrMapOvr>
+  <p:timing>
+    <p:tnLst>
+      <p:par>
+        <p:cTn id="1" dur="indefinite" restart="never" nodeType="tmRoot"/>
+      </p:par>
+    </p:tnLst>
+  </p:timing>
+</p:sld>
+</file>
+
+<file path=ppt/slides/slide34.xml><?xml version="1.0" encoding="utf-8"?>
+<p:sld xmlns:a="http://schemas.openxmlformats.org/drawingml/2006/main" xmlns:r="http://schemas.openxmlformats.org/officeDocument/2006/relationships" xmlns:p="http://schemas.openxmlformats.org/presentationml/2006/main">
+  <p:cSld>
+    <p:spTree>
+      <p:nvGrpSpPr>
+        <p:cNvPr id="1" name=""/>
+        <p:cNvGrpSpPr/>
+        <p:nvPr/>
+      </p:nvGrpSpPr>
+      <p:grpSpPr>
+        <a:xfrm>
+          <a:off x="0" y="0"/>
+          <a:ext cx="0" cy="0"/>
+          <a:chOff x="0" y="0"/>
+          <a:chExt cx="0" cy="0"/>
+        </a:xfrm>
+      </p:grpSpPr>
       <p:sp>
         <p:nvSpPr>
           <p:cNvPr id="2" name="1 Título"/>
@@ -13737,7 +14326,7 @@
             </a:r>
             <a:r>
               <a:rPr lang="es-ES" dirty="0" smtClean="0"/>
-              <a:t>de los aspectos tempranos.</a:t>
+              <a:t>de los aspectos tempranos</a:t>
             </a:r>
           </a:p>
           <a:p>
@@ -13845,7 +14434,15 @@
           <a:p>
             <a:r>
               <a:rPr lang="es-ES" dirty="0" smtClean="0"/>
-              <a:t>Una incorrecta identificación podría llevar al fracaso del sistema debido a los elevados costos de </a:t>
+              <a:t>Una incorrecta identificación podría llevar al fracaso del </a:t>
+            </a:r>
+            <a:r>
+              <a:rPr lang="es-ES" dirty="0" smtClean="0"/>
+              <a:t>sistema </a:t>
+            </a:r>
+            <a:r>
+              <a:rPr lang="es-ES" dirty="0" smtClean="0"/>
+              <a:t>debido a los elevados costos de </a:t>
             </a:r>
             <a:r>
               <a:rPr lang="es-ES" dirty="0" err="1" smtClean="0"/>
@@ -14024,8 +14621,8 @@
         </p:nvSpPr>
         <p:spPr>
           <a:xfrm>
-            <a:off x="467544" y="1844824"/>
-            <a:ext cx="6192688" cy="1224136"/>
+            <a:off x="467543" y="1844824"/>
+            <a:ext cx="6204189" cy="1101576"/>
           </a:xfrm>
           <a:prstGeom prst="roundRect">
             <a:avLst/>
@@ -14067,7 +14664,7 @@
         <p:spPr>
           <a:xfrm>
             <a:off x="457200" y="1268760"/>
-            <a:ext cx="8507288" cy="5472608"/>
+            <a:ext cx="8523088" cy="4924693"/>
           </a:xfrm>
         </p:spPr>
         <p:txBody>
@@ -14088,14 +14685,14 @@
             </a:r>
           </a:p>
           <a:p>
-            <a:pPr lvl="1"/>
+            <a:pPr lvl="2"/>
             <a:r>
               <a:rPr lang="es-ES" dirty="0" smtClean="0"/>
               <a:t>Aspectos tempranos</a:t>
             </a:r>
           </a:p>
           <a:p>
-            <a:pPr lvl="1"/>
+            <a:pPr lvl="2"/>
             <a:r>
               <a:rPr lang="es-ES" dirty="0" smtClean="0"/>
               <a:t>Relación entre QAs y EAs</a:t>
@@ -14177,7 +14774,7 @@
           <p:nvPr/>
         </p:nvPicPr>
         <p:blipFill>
-          <a:blip r:embed="rId2" cstate="print"/>
+          <a:blip r:embed="rId3" cstate="print"/>
           <a:srcRect/>
           <a:stretch>
             <a:fillRect/>
@@ -14369,7 +14966,39 @@
             </a:r>
             <a:r>
               <a:rPr lang="es-AR" dirty="0" smtClean="0"/>
-              <a:t> (Early Aspects, EA) son concerns que se encuentran mezclados en los requerimientos y/o artefactos arquitectónicos del sistema. Por ejemplo: autorización, distribución, etc. </a:t>
+              <a:t> (Early Aspects, EA) son concerns que se encuentran mezclados en los requerimientos y/o artefactos arquitectónicos del sistema. </a:t>
+            </a:r>
+            <a:r>
+              <a:rPr lang="es-AR" dirty="0" smtClean="0"/>
+              <a:t> Por </a:t>
+            </a:r>
+            <a:r>
+              <a:rPr lang="es-AR" dirty="0" smtClean="0"/>
+              <a:t>ejemplo: </a:t>
+            </a:r>
+            <a:r>
+              <a:rPr lang="es-AR" dirty="0" smtClean="0"/>
+              <a:t> autorización</a:t>
+            </a:r>
+            <a:r>
+              <a:rPr lang="es-AR" dirty="0" smtClean="0"/>
+              <a:t>, </a:t>
+            </a:r>
+            <a:r>
+              <a:rPr lang="es-AR" dirty="0" smtClean="0"/>
+              <a:t> distribución</a:t>
+            </a:r>
+            <a:r>
+              <a:rPr lang="es-AR" dirty="0" smtClean="0"/>
+              <a:t>, </a:t>
+            </a:r>
+            <a:r>
+              <a:rPr lang="es-AR" dirty="0" smtClean="0"/>
+              <a:t> etc</a:t>
+            </a:r>
+            <a:r>
+              <a:rPr lang="es-AR" dirty="0" smtClean="0"/>
+              <a:t>. </a:t>
             </a:r>
           </a:p>
           <a:p>

--- a/trunk/Capitulos Finales/FilminasV0.2.pptx
+++ b/trunk/Capitulos Finales/FilminasV0.2.pptx
@@ -232,7 +232,7 @@
             <a:fld id="{42D63BFC-F4BA-48C9-8576-4CE39202FED6}" type="datetimeFigureOut">
               <a:rPr lang="es-ES" smtClean="0"/>
               <a:pPr/>
-              <a:t>16/11/2010</a:t>
+              <a:t>17/11/2010</a:t>
             </a:fld>
             <a:endParaRPr lang="es-ES" dirty="0"/>
           </a:p>
@@ -546,41 +546,15 @@
           <a:p>
             <a:r>
               <a:rPr lang="es-ES_tradnl" dirty="0" smtClean="0"/>
-              <a:t>Presentación</a:t>
+              <a:t>Filmina 1:  Presentación</a:t>
             </a:r>
             <a:r>
               <a:rPr lang="es-ES_tradnl" baseline="0" dirty="0" smtClean="0"/>
               <a:t>: </a:t>
             </a:r>
-          </a:p>
-          <a:p>
-            <a:pPr lvl="1">
-              <a:buFontTx/>
-              <a:buChar char="-"/>
-            </a:pPr>
             <a:r>
               <a:rPr lang="es-ES_tradnl" baseline="0" dirty="0" smtClean="0"/>
-              <a:t>Nosotros</a:t>
-            </a:r>
-          </a:p>
-          <a:p>
-            <a:pPr lvl="1">
-              <a:buFontTx/>
-              <a:buChar char="-"/>
-            </a:pPr>
-            <a:r>
-              <a:rPr lang="es-ES_tradnl" baseline="0" dirty="0" smtClean="0"/>
-              <a:t>Tesis</a:t>
-            </a:r>
-          </a:p>
-          <a:p>
-            <a:pPr lvl="1">
-              <a:buFontTx/>
-              <a:buChar char="-"/>
-            </a:pPr>
-            <a:r>
-              <a:rPr lang="es-ES_tradnl" baseline="0" dirty="0" smtClean="0"/>
-              <a:t> Directores</a:t>
+              <a:t> Nosotros, Tesis , Directores.</a:t>
             </a:r>
             <a:endParaRPr lang="es-ES_tradnl" dirty="0"/>
           </a:p>
@@ -664,6 +638,14 @@
           </a:bodyPr>
           <a:lstStyle/>
           <a:p>
+            <a:r>
+              <a:rPr lang="es-ES_tradnl" dirty="0" smtClean="0"/>
+              <a:t>Bueno, ahora vamos a ver el enfoque propuesto</a:t>
+            </a:r>
+            <a:r>
+              <a:rPr lang="es-ES_tradnl" baseline="0" dirty="0" smtClean="0"/>
+              <a:t>. Primero se describirá la propuesta y luego si, veremos en detalle el proceso que desarrollamos. Por último, se presentará la herramienta que se creo como soporte al enfoque.</a:t>
+            </a:r>
             <a:endParaRPr lang="es-ES_tradnl" dirty="0"/>
           </a:p>
         </p:txBody>
@@ -686,7 +668,7 @@
             <a:fld id="{1872ED1A-74B4-42AE-A5BF-D7540D1CC6CA}" type="slidenum">
               <a:rPr lang="es-ES" smtClean="0"/>
               <a:pPr/>
-              <a:t>11</a:t>
+              <a:t>10</a:t>
             </a:fld>
             <a:endParaRPr lang="es-ES" dirty="0"/>
           </a:p>
@@ -746,45 +728,20 @@
           </a:bodyPr>
           <a:lstStyle/>
           <a:p>
-            <a:pPr marL="0" marR="0" indent="0" algn="l" defTabSz="914400" rtl="0" eaLnBrk="1" fontAlgn="auto" latinLnBrk="0" hangingPunct="1">
-              <a:lnSpc>
-                <a:spcPct val="100000"/>
-              </a:lnSpc>
-              <a:spcBef>
-                <a:spcPts val="0"/>
-              </a:spcBef>
-              <a:spcAft>
-                <a:spcPts val="0"/>
-              </a:spcAft>
-              <a:buClrTx/>
-              <a:buSzTx/>
-              <a:buFontTx/>
-              <a:buNone/>
-              <a:tabLst/>
-              <a:defRPr/>
-            </a:pPr>
-            <a:r>
-              <a:rPr lang="es-AR" sz="1200" kern="1200" dirty="0" smtClean="0">
-                <a:solidFill>
-                  <a:schemeClr val="tx1"/>
-                </a:solidFill>
-                <a:latin typeface="+mn-lt"/>
-                <a:ea typeface="+mn-ea"/>
-                <a:cs typeface="+mn-cs"/>
-              </a:rPr>
-              <a:t>Los actores principales son: el analista, que es el encargado de definir los casos de uso del sistema y, además, quien se beneficia de la salida del proceso; y el experto en el dominio, cuya responsabilidad es desarrollar la ontología para que pueda ser utilizada durante la etapa de análisis.</a:t>
-            </a:r>
-            <a:endParaRPr lang="es-ES_tradnl" sz="1200" kern="1200" dirty="0" smtClean="0">
-              <a:solidFill>
-                <a:schemeClr val="tx1"/>
-              </a:solidFill>
-              <a:latin typeface="+mn-lt"/>
-              <a:ea typeface="+mn-ea"/>
-              <a:cs typeface="+mn-cs"/>
-            </a:endParaRPr>
-          </a:p>
-          <a:p>
-            <a:endParaRPr lang="es-ES_tradnl" dirty="0"/>
+            <a:r>
+              <a:rPr lang="es-ES_tradnl" dirty="0" smtClean="0"/>
+              <a:t>Teniendo</a:t>
+            </a:r>
+            <a:r>
+              <a:rPr lang="es-ES_tradnl" baseline="0" dirty="0" smtClean="0"/>
+              <a:t> en cuenta la relación que mencionaba Francisco anteriormente, entre atributos de calidad y aspectos tempranos, se propone una técnica semiautomática que identifique atributos de calidad a partir de un conjunto de aspectos tempranos y casos de uso, beneficiándose justamente de esa relación.</a:t>
+            </a:r>
+          </a:p>
+          <a:p>
+            <a:r>
+              <a:rPr lang="es-ES_tradnl" baseline="0" dirty="0" smtClean="0"/>
+              <a:t>Además, se propone el desarrollo de una herramienta para soportar esta técnica y que asista al analista en esta tarea.</a:t>
+            </a:r>
           </a:p>
         </p:txBody>
       </p:sp>
@@ -806,7 +763,7 @@
             <a:fld id="{1872ED1A-74B4-42AE-A5BF-D7540D1CC6CA}" type="slidenum">
               <a:rPr lang="es-ES" smtClean="0"/>
               <a:pPr/>
-              <a:t>12</a:t>
+              <a:t>11</a:t>
             </a:fld>
             <a:endParaRPr lang="es-ES" dirty="0"/>
           </a:p>
@@ -866,6 +823,23 @@
           </a:bodyPr>
           <a:lstStyle/>
           <a:p>
+            <a:pPr marL="0" marR="0" indent="0" algn="l" defTabSz="914400" rtl="0" eaLnBrk="1" fontAlgn="auto" latinLnBrk="0" hangingPunct="1">
+              <a:lnSpc>
+                <a:spcPct val="100000"/>
+              </a:lnSpc>
+              <a:spcBef>
+                <a:spcPts val="0"/>
+              </a:spcBef>
+              <a:spcAft>
+                <a:spcPts val="0"/>
+              </a:spcAft>
+              <a:buClrTx/>
+              <a:buSzTx/>
+              <a:buFontTx/>
+              <a:buNone/>
+              <a:tabLst/>
+              <a:defRPr/>
+            </a:pPr>
             <a:r>
               <a:rPr lang="es-AR" sz="1200" kern="1200" dirty="0" smtClean="0">
                 <a:solidFill>
@@ -875,10 +849,10 @@
                 <a:ea typeface="+mn-ea"/>
                 <a:cs typeface="+mn-cs"/>
               </a:rPr>
-              <a:t>Las entradas del proceso son los casos de uso</a:t>
-            </a:r>
-            <a:r>
-              <a:rPr lang="es-ES_tradnl" sz="1200" kern="1200" dirty="0" smtClean="0">
+              <a:t>Bueno, acá vemos un versión simplificada</a:t>
+            </a:r>
+            <a:r>
+              <a:rPr lang="es-AR" sz="1200" kern="1200" baseline="0" dirty="0" smtClean="0">
                 <a:solidFill>
                   <a:schemeClr val="tx1"/>
                 </a:solidFill>
@@ -886,10 +860,10 @@
                 <a:ea typeface="+mn-ea"/>
                 <a:cs typeface="+mn-cs"/>
               </a:rPr>
-              <a:t> y el aspecto temprano que los relaciona. Se asume que el aspecto temprano ha sido previamente identificado por medio de algún </a:t>
-            </a:r>
-            <a:r>
-              <a:rPr lang="es-ES_tradnl" sz="1200" kern="1200" dirty="0" err="1" smtClean="0">
+              <a:t> del proceso donde se observa la entrada (casos de uso y aspectos tempranos) , las dos etapas principales del proceso (Tokens Generation y Tokens </a:t>
+            </a:r>
+            <a:r>
+              <a:rPr lang="es-AR" sz="1200" kern="1200" baseline="0" dirty="0" err="1" smtClean="0">
                 <a:solidFill>
                   <a:schemeClr val="tx1"/>
                 </a:solidFill>
@@ -897,10 +871,10 @@
                 <a:ea typeface="+mn-ea"/>
                 <a:cs typeface="+mn-cs"/>
               </a:rPr>
-              <a:t>tool</a:t>
-            </a:r>
-            <a:r>
-              <a:rPr lang="es-ES_tradnl" sz="1200" kern="1200" dirty="0" smtClean="0">
+              <a:t>Analysis</a:t>
+            </a:r>
+            <a:r>
+              <a:rPr lang="es-AR" sz="1200" kern="1200" baseline="0" dirty="0" smtClean="0">
                 <a:solidFill>
                   <a:schemeClr val="tx1"/>
                 </a:solidFill>
@@ -908,29 +882,7 @@
                 <a:ea typeface="+mn-ea"/>
                 <a:cs typeface="+mn-cs"/>
               </a:rPr>
-              <a:t> de detección de aspectos tempranos. En este trabajo, se utilizó para este propósito la herramienta </a:t>
-            </a:r>
-            <a:r>
-              <a:rPr lang="es-AR" sz="1200" i="1" kern="1200" dirty="0" smtClean="0">
-                <a:solidFill>
-                  <a:schemeClr val="tx1"/>
-                </a:solidFill>
-                <a:latin typeface="+mn-lt"/>
-                <a:ea typeface="+mn-ea"/>
-                <a:cs typeface="+mn-cs"/>
-              </a:rPr>
-              <a:t>Aspect Extractor </a:t>
-            </a:r>
-            <a:r>
-              <a:rPr lang="es-AR" sz="1200" i="1" kern="1200" dirty="0" err="1" smtClean="0">
-                <a:solidFill>
-                  <a:schemeClr val="tx1"/>
-                </a:solidFill>
-                <a:latin typeface="+mn-lt"/>
-                <a:ea typeface="+mn-ea"/>
-                <a:cs typeface="+mn-cs"/>
-              </a:rPr>
-              <a:t>Tool</a:t>
+              <a:t>) , los actores (</a:t>
             </a:r>
             <a:r>
               <a:rPr lang="es-AR" sz="1200" kern="1200" dirty="0" smtClean="0">
@@ -941,10 +893,10 @@
                 <a:ea typeface="+mn-ea"/>
                 <a:cs typeface="+mn-cs"/>
               </a:rPr>
-              <a:t> [8],</a:t>
-            </a:r>
-            <a:r>
-              <a:rPr lang="es-AR" sz="1200" i="1" kern="1200" dirty="0" smtClean="0">
+              <a:t>el analista y el experto)</a:t>
+            </a:r>
+            <a:r>
+              <a:rPr lang="es-AR" sz="1200" kern="1200" baseline="0" dirty="0" smtClean="0">
                 <a:solidFill>
                   <a:schemeClr val="tx1"/>
                 </a:solidFill>
@@ -952,10 +904,10 @@
                 <a:ea typeface="+mn-ea"/>
                 <a:cs typeface="+mn-cs"/>
               </a:rPr>
-              <a:t> </a:t>
-            </a:r>
-            <a:r>
-              <a:rPr lang="es-ES_tradnl" sz="1200" kern="1200" dirty="0" smtClean="0">
+              <a:t>. La salida como se ve en la imagen es un conjunto de </a:t>
+            </a:r>
+            <a:r>
+              <a:rPr lang="es-AR" sz="1200" kern="1200" baseline="0" dirty="0" err="1" smtClean="0">
                 <a:solidFill>
                   <a:schemeClr val="tx1"/>
                 </a:solidFill>
@@ -963,9 +915,60 @@
                 <a:ea typeface="+mn-ea"/>
                 <a:cs typeface="+mn-cs"/>
               </a:rPr>
-              <a:t>la cual identifica un conjunto de aspectos tempranos candidatos a partir de una especificación de requerimientos</a:t>
-            </a:r>
-            <a:endParaRPr lang="es-ES_tradnl" dirty="0" smtClean="0"/>
+              <a:t>QATs</a:t>
+            </a:r>
+            <a:r>
+              <a:rPr lang="es-AR" sz="1200" kern="1200" baseline="0" dirty="0" smtClean="0">
+                <a:solidFill>
+                  <a:schemeClr val="tx1"/>
+                </a:solidFill>
+                <a:latin typeface="+mn-lt"/>
+                <a:ea typeface="+mn-ea"/>
+                <a:cs typeface="+mn-cs"/>
+              </a:rPr>
+              <a:t> o Quality Attribute Theme que básicamente es un conjunto formado por la entrada (aspecto temprano y casos de uso al cual hace referencia el aspecto) y se agrega la información de los atributos de calidad  identificada en el proceso. </a:t>
+            </a:r>
+            <a:r>
+              <a:rPr lang="es-ES_tradnl" sz="1200" kern="1200" baseline="0" dirty="0" smtClean="0">
+                <a:solidFill>
+                  <a:schemeClr val="tx1"/>
+                </a:solidFill>
+                <a:latin typeface="+mn-lt"/>
+                <a:ea typeface="+mn-ea"/>
+                <a:cs typeface="+mn-cs"/>
+              </a:rPr>
+              <a:t>Cada una de estas etapas se </a:t>
+            </a:r>
+            <a:r>
+              <a:rPr lang="es-ES_tradnl" sz="1200" kern="1200" baseline="0" dirty="0" err="1" smtClean="0">
+                <a:solidFill>
+                  <a:schemeClr val="tx1"/>
+                </a:solidFill>
+                <a:latin typeface="+mn-lt"/>
+                <a:ea typeface="+mn-ea"/>
+                <a:cs typeface="+mn-cs"/>
+              </a:rPr>
+              <a:t>veran</a:t>
+            </a:r>
+            <a:r>
+              <a:rPr lang="es-ES_tradnl" sz="1200" kern="1200" baseline="0" dirty="0" smtClean="0">
+                <a:solidFill>
+                  <a:schemeClr val="tx1"/>
+                </a:solidFill>
+                <a:latin typeface="+mn-lt"/>
+                <a:ea typeface="+mn-ea"/>
+                <a:cs typeface="+mn-cs"/>
+              </a:rPr>
+              <a:t> en detalle a continuación.</a:t>
+            </a:r>
+            <a:endParaRPr lang="es-ES_tradnl" sz="1200" kern="1200" dirty="0" smtClean="0">
+              <a:solidFill>
+                <a:schemeClr val="tx1"/>
+              </a:solidFill>
+              <a:latin typeface="+mn-lt"/>
+              <a:ea typeface="+mn-ea"/>
+              <a:cs typeface="+mn-cs"/>
+            </a:endParaRPr>
           </a:p>
           <a:p>
             <a:endParaRPr lang="es-ES_tradnl" dirty="0"/>
@@ -990,7 +993,7 @@
             <a:fld id="{1872ED1A-74B4-42AE-A5BF-D7540D1CC6CA}" type="slidenum">
               <a:rPr lang="es-ES" smtClean="0"/>
               <a:pPr/>
-              <a:t>13</a:t>
+              <a:t>12</a:t>
             </a:fld>
             <a:endParaRPr lang="es-ES" dirty="0"/>
           </a:p>
@@ -1050,6 +1053,332 @@
           </a:bodyPr>
           <a:lstStyle/>
           <a:p>
+            <a:r>
+              <a:rPr lang="es-AR" sz="1200" kern="1200" dirty="0" smtClean="0">
+                <a:solidFill>
+                  <a:schemeClr val="tx1"/>
+                </a:solidFill>
+                <a:latin typeface="+mn-lt"/>
+                <a:ea typeface="+mn-ea"/>
+                <a:cs typeface="+mn-cs"/>
+              </a:rPr>
+              <a:t>Las entradas </a:t>
+            </a:r>
+            <a:r>
+              <a:rPr lang="es-AR" sz="1200" kern="1200" dirty="0" smtClean="0">
+                <a:solidFill>
+                  <a:schemeClr val="tx1"/>
+                </a:solidFill>
+                <a:latin typeface="+mn-lt"/>
+                <a:ea typeface="+mn-ea"/>
+                <a:cs typeface="+mn-cs"/>
+              </a:rPr>
+              <a:t>al </a:t>
+            </a:r>
+            <a:r>
+              <a:rPr lang="es-AR" sz="1200" kern="1200" dirty="0" smtClean="0">
+                <a:solidFill>
+                  <a:schemeClr val="tx1"/>
+                </a:solidFill>
+                <a:latin typeface="+mn-lt"/>
+                <a:ea typeface="+mn-ea"/>
+                <a:cs typeface="+mn-cs"/>
+              </a:rPr>
+              <a:t>proceso </a:t>
+            </a:r>
+            <a:r>
+              <a:rPr lang="es-AR" sz="1200" kern="1200" dirty="0" smtClean="0">
+                <a:solidFill>
+                  <a:schemeClr val="tx1"/>
+                </a:solidFill>
+                <a:latin typeface="+mn-lt"/>
+                <a:ea typeface="+mn-ea"/>
+                <a:cs typeface="+mn-cs"/>
+              </a:rPr>
+              <a:t>son: </a:t>
+            </a:r>
+            <a:r>
+              <a:rPr lang="es-AR" sz="1200" kern="1200" dirty="0" smtClean="0">
+                <a:solidFill>
+                  <a:schemeClr val="tx1"/>
+                </a:solidFill>
+                <a:latin typeface="+mn-lt"/>
+                <a:ea typeface="+mn-ea"/>
+                <a:cs typeface="+mn-cs"/>
+              </a:rPr>
+              <a:t>los casos de uso</a:t>
+            </a:r>
+            <a:r>
+              <a:rPr lang="es-ES_tradnl" sz="1200" kern="1200" dirty="0" smtClean="0">
+                <a:solidFill>
+                  <a:schemeClr val="tx1"/>
+                </a:solidFill>
+                <a:latin typeface="+mn-lt"/>
+                <a:ea typeface="+mn-ea"/>
+                <a:cs typeface="+mn-cs"/>
+              </a:rPr>
+              <a:t> y el aspecto temprano que los relaciona. </a:t>
+            </a:r>
+            <a:r>
+              <a:rPr lang="es-ES_tradnl" sz="1200" kern="1200" dirty="0" smtClean="0">
+                <a:solidFill>
+                  <a:schemeClr val="tx1"/>
+                </a:solidFill>
+                <a:latin typeface="+mn-lt"/>
+                <a:ea typeface="+mn-ea"/>
+                <a:cs typeface="+mn-cs"/>
+              </a:rPr>
+              <a:t>Los casos de uso</a:t>
+            </a:r>
+            <a:r>
+              <a:rPr lang="es-ES_tradnl" sz="1200" kern="1200" baseline="0" dirty="0" smtClean="0">
+                <a:solidFill>
+                  <a:schemeClr val="tx1"/>
+                </a:solidFill>
+                <a:latin typeface="+mn-lt"/>
+                <a:ea typeface="+mn-ea"/>
+                <a:cs typeface="+mn-cs"/>
+              </a:rPr>
+              <a:t> provienen de la especificación de requerimientos, mientras que </a:t>
+            </a:r>
+            <a:r>
+              <a:rPr lang="es-ES_tradnl" dirty="0" smtClean="0"/>
+              <a:t>el </a:t>
+            </a:r>
+            <a:r>
+              <a:rPr lang="es-ES_tradnl" sz="1200" kern="1200" dirty="0" smtClean="0">
+                <a:solidFill>
+                  <a:schemeClr val="tx1"/>
+                </a:solidFill>
+                <a:latin typeface="+mn-lt"/>
+                <a:ea typeface="+mn-ea"/>
+                <a:cs typeface="+mn-cs"/>
+              </a:rPr>
+              <a:t>aspecto </a:t>
+            </a:r>
+            <a:r>
+              <a:rPr lang="es-ES_tradnl" sz="1200" kern="1200" dirty="0" smtClean="0">
+                <a:solidFill>
+                  <a:schemeClr val="tx1"/>
+                </a:solidFill>
+                <a:latin typeface="+mn-lt"/>
+                <a:ea typeface="+mn-ea"/>
+                <a:cs typeface="+mn-cs"/>
+              </a:rPr>
+              <a:t>temprano ha sido previamente identificado por medio de algún </a:t>
+            </a:r>
+            <a:r>
+              <a:rPr lang="es-ES_tradnl" sz="1200" kern="1200" dirty="0" err="1" smtClean="0">
+                <a:solidFill>
+                  <a:schemeClr val="tx1"/>
+                </a:solidFill>
+                <a:latin typeface="+mn-lt"/>
+                <a:ea typeface="+mn-ea"/>
+                <a:cs typeface="+mn-cs"/>
+              </a:rPr>
+              <a:t>tool</a:t>
+            </a:r>
+            <a:r>
+              <a:rPr lang="es-ES_tradnl" sz="1200" kern="1200" dirty="0" smtClean="0">
+                <a:solidFill>
+                  <a:schemeClr val="tx1"/>
+                </a:solidFill>
+                <a:latin typeface="+mn-lt"/>
+                <a:ea typeface="+mn-ea"/>
+                <a:cs typeface="+mn-cs"/>
+              </a:rPr>
+              <a:t> de detección de aspectos tempranos. En este trabajo, se utilizó para este propósito la herramienta </a:t>
+            </a:r>
+            <a:r>
+              <a:rPr lang="es-AR" sz="1200" i="1" kern="1200" dirty="0" smtClean="0">
+                <a:solidFill>
+                  <a:schemeClr val="tx1"/>
+                </a:solidFill>
+                <a:latin typeface="+mn-lt"/>
+                <a:ea typeface="+mn-ea"/>
+                <a:cs typeface="+mn-cs"/>
+              </a:rPr>
+              <a:t>Aspect Extractor </a:t>
+            </a:r>
+            <a:r>
+              <a:rPr lang="es-AR" sz="1200" i="1" kern="1200" dirty="0" err="1" smtClean="0">
+                <a:solidFill>
+                  <a:schemeClr val="tx1"/>
+                </a:solidFill>
+                <a:latin typeface="+mn-lt"/>
+                <a:ea typeface="+mn-ea"/>
+                <a:cs typeface="+mn-cs"/>
+              </a:rPr>
+              <a:t>Tool</a:t>
+            </a:r>
+            <a:r>
+              <a:rPr lang="es-AR" sz="1200" kern="1200" dirty="0" smtClean="0">
+                <a:solidFill>
+                  <a:schemeClr val="tx1"/>
+                </a:solidFill>
+                <a:latin typeface="+mn-lt"/>
+                <a:ea typeface="+mn-ea"/>
+                <a:cs typeface="+mn-cs"/>
+              </a:rPr>
+              <a:t>,</a:t>
+            </a:r>
+            <a:r>
+              <a:rPr lang="es-AR" sz="1200" i="1" kern="1200" dirty="0" smtClean="0">
+                <a:solidFill>
+                  <a:schemeClr val="tx1"/>
+                </a:solidFill>
+                <a:latin typeface="+mn-lt"/>
+                <a:ea typeface="+mn-ea"/>
+                <a:cs typeface="+mn-cs"/>
+              </a:rPr>
+              <a:t> </a:t>
+            </a:r>
+            <a:r>
+              <a:rPr lang="es-ES_tradnl" sz="1200" kern="1200" dirty="0" smtClean="0">
+                <a:solidFill>
+                  <a:schemeClr val="tx1"/>
+                </a:solidFill>
+                <a:latin typeface="+mn-lt"/>
+                <a:ea typeface="+mn-ea"/>
+                <a:cs typeface="+mn-cs"/>
+              </a:rPr>
+              <a:t>la cual </a:t>
+            </a:r>
+            <a:r>
+              <a:rPr lang="es-ES_tradnl" sz="1200" kern="1200" dirty="0" smtClean="0">
+                <a:solidFill>
+                  <a:schemeClr val="tx1"/>
+                </a:solidFill>
+                <a:latin typeface="+mn-lt"/>
+                <a:ea typeface="+mn-ea"/>
+                <a:cs typeface="+mn-cs"/>
+              </a:rPr>
+              <a:t>es una herramienta </a:t>
+            </a:r>
+            <a:r>
+              <a:rPr lang="es-ES_tradnl" sz="1200" kern="1200" dirty="0" err="1" smtClean="0">
+                <a:solidFill>
+                  <a:schemeClr val="tx1"/>
+                </a:solidFill>
+                <a:latin typeface="+mn-lt"/>
+                <a:ea typeface="+mn-ea"/>
+                <a:cs typeface="+mn-cs"/>
+              </a:rPr>
+              <a:t>semi</a:t>
+            </a:r>
+            <a:r>
+              <a:rPr lang="es-ES_tradnl" sz="1200" kern="1200" dirty="0" smtClean="0">
+                <a:solidFill>
+                  <a:schemeClr val="tx1"/>
+                </a:solidFill>
+                <a:latin typeface="+mn-lt"/>
+                <a:ea typeface="+mn-ea"/>
+                <a:cs typeface="+mn-cs"/>
+              </a:rPr>
+              <a:t>-automatizada para identificar un </a:t>
+            </a:r>
+            <a:r>
+              <a:rPr lang="es-ES_tradnl" sz="1200" kern="1200" dirty="0" smtClean="0">
+                <a:solidFill>
+                  <a:schemeClr val="tx1"/>
+                </a:solidFill>
+                <a:latin typeface="+mn-lt"/>
+                <a:ea typeface="+mn-ea"/>
+                <a:cs typeface="+mn-cs"/>
+              </a:rPr>
+              <a:t>conjunto de aspectos tempranos candidatos a partir de </a:t>
+            </a:r>
+            <a:r>
+              <a:rPr lang="es-ES_tradnl" sz="1200" kern="1200" dirty="0" smtClean="0">
+                <a:solidFill>
+                  <a:schemeClr val="tx1"/>
+                </a:solidFill>
+                <a:latin typeface="+mn-lt"/>
+                <a:ea typeface="+mn-ea"/>
+                <a:cs typeface="+mn-cs"/>
+              </a:rPr>
+              <a:t>un conjunto de casos </a:t>
+            </a:r>
+            <a:r>
+              <a:rPr lang="es-ES_tradnl" sz="1200" kern="1200" dirty="0" err="1" smtClean="0">
+                <a:solidFill>
+                  <a:schemeClr val="tx1"/>
+                </a:solidFill>
+                <a:latin typeface="+mn-lt"/>
+                <a:ea typeface="+mn-ea"/>
+                <a:cs typeface="+mn-cs"/>
+              </a:rPr>
+              <a:t>deuso</a:t>
+            </a:r>
+            <a:r>
+              <a:rPr lang="es-ES_tradnl" sz="1200" kern="1200" dirty="0" smtClean="0">
+                <a:solidFill>
+                  <a:schemeClr val="tx1"/>
+                </a:solidFill>
+                <a:latin typeface="+mn-lt"/>
+                <a:ea typeface="+mn-ea"/>
+                <a:cs typeface="+mn-cs"/>
+              </a:rPr>
+              <a:t>. Esta herramienta fue realizada</a:t>
+            </a:r>
+            <a:r>
+              <a:rPr lang="es-ES_tradnl" sz="1200" kern="1200" baseline="0" dirty="0" smtClean="0">
+                <a:solidFill>
+                  <a:schemeClr val="tx1"/>
+                </a:solidFill>
+                <a:latin typeface="+mn-lt"/>
+                <a:ea typeface="+mn-ea"/>
+                <a:cs typeface="+mn-cs"/>
+              </a:rPr>
+              <a:t> acá en la facultada para otras tesis de grado, justamente se utiliza la última versión de esta </a:t>
+            </a:r>
+            <a:r>
+              <a:rPr lang="es-ES_tradnl" sz="1200" kern="1200" baseline="0" dirty="0" err="1" smtClean="0">
+                <a:solidFill>
+                  <a:schemeClr val="tx1"/>
+                </a:solidFill>
+                <a:latin typeface="+mn-lt"/>
+                <a:ea typeface="+mn-ea"/>
+                <a:cs typeface="+mn-cs"/>
+              </a:rPr>
+              <a:t>tool</a:t>
+            </a:r>
+            <a:r>
+              <a:rPr lang="es-ES_tradnl" sz="1200" kern="1200" baseline="0" dirty="0" smtClean="0">
+                <a:solidFill>
+                  <a:schemeClr val="tx1"/>
+                </a:solidFill>
+                <a:latin typeface="+mn-lt"/>
+                <a:ea typeface="+mn-ea"/>
+                <a:cs typeface="+mn-cs"/>
+              </a:rPr>
+              <a:t> desarrollada por el Ing./Futuro Doctor Alejando “el capo aspecto” </a:t>
+            </a:r>
+            <a:r>
+              <a:rPr lang="es-ES_tradnl" sz="1200" kern="1200" baseline="0" dirty="0" err="1" smtClean="0">
+                <a:solidFill>
+                  <a:schemeClr val="tx1"/>
+                </a:solidFill>
+                <a:latin typeface="+mn-lt"/>
+                <a:ea typeface="+mn-ea"/>
+                <a:cs typeface="+mn-cs"/>
+              </a:rPr>
+              <a:t>Rago</a:t>
+            </a:r>
+            <a:r>
+              <a:rPr lang="es-ES_tradnl" sz="1200" kern="1200" baseline="0" dirty="0" smtClean="0">
+                <a:solidFill>
+                  <a:schemeClr val="tx1"/>
+                </a:solidFill>
+                <a:latin typeface="+mn-lt"/>
+                <a:ea typeface="+mn-ea"/>
+                <a:cs typeface="+mn-cs"/>
+              </a:rPr>
+              <a:t>. </a:t>
+            </a:r>
+            <a:endParaRPr lang="es-ES_tradnl" dirty="0" smtClean="0"/>
+          </a:p>
+          <a:p>
             <a:endParaRPr lang="es-ES_tradnl" dirty="0"/>
           </a:p>
         </p:txBody>
@@ -1072,7 +1401,7 @@
             <a:fld id="{1872ED1A-74B4-42AE-A5BF-D7540D1CC6CA}" type="slidenum">
               <a:rPr lang="es-ES" smtClean="0"/>
               <a:pPr/>
-              <a:t>14</a:t>
+              <a:t>13</a:t>
             </a:fld>
             <a:endParaRPr lang="es-ES" dirty="0"/>
           </a:p>
@@ -1134,19 +1463,11 @@
           <a:p>
             <a:r>
               <a:rPr lang="es-ES_tradnl" dirty="0" smtClean="0"/>
-              <a:t>La</a:t>
+              <a:t>Ahora</a:t>
             </a:r>
             <a:r>
               <a:rPr lang="es-ES_tradnl" baseline="0" dirty="0" smtClean="0"/>
-              <a:t> etapa </a:t>
-            </a:r>
-            <a:r>
-              <a:rPr lang="es-ES_tradnl" baseline="0" dirty="0" err="1" smtClean="0"/>
-              <a:t>Tokens</a:t>
-            </a:r>
-            <a:r>
-              <a:rPr lang="es-ES_tradnl" baseline="0" dirty="0" smtClean="0"/>
-              <a:t> </a:t>
+              <a:t> vamos a ver la primer etapa del proceso que es Tokens </a:t>
             </a:r>
             <a:r>
               <a:rPr lang="es-ES_tradnl" baseline="0" dirty="0" err="1" smtClean="0"/>
@@ -1154,7 +1475,7 @@
             </a:r>
             <a:r>
               <a:rPr lang="es-ES_tradnl" baseline="0" dirty="0" smtClean="0"/>
-              <a:t> tiene como objetivo </a:t>
+              <a:t>.</a:t>
             </a:r>
             <a:endParaRPr lang="es-ES_tradnl" dirty="0"/>
           </a:p>
@@ -1178,7 +1499,7 @@
             <a:fld id="{1872ED1A-74B4-42AE-A5BF-D7540D1CC6CA}" type="slidenum">
               <a:rPr lang="es-ES" smtClean="0"/>
               <a:pPr/>
-              <a:t>15</a:t>
+              <a:t>14</a:t>
             </a:fld>
             <a:endParaRPr lang="es-ES" dirty="0"/>
           </a:p>
@@ -1238,132 +1559,78 @@
           </a:bodyPr>
           <a:lstStyle/>
           <a:p>
-            <a:pPr marL="0" marR="0" indent="0" algn="l" defTabSz="914400" rtl="0" eaLnBrk="1" fontAlgn="auto" latinLnBrk="0" hangingPunct="1">
-              <a:lnSpc>
-                <a:spcPct val="100000"/>
-              </a:lnSpc>
-              <a:spcBef>
-                <a:spcPts val="0"/>
-              </a:spcBef>
-              <a:spcAft>
-                <a:spcPts val="0"/>
-              </a:spcAft>
-              <a:buClrTx/>
-              <a:buSzTx/>
-              <a:buFontTx/>
-              <a:buNone/>
-              <a:tabLst/>
-              <a:defRPr/>
-            </a:pPr>
-            <a:r>
-              <a:rPr lang="es-AR" sz="1200" kern="1200" dirty="0" smtClean="0">
-                <a:solidFill>
-                  <a:schemeClr val="tx1"/>
-                </a:solidFill>
-                <a:latin typeface="+mn-lt"/>
-                <a:ea typeface="+mn-ea"/>
-                <a:cs typeface="+mn-cs"/>
-              </a:rPr>
-              <a:t>Como soporte a este proceso se ha desarrollado una herramienta, denominada </a:t>
-            </a:r>
-            <a:r>
-              <a:rPr lang="es-AR" sz="1200" i="1" kern="1200" dirty="0" smtClean="0">
-                <a:solidFill>
-                  <a:schemeClr val="tx1"/>
-                </a:solidFill>
-                <a:latin typeface="+mn-lt"/>
-                <a:ea typeface="+mn-ea"/>
-                <a:cs typeface="+mn-cs"/>
-              </a:rPr>
-              <a:t>QA </a:t>
-            </a:r>
-            <a:r>
-              <a:rPr lang="es-AR" sz="1200" i="1" kern="1200" dirty="0" err="1" smtClean="0">
-                <a:solidFill>
-                  <a:schemeClr val="tx1"/>
-                </a:solidFill>
-                <a:latin typeface="+mn-lt"/>
-                <a:ea typeface="+mn-ea"/>
-                <a:cs typeface="+mn-cs"/>
-              </a:rPr>
-              <a:t>Miner</a:t>
-            </a:r>
-            <a:r>
-              <a:rPr lang="es-AR" sz="1200" kern="1200" dirty="0" smtClean="0">
-                <a:solidFill>
-                  <a:schemeClr val="tx1"/>
-                </a:solidFill>
-                <a:latin typeface="+mn-lt"/>
-                <a:ea typeface="+mn-ea"/>
-                <a:cs typeface="+mn-cs"/>
-              </a:rPr>
-              <a:t>, la cual es un </a:t>
-            </a:r>
-            <a:r>
-              <a:rPr lang="es-AR" sz="1200" i="1" kern="1200" dirty="0" err="1" smtClean="0">
-                <a:solidFill>
-                  <a:schemeClr val="tx1"/>
-                </a:solidFill>
-                <a:latin typeface="+mn-lt"/>
-                <a:ea typeface="+mn-ea"/>
-                <a:cs typeface="+mn-cs"/>
-              </a:rPr>
-              <a:t>plugin</a:t>
-            </a:r>
-            <a:r>
-              <a:rPr lang="es-AR" sz="1200" kern="1200" dirty="0" smtClean="0">
-                <a:solidFill>
-                  <a:schemeClr val="tx1"/>
-                </a:solidFill>
-                <a:latin typeface="+mn-lt"/>
-                <a:ea typeface="+mn-ea"/>
-                <a:cs typeface="+mn-cs"/>
-              </a:rPr>
-              <a:t> de Eclipse. Esta herramienta permite al analista seleccionar como entrada el aspecto temprano que desea analizar, junto a los casos de uso que los relaciona. Mediante </a:t>
-            </a:r>
-            <a:r>
-              <a:rPr lang="es-AR" sz="1200" i="1" kern="1200" dirty="0" smtClean="0">
-                <a:solidFill>
-                  <a:schemeClr val="tx1"/>
-                </a:solidFill>
-                <a:latin typeface="+mn-lt"/>
-                <a:ea typeface="+mn-ea"/>
-                <a:cs typeface="+mn-cs"/>
-              </a:rPr>
-              <a:t>QA </a:t>
-            </a:r>
-            <a:r>
-              <a:rPr lang="es-AR" sz="1200" i="1" kern="1200" dirty="0" err="1" smtClean="0">
-                <a:solidFill>
-                  <a:schemeClr val="tx1"/>
-                </a:solidFill>
-                <a:latin typeface="+mn-lt"/>
-                <a:ea typeface="+mn-ea"/>
-                <a:cs typeface="+mn-cs"/>
-              </a:rPr>
-              <a:t>Miner</a:t>
-            </a:r>
-            <a:r>
-              <a:rPr lang="es-AR" sz="1200" kern="1200" dirty="0" smtClean="0">
-                <a:solidFill>
-                  <a:schemeClr val="tx1"/>
-                </a:solidFill>
-                <a:latin typeface="+mn-lt"/>
-                <a:ea typeface="+mn-ea"/>
-                <a:cs typeface="+mn-cs"/>
-              </a:rPr>
-              <a:t>, el analista podrá contar con información acerca de los atributos de calidad identificados para el conjunto de datos de entrada. Es decir, para cada aspecto temprano del sistema, se muestra un ranking de porcentajes, con un atributo de calidad cada uno, indicando el grado de relación entre ese aspecto temprano y los distintos atributos de calidad presentes en la ontología. De esta manera, el analista podrá seleccionar los atributos de calidad destacados, para tenerlos en cuenta en las etapas siguientes del ciclo de desarrollo.</a:t>
-            </a:r>
-            <a:endParaRPr lang="es-ES_tradnl" sz="1200" kern="1200" dirty="0" smtClean="0">
-              <a:solidFill>
-                <a:schemeClr val="tx1"/>
-              </a:solidFill>
-              <a:latin typeface="+mn-lt"/>
-              <a:ea typeface="+mn-ea"/>
-              <a:cs typeface="+mn-cs"/>
-            </a:endParaRPr>
-          </a:p>
-          <a:p>
+            <a:r>
+              <a:rPr lang="es-ES_tradnl" dirty="0" smtClean="0"/>
+              <a:t>Básicamente,</a:t>
+            </a:r>
+            <a:r>
+              <a:rPr lang="es-ES_tradnl" baseline="0" dirty="0" smtClean="0"/>
+              <a:t> en esta etapa hay dos actividad. En la primer actividad, “Input </a:t>
+            </a:r>
+            <a:r>
+              <a:rPr lang="es-ES_tradnl" baseline="0" dirty="0" err="1" smtClean="0"/>
+              <a:t>Processor</a:t>
+            </a:r>
+            <a:r>
+              <a:rPr lang="es-ES_tradnl" baseline="0" dirty="0" smtClean="0"/>
+              <a:t>”, se analiza la entrada y separa los textos en tokens. Un token es una unidad de información formada por una palabra y un conjunto de propiedades.  A partir de esta actividad se generan dos listas, una de tokens extraídos de los casos de uso y otra lista del aspecto temprano. Estas listas ingresan a la segunda actividad, “Tokens </a:t>
+            </a:r>
+            <a:r>
+              <a:rPr lang="es-ES_tradnl" baseline="0" dirty="0" err="1" smtClean="0"/>
+              <a:t>Filter</a:t>
+            </a:r>
+            <a:r>
+              <a:rPr lang="es-ES_tradnl" baseline="0" dirty="0" smtClean="0"/>
+              <a:t>”, en donde se aplican una serie de filtros que transformaran los tokens de las listas. Los filtros que se han definido los siguientes: </a:t>
+            </a:r>
+            <a:r>
+              <a:rPr lang="es-ES_tradnl" baseline="0" dirty="0" err="1" smtClean="0"/>
+              <a:t>Lower</a:t>
+            </a:r>
+            <a:r>
+              <a:rPr lang="es-ES_tradnl" baseline="0" dirty="0" smtClean="0"/>
+              <a:t> Case </a:t>
+            </a:r>
+            <a:r>
+              <a:rPr lang="es-ES_tradnl" baseline="0" dirty="0" err="1" smtClean="0"/>
+              <a:t>Filter</a:t>
+            </a:r>
+            <a:r>
+              <a:rPr lang="es-ES_tradnl" baseline="0" dirty="0" smtClean="0"/>
+              <a:t>, en donde se pasan las palabras de los tokens a minúscula. Stop </a:t>
+            </a:r>
+            <a:r>
+              <a:rPr lang="es-ES_tradnl" baseline="0" dirty="0" err="1" smtClean="0"/>
+              <a:t>Words</a:t>
+            </a:r>
+            <a:r>
+              <a:rPr lang="es-ES_tradnl" baseline="0" dirty="0" smtClean="0"/>
+              <a:t> </a:t>
+            </a:r>
+            <a:r>
+              <a:rPr lang="es-ES_tradnl" baseline="0" dirty="0" err="1" smtClean="0"/>
+              <a:t>filter</a:t>
+            </a:r>
+            <a:r>
+              <a:rPr lang="es-ES_tradnl" baseline="0" dirty="0" smtClean="0"/>
+              <a:t> en donde se eliminan los tokens cuya palabra sea considerada Stop-Word (un stop </a:t>
+            </a:r>
+            <a:r>
+              <a:rPr lang="es-ES_tradnl" baseline="0" dirty="0" err="1" smtClean="0"/>
+              <a:t>word</a:t>
+            </a:r>
+            <a:r>
+              <a:rPr lang="es-ES_tradnl" baseline="0" dirty="0" smtClean="0"/>
+              <a:t> es una palabra irrelevante para el análisis, artículos preposiciones, etc.) , luego el filtro de </a:t>
+            </a:r>
+            <a:r>
+              <a:rPr lang="es-ES_tradnl" baseline="0" dirty="0" err="1" smtClean="0"/>
+              <a:t>stem</a:t>
+            </a:r>
+            <a:r>
+              <a:rPr lang="es-ES_tradnl" baseline="0" dirty="0" smtClean="0"/>
+              <a:t> en donde se lleva la palabra a su raíz. Luego esta el filtro de pesos, en donde se da un peso el token de acuerdo a la sección del caso de uso donde aparezca. Por último se eliminan los tokens duplicados y se agrega la propiedad de número de ocurrencias.</a:t>
+            </a:r>
             <a:endParaRPr lang="es-ES_tradnl" dirty="0"/>
           </a:p>
         </p:txBody>
@@ -1386,7 +1653,7 @@
             <a:fld id="{1872ED1A-74B4-42AE-A5BF-D7540D1CC6CA}" type="slidenum">
               <a:rPr lang="es-ES" smtClean="0"/>
               <a:pPr/>
-              <a:t>20</a:t>
+              <a:t>15</a:t>
             </a:fld>
             <a:endParaRPr lang="es-ES" dirty="0"/>
           </a:p>
@@ -1468,7 +1735,387 @@
             <a:fld id="{1872ED1A-74B4-42AE-A5BF-D7540D1CC6CA}" type="slidenum">
               <a:rPr lang="es-ES" smtClean="0"/>
               <a:pPr/>
+              <a:t>16</a:t>
+            </a:fld>
+            <a:endParaRPr lang="es-ES" dirty="0"/>
+          </a:p>
+        </p:txBody>
+      </p:sp>
+    </p:spTree>
+  </p:cSld>
+  <p:clrMapOvr>
+    <a:masterClrMapping/>
+  </p:clrMapOvr>
+</p:notes>
+</file>
+
+<file path=ppt/notesSlides/notesSlide17.xml><?xml version="1.0" encoding="utf-8"?>
+<p:notes xmlns:a="http://schemas.openxmlformats.org/drawingml/2006/main" xmlns:r="http://schemas.openxmlformats.org/officeDocument/2006/relationships" xmlns:p="http://schemas.openxmlformats.org/presentationml/2006/main">
+  <p:cSld>
+    <p:spTree>
+      <p:nvGrpSpPr>
+        <p:cNvPr id="1" name=""/>
+        <p:cNvGrpSpPr/>
+        <p:nvPr/>
+      </p:nvGrpSpPr>
+      <p:grpSpPr>
+        <a:xfrm>
+          <a:off x="0" y="0"/>
+          <a:ext cx="0" cy="0"/>
+          <a:chOff x="0" y="0"/>
+          <a:chExt cx="0" cy="0"/>
+        </a:xfrm>
+      </p:grpSpPr>
+      <p:sp>
+        <p:nvSpPr>
+          <p:cNvPr id="2" name="1 Marcador de imagen de diapositiva"/>
+          <p:cNvSpPr>
+            <a:spLocks noGrp="1" noRot="1" noChangeAspect="1"/>
+          </p:cNvSpPr>
+          <p:nvPr>
+            <p:ph type="sldImg"/>
+          </p:nvPr>
+        </p:nvSpPr>
+        <p:spPr/>
+      </p:sp>
+      <p:sp>
+        <p:nvSpPr>
+          <p:cNvPr id="3" name="2 Marcador de notas"/>
+          <p:cNvSpPr>
+            <a:spLocks noGrp="1"/>
+          </p:cNvSpPr>
+          <p:nvPr>
+            <p:ph type="body" idx="1"/>
+          </p:nvPr>
+        </p:nvSpPr>
+        <p:spPr/>
+        <p:txBody>
+          <a:bodyPr>
+            <a:normAutofit/>
+          </a:bodyPr>
+          <a:lstStyle/>
+          <a:p>
+            <a:pPr marL="0" marR="0" indent="0" algn="l" defTabSz="914400" rtl="0" eaLnBrk="1" fontAlgn="auto" latinLnBrk="0" hangingPunct="1">
+              <a:lnSpc>
+                <a:spcPct val="100000"/>
+              </a:lnSpc>
+              <a:spcBef>
+                <a:spcPts val="0"/>
+              </a:spcBef>
+              <a:spcAft>
+                <a:spcPts val="0"/>
+              </a:spcAft>
+              <a:buClrTx/>
+              <a:buSzTx/>
+              <a:buFontTx/>
+              <a:buNone/>
+              <a:tabLst/>
+              <a:defRPr/>
+            </a:pPr>
+            <a:r>
+              <a:rPr lang="es-AR" sz="1200" kern="1200" dirty="0" smtClean="0">
+                <a:solidFill>
+                  <a:schemeClr val="tx1"/>
+                </a:solidFill>
+                <a:latin typeface="+mn-lt"/>
+                <a:ea typeface="+mn-ea"/>
+                <a:cs typeface="+mn-cs"/>
+              </a:rPr>
+              <a:t>Como soporte a este proceso se ha desarrollado una herramienta, denominada </a:t>
+            </a:r>
+            <a:r>
+              <a:rPr lang="es-AR" sz="1200" i="1" kern="1200" dirty="0" smtClean="0">
+                <a:solidFill>
+                  <a:schemeClr val="tx1"/>
+                </a:solidFill>
+                <a:latin typeface="+mn-lt"/>
+                <a:ea typeface="+mn-ea"/>
+                <a:cs typeface="+mn-cs"/>
+              </a:rPr>
+              <a:t>QA </a:t>
+            </a:r>
+            <a:r>
+              <a:rPr lang="es-AR" sz="1200" i="1" kern="1200" dirty="0" err="1" smtClean="0">
+                <a:solidFill>
+                  <a:schemeClr val="tx1"/>
+                </a:solidFill>
+                <a:latin typeface="+mn-lt"/>
+                <a:ea typeface="+mn-ea"/>
+                <a:cs typeface="+mn-cs"/>
+              </a:rPr>
+              <a:t>Miner</a:t>
+            </a:r>
+            <a:r>
+              <a:rPr lang="es-AR" sz="1200" kern="1200" dirty="0" smtClean="0">
+                <a:solidFill>
+                  <a:schemeClr val="tx1"/>
+                </a:solidFill>
+                <a:latin typeface="+mn-lt"/>
+                <a:ea typeface="+mn-ea"/>
+                <a:cs typeface="+mn-cs"/>
+              </a:rPr>
+              <a:t>, la cual es un </a:t>
+            </a:r>
+            <a:r>
+              <a:rPr lang="es-AR" sz="1200" i="1" kern="1200" dirty="0" err="1" smtClean="0">
+                <a:solidFill>
+                  <a:schemeClr val="tx1"/>
+                </a:solidFill>
+                <a:latin typeface="+mn-lt"/>
+                <a:ea typeface="+mn-ea"/>
+                <a:cs typeface="+mn-cs"/>
+              </a:rPr>
+              <a:t>plugin</a:t>
+            </a:r>
+            <a:r>
+              <a:rPr lang="es-AR" sz="1200" kern="1200" dirty="0" smtClean="0">
+                <a:solidFill>
+                  <a:schemeClr val="tx1"/>
+                </a:solidFill>
+                <a:latin typeface="+mn-lt"/>
+                <a:ea typeface="+mn-ea"/>
+                <a:cs typeface="+mn-cs"/>
+              </a:rPr>
+              <a:t> de Eclipse. Esta herramienta permite al analista seleccionar como entrada el aspecto temprano que desea analizar, junto a los casos de uso que los relaciona. Mediante </a:t>
+            </a:r>
+            <a:r>
+              <a:rPr lang="es-AR" sz="1200" i="1" kern="1200" dirty="0" smtClean="0">
+                <a:solidFill>
+                  <a:schemeClr val="tx1"/>
+                </a:solidFill>
+                <a:latin typeface="+mn-lt"/>
+                <a:ea typeface="+mn-ea"/>
+                <a:cs typeface="+mn-cs"/>
+              </a:rPr>
+              <a:t>QA </a:t>
+            </a:r>
+            <a:r>
+              <a:rPr lang="es-AR" sz="1200" i="1" kern="1200" dirty="0" err="1" smtClean="0">
+                <a:solidFill>
+                  <a:schemeClr val="tx1"/>
+                </a:solidFill>
+                <a:latin typeface="+mn-lt"/>
+                <a:ea typeface="+mn-ea"/>
+                <a:cs typeface="+mn-cs"/>
+              </a:rPr>
+              <a:t>Miner</a:t>
+            </a:r>
+            <a:r>
+              <a:rPr lang="es-AR" sz="1200" kern="1200" dirty="0" smtClean="0">
+                <a:solidFill>
+                  <a:schemeClr val="tx1"/>
+                </a:solidFill>
+                <a:latin typeface="+mn-lt"/>
+                <a:ea typeface="+mn-ea"/>
+                <a:cs typeface="+mn-cs"/>
+              </a:rPr>
+              <a:t>, el analista podrá contar con información acerca de los atributos de calidad identificados para el conjunto de datos de entrada. Es decir, para cada aspecto temprano del sistema, se muestra un ranking de porcentajes, con un atributo de calidad cada uno, indicando el grado de relación entre ese aspecto temprano y los distintos atributos de calidad presentes en la ontología. De esta manera, el analista podrá seleccionar los atributos de calidad destacados, para tenerlos en cuenta en las etapas siguientes del ciclo de desarrollo.</a:t>
+            </a:r>
+            <a:endParaRPr lang="es-ES_tradnl" sz="1200" kern="1200" dirty="0" smtClean="0">
+              <a:solidFill>
+                <a:schemeClr val="tx1"/>
+              </a:solidFill>
+              <a:latin typeface="+mn-lt"/>
+              <a:ea typeface="+mn-ea"/>
+              <a:cs typeface="+mn-cs"/>
+            </a:endParaRPr>
+          </a:p>
+          <a:p>
+            <a:endParaRPr lang="es-ES_tradnl" dirty="0"/>
+          </a:p>
+        </p:txBody>
+      </p:sp>
+      <p:sp>
+        <p:nvSpPr>
+          <p:cNvPr id="4" name="3 Marcador de número de diapositiva"/>
+          <p:cNvSpPr>
+            <a:spLocks noGrp="1"/>
+          </p:cNvSpPr>
+          <p:nvPr>
+            <p:ph type="sldNum" sz="quarter" idx="10"/>
+          </p:nvPr>
+        </p:nvSpPr>
+        <p:spPr/>
+        <p:txBody>
+          <a:bodyPr/>
+          <a:lstStyle/>
+          <a:p>
+            <a:fld id="{1872ED1A-74B4-42AE-A5BF-D7540D1CC6CA}" type="slidenum">
+              <a:rPr lang="es-ES" smtClean="0"/>
+              <a:pPr/>
+              <a:t>20</a:t>
+            </a:fld>
+            <a:endParaRPr lang="es-ES" dirty="0"/>
+          </a:p>
+        </p:txBody>
+      </p:sp>
+    </p:spTree>
+  </p:cSld>
+  <p:clrMapOvr>
+    <a:masterClrMapping/>
+  </p:clrMapOvr>
+</p:notes>
+</file>
+
+<file path=ppt/notesSlides/notesSlide18.xml><?xml version="1.0" encoding="utf-8"?>
+<p:notes xmlns:a="http://schemas.openxmlformats.org/drawingml/2006/main" xmlns:r="http://schemas.openxmlformats.org/officeDocument/2006/relationships" xmlns:p="http://schemas.openxmlformats.org/presentationml/2006/main">
+  <p:cSld>
+    <p:spTree>
+      <p:nvGrpSpPr>
+        <p:cNvPr id="1" name=""/>
+        <p:cNvGrpSpPr/>
+        <p:nvPr/>
+      </p:nvGrpSpPr>
+      <p:grpSpPr>
+        <a:xfrm>
+          <a:off x="0" y="0"/>
+          <a:ext cx="0" cy="0"/>
+          <a:chOff x="0" y="0"/>
+          <a:chExt cx="0" cy="0"/>
+        </a:xfrm>
+      </p:grpSpPr>
+      <p:sp>
+        <p:nvSpPr>
+          <p:cNvPr id="2" name="1 Marcador de imagen de diapositiva"/>
+          <p:cNvSpPr>
+            <a:spLocks noGrp="1" noRot="1" noChangeAspect="1"/>
+          </p:cNvSpPr>
+          <p:nvPr>
+            <p:ph type="sldImg"/>
+          </p:nvPr>
+        </p:nvSpPr>
+        <p:spPr/>
+      </p:sp>
+      <p:sp>
+        <p:nvSpPr>
+          <p:cNvPr id="3" name="2 Marcador de notas"/>
+          <p:cNvSpPr>
+            <a:spLocks noGrp="1"/>
+          </p:cNvSpPr>
+          <p:nvPr>
+            <p:ph type="body" idx="1"/>
+          </p:nvPr>
+        </p:nvSpPr>
+        <p:spPr/>
+        <p:txBody>
+          <a:bodyPr>
+            <a:normAutofit/>
+          </a:bodyPr>
+          <a:lstStyle/>
+          <a:p>
+            <a:endParaRPr lang="es-ES_tradnl" dirty="0"/>
+          </a:p>
+        </p:txBody>
+      </p:sp>
+      <p:sp>
+        <p:nvSpPr>
+          <p:cNvPr id="4" name="3 Marcador de número de diapositiva"/>
+          <p:cNvSpPr>
+            <a:spLocks noGrp="1"/>
+          </p:cNvSpPr>
+          <p:nvPr>
+            <p:ph type="sldNum" sz="quarter" idx="10"/>
+          </p:nvPr>
+        </p:nvSpPr>
+        <p:spPr/>
+        <p:txBody>
+          <a:bodyPr/>
+          <a:lstStyle/>
+          <a:p>
+            <a:fld id="{1872ED1A-74B4-42AE-A5BF-D7540D1CC6CA}" type="slidenum">
+              <a:rPr lang="es-ES" smtClean="0"/>
+              <a:pPr/>
               <a:t>21</a:t>
+            </a:fld>
+            <a:endParaRPr lang="es-ES" dirty="0"/>
+          </a:p>
+        </p:txBody>
+      </p:sp>
+    </p:spTree>
+  </p:cSld>
+  <p:clrMapOvr>
+    <a:masterClrMapping/>
+  </p:clrMapOvr>
+</p:notes>
+</file>
+
+<file path=ppt/notesSlides/notesSlide19.xml><?xml version="1.0" encoding="utf-8"?>
+<p:notes xmlns:a="http://schemas.openxmlformats.org/drawingml/2006/main" xmlns:r="http://schemas.openxmlformats.org/officeDocument/2006/relationships" xmlns:p="http://schemas.openxmlformats.org/presentationml/2006/main">
+  <p:cSld>
+    <p:spTree>
+      <p:nvGrpSpPr>
+        <p:cNvPr id="1" name=""/>
+        <p:cNvGrpSpPr/>
+        <p:nvPr/>
+      </p:nvGrpSpPr>
+      <p:grpSpPr>
+        <a:xfrm>
+          <a:off x="0" y="0"/>
+          <a:ext cx="0" cy="0"/>
+          <a:chOff x="0" y="0"/>
+          <a:chExt cx="0" cy="0"/>
+        </a:xfrm>
+      </p:grpSpPr>
+      <p:sp>
+        <p:nvSpPr>
+          <p:cNvPr id="2" name="1 Marcador de imagen de diapositiva"/>
+          <p:cNvSpPr>
+            <a:spLocks noGrp="1" noRot="1" noChangeAspect="1"/>
+          </p:cNvSpPr>
+          <p:nvPr>
+            <p:ph type="sldImg"/>
+          </p:nvPr>
+        </p:nvSpPr>
+        <p:spPr/>
+      </p:sp>
+      <p:sp>
+        <p:nvSpPr>
+          <p:cNvPr id="3" name="2 Marcador de notas"/>
+          <p:cNvSpPr>
+            <a:spLocks noGrp="1"/>
+          </p:cNvSpPr>
+          <p:nvPr>
+            <p:ph type="body" idx="1"/>
+          </p:nvPr>
+        </p:nvSpPr>
+        <p:spPr/>
+        <p:txBody>
+          <a:bodyPr>
+            <a:normAutofit/>
+          </a:bodyPr>
+          <a:lstStyle/>
+          <a:p>
+            <a:r>
+              <a:rPr lang="es-ES_tradnl" dirty="0" smtClean="0"/>
+              <a:t>El segundo caso de estudio llamado CRS es un sistema de registro</a:t>
+            </a:r>
+            <a:r>
+              <a:rPr lang="es-ES_tradnl" baseline="0" dirty="0" smtClean="0"/>
+              <a:t> de cursos. Consta de 8 casos de uso, aproximadamente 3900 palabras. La herramienta AET ha identificado 7 aspectos tempranos. En esta caso, los QAs del sistema que buscamos o consideramos correctos, fueron obtenido a través del análisis manual de la especificación de requerimientos.</a:t>
+            </a:r>
+            <a:endParaRPr lang="es-ES_tradnl" dirty="0"/>
+          </a:p>
+        </p:txBody>
+      </p:sp>
+      <p:sp>
+        <p:nvSpPr>
+          <p:cNvPr id="4" name="3 Marcador de número de diapositiva"/>
+          <p:cNvSpPr>
+            <a:spLocks noGrp="1"/>
+          </p:cNvSpPr>
+          <p:nvPr>
+            <p:ph type="sldNum" sz="quarter" idx="10"/>
+          </p:nvPr>
+        </p:nvSpPr>
+        <p:spPr/>
+        <p:txBody>
+          <a:bodyPr/>
+          <a:lstStyle/>
+          <a:p>
+            <a:fld id="{1872ED1A-74B4-42AE-A5BF-D7540D1CC6CA}" type="slidenum">
+              <a:rPr lang="es-ES" smtClean="0"/>
+              <a:pPr/>
+              <a:t>25</a:t>
             </a:fld>
             <a:endParaRPr lang="es-ES" dirty="0"/>
           </a:p>
@@ -1530,11 +2177,19 @@
           <a:p>
             <a:r>
               <a:rPr lang="es-ES_tradnl" dirty="0" smtClean="0"/>
-              <a:t>Agenda</a:t>
+              <a:t>Esta es la agenda</a:t>
             </a:r>
             <a:r>
               <a:rPr lang="es-ES_tradnl" baseline="0" dirty="0" smtClean="0"/>
-              <a:t> que se va a seguir durante la presentación</a:t>
+              <a:t> </a:t>
+            </a:r>
+            <a:r>
+              <a:rPr lang="es-ES_tradnl" baseline="0" dirty="0" smtClean="0"/>
+              <a:t>que se va a seguir durante la </a:t>
+            </a:r>
+            <a:r>
+              <a:rPr lang="es-ES_tradnl" baseline="0" dirty="0" smtClean="0"/>
+              <a:t>presentación. Primero, vamos a hacer una introducción en donde se verá el contexto y la problemática. Luego, se introducirán algunos conceptos antes de explicar el enfoque propuesto. Luego del enfoque propuesto, se realiza una evaluación de la técnica con 2 casos de estudio. Luego, veremos las conclusiones, ventajas y desventajas a las que arribamos. Por último, la clásica filmina de preguntas para el jurado nos hará las preguntas u observaciones que hayan surgido durante la presentación.</a:t>
             </a:r>
             <a:endParaRPr lang="es-ES_tradnl" dirty="0"/>
           </a:p>
@@ -1559,6 +2214,1230 @@
               <a:rPr lang="es-ES" smtClean="0"/>
               <a:pPr/>
               <a:t>2</a:t>
+            </a:fld>
+            <a:endParaRPr lang="es-ES" dirty="0"/>
+          </a:p>
+        </p:txBody>
+      </p:sp>
+    </p:spTree>
+  </p:cSld>
+  <p:clrMapOvr>
+    <a:masterClrMapping/>
+  </p:clrMapOvr>
+</p:notes>
+</file>
+
+<file path=ppt/notesSlides/notesSlide20.xml><?xml version="1.0" encoding="utf-8"?>
+<p:notes xmlns:a="http://schemas.openxmlformats.org/drawingml/2006/main" xmlns:r="http://schemas.openxmlformats.org/officeDocument/2006/relationships" xmlns:p="http://schemas.openxmlformats.org/presentationml/2006/main">
+  <p:cSld>
+    <p:spTree>
+      <p:nvGrpSpPr>
+        <p:cNvPr id="1" name=""/>
+        <p:cNvGrpSpPr/>
+        <p:nvPr/>
+      </p:nvGrpSpPr>
+      <p:grpSpPr>
+        <a:xfrm>
+          <a:off x="0" y="0"/>
+          <a:ext cx="0" cy="0"/>
+          <a:chOff x="0" y="0"/>
+          <a:chExt cx="0" cy="0"/>
+        </a:xfrm>
+      </p:grpSpPr>
+      <p:sp>
+        <p:nvSpPr>
+          <p:cNvPr id="2" name="1 Marcador de imagen de diapositiva"/>
+          <p:cNvSpPr>
+            <a:spLocks noGrp="1" noRot="1" noChangeAspect="1"/>
+          </p:cNvSpPr>
+          <p:nvPr>
+            <p:ph type="sldImg"/>
+          </p:nvPr>
+        </p:nvSpPr>
+        <p:spPr/>
+      </p:sp>
+      <p:sp>
+        <p:nvSpPr>
+          <p:cNvPr id="3" name="2 Marcador de notas"/>
+          <p:cNvSpPr>
+            <a:spLocks noGrp="1"/>
+          </p:cNvSpPr>
+          <p:nvPr>
+            <p:ph type="body" idx="1"/>
+          </p:nvPr>
+        </p:nvSpPr>
+        <p:spPr/>
+        <p:txBody>
+          <a:bodyPr>
+            <a:normAutofit/>
+          </a:bodyPr>
+          <a:lstStyle/>
+          <a:p>
+            <a:r>
+              <a:rPr lang="es-ES_tradnl" dirty="0" smtClean="0"/>
+              <a:t>Se presenta el mismo gráfico que explicó Francisco</a:t>
+            </a:r>
+            <a:r>
+              <a:rPr lang="es-ES_tradnl" baseline="0" dirty="0" smtClean="0"/>
+              <a:t> anteriormente, en este caso, vemos que en la última columna donde están los QAs reales del sistema todos tienen una flecha de entrada. Esto quiere decir que se han identificado todos los </a:t>
+            </a:r>
+            <a:r>
+              <a:rPr lang="es-ES_tradnl" baseline="0" dirty="0" err="1" smtClean="0"/>
+              <a:t>Qas</a:t>
+            </a:r>
+            <a:r>
+              <a:rPr lang="es-ES_tradnl" baseline="0" dirty="0" smtClean="0"/>
+              <a:t> del sistema. Por otro lado, existen dos QA que fueron mal identificados. Haciendo el reemplazo en las formulas obtenemos los siguientes resultados. </a:t>
+            </a:r>
+            <a:r>
+              <a:rPr lang="es-ES_tradnl" baseline="0" dirty="0" err="1" smtClean="0"/>
+              <a:t>Precision</a:t>
+            </a:r>
+            <a:r>
+              <a:rPr lang="es-ES_tradnl" baseline="0" dirty="0" smtClean="0"/>
+              <a:t> 0.68 y </a:t>
+            </a:r>
+            <a:r>
+              <a:rPr lang="es-ES_tradnl" baseline="0" dirty="0" err="1" smtClean="0"/>
+              <a:t>Recall</a:t>
+            </a:r>
+            <a:r>
+              <a:rPr lang="es-ES_tradnl" baseline="0" dirty="0" smtClean="0"/>
+              <a:t> 1. Este caso de estudio nos da mejores resultados que el caso anterior. </a:t>
+            </a:r>
+            <a:endParaRPr lang="es-ES_tradnl" dirty="0"/>
+          </a:p>
+        </p:txBody>
+      </p:sp>
+      <p:sp>
+        <p:nvSpPr>
+          <p:cNvPr id="4" name="3 Marcador de número de diapositiva"/>
+          <p:cNvSpPr>
+            <a:spLocks noGrp="1"/>
+          </p:cNvSpPr>
+          <p:nvPr>
+            <p:ph type="sldNum" sz="quarter" idx="10"/>
+          </p:nvPr>
+        </p:nvSpPr>
+        <p:spPr/>
+        <p:txBody>
+          <a:bodyPr/>
+          <a:lstStyle/>
+          <a:p>
+            <a:fld id="{1872ED1A-74B4-42AE-A5BF-D7540D1CC6CA}" type="slidenum">
+              <a:rPr lang="es-ES" smtClean="0"/>
+              <a:pPr/>
+              <a:t>26</a:t>
+            </a:fld>
+            <a:endParaRPr lang="es-ES" dirty="0"/>
+          </a:p>
+        </p:txBody>
+      </p:sp>
+    </p:spTree>
+  </p:cSld>
+  <p:clrMapOvr>
+    <a:masterClrMapping/>
+  </p:clrMapOvr>
+</p:notes>
+</file>
+
+<file path=ppt/notesSlides/notesSlide21.xml><?xml version="1.0" encoding="utf-8"?>
+<p:notes xmlns:a="http://schemas.openxmlformats.org/drawingml/2006/main" xmlns:r="http://schemas.openxmlformats.org/officeDocument/2006/relationships" xmlns:p="http://schemas.openxmlformats.org/presentationml/2006/main">
+  <p:cSld>
+    <p:spTree>
+      <p:nvGrpSpPr>
+        <p:cNvPr id="1" name=""/>
+        <p:cNvGrpSpPr/>
+        <p:nvPr/>
+      </p:nvGrpSpPr>
+      <p:grpSpPr>
+        <a:xfrm>
+          <a:off x="0" y="0"/>
+          <a:ext cx="0" cy="0"/>
+          <a:chOff x="0" y="0"/>
+          <a:chExt cx="0" cy="0"/>
+        </a:xfrm>
+      </p:grpSpPr>
+      <p:sp>
+        <p:nvSpPr>
+          <p:cNvPr id="2" name="1 Marcador de imagen de diapositiva"/>
+          <p:cNvSpPr>
+            <a:spLocks noGrp="1" noRot="1" noChangeAspect="1"/>
+          </p:cNvSpPr>
+          <p:nvPr>
+            <p:ph type="sldImg"/>
+          </p:nvPr>
+        </p:nvSpPr>
+        <p:spPr/>
+      </p:sp>
+      <p:sp>
+        <p:nvSpPr>
+          <p:cNvPr id="3" name="2 Marcador de notas"/>
+          <p:cNvSpPr>
+            <a:spLocks noGrp="1"/>
+          </p:cNvSpPr>
+          <p:nvPr>
+            <p:ph type="body" idx="1"/>
+          </p:nvPr>
+        </p:nvSpPr>
+        <p:spPr/>
+        <p:txBody>
+          <a:bodyPr>
+            <a:normAutofit/>
+          </a:bodyPr>
+          <a:lstStyle/>
+          <a:p>
+            <a:r>
+              <a:rPr lang="es-ES_tradnl" dirty="0" smtClean="0"/>
+              <a:t>La otra métrica</a:t>
+            </a:r>
+            <a:r>
+              <a:rPr lang="es-ES_tradnl" baseline="0" dirty="0" smtClean="0"/>
+              <a:t> que se utilizó fue el tiempo de ejecución de la herramienta. Se observaron tiempos bajos en las ejecuciones. Para el primer caso de estudio, sumando la detección de todos los QATs tardó aproximadamente 7.2 segundos, mientras que en el caso de estudio CRS, tardó aproximadamente 4.9 segundos. Estos tiempos se consideran aceptables para el analista dado todo el procesamiento que se realiza la herramienta</a:t>
+            </a:r>
+          </a:p>
+        </p:txBody>
+      </p:sp>
+      <p:sp>
+        <p:nvSpPr>
+          <p:cNvPr id="4" name="3 Marcador de número de diapositiva"/>
+          <p:cNvSpPr>
+            <a:spLocks noGrp="1"/>
+          </p:cNvSpPr>
+          <p:nvPr>
+            <p:ph type="sldNum" sz="quarter" idx="10"/>
+          </p:nvPr>
+        </p:nvSpPr>
+        <p:spPr/>
+        <p:txBody>
+          <a:bodyPr/>
+          <a:lstStyle/>
+          <a:p>
+            <a:fld id="{1872ED1A-74B4-42AE-A5BF-D7540D1CC6CA}" type="slidenum">
+              <a:rPr lang="es-ES" smtClean="0"/>
+              <a:pPr/>
+              <a:t>27</a:t>
+            </a:fld>
+            <a:endParaRPr lang="es-ES" dirty="0"/>
+          </a:p>
+        </p:txBody>
+      </p:sp>
+    </p:spTree>
+  </p:cSld>
+  <p:clrMapOvr>
+    <a:masterClrMapping/>
+  </p:clrMapOvr>
+</p:notes>
+</file>
+
+<file path=ppt/notesSlides/notesSlide22.xml><?xml version="1.0" encoding="utf-8"?>
+<p:notes xmlns:a="http://schemas.openxmlformats.org/drawingml/2006/main" xmlns:r="http://schemas.openxmlformats.org/officeDocument/2006/relationships" xmlns:p="http://schemas.openxmlformats.org/presentationml/2006/main">
+  <p:cSld>
+    <p:spTree>
+      <p:nvGrpSpPr>
+        <p:cNvPr id="1" name=""/>
+        <p:cNvGrpSpPr/>
+        <p:nvPr/>
+      </p:nvGrpSpPr>
+      <p:grpSpPr>
+        <a:xfrm>
+          <a:off x="0" y="0"/>
+          <a:ext cx="0" cy="0"/>
+          <a:chOff x="0" y="0"/>
+          <a:chExt cx="0" cy="0"/>
+        </a:xfrm>
+      </p:grpSpPr>
+      <p:sp>
+        <p:nvSpPr>
+          <p:cNvPr id="2" name="1 Marcador de imagen de diapositiva"/>
+          <p:cNvSpPr>
+            <a:spLocks noGrp="1" noRot="1" noChangeAspect="1"/>
+          </p:cNvSpPr>
+          <p:nvPr>
+            <p:ph type="sldImg"/>
+          </p:nvPr>
+        </p:nvSpPr>
+        <p:spPr/>
+      </p:sp>
+      <p:sp>
+        <p:nvSpPr>
+          <p:cNvPr id="3" name="2 Marcador de notas"/>
+          <p:cNvSpPr>
+            <a:spLocks noGrp="1"/>
+          </p:cNvSpPr>
+          <p:nvPr>
+            <p:ph type="body" idx="1"/>
+          </p:nvPr>
+        </p:nvSpPr>
+        <p:spPr/>
+        <p:txBody>
+          <a:bodyPr>
+            <a:normAutofit/>
+          </a:bodyPr>
+          <a:lstStyle/>
+          <a:p>
+            <a:r>
+              <a:rPr lang="es-ES_tradnl" dirty="0" smtClean="0"/>
+              <a:t>A</a:t>
+            </a:r>
+            <a:r>
+              <a:rPr lang="es-ES_tradnl" baseline="0" dirty="0" smtClean="0"/>
+              <a:t> continuación, ya para ir finalizando, vamos a ver las conclusiones. Precisamente, vamos a ver las ventajas y desventajas que identificamos y algunos trabajos a futuros que surgieron en este análisis.</a:t>
+            </a:r>
+            <a:endParaRPr lang="es-ES_tradnl" dirty="0"/>
+          </a:p>
+        </p:txBody>
+      </p:sp>
+      <p:sp>
+        <p:nvSpPr>
+          <p:cNvPr id="4" name="3 Marcador de número de diapositiva"/>
+          <p:cNvSpPr>
+            <a:spLocks noGrp="1"/>
+          </p:cNvSpPr>
+          <p:nvPr>
+            <p:ph type="sldNum" sz="quarter" idx="10"/>
+          </p:nvPr>
+        </p:nvSpPr>
+        <p:spPr/>
+        <p:txBody>
+          <a:bodyPr/>
+          <a:lstStyle/>
+          <a:p>
+            <a:fld id="{1872ED1A-74B4-42AE-A5BF-D7540D1CC6CA}" type="slidenum">
+              <a:rPr lang="es-ES" smtClean="0"/>
+              <a:pPr/>
+              <a:t>28</a:t>
+            </a:fld>
+            <a:endParaRPr lang="es-ES" dirty="0"/>
+          </a:p>
+        </p:txBody>
+      </p:sp>
+    </p:spTree>
+  </p:cSld>
+  <p:clrMapOvr>
+    <a:masterClrMapping/>
+  </p:clrMapOvr>
+</p:notes>
+</file>
+
+<file path=ppt/notesSlides/notesSlide23.xml><?xml version="1.0" encoding="utf-8"?>
+<p:notes xmlns:a="http://schemas.openxmlformats.org/drawingml/2006/main" xmlns:r="http://schemas.openxmlformats.org/officeDocument/2006/relationships" xmlns:p="http://schemas.openxmlformats.org/presentationml/2006/main">
+  <p:cSld>
+    <p:spTree>
+      <p:nvGrpSpPr>
+        <p:cNvPr id="1" name=""/>
+        <p:cNvGrpSpPr/>
+        <p:nvPr/>
+      </p:nvGrpSpPr>
+      <p:grpSpPr>
+        <a:xfrm>
+          <a:off x="0" y="0"/>
+          <a:ext cx="0" cy="0"/>
+          <a:chOff x="0" y="0"/>
+          <a:chExt cx="0" cy="0"/>
+        </a:xfrm>
+      </p:grpSpPr>
+      <p:sp>
+        <p:nvSpPr>
+          <p:cNvPr id="2" name="1 Marcador de imagen de diapositiva"/>
+          <p:cNvSpPr>
+            <a:spLocks noGrp="1" noRot="1" noChangeAspect="1"/>
+          </p:cNvSpPr>
+          <p:nvPr>
+            <p:ph type="sldImg"/>
+          </p:nvPr>
+        </p:nvSpPr>
+        <p:spPr/>
+      </p:sp>
+      <p:sp>
+        <p:nvSpPr>
+          <p:cNvPr id="3" name="2 Marcador de notas"/>
+          <p:cNvSpPr>
+            <a:spLocks noGrp="1"/>
+          </p:cNvSpPr>
+          <p:nvPr>
+            <p:ph type="body" idx="1"/>
+          </p:nvPr>
+        </p:nvSpPr>
+        <p:spPr/>
+        <p:txBody>
+          <a:bodyPr>
+            <a:normAutofit lnSpcReduction="10000"/>
+          </a:bodyPr>
+          <a:lstStyle/>
+          <a:p>
+            <a:r>
+              <a:rPr lang="es-ES_tradnl" dirty="0" smtClean="0"/>
+              <a:t>En primer lugar vamos a ver las</a:t>
+            </a:r>
+            <a:r>
+              <a:rPr lang="es-ES_tradnl" baseline="0" dirty="0" smtClean="0"/>
+              <a:t> ventajas. Estas son:</a:t>
+            </a:r>
+          </a:p>
+          <a:p>
+            <a:pPr>
+              <a:buFontTx/>
+              <a:buChar char="-"/>
+            </a:pPr>
+            <a:r>
+              <a:rPr lang="es-ES_tradnl" baseline="0" dirty="0" smtClean="0"/>
+              <a:t>El </a:t>
+            </a:r>
+            <a:r>
+              <a:rPr lang="es-ES_tradnl" baseline="0" dirty="0" err="1" smtClean="0"/>
+              <a:t>recall</a:t>
+            </a:r>
+            <a:r>
+              <a:rPr lang="es-ES_tradnl" baseline="0" dirty="0" smtClean="0"/>
+              <a:t>: Como vimos en el segundo caso de estudio se tuvo un </a:t>
+            </a:r>
+            <a:r>
+              <a:rPr lang="es-ES_tradnl" baseline="0" dirty="0" err="1" smtClean="0"/>
+              <a:t>recall</a:t>
+            </a:r>
+            <a:r>
+              <a:rPr lang="es-ES_tradnl" baseline="0" dirty="0" smtClean="0"/>
+              <a:t> muy alto y para la mayoría de pruebas que se hicieron el </a:t>
+            </a:r>
+            <a:r>
+              <a:rPr lang="es-ES_tradnl" baseline="0" dirty="0" err="1" smtClean="0"/>
+              <a:t>recall</a:t>
+            </a:r>
+            <a:r>
+              <a:rPr lang="es-ES_tradnl" baseline="0" dirty="0" smtClean="0"/>
+              <a:t> fue bueno. Esto es importante, porque como se había mencionado anteriormente, el costo de NO identificar un QA podría ser elevado.</a:t>
+            </a:r>
+          </a:p>
+          <a:p>
+            <a:pPr>
+              <a:buFontTx/>
+              <a:buChar char="-"/>
+            </a:pPr>
+            <a:r>
+              <a:rPr lang="es-ES_tradnl" baseline="0" dirty="0" smtClean="0"/>
+              <a:t> El tiempo de ejecución de la herramienta también fue muy bueno, solo llevo algunos segundos lo que manualmente podría insumir mucho tiempo y esfuerzo.</a:t>
+            </a:r>
+          </a:p>
+          <a:p>
+            <a:pPr>
+              <a:buFontTx/>
+              <a:buChar char="-"/>
+            </a:pPr>
+            <a:r>
+              <a:rPr lang="es-ES_tradnl" baseline="0" dirty="0" smtClean="0"/>
+              <a:t> El nivel de automatización de la herramienta, ya que no se requiere participación del analista durante la detección de los QAs.</a:t>
+            </a:r>
+          </a:p>
+          <a:p>
+            <a:pPr>
+              <a:buFontTx/>
+              <a:buChar char="-"/>
+            </a:pPr>
+            <a:r>
+              <a:rPr lang="es-ES_tradnl" baseline="0" dirty="0" smtClean="0"/>
+              <a:t> Extensión a otros documentos, si bien en este enfoque se analizan documentos de casos de uso, como se comento anteriormente, los QA vienen ocultos en minutas, </a:t>
+            </a:r>
+            <a:r>
+              <a:rPr lang="es-ES_tradnl" baseline="0" dirty="0" err="1" smtClean="0"/>
+              <a:t>business</a:t>
+            </a:r>
+            <a:r>
+              <a:rPr lang="es-ES_tradnl" baseline="0" dirty="0" smtClean="0"/>
+              <a:t> </a:t>
+            </a:r>
+            <a:r>
+              <a:rPr lang="es-ES_tradnl" baseline="0" dirty="0" err="1" smtClean="0"/>
+              <a:t>goals</a:t>
+            </a:r>
+            <a:r>
+              <a:rPr lang="es-ES_tradnl" baseline="0" dirty="0" smtClean="0"/>
+              <a:t>, entrevistas. El enfoque propuesto podría servir también para analizar estos documentos.</a:t>
+            </a:r>
+          </a:p>
+          <a:p>
+            <a:pPr marL="0" marR="0" lvl="1" indent="0" algn="l" defTabSz="914400" rtl="0" eaLnBrk="1" fontAlgn="auto" latinLnBrk="0" hangingPunct="1">
+              <a:lnSpc>
+                <a:spcPct val="100000"/>
+              </a:lnSpc>
+              <a:spcBef>
+                <a:spcPts val="0"/>
+              </a:spcBef>
+              <a:spcAft>
+                <a:spcPts val="0"/>
+              </a:spcAft>
+              <a:buClrTx/>
+              <a:buSzTx/>
+              <a:buFontTx/>
+              <a:buChar char="-"/>
+              <a:tabLst/>
+              <a:defRPr/>
+            </a:pPr>
+            <a:r>
+              <a:rPr lang="es-ES_tradnl" baseline="0" dirty="0" smtClean="0"/>
+              <a:t> </a:t>
+            </a:r>
+            <a:r>
+              <a:rPr lang="es-ES" dirty="0" smtClean="0"/>
+              <a:t>Extensibilidad para la identificación de otros </a:t>
+            </a:r>
+            <a:r>
+              <a:rPr lang="es-ES" dirty="0" err="1" smtClean="0"/>
+              <a:t>QAs</a:t>
+            </a:r>
+            <a:r>
+              <a:rPr lang="es-ES" dirty="0" smtClean="0"/>
+              <a:t>: al utilizar la ontología,</a:t>
+            </a:r>
+            <a:r>
+              <a:rPr lang="es-ES" baseline="0" dirty="0" smtClean="0"/>
+              <a:t> solo bastaría cargar en la ontología más atributos de calidad con sus escenarios para que ya sean tenidos en cuenta por la herramienta. </a:t>
+            </a:r>
+            <a:r>
+              <a:rPr lang="es-ES_tradnl" baseline="0" dirty="0" smtClean="0"/>
+              <a:t> </a:t>
+            </a:r>
+          </a:p>
+          <a:p>
+            <a:pPr marL="0" marR="0" lvl="1" indent="0" algn="l" defTabSz="914400" rtl="0" eaLnBrk="1" fontAlgn="auto" latinLnBrk="0" hangingPunct="1">
+              <a:lnSpc>
+                <a:spcPct val="100000"/>
+              </a:lnSpc>
+              <a:spcBef>
+                <a:spcPts val="0"/>
+              </a:spcBef>
+              <a:spcAft>
+                <a:spcPts val="0"/>
+              </a:spcAft>
+              <a:buClrTx/>
+              <a:buSzTx/>
+              <a:buFontTx/>
+              <a:buChar char="-"/>
+              <a:tabLst/>
+              <a:defRPr/>
+            </a:pPr>
+            <a:endParaRPr lang="es-ES_tradnl" baseline="0" dirty="0" smtClean="0"/>
+          </a:p>
+          <a:p>
+            <a:pPr marL="0" marR="0" lvl="1" indent="0" algn="l" defTabSz="914400" rtl="0" eaLnBrk="1" fontAlgn="auto" latinLnBrk="0" hangingPunct="1">
+              <a:lnSpc>
+                <a:spcPct val="100000"/>
+              </a:lnSpc>
+              <a:spcBef>
+                <a:spcPts val="0"/>
+              </a:spcBef>
+              <a:spcAft>
+                <a:spcPts val="0"/>
+              </a:spcAft>
+              <a:buClrTx/>
+              <a:buSzTx/>
+              <a:buFontTx/>
+              <a:buNone/>
+              <a:tabLst/>
+              <a:defRPr/>
+            </a:pPr>
+            <a:r>
+              <a:rPr lang="es-ES_tradnl" baseline="0" dirty="0" smtClean="0"/>
+              <a:t>Las desventajas que se identificaron fueron:</a:t>
+            </a:r>
+          </a:p>
+          <a:p>
+            <a:pPr marL="0" marR="0" lvl="1" indent="0" algn="l" defTabSz="914400" rtl="0" eaLnBrk="1" fontAlgn="auto" latinLnBrk="0" hangingPunct="1">
+              <a:lnSpc>
+                <a:spcPct val="100000"/>
+              </a:lnSpc>
+              <a:spcBef>
+                <a:spcPts val="0"/>
+              </a:spcBef>
+              <a:spcAft>
+                <a:spcPts val="0"/>
+              </a:spcAft>
+              <a:buClrTx/>
+              <a:buSzTx/>
+              <a:buFontTx/>
+              <a:buChar char="-"/>
+              <a:tabLst/>
+              <a:defRPr/>
+            </a:pPr>
+            <a:r>
+              <a:rPr lang="es-ES_tradnl" baseline="0" dirty="0" smtClean="0"/>
+              <a:t> Dependencia en los aspectos encontrados. Esto significa que si la identificación de los aspectos no fue muy bueno, posiblemente nuestros resultados tampoco ya que podríamos introducir “ruido” si los aspectos no están bien detectados o formados.</a:t>
+            </a:r>
+          </a:p>
+          <a:p>
+            <a:pPr marL="0" marR="0" lvl="1" indent="0" algn="l" defTabSz="914400" rtl="0" eaLnBrk="1" fontAlgn="auto" latinLnBrk="0" hangingPunct="1">
+              <a:lnSpc>
+                <a:spcPct val="100000"/>
+              </a:lnSpc>
+              <a:spcBef>
+                <a:spcPts val="0"/>
+              </a:spcBef>
+              <a:spcAft>
+                <a:spcPts val="0"/>
+              </a:spcAft>
+              <a:buClrTx/>
+              <a:buSzTx/>
+              <a:buFontTx/>
+              <a:buChar char="-"/>
+              <a:tabLst/>
+              <a:defRPr/>
+            </a:pPr>
+            <a:r>
+              <a:rPr lang="es-ES_tradnl" baseline="0" dirty="0" smtClean="0"/>
+              <a:t> Otra desventaja, es que no todos los aspectos están relacionados de forma directa con un QA, y viceversa. </a:t>
+            </a:r>
+            <a:r>
+              <a:rPr lang="es-AR" sz="1200" kern="1200" dirty="0" smtClean="0">
+                <a:solidFill>
+                  <a:schemeClr val="tx1"/>
+                </a:solidFill>
+                <a:latin typeface="+mn-lt"/>
+                <a:ea typeface="+mn-ea"/>
+                <a:cs typeface="+mn-cs"/>
+              </a:rPr>
+              <a:t>. Por ejemplo, algunos QAs importantes provienen de los objetivos de negocio o directamente de los stakeholders. Estos QAs no serían detectados mediante este análisis.</a:t>
+            </a:r>
+          </a:p>
+          <a:p>
+            <a:pPr marL="0" marR="0" lvl="1" indent="0" algn="l" defTabSz="914400" rtl="0" eaLnBrk="1" fontAlgn="auto" latinLnBrk="0" hangingPunct="1">
+              <a:lnSpc>
+                <a:spcPct val="100000"/>
+              </a:lnSpc>
+              <a:spcBef>
+                <a:spcPts val="0"/>
+              </a:spcBef>
+              <a:spcAft>
+                <a:spcPts val="0"/>
+              </a:spcAft>
+              <a:buClrTx/>
+              <a:buSzTx/>
+              <a:buFontTx/>
+              <a:buChar char="-"/>
+              <a:tabLst/>
+              <a:defRPr/>
+            </a:pPr>
+            <a:r>
+              <a:rPr lang="es-AR" sz="1200" kern="1200" dirty="0" smtClean="0">
+                <a:solidFill>
+                  <a:schemeClr val="tx1"/>
+                </a:solidFill>
+                <a:latin typeface="+mn-lt"/>
+                <a:ea typeface="+mn-ea"/>
+                <a:cs typeface="+mn-cs"/>
+              </a:rPr>
+              <a:t>Definición de la ontología: la técnica requiere de una ontología como fuente de conocimiento. El </a:t>
+            </a:r>
+            <a:r>
+              <a:rPr lang="es-AR" sz="1200" kern="1200" dirty="0" err="1" smtClean="0">
+                <a:solidFill>
+                  <a:schemeClr val="tx1"/>
+                </a:solidFill>
+                <a:latin typeface="+mn-lt"/>
+                <a:ea typeface="+mn-ea"/>
+                <a:cs typeface="+mn-cs"/>
+              </a:rPr>
+              <a:t>modelamiento</a:t>
+            </a:r>
+            <a:r>
+              <a:rPr lang="es-AR" sz="1200" kern="1200" dirty="0" smtClean="0">
+                <a:solidFill>
+                  <a:schemeClr val="tx1"/>
+                </a:solidFill>
+                <a:latin typeface="+mn-lt"/>
+                <a:ea typeface="+mn-ea"/>
+                <a:cs typeface="+mn-cs"/>
+              </a:rPr>
+              <a:t> de la misma para cada atributo de calidad podría llegar a ser una tarea compleja</a:t>
+            </a:r>
+            <a:r>
+              <a:rPr lang="es-AR" sz="1200" kern="1200" baseline="0" dirty="0" smtClean="0">
+                <a:solidFill>
+                  <a:schemeClr val="tx1"/>
+                </a:solidFill>
+                <a:latin typeface="+mn-lt"/>
+                <a:ea typeface="+mn-ea"/>
+                <a:cs typeface="+mn-cs"/>
+              </a:rPr>
+              <a:t> y que requiere de un experto en el dominio.</a:t>
+            </a:r>
+            <a:endParaRPr lang="es-ES_tradnl" baseline="0" dirty="0" smtClean="0"/>
+          </a:p>
+          <a:p>
+            <a:pPr marL="0" marR="0" lvl="1" indent="0" algn="l" defTabSz="914400" rtl="0" eaLnBrk="1" fontAlgn="auto" latinLnBrk="0" hangingPunct="1">
+              <a:lnSpc>
+                <a:spcPct val="100000"/>
+              </a:lnSpc>
+              <a:spcBef>
+                <a:spcPts val="0"/>
+              </a:spcBef>
+              <a:spcAft>
+                <a:spcPts val="0"/>
+              </a:spcAft>
+              <a:buClrTx/>
+              <a:buSzTx/>
+              <a:buFontTx/>
+              <a:buChar char="-"/>
+              <a:tabLst/>
+              <a:defRPr/>
+            </a:pPr>
+            <a:r>
+              <a:rPr lang="es-ES_tradnl" baseline="0" dirty="0" smtClean="0"/>
+              <a:t>  </a:t>
+            </a:r>
+            <a:r>
+              <a:rPr lang="es-AR" sz="1200" kern="1200" dirty="0" smtClean="0">
+                <a:solidFill>
+                  <a:schemeClr val="tx1"/>
+                </a:solidFill>
+                <a:latin typeface="+mn-lt"/>
+                <a:ea typeface="+mn-ea"/>
+                <a:cs typeface="+mn-cs"/>
+              </a:rPr>
+              <a:t>Limitaciones del lenguaje: al procesar los casos de uso, la técnica posee limitaciones propias del análisis basado en el procesamiento del lenguaje natural. Por ejemplo, sinonimia, la ambigüedad, etc.</a:t>
+            </a:r>
+          </a:p>
+          <a:p>
+            <a:pPr marL="0" marR="0" lvl="1" indent="0" algn="l" defTabSz="914400" rtl="0" eaLnBrk="1" fontAlgn="auto" latinLnBrk="0" hangingPunct="1">
+              <a:lnSpc>
+                <a:spcPct val="100000"/>
+              </a:lnSpc>
+              <a:spcBef>
+                <a:spcPts val="0"/>
+              </a:spcBef>
+              <a:spcAft>
+                <a:spcPts val="0"/>
+              </a:spcAft>
+              <a:buClrTx/>
+              <a:buSzTx/>
+              <a:buFontTx/>
+              <a:buChar char="-"/>
+              <a:tabLst/>
+              <a:defRPr/>
+            </a:pPr>
+            <a:r>
+              <a:rPr lang="es-AR" sz="1200" kern="1200" baseline="0" dirty="0" smtClean="0">
+                <a:solidFill>
+                  <a:schemeClr val="tx1"/>
+                </a:solidFill>
+                <a:latin typeface="+mn-lt"/>
+                <a:ea typeface="+mn-ea"/>
+                <a:cs typeface="+mn-cs"/>
+              </a:rPr>
+              <a:t> </a:t>
+            </a:r>
+            <a:r>
+              <a:rPr lang="es-AR" sz="1200" kern="1200" dirty="0" smtClean="0">
+                <a:solidFill>
+                  <a:schemeClr val="tx1"/>
+                </a:solidFill>
+                <a:latin typeface="+mn-lt"/>
+                <a:ea typeface="+mn-ea"/>
+                <a:cs typeface="+mn-cs"/>
+              </a:rPr>
+              <a:t>Aprendizaje: </a:t>
+            </a:r>
+            <a:r>
+              <a:rPr lang="es-AR" sz="1200" i="1" kern="1200" dirty="0" smtClean="0">
+                <a:solidFill>
+                  <a:schemeClr val="tx1"/>
+                </a:solidFill>
+                <a:latin typeface="+mn-lt"/>
+                <a:ea typeface="+mn-ea"/>
+                <a:cs typeface="+mn-cs"/>
+              </a:rPr>
+              <a:t>QA </a:t>
+            </a:r>
+            <a:r>
+              <a:rPr lang="es-AR" sz="1200" i="1" kern="1200" dirty="0" err="1" smtClean="0">
+                <a:solidFill>
+                  <a:schemeClr val="tx1"/>
+                </a:solidFill>
+                <a:latin typeface="+mn-lt"/>
+                <a:ea typeface="+mn-ea"/>
+                <a:cs typeface="+mn-cs"/>
+              </a:rPr>
+              <a:t>Miner</a:t>
+            </a:r>
+            <a:r>
+              <a:rPr lang="es-AR" sz="1200" kern="1200" dirty="0" smtClean="0">
+                <a:solidFill>
+                  <a:schemeClr val="tx1"/>
+                </a:solidFill>
+                <a:latin typeface="+mn-lt"/>
+                <a:ea typeface="+mn-ea"/>
+                <a:cs typeface="+mn-cs"/>
+              </a:rPr>
+              <a:t> no prevé la interacción con un usuario o analista que pueda proveer cierta clase de </a:t>
+            </a:r>
+            <a:r>
+              <a:rPr lang="es-AR" sz="1200" kern="1200" dirty="0" err="1" smtClean="0">
+                <a:solidFill>
+                  <a:schemeClr val="tx1"/>
+                </a:solidFill>
+                <a:latin typeface="+mn-lt"/>
+                <a:ea typeface="+mn-ea"/>
+                <a:cs typeface="+mn-cs"/>
+              </a:rPr>
+              <a:t>feedback</a:t>
+            </a:r>
+            <a:r>
+              <a:rPr lang="es-AR" sz="1200" kern="1200" dirty="0" smtClean="0">
+                <a:solidFill>
+                  <a:schemeClr val="tx1"/>
+                </a:solidFill>
+                <a:latin typeface="+mn-lt"/>
+                <a:ea typeface="+mn-ea"/>
+                <a:cs typeface="+mn-cs"/>
+              </a:rPr>
+              <a:t> en base a los resultados obtenidos. Este tipo de información podría ser de ayuda para un mejor funcionamiento </a:t>
+            </a:r>
+            <a:endParaRPr lang="es-ES_tradnl" dirty="0"/>
+          </a:p>
+        </p:txBody>
+      </p:sp>
+      <p:sp>
+        <p:nvSpPr>
+          <p:cNvPr id="4" name="3 Marcador de número de diapositiva"/>
+          <p:cNvSpPr>
+            <a:spLocks noGrp="1"/>
+          </p:cNvSpPr>
+          <p:nvPr>
+            <p:ph type="sldNum" sz="quarter" idx="10"/>
+          </p:nvPr>
+        </p:nvSpPr>
+        <p:spPr/>
+        <p:txBody>
+          <a:bodyPr/>
+          <a:lstStyle/>
+          <a:p>
+            <a:fld id="{1872ED1A-74B4-42AE-A5BF-D7540D1CC6CA}" type="slidenum">
+              <a:rPr lang="es-ES" smtClean="0"/>
+              <a:pPr/>
+              <a:t>29</a:t>
+            </a:fld>
+            <a:endParaRPr lang="es-ES" dirty="0"/>
+          </a:p>
+        </p:txBody>
+      </p:sp>
+    </p:spTree>
+  </p:cSld>
+  <p:clrMapOvr>
+    <a:masterClrMapping/>
+  </p:clrMapOvr>
+</p:notes>
+</file>
+
+<file path=ppt/notesSlides/notesSlide24.xml><?xml version="1.0" encoding="utf-8"?>
+<p:notes xmlns:a="http://schemas.openxmlformats.org/drawingml/2006/main" xmlns:r="http://schemas.openxmlformats.org/officeDocument/2006/relationships" xmlns:p="http://schemas.openxmlformats.org/presentationml/2006/main">
+  <p:cSld>
+    <p:spTree>
+      <p:nvGrpSpPr>
+        <p:cNvPr id="1" name=""/>
+        <p:cNvGrpSpPr/>
+        <p:nvPr/>
+      </p:nvGrpSpPr>
+      <p:grpSpPr>
+        <a:xfrm>
+          <a:off x="0" y="0"/>
+          <a:ext cx="0" cy="0"/>
+          <a:chOff x="0" y="0"/>
+          <a:chExt cx="0" cy="0"/>
+        </a:xfrm>
+      </p:grpSpPr>
+      <p:sp>
+        <p:nvSpPr>
+          <p:cNvPr id="2" name="1 Marcador de imagen de diapositiva"/>
+          <p:cNvSpPr>
+            <a:spLocks noGrp="1" noRot="1" noChangeAspect="1"/>
+          </p:cNvSpPr>
+          <p:nvPr>
+            <p:ph type="sldImg"/>
+          </p:nvPr>
+        </p:nvSpPr>
+        <p:spPr/>
+      </p:sp>
+      <p:sp>
+        <p:nvSpPr>
+          <p:cNvPr id="3" name="2 Marcador de notas"/>
+          <p:cNvSpPr>
+            <a:spLocks noGrp="1"/>
+          </p:cNvSpPr>
+          <p:nvPr>
+            <p:ph type="body" idx="1"/>
+          </p:nvPr>
+        </p:nvSpPr>
+        <p:spPr/>
+        <p:txBody>
+          <a:bodyPr>
+            <a:normAutofit fontScale="92500" lnSpcReduction="20000"/>
+          </a:bodyPr>
+          <a:lstStyle/>
+          <a:p>
+            <a:pPr lvl="0"/>
+            <a:r>
+              <a:rPr lang="es-AR" sz="1200" kern="1200" dirty="0" smtClean="0">
+                <a:solidFill>
+                  <a:schemeClr val="tx1"/>
+                </a:solidFill>
+                <a:latin typeface="+mn-lt"/>
+                <a:ea typeface="+mn-ea"/>
+                <a:cs typeface="+mn-cs"/>
+              </a:rPr>
+              <a:t>- Mejoramiento de la ontología: al ser la ontología una parte fundamental en el proceso, su mejora impacta directamente sobre el funcionamiento del mismo. La tarea de mejora cuenta con cuatro aristas. La primera, consiste en revisar los conceptos de la ontología, agregando nuevos o identificando nuevas relaciones sobre los existentes. La segunda, consiste en agregar, modificar y mejorar las instancias cargadas en la misma. La tercera, es incluir nuevos atributos de calidad y, por lo tanto, un conocimiento de esos atributos que permita ampliar el alcance de la técnica. La cuarta es implementar distintas estrategias de matching entre los tokens y la ontología.</a:t>
+            </a:r>
+            <a:endParaRPr lang="es-ES_tradnl" sz="1200" kern="1200" dirty="0" smtClean="0">
+              <a:solidFill>
+                <a:schemeClr val="tx1"/>
+              </a:solidFill>
+              <a:latin typeface="+mn-lt"/>
+              <a:ea typeface="+mn-ea"/>
+              <a:cs typeface="+mn-cs"/>
+            </a:endParaRPr>
+          </a:p>
+          <a:p>
+            <a:pPr lvl="0"/>
+            <a:r>
+              <a:rPr lang="es-AR" sz="1200" kern="1200" dirty="0" smtClean="0">
+                <a:solidFill>
+                  <a:schemeClr val="tx1"/>
+                </a:solidFill>
+                <a:latin typeface="+mn-lt"/>
+                <a:ea typeface="+mn-ea"/>
+                <a:cs typeface="+mn-cs"/>
+              </a:rPr>
+              <a:t>- Atributos de los tokens: agregar más atributos a los tokens extraídos de los casos de uso</a:t>
+            </a:r>
+            <a:r>
+              <a:rPr lang="es-AR" sz="1200" kern="1200" baseline="0" dirty="0" smtClean="0">
+                <a:solidFill>
+                  <a:schemeClr val="tx1"/>
+                </a:solidFill>
+                <a:latin typeface="+mn-lt"/>
+                <a:ea typeface="+mn-ea"/>
+                <a:cs typeface="+mn-cs"/>
+              </a:rPr>
+              <a:t> para</a:t>
+            </a:r>
+            <a:r>
+              <a:rPr lang="es-AR" sz="1200" kern="1200" dirty="0" smtClean="0">
+                <a:solidFill>
+                  <a:schemeClr val="tx1"/>
+                </a:solidFill>
+                <a:latin typeface="+mn-lt"/>
+                <a:ea typeface="+mn-ea"/>
+                <a:cs typeface="+mn-cs"/>
+              </a:rPr>
+              <a:t> mejorar los resultados. Por</a:t>
+            </a:r>
+            <a:r>
+              <a:rPr lang="es-AR" sz="1200" kern="1200" baseline="0" dirty="0" smtClean="0">
+                <a:solidFill>
+                  <a:schemeClr val="tx1"/>
+                </a:solidFill>
+                <a:latin typeface="+mn-lt"/>
+                <a:ea typeface="+mn-ea"/>
+                <a:cs typeface="+mn-cs"/>
+              </a:rPr>
+              <a:t> ejemplo, fil</a:t>
+            </a:r>
+            <a:r>
+              <a:rPr lang="es-AR" sz="1200" kern="1200" dirty="0" smtClean="0">
+                <a:solidFill>
+                  <a:schemeClr val="tx1"/>
+                </a:solidFill>
+                <a:latin typeface="+mn-lt"/>
+                <a:ea typeface="+mn-ea"/>
+                <a:cs typeface="+mn-cs"/>
+              </a:rPr>
+              <a:t>tro de “sinónimos” podría mejorar los resultados.</a:t>
+            </a:r>
+            <a:endParaRPr lang="es-ES_tradnl" sz="1200" kern="1200" dirty="0" smtClean="0">
+              <a:solidFill>
+                <a:schemeClr val="tx1"/>
+              </a:solidFill>
+              <a:latin typeface="+mn-lt"/>
+              <a:ea typeface="+mn-ea"/>
+              <a:cs typeface="+mn-cs"/>
+            </a:endParaRPr>
+          </a:p>
+          <a:p>
+            <a:pPr lvl="0"/>
+            <a:r>
+              <a:rPr lang="es-AR" sz="1200" kern="1200" dirty="0" smtClean="0">
+                <a:solidFill>
+                  <a:schemeClr val="tx1"/>
+                </a:solidFill>
+                <a:latin typeface="+mn-lt"/>
+                <a:ea typeface="+mn-ea"/>
+                <a:cs typeface="+mn-cs"/>
+              </a:rPr>
+              <a:t>-</a:t>
+            </a:r>
+            <a:r>
+              <a:rPr lang="es-AR" sz="1200" kern="1200" baseline="0" dirty="0" smtClean="0">
+                <a:solidFill>
+                  <a:schemeClr val="tx1"/>
+                </a:solidFill>
+                <a:latin typeface="+mn-lt"/>
+                <a:ea typeface="+mn-ea"/>
+                <a:cs typeface="+mn-cs"/>
+              </a:rPr>
+              <a:t> </a:t>
+            </a:r>
+            <a:r>
+              <a:rPr lang="es-AR" sz="1200" kern="1200" dirty="0" smtClean="0">
+                <a:solidFill>
+                  <a:schemeClr val="tx1"/>
+                </a:solidFill>
+                <a:latin typeface="+mn-lt"/>
+                <a:ea typeface="+mn-ea"/>
+                <a:cs typeface="+mn-cs"/>
+              </a:rPr>
+              <a:t>Minar QAs desde distintos tipos de documentos: la técnica propuesta pude ser extendida para el tratamiento de diversos documentos, en donde se consideren que se pueden identificar atributos de calidad de un sistema. Ejemplo, minutas, BG.</a:t>
+            </a:r>
+            <a:endParaRPr lang="es-ES_tradnl" sz="1200" kern="1200" dirty="0" smtClean="0">
+              <a:solidFill>
+                <a:schemeClr val="tx1"/>
+              </a:solidFill>
+              <a:latin typeface="+mn-lt"/>
+              <a:ea typeface="+mn-ea"/>
+              <a:cs typeface="+mn-cs"/>
+            </a:endParaRPr>
+          </a:p>
+          <a:p>
+            <a:pPr lvl="0">
+              <a:buFontTx/>
+              <a:buChar char="-"/>
+            </a:pPr>
+            <a:r>
+              <a:rPr lang="es-AR" sz="1200" kern="1200" dirty="0" smtClean="0">
+                <a:solidFill>
+                  <a:schemeClr val="tx1"/>
+                </a:solidFill>
+                <a:latin typeface="+mn-lt"/>
+                <a:ea typeface="+mn-ea"/>
+                <a:cs typeface="+mn-cs"/>
+              </a:rPr>
+              <a:t>Arquitecturas orientadas a aspectos: una vez terminado el trabajo se observó que la técnica propuesta podría ser de mucha utilidad en los casos en que se decida utilizar arquitecturas orientadas a aspectos. Ya que se tiene como resultado los aspectos de entrada, cada uno junto con el atributos de calidad relacionado, el arquitecto podría diseñar un modulo de la arquitectura por aspecto y aplicar a cada módulo las tácticas arquitectónicas que satisfagan el atributo de  calidad relacionado.</a:t>
+            </a:r>
+            <a:endParaRPr lang="es-ES_tradnl" sz="1200" kern="1200" dirty="0" smtClean="0">
+              <a:solidFill>
+                <a:schemeClr val="tx1"/>
+              </a:solidFill>
+              <a:latin typeface="+mn-lt"/>
+              <a:ea typeface="+mn-ea"/>
+              <a:cs typeface="+mn-cs"/>
+            </a:endParaRPr>
+          </a:p>
+          <a:p>
+            <a:pPr>
+              <a:buFontTx/>
+              <a:buChar char="-"/>
+            </a:pPr>
+            <a:r>
+              <a:rPr lang="es-AR" sz="1200" kern="1200" dirty="0" smtClean="0">
+                <a:solidFill>
+                  <a:schemeClr val="tx1"/>
+                </a:solidFill>
+                <a:latin typeface="+mn-lt"/>
+                <a:ea typeface="+mn-ea"/>
+                <a:cs typeface="+mn-cs"/>
+              </a:rPr>
+              <a:t>Aprendizaje: sería de utilidad el desarrollo de alguna técnica de aprendizaje que pueda ser agregada para que la herramienta </a:t>
+            </a:r>
+            <a:r>
+              <a:rPr lang="es-AR" sz="1200" i="1" kern="1200" dirty="0" smtClean="0">
+                <a:solidFill>
+                  <a:schemeClr val="tx1"/>
+                </a:solidFill>
+                <a:latin typeface="+mn-lt"/>
+                <a:ea typeface="+mn-ea"/>
+                <a:cs typeface="+mn-cs"/>
+              </a:rPr>
+              <a:t>QA </a:t>
+            </a:r>
+            <a:r>
+              <a:rPr lang="es-AR" sz="1200" i="1" kern="1200" dirty="0" err="1" smtClean="0">
+                <a:solidFill>
+                  <a:schemeClr val="tx1"/>
+                </a:solidFill>
+                <a:latin typeface="+mn-lt"/>
+                <a:ea typeface="+mn-ea"/>
+                <a:cs typeface="+mn-cs"/>
+              </a:rPr>
+              <a:t>Miner</a:t>
+            </a:r>
+            <a:r>
+              <a:rPr lang="es-AR" sz="1200" kern="1200" dirty="0" smtClean="0">
+                <a:solidFill>
+                  <a:schemeClr val="tx1"/>
+                </a:solidFill>
+                <a:latin typeface="+mn-lt"/>
+                <a:ea typeface="+mn-ea"/>
+                <a:cs typeface="+mn-cs"/>
+              </a:rPr>
+              <a:t> pueda ser ajustada en base al</a:t>
+            </a:r>
+            <a:r>
+              <a:rPr lang="es-AR" sz="1200" kern="1200" baseline="0" dirty="0" smtClean="0">
+                <a:solidFill>
+                  <a:schemeClr val="tx1"/>
+                </a:solidFill>
+                <a:latin typeface="+mn-lt"/>
+                <a:ea typeface="+mn-ea"/>
+                <a:cs typeface="+mn-cs"/>
+              </a:rPr>
+              <a:t> </a:t>
+            </a:r>
+            <a:r>
+              <a:rPr lang="es-AR" sz="1200" kern="1200" baseline="0" dirty="0" err="1" smtClean="0">
+                <a:solidFill>
+                  <a:schemeClr val="tx1"/>
+                </a:solidFill>
+                <a:latin typeface="+mn-lt"/>
+                <a:ea typeface="+mn-ea"/>
+                <a:cs typeface="+mn-cs"/>
+              </a:rPr>
+              <a:t>feedback</a:t>
+            </a:r>
+            <a:r>
+              <a:rPr lang="es-AR" sz="1200" kern="1200" baseline="0" dirty="0" smtClean="0">
+                <a:solidFill>
+                  <a:schemeClr val="tx1"/>
+                </a:solidFill>
+                <a:latin typeface="+mn-lt"/>
+                <a:ea typeface="+mn-ea"/>
+                <a:cs typeface="+mn-cs"/>
+              </a:rPr>
+              <a:t> del analista</a:t>
+            </a:r>
+            <a:r>
+              <a:rPr lang="es-AR" sz="1200" kern="1200" dirty="0" smtClean="0">
+                <a:solidFill>
+                  <a:schemeClr val="tx1"/>
+                </a:solidFill>
+                <a:latin typeface="+mn-lt"/>
+                <a:ea typeface="+mn-ea"/>
+                <a:cs typeface="+mn-cs"/>
+              </a:rPr>
+              <a:t>, para que se puedan tener mejores resultados</a:t>
+            </a:r>
+            <a:r>
+              <a:rPr lang="es-AR" sz="1200" kern="1200" baseline="0" dirty="0" smtClean="0">
+                <a:solidFill>
+                  <a:schemeClr val="tx1"/>
+                </a:solidFill>
+                <a:latin typeface="+mn-lt"/>
+                <a:ea typeface="+mn-ea"/>
+                <a:cs typeface="+mn-cs"/>
+              </a:rPr>
+              <a:t> en futuras corridas</a:t>
+            </a:r>
+            <a:endParaRPr lang="es-ES_tradnl" dirty="0"/>
+          </a:p>
+        </p:txBody>
+      </p:sp>
+      <p:sp>
+        <p:nvSpPr>
+          <p:cNvPr id="4" name="3 Marcador de número de diapositiva"/>
+          <p:cNvSpPr>
+            <a:spLocks noGrp="1"/>
+          </p:cNvSpPr>
+          <p:nvPr>
+            <p:ph type="sldNum" sz="quarter" idx="10"/>
+          </p:nvPr>
+        </p:nvSpPr>
+        <p:spPr/>
+        <p:txBody>
+          <a:bodyPr/>
+          <a:lstStyle/>
+          <a:p>
+            <a:fld id="{1872ED1A-74B4-42AE-A5BF-D7540D1CC6CA}" type="slidenum">
+              <a:rPr lang="es-ES" smtClean="0"/>
+              <a:pPr/>
+              <a:t>30</a:t>
+            </a:fld>
+            <a:endParaRPr lang="es-ES" dirty="0"/>
+          </a:p>
+        </p:txBody>
+      </p:sp>
+    </p:spTree>
+  </p:cSld>
+  <p:clrMapOvr>
+    <a:masterClrMapping/>
+  </p:clrMapOvr>
+</p:notes>
+</file>
+
+<file path=ppt/notesSlides/notesSlide25.xml><?xml version="1.0" encoding="utf-8"?>
+<p:notes xmlns:a="http://schemas.openxmlformats.org/drawingml/2006/main" xmlns:r="http://schemas.openxmlformats.org/officeDocument/2006/relationships" xmlns:p="http://schemas.openxmlformats.org/presentationml/2006/main">
+  <p:cSld>
+    <p:spTree>
+      <p:nvGrpSpPr>
+        <p:cNvPr id="1" name=""/>
+        <p:cNvGrpSpPr/>
+        <p:nvPr/>
+      </p:nvGrpSpPr>
+      <p:grpSpPr>
+        <a:xfrm>
+          <a:off x="0" y="0"/>
+          <a:ext cx="0" cy="0"/>
+          <a:chOff x="0" y="0"/>
+          <a:chExt cx="0" cy="0"/>
+        </a:xfrm>
+      </p:grpSpPr>
+      <p:sp>
+        <p:nvSpPr>
+          <p:cNvPr id="2" name="1 Marcador de imagen de diapositiva"/>
+          <p:cNvSpPr>
+            <a:spLocks noGrp="1" noRot="1" noChangeAspect="1"/>
+          </p:cNvSpPr>
+          <p:nvPr>
+            <p:ph type="sldImg"/>
+          </p:nvPr>
+        </p:nvSpPr>
+        <p:spPr/>
+      </p:sp>
+      <p:sp>
+        <p:nvSpPr>
+          <p:cNvPr id="3" name="2 Marcador de notas"/>
+          <p:cNvSpPr>
+            <a:spLocks noGrp="1"/>
+          </p:cNvSpPr>
+          <p:nvPr>
+            <p:ph type="body" idx="1"/>
+          </p:nvPr>
+        </p:nvSpPr>
+        <p:spPr/>
+        <p:txBody>
+          <a:bodyPr>
+            <a:normAutofit/>
+          </a:bodyPr>
+          <a:lstStyle/>
+          <a:p>
+            <a:endParaRPr lang="es-ES_tradnl" dirty="0"/>
+          </a:p>
+        </p:txBody>
+      </p:sp>
+      <p:sp>
+        <p:nvSpPr>
+          <p:cNvPr id="4" name="3 Marcador de número de diapositiva"/>
+          <p:cNvSpPr>
+            <a:spLocks noGrp="1"/>
+          </p:cNvSpPr>
+          <p:nvPr>
+            <p:ph type="sldNum" sz="quarter" idx="10"/>
+          </p:nvPr>
+        </p:nvSpPr>
+        <p:spPr/>
+        <p:txBody>
+          <a:bodyPr/>
+          <a:lstStyle/>
+          <a:p>
+            <a:fld id="{1872ED1A-74B4-42AE-A5BF-D7540D1CC6CA}" type="slidenum">
+              <a:rPr lang="es-ES" smtClean="0"/>
+              <a:pPr/>
+              <a:t>31</a:t>
             </a:fld>
             <a:endParaRPr lang="es-ES" dirty="0"/>
           </a:p>
@@ -1618,6 +3497,14 @@
           </a:bodyPr>
           <a:lstStyle/>
           <a:p>
+            <a:r>
+              <a:rPr lang="es-ES_tradnl" dirty="0" smtClean="0"/>
+              <a:t>Lo primero</a:t>
+            </a:r>
+            <a:r>
+              <a:rPr lang="es-ES_tradnl" baseline="0" dirty="0" smtClean="0"/>
+              <a:t> que vamos a ver es la introducción. En este punto, se explicará el Contexto y la Problemática.</a:t>
+            </a:r>
             <a:endParaRPr lang="es-ES_tradnl" dirty="0"/>
           </a:p>
         </p:txBody>
@@ -1700,6 +3587,23 @@
           </a:bodyPr>
           <a:lstStyle/>
           <a:p>
+            <a:pPr marL="0" marR="0" indent="0" algn="l" defTabSz="914400" rtl="0" eaLnBrk="1" fontAlgn="auto" latinLnBrk="0" hangingPunct="1">
+              <a:lnSpc>
+                <a:spcPct val="100000"/>
+              </a:lnSpc>
+              <a:spcBef>
+                <a:spcPts val="0"/>
+              </a:spcBef>
+              <a:spcAft>
+                <a:spcPts val="0"/>
+              </a:spcAft>
+              <a:buClrTx/>
+              <a:buSzTx/>
+              <a:buFontTx/>
+              <a:buNone/>
+              <a:tabLst/>
+              <a:defRPr/>
+            </a:pPr>
             <a:r>
               <a:rPr lang="es-AR" sz="1200" kern="1200" dirty="0" smtClean="0">
                 <a:solidFill>
@@ -1709,7 +3613,27 @@
                 <a:ea typeface="+mn-ea"/>
                 <a:cs typeface="+mn-cs"/>
               </a:rPr>
-              <a:t>-Estas </a:t>
+              <a:t>- </a:t>
+            </a:r>
+            <a:r>
+              <a:rPr lang="es-ES" dirty="0" smtClean="0"/>
+              <a:t>Los atributos de calidad o </a:t>
+            </a:r>
+            <a:r>
+              <a:rPr lang="es-ES" dirty="0" err="1" smtClean="0"/>
+              <a:t>QAs</a:t>
+            </a:r>
+            <a:r>
+              <a:rPr lang="es-ES" dirty="0" smtClean="0"/>
+              <a:t>  son propiedades deseadas o requerimientos adicionales de un sistema.  Ejemplo de</a:t>
+            </a:r>
+            <a:r>
+              <a:rPr lang="es-ES" baseline="0" dirty="0" smtClean="0"/>
+              <a:t> atributos de calidad son</a:t>
+            </a:r>
+            <a:r>
+              <a:rPr lang="es-ES" dirty="0" smtClean="0"/>
+              <a:t>: performance, seguridad, disponibilidad, modificabilidad, usabilidad, etc. </a:t>
             </a:r>
             <a:r>
               <a:rPr lang="es-AR" sz="1200" kern="1200" dirty="0" smtClean="0">
@@ -1720,7 +3644,7 @@
                 <a:ea typeface="+mn-ea"/>
                 <a:cs typeface="+mn-cs"/>
               </a:rPr>
-              <a:t>propiedades son requerimientos adicionales del </a:t>
+              <a:t>Estas </a:t>
             </a:r>
             <a:r>
               <a:rPr lang="es-AR" sz="1200" kern="1200" dirty="0" smtClean="0">
@@ -1731,7 +3655,7 @@
                 <a:ea typeface="+mn-ea"/>
                 <a:cs typeface="+mn-cs"/>
               </a:rPr>
-              <a:t>sistema que </a:t>
+              <a:t>propiedades son requerimientos adicionales del sistema que hacen referencia a características o restricciones que </a:t>
             </a:r>
             <a:r>
               <a:rPr lang="es-AR" sz="1200" kern="1200" dirty="0" smtClean="0">
@@ -1742,7 +3666,73 @@
                 <a:ea typeface="+mn-ea"/>
                 <a:cs typeface="+mn-cs"/>
               </a:rPr>
-              <a:t>hacen referencia a características o restricciones que éste debe satisfacer, y complementan los requerimientos funcionales del mismo. </a:t>
+              <a:t>el</a:t>
+            </a:r>
+            <a:r>
+              <a:rPr lang="es-AR" sz="1200" kern="1200" baseline="0" dirty="0" smtClean="0">
+                <a:solidFill>
+                  <a:schemeClr val="tx1"/>
+                </a:solidFill>
+                <a:latin typeface="+mn-lt"/>
+                <a:ea typeface="+mn-ea"/>
+                <a:cs typeface="+mn-cs"/>
+              </a:rPr>
+              <a:t> sistema de</a:t>
+            </a:r>
+            <a:r>
+              <a:rPr lang="es-AR" sz="1200" kern="1200" dirty="0" smtClean="0">
+                <a:solidFill>
+                  <a:schemeClr val="tx1"/>
+                </a:solidFill>
+                <a:latin typeface="+mn-lt"/>
+                <a:ea typeface="+mn-ea"/>
+                <a:cs typeface="+mn-cs"/>
+              </a:rPr>
+              <a:t>be satisfacer.</a:t>
+            </a:r>
+            <a:r>
+              <a:rPr lang="es-AR" sz="1200" kern="1200" baseline="0" dirty="0" smtClean="0">
+                <a:solidFill>
+                  <a:schemeClr val="tx1"/>
+                </a:solidFill>
+                <a:latin typeface="+mn-lt"/>
+                <a:ea typeface="+mn-ea"/>
+                <a:cs typeface="+mn-cs"/>
+              </a:rPr>
+              <a:t> Los QAs </a:t>
+            </a:r>
+            <a:r>
+              <a:rPr lang="es-AR" sz="1200" kern="1200" dirty="0" smtClean="0">
+                <a:solidFill>
+                  <a:schemeClr val="tx1"/>
+                </a:solidFill>
+                <a:latin typeface="+mn-lt"/>
+                <a:ea typeface="+mn-ea"/>
+                <a:cs typeface="+mn-cs"/>
+              </a:rPr>
+              <a:t>complementan </a:t>
+            </a:r>
+            <a:r>
+              <a:rPr lang="es-AR" sz="1200" kern="1200" dirty="0" smtClean="0">
+                <a:solidFill>
+                  <a:schemeClr val="tx1"/>
+                </a:solidFill>
+                <a:latin typeface="+mn-lt"/>
+                <a:ea typeface="+mn-ea"/>
+                <a:cs typeface="+mn-cs"/>
+              </a:rPr>
+              <a:t>los requerimientos funcionales del </a:t>
+            </a:r>
+            <a:r>
+              <a:rPr lang="es-AR" sz="1200" kern="1200" dirty="0" smtClean="0">
+                <a:solidFill>
+                  <a:schemeClr val="tx1"/>
+                </a:solidFill>
+                <a:latin typeface="+mn-lt"/>
+                <a:ea typeface="+mn-ea"/>
+                <a:cs typeface="+mn-cs"/>
+              </a:rPr>
+              <a:t>sistema.  </a:t>
             </a:r>
             <a:endParaRPr lang="es-AR" sz="1200" kern="1200" dirty="0" smtClean="0">
               <a:solidFill>
@@ -1773,184 +3763,7 @@
                 <a:ea typeface="+mn-ea"/>
                 <a:cs typeface="+mn-cs"/>
               </a:rPr>
-              <a:t>-Es</a:t>
-            </a:r>
-            <a:r>
-              <a:rPr lang="es-AR" sz="1200" kern="1200" baseline="0" dirty="0" smtClean="0">
-                <a:solidFill>
-                  <a:schemeClr val="tx1"/>
-                </a:solidFill>
-                <a:latin typeface="+mn-lt"/>
-                <a:ea typeface="+mn-ea"/>
-                <a:cs typeface="+mn-cs"/>
-              </a:rPr>
-              <a:t> necesario </a:t>
-            </a:r>
-            <a:r>
-              <a:rPr lang="es-AR" sz="1200" kern="1200" baseline="0" dirty="0" err="1" smtClean="0">
-                <a:solidFill>
-                  <a:schemeClr val="tx1"/>
-                </a:solidFill>
-                <a:latin typeface="+mn-lt"/>
-                <a:ea typeface="+mn-ea"/>
-                <a:cs typeface="+mn-cs"/>
-              </a:rPr>
-              <a:t>indentificar</a:t>
-            </a:r>
-            <a:r>
-              <a:rPr lang="es-AR" sz="1200" kern="1200" baseline="0" dirty="0" smtClean="0">
-                <a:solidFill>
-                  <a:schemeClr val="tx1"/>
-                </a:solidFill>
-                <a:latin typeface="+mn-lt"/>
-                <a:ea typeface="+mn-ea"/>
-                <a:cs typeface="+mn-cs"/>
-              </a:rPr>
-              <a:t> tempranamente los </a:t>
-            </a:r>
-            <a:r>
-              <a:rPr lang="es-AR" sz="1200" kern="1200" baseline="0" dirty="0" err="1" smtClean="0">
-                <a:solidFill>
-                  <a:schemeClr val="tx1"/>
-                </a:solidFill>
-                <a:latin typeface="+mn-lt"/>
-                <a:ea typeface="+mn-ea"/>
-                <a:cs typeface="+mn-cs"/>
-              </a:rPr>
-              <a:t>Qas</a:t>
-            </a:r>
-            <a:r>
-              <a:rPr lang="es-AR" sz="1200" kern="1200" baseline="0" dirty="0" smtClean="0">
-                <a:solidFill>
-                  <a:schemeClr val="tx1"/>
-                </a:solidFill>
-                <a:latin typeface="+mn-lt"/>
-                <a:ea typeface="+mn-ea"/>
-                <a:cs typeface="+mn-cs"/>
-              </a:rPr>
-              <a:t> del sistema para ser </a:t>
-            </a:r>
-            <a:r>
-              <a:rPr lang="es-AR" sz="1200" kern="1200" baseline="0" dirty="0" err="1" smtClean="0">
-                <a:solidFill>
-                  <a:schemeClr val="tx1"/>
-                </a:solidFill>
-                <a:latin typeface="+mn-lt"/>
-                <a:ea typeface="+mn-ea"/>
-                <a:cs typeface="+mn-cs"/>
-              </a:rPr>
-              <a:t>tenenidos</a:t>
-            </a:r>
-            <a:r>
-              <a:rPr lang="es-AR" sz="1200" kern="1200" baseline="0" dirty="0" smtClean="0">
-                <a:solidFill>
-                  <a:schemeClr val="tx1"/>
-                </a:solidFill>
-                <a:latin typeface="+mn-lt"/>
-                <a:ea typeface="+mn-ea"/>
-                <a:cs typeface="+mn-cs"/>
-              </a:rPr>
-              <a:t> en cuenta desde las primeras decisiones de diseño, que impactan </a:t>
-            </a:r>
-            <a:r>
-              <a:rPr lang="es-AR" sz="1200" kern="1200" baseline="0" dirty="0" err="1" smtClean="0">
-                <a:solidFill>
-                  <a:schemeClr val="tx1"/>
-                </a:solidFill>
-                <a:latin typeface="+mn-lt"/>
-                <a:ea typeface="+mn-ea"/>
-                <a:cs typeface="+mn-cs"/>
-              </a:rPr>
-              <a:t>siginificativamenete</a:t>
-            </a:r>
-            <a:r>
-              <a:rPr lang="es-AR" sz="1200" kern="1200" baseline="0" dirty="0" smtClean="0">
-                <a:solidFill>
-                  <a:schemeClr val="tx1"/>
-                </a:solidFill>
-                <a:latin typeface="+mn-lt"/>
-                <a:ea typeface="+mn-ea"/>
-                <a:cs typeface="+mn-cs"/>
-              </a:rPr>
-              <a:t> en las etapas posteriores.</a:t>
-            </a:r>
-          </a:p>
-          <a:p>
-            <a:endParaRPr lang="es-AR" sz="1200" kern="1200" baseline="0" dirty="0" smtClean="0">
-              <a:solidFill>
-                <a:schemeClr val="tx1"/>
-              </a:solidFill>
-              <a:latin typeface="+mn-lt"/>
-              <a:ea typeface="+mn-ea"/>
-              <a:cs typeface="+mn-cs"/>
-            </a:endParaRPr>
-          </a:p>
-          <a:p>
-            <a:r>
-              <a:rPr lang="es-AR" sz="1200" kern="1200" baseline="0" dirty="0" smtClean="0">
-                <a:solidFill>
-                  <a:schemeClr val="tx1"/>
-                </a:solidFill>
-                <a:latin typeface="+mn-lt"/>
-                <a:ea typeface="+mn-ea"/>
-                <a:cs typeface="+mn-cs"/>
-              </a:rPr>
-              <a:t>-Una incorrecta </a:t>
-            </a:r>
-            <a:r>
-              <a:rPr lang="es-AR" sz="1200" kern="1200" baseline="0" dirty="0" err="1" smtClean="0">
-                <a:solidFill>
-                  <a:schemeClr val="tx1"/>
-                </a:solidFill>
-                <a:latin typeface="+mn-lt"/>
-                <a:ea typeface="+mn-ea"/>
-                <a:cs typeface="+mn-cs"/>
-              </a:rPr>
-              <a:t>identificacion</a:t>
-            </a:r>
-            <a:r>
-              <a:rPr lang="es-AR" sz="1200" kern="1200" baseline="0" dirty="0" smtClean="0">
-                <a:solidFill>
-                  <a:schemeClr val="tx1"/>
-                </a:solidFill>
-                <a:latin typeface="+mn-lt"/>
-                <a:ea typeface="+mn-ea"/>
-                <a:cs typeface="+mn-cs"/>
-              </a:rPr>
-              <a:t> (ya sea por </a:t>
-            </a:r>
-            <a:r>
-              <a:rPr lang="es-AR" sz="1200" kern="1200" baseline="0" dirty="0" err="1" smtClean="0">
-                <a:solidFill>
-                  <a:schemeClr val="tx1"/>
-                </a:solidFill>
-                <a:latin typeface="+mn-lt"/>
-                <a:ea typeface="+mn-ea"/>
-                <a:cs typeface="+mn-cs"/>
-              </a:rPr>
-              <a:t>Qas</a:t>
-            </a:r>
-            <a:r>
-              <a:rPr lang="es-AR" sz="1200" kern="1200" baseline="0" dirty="0" smtClean="0">
-                <a:solidFill>
-                  <a:schemeClr val="tx1"/>
-                </a:solidFill>
-                <a:latin typeface="+mn-lt"/>
-                <a:ea typeface="+mn-ea"/>
-                <a:cs typeface="+mn-cs"/>
-              </a:rPr>
-              <a:t> faltantes o </a:t>
-            </a:r>
-            <a:r>
-              <a:rPr lang="es-AR" sz="1200" kern="1200" baseline="0" dirty="0" err="1" smtClean="0">
-                <a:solidFill>
-                  <a:schemeClr val="tx1"/>
-                </a:solidFill>
-                <a:latin typeface="+mn-lt"/>
-                <a:ea typeface="+mn-ea"/>
-                <a:cs typeface="+mn-cs"/>
-              </a:rPr>
-              <a:t>Qas</a:t>
+              <a:t>- Es</a:t>
             </a:r>
             <a:r>
               <a:rPr lang="es-AR" sz="1200" kern="1200" baseline="0" dirty="0" smtClean="0">
@@ -1964,17 +3777,6 @@
               <a:t> </a:t>
             </a:r>
             <a:r>
-              <a:rPr lang="es-AR" sz="1200" kern="1200" baseline="0" dirty="0" err="1" smtClean="0">
-                <a:solidFill>
-                  <a:schemeClr val="tx1"/>
-                </a:solidFill>
-                <a:latin typeface="+mn-lt"/>
-                <a:ea typeface="+mn-ea"/>
-                <a:cs typeface="+mn-cs"/>
-              </a:rPr>
-              <a:t>erroneamente</a:t>
-            </a:r>
-            <a:r>
               <a:rPr lang="es-AR" sz="1200" kern="1200" baseline="0" dirty="0" smtClean="0">
                 <a:solidFill>
                   <a:schemeClr val="tx1"/>
@@ -1983,18 +3785,7 @@
                 <a:ea typeface="+mn-ea"/>
                 <a:cs typeface="+mn-cs"/>
               </a:rPr>
-              <a:t> identificados) pueden producir costos elevados de </a:t>
-            </a:r>
-            <a:r>
-              <a:rPr lang="es-AR" sz="1200" kern="1200" baseline="0" dirty="0" err="1" smtClean="0">
-                <a:solidFill>
-                  <a:schemeClr val="tx1"/>
-                </a:solidFill>
-                <a:latin typeface="+mn-lt"/>
-                <a:ea typeface="+mn-ea"/>
-                <a:cs typeface="+mn-cs"/>
-              </a:rPr>
-              <a:t>retrabajo</a:t>
+              <a:t>necesario </a:t>
             </a:r>
             <a:r>
               <a:rPr lang="es-AR" sz="1200" kern="1200" baseline="0" dirty="0" smtClean="0">
@@ -2005,7 +3796,162 @@
                 <a:ea typeface="+mn-ea"/>
                 <a:cs typeface="+mn-cs"/>
               </a:rPr>
-              <a:t> si, éstos son detectados en etapas finales del desarrollo.</a:t>
+              <a:t>identificar </a:t>
+            </a:r>
+            <a:r>
+              <a:rPr lang="es-AR" sz="1200" kern="1200" baseline="0" dirty="0" smtClean="0">
+                <a:solidFill>
+                  <a:schemeClr val="tx1"/>
+                </a:solidFill>
+                <a:latin typeface="+mn-lt"/>
+                <a:ea typeface="+mn-ea"/>
+                <a:cs typeface="+mn-cs"/>
+              </a:rPr>
+              <a:t>tempranamente los Qas del sistema para ser </a:t>
+            </a:r>
+            <a:r>
+              <a:rPr lang="es-AR" sz="1200" kern="1200" baseline="0" dirty="0" smtClean="0">
+                <a:solidFill>
+                  <a:schemeClr val="tx1"/>
+                </a:solidFill>
+                <a:latin typeface="+mn-lt"/>
+                <a:ea typeface="+mn-ea"/>
+                <a:cs typeface="+mn-cs"/>
+              </a:rPr>
+              <a:t>tenidos </a:t>
+            </a:r>
+            <a:r>
+              <a:rPr lang="es-AR" sz="1200" kern="1200" baseline="0" dirty="0" smtClean="0">
+                <a:solidFill>
+                  <a:schemeClr val="tx1"/>
+                </a:solidFill>
+                <a:latin typeface="+mn-lt"/>
+                <a:ea typeface="+mn-ea"/>
+                <a:cs typeface="+mn-cs"/>
+              </a:rPr>
+              <a:t>en cuenta desde las primeras decisiones de </a:t>
+            </a:r>
+            <a:r>
+              <a:rPr lang="es-AR" sz="1200" kern="1200" baseline="0" dirty="0" smtClean="0">
+                <a:solidFill>
+                  <a:schemeClr val="tx1"/>
+                </a:solidFill>
+                <a:latin typeface="+mn-lt"/>
+                <a:ea typeface="+mn-ea"/>
+                <a:cs typeface="+mn-cs"/>
+              </a:rPr>
+              <a:t>diseño, por ejemplo en la arquitectura, ya que impactaran significativamente </a:t>
+            </a:r>
+            <a:r>
+              <a:rPr lang="es-AR" sz="1200" kern="1200" baseline="0" dirty="0" smtClean="0">
+                <a:solidFill>
+                  <a:schemeClr val="tx1"/>
+                </a:solidFill>
+                <a:latin typeface="+mn-lt"/>
+                <a:ea typeface="+mn-ea"/>
+                <a:cs typeface="+mn-cs"/>
+              </a:rPr>
+              <a:t>en las etapas posteriores.</a:t>
+            </a:r>
+          </a:p>
+          <a:p>
+            <a:endParaRPr lang="es-AR" sz="1200" kern="1200" baseline="0" dirty="0" smtClean="0">
+              <a:solidFill>
+                <a:schemeClr val="tx1"/>
+              </a:solidFill>
+              <a:latin typeface="+mn-lt"/>
+              <a:ea typeface="+mn-ea"/>
+              <a:cs typeface="+mn-cs"/>
+            </a:endParaRPr>
+          </a:p>
+          <a:p>
+            <a:r>
+              <a:rPr lang="es-AR" sz="1200" kern="1200" baseline="0" dirty="0" smtClean="0">
+                <a:solidFill>
+                  <a:schemeClr val="tx1"/>
+                </a:solidFill>
+                <a:latin typeface="+mn-lt"/>
+                <a:ea typeface="+mn-ea"/>
+                <a:cs typeface="+mn-cs"/>
+              </a:rPr>
+              <a:t>- Una </a:t>
+            </a:r>
+            <a:r>
+              <a:rPr lang="es-AR" sz="1200" kern="1200" baseline="0" dirty="0" smtClean="0">
+                <a:solidFill>
+                  <a:schemeClr val="tx1"/>
+                </a:solidFill>
+                <a:latin typeface="+mn-lt"/>
+                <a:ea typeface="+mn-ea"/>
+                <a:cs typeface="+mn-cs"/>
+              </a:rPr>
+              <a:t>incorrecta </a:t>
+            </a:r>
+            <a:r>
+              <a:rPr lang="es-AR" sz="1200" kern="1200" baseline="0" dirty="0" smtClean="0">
+                <a:solidFill>
+                  <a:schemeClr val="tx1"/>
+                </a:solidFill>
+                <a:latin typeface="+mn-lt"/>
+                <a:ea typeface="+mn-ea"/>
+                <a:cs typeface="+mn-cs"/>
+              </a:rPr>
+              <a:t>identificación, ya </a:t>
+            </a:r>
+            <a:r>
+              <a:rPr lang="es-AR" sz="1200" kern="1200" baseline="0" dirty="0" smtClean="0">
+                <a:solidFill>
+                  <a:schemeClr val="tx1"/>
+                </a:solidFill>
+                <a:latin typeface="+mn-lt"/>
+                <a:ea typeface="+mn-ea"/>
+                <a:cs typeface="+mn-cs"/>
+              </a:rPr>
+              <a:t>sea por Qas faltantes o Qas </a:t>
+            </a:r>
+            <a:r>
+              <a:rPr lang="es-AR" sz="1200" kern="1200" baseline="0" dirty="0" smtClean="0">
+                <a:solidFill>
+                  <a:schemeClr val="tx1"/>
+                </a:solidFill>
+                <a:latin typeface="+mn-lt"/>
+                <a:ea typeface="+mn-ea"/>
+                <a:cs typeface="+mn-cs"/>
+              </a:rPr>
+              <a:t>erróneamente identificados, </a:t>
+            </a:r>
+            <a:r>
+              <a:rPr lang="es-AR" sz="1200" kern="1200" baseline="0" dirty="0" smtClean="0">
+                <a:solidFill>
+                  <a:schemeClr val="tx1"/>
+                </a:solidFill>
+                <a:latin typeface="+mn-lt"/>
+                <a:ea typeface="+mn-ea"/>
+                <a:cs typeface="+mn-cs"/>
+              </a:rPr>
+              <a:t>pueden producir costos elevados de </a:t>
+            </a:r>
+            <a:r>
+              <a:rPr lang="es-AR" sz="1200" kern="1200" baseline="0" dirty="0" smtClean="0">
+                <a:solidFill>
+                  <a:schemeClr val="tx1"/>
+                </a:solidFill>
+                <a:latin typeface="+mn-lt"/>
+                <a:ea typeface="+mn-ea"/>
+                <a:cs typeface="+mn-cs"/>
+              </a:rPr>
+              <a:t>re trabajo si </a:t>
+            </a:r>
+            <a:r>
+              <a:rPr lang="es-AR" sz="1200" kern="1200" baseline="0" dirty="0" smtClean="0">
+                <a:solidFill>
+                  <a:schemeClr val="tx1"/>
+                </a:solidFill>
+                <a:latin typeface="+mn-lt"/>
+                <a:ea typeface="+mn-ea"/>
+                <a:cs typeface="+mn-cs"/>
+              </a:rPr>
+              <a:t>éstos son detectados en etapas finales del desarrollo.</a:t>
             </a:r>
             <a:r>
               <a:rPr lang="es-AR" sz="1200" kern="1200" dirty="0" smtClean="0">
@@ -2108,7 +4054,7 @@
                 <a:ea typeface="+mn-ea"/>
                 <a:cs typeface="+mn-cs"/>
               </a:rPr>
-              <a:t>-Por </a:t>
+              <a:t>-Por lo general, los QAs de un sistema provienen de distintas fuentes, como por ejemplo los objetivos de negocio, </a:t>
             </a:r>
             <a:r>
               <a:rPr lang="es-AR" sz="1200" kern="1200" dirty="0" smtClean="0">
@@ -2119,8 +4065,43 @@
                 <a:ea typeface="+mn-ea"/>
                 <a:cs typeface="+mn-cs"/>
               </a:rPr>
-              <a:t>lo general, los QAs de un sistema provienen de distintas fuentes, como por ejemplo los objetivos de negocio, las entrevistas con los stakeholders y/o las especificaciones de requerimientos. </a:t>
-            </a:r>
+              <a:t>entrevistas </a:t>
+            </a:r>
+            <a:r>
+              <a:rPr lang="es-AR" sz="1200" kern="1200" dirty="0" smtClean="0">
+                <a:solidFill>
+                  <a:schemeClr val="tx1"/>
+                </a:solidFill>
+                <a:latin typeface="+mn-lt"/>
+                <a:ea typeface="+mn-ea"/>
+                <a:cs typeface="+mn-cs"/>
+              </a:rPr>
+              <a:t>con los stakeholders </a:t>
+            </a:r>
+            <a:r>
+              <a:rPr lang="es-AR" sz="1200" kern="1200" dirty="0" smtClean="0">
+                <a:solidFill>
+                  <a:schemeClr val="tx1"/>
+                </a:solidFill>
+                <a:latin typeface="+mn-lt"/>
+                <a:ea typeface="+mn-ea"/>
+                <a:cs typeface="+mn-cs"/>
+              </a:rPr>
+              <a:t>y </a:t>
+            </a:r>
+            <a:r>
+              <a:rPr lang="es-AR" sz="1200" kern="1200" dirty="0" smtClean="0">
+                <a:solidFill>
+                  <a:schemeClr val="tx1"/>
+                </a:solidFill>
+                <a:latin typeface="+mn-lt"/>
+                <a:ea typeface="+mn-ea"/>
+                <a:cs typeface="+mn-cs"/>
+              </a:rPr>
+              <a:t>las especificaciones de requerimientos. </a:t>
+            </a:r>
+          </a:p>
+          <a:p>
             <a:endParaRPr lang="es-AR" sz="1200" kern="1200" dirty="0" smtClean="0">
               <a:solidFill>
                 <a:schemeClr val="tx1"/>
@@ -2131,16 +4112,6 @@
             </a:endParaRPr>
           </a:p>
           <a:p>
-            <a:endParaRPr lang="es-AR" sz="1200" kern="1200" dirty="0" smtClean="0">
-              <a:solidFill>
-                <a:schemeClr val="tx1"/>
-              </a:solidFill>
-              <a:latin typeface="+mn-lt"/>
-              <a:ea typeface="+mn-ea"/>
-              <a:cs typeface="+mn-cs"/>
-            </a:endParaRPr>
-          </a:p>
-          <a:p>
             <a:r>
               <a:rPr lang="es-AR" sz="1200" kern="1200" dirty="0" smtClean="0">
                 <a:solidFill>
@@ -2150,7 +4121,7 @@
                 <a:ea typeface="+mn-ea"/>
                 <a:cs typeface="+mn-cs"/>
               </a:rPr>
-              <a:t>-En </a:t>
+              <a:t>-En este último caso, cuando se </a:t>
             </a:r>
             <a:r>
               <a:rPr lang="es-AR" sz="1200" kern="1200" dirty="0" smtClean="0">
@@ -2161,10 +4132,10 @@
                 <a:ea typeface="+mn-ea"/>
                 <a:cs typeface="+mn-cs"/>
               </a:rPr>
-              <a:t>este último caso, cuando se </a:t>
-            </a:r>
-            <a:r>
-              <a:rPr lang="es-AR" sz="1200" kern="1200" dirty="0" err="1" smtClean="0">
+              <a:t>hace</a:t>
+            </a:r>
+            <a:r>
+              <a:rPr lang="es-AR" sz="1200" kern="1200" baseline="0" dirty="0" smtClean="0">
                 <a:solidFill>
                   <a:schemeClr val="tx1"/>
                 </a:solidFill>
@@ -2172,7 +4143,7 @@
                 <a:ea typeface="+mn-ea"/>
                 <a:cs typeface="+mn-cs"/>
               </a:rPr>
-              <a:t>elicitan</a:t>
+              <a:t>n </a:t>
             </a:r>
             <a:r>
               <a:rPr lang="es-AR" sz="1200" kern="1200" dirty="0" smtClean="0">
@@ -2183,7 +4154,7 @@
                 <a:ea typeface="+mn-ea"/>
                 <a:cs typeface="+mn-cs"/>
               </a:rPr>
-              <a:t> los requerimientos funcionales (por ejemplo, en casos de uso), muchos stakeholders introducen aspectos de calidad relacionados con funcionalidades especificas del sistema. </a:t>
+              <a:t>los </a:t>
             </a:r>
             <a:r>
               <a:rPr lang="es-AR" sz="1200" kern="1200" dirty="0" smtClean="0">
@@ -2194,7 +4165,7 @@
                 <a:ea typeface="+mn-ea"/>
                 <a:cs typeface="+mn-cs"/>
               </a:rPr>
-              <a:t>Algunos QAs </a:t>
+              <a:t>requerimientos funcionales (por ejemplo, en casos de uso), muchos stakeholders introducen aspectos de calidad relacionados con funcionalidades especificas del sistema. Algunos QAs </a:t>
             </a:r>
             <a:r>
               <a:rPr lang="es-AR" sz="1200" kern="1200" dirty="0" smtClean="0">
@@ -2205,7 +4176,7 @@
                 <a:ea typeface="+mn-ea"/>
                 <a:cs typeface="+mn-cs"/>
               </a:rPr>
-              <a:t>están “ocultos” entre los requerimientos que especifican la funcionalidad y, por ello, podrían ser ignorados por los </a:t>
+              <a:t>quedan “ocultos</a:t>
             </a:r>
             <a:r>
               <a:rPr lang="es-AR" sz="1200" kern="1200" dirty="0" smtClean="0">
@@ -2216,7 +4187,7 @@
                 <a:ea typeface="+mn-ea"/>
                 <a:cs typeface="+mn-cs"/>
               </a:rPr>
-              <a:t>analistas. </a:t>
+              <a:t>” entre los requerimientos que especifican la funcionalidad y, por ello, podrían ser ignorados por los analistas. </a:t>
             </a:r>
           </a:p>
           <a:p>
@@ -2239,8 +4210,20 @@
                 <a:ea typeface="+mn-ea"/>
                 <a:cs typeface="+mn-cs"/>
               </a:rPr>
-              <a:t>-A </a:t>
-            </a:r>
+              <a:t>-A pesar de que podría parecer una tarea sencilla, en la práctica la identificación de QAs en casos de uso puede resultar una tarea dificultosa para el analista, insumiendo gran cantidad de tiempo y esfuerzo. Esto se debe a que, en general, los requerimientos funcionales están expresados en forma de texto plano. Esta dificultad se acrecienta en especificaciones de requerimientos de gran tamaño, debido a la dificultad del analista para analizar texto no estructurado.</a:t>
+            </a:r>
+          </a:p>
+          <a:p>
+            <a:endParaRPr lang="es-ES_tradnl" sz="1200" kern="1200" dirty="0" smtClean="0">
+              <a:solidFill>
+                <a:schemeClr val="tx1"/>
+              </a:solidFill>
+              <a:latin typeface="+mn-lt"/>
+              <a:ea typeface="+mn-ea"/>
+              <a:cs typeface="+mn-cs"/>
+            </a:endParaRPr>
+          </a:p>
+          <a:p>
             <a:r>
               <a:rPr lang="es-AR" sz="1200" kern="1200" dirty="0" smtClean="0">
                 <a:solidFill>
@@ -2250,52 +4233,7 @@
                 <a:ea typeface="+mn-ea"/>
                 <a:cs typeface="+mn-cs"/>
               </a:rPr>
-              <a:t>pesar de que podría parecer una tarea sencilla, en la práctica la identificación de QAs en casos de uso puede resultar una tarea dificultosa para el analista, insumiendo gran cantidad de tiempo y esfuerzo. Esto se debe a que, en general, los requerimientos funcionales están expresados en forma de texto plano. Esta dificultad se acrecienta en especificaciones de requerimientos de gran tamaño, debido a la dificultad del analista para analizar texto no estructurado</a:t>
-            </a:r>
-            <a:r>
-              <a:rPr lang="es-AR" sz="1200" kern="1200" dirty="0" smtClean="0">
-                <a:solidFill>
-                  <a:schemeClr val="tx1"/>
-                </a:solidFill>
-                <a:latin typeface="+mn-lt"/>
-                <a:ea typeface="+mn-ea"/>
-                <a:cs typeface="+mn-cs"/>
-              </a:rPr>
-              <a:t>.</a:t>
-            </a:r>
-          </a:p>
-          <a:p>
-            <a:endParaRPr lang="es-ES_tradnl" sz="1200" kern="1200" dirty="0" smtClean="0">
-              <a:solidFill>
-                <a:schemeClr val="tx1"/>
-              </a:solidFill>
-              <a:latin typeface="+mn-lt"/>
-              <a:ea typeface="+mn-ea"/>
-              <a:cs typeface="+mn-cs"/>
-            </a:endParaRPr>
-          </a:p>
-          <a:p>
-            <a:r>
-              <a:rPr lang="es-AR" sz="1200" kern="1200" dirty="0" smtClean="0">
-                <a:solidFill>
-                  <a:schemeClr val="tx1"/>
-                </a:solidFill>
-                <a:latin typeface="+mn-lt"/>
-                <a:ea typeface="+mn-ea"/>
-                <a:cs typeface="+mn-cs"/>
-              </a:rPr>
-              <a:t>-Por </a:t>
-            </a:r>
-            <a:r>
-              <a:rPr lang="es-AR" sz="1200" kern="1200" dirty="0" smtClean="0">
-                <a:solidFill>
-                  <a:schemeClr val="tx1"/>
-                </a:solidFill>
-                <a:latin typeface="+mn-lt"/>
-                <a:ea typeface="+mn-ea"/>
-                <a:cs typeface="+mn-cs"/>
-              </a:rPr>
-              <a:t>esta razón, es de utilidad el desarrollo de herramientas semi-automáticas que asistan al analista en la identificación de QAs en especificaciones de requerimientos, presentando un conjunto de QAs candidatos extraídos de los casos de uso. De esta manera, se reduciría el tiempo y el esfuerzo invertido en realizar esta tarea de forma manual. </a:t>
+              <a:t>-Por esta razón, es de utilidad el desarrollo de herramientas semi-automáticas que asistan al analista en la identificación de QAs en especificaciones de requerimientos, presentando un conjunto de QAs candidatos extraídos de los casos de uso. De esta manera, se reduciría el tiempo y el esfuerzo invertido en realizar esta tarea de forma manual. </a:t>
             </a:r>
             <a:endParaRPr lang="es-ES_tradnl" sz="1200" kern="1200" dirty="0" smtClean="0">
               <a:solidFill>
@@ -2389,22 +4327,6 @@
           </a:bodyPr>
           <a:lstStyle/>
           <a:p>
-            <a:r>
-              <a:rPr lang="es-ES_tradnl" dirty="0" smtClean="0"/>
-              <a:t>Antes del enfoque propuesto,</a:t>
-            </a:r>
-            <a:r>
-              <a:rPr lang="es-ES_tradnl" baseline="0" dirty="0" smtClean="0"/>
-              <a:t> introducimos los conceptos de EA y la relación con QA ya que el enfoque tiene en cuenta esta </a:t>
-            </a:r>
-            <a:r>
-              <a:rPr lang="es-ES_tradnl" baseline="0" dirty="0" err="1" smtClean="0"/>
-              <a:t>relacion</a:t>
-            </a:r>
-            <a:r>
-              <a:rPr lang="es-ES_tradnl" baseline="0" dirty="0" smtClean="0"/>
-              <a:t> para su análisis.</a:t>
-            </a:r>
             <a:endParaRPr lang="es-ES_tradnl" dirty="0"/>
           </a:p>
         </p:txBody>
@@ -2941,7 +4863,7 @@
             <a:fld id="{F7222BF2-5C0F-41D6-AF26-3ACA31A5334A}" type="datetimeFigureOut">
               <a:rPr lang="es-ES" smtClean="0"/>
               <a:pPr/>
-              <a:t>16/11/2010</a:t>
+              <a:t>17/11/2010</a:t>
             </a:fld>
             <a:endParaRPr lang="es-ES" dirty="0"/>
           </a:p>
@@ -3302,7 +5224,7 @@
             <a:fld id="{F7222BF2-5C0F-41D6-AF26-3ACA31A5334A}" type="datetimeFigureOut">
               <a:rPr lang="es-ES" smtClean="0"/>
               <a:pPr/>
-              <a:t>16/11/2010</a:t>
+              <a:t>17/11/2010</a:t>
             </a:fld>
             <a:endParaRPr lang="es-ES" dirty="0"/>
           </a:p>
@@ -3479,7 +5401,7 @@
             <a:fld id="{F7222BF2-5C0F-41D6-AF26-3ACA31A5334A}" type="datetimeFigureOut">
               <a:rPr lang="es-ES" smtClean="0"/>
               <a:pPr/>
-              <a:t>16/11/2010</a:t>
+              <a:t>17/11/2010</a:t>
             </a:fld>
             <a:endParaRPr lang="es-ES" dirty="0"/>
           </a:p>
@@ -3716,7 +5638,7 @@
             <a:fld id="{F7222BF2-5C0F-41D6-AF26-3ACA31A5334A}" type="datetimeFigureOut">
               <a:rPr lang="es-ES" smtClean="0"/>
               <a:pPr/>
-              <a:t>16/11/2010</a:t>
+              <a:t>17/11/2010</a:t>
             </a:fld>
             <a:endParaRPr lang="es-ES" dirty="0"/>
           </a:p>
@@ -3987,7 +5909,7 @@
             <a:fld id="{F7222BF2-5C0F-41D6-AF26-3ACA31A5334A}" type="datetimeFigureOut">
               <a:rPr lang="es-ES" smtClean="0"/>
               <a:pPr/>
-              <a:t>16/11/2010</a:t>
+              <a:t>17/11/2010</a:t>
             </a:fld>
             <a:endParaRPr lang="es-ES" dirty="0"/>
           </a:p>
@@ -4209,7 +6131,7 @@
             <a:fld id="{F7222BF2-5C0F-41D6-AF26-3ACA31A5334A}" type="datetimeFigureOut">
               <a:rPr lang="es-ES" smtClean="0"/>
               <a:pPr/>
-              <a:t>16/11/2010</a:t>
+              <a:t>17/11/2010</a:t>
             </a:fld>
             <a:endParaRPr lang="es-ES" dirty="0"/>
           </a:p>
@@ -4563,7 +6485,7 @@
             <a:fld id="{F7222BF2-5C0F-41D6-AF26-3ACA31A5334A}" type="datetimeFigureOut">
               <a:rPr lang="es-ES" smtClean="0"/>
               <a:pPr/>
-              <a:t>16/11/2010</a:t>
+              <a:t>17/11/2010</a:t>
             </a:fld>
             <a:endParaRPr lang="es-ES" dirty="0"/>
           </a:p>
@@ -4797,7 +6719,7 @@
             <a:fld id="{F7222BF2-5C0F-41D6-AF26-3ACA31A5334A}" type="datetimeFigureOut">
               <a:rPr lang="es-ES" smtClean="0"/>
               <a:pPr/>
-              <a:t>16/11/2010</a:t>
+              <a:t>17/11/2010</a:t>
             </a:fld>
             <a:endParaRPr lang="es-ES" dirty="0"/>
           </a:p>
@@ -4939,7 +6861,7 @@
             <a:fld id="{F7222BF2-5C0F-41D6-AF26-3ACA31A5334A}" type="datetimeFigureOut">
               <a:rPr lang="es-ES" smtClean="0"/>
               <a:pPr/>
-              <a:t>16/11/2010</a:t>
+              <a:t>17/11/2010</a:t>
             </a:fld>
             <a:endParaRPr lang="es-ES" dirty="0"/>
           </a:p>
@@ -5218,7 +7140,7 @@
             <a:fld id="{F7222BF2-5C0F-41D6-AF26-3ACA31A5334A}" type="datetimeFigureOut">
               <a:rPr lang="es-ES" smtClean="0"/>
               <a:pPr/>
-              <a:t>16/11/2010</a:t>
+              <a:t>17/11/2010</a:t>
             </a:fld>
             <a:endParaRPr lang="es-ES" dirty="0"/>
           </a:p>
@@ -5627,7 +7549,7 @@
             <a:fld id="{F7222BF2-5C0F-41D6-AF26-3ACA31A5334A}" type="datetimeFigureOut">
               <a:rPr lang="es-ES" smtClean="0"/>
               <a:pPr/>
-              <a:t>16/11/2010</a:t>
+              <a:t>17/11/2010</a:t>
             </a:fld>
             <a:endParaRPr lang="es-ES" dirty="0"/>
           </a:p>
@@ -5967,7 +7889,7 @@
             <a:fld id="{F7222BF2-5C0F-41D6-AF26-3ACA31A5334A}" type="datetimeFigureOut">
               <a:rPr lang="es-ES" smtClean="0"/>
               <a:pPr/>
-              <a:t>16/11/2010</a:t>
+              <a:t>17/11/2010</a:t>
             </a:fld>
             <a:endParaRPr lang="es-ES" dirty="0"/>
           </a:p>
@@ -6812,7 +8734,7 @@
           <p:nvPr/>
         </p:nvPicPr>
         <p:blipFill>
-          <a:blip r:embed="rId2" cstate="print"/>
+          <a:blip r:embed="rId3" cstate="print"/>
           <a:srcRect/>
           <a:stretch>
             <a:fillRect/>
@@ -7050,7 +8972,7 @@
         </p:blipFill>
         <p:spPr bwMode="auto">
           <a:xfrm>
-            <a:off x="695326" y="1362076"/>
+            <a:off x="679284" y="1362076"/>
             <a:ext cx="7662862" cy="4731340"/>
           </a:xfrm>
           <a:prstGeom prst="rect">
@@ -7383,7 +9305,15 @@
             </a:r>
             <a:r>
               <a:rPr lang="es-AR" dirty="0" smtClean="0"/>
-              <a:t>semi-automatizadas para identificar aspectos tempranos desde casos de uso</a:t>
+              <a:t>semi-automatizadas para identificar aspectos tempranos </a:t>
+            </a:r>
+            <a:r>
+              <a:rPr lang="es-AR" dirty="0" smtClean="0"/>
+              <a:t>en casos </a:t>
+            </a:r>
+            <a:r>
+              <a:rPr lang="es-AR" dirty="0" smtClean="0"/>
+              <a:t>de uso</a:t>
             </a:r>
           </a:p>
           <a:p>
@@ -7490,8 +9420,8 @@
         </p:nvSpPr>
         <p:spPr>
           <a:xfrm>
-            <a:off x="2518169" y="2774785"/>
-            <a:ext cx="4239819" cy="1525753"/>
+            <a:off x="2646505" y="2774785"/>
+            <a:ext cx="3866589" cy="1476373"/>
           </a:xfrm>
           <a:prstGeom prst="roundRect">
             <a:avLst/>
@@ -7728,12 +9658,8 @@
           <a:lstStyle/>
           <a:p>
             <a:r>
-              <a:rPr lang="es-ES_tradnl" dirty="0" err="1" smtClean="0"/>
-              <a:t>Tokens</a:t>
-            </a:r>
-            <a:r>
               <a:rPr lang="es-ES_tradnl" dirty="0" smtClean="0"/>
-              <a:t> </a:t>
+              <a:t>Tokens </a:t>
             </a:r>
             <a:r>
               <a:rPr lang="es-ES_tradnl" dirty="0" err="1" smtClean="0"/>
@@ -7785,8 +9711,8 @@
         </p:nvSpPr>
         <p:spPr>
           <a:xfrm>
-            <a:off x="2683445" y="4312354"/>
-            <a:ext cx="3119044" cy="767646"/>
+            <a:off x="2727157" y="4312354"/>
+            <a:ext cx="3043247" cy="767646"/>
           </a:xfrm>
           <a:prstGeom prst="roundRect">
             <a:avLst/>
@@ -7820,9 +9746,52 @@
           </a:p>
         </p:txBody>
       </p:sp>
+      <p:sp>
+        <p:nvSpPr>
+          <p:cNvPr id="6" name="5 Rectángulo redondeado"/>
+          <p:cNvSpPr/>
+          <p:nvPr/>
+        </p:nvSpPr>
+        <p:spPr>
+          <a:xfrm>
+            <a:off x="2711115" y="2908669"/>
+            <a:ext cx="3067309" cy="767646"/>
+          </a:xfrm>
+          <a:prstGeom prst="roundRect">
+            <a:avLst/>
+          </a:prstGeom>
+          <a:solidFill>
+            <a:srgbClr val="00CCFF">
+              <a:alpha val="12157"/>
+            </a:srgbClr>
+          </a:solidFill>
+        </p:spPr>
+        <p:style>
+          <a:lnRef idx="1">
+            <a:schemeClr val="accent3"/>
+          </a:lnRef>
+          <a:fillRef idx="3">
+            <a:schemeClr val="accent3"/>
+          </a:fillRef>
+          <a:effectRef idx="2">
+            <a:schemeClr val="accent3"/>
+          </a:effectRef>
+          <a:fontRef idx="minor">
+            <a:schemeClr val="lt1"/>
+          </a:fontRef>
+        </p:style>
+        <p:txBody>
+          <a:bodyPr rtlCol="0" anchor="ctr"/>
+          <a:lstStyle/>
+          <a:p>
+            <a:pPr algn="ctr"/>
+            <a:endParaRPr lang="es-ES_tradnl" dirty="0"/>
+          </a:p>
+        </p:txBody>
+      </p:sp>
       <p:pic>
         <p:nvPicPr>
-          <p:cNvPr id="1028" name="Picture 4"/>
+          <p:cNvPr id="1026" name="Picture 2"/>
           <p:cNvPicPr>
             <a:picLocks noChangeAspect="1" noChangeArrowheads="1"/>
           </p:cNvPicPr>
@@ -7837,8 +9806,8 @@
         </p:blipFill>
         <p:spPr bwMode="auto">
           <a:xfrm>
-            <a:off x="3045354" y="1623380"/>
-            <a:ext cx="2949045" cy="4296799"/>
+            <a:off x="2717357" y="1366084"/>
+            <a:ext cx="3330491" cy="4852571"/>
           </a:xfrm>
           <a:prstGeom prst="rect">
             <a:avLst/>
@@ -7891,7 +9860,7 @@
                                           </p:stCondLst>
                                         </p:cTn>
                                         <p:tgtEl>
-                                          <p:spTgt spid="7"/>
+                                          <p:spTgt spid="6"/>
                                         </p:tgtEl>
                                         <p:attrNameLst>
                                           <p:attrName>style.visibility</p:attrName>
@@ -7905,7 +9874,7 @@
                                       <p:cBhvr>
                                         <p:cTn id="7" dur="500"/>
                                         <p:tgtEl>
-                                          <p:spTgt spid="7"/>
+                                          <p:spTgt spid="6"/>
                                         </p:tgtEl>
                                       </p:cBhvr>
                                     </p:animEffect>
@@ -7931,14 +9900,102 @@
                             </p:stCondLst>
                             <p:childTnLst>
                               <p:par>
-                                <p:cTn id="10" presetID="9" presetClass="emph" presetSubtype="0" nodeType="clickEffect">
+                                <p:cTn id="10" presetID="4" presetClass="exit" presetSubtype="16" fill="hold" grpId="1" nodeType="clickEffect">
+                                  <p:stCondLst>
+                                    <p:cond delay="0"/>
+                                  </p:stCondLst>
+                                  <p:childTnLst>
+                                    <p:animEffect transition="out" filter="box(in)">
+                                      <p:cBhvr>
+                                        <p:cTn id="11" dur="500"/>
+                                        <p:tgtEl>
+                                          <p:spTgt spid="6"/>
+                                        </p:tgtEl>
+                                      </p:cBhvr>
+                                    </p:animEffect>
+                                    <p:set>
+                                      <p:cBhvr>
+                                        <p:cTn id="12" dur="1" fill="hold">
+                                          <p:stCondLst>
+                                            <p:cond delay="499"/>
+                                          </p:stCondLst>
+                                        </p:cTn>
+                                        <p:tgtEl>
+                                          <p:spTgt spid="6"/>
+                                        </p:tgtEl>
+                                        <p:attrNameLst>
+                                          <p:attrName>style.visibility</p:attrName>
+                                        </p:attrNameLst>
+                                      </p:cBhvr>
+                                      <p:to>
+                                        <p:strVal val="hidden"/>
+                                      </p:to>
+                                    </p:set>
+                                  </p:childTnLst>
+                                </p:cTn>
+                              </p:par>
+                              <p:par>
+                                <p:cTn id="13" presetID="4" presetClass="entr" presetSubtype="16" fill="hold" grpId="0" nodeType="withEffect">
+                                  <p:stCondLst>
+                                    <p:cond delay="0"/>
+                                  </p:stCondLst>
+                                  <p:childTnLst>
+                                    <p:set>
+                                      <p:cBhvr>
+                                        <p:cTn id="14" dur="1" fill="hold">
+                                          <p:stCondLst>
+                                            <p:cond delay="0"/>
+                                          </p:stCondLst>
+                                        </p:cTn>
+                                        <p:tgtEl>
+                                          <p:spTgt spid="7"/>
+                                        </p:tgtEl>
+                                        <p:attrNameLst>
+                                          <p:attrName>style.visibility</p:attrName>
+                                        </p:attrNameLst>
+                                      </p:cBhvr>
+                                      <p:to>
+                                        <p:strVal val="visible"/>
+                                      </p:to>
+                                    </p:set>
+                                    <p:animEffect transition="in" filter="box(in)">
+                                      <p:cBhvr>
+                                        <p:cTn id="15" dur="500"/>
+                                        <p:tgtEl>
+                                          <p:spTgt spid="7"/>
+                                        </p:tgtEl>
+                                      </p:cBhvr>
+                                    </p:animEffect>
+                                  </p:childTnLst>
+                                </p:cTn>
+                              </p:par>
+                            </p:childTnLst>
+                          </p:cTn>
+                        </p:par>
+                      </p:childTnLst>
+                    </p:cTn>
+                  </p:par>
+                  <p:par>
+                    <p:cTn id="16" fill="hold">
+                      <p:stCondLst>
+                        <p:cond delay="indefinite"/>
+                      </p:stCondLst>
+                      <p:childTnLst>
+                        <p:par>
+                          <p:cTn id="17" fill="hold">
+                            <p:stCondLst>
+                              <p:cond delay="0"/>
+                            </p:stCondLst>
+                            <p:childTnLst>
+                              <p:par>
+                                <p:cTn id="18" presetID="9" presetClass="emph" presetSubtype="0" nodeType="clickEffect">
                                   <p:stCondLst>
                                     <p:cond delay="0"/>
                                   </p:stCondLst>
                                   <p:childTnLst>
                                     <p:set>
                                       <p:cBhvr rctx="PPT">
-                                        <p:cTn id="11" dur="indefinite"/>
+                                        <p:cTn id="19" dur="indefinite"/>
                                         <p:tgtEl>
                                           <p:spTgt spid="3"/>
                                         </p:tgtEl>
@@ -7952,7 +10009,7 @@
                                     </p:set>
                                     <p:animEffect filter="image" prLst="opacity: 0.5">
                                       <p:cBhvr rctx="IE">
-                                        <p:cTn id="12" dur="indefinite"/>
+                                        <p:cTn id="20" dur="indefinite"/>
                                         <p:tgtEl>
                                           <p:spTgt spid="3"/>
                                         </p:tgtEl>
@@ -7962,20 +10019,23 @@
                                 </p:cTn>
                               </p:par>
                               <p:par>
-                                <p:cTn id="13" presetID="3" presetClass="entr" presetSubtype="10" fill="hold" nodeType="withEffect">
+                                <p:cTn id="21" presetID="31" presetClass="entr" presetSubtype="0" fill="hold" nodeType="withEffect">
                                   <p:stCondLst>
                                     <p:cond delay="0"/>
                                   </p:stCondLst>
+                                  <p:iterate type="lt">
+                                    <p:tmPct val="5000"/>
+                                  </p:iterate>
                                   <p:childTnLst>
                                     <p:set>
                                       <p:cBhvr>
-                                        <p:cTn id="14" dur="1" fill="hold">
+                                        <p:cTn id="22" dur="1" fill="hold">
                                           <p:stCondLst>
                                             <p:cond delay="0"/>
                                           </p:stCondLst>
                                         </p:cTn>
                                         <p:tgtEl>
-                                          <p:spTgt spid="1028"/>
+                                          <p:spTgt spid="1026"/>
                                         </p:tgtEl>
                                         <p:attrNameLst>
                                           <p:attrName>style.visibility</p:attrName>
@@ -7985,11 +10045,80 @@
                                         <p:strVal val="visible"/>
                                       </p:to>
                                     </p:set>
-                                    <p:animEffect transition="in" filter="blinds(horizontal)">
+                                    <p:anim calcmode="lin" valueType="num">
                                       <p:cBhvr>
-                                        <p:cTn id="15" dur="500"/>
+                                        <p:cTn id="23" dur="1000" fill="hold"/>
                                         <p:tgtEl>
-                                          <p:spTgt spid="1028"/>
+                                          <p:spTgt spid="1026"/>
+                                        </p:tgtEl>
+                                        <p:attrNameLst>
+                                          <p:attrName>ppt_w</p:attrName>
+                                        </p:attrNameLst>
+                                      </p:cBhvr>
+                                      <p:tavLst>
+                                        <p:tav tm="0">
+                                          <p:val>
+                                            <p:fltVal val="0"/>
+                                          </p:val>
+                                        </p:tav>
+                                        <p:tav tm="100000">
+                                          <p:val>
+                                            <p:strVal val="#ppt_w"/>
+                                          </p:val>
+                                        </p:tav>
+                                      </p:tavLst>
+                                    </p:anim>
+                                    <p:anim calcmode="lin" valueType="num">
+                                      <p:cBhvr>
+                                        <p:cTn id="24" dur="1000" fill="hold"/>
+                                        <p:tgtEl>
+                                          <p:spTgt spid="1026"/>
+                                        </p:tgtEl>
+                                        <p:attrNameLst>
+                                          <p:attrName>ppt_h</p:attrName>
+                                        </p:attrNameLst>
+                                      </p:cBhvr>
+                                      <p:tavLst>
+                                        <p:tav tm="0">
+                                          <p:val>
+                                            <p:fltVal val="0"/>
+                                          </p:val>
+                                        </p:tav>
+                                        <p:tav tm="100000">
+                                          <p:val>
+                                            <p:strVal val="#ppt_h"/>
+                                          </p:val>
+                                        </p:tav>
+                                      </p:tavLst>
+                                    </p:anim>
+                                    <p:anim calcmode="lin" valueType="num">
+                                      <p:cBhvr>
+                                        <p:cTn id="25" dur="1000" fill="hold"/>
+                                        <p:tgtEl>
+                                          <p:spTgt spid="1026"/>
+                                        </p:tgtEl>
+                                        <p:attrNameLst>
+                                          <p:attrName>style.rotation</p:attrName>
+                                        </p:attrNameLst>
+                                      </p:cBhvr>
+                                      <p:tavLst>
+                                        <p:tav tm="0">
+                                          <p:val>
+                                            <p:fltVal val="90"/>
+                                          </p:val>
+                                        </p:tav>
+                                        <p:tav tm="100000">
+                                          <p:val>
+                                            <p:fltVal val="0"/>
+                                          </p:val>
+                                        </p:tav>
+                                      </p:tavLst>
+                                    </p:anim>
+                                    <p:animEffect transition="in" filter="fade">
+                                      <p:cBhvr>
+                                        <p:cTn id="26" dur="1000"/>
+                                        <p:tgtEl>
+                                          <p:spTgt spid="1026"/>
                                         </p:tgtEl>
                                       </p:cBhvr>
                                     </p:animEffect>
@@ -8025,6 +10154,8 @@
     </p:tnLst>
     <p:bldLst>
       <p:bldP spid="7" grpId="0" animBg="1"/>
+      <p:bldP spid="6" grpId="0" animBg="1"/>
+      <p:bldP spid="6" grpId="1" animBg="1"/>
     </p:bldLst>
   </p:timing>
 </p:sld>
@@ -8056,7 +10187,7 @@
           <p:nvPr/>
         </p:nvPicPr>
         <p:blipFill>
-          <a:blip r:embed="rId2" cstate="print"/>
+          <a:blip r:embed="rId3" cstate="print"/>
           <a:srcRect/>
           <a:stretch>
             <a:fillRect/>
@@ -8110,8 +10241,8 @@
         </p:nvSpPr>
         <p:spPr>
           <a:xfrm>
-            <a:off x="2471738" y="4529139"/>
-            <a:ext cx="4406929" cy="1371600"/>
+            <a:off x="2519864" y="4561223"/>
+            <a:ext cx="4153651" cy="1371600"/>
           </a:xfrm>
           <a:prstGeom prst="roundRect">
             <a:avLst/>
@@ -8348,12 +10479,8 @@
           <a:lstStyle/>
           <a:p>
             <a:r>
-              <a:rPr lang="es-ES_tradnl" dirty="0" err="1" smtClean="0"/>
-              <a:t>Tokens</a:t>
-            </a:r>
-            <a:r>
               <a:rPr lang="es-ES_tradnl" dirty="0" smtClean="0"/>
-              <a:t> </a:t>
+              <a:t>Tokens </a:t>
             </a:r>
             <a:r>
               <a:rPr lang="es-ES_tradnl" dirty="0" err="1" smtClean="0"/>
@@ -8780,12 +10907,8 @@
           <a:lstStyle/>
           <a:p>
             <a:r>
-              <a:rPr lang="es-ES_tradnl" dirty="0" err="1" smtClean="0"/>
-              <a:t>Tokens</a:t>
-            </a:r>
-            <a:r>
               <a:rPr lang="es-ES_tradnl" dirty="0" smtClean="0"/>
-              <a:t> </a:t>
+              <a:t>Tokens </a:t>
             </a:r>
             <a:r>
               <a:rPr lang="es-ES_tradnl" dirty="0" err="1" smtClean="0"/>
@@ -9279,8 +11402,10 @@
       </p:sp>
       <p:pic>
         <p:nvPicPr>
-          <p:cNvPr id="4" name="3 Imagen" descr="C:\Documents and Settings\Administrador\Escritorio\Capturas\Snap_2010.10.24 13.03.56_004.jpg"/>
-          <p:cNvPicPr/>
+          <p:cNvPr id="2050" name="Picture 2" descr="C:\Documents and Settings\Administrador\Escritorio\Capturas\Snap_2010.11.17 12.04.05_001.jpg"/>
+          <p:cNvPicPr>
+            <a:picLocks noChangeAspect="1" noChangeArrowheads="1"/>
+          </p:cNvPicPr>
           <p:nvPr/>
         </p:nvPicPr>
         <p:blipFill>
@@ -9292,19 +11417,13 @@
         </p:blipFill>
         <p:spPr bwMode="auto">
           <a:xfrm>
-            <a:off x="161777" y="1570893"/>
-            <a:ext cx="8599163" cy="3557160"/>
+            <a:off x="0" y="1347790"/>
+            <a:ext cx="8903368" cy="4059508"/>
           </a:xfrm>
           <a:prstGeom prst="rect">
             <a:avLst/>
           </a:prstGeom>
           <a:noFill/>
-          <a:ln w="9525">
-            <a:noFill/>
-            <a:miter lim="800000"/>
-            <a:headEnd/>
-            <a:tailEnd/>
-          </a:ln>
         </p:spPr>
       </p:pic>
     </p:spTree>
@@ -9633,21 +11752,39 @@
                                   </p:childTnLst>
                                 </p:cTn>
                               </p:par>
+                            </p:childTnLst>
+                          </p:cTn>
+                        </p:par>
+                      </p:childTnLst>
+                    </p:cTn>
+                  </p:par>
+                  <p:par>
+                    <p:cTn id="26" fill="hold">
+                      <p:stCondLst>
+                        <p:cond delay="indefinite"/>
+                      </p:stCondLst>
+                      <p:childTnLst>
+                        <p:par>
+                          <p:cTn id="27" fill="hold">
+                            <p:stCondLst>
+                              <p:cond delay="0"/>
+                            </p:stCondLst>
+                            <p:childTnLst>
                               <p:par>
-                                <p:cTn id="26" presetID="4" presetClass="entr" presetSubtype="16" fill="hold" nodeType="withEffect">
+                                <p:cTn id="28" presetID="23" presetClass="entr" presetSubtype="16" fill="hold" nodeType="clickEffect">
                                   <p:stCondLst>
                                     <p:cond delay="0"/>
                                   </p:stCondLst>
                                   <p:childTnLst>
                                     <p:set>
                                       <p:cBhvr>
-                                        <p:cTn id="27" dur="1" fill="hold">
+                                        <p:cTn id="29" dur="1" fill="hold">
                                           <p:stCondLst>
                                             <p:cond delay="0"/>
                                           </p:stCondLst>
                                         </p:cTn>
                                         <p:tgtEl>
-                                          <p:spTgt spid="4"/>
+                                          <p:spTgt spid="2050"/>
                                         </p:tgtEl>
                                         <p:attrNameLst>
                                           <p:attrName>style.visibility</p:attrName>
@@ -9657,14 +11794,52 @@
                                         <p:strVal val="visible"/>
                                       </p:to>
                                     </p:set>
-                                    <p:animEffect transition="in" filter="box(in)">
+                                    <p:anim calcmode="lin" valueType="num">
                                       <p:cBhvr>
-                                        <p:cTn id="28" dur="500"/>
+                                        <p:cTn id="30" dur="500" fill="hold"/>
                                         <p:tgtEl>
-                                          <p:spTgt spid="4"/>
+                                          <p:spTgt spid="2050"/>
                                         </p:tgtEl>
+                                        <p:attrNameLst>
+                                          <p:attrName>ppt_w</p:attrName>
+                                        </p:attrNameLst>
                                       </p:cBhvr>
-                                    </p:animEffect>
+                                      <p:tavLst>
+                                        <p:tav tm="0">
+                                          <p:val>
+                                            <p:fltVal val="0"/>
+                                          </p:val>
+                                        </p:tav>
+                                        <p:tav tm="100000">
+                                          <p:val>
+                                            <p:strVal val="#ppt_w"/>
+                                          </p:val>
+                                        </p:tav>
+                                      </p:tavLst>
+                                    </p:anim>
+                                    <p:anim calcmode="lin" valueType="num">
+                                      <p:cBhvr>
+                                        <p:cTn id="31" dur="500" fill="hold"/>
+                                        <p:tgtEl>
+                                          <p:spTgt spid="2050"/>
+                                        </p:tgtEl>
+                                        <p:attrNameLst>
+                                          <p:attrName>ppt_h</p:attrName>
+                                        </p:attrNameLst>
+                                      </p:cBhvr>
+                                      <p:tavLst>
+                                        <p:tav tm="0">
+                                          <p:val>
+                                            <p:fltVal val="0"/>
+                                          </p:val>
+                                        </p:tav>
+                                        <p:tav tm="100000">
+                                          <p:val>
+                                            <p:strVal val="#ppt_h"/>
+                                          </p:val>
+                                        </p:tav>
+                                      </p:tavLst>
+                                    </p:anim>
                                   </p:childTnLst>
                                 </p:cTn>
                               </p:par>
@@ -9810,33 +11985,15 @@
             <a:pPr lvl="2"/>
             <a:r>
               <a:rPr lang="es-ES" dirty="0" smtClean="0"/>
-              <a:t>Caso de </a:t>
-            </a:r>
+              <a:t>Caso de Estudio HWS</a:t>
+            </a:r>
+          </a:p>
+          <a:p>
+            <a:pPr lvl="2"/>
             <a:r>
               <a:rPr lang="es-ES" dirty="0" smtClean="0"/>
-              <a:t>Estudio </a:t>
-            </a:r>
-            <a:r>
-              <a:rPr lang="es-ES" dirty="0" smtClean="0"/>
-              <a:t>HWS</a:t>
-            </a:r>
-            <a:endParaRPr lang="es-ES" dirty="0" smtClean="0"/>
-          </a:p>
-          <a:p>
-            <a:pPr lvl="2"/>
-            <a:r>
-              <a:rPr lang="es-ES" dirty="0" smtClean="0"/>
-              <a:t>Caso de </a:t>
-            </a:r>
-            <a:r>
-              <a:rPr lang="es-ES" dirty="0" smtClean="0"/>
-              <a:t>Estudio C</a:t>
-            </a:r>
-            <a:r>
-              <a:rPr lang="es-ES" dirty="0" smtClean="0"/>
-              <a:t>RS</a:t>
-            </a:r>
-            <a:endParaRPr lang="es-ES" dirty="0" smtClean="0"/>
+              <a:t>Caso de Estudio CRS</a:t>
+            </a:r>
           </a:p>
           <a:p>
             <a:r>
@@ -10467,13 +12624,8 @@
           <a:p>
             <a:r>
               <a:rPr lang="es-ES" dirty="0" smtClean="0"/>
-              <a:t>QAs detectados a través del análisis de la arquitectura del </a:t>
-            </a:r>
-            <a:r>
-              <a:rPr lang="es-ES" dirty="0" smtClean="0"/>
-              <a:t>sistema</a:t>
-            </a:r>
-            <a:endParaRPr lang="es-ES" dirty="0" smtClean="0"/>
+              <a:t>QAs detectados a través del análisis de la arquitectura del sistema</a:t>
+            </a:r>
           </a:p>
           <a:p>
             <a:endParaRPr lang="es-ES" dirty="0"/>
@@ -11767,7 +13919,7 @@
           <p:nvPr/>
         </p:nvPicPr>
         <p:blipFill>
-          <a:blip r:embed="rId2" cstate="print"/>
+          <a:blip r:embed="rId3" cstate="print"/>
           <a:srcRect/>
           <a:stretch>
             <a:fillRect/>
@@ -12455,7 +14607,7 @@
           <p:nvPr/>
         </p:nvPicPr>
         <p:blipFill>
-          <a:blip r:embed="rId3" cstate="print">
+          <a:blip r:embed="rId4" cstate="print">
             <a:clrChange>
               <a:clrFrom>
                 <a:srgbClr val="FFFFFF"/>
@@ -12492,7 +14644,7 @@
           <p:nvPr/>
         </p:nvPicPr>
         <p:blipFill>
-          <a:blip r:embed="rId4" cstate="print">
+          <a:blip r:embed="rId5" cstate="print">
             <a:clrChange>
               <a:clrFrom>
                 <a:srgbClr val="FFFFFF"/>
@@ -12979,7 +15131,7 @@
           <p:nvPr/>
         </p:nvPicPr>
         <p:blipFill>
-          <a:blip r:embed="rId2" cstate="print"/>
+          <a:blip r:embed="rId3" cstate="print"/>
           <a:stretch>
             <a:fillRect/>
           </a:stretch>
@@ -13172,7 +15324,7 @@
           <p:nvPr/>
         </p:nvPicPr>
         <p:blipFill>
-          <a:blip r:embed="rId2" cstate="print"/>
+          <a:blip r:embed="rId3" cstate="print"/>
           <a:srcRect/>
           <a:stretch>
             <a:fillRect/>
@@ -13438,7 +15590,7 @@
           <p:nvPr/>
         </p:nvPicPr>
         <p:blipFill>
-          <a:blip r:embed="rId2" cstate="print"/>
+          <a:blip r:embed="rId3" cstate="print"/>
           <a:stretch>
             <a:fillRect/>
           </a:stretch>
@@ -13856,7 +16008,7 @@
           <p:nvPr/>
         </p:nvPicPr>
         <p:blipFill>
-          <a:blip r:embed="rId2" cstate="print"/>
+          <a:blip r:embed="rId3" cstate="print"/>
           <a:srcRect/>
           <a:stretch>
             <a:fillRect/>
@@ -14037,7 +16189,7 @@
           <p:nvPr/>
         </p:nvPicPr>
         <p:blipFill>
-          <a:blip r:embed="rId2" cstate="print"/>
+          <a:blip r:embed="rId3" cstate="print"/>
           <a:srcRect/>
           <a:stretch>
             <a:fillRect/>
@@ -14422,7 +16574,15 @@
           <a:p>
             <a:r>
               <a:rPr lang="es-ES" dirty="0" smtClean="0"/>
-              <a:t>Los atributos de calidad (QAs) son propiedades deseadas o requerimientos adicionales de un sistema.  Ejemplo: performance, seguridad, disponibilidad,  etc.</a:t>
+              <a:t>Los atributos de calidad (QAs) son propiedades deseadas o requerimientos adicionales de un sistema.  Ejemplo: performance, </a:t>
+            </a:r>
+            <a:r>
+              <a:rPr lang="es-ES" dirty="0" smtClean="0"/>
+              <a:t> seguridad,  </a:t>
+            </a:r>
+            <a:r>
+              <a:rPr lang="es-ES" dirty="0" smtClean="0"/>
+              <a:t>disponibilidad,  etc.</a:t>
             </a:r>
           </a:p>
           <a:p>
@@ -14434,23 +16594,7 @@
           <a:p>
             <a:r>
               <a:rPr lang="es-ES" dirty="0" smtClean="0"/>
-              <a:t>Una incorrecta identificación podría llevar al fracaso del </a:t>
-            </a:r>
-            <a:r>
-              <a:rPr lang="es-ES" dirty="0" smtClean="0"/>
-              <a:t>sistema </a:t>
-            </a:r>
-            <a:r>
-              <a:rPr lang="es-ES" dirty="0" smtClean="0"/>
-              <a:t>debido a los elevados costos de </a:t>
-            </a:r>
-            <a:r>
-              <a:rPr lang="es-ES" dirty="0" err="1" smtClean="0"/>
-              <a:t>retrabajo</a:t>
-            </a:r>
-            <a:r>
-              <a:rPr lang="es-ES" dirty="0" smtClean="0"/>
-              <a:t> para que el sistema posea los atributos faltantes</a:t>
+              <a:t>Una incorrecta identificación podría llevar al fracaso del sistema </a:t>
             </a:r>
           </a:p>
           <a:p>
@@ -14966,39 +17110,7 @@
             </a:r>
             <a:r>
               <a:rPr lang="es-AR" dirty="0" smtClean="0"/>
-              <a:t> (Early Aspects, EA) son concerns que se encuentran mezclados en los requerimientos y/o artefactos arquitectónicos del sistema. </a:t>
-            </a:r>
-            <a:r>
-              <a:rPr lang="es-AR" dirty="0" smtClean="0"/>
-              <a:t> Por </a:t>
-            </a:r>
-            <a:r>
-              <a:rPr lang="es-AR" dirty="0" smtClean="0"/>
-              <a:t>ejemplo: </a:t>
-            </a:r>
-            <a:r>
-              <a:rPr lang="es-AR" dirty="0" smtClean="0"/>
-              <a:t> autorización</a:t>
-            </a:r>
-            <a:r>
-              <a:rPr lang="es-AR" dirty="0" smtClean="0"/>
-              <a:t>, </a:t>
-            </a:r>
-            <a:r>
-              <a:rPr lang="es-AR" dirty="0" smtClean="0"/>
-              <a:t> distribución</a:t>
-            </a:r>
-            <a:r>
-              <a:rPr lang="es-AR" dirty="0" smtClean="0"/>
-              <a:t>, </a:t>
-            </a:r>
-            <a:r>
-              <a:rPr lang="es-AR" dirty="0" smtClean="0"/>
-              <a:t> etc</a:t>
-            </a:r>
-            <a:r>
-              <a:rPr lang="es-AR" dirty="0" smtClean="0"/>
-              <a:t>. </a:t>
+              <a:t> (Early Aspects, EA) son concerns que se encuentran mezclados en los requerimientos y/o artefactos arquitectónicos del sistema.  Por ejemplo:  autorización,  distribución,  etc. </a:t>
             </a:r>
           </a:p>
           <a:p>

--- a/trunk/Capitulos Finales/FilminasV0.2.pptx
+++ b/trunk/Capitulos Finales/FilminasV0.2.pptx
@@ -5,7 +5,7 @@
     <p:sldMasterId id="2147483984" r:id="rId1"/>
   </p:sldMasterIdLst>
   <p:notesMasterIdLst>
-    <p:notesMasterId r:id="rId36"/>
+    <p:notesMasterId r:id="rId35"/>
   </p:notesMasterIdLst>
   <p:sldIdLst>
     <p:sldId id="256" r:id="rId2"/>
@@ -41,7 +41,6 @@
     <p:sldId id="295" r:id="rId32"/>
     <p:sldId id="275" r:id="rId33"/>
     <p:sldId id="276" r:id="rId34"/>
-    <p:sldId id="298" r:id="rId35"/>
   </p:sldIdLst>
   <p:sldSz cx="9144000" cy="6858000" type="screen4x3"/>
   <p:notesSz cx="6858000" cy="9144000"/>
@@ -550,11 +549,7 @@
             </a:r>
             <a:r>
               <a:rPr lang="es-ES_tradnl" baseline="0" dirty="0" smtClean="0"/>
-              <a:t>: </a:t>
-            </a:r>
-            <a:r>
-              <a:rPr lang="es-ES_tradnl" baseline="0" dirty="0" smtClean="0"/>
-              <a:t> Nosotros, Tesis , Directores.</a:t>
+              <a:t>:  Nosotros, Tesis , Directores.</a:t>
             </a:r>
             <a:endParaRPr lang="es-ES_tradnl" dirty="0"/>
           </a:p>
@@ -644,7 +639,15 @@
             </a:r>
             <a:r>
               <a:rPr lang="es-ES_tradnl" baseline="0" dirty="0" smtClean="0"/>
-              <a:t>. Primero se describirá la propuesta y luego si, veremos en detalle el proceso que desarrollamos. Por último, se presentará la herramienta que se creo como soporte al enfoque.</a:t>
+              <a:t>. Primero se describirá la propuesta y luego si, veremos en detalle el proceso que </a:t>
+            </a:r>
+            <a:r>
+              <a:rPr lang="es-ES_tradnl" baseline="0" dirty="0" smtClean="0"/>
+              <a:t>definimos. </a:t>
+            </a:r>
+            <a:r>
+              <a:rPr lang="es-ES_tradnl" baseline="0" dirty="0" smtClean="0"/>
+              <a:t>Por último, se presentará la herramienta que se creo como soporte al enfoque.</a:t>
             </a:r>
             <a:endParaRPr lang="es-ES_tradnl" dirty="0"/>
           </a:p>
@@ -730,17 +733,56 @@
           <a:p>
             <a:r>
               <a:rPr lang="es-ES_tradnl" dirty="0" smtClean="0"/>
-              <a:t>Teniendo</a:t>
+              <a:t>- Teniendo</a:t>
             </a:r>
             <a:r>
               <a:rPr lang="es-ES_tradnl" baseline="0" dirty="0" smtClean="0"/>
-              <a:t> en cuenta la relación que mencionaba Francisco anteriormente, entre atributos de calidad y aspectos tempranos, se propone una técnica semiautomática que identifique atributos de calidad a partir de un conjunto de aspectos tempranos y casos de uso, beneficiándose justamente de esa relación.</a:t>
-            </a:r>
-          </a:p>
-          <a:p>
+              <a:t> </a:t>
+            </a:r>
             <a:r>
               <a:rPr lang="es-ES_tradnl" baseline="0" dirty="0" smtClean="0"/>
-              <a:t>Además, se propone el desarrollo de una herramienta para soportar esta técnica y que asista al analista en esta tarea.</a:t>
+              <a:t>en cuenta la relación que </a:t>
+            </a:r>
+            <a:r>
+              <a:rPr lang="es-ES_tradnl" baseline="0" dirty="0" smtClean="0"/>
+              <a:t>acaba de mencionar Francisco, </a:t>
+            </a:r>
+            <a:r>
+              <a:rPr lang="es-ES_tradnl" baseline="0" dirty="0" smtClean="0"/>
+              <a:t>entre atributos de calidad y aspectos tempranos, se propone una técnica semiautomática que identifique atributos de calidad a partir de un conjunto de aspectos tempranos y casos de uso, beneficiándose justamente de esa relación</a:t>
+            </a:r>
+            <a:r>
+              <a:rPr lang="es-ES_tradnl" baseline="0" dirty="0" smtClean="0"/>
+              <a:t>.</a:t>
+            </a:r>
+          </a:p>
+          <a:p>
+            <a:endParaRPr lang="es-ES_tradnl" baseline="0" dirty="0" smtClean="0"/>
+          </a:p>
+          <a:p>
+            <a:r>
+              <a:rPr lang="es-ES_tradnl" baseline="0" dirty="0" smtClean="0"/>
+              <a:t>- Además</a:t>
+            </a:r>
+            <a:r>
+              <a:rPr lang="es-ES_tradnl" baseline="0" dirty="0" smtClean="0"/>
+              <a:t>, se propone el desarrollo de una herramienta para soportar esta técnica </a:t>
+            </a:r>
+            <a:r>
+              <a:rPr lang="es-ES_tradnl" baseline="0" dirty="0" smtClean="0"/>
+              <a:t>que sirva de </a:t>
+            </a:r>
+            <a:r>
+              <a:rPr lang="es-ES_tradnl" dirty="0" smtClean="0"/>
+              <a:t>ayuda</a:t>
+            </a:r>
+            <a:r>
+              <a:rPr lang="es-ES_tradnl" baseline="0" dirty="0" smtClean="0"/>
+              <a:t> al </a:t>
+            </a:r>
+            <a:r>
+              <a:rPr lang="es-ES_tradnl" baseline="0" dirty="0" smtClean="0"/>
+              <a:t>analista en esta tarea.</a:t>
             </a:r>
           </a:p>
         </p:txBody>
@@ -849,7 +891,7 @@
                 <a:ea typeface="+mn-ea"/>
                 <a:cs typeface="+mn-cs"/>
               </a:rPr>
-              <a:t>Bueno, acá vemos un versión simplificada</a:t>
+              <a:t>Bueno, acá se presenta una versión simplificada</a:t>
             </a:r>
             <a:r>
               <a:rPr lang="es-AR" sz="1200" kern="1200" baseline="0" dirty="0" smtClean="0">
@@ -860,18 +902,7 @@
                 <a:ea typeface="+mn-ea"/>
                 <a:cs typeface="+mn-cs"/>
               </a:rPr>
-              <a:t> del proceso donde se observa la entrada (casos de uso y aspectos tempranos) , las dos etapas principales del proceso (Tokens Generation y Tokens </a:t>
-            </a:r>
-            <a:r>
-              <a:rPr lang="es-AR" sz="1200" kern="1200" baseline="0" dirty="0" err="1" smtClean="0">
-                <a:solidFill>
-                  <a:schemeClr val="tx1"/>
-                </a:solidFill>
-                <a:latin typeface="+mn-lt"/>
-                <a:ea typeface="+mn-ea"/>
-                <a:cs typeface="+mn-cs"/>
-              </a:rPr>
-              <a:t>Analysis</a:t>
+              <a:t> del proceso donde se observa, en la parte superior la entrada (casos de uso y aspectos tempranos) , </a:t>
             </a:r>
             <a:r>
               <a:rPr lang="es-AR" sz="1200" kern="1200" baseline="0" dirty="0" smtClean="0">
@@ -882,7 +913,40 @@
                 <a:ea typeface="+mn-ea"/>
                 <a:cs typeface="+mn-cs"/>
               </a:rPr>
-              <a:t>) , los actores (</a:t>
+              <a:t>en el centro se ven las </a:t>
+            </a:r>
+            <a:r>
+              <a:rPr lang="es-AR" sz="1200" kern="1200" baseline="0" dirty="0" smtClean="0">
+                <a:solidFill>
+                  <a:schemeClr val="tx1"/>
+                </a:solidFill>
+                <a:latin typeface="+mn-lt"/>
+                <a:ea typeface="+mn-ea"/>
+                <a:cs typeface="+mn-cs"/>
+              </a:rPr>
+              <a:t>dos etapas principales del proceso (Tokens Generation</a:t>
+            </a:r>
+            <a:r>
+              <a:rPr lang="es-ES_tradnl" sz="1200" kern="1200" baseline="0" dirty="0" smtClean="0">
+                <a:solidFill>
+                  <a:schemeClr val="tx1"/>
+                </a:solidFill>
+                <a:latin typeface="+mn-lt"/>
+                <a:ea typeface="+mn-ea"/>
+                <a:cs typeface="+mn-cs"/>
+              </a:rPr>
+              <a:t>/Generación de Tokens</a:t>
+            </a:r>
+            <a:r>
+              <a:rPr lang="es-AR" sz="1200" kern="1200" baseline="0" dirty="0" smtClean="0">
+                <a:solidFill>
+                  <a:schemeClr val="tx1"/>
+                </a:solidFill>
+                <a:latin typeface="+mn-lt"/>
+                <a:ea typeface="+mn-ea"/>
+                <a:cs typeface="+mn-cs"/>
+              </a:rPr>
+              <a:t> y Tokens Analysis/Analisis de Tokens) , los actores (</a:t>
             </a:r>
             <a:r>
               <a:rPr lang="es-AR" sz="1200" kern="1200" dirty="0" smtClean="0">
@@ -904,29 +968,7 @@
                 <a:ea typeface="+mn-ea"/>
                 <a:cs typeface="+mn-cs"/>
               </a:rPr>
-              <a:t>. La salida como se ve en la imagen es un conjunto de </a:t>
-            </a:r>
-            <a:r>
-              <a:rPr lang="es-AR" sz="1200" kern="1200" baseline="0" dirty="0" err="1" smtClean="0">
-                <a:solidFill>
-                  <a:schemeClr val="tx1"/>
-                </a:solidFill>
-                <a:latin typeface="+mn-lt"/>
-                <a:ea typeface="+mn-ea"/>
-                <a:cs typeface="+mn-cs"/>
-              </a:rPr>
-              <a:t>QATs</a:t>
-            </a:r>
-            <a:r>
-              <a:rPr lang="es-AR" sz="1200" kern="1200" baseline="0" dirty="0" smtClean="0">
-                <a:solidFill>
-                  <a:schemeClr val="tx1"/>
-                </a:solidFill>
-                <a:latin typeface="+mn-lt"/>
-                <a:ea typeface="+mn-ea"/>
-                <a:cs typeface="+mn-cs"/>
-              </a:rPr>
-              <a:t> o Quality Attribute Theme que básicamente es un conjunto formado por la entrada (aspecto temprano y casos de uso al cual hace referencia el aspecto) y se agrega la información de los atributos de calidad  identificada en el proceso. </a:t>
+              <a:t>.  Por último la salida, que es un conjunto de QATs o Quality Attribute Theme. </a:t>
             </a:r>
             <a:r>
               <a:rPr lang="es-ES_tradnl" sz="1200" kern="1200" baseline="0" dirty="0" smtClean="0">
@@ -937,18 +979,7 @@
                 <a:ea typeface="+mn-ea"/>
                 <a:cs typeface="+mn-cs"/>
               </a:rPr>
-              <a:t>Cada una de estas etapas se </a:t>
-            </a:r>
-            <a:r>
-              <a:rPr lang="es-ES_tradnl" sz="1200" kern="1200" baseline="0" dirty="0" err="1" smtClean="0">
-                <a:solidFill>
-                  <a:schemeClr val="tx1"/>
-                </a:solidFill>
-                <a:latin typeface="+mn-lt"/>
-                <a:ea typeface="+mn-ea"/>
-                <a:cs typeface="+mn-cs"/>
-              </a:rPr>
-              <a:t>veran</a:t>
+              <a:t>Cada una de estas etapas se verán en detalle a continuación</a:t>
             </a:r>
             <a:r>
               <a:rPr lang="es-ES_tradnl" sz="1200" kern="1200" baseline="0" dirty="0" smtClean="0">
@@ -959,18 +990,12 @@
                 <a:ea typeface="+mn-ea"/>
                 <a:cs typeface="+mn-cs"/>
               </a:rPr>
-              <a:t> en detalle a continuación.</a:t>
-            </a:r>
-            <a:endParaRPr lang="es-ES_tradnl" sz="1200" kern="1200" dirty="0" smtClean="0">
-              <a:solidFill>
-                <a:schemeClr val="tx1"/>
-              </a:solidFill>
-              <a:latin typeface="+mn-lt"/>
-              <a:ea typeface="+mn-ea"/>
-              <a:cs typeface="+mn-cs"/>
-            </a:endParaRPr>
-          </a:p>
-          <a:p>
+              <a:t>. </a:t>
+            </a:r>
+            <a:r>
+              <a:rPr lang="es-ES_tradnl" dirty="0" smtClean="0"/>
+              <a:t>En primer lugar vamos  a ver la entrada.</a:t>
+            </a:r>
             <a:endParaRPr lang="es-ES_tradnl" dirty="0"/>
           </a:p>
         </p:txBody>
@@ -1062,7 +1087,18 @@
                 <a:ea typeface="+mn-ea"/>
                 <a:cs typeface="+mn-cs"/>
               </a:rPr>
-              <a:t>Las entradas </a:t>
+              <a:t>La entrada al proceso esta formada</a:t>
+            </a:r>
+            <a:r>
+              <a:rPr lang="es-AR" sz="1200" kern="1200" baseline="0" dirty="0" smtClean="0">
+                <a:solidFill>
+                  <a:schemeClr val="tx1"/>
+                </a:solidFill>
+                <a:latin typeface="+mn-lt"/>
+                <a:ea typeface="+mn-ea"/>
+                <a:cs typeface="+mn-cs"/>
+              </a:rPr>
+              <a:t> </a:t>
             </a:r>
             <a:r>
               <a:rPr lang="es-AR" sz="1200" kern="1200" dirty="0" smtClean="0">
@@ -1073,7 +1109,7 @@
                 <a:ea typeface="+mn-ea"/>
                 <a:cs typeface="+mn-cs"/>
               </a:rPr>
-              <a:t>al </a:t>
+              <a:t>por un conjunto de casos </a:t>
             </a:r>
             <a:r>
               <a:rPr lang="es-AR" sz="1200" kern="1200" dirty="0" smtClean="0">
@@ -1084,29 +1120,7 @@
                 <a:ea typeface="+mn-ea"/>
                 <a:cs typeface="+mn-cs"/>
               </a:rPr>
-              <a:t>proceso </a:t>
-            </a:r>
-            <a:r>
-              <a:rPr lang="es-AR" sz="1200" kern="1200" dirty="0" smtClean="0">
-                <a:solidFill>
-                  <a:schemeClr val="tx1"/>
-                </a:solidFill>
-                <a:latin typeface="+mn-lt"/>
-                <a:ea typeface="+mn-ea"/>
-                <a:cs typeface="+mn-cs"/>
-              </a:rPr>
-              <a:t>son: </a:t>
-            </a:r>
-            <a:r>
-              <a:rPr lang="es-AR" sz="1200" kern="1200" dirty="0" smtClean="0">
-                <a:solidFill>
-                  <a:schemeClr val="tx1"/>
-                </a:solidFill>
-                <a:latin typeface="+mn-lt"/>
-                <a:ea typeface="+mn-ea"/>
-                <a:cs typeface="+mn-cs"/>
-              </a:rPr>
-              <a:t>los casos de uso</a:t>
+              <a:t>de uso</a:t>
             </a:r>
             <a:r>
               <a:rPr lang="es-ES_tradnl" sz="1200" kern="1200" dirty="0" smtClean="0">
@@ -1117,18 +1131,7 @@
                 <a:ea typeface="+mn-ea"/>
                 <a:cs typeface="+mn-cs"/>
               </a:rPr>
-              <a:t> y el aspecto temprano que los relaciona. </a:t>
-            </a:r>
-            <a:r>
-              <a:rPr lang="es-ES_tradnl" sz="1200" kern="1200" dirty="0" smtClean="0">
-                <a:solidFill>
-                  <a:schemeClr val="tx1"/>
-                </a:solidFill>
-                <a:latin typeface="+mn-lt"/>
-                <a:ea typeface="+mn-ea"/>
-                <a:cs typeface="+mn-cs"/>
-              </a:rPr>
-              <a:t>Los casos de uso</a:t>
+              <a:t> y el aspecto temprano que los relaciona. Los casos de uso</a:t>
             </a:r>
             <a:r>
               <a:rPr lang="es-ES_tradnl" sz="1200" kern="1200" baseline="0" dirty="0" smtClean="0">
@@ -1154,40 +1157,7 @@
                 <a:ea typeface="+mn-ea"/>
                 <a:cs typeface="+mn-cs"/>
               </a:rPr>
-              <a:t>aspecto </a:t>
-            </a:r>
-            <a:r>
-              <a:rPr lang="es-ES_tradnl" sz="1200" kern="1200" dirty="0" smtClean="0">
-                <a:solidFill>
-                  <a:schemeClr val="tx1"/>
-                </a:solidFill>
-                <a:latin typeface="+mn-lt"/>
-                <a:ea typeface="+mn-ea"/>
-                <a:cs typeface="+mn-cs"/>
-              </a:rPr>
-              <a:t>temprano ha sido previamente identificado por medio de algún </a:t>
-            </a:r>
-            <a:r>
-              <a:rPr lang="es-ES_tradnl" sz="1200" kern="1200" dirty="0" err="1" smtClean="0">
-                <a:solidFill>
-                  <a:schemeClr val="tx1"/>
-                </a:solidFill>
-                <a:latin typeface="+mn-lt"/>
-                <a:ea typeface="+mn-ea"/>
-                <a:cs typeface="+mn-cs"/>
-              </a:rPr>
-              <a:t>tool</a:t>
-            </a:r>
-            <a:r>
-              <a:rPr lang="es-ES_tradnl" sz="1200" kern="1200" dirty="0" smtClean="0">
-                <a:solidFill>
-                  <a:schemeClr val="tx1"/>
-                </a:solidFill>
-                <a:latin typeface="+mn-lt"/>
-                <a:ea typeface="+mn-ea"/>
-                <a:cs typeface="+mn-cs"/>
-              </a:rPr>
-              <a:t> de detección de aspectos tempranos. En este trabajo, se utilizó para este propósito la herramienta </a:t>
+              <a:t>aspecto temprano ha sido previamente identificado por medio de algún tool de detección de aspectos tempranos. En este trabajo, se utilizó para este propósito la herramienta </a:t>
             </a:r>
             <a:r>
               <a:rPr lang="es-AR" sz="1200" i="1" kern="1200" dirty="0" smtClean="0">
@@ -1198,18 +1168,7 @@
                 <a:ea typeface="+mn-ea"/>
                 <a:cs typeface="+mn-cs"/>
               </a:rPr>
-              <a:t>Aspect Extractor </a:t>
-            </a:r>
-            <a:r>
-              <a:rPr lang="es-AR" sz="1200" i="1" kern="1200" dirty="0" err="1" smtClean="0">
-                <a:solidFill>
-                  <a:schemeClr val="tx1"/>
-                </a:solidFill>
-                <a:latin typeface="+mn-lt"/>
-                <a:ea typeface="+mn-ea"/>
-                <a:cs typeface="+mn-cs"/>
-              </a:rPr>
-              <a:t>Tool</a:t>
+              <a:t>Aspect Extractor Tool</a:t>
             </a:r>
             <a:r>
               <a:rPr lang="es-AR" sz="1200" kern="1200" dirty="0" smtClean="0">
@@ -1242,84 +1201,7 @@
                 <a:ea typeface="+mn-ea"/>
                 <a:cs typeface="+mn-cs"/>
               </a:rPr>
-              <a:t>la cual </a:t>
-            </a:r>
-            <a:r>
-              <a:rPr lang="es-ES_tradnl" sz="1200" kern="1200" dirty="0" smtClean="0">
-                <a:solidFill>
-                  <a:schemeClr val="tx1"/>
-                </a:solidFill>
-                <a:latin typeface="+mn-lt"/>
-                <a:ea typeface="+mn-ea"/>
-                <a:cs typeface="+mn-cs"/>
-              </a:rPr>
-              <a:t>es una herramienta </a:t>
-            </a:r>
-            <a:r>
-              <a:rPr lang="es-ES_tradnl" sz="1200" kern="1200" dirty="0" err="1" smtClean="0">
-                <a:solidFill>
-                  <a:schemeClr val="tx1"/>
-                </a:solidFill>
-                <a:latin typeface="+mn-lt"/>
-                <a:ea typeface="+mn-ea"/>
-                <a:cs typeface="+mn-cs"/>
-              </a:rPr>
-              <a:t>semi</a:t>
-            </a:r>
-            <a:r>
-              <a:rPr lang="es-ES_tradnl" sz="1200" kern="1200" dirty="0" smtClean="0">
-                <a:solidFill>
-                  <a:schemeClr val="tx1"/>
-                </a:solidFill>
-                <a:latin typeface="+mn-lt"/>
-                <a:ea typeface="+mn-ea"/>
-                <a:cs typeface="+mn-cs"/>
-              </a:rPr>
-              <a:t>-automatizada para identificar un </a:t>
-            </a:r>
-            <a:r>
-              <a:rPr lang="es-ES_tradnl" sz="1200" kern="1200" dirty="0" smtClean="0">
-                <a:solidFill>
-                  <a:schemeClr val="tx1"/>
-                </a:solidFill>
-                <a:latin typeface="+mn-lt"/>
-                <a:ea typeface="+mn-ea"/>
-                <a:cs typeface="+mn-cs"/>
-              </a:rPr>
-              <a:t>conjunto de aspectos tempranos candidatos a partir de </a:t>
-            </a:r>
-            <a:r>
-              <a:rPr lang="es-ES_tradnl" sz="1200" kern="1200" dirty="0" smtClean="0">
-                <a:solidFill>
-                  <a:schemeClr val="tx1"/>
-                </a:solidFill>
-                <a:latin typeface="+mn-lt"/>
-                <a:ea typeface="+mn-ea"/>
-                <a:cs typeface="+mn-cs"/>
-              </a:rPr>
-              <a:t>un conjunto de casos </a:t>
-            </a:r>
-            <a:r>
-              <a:rPr lang="es-ES_tradnl" sz="1200" kern="1200" dirty="0" err="1" smtClean="0">
-                <a:solidFill>
-                  <a:schemeClr val="tx1"/>
-                </a:solidFill>
-                <a:latin typeface="+mn-lt"/>
-                <a:ea typeface="+mn-ea"/>
-                <a:cs typeface="+mn-cs"/>
-              </a:rPr>
-              <a:t>deuso</a:t>
-            </a:r>
-            <a:r>
-              <a:rPr lang="es-ES_tradnl" sz="1200" kern="1200" dirty="0" smtClean="0">
-                <a:solidFill>
-                  <a:schemeClr val="tx1"/>
-                </a:solidFill>
-                <a:latin typeface="+mn-lt"/>
-                <a:ea typeface="+mn-ea"/>
-                <a:cs typeface="+mn-cs"/>
-              </a:rPr>
-              <a:t>. Esta herramienta fue realizada</a:t>
+              <a:t>la cual es una herramienta semi-automatizada para identificar un conjunto de aspectos tempranos candidatos a partir de un conjunto de casos de uso. Esta herramienta fue realizada</a:t>
             </a:r>
             <a:r>
               <a:rPr lang="es-ES_tradnl" sz="1200" kern="1200" baseline="0" dirty="0" smtClean="0">
@@ -1330,7 +1212,29 @@
                 <a:ea typeface="+mn-ea"/>
                 <a:cs typeface="+mn-cs"/>
               </a:rPr>
-              <a:t> acá en la facultada para otras tesis de grado, justamente se utiliza la última versión de esta </a:t>
+              <a:t> acá en la </a:t>
+            </a:r>
+            <a:r>
+              <a:rPr lang="es-ES_tradnl" sz="1200" kern="1200" baseline="0" dirty="0" smtClean="0">
+                <a:solidFill>
+                  <a:schemeClr val="tx1"/>
+                </a:solidFill>
+                <a:latin typeface="+mn-lt"/>
+                <a:ea typeface="+mn-ea"/>
+                <a:cs typeface="+mn-cs"/>
+              </a:rPr>
+              <a:t>facultad </a:t>
+            </a:r>
+            <a:r>
+              <a:rPr lang="es-ES_tradnl" sz="1200" kern="1200" baseline="0" dirty="0" smtClean="0">
+                <a:solidFill>
+                  <a:schemeClr val="tx1"/>
+                </a:solidFill>
+                <a:latin typeface="+mn-lt"/>
+                <a:ea typeface="+mn-ea"/>
+                <a:cs typeface="+mn-cs"/>
+              </a:rPr>
+              <a:t>para otras tesis de grado, justamente se utiliza la última versión de esta </a:t>
             </a:r>
             <a:r>
               <a:rPr lang="es-ES_tradnl" sz="1200" kern="1200" baseline="0" dirty="0" err="1" smtClean="0">
@@ -1352,18 +1256,7 @@
                 <a:ea typeface="+mn-ea"/>
                 <a:cs typeface="+mn-cs"/>
               </a:rPr>
-              <a:t> desarrollada por el Ing./Futuro Doctor Alejando “el capo aspecto” </a:t>
-            </a:r>
-            <a:r>
-              <a:rPr lang="es-ES_tradnl" sz="1200" kern="1200" baseline="0" dirty="0" err="1" smtClean="0">
-                <a:solidFill>
-                  <a:schemeClr val="tx1"/>
-                </a:solidFill>
-                <a:latin typeface="+mn-lt"/>
-                <a:ea typeface="+mn-ea"/>
-                <a:cs typeface="+mn-cs"/>
-              </a:rPr>
-              <a:t>Rago</a:t>
+              <a:t> </a:t>
             </a:r>
             <a:r>
               <a:rPr lang="es-ES_tradnl" sz="1200" kern="1200" baseline="0" dirty="0" smtClean="0">
@@ -1374,7 +1267,7 @@
                 <a:ea typeface="+mn-ea"/>
                 <a:cs typeface="+mn-cs"/>
               </a:rPr>
-              <a:t>. </a:t>
+              <a:t>que utiliza una algoritmo semántico  y representa un aspecto mediante un nombre y un conjunto de pares &lt;verbo, objeto directo&gt;.</a:t>
             </a:r>
             <a:endParaRPr lang="es-ES_tradnl" dirty="0" smtClean="0"/>
           </a:p>
@@ -1467,15 +1360,31 @@
             </a:r>
             <a:r>
               <a:rPr lang="es-ES_tradnl" baseline="0" dirty="0" smtClean="0"/>
-              <a:t> vamos a ver la primer etapa del proceso que es Tokens </a:t>
+              <a:t> vamos a ver la primer etapa del proceso que es </a:t>
+            </a:r>
+            <a:r>
+              <a:rPr lang="es-ES_tradnl" baseline="0" dirty="0" smtClean="0"/>
+              <a:t>la etapa de generación de </a:t>
             </a:r>
             <a:r>
               <a:rPr lang="es-ES_tradnl" baseline="0" dirty="0" err="1" smtClean="0"/>
-              <a:t>Generation</a:t>
+              <a:t>Tokens</a:t>
             </a:r>
             <a:r>
               <a:rPr lang="es-ES_tradnl" baseline="0" dirty="0" smtClean="0"/>
-              <a:t>.</a:t>
+              <a:t>, o </a:t>
+            </a:r>
+            <a:r>
+              <a:rPr lang="es-ES_tradnl" baseline="0" dirty="0" err="1" smtClean="0"/>
+              <a:t>Tokens</a:t>
+            </a:r>
+            <a:r>
+              <a:rPr lang="es-ES_tradnl" baseline="0" dirty="0" smtClean="0"/>
+              <a:t> </a:t>
+            </a:r>
+            <a:r>
+              <a:rPr lang="es-ES_tradnl" baseline="0" dirty="0" smtClean="0"/>
+              <a:t>Generation.</a:t>
             </a:r>
             <a:endParaRPr lang="es-ES_tradnl" dirty="0"/>
           </a:p>
@@ -1565,71 +1474,23 @@
             </a:r>
             <a:r>
               <a:rPr lang="es-ES_tradnl" baseline="0" dirty="0" smtClean="0"/>
-              <a:t> en esta etapa hay dos actividad. En la primer actividad, “Input </a:t>
-            </a:r>
-            <a:r>
-              <a:rPr lang="es-ES_tradnl" baseline="0" dirty="0" err="1" smtClean="0"/>
-              <a:t>Processor</a:t>
+              <a:t> en esta etapa hay dos </a:t>
             </a:r>
             <a:r>
               <a:rPr lang="es-ES_tradnl" baseline="0" dirty="0" smtClean="0"/>
-              <a:t>”, se analiza la entrada y separa los textos en tokens. Un token es una unidad de información formada por una palabra y un conjunto de propiedades.  A partir de esta actividad se generan dos listas, una de tokens extraídos de los casos de uso y otra lista del aspecto temprano. Estas listas ingresan a la segunda actividad, “Tokens </a:t>
-            </a:r>
-            <a:r>
-              <a:rPr lang="es-ES_tradnl" baseline="0" dirty="0" err="1" smtClean="0"/>
-              <a:t>Filter</a:t>
+              <a:t>actividades. En la </a:t>
             </a:r>
             <a:r>
               <a:rPr lang="es-ES_tradnl" baseline="0" dirty="0" smtClean="0"/>
-              <a:t>”, en donde se aplican una serie de filtros que transformaran los tokens de las listas. Los filtros que se han definido los siguientes: </a:t>
-            </a:r>
-            <a:r>
-              <a:rPr lang="es-ES_tradnl" baseline="0" dirty="0" err="1" smtClean="0"/>
-              <a:t>Lower</a:t>
+              <a:t>primer actividad, “Input Processor”, se analiza la entrada </a:t>
             </a:r>
             <a:r>
               <a:rPr lang="es-ES_tradnl" baseline="0" dirty="0" smtClean="0"/>
-              <a:t> Case </a:t>
-            </a:r>
-            <a:r>
-              <a:rPr lang="es-ES_tradnl" baseline="0" dirty="0" err="1" smtClean="0"/>
-              <a:t>Filter</a:t>
+              <a:t>separando el texto en </a:t>
             </a:r>
             <a:r>
               <a:rPr lang="es-ES_tradnl" baseline="0" dirty="0" smtClean="0"/>
-              <a:t>, en donde se pasan las palabras de los tokens a minúscula. Stop </a:t>
-            </a:r>
-            <a:r>
-              <a:rPr lang="es-ES_tradnl" baseline="0" dirty="0" err="1" smtClean="0"/>
-              <a:t>Words</a:t>
-            </a:r>
-            <a:r>
-              <a:rPr lang="es-ES_tradnl" baseline="0" dirty="0" smtClean="0"/>
-              <a:t> </a:t>
-            </a:r>
-            <a:r>
-              <a:rPr lang="es-ES_tradnl" baseline="0" dirty="0" err="1" smtClean="0"/>
-              <a:t>filter</a:t>
-            </a:r>
-            <a:r>
-              <a:rPr lang="es-ES_tradnl" baseline="0" dirty="0" smtClean="0"/>
-              <a:t> en donde se eliminan los tokens cuya palabra sea considerada Stop-Word (un stop </a:t>
-            </a:r>
-            <a:r>
-              <a:rPr lang="es-ES_tradnl" baseline="0" dirty="0" err="1" smtClean="0"/>
-              <a:t>word</a:t>
-            </a:r>
-            <a:r>
-              <a:rPr lang="es-ES_tradnl" baseline="0" dirty="0" smtClean="0"/>
-              <a:t> es una palabra irrelevante para el análisis, artículos preposiciones, etc.) , luego el filtro de </a:t>
-            </a:r>
-            <a:r>
-              <a:rPr lang="es-ES_tradnl" baseline="0" dirty="0" err="1" smtClean="0"/>
-              <a:t>stem</a:t>
-            </a:r>
-            <a:r>
-              <a:rPr lang="es-ES_tradnl" baseline="0" dirty="0" smtClean="0"/>
-              <a:t> en donde se lleva la palabra a su raíz. Luego esta el filtro de pesos, en donde se da un peso el token de acuerdo a la sección del caso de uso donde aparezca. Por último se eliminan los tokens duplicados y se agrega la propiedad de número de ocurrencias.</a:t>
+              <a:t>tokens. Un token es una unidad de información formada por una palabra y un conjunto de propiedades.  A partir de esta actividad se generan dos listas, una de tokens extraídos de los casos de uso y otra lista del aspecto temprano. Estas listas ingresan a la segunda actividad, “Tokens Filter”, en donde se aplican una serie de filtros que transformaran los tokens de las listas. Los filtros que se han definido los siguientes: Lower Case Filter, en donde se pasan las palabras de los tokens a minúscula. Stop Words filter en donde se eliminan los tokens cuya palabra sea considerada Stop-Word (un stop word es una palabra irrelevante para el análisis, artículos preposiciones, etc.) , luego el filtro de stem en donde se lleva la palabra a su raíz. Luego esta el filtro de pesos, en donde se da un peso el token de acuerdo a la sección del caso de uso donde aparezca. Por último se eliminan los tokens duplicados y se agrega la propiedad de número de ocurrencias.</a:t>
             </a:r>
             <a:endParaRPr lang="es-ES_tradnl" dirty="0"/>
           </a:p>
@@ -1832,18 +1693,7 @@
                 <a:ea typeface="+mn-ea"/>
                 <a:cs typeface="+mn-cs"/>
               </a:rPr>
-              <a:t>QA </a:t>
-            </a:r>
-            <a:r>
-              <a:rPr lang="es-AR" sz="1200" i="1" kern="1200" dirty="0" err="1" smtClean="0">
-                <a:solidFill>
-                  <a:schemeClr val="tx1"/>
-                </a:solidFill>
-                <a:latin typeface="+mn-lt"/>
-                <a:ea typeface="+mn-ea"/>
-                <a:cs typeface="+mn-cs"/>
-              </a:rPr>
-              <a:t>Miner</a:t>
+              <a:t>QA Miner</a:t>
             </a:r>
             <a:r>
               <a:rPr lang="es-AR" sz="1200" kern="1200" dirty="0" smtClean="0">
@@ -1857,7 +1707,7 @@
               <a:t>, la cual es un </a:t>
             </a:r>
             <a:r>
-              <a:rPr lang="es-AR" sz="1200" i="1" kern="1200" dirty="0" err="1" smtClean="0">
+              <a:rPr lang="es-AR" sz="1200" i="1" kern="1200" dirty="0" smtClean="0">
                 <a:solidFill>
                   <a:schemeClr val="tx1"/>
                 </a:solidFill>
@@ -1887,18 +1737,7 @@
                 <a:ea typeface="+mn-ea"/>
                 <a:cs typeface="+mn-cs"/>
               </a:rPr>
-              <a:t>QA </a:t>
-            </a:r>
-            <a:r>
-              <a:rPr lang="es-AR" sz="1200" i="1" kern="1200" dirty="0" err="1" smtClean="0">
-                <a:solidFill>
-                  <a:schemeClr val="tx1"/>
-                </a:solidFill>
-                <a:latin typeface="+mn-lt"/>
-                <a:ea typeface="+mn-ea"/>
-                <a:cs typeface="+mn-cs"/>
-              </a:rPr>
-              <a:t>Miner</a:t>
+              <a:t>QA Miner</a:t>
             </a:r>
             <a:r>
               <a:rPr lang="es-AR" sz="1200" kern="1200" dirty="0" smtClean="0">
@@ -2085,14 +1924,6 @@
           </a:bodyPr>
           <a:lstStyle/>
           <a:p>
-            <a:r>
-              <a:rPr lang="es-ES_tradnl" dirty="0" smtClean="0"/>
-              <a:t>El segundo caso de estudio llamado CRS es un sistema de registro</a:t>
-            </a:r>
-            <a:r>
-              <a:rPr lang="es-ES_tradnl" baseline="0" dirty="0" smtClean="0"/>
-              <a:t> de cursos. Consta de 8 casos de uso, aproximadamente 3900 palabras. La herramienta AET ha identificado 7 aspectos tempranos. En esta caso, los QAs del sistema que buscamos o consideramos correctos, fueron obtenido a través del análisis manual de la especificación de requerimientos.</a:t>
-            </a:r>
             <a:endParaRPr lang="es-ES_tradnl" dirty="0"/>
           </a:p>
         </p:txBody>
@@ -2115,7 +1946,7 @@
             <a:fld id="{1872ED1A-74B4-42AE-A5BF-D7540D1CC6CA}" type="slidenum">
               <a:rPr lang="es-ES" smtClean="0"/>
               <a:pPr/>
-              <a:t>25</a:t>
+              <a:t>24</a:t>
             </a:fld>
             <a:endParaRPr lang="es-ES" dirty="0"/>
           </a:p>
@@ -2181,15 +2012,59 @@
             </a:r>
             <a:r>
               <a:rPr lang="es-ES_tradnl" baseline="0" dirty="0" smtClean="0"/>
-              <a:t> </a:t>
+              <a:t> que se va a seguir durante la presentación. Primero, vamos a hacer una introducción en donde se verá el contexto y la problemática. Luego, se introducirán algunos conceptos </a:t>
             </a:r>
             <a:r>
               <a:rPr lang="es-ES_tradnl" baseline="0" dirty="0" smtClean="0"/>
-              <a:t>que se va a seguir durante la </a:t>
+              <a:t>que son necesarios </a:t>
             </a:r>
             <a:r>
               <a:rPr lang="es-ES_tradnl" baseline="0" dirty="0" smtClean="0"/>
-              <a:t>presentación. Primero, vamos a hacer una introducción en donde se verá el contexto y la problemática. Luego, se introducirán algunos conceptos antes de explicar el enfoque propuesto. Luego del enfoque propuesto, se realiza una evaluación de la técnica con 2 casos de estudio. Luego, veremos las conclusiones, ventajas y desventajas a las que arribamos. Por último, la clásica filmina de preguntas para el jurado nos hará las preguntas u observaciones que hayan surgido durante la presentación.</a:t>
+              <a:t>para explicar el enfoque propuesto</a:t>
+            </a:r>
+            <a:r>
+              <a:rPr lang="es-ES_tradnl" baseline="0" dirty="0" smtClean="0"/>
+              <a:t>. Posteriormente, se </a:t>
+            </a:r>
+            <a:r>
+              <a:rPr lang="es-ES_tradnl" baseline="0" dirty="0" smtClean="0"/>
+              <a:t>va a evaluar el enfoque propuesto con 2 casos de estudio reales. </a:t>
+            </a:r>
+            <a:r>
+              <a:rPr lang="es-ES_tradnl" baseline="0" dirty="0" smtClean="0"/>
+              <a:t>Luego, </a:t>
+            </a:r>
+            <a:r>
+              <a:rPr lang="es-ES_tradnl" baseline="0" dirty="0" smtClean="0"/>
+              <a:t>veremos las conclusiones, ventajas y desventajas </a:t>
+            </a:r>
+            <a:r>
+              <a:rPr lang="es-ES_tradnl" baseline="0" dirty="0" smtClean="0"/>
+              <a:t>que identificamos. </a:t>
+            </a:r>
+            <a:r>
+              <a:rPr lang="es-ES_tradnl" baseline="0" dirty="0" smtClean="0"/>
+              <a:t>Y por último, la </a:t>
+            </a:r>
+            <a:r>
+              <a:rPr lang="es-ES_tradnl" baseline="0" dirty="0" err="1" smtClean="0"/>
+              <a:t>seccion</a:t>
+            </a:r>
+            <a:r>
+              <a:rPr lang="es-ES_tradnl" baseline="0" dirty="0" smtClean="0"/>
+              <a:t> de </a:t>
+            </a:r>
+            <a:r>
+              <a:rPr lang="es-ES_tradnl" baseline="0" dirty="0" smtClean="0"/>
+              <a:t>preguntas para </a:t>
+            </a:r>
+            <a:r>
+              <a:rPr lang="es-ES_tradnl" baseline="0" dirty="0" smtClean="0"/>
+              <a:t>que el </a:t>
+            </a:r>
+            <a:r>
+              <a:rPr lang="es-ES_tradnl" baseline="0" dirty="0" smtClean="0"/>
+              <a:t>jurado nos haga las preguntas u observaciones que hayan surgido durante la presentación.</a:t>
             </a:r>
             <a:endParaRPr lang="es-ES_tradnl" dirty="0"/>
           </a:p>
@@ -2275,35 +2150,11 @@
           <a:p>
             <a:r>
               <a:rPr lang="es-ES_tradnl" dirty="0" smtClean="0"/>
-              <a:t>Se presenta el mismo gráfico que explicó Francisco</a:t>
+              <a:t>El segundo caso de estudio llamado CRS es un sistema de registro</a:t>
             </a:r>
             <a:r>
               <a:rPr lang="es-ES_tradnl" baseline="0" dirty="0" smtClean="0"/>
-              <a:t> anteriormente, en este caso, vemos que en la última columna donde están los QAs reales del sistema todos tienen una flecha de entrada. Esto quiere decir que se han identificado todos los </a:t>
-            </a:r>
-            <a:r>
-              <a:rPr lang="es-ES_tradnl" baseline="0" dirty="0" err="1" smtClean="0"/>
-              <a:t>Qas</a:t>
-            </a:r>
-            <a:r>
-              <a:rPr lang="es-ES_tradnl" baseline="0" dirty="0" smtClean="0"/>
-              <a:t> del sistema. Por otro lado, existen dos QA que fueron mal identificados. Haciendo el reemplazo en las formulas obtenemos los siguientes resultados. </a:t>
-            </a:r>
-            <a:r>
-              <a:rPr lang="es-ES_tradnl" baseline="0" dirty="0" err="1" smtClean="0"/>
-              <a:t>Precision</a:t>
-            </a:r>
-            <a:r>
-              <a:rPr lang="es-ES_tradnl" baseline="0" dirty="0" smtClean="0"/>
-              <a:t> 0.68 y </a:t>
-            </a:r>
-            <a:r>
-              <a:rPr lang="es-ES_tradnl" baseline="0" dirty="0" err="1" smtClean="0"/>
-              <a:t>Recall</a:t>
-            </a:r>
-            <a:r>
-              <a:rPr lang="es-ES_tradnl" baseline="0" dirty="0" smtClean="0"/>
-              <a:t> 1. Este caso de estudio nos da mejores resultados que el caso anterior. </a:t>
+              <a:t> de cursos. Consta de 8 casos de uso, aproximadamente 3900 palabras. La herramienta AET ha identificado 7 aspectos tempranos. En esta caso, los QAs del sistema que buscamos o consideramos correctos, fueron obtenido a través del análisis manual de la especificación de requerimientos.</a:t>
             </a:r>
             <a:endParaRPr lang="es-ES_tradnl" dirty="0"/>
           </a:p>
@@ -2327,7 +2178,7 @@
             <a:fld id="{1872ED1A-74B4-42AE-A5BF-D7540D1CC6CA}" type="slidenum">
               <a:rPr lang="es-ES" smtClean="0"/>
               <a:pPr/>
-              <a:t>26</a:t>
+              <a:t>25</a:t>
             </a:fld>
             <a:endParaRPr lang="es-ES" dirty="0"/>
           </a:p>
@@ -2389,12 +2240,13 @@
           <a:p>
             <a:r>
               <a:rPr lang="es-ES_tradnl" dirty="0" smtClean="0"/>
-              <a:t>La otra métrica</a:t>
+              <a:t>Se presenta el mismo gráfico que explicó Francisco</a:t>
             </a:r>
             <a:r>
               <a:rPr lang="es-ES_tradnl" baseline="0" dirty="0" smtClean="0"/>
-              <a:t> que se utilizó fue el tiempo de ejecución de la herramienta. Se observaron tiempos bajos en las ejecuciones. Para el primer caso de estudio, sumando la detección de todos los QATs tardó aproximadamente 7.2 segundos, mientras que en el caso de estudio CRS, tardó aproximadamente 4.9 segundos. Estos tiempos se consideran aceptables para el analista dado todo el procesamiento que se realiza la herramienta</a:t>
-            </a:r>
+              <a:t> anteriormente, en este caso, vemos que en la última columna donde están los QAs reales del sistema todos tienen una flecha de entrada. Esto quiere decir que se han identificado todos los Qas del sistema. Por otro lado, existen dos QA que fueron mal identificados. Haciendo el reemplazo en las formulas obtenemos los siguientes resultados. Precision 0.68 y Recall 1. Este caso de estudio nos da mejores resultados que el caso anterior. </a:t>
+            </a:r>
+            <a:endParaRPr lang="es-ES_tradnl" dirty="0"/>
           </a:p>
         </p:txBody>
       </p:sp>
@@ -2416,7 +2268,7 @@
             <a:fld id="{1872ED1A-74B4-42AE-A5BF-D7540D1CC6CA}" type="slidenum">
               <a:rPr lang="es-ES" smtClean="0"/>
               <a:pPr/>
-              <a:t>27</a:t>
+              <a:t>26</a:t>
             </a:fld>
             <a:endParaRPr lang="es-ES" dirty="0"/>
           </a:p>
@@ -2478,13 +2330,12 @@
           <a:p>
             <a:r>
               <a:rPr lang="es-ES_tradnl" dirty="0" smtClean="0"/>
-              <a:t>A</a:t>
+              <a:t>La otra métrica</a:t>
             </a:r>
             <a:r>
               <a:rPr lang="es-ES_tradnl" baseline="0" dirty="0" smtClean="0"/>
-              <a:t> continuación, ya para ir finalizando, vamos a ver las conclusiones. Precisamente, vamos a ver las ventajas y desventajas que identificamos y algunos trabajos a futuros que surgieron en este análisis.</a:t>
-            </a:r>
-            <a:endParaRPr lang="es-ES_tradnl" dirty="0"/>
+              <a:t> que se utilizó fue el tiempo de ejecución de la herramienta. Se observaron tiempos bajos en las ejecuciones. Para el primer caso de estudio, sumando la detección de todos los QATs tardó aproximadamente 7.2 segundos, mientras que en el caso de estudio CRS, tardó aproximadamente 4.9 segundos. Estos tiempos se consideran aceptables para el analista dado todo el procesamiento que se realiza la herramienta</a:t>
+            </a:r>
           </a:p>
         </p:txBody>
       </p:sp>
@@ -2506,7 +2357,7 @@
             <a:fld id="{1872ED1A-74B4-42AE-A5BF-D7540D1CC6CA}" type="slidenum">
               <a:rPr lang="es-ES" smtClean="0"/>
               <a:pPr/>
-              <a:t>28</a:t>
+              <a:t>27</a:t>
             </a:fld>
             <a:endParaRPr lang="es-ES" dirty="0"/>
           </a:p>
@@ -2562,434 +2413,17 @@
         <p:spPr/>
         <p:txBody>
           <a:bodyPr>
-            <a:normAutofit lnSpcReduction="10000"/>
+            <a:normAutofit/>
           </a:bodyPr>
           <a:lstStyle/>
           <a:p>
             <a:r>
               <a:rPr lang="es-ES_tradnl" dirty="0" smtClean="0"/>
-              <a:t>En primer lugar vamos a ver las</a:t>
+              <a:t>A</a:t>
             </a:r>
             <a:r>
               <a:rPr lang="es-ES_tradnl" baseline="0" dirty="0" smtClean="0"/>
-              <a:t> ventajas. Estas son:</a:t>
-            </a:r>
-          </a:p>
-          <a:p>
-            <a:pPr>
-              <a:buFontTx/>
-              <a:buChar char="-"/>
-            </a:pPr>
-            <a:r>
-              <a:rPr lang="es-ES_tradnl" baseline="0" dirty="0" smtClean="0"/>
-              <a:t>El </a:t>
-            </a:r>
-            <a:r>
-              <a:rPr lang="es-ES_tradnl" baseline="0" dirty="0" err="1" smtClean="0"/>
-              <a:t>recall</a:t>
-            </a:r>
-            <a:r>
-              <a:rPr lang="es-ES_tradnl" baseline="0" dirty="0" smtClean="0"/>
-              <a:t>: Como vimos en el segundo caso de estudio se tuvo un </a:t>
-            </a:r>
-            <a:r>
-              <a:rPr lang="es-ES_tradnl" baseline="0" dirty="0" err="1" smtClean="0"/>
-              <a:t>recall</a:t>
-            </a:r>
-            <a:r>
-              <a:rPr lang="es-ES_tradnl" baseline="0" dirty="0" smtClean="0"/>
-              <a:t> muy alto y para la mayoría de pruebas que se hicieron el </a:t>
-            </a:r>
-            <a:r>
-              <a:rPr lang="es-ES_tradnl" baseline="0" dirty="0" err="1" smtClean="0"/>
-              <a:t>recall</a:t>
-            </a:r>
-            <a:r>
-              <a:rPr lang="es-ES_tradnl" baseline="0" dirty="0" smtClean="0"/>
-              <a:t> fue bueno. Esto es importante, porque como se había mencionado anteriormente, el costo de NO identificar un QA podría ser elevado.</a:t>
-            </a:r>
-          </a:p>
-          <a:p>
-            <a:pPr>
-              <a:buFontTx/>
-              <a:buChar char="-"/>
-            </a:pPr>
-            <a:r>
-              <a:rPr lang="es-ES_tradnl" baseline="0" dirty="0" smtClean="0"/>
-              <a:t> El tiempo de ejecución de la herramienta también fue muy bueno, solo llevo algunos segundos lo que manualmente podría insumir mucho tiempo y esfuerzo.</a:t>
-            </a:r>
-          </a:p>
-          <a:p>
-            <a:pPr>
-              <a:buFontTx/>
-              <a:buChar char="-"/>
-            </a:pPr>
-            <a:r>
-              <a:rPr lang="es-ES_tradnl" baseline="0" dirty="0" smtClean="0"/>
-              <a:t> El nivel de automatización de la herramienta, ya que no se requiere participación del analista durante la detección de los QAs.</a:t>
-            </a:r>
-          </a:p>
-          <a:p>
-            <a:pPr>
-              <a:buFontTx/>
-              <a:buChar char="-"/>
-            </a:pPr>
-            <a:r>
-              <a:rPr lang="es-ES_tradnl" baseline="0" dirty="0" smtClean="0"/>
-              <a:t> Extensión a otros documentos, si bien en este enfoque se analizan documentos de casos de uso, como se comento anteriormente, los QA vienen ocultos en minutas, </a:t>
-            </a:r>
-            <a:r>
-              <a:rPr lang="es-ES_tradnl" baseline="0" dirty="0" err="1" smtClean="0"/>
-              <a:t>business</a:t>
-            </a:r>
-            <a:r>
-              <a:rPr lang="es-ES_tradnl" baseline="0" dirty="0" smtClean="0"/>
-              <a:t> </a:t>
-            </a:r>
-            <a:r>
-              <a:rPr lang="es-ES_tradnl" baseline="0" dirty="0" err="1" smtClean="0"/>
-              <a:t>goals</a:t>
-            </a:r>
-            <a:r>
-              <a:rPr lang="es-ES_tradnl" baseline="0" dirty="0" smtClean="0"/>
-              <a:t>, entrevistas. El enfoque propuesto podría servir también para analizar estos documentos.</a:t>
-            </a:r>
-          </a:p>
-          <a:p>
-            <a:pPr marL="0" marR="0" lvl="1" indent="0" algn="l" defTabSz="914400" rtl="0" eaLnBrk="1" fontAlgn="auto" latinLnBrk="0" hangingPunct="1">
-              <a:lnSpc>
-                <a:spcPct val="100000"/>
-              </a:lnSpc>
-              <a:spcBef>
-                <a:spcPts val="0"/>
-              </a:spcBef>
-              <a:spcAft>
-                <a:spcPts val="0"/>
-              </a:spcAft>
-              <a:buClrTx/>
-              <a:buSzTx/>
-              <a:buFontTx/>
-              <a:buChar char="-"/>
-              <a:tabLst/>
-              <a:defRPr/>
-            </a:pPr>
-            <a:r>
-              <a:rPr lang="es-ES_tradnl" baseline="0" dirty="0" smtClean="0"/>
-              <a:t> </a:t>
-            </a:r>
-            <a:r>
-              <a:rPr lang="es-ES" dirty="0" smtClean="0"/>
-              <a:t>Extensibilidad para la identificación de otros </a:t>
-            </a:r>
-            <a:r>
-              <a:rPr lang="es-ES" dirty="0" err="1" smtClean="0"/>
-              <a:t>QAs</a:t>
-            </a:r>
-            <a:r>
-              <a:rPr lang="es-ES" dirty="0" smtClean="0"/>
-              <a:t>: al utilizar la ontología,</a:t>
-            </a:r>
-            <a:r>
-              <a:rPr lang="es-ES" baseline="0" dirty="0" smtClean="0"/>
-              <a:t> solo bastaría cargar en la ontología más atributos de calidad con sus escenarios para que ya sean tenidos en cuenta por la herramienta. </a:t>
-            </a:r>
-            <a:r>
-              <a:rPr lang="es-ES_tradnl" baseline="0" dirty="0" smtClean="0"/>
-              <a:t> </a:t>
-            </a:r>
-          </a:p>
-          <a:p>
-            <a:pPr marL="0" marR="0" lvl="1" indent="0" algn="l" defTabSz="914400" rtl="0" eaLnBrk="1" fontAlgn="auto" latinLnBrk="0" hangingPunct="1">
-              <a:lnSpc>
-                <a:spcPct val="100000"/>
-              </a:lnSpc>
-              <a:spcBef>
-                <a:spcPts val="0"/>
-              </a:spcBef>
-              <a:spcAft>
-                <a:spcPts val="0"/>
-              </a:spcAft>
-              <a:buClrTx/>
-              <a:buSzTx/>
-              <a:buFontTx/>
-              <a:buChar char="-"/>
-              <a:tabLst/>
-              <a:defRPr/>
-            </a:pPr>
-            <a:endParaRPr lang="es-ES_tradnl" baseline="0" dirty="0" smtClean="0"/>
-          </a:p>
-          <a:p>
-            <a:pPr marL="0" marR="0" lvl="1" indent="0" algn="l" defTabSz="914400" rtl="0" eaLnBrk="1" fontAlgn="auto" latinLnBrk="0" hangingPunct="1">
-              <a:lnSpc>
-                <a:spcPct val="100000"/>
-              </a:lnSpc>
-              <a:spcBef>
-                <a:spcPts val="0"/>
-              </a:spcBef>
-              <a:spcAft>
-                <a:spcPts val="0"/>
-              </a:spcAft>
-              <a:buClrTx/>
-              <a:buSzTx/>
-              <a:buFontTx/>
-              <a:buNone/>
-              <a:tabLst/>
-              <a:defRPr/>
-            </a:pPr>
-            <a:r>
-              <a:rPr lang="es-ES_tradnl" baseline="0" dirty="0" smtClean="0"/>
-              <a:t>Las desventajas que se identificaron fueron:</a:t>
-            </a:r>
-          </a:p>
-          <a:p>
-            <a:pPr marL="0" marR="0" lvl="1" indent="0" algn="l" defTabSz="914400" rtl="0" eaLnBrk="1" fontAlgn="auto" latinLnBrk="0" hangingPunct="1">
-              <a:lnSpc>
-                <a:spcPct val="100000"/>
-              </a:lnSpc>
-              <a:spcBef>
-                <a:spcPts val="0"/>
-              </a:spcBef>
-              <a:spcAft>
-                <a:spcPts val="0"/>
-              </a:spcAft>
-              <a:buClrTx/>
-              <a:buSzTx/>
-              <a:buFontTx/>
-              <a:buChar char="-"/>
-              <a:tabLst/>
-              <a:defRPr/>
-            </a:pPr>
-            <a:r>
-              <a:rPr lang="es-ES_tradnl" baseline="0" dirty="0" smtClean="0"/>
-              <a:t> Dependencia en los aspectos encontrados. Esto significa que si la identificación de los aspectos no fue muy bueno, posiblemente nuestros resultados tampoco ya que podríamos introducir “ruido” si los aspectos no están bien detectados o formados.</a:t>
-            </a:r>
-          </a:p>
-          <a:p>
-            <a:pPr marL="0" marR="0" lvl="1" indent="0" algn="l" defTabSz="914400" rtl="0" eaLnBrk="1" fontAlgn="auto" latinLnBrk="0" hangingPunct="1">
-              <a:lnSpc>
-                <a:spcPct val="100000"/>
-              </a:lnSpc>
-              <a:spcBef>
-                <a:spcPts val="0"/>
-              </a:spcBef>
-              <a:spcAft>
-                <a:spcPts val="0"/>
-              </a:spcAft>
-              <a:buClrTx/>
-              <a:buSzTx/>
-              <a:buFontTx/>
-              <a:buChar char="-"/>
-              <a:tabLst/>
-              <a:defRPr/>
-            </a:pPr>
-            <a:r>
-              <a:rPr lang="es-ES_tradnl" baseline="0" dirty="0" smtClean="0"/>
-              <a:t> Otra desventaja, es que no todos los aspectos están relacionados de forma directa con un QA, y viceversa. </a:t>
-            </a:r>
-            <a:r>
-              <a:rPr lang="es-AR" sz="1200" kern="1200" dirty="0" smtClean="0">
-                <a:solidFill>
-                  <a:schemeClr val="tx1"/>
-                </a:solidFill>
-                <a:latin typeface="+mn-lt"/>
-                <a:ea typeface="+mn-ea"/>
-                <a:cs typeface="+mn-cs"/>
-              </a:rPr>
-              <a:t>. Por ejemplo, algunos QAs importantes provienen de los objetivos de negocio o directamente de los stakeholders. Estos QAs no serían detectados mediante este análisis.</a:t>
-            </a:r>
-          </a:p>
-          <a:p>
-            <a:pPr marL="0" marR="0" lvl="1" indent="0" algn="l" defTabSz="914400" rtl="0" eaLnBrk="1" fontAlgn="auto" latinLnBrk="0" hangingPunct="1">
-              <a:lnSpc>
-                <a:spcPct val="100000"/>
-              </a:lnSpc>
-              <a:spcBef>
-                <a:spcPts val="0"/>
-              </a:spcBef>
-              <a:spcAft>
-                <a:spcPts val="0"/>
-              </a:spcAft>
-              <a:buClrTx/>
-              <a:buSzTx/>
-              <a:buFontTx/>
-              <a:buChar char="-"/>
-              <a:tabLst/>
-              <a:defRPr/>
-            </a:pPr>
-            <a:r>
-              <a:rPr lang="es-AR" sz="1200" kern="1200" dirty="0" smtClean="0">
-                <a:solidFill>
-                  <a:schemeClr val="tx1"/>
-                </a:solidFill>
-                <a:latin typeface="+mn-lt"/>
-                <a:ea typeface="+mn-ea"/>
-                <a:cs typeface="+mn-cs"/>
-              </a:rPr>
-              <a:t>Definición de la ontología: la técnica requiere de una ontología como fuente de conocimiento. El </a:t>
-            </a:r>
-            <a:r>
-              <a:rPr lang="es-AR" sz="1200" kern="1200" dirty="0" err="1" smtClean="0">
-                <a:solidFill>
-                  <a:schemeClr val="tx1"/>
-                </a:solidFill>
-                <a:latin typeface="+mn-lt"/>
-                <a:ea typeface="+mn-ea"/>
-                <a:cs typeface="+mn-cs"/>
-              </a:rPr>
-              <a:t>modelamiento</a:t>
-            </a:r>
-            <a:r>
-              <a:rPr lang="es-AR" sz="1200" kern="1200" dirty="0" smtClean="0">
-                <a:solidFill>
-                  <a:schemeClr val="tx1"/>
-                </a:solidFill>
-                <a:latin typeface="+mn-lt"/>
-                <a:ea typeface="+mn-ea"/>
-                <a:cs typeface="+mn-cs"/>
-              </a:rPr>
-              <a:t> de la misma para cada atributo de calidad podría llegar a ser una tarea compleja</a:t>
-            </a:r>
-            <a:r>
-              <a:rPr lang="es-AR" sz="1200" kern="1200" baseline="0" dirty="0" smtClean="0">
-                <a:solidFill>
-                  <a:schemeClr val="tx1"/>
-                </a:solidFill>
-                <a:latin typeface="+mn-lt"/>
-                <a:ea typeface="+mn-ea"/>
-                <a:cs typeface="+mn-cs"/>
-              </a:rPr>
-              <a:t> y que requiere de un experto en el dominio.</a:t>
-            </a:r>
-            <a:endParaRPr lang="es-ES_tradnl" baseline="0" dirty="0" smtClean="0"/>
-          </a:p>
-          <a:p>
-            <a:pPr marL="0" marR="0" lvl="1" indent="0" algn="l" defTabSz="914400" rtl="0" eaLnBrk="1" fontAlgn="auto" latinLnBrk="0" hangingPunct="1">
-              <a:lnSpc>
-                <a:spcPct val="100000"/>
-              </a:lnSpc>
-              <a:spcBef>
-                <a:spcPts val="0"/>
-              </a:spcBef>
-              <a:spcAft>
-                <a:spcPts val="0"/>
-              </a:spcAft>
-              <a:buClrTx/>
-              <a:buSzTx/>
-              <a:buFontTx/>
-              <a:buChar char="-"/>
-              <a:tabLst/>
-              <a:defRPr/>
-            </a:pPr>
-            <a:r>
-              <a:rPr lang="es-ES_tradnl" baseline="0" dirty="0" smtClean="0"/>
-              <a:t>  </a:t>
-            </a:r>
-            <a:r>
-              <a:rPr lang="es-AR" sz="1200" kern="1200" dirty="0" smtClean="0">
-                <a:solidFill>
-                  <a:schemeClr val="tx1"/>
-                </a:solidFill>
-                <a:latin typeface="+mn-lt"/>
-                <a:ea typeface="+mn-ea"/>
-                <a:cs typeface="+mn-cs"/>
-              </a:rPr>
-              <a:t>Limitaciones del lenguaje: al procesar los casos de uso, la técnica posee limitaciones propias del análisis basado en el procesamiento del lenguaje natural. Por ejemplo, sinonimia, la ambigüedad, etc.</a:t>
-            </a:r>
-          </a:p>
-          <a:p>
-            <a:pPr marL="0" marR="0" lvl="1" indent="0" algn="l" defTabSz="914400" rtl="0" eaLnBrk="1" fontAlgn="auto" latinLnBrk="0" hangingPunct="1">
-              <a:lnSpc>
-                <a:spcPct val="100000"/>
-              </a:lnSpc>
-              <a:spcBef>
-                <a:spcPts val="0"/>
-              </a:spcBef>
-              <a:spcAft>
-                <a:spcPts val="0"/>
-              </a:spcAft>
-              <a:buClrTx/>
-              <a:buSzTx/>
-              <a:buFontTx/>
-              <a:buChar char="-"/>
-              <a:tabLst/>
-              <a:defRPr/>
-            </a:pPr>
-            <a:r>
-              <a:rPr lang="es-AR" sz="1200" kern="1200" baseline="0" dirty="0" smtClean="0">
-                <a:solidFill>
-                  <a:schemeClr val="tx1"/>
-                </a:solidFill>
-                <a:latin typeface="+mn-lt"/>
-                <a:ea typeface="+mn-ea"/>
-                <a:cs typeface="+mn-cs"/>
-              </a:rPr>
-              <a:t> </a:t>
-            </a:r>
-            <a:r>
-              <a:rPr lang="es-AR" sz="1200" kern="1200" dirty="0" smtClean="0">
-                <a:solidFill>
-                  <a:schemeClr val="tx1"/>
-                </a:solidFill>
-                <a:latin typeface="+mn-lt"/>
-                <a:ea typeface="+mn-ea"/>
-                <a:cs typeface="+mn-cs"/>
-              </a:rPr>
-              <a:t>Aprendizaje: </a:t>
-            </a:r>
-            <a:r>
-              <a:rPr lang="es-AR" sz="1200" i="1" kern="1200" dirty="0" smtClean="0">
-                <a:solidFill>
-                  <a:schemeClr val="tx1"/>
-                </a:solidFill>
-                <a:latin typeface="+mn-lt"/>
-                <a:ea typeface="+mn-ea"/>
-                <a:cs typeface="+mn-cs"/>
-              </a:rPr>
-              <a:t>QA </a:t>
-            </a:r>
-            <a:r>
-              <a:rPr lang="es-AR" sz="1200" i="1" kern="1200" dirty="0" err="1" smtClean="0">
-                <a:solidFill>
-                  <a:schemeClr val="tx1"/>
-                </a:solidFill>
-                <a:latin typeface="+mn-lt"/>
-                <a:ea typeface="+mn-ea"/>
-                <a:cs typeface="+mn-cs"/>
-              </a:rPr>
-              <a:t>Miner</a:t>
-            </a:r>
-            <a:r>
-              <a:rPr lang="es-AR" sz="1200" kern="1200" dirty="0" smtClean="0">
-                <a:solidFill>
-                  <a:schemeClr val="tx1"/>
-                </a:solidFill>
-                <a:latin typeface="+mn-lt"/>
-                <a:ea typeface="+mn-ea"/>
-                <a:cs typeface="+mn-cs"/>
-              </a:rPr>
-              <a:t> no prevé la interacción con un usuario o analista que pueda proveer cierta clase de </a:t>
-            </a:r>
-            <a:r>
-              <a:rPr lang="es-AR" sz="1200" kern="1200" dirty="0" err="1" smtClean="0">
-                <a:solidFill>
-                  <a:schemeClr val="tx1"/>
-                </a:solidFill>
-                <a:latin typeface="+mn-lt"/>
-                <a:ea typeface="+mn-ea"/>
-                <a:cs typeface="+mn-cs"/>
-              </a:rPr>
-              <a:t>feedback</a:t>
-            </a:r>
-            <a:r>
-              <a:rPr lang="es-AR" sz="1200" kern="1200" dirty="0" smtClean="0">
-                <a:solidFill>
-                  <a:schemeClr val="tx1"/>
-                </a:solidFill>
-                <a:latin typeface="+mn-lt"/>
-                <a:ea typeface="+mn-ea"/>
-                <a:cs typeface="+mn-cs"/>
-              </a:rPr>
-              <a:t> en base a los resultados obtenidos. Este tipo de información podría ser de ayuda para un mejor funcionamiento </a:t>
+              <a:t> continuación, ya para ir finalizando, vamos a ver las conclusiones. Precisamente, las ventajas y desventajas que identificamos y algunos trabajos a futuros o mejoras que surgieron en este análisis.</a:t>
             </a:r>
             <a:endParaRPr lang="es-ES_tradnl" dirty="0"/>
           </a:p>
@@ -3013,7 +2447,7 @@
             <a:fld id="{1872ED1A-74B4-42AE-A5BF-D7540D1CC6CA}" type="slidenum">
               <a:rPr lang="es-ES" smtClean="0"/>
               <a:pPr/>
-              <a:t>29</a:t>
+              <a:t>28</a:t>
             </a:fld>
             <a:endParaRPr lang="es-ES" dirty="0"/>
           </a:p>
@@ -3069,11 +2503,40 @@
         <p:spPr/>
         <p:txBody>
           <a:bodyPr>
-            <a:normAutofit fontScale="92500" lnSpcReduction="20000"/>
+            <a:normAutofit lnSpcReduction="10000"/>
           </a:bodyPr>
           <a:lstStyle/>
           <a:p>
-            <a:pPr lvl="0"/>
+            <a:r>
+              <a:rPr lang="es-ES_tradnl" dirty="0" smtClean="0"/>
+              <a:t>En primer lugar vamos a ver las</a:t>
+            </a:r>
+            <a:r>
+              <a:rPr lang="es-ES_tradnl" baseline="0" dirty="0" smtClean="0"/>
+              <a:t> ventajas. Estas son:</a:t>
+            </a:r>
+          </a:p>
+          <a:p>
+            <a:endParaRPr lang="es-ES_tradnl" baseline="0" dirty="0" smtClean="0"/>
+          </a:p>
+          <a:p>
+            <a:pPr marL="0" marR="0" lvl="0" indent="0" algn="l" defTabSz="914400" rtl="0" eaLnBrk="1" fontAlgn="auto" latinLnBrk="0" hangingPunct="1">
+              <a:lnSpc>
+                <a:spcPct val="100000"/>
+              </a:lnSpc>
+              <a:spcBef>
+                <a:spcPts val="0"/>
+              </a:spcBef>
+              <a:spcAft>
+                <a:spcPts val="0"/>
+              </a:spcAft>
+              <a:buClrTx/>
+              <a:buSzTx/>
+              <a:buFontTx/>
+              <a:buNone/>
+              <a:tabLst/>
+              <a:defRPr/>
+            </a:pPr>
             <a:r>
               <a:rPr lang="es-AR" sz="1200" kern="1200" dirty="0" smtClean="0">
                 <a:solidFill>
@@ -3083,7 +2546,73 @@
                 <a:ea typeface="+mn-ea"/>
                 <a:cs typeface="+mn-cs"/>
               </a:rPr>
-              <a:t>- Mejoramiento de la ontología: al ser la ontología una parte fundamental en el proceso, su mejora impacta directamente sobre el funcionamiento del mismo. La tarea de mejora cuenta con cuatro aristas. La primera, consiste en revisar los conceptos de la ontología, agregando nuevos o identificando nuevas relaciones sobre los existentes. La segunda, consiste en agregar, modificar y mejorar las instancias cargadas en la misma. La tercera, es incluir nuevos atributos de calidad y, por lo tanto, un conocimiento de esos atributos que permita ampliar el alcance de la técnica. La cuarta es implementar distintas estrategias de matching entre los tokens y la ontología.</a:t>
+              <a:t>- </a:t>
+            </a:r>
+            <a:r>
+              <a:rPr lang="es-AR" sz="1200" kern="1200" dirty="0" err="1" smtClean="0">
+                <a:solidFill>
+                  <a:schemeClr val="tx1"/>
+                </a:solidFill>
+                <a:latin typeface="+mn-lt"/>
+                <a:ea typeface="+mn-ea"/>
+                <a:cs typeface="+mn-cs"/>
+              </a:rPr>
+              <a:t>Recall</a:t>
+            </a:r>
+            <a:r>
+              <a:rPr lang="es-AR" sz="1200" kern="1200" dirty="0" smtClean="0">
+                <a:solidFill>
+                  <a:schemeClr val="tx1"/>
+                </a:solidFill>
+                <a:latin typeface="+mn-lt"/>
+                <a:ea typeface="+mn-ea"/>
+                <a:cs typeface="+mn-cs"/>
+              </a:rPr>
+              <a:t>: el </a:t>
+            </a:r>
+            <a:r>
+              <a:rPr lang="es-AR" sz="1200" i="1" kern="1200" dirty="0" err="1" smtClean="0">
+                <a:solidFill>
+                  <a:schemeClr val="tx1"/>
+                </a:solidFill>
+                <a:latin typeface="+mn-lt"/>
+                <a:ea typeface="+mn-ea"/>
+                <a:cs typeface="+mn-cs"/>
+              </a:rPr>
+              <a:t>Recall</a:t>
+            </a:r>
+            <a:r>
+              <a:rPr lang="es-AR" sz="1200" kern="1200" dirty="0" smtClean="0">
+                <a:solidFill>
+                  <a:schemeClr val="tx1"/>
+                </a:solidFill>
+                <a:latin typeface="+mn-lt"/>
+                <a:ea typeface="+mn-ea"/>
+                <a:cs typeface="+mn-cs"/>
+              </a:rPr>
+              <a:t> de la herramienta mostró valores aceptables en el primer caso y muy buenos en el segundo. Los costos generados por la omisión de identificar un QA pueden llegar a ser muy altos. Por eso, se debe tratar de detectar la mayor cantidad de atributos de calidad posibles y, en consecuencia, conseguir el mayor </a:t>
+            </a:r>
+            <a:r>
+              <a:rPr lang="es-AR" sz="1200" i="1" kern="1200" dirty="0" err="1" smtClean="0">
+                <a:solidFill>
+                  <a:schemeClr val="tx1"/>
+                </a:solidFill>
+                <a:latin typeface="+mn-lt"/>
+                <a:ea typeface="+mn-ea"/>
+                <a:cs typeface="+mn-cs"/>
+              </a:rPr>
+              <a:t>Recall</a:t>
+            </a:r>
+            <a:r>
+              <a:rPr lang="es-AR" sz="1200" kern="1200" dirty="0" smtClean="0">
+                <a:solidFill>
+                  <a:schemeClr val="tx1"/>
+                </a:solidFill>
+                <a:latin typeface="+mn-lt"/>
+                <a:ea typeface="+mn-ea"/>
+                <a:cs typeface="+mn-cs"/>
+              </a:rPr>
+              <a:t> posible.</a:t>
             </a:r>
             <a:endParaRPr lang="es-ES_tradnl" sz="1200" kern="1200" dirty="0" smtClean="0">
               <a:solidFill>
@@ -3095,7 +2624,34 @@
             </a:endParaRPr>
           </a:p>
           <a:p>
-            <a:pPr lvl="0"/>
+            <a:pPr>
+              <a:buFontTx/>
+              <a:buNone/>
+            </a:pPr>
+            <a:endParaRPr lang="es-ES_tradnl" baseline="0" dirty="0" smtClean="0"/>
+          </a:p>
+          <a:p>
+            <a:pPr>
+              <a:buFontTx/>
+              <a:buChar char="-"/>
+            </a:pPr>
+            <a:r>
+              <a:rPr lang="es-ES_tradnl" baseline="0" dirty="0" smtClean="0"/>
+              <a:t> El tiempo de ejecución de la herramienta también fue muy bueno, solo llevo algunos segundos lo que manualmente insume mucho tiempo y esfuerzo.</a:t>
+            </a:r>
+          </a:p>
+          <a:p>
+            <a:pPr>
+              <a:buFontTx/>
+              <a:buChar char="-"/>
+            </a:pPr>
+            <a:endParaRPr lang="es-ES_tradnl" baseline="0" dirty="0" smtClean="0"/>
+          </a:p>
+          <a:p>
+            <a:pPr lvl="0">
+              <a:buFontTx/>
+              <a:buChar char="-"/>
+            </a:pPr>
             <a:r>
               <a:rPr lang="es-AR" sz="1200" kern="1200" dirty="0" smtClean="0">
                 <a:solidFill>
@@ -3105,7 +2661,294 @@
                 <a:ea typeface="+mn-ea"/>
                 <a:cs typeface="+mn-cs"/>
               </a:rPr>
-              <a:t>- Atributos de los tokens: agregar más atributos a los tokens extraídos de los casos de uso</a:t>
+              <a:t>Nivel de automatización: la interacción con el analista es mínima, no siendo necesario que éste tenga que agregar o clasificar información durante el proceso. Además, el QA Miner es de fácil utilización. Este nivel de automatización y simpleza es deseable ya que facilita la tarea del analista, especialmente cuando se cuenta con un gran número de casos de uso.</a:t>
+            </a:r>
+          </a:p>
+          <a:p>
+            <a:pPr lvl="0">
+              <a:buFontTx/>
+              <a:buChar char="-"/>
+            </a:pPr>
+            <a:endParaRPr lang="es-ES_tradnl" sz="1200" kern="1200" dirty="0" smtClean="0">
+              <a:solidFill>
+                <a:schemeClr val="tx1"/>
+              </a:solidFill>
+              <a:latin typeface="+mn-lt"/>
+              <a:ea typeface="+mn-ea"/>
+              <a:cs typeface="+mn-cs"/>
+            </a:endParaRPr>
+          </a:p>
+          <a:p>
+            <a:pPr marL="0" marR="0" lvl="0" indent="0" algn="l" defTabSz="914400" rtl="0" eaLnBrk="1" fontAlgn="auto" latinLnBrk="0" hangingPunct="1">
+              <a:lnSpc>
+                <a:spcPct val="100000"/>
+              </a:lnSpc>
+              <a:spcBef>
+                <a:spcPts val="0"/>
+              </a:spcBef>
+              <a:spcAft>
+                <a:spcPts val="0"/>
+              </a:spcAft>
+              <a:buClrTx/>
+              <a:buSzTx/>
+              <a:buFontTx/>
+              <a:buNone/>
+              <a:tabLst/>
+              <a:defRPr/>
+            </a:pPr>
+            <a:r>
+              <a:rPr lang="es-AR" sz="1200" kern="1200" dirty="0" smtClean="0">
+                <a:solidFill>
+                  <a:schemeClr val="tx1"/>
+                </a:solidFill>
+                <a:latin typeface="+mn-lt"/>
+                <a:ea typeface="+mn-ea"/>
+                <a:cs typeface="+mn-cs"/>
+              </a:rPr>
+              <a:t>- Extensión a otros documentos: la técnica propuesta puede ser de fácil adaptación para minar QAs de otros documentos basados en textos, como minutas, notas, entrevistas, etc. Es frecuente que, durante la elicitación de requerimientos, se produzcan una gran variedad de documentos. Con una adecuada selección de filtros y pocas modificaciones sobre </a:t>
+            </a:r>
+            <a:r>
+              <a:rPr lang="es-AR" sz="1200" i="1" kern="1200" dirty="0" smtClean="0">
+                <a:solidFill>
+                  <a:schemeClr val="tx1"/>
+                </a:solidFill>
+                <a:latin typeface="+mn-lt"/>
+                <a:ea typeface="+mn-ea"/>
+                <a:cs typeface="+mn-cs"/>
+              </a:rPr>
+              <a:t>QA Miner</a:t>
+            </a:r>
+            <a:r>
+              <a:rPr lang="es-AR" sz="1200" kern="1200" dirty="0" smtClean="0">
+                <a:solidFill>
+                  <a:schemeClr val="tx1"/>
+                </a:solidFill>
+                <a:latin typeface="+mn-lt"/>
+                <a:ea typeface="+mn-ea"/>
+                <a:cs typeface="+mn-cs"/>
+              </a:rPr>
+              <a:t>, se podría utilizar este enfoque para descubrir QAs sobre otros documentos textuales.</a:t>
+            </a:r>
+            <a:endParaRPr lang="es-ES_tradnl" sz="1200" kern="1200" dirty="0" smtClean="0">
+              <a:solidFill>
+                <a:schemeClr val="tx1"/>
+              </a:solidFill>
+              <a:latin typeface="+mn-lt"/>
+              <a:ea typeface="+mn-ea"/>
+              <a:cs typeface="+mn-cs"/>
+            </a:endParaRPr>
+          </a:p>
+          <a:p>
+            <a:pPr marL="0" marR="0" lvl="1" indent="0" algn="l" defTabSz="914400" rtl="0" eaLnBrk="1" fontAlgn="auto" latinLnBrk="0" hangingPunct="1">
+              <a:lnSpc>
+                <a:spcPct val="100000"/>
+              </a:lnSpc>
+              <a:spcBef>
+                <a:spcPts val="0"/>
+              </a:spcBef>
+              <a:spcAft>
+                <a:spcPts val="0"/>
+              </a:spcAft>
+              <a:buClrTx/>
+              <a:buSzTx/>
+              <a:buFontTx/>
+              <a:buNone/>
+              <a:tabLst/>
+              <a:defRPr/>
+            </a:pPr>
+            <a:endParaRPr lang="es-ES_tradnl" baseline="0" dirty="0" smtClean="0"/>
+          </a:p>
+          <a:p>
+            <a:pPr marL="0" marR="0" lvl="1" indent="0" algn="l" defTabSz="914400" rtl="0" eaLnBrk="1" fontAlgn="auto" latinLnBrk="0" hangingPunct="1">
+              <a:lnSpc>
+                <a:spcPct val="100000"/>
+              </a:lnSpc>
+              <a:spcBef>
+                <a:spcPts val="0"/>
+              </a:spcBef>
+              <a:spcAft>
+                <a:spcPts val="0"/>
+              </a:spcAft>
+              <a:buClrTx/>
+              <a:buSzTx/>
+              <a:buFontTx/>
+              <a:buNone/>
+              <a:tabLst/>
+              <a:defRPr/>
+            </a:pPr>
+            <a:r>
+              <a:rPr lang="es-AR" sz="1200" kern="1200" dirty="0" smtClean="0">
+                <a:solidFill>
+                  <a:schemeClr val="tx1"/>
+                </a:solidFill>
+                <a:latin typeface="+mn-lt"/>
+                <a:ea typeface="+mn-ea"/>
+                <a:cs typeface="+mn-cs"/>
+              </a:rPr>
+              <a:t>- Extensibilidad para la identificación de otros QAs: la ontología usada sólo contempla seis atributos de calidad. Sin embargo, este no es un impedimento teórico del enfoque propuesto. Extender </a:t>
+            </a:r>
+            <a:r>
+              <a:rPr lang="es-AR" sz="1200" i="1" kern="1200" dirty="0" smtClean="0">
+                <a:solidFill>
+                  <a:schemeClr val="tx1"/>
+                </a:solidFill>
+                <a:latin typeface="+mn-lt"/>
+                <a:ea typeface="+mn-ea"/>
+                <a:cs typeface="+mn-cs"/>
+              </a:rPr>
+              <a:t>QA Miner</a:t>
+            </a:r>
+            <a:r>
+              <a:rPr lang="es-AR" sz="1200" kern="1200" dirty="0" smtClean="0">
+                <a:solidFill>
+                  <a:schemeClr val="tx1"/>
+                </a:solidFill>
+                <a:latin typeface="+mn-lt"/>
+                <a:ea typeface="+mn-ea"/>
+                <a:cs typeface="+mn-cs"/>
+              </a:rPr>
+              <a:t> hacia la identificación de otros atributos de calidad sólo involucra su ingreso a la ontología.</a:t>
+            </a:r>
+            <a:endParaRPr lang="es-ES_tradnl" sz="1200" kern="1200" dirty="0" smtClean="0">
+              <a:solidFill>
+                <a:schemeClr val="tx1"/>
+              </a:solidFill>
+              <a:latin typeface="+mn-lt"/>
+              <a:ea typeface="+mn-ea"/>
+              <a:cs typeface="+mn-cs"/>
+            </a:endParaRPr>
+          </a:p>
+          <a:p>
+            <a:pPr marL="0" marR="0" lvl="1" indent="0" algn="l" defTabSz="914400" rtl="0" eaLnBrk="1" fontAlgn="auto" latinLnBrk="0" hangingPunct="1">
+              <a:lnSpc>
+                <a:spcPct val="100000"/>
+              </a:lnSpc>
+              <a:spcBef>
+                <a:spcPts val="0"/>
+              </a:spcBef>
+              <a:spcAft>
+                <a:spcPts val="0"/>
+              </a:spcAft>
+              <a:buClrTx/>
+              <a:buSzTx/>
+              <a:buFontTx/>
+              <a:buNone/>
+              <a:tabLst/>
+              <a:defRPr/>
+            </a:pPr>
+            <a:endParaRPr lang="es-ES_tradnl" baseline="0" dirty="0" smtClean="0"/>
+          </a:p>
+          <a:p>
+            <a:pPr marL="0" marR="0" lvl="1" indent="0" algn="l" defTabSz="914400" rtl="0" eaLnBrk="1" fontAlgn="auto" latinLnBrk="0" hangingPunct="1">
+              <a:lnSpc>
+                <a:spcPct val="100000"/>
+              </a:lnSpc>
+              <a:spcBef>
+                <a:spcPts val="0"/>
+              </a:spcBef>
+              <a:spcAft>
+                <a:spcPts val="0"/>
+              </a:spcAft>
+              <a:buClrTx/>
+              <a:buSzTx/>
+              <a:buFontTx/>
+              <a:buNone/>
+              <a:tabLst/>
+              <a:defRPr/>
+            </a:pPr>
+            <a:r>
+              <a:rPr lang="es-ES_tradnl" baseline="0" dirty="0" smtClean="0"/>
+              <a:t>Las desventajas que se identificaron fueron:</a:t>
+            </a:r>
+          </a:p>
+          <a:p>
+            <a:pPr marL="0" marR="0" lvl="1" indent="0" algn="l" defTabSz="914400" rtl="0" eaLnBrk="1" fontAlgn="auto" latinLnBrk="0" hangingPunct="1">
+              <a:lnSpc>
+                <a:spcPct val="100000"/>
+              </a:lnSpc>
+              <a:spcBef>
+                <a:spcPts val="0"/>
+              </a:spcBef>
+              <a:spcAft>
+                <a:spcPts val="0"/>
+              </a:spcAft>
+              <a:buClrTx/>
+              <a:buSzTx/>
+              <a:buFontTx/>
+              <a:buNone/>
+              <a:tabLst/>
+              <a:defRPr/>
+            </a:pPr>
+            <a:endParaRPr lang="es-ES_tradnl" baseline="0" dirty="0" smtClean="0"/>
+          </a:p>
+          <a:p>
+            <a:pPr lvl="0">
+              <a:buFontTx/>
+              <a:buChar char="-"/>
+            </a:pPr>
+            <a:r>
+              <a:rPr lang="es-AR" sz="1200" kern="1200" dirty="0" smtClean="0">
+                <a:solidFill>
+                  <a:schemeClr val="tx1"/>
+                </a:solidFill>
+                <a:latin typeface="+mn-lt"/>
+                <a:ea typeface="+mn-ea"/>
+                <a:cs typeface="+mn-cs"/>
+              </a:rPr>
+              <a:t>Dependencia de los aspectos encontrados: la técnica propuesta se basa en identificar atributos de calidad a partir de aspectos tempranos previamente detectados. Los aspectos deben estar correctamente formados, mediante palabras que los representen claramente. La herramienta Aspect Extractor Tool puede llegar a introducir “ruido” en los mismos, es decir, palabras que no se relacionan con los </a:t>
+            </a:r>
+            <a:r>
+              <a:rPr lang="es-AR" sz="1200" kern="1200" dirty="0" err="1" smtClean="0">
+                <a:solidFill>
+                  <a:schemeClr val="tx1"/>
+                </a:solidFill>
+                <a:latin typeface="+mn-lt"/>
+                <a:ea typeface="+mn-ea"/>
+                <a:cs typeface="+mn-cs"/>
+              </a:rPr>
+              <a:t>EAs</a:t>
+            </a:r>
+            <a:r>
+              <a:rPr lang="es-AR" sz="1200" kern="1200" dirty="0" smtClean="0">
+                <a:solidFill>
+                  <a:schemeClr val="tx1"/>
+                </a:solidFill>
+                <a:latin typeface="+mn-lt"/>
+                <a:ea typeface="+mn-ea"/>
+                <a:cs typeface="+mn-cs"/>
+              </a:rPr>
+              <a:t> identificados y, por lo tanto, dificultan la identificación de los QAs.</a:t>
+            </a:r>
+          </a:p>
+          <a:p>
+            <a:pPr lvl="0">
+              <a:buFontTx/>
+              <a:buChar char="-"/>
+            </a:pPr>
+            <a:endParaRPr lang="es-ES_tradnl" sz="1200" kern="1200" dirty="0" smtClean="0">
+              <a:solidFill>
+                <a:schemeClr val="tx1"/>
+              </a:solidFill>
+              <a:latin typeface="+mn-lt"/>
+              <a:ea typeface="+mn-ea"/>
+              <a:cs typeface="+mn-cs"/>
+            </a:endParaRPr>
+          </a:p>
+          <a:p>
+            <a:pPr lvl="0">
+              <a:buFontTx/>
+              <a:buChar char="-"/>
+            </a:pPr>
+            <a:r>
+              <a:rPr lang="es-AR" sz="1200" kern="1200" dirty="0" smtClean="0">
+                <a:solidFill>
+                  <a:schemeClr val="tx1"/>
+                </a:solidFill>
+                <a:latin typeface="+mn-lt"/>
+                <a:ea typeface="+mn-ea"/>
+                <a:cs typeface="+mn-cs"/>
+              </a:rPr>
+              <a:t>Atributos de calidad no relacionados con aspectos tempranos: no todos los QAs de un sistema están siempre relacionados con un aspecto temprano</a:t>
             </a:r>
             <a:r>
               <a:rPr lang="es-AR" sz="1200" kern="1200" baseline="0" dirty="0" smtClean="0">
@@ -3116,7 +2959,7 @@
                 <a:ea typeface="+mn-ea"/>
                 <a:cs typeface="+mn-cs"/>
               </a:rPr>
-              <a:t> para</a:t>
+              <a:t> y viceversa</a:t>
             </a:r>
             <a:r>
               <a:rPr lang="es-AR" sz="1200" kern="1200" dirty="0" smtClean="0">
@@ -3127,7 +2970,38 @@
                 <a:ea typeface="+mn-ea"/>
                 <a:cs typeface="+mn-cs"/>
               </a:rPr>
-              <a:t> mejorar los resultados. Por</a:t>
+              <a:t>. Estos QAs no serían detectados mediante este análisis.</a:t>
+            </a:r>
+          </a:p>
+          <a:p>
+            <a:pPr lvl="0">
+              <a:buFontTx/>
+              <a:buChar char="-"/>
+            </a:pPr>
+            <a:endParaRPr lang="es-ES_tradnl" sz="1200" kern="1200" dirty="0" smtClean="0">
+              <a:solidFill>
+                <a:schemeClr val="tx1"/>
+              </a:solidFill>
+              <a:latin typeface="+mn-lt"/>
+              <a:ea typeface="+mn-ea"/>
+              <a:cs typeface="+mn-cs"/>
+            </a:endParaRPr>
+          </a:p>
+          <a:p>
+            <a:pPr lvl="0">
+              <a:buFontTx/>
+              <a:buChar char="-"/>
+            </a:pPr>
+            <a:r>
+              <a:rPr lang="es-AR" sz="1200" kern="1200" dirty="0" smtClean="0">
+                <a:solidFill>
+                  <a:schemeClr val="tx1"/>
+                </a:solidFill>
+                <a:latin typeface="+mn-lt"/>
+                <a:ea typeface="+mn-ea"/>
+                <a:cs typeface="+mn-cs"/>
+              </a:rPr>
+              <a:t>Definición de la ontología: la técnica requiere de una ontología como fuente de conocimiento. El modelamiento de la misma para cada atributo de calidad podría llegar a ser una tarea compleja</a:t>
             </a:r>
             <a:r>
               <a:rPr lang="es-AR" sz="1200" kern="1200" baseline="0" dirty="0" smtClean="0">
@@ -3138,8 +3012,47 @@
                 <a:ea typeface="+mn-ea"/>
                 <a:cs typeface="+mn-cs"/>
               </a:rPr>
-              <a:t> ejemplo, fil</a:t>
-            </a:r>
+              <a:t> que requiere de </a:t>
+            </a:r>
+            <a:r>
+              <a:rPr lang="es-ES_tradnl" sz="1200" kern="1200" baseline="0" dirty="0" smtClean="0">
+                <a:solidFill>
+                  <a:schemeClr val="tx1"/>
+                </a:solidFill>
+                <a:latin typeface="+mn-lt"/>
+                <a:ea typeface="+mn-ea"/>
+                <a:cs typeface="+mn-cs"/>
+              </a:rPr>
+              <a:t>la participación de un experto en el dominio.</a:t>
+            </a:r>
+            <a:endParaRPr lang="es-AR" sz="1200" kern="1200" dirty="0" smtClean="0">
+              <a:solidFill>
+                <a:schemeClr val="tx1"/>
+              </a:solidFill>
+              <a:latin typeface="+mn-lt"/>
+              <a:ea typeface="+mn-ea"/>
+              <a:cs typeface="+mn-cs"/>
+            </a:endParaRPr>
+          </a:p>
+          <a:p>
+            <a:pPr lvl="0">
+              <a:buFontTx/>
+              <a:buChar char="-"/>
+            </a:pPr>
+            <a:endParaRPr lang="es-ES_tradnl" sz="1200" kern="1200" dirty="0" smtClean="0">
+              <a:solidFill>
+                <a:schemeClr val="tx1"/>
+              </a:solidFill>
+              <a:latin typeface="+mn-lt"/>
+              <a:ea typeface="+mn-ea"/>
+              <a:cs typeface="+mn-cs"/>
+            </a:endParaRPr>
+          </a:p>
+          <a:p>
+            <a:pPr lvl="0">
+              <a:buFontTx/>
+              <a:buChar char="-"/>
+            </a:pPr>
             <a:r>
               <a:rPr lang="es-AR" sz="1200" kern="1200" dirty="0" smtClean="0">
                 <a:solidFill>
@@ -3149,7 +3062,60 @@
                 <a:ea typeface="+mn-ea"/>
                 <a:cs typeface="+mn-cs"/>
               </a:rPr>
-              <a:t>tro de “sinónimos” podría mejorar los resultados.</a:t>
+              <a:t>Limitaciones del lenguaje: al procesar los casos de uso, la técnica posee las limitaciones propias del análisis basado en el procesamiento del lenguaje natural. Estas limitaciones son, entre otras, la sinonimia, la ambigüedad, etc. </a:t>
+            </a:r>
+          </a:p>
+          <a:p>
+            <a:pPr lvl="0">
+              <a:buFontTx/>
+              <a:buChar char="-"/>
+            </a:pPr>
+            <a:endParaRPr lang="es-AR" sz="1200" kern="1200" dirty="0" smtClean="0">
+              <a:solidFill>
+                <a:schemeClr val="tx1"/>
+              </a:solidFill>
+              <a:latin typeface="+mn-lt"/>
+              <a:ea typeface="+mn-ea"/>
+              <a:cs typeface="+mn-cs"/>
+            </a:endParaRPr>
+          </a:p>
+          <a:p>
+            <a:pPr lvl="0">
+              <a:buFontTx/>
+              <a:buChar char="-"/>
+            </a:pPr>
+            <a:r>
+              <a:rPr lang="es-AR" sz="1200" kern="1200" dirty="0" smtClean="0">
+                <a:solidFill>
+                  <a:schemeClr val="tx1"/>
+                </a:solidFill>
+                <a:latin typeface="+mn-lt"/>
+                <a:ea typeface="+mn-ea"/>
+                <a:cs typeface="+mn-cs"/>
+              </a:rPr>
+              <a:t>Aprendizaje: </a:t>
+            </a:r>
+            <a:r>
+              <a:rPr lang="es-AR" sz="1200" i="1" kern="1200" dirty="0" smtClean="0">
+                <a:solidFill>
+                  <a:schemeClr val="tx1"/>
+                </a:solidFill>
+                <a:latin typeface="+mn-lt"/>
+                <a:ea typeface="+mn-ea"/>
+                <a:cs typeface="+mn-cs"/>
+              </a:rPr>
+              <a:t>QA Miner</a:t>
+            </a:r>
+            <a:r>
+              <a:rPr lang="es-AR" sz="1200" kern="1200" dirty="0" smtClean="0">
+                <a:solidFill>
+                  <a:schemeClr val="tx1"/>
+                </a:solidFill>
+                <a:latin typeface="+mn-lt"/>
+                <a:ea typeface="+mn-ea"/>
+                <a:cs typeface="+mn-cs"/>
+              </a:rPr>
+              <a:t> no prevé la interacción con un usuario o analista que pueda proveer cierta clase de feedback en base a los resultados obtenidos. Este tipo de información podría ser de ayuda para un mejor funcionamiento de la técnica.</a:t>
             </a:r>
             <a:endParaRPr lang="es-ES_tradnl" sz="1200" kern="1200" dirty="0" smtClean="0">
               <a:solidFill>
@@ -3161,179 +3127,24 @@
             </a:endParaRPr>
           </a:p>
           <a:p>
-            <a:pPr lvl="0"/>
-            <a:r>
-              <a:rPr lang="es-AR" sz="1200" kern="1200" dirty="0" smtClean="0">
-                <a:solidFill>
-                  <a:schemeClr val="tx1"/>
-                </a:solidFill>
-                <a:latin typeface="+mn-lt"/>
-                <a:ea typeface="+mn-ea"/>
-                <a:cs typeface="+mn-cs"/>
-              </a:rPr>
-              <a:t>-</a:t>
-            </a:r>
-            <a:r>
-              <a:rPr lang="es-AR" sz="1200" kern="1200" baseline="0" dirty="0" smtClean="0">
-                <a:solidFill>
-                  <a:schemeClr val="tx1"/>
-                </a:solidFill>
-                <a:latin typeface="+mn-lt"/>
-                <a:ea typeface="+mn-ea"/>
-                <a:cs typeface="+mn-cs"/>
-              </a:rPr>
-              <a:t> </a:t>
-            </a:r>
-            <a:r>
-              <a:rPr lang="es-AR" sz="1200" kern="1200" dirty="0" smtClean="0">
-                <a:solidFill>
-                  <a:schemeClr val="tx1"/>
-                </a:solidFill>
-                <a:latin typeface="+mn-lt"/>
-                <a:ea typeface="+mn-ea"/>
-                <a:cs typeface="+mn-cs"/>
-              </a:rPr>
-              <a:t>Minar QAs desde distintos tipos de documentos: la técnica propuesta pude ser extendida para el tratamiento de diversos documentos, en donde se consideren que se pueden identificar atributos de calidad de un sistema. Ejemplo, minutas, BG.</a:t>
-            </a:r>
-            <a:endParaRPr lang="es-ES_tradnl" sz="1200" kern="1200" dirty="0" smtClean="0">
-              <a:solidFill>
-                <a:schemeClr val="tx1"/>
-              </a:solidFill>
-              <a:latin typeface="+mn-lt"/>
-              <a:ea typeface="+mn-ea"/>
-              <a:cs typeface="+mn-cs"/>
-            </a:endParaRPr>
-          </a:p>
-          <a:p>
-            <a:pPr lvl="0">
+            <a:pPr marL="0" marR="0" lvl="1" indent="0" algn="l" defTabSz="914400" rtl="0" eaLnBrk="1" fontAlgn="auto" latinLnBrk="0" hangingPunct="1">
+              <a:lnSpc>
+                <a:spcPct val="100000"/>
+              </a:lnSpc>
+              <a:spcBef>
+                <a:spcPts val="0"/>
+              </a:spcBef>
+              <a:spcAft>
+                <a:spcPts val="0"/>
+              </a:spcAft>
+              <a:buClrTx/>
+              <a:buSzTx/>
               <a:buFontTx/>
-              <a:buChar char="-"/>
+              <a:buNone/>
+              <a:tabLst/>
+              <a:defRPr/>
             </a:pPr>
-            <a:r>
-              <a:rPr lang="es-AR" sz="1200" kern="1200" dirty="0" smtClean="0">
-                <a:solidFill>
-                  <a:schemeClr val="tx1"/>
-                </a:solidFill>
-                <a:latin typeface="+mn-lt"/>
-                <a:ea typeface="+mn-ea"/>
-                <a:cs typeface="+mn-cs"/>
-              </a:rPr>
-              <a:t>Arquitecturas orientadas a aspectos: una vez terminado el trabajo se observó que la técnica propuesta podría ser de mucha utilidad en los casos en que se decida utilizar arquitecturas orientadas a aspectos. Ya que se tiene como resultado los aspectos de entrada, cada uno junto con el atributos de calidad relacionado, el arquitecto podría diseñar un modulo de la arquitectura por aspecto y aplicar a cada módulo las tácticas arquitectónicas que satisfagan el atributo de  calidad relacionado.</a:t>
-            </a:r>
-            <a:endParaRPr lang="es-ES_tradnl" sz="1200" kern="1200" dirty="0" smtClean="0">
-              <a:solidFill>
-                <a:schemeClr val="tx1"/>
-              </a:solidFill>
-              <a:latin typeface="+mn-lt"/>
-              <a:ea typeface="+mn-ea"/>
-              <a:cs typeface="+mn-cs"/>
-            </a:endParaRPr>
-          </a:p>
-          <a:p>
-            <a:pPr>
-              <a:buFontTx/>
-              <a:buChar char="-"/>
-            </a:pPr>
-            <a:r>
-              <a:rPr lang="es-AR" sz="1200" kern="1200" dirty="0" smtClean="0">
-                <a:solidFill>
-                  <a:schemeClr val="tx1"/>
-                </a:solidFill>
-                <a:latin typeface="+mn-lt"/>
-                <a:ea typeface="+mn-ea"/>
-                <a:cs typeface="+mn-cs"/>
-              </a:rPr>
-              <a:t>Aprendizaje: sería de utilidad el desarrollo de alguna técnica de aprendizaje que pueda ser agregada para que la herramienta </a:t>
-            </a:r>
-            <a:r>
-              <a:rPr lang="es-AR" sz="1200" i="1" kern="1200" dirty="0" smtClean="0">
-                <a:solidFill>
-                  <a:schemeClr val="tx1"/>
-                </a:solidFill>
-                <a:latin typeface="+mn-lt"/>
-                <a:ea typeface="+mn-ea"/>
-                <a:cs typeface="+mn-cs"/>
-              </a:rPr>
-              <a:t>QA </a:t>
-            </a:r>
-            <a:r>
-              <a:rPr lang="es-AR" sz="1200" i="1" kern="1200" dirty="0" err="1" smtClean="0">
-                <a:solidFill>
-                  <a:schemeClr val="tx1"/>
-                </a:solidFill>
-                <a:latin typeface="+mn-lt"/>
-                <a:ea typeface="+mn-ea"/>
-                <a:cs typeface="+mn-cs"/>
-              </a:rPr>
-              <a:t>Miner</a:t>
-            </a:r>
-            <a:r>
-              <a:rPr lang="es-AR" sz="1200" kern="1200" dirty="0" smtClean="0">
-                <a:solidFill>
-                  <a:schemeClr val="tx1"/>
-                </a:solidFill>
-                <a:latin typeface="+mn-lt"/>
-                <a:ea typeface="+mn-ea"/>
-                <a:cs typeface="+mn-cs"/>
-              </a:rPr>
-              <a:t> pueda ser ajustada en base al</a:t>
-            </a:r>
-            <a:r>
-              <a:rPr lang="es-AR" sz="1200" kern="1200" baseline="0" dirty="0" smtClean="0">
-                <a:solidFill>
-                  <a:schemeClr val="tx1"/>
-                </a:solidFill>
-                <a:latin typeface="+mn-lt"/>
-                <a:ea typeface="+mn-ea"/>
-                <a:cs typeface="+mn-cs"/>
-              </a:rPr>
-              <a:t> </a:t>
-            </a:r>
-            <a:r>
-              <a:rPr lang="es-AR" sz="1200" kern="1200" baseline="0" dirty="0" err="1" smtClean="0">
-                <a:solidFill>
-                  <a:schemeClr val="tx1"/>
-                </a:solidFill>
-                <a:latin typeface="+mn-lt"/>
-                <a:ea typeface="+mn-ea"/>
-                <a:cs typeface="+mn-cs"/>
-              </a:rPr>
-              <a:t>feedback</a:t>
-            </a:r>
-            <a:r>
-              <a:rPr lang="es-AR" sz="1200" kern="1200" baseline="0" dirty="0" smtClean="0">
-                <a:solidFill>
-                  <a:schemeClr val="tx1"/>
-                </a:solidFill>
-                <a:latin typeface="+mn-lt"/>
-                <a:ea typeface="+mn-ea"/>
-                <a:cs typeface="+mn-cs"/>
-              </a:rPr>
-              <a:t> del analista</a:t>
-            </a:r>
-            <a:r>
-              <a:rPr lang="es-AR" sz="1200" kern="1200" dirty="0" smtClean="0">
-                <a:solidFill>
-                  <a:schemeClr val="tx1"/>
-                </a:solidFill>
-                <a:latin typeface="+mn-lt"/>
-                <a:ea typeface="+mn-ea"/>
-                <a:cs typeface="+mn-cs"/>
-              </a:rPr>
-              <a:t>, para que se puedan tener mejores resultados</a:t>
-            </a:r>
-            <a:r>
-              <a:rPr lang="es-AR" sz="1200" kern="1200" baseline="0" dirty="0" smtClean="0">
-                <a:solidFill>
-                  <a:schemeClr val="tx1"/>
-                </a:solidFill>
-                <a:latin typeface="+mn-lt"/>
-                <a:ea typeface="+mn-ea"/>
-                <a:cs typeface="+mn-cs"/>
-              </a:rPr>
-              <a:t> en futuras corridas</a:t>
-            </a:r>
-            <a:endParaRPr lang="es-ES_tradnl" dirty="0"/>
+            <a:endParaRPr lang="es-ES_tradnl" baseline="0" dirty="0" smtClean="0"/>
           </a:p>
         </p:txBody>
       </p:sp>
@@ -3355,7 +3166,7 @@
             <a:fld id="{1872ED1A-74B4-42AE-A5BF-D7540D1CC6CA}" type="slidenum">
               <a:rPr lang="es-ES" smtClean="0"/>
               <a:pPr/>
-              <a:t>30</a:t>
+              <a:t>29</a:t>
             </a:fld>
             <a:endParaRPr lang="es-ES" dirty="0"/>
           </a:p>
@@ -3411,6 +3222,398 @@
         <p:spPr/>
         <p:txBody>
           <a:bodyPr>
+            <a:normAutofit fontScale="92500" lnSpcReduction="20000"/>
+          </a:bodyPr>
+          <a:lstStyle/>
+          <a:p>
+            <a:pPr lvl="0">
+              <a:buFontTx/>
+              <a:buChar char="-"/>
+            </a:pPr>
+            <a:r>
+              <a:rPr lang="es-AR" sz="1200" kern="1200" dirty="0" smtClean="0">
+                <a:solidFill>
+                  <a:schemeClr val="tx1"/>
+                </a:solidFill>
+                <a:latin typeface="+mn-lt"/>
+                <a:ea typeface="+mn-ea"/>
+                <a:cs typeface="+mn-cs"/>
+              </a:rPr>
+              <a:t>Mejoramiento de la ontología: al ser la ontología una parte fundamental en el proceso, su mejora impacta directamente sobre el funcionamiento del mismo. La tarea de mejora cuenta con cuatro aristas. La primera, consiste en revisar los conceptos de la ontología, agregando nuevos o identificando nuevas relaciones sobre los existentes. La segunda, consiste en agregar, modificar y mejorar las instancias cargadas en la misma. La tercera, es incluir nuevos atributos de calidad y, por lo tanto, un conocimiento de esos atributos que permita ampliar el alcance de la técnica. La cuarta es implementar distintas estrategias de matching entre los tokens y la ontología.</a:t>
+            </a:r>
+          </a:p>
+          <a:p>
+            <a:pPr lvl="0">
+              <a:buFontTx/>
+              <a:buChar char="-"/>
+            </a:pPr>
+            <a:endParaRPr lang="es-ES_tradnl" sz="1200" kern="1200" dirty="0" smtClean="0">
+              <a:solidFill>
+                <a:schemeClr val="tx1"/>
+              </a:solidFill>
+              <a:latin typeface="+mn-lt"/>
+              <a:ea typeface="+mn-ea"/>
+              <a:cs typeface="+mn-cs"/>
+            </a:endParaRPr>
+          </a:p>
+          <a:p>
+            <a:pPr lvl="0">
+              <a:buFontTx/>
+              <a:buChar char="-"/>
+            </a:pPr>
+            <a:r>
+              <a:rPr lang="es-AR" sz="1200" kern="1200" dirty="0" smtClean="0">
+                <a:solidFill>
+                  <a:schemeClr val="tx1"/>
+                </a:solidFill>
+                <a:latin typeface="+mn-lt"/>
+                <a:ea typeface="+mn-ea"/>
+                <a:cs typeface="+mn-cs"/>
+              </a:rPr>
+              <a:t>Atributos de los tokens: se podrían agregar más atributos a los tokens mediante nuevos filtros</a:t>
+            </a:r>
+            <a:r>
+              <a:rPr lang="es-AR" sz="1200" kern="1200" baseline="0" dirty="0" smtClean="0">
+                <a:solidFill>
+                  <a:schemeClr val="tx1"/>
+                </a:solidFill>
+                <a:latin typeface="+mn-lt"/>
+                <a:ea typeface="+mn-ea"/>
+                <a:cs typeface="+mn-cs"/>
+              </a:rPr>
+              <a:t> para mejorar los resultados</a:t>
+            </a:r>
+            <a:r>
+              <a:rPr lang="es-AR" sz="1200" kern="1200" dirty="0" smtClean="0">
+                <a:solidFill>
+                  <a:schemeClr val="tx1"/>
+                </a:solidFill>
+                <a:latin typeface="+mn-lt"/>
+                <a:ea typeface="+mn-ea"/>
+                <a:cs typeface="+mn-cs"/>
+              </a:rPr>
+              <a:t>. Por</a:t>
+            </a:r>
+            <a:r>
+              <a:rPr lang="es-AR" sz="1200" kern="1200" baseline="0" dirty="0" smtClean="0">
+                <a:solidFill>
+                  <a:schemeClr val="tx1"/>
+                </a:solidFill>
+                <a:latin typeface="+mn-lt"/>
+                <a:ea typeface="+mn-ea"/>
+                <a:cs typeface="+mn-cs"/>
+              </a:rPr>
+              <a:t> ejemplo, se podría agregar en la secuencia de fil</a:t>
+            </a:r>
+            <a:r>
+              <a:rPr lang="es-AR" sz="1200" kern="1200" dirty="0" smtClean="0">
+                <a:solidFill>
+                  <a:schemeClr val="tx1"/>
+                </a:solidFill>
+                <a:latin typeface="+mn-lt"/>
+                <a:ea typeface="+mn-ea"/>
+                <a:cs typeface="+mn-cs"/>
+              </a:rPr>
+              <a:t>tros  que se vio anteriormente,</a:t>
+            </a:r>
+            <a:r>
+              <a:rPr lang="es-AR" sz="1200" kern="1200" baseline="0" dirty="0" smtClean="0">
+                <a:solidFill>
+                  <a:schemeClr val="tx1"/>
+                </a:solidFill>
+                <a:latin typeface="+mn-lt"/>
+                <a:ea typeface="+mn-ea"/>
+                <a:cs typeface="+mn-cs"/>
+              </a:rPr>
+              <a:t> un filtro </a:t>
+            </a:r>
+            <a:r>
+              <a:rPr lang="es-AR" sz="1200" kern="1200" dirty="0" smtClean="0">
+                <a:solidFill>
+                  <a:schemeClr val="tx1"/>
+                </a:solidFill>
+                <a:latin typeface="+mn-lt"/>
+                <a:ea typeface="+mn-ea"/>
+                <a:cs typeface="+mn-cs"/>
+              </a:rPr>
+              <a:t>de “sinónimos” donde se mine cada token con</a:t>
+            </a:r>
+            <a:r>
+              <a:rPr lang="es-AR" sz="1200" kern="1200" baseline="0" dirty="0" smtClean="0">
+                <a:solidFill>
+                  <a:schemeClr val="tx1"/>
+                </a:solidFill>
+                <a:latin typeface="+mn-lt"/>
+                <a:ea typeface="+mn-ea"/>
+                <a:cs typeface="+mn-cs"/>
+              </a:rPr>
+              <a:t> sus sinónimos.</a:t>
+            </a:r>
+            <a:endParaRPr lang="es-AR" sz="1200" kern="1200" dirty="0" smtClean="0">
+              <a:solidFill>
+                <a:schemeClr val="tx1"/>
+              </a:solidFill>
+              <a:latin typeface="+mn-lt"/>
+              <a:ea typeface="+mn-ea"/>
+              <a:cs typeface="+mn-cs"/>
+            </a:endParaRPr>
+          </a:p>
+          <a:p>
+            <a:pPr lvl="0">
+              <a:buFontTx/>
+              <a:buChar char="-"/>
+            </a:pPr>
+            <a:endParaRPr lang="es-ES_tradnl" sz="1200" kern="1200" dirty="0" smtClean="0">
+              <a:solidFill>
+                <a:schemeClr val="tx1"/>
+              </a:solidFill>
+              <a:latin typeface="+mn-lt"/>
+              <a:ea typeface="+mn-ea"/>
+              <a:cs typeface="+mn-cs"/>
+            </a:endParaRPr>
+          </a:p>
+          <a:p>
+            <a:pPr lvl="0">
+              <a:buFontTx/>
+              <a:buChar char="-"/>
+            </a:pPr>
+            <a:r>
+              <a:rPr lang="es-AR" sz="1200" kern="1200" dirty="0" smtClean="0">
+                <a:solidFill>
+                  <a:schemeClr val="tx1"/>
+                </a:solidFill>
+                <a:latin typeface="+mn-lt"/>
+                <a:ea typeface="+mn-ea"/>
+                <a:cs typeface="+mn-cs"/>
+              </a:rPr>
+              <a:t>Minar QAs desde distintos tipos de documentos: la técnica propuesta pude ser extendida para el tratamiento de diversos documentos, en donde se consideren que se pueden identificar atributos de calidad de un sistema. Ejemplo, minutas, BG.</a:t>
+            </a:r>
+          </a:p>
+          <a:p>
+            <a:pPr lvl="0">
+              <a:buFontTx/>
+              <a:buChar char="-"/>
+            </a:pPr>
+            <a:endParaRPr lang="es-ES_tradnl" sz="1200" kern="1200" dirty="0" smtClean="0">
+              <a:solidFill>
+                <a:schemeClr val="tx1"/>
+              </a:solidFill>
+              <a:latin typeface="+mn-lt"/>
+              <a:ea typeface="+mn-ea"/>
+              <a:cs typeface="+mn-cs"/>
+            </a:endParaRPr>
+          </a:p>
+          <a:p>
+            <a:pPr>
+              <a:buFontTx/>
+              <a:buChar char="-"/>
+            </a:pPr>
+            <a:r>
+              <a:rPr lang="es-AR" sz="1200" kern="1200" dirty="0" smtClean="0">
+                <a:solidFill>
+                  <a:schemeClr val="tx1"/>
+                </a:solidFill>
+                <a:latin typeface="+mn-lt"/>
+                <a:ea typeface="+mn-ea"/>
+                <a:cs typeface="+mn-cs"/>
+              </a:rPr>
+              <a:t>Aprendizaje: sería de utilidad el desarrollo de alguna técnica de aprendizaje que pueda ser agregada para que la herramienta </a:t>
+            </a:r>
+            <a:r>
+              <a:rPr lang="es-AR" sz="1200" i="1" kern="1200" dirty="0" smtClean="0">
+                <a:solidFill>
+                  <a:schemeClr val="tx1"/>
+                </a:solidFill>
+                <a:latin typeface="+mn-lt"/>
+                <a:ea typeface="+mn-ea"/>
+                <a:cs typeface="+mn-cs"/>
+              </a:rPr>
+              <a:t>QA Miner</a:t>
+            </a:r>
+            <a:r>
+              <a:rPr lang="es-AR" sz="1200" kern="1200" dirty="0" smtClean="0">
+                <a:solidFill>
+                  <a:schemeClr val="tx1"/>
+                </a:solidFill>
+                <a:latin typeface="+mn-lt"/>
+                <a:ea typeface="+mn-ea"/>
+                <a:cs typeface="+mn-cs"/>
+              </a:rPr>
+              <a:t> pueda ser ajustada en base al</a:t>
+            </a:r>
+            <a:r>
+              <a:rPr lang="es-AR" sz="1200" kern="1200" baseline="0" dirty="0" smtClean="0">
+                <a:solidFill>
+                  <a:schemeClr val="tx1"/>
+                </a:solidFill>
+                <a:latin typeface="+mn-lt"/>
+                <a:ea typeface="+mn-ea"/>
+                <a:cs typeface="+mn-cs"/>
+              </a:rPr>
+              <a:t> feedback del analista. De esta forma, se </a:t>
+            </a:r>
+            <a:r>
+              <a:rPr lang="es-ES_tradnl" sz="1200" kern="1200" baseline="0" dirty="0" smtClean="0">
+                <a:solidFill>
+                  <a:schemeClr val="tx1"/>
+                </a:solidFill>
+                <a:latin typeface="+mn-lt"/>
+                <a:ea typeface="+mn-ea"/>
+                <a:cs typeface="+mn-cs"/>
+              </a:rPr>
+              <a:t>podrían </a:t>
+            </a:r>
+            <a:r>
+              <a:rPr lang="es-AR" sz="1200" kern="1200" dirty="0" smtClean="0">
+                <a:solidFill>
+                  <a:schemeClr val="tx1"/>
+                </a:solidFill>
+                <a:latin typeface="+mn-lt"/>
+                <a:ea typeface="+mn-ea"/>
+                <a:cs typeface="+mn-cs"/>
+              </a:rPr>
+              <a:t>tener mejores resultados</a:t>
+            </a:r>
+            <a:r>
+              <a:rPr lang="es-AR" sz="1200" kern="1200" baseline="0" dirty="0" smtClean="0">
+                <a:solidFill>
+                  <a:schemeClr val="tx1"/>
+                </a:solidFill>
+                <a:latin typeface="+mn-lt"/>
+                <a:ea typeface="+mn-ea"/>
+                <a:cs typeface="+mn-cs"/>
+              </a:rPr>
+              <a:t> en futuras corridas</a:t>
+            </a:r>
+          </a:p>
+          <a:p>
+            <a:pPr>
+              <a:buFontTx/>
+              <a:buChar char="-"/>
+            </a:pPr>
+            <a:endParaRPr lang="es-AR" sz="1200" kern="1200" baseline="0" dirty="0" smtClean="0">
+              <a:solidFill>
+                <a:schemeClr val="tx1"/>
+              </a:solidFill>
+              <a:latin typeface="+mn-lt"/>
+              <a:ea typeface="+mn-ea"/>
+              <a:cs typeface="+mn-cs"/>
+            </a:endParaRPr>
+          </a:p>
+          <a:p>
+            <a:pPr lvl="0">
+              <a:buFontTx/>
+              <a:buChar char="-"/>
+            </a:pPr>
+            <a:endParaRPr lang="es-ES_tradnl" sz="1200" kern="1200" dirty="0" smtClean="0">
+              <a:solidFill>
+                <a:schemeClr val="tx1"/>
+              </a:solidFill>
+              <a:latin typeface="+mn-lt"/>
+              <a:ea typeface="+mn-ea"/>
+              <a:cs typeface="+mn-cs"/>
+            </a:endParaRPr>
+          </a:p>
+          <a:p>
+            <a:pPr lvl="0">
+              <a:buFontTx/>
+              <a:buChar char="-"/>
+            </a:pPr>
+            <a:r>
+              <a:rPr lang="es-AR" sz="1200" kern="1200" dirty="0" smtClean="0">
+                <a:solidFill>
+                  <a:schemeClr val="tx1"/>
+                </a:solidFill>
+                <a:latin typeface="+mn-lt"/>
+                <a:ea typeface="+mn-ea"/>
+                <a:cs typeface="+mn-cs"/>
+              </a:rPr>
+              <a:t>Arquitecturas orientadas a aspectos: una vez terminado el trabajo se observó que la técnica propuesta podría ser de mucha utilidad en los casos en que se decida utilizar arquitecturas orientadas a aspectos. Ya que se tiene como resultado los aspectos de entrada, cada uno junto con el atributos de calidad relacionado, el arquitecto podría diseñar un modulo de la arquitectura por aspecto y aplicar a cada módulo las tácticas arquitectónicas que satisfagan el atributo de  calidad relacionado.</a:t>
+            </a:r>
+          </a:p>
+          <a:p>
+            <a:pPr>
+              <a:buFontTx/>
+              <a:buChar char="-"/>
+            </a:pPr>
+            <a:endParaRPr lang="es-ES_tradnl" dirty="0"/>
+          </a:p>
+        </p:txBody>
+      </p:sp>
+      <p:sp>
+        <p:nvSpPr>
+          <p:cNvPr id="4" name="3 Marcador de número de diapositiva"/>
+          <p:cNvSpPr>
+            <a:spLocks noGrp="1"/>
+          </p:cNvSpPr>
+          <p:nvPr>
+            <p:ph type="sldNum" sz="quarter" idx="10"/>
+          </p:nvPr>
+        </p:nvSpPr>
+        <p:spPr/>
+        <p:txBody>
+          <a:bodyPr/>
+          <a:lstStyle/>
+          <a:p>
+            <a:fld id="{1872ED1A-74B4-42AE-A5BF-D7540D1CC6CA}" type="slidenum">
+              <a:rPr lang="es-ES" smtClean="0"/>
+              <a:pPr/>
+              <a:t>30</a:t>
+            </a:fld>
+            <a:endParaRPr lang="es-ES" dirty="0"/>
+          </a:p>
+        </p:txBody>
+      </p:sp>
+    </p:spTree>
+  </p:cSld>
+  <p:clrMapOvr>
+    <a:masterClrMapping/>
+  </p:clrMapOvr>
+</p:notes>
+</file>
+
+<file path=ppt/notesSlides/notesSlide26.xml><?xml version="1.0" encoding="utf-8"?>
+<p:notes xmlns:a="http://schemas.openxmlformats.org/drawingml/2006/main" xmlns:r="http://schemas.openxmlformats.org/officeDocument/2006/relationships" xmlns:p="http://schemas.openxmlformats.org/presentationml/2006/main">
+  <p:cSld>
+    <p:spTree>
+      <p:nvGrpSpPr>
+        <p:cNvPr id="1" name=""/>
+        <p:cNvGrpSpPr/>
+        <p:nvPr/>
+      </p:nvGrpSpPr>
+      <p:grpSpPr>
+        <a:xfrm>
+          <a:off x="0" y="0"/>
+          <a:ext cx="0" cy="0"/>
+          <a:chOff x="0" y="0"/>
+          <a:chExt cx="0" cy="0"/>
+        </a:xfrm>
+      </p:grpSpPr>
+      <p:sp>
+        <p:nvSpPr>
+          <p:cNvPr id="2" name="1 Marcador de imagen de diapositiva"/>
+          <p:cNvSpPr>
+            <a:spLocks noGrp="1" noRot="1" noChangeAspect="1"/>
+          </p:cNvSpPr>
+          <p:nvPr>
+            <p:ph type="sldImg"/>
+          </p:nvPr>
+        </p:nvSpPr>
+        <p:spPr/>
+      </p:sp>
+      <p:sp>
+        <p:nvSpPr>
+          <p:cNvPr id="3" name="2 Marcador de notas"/>
+          <p:cNvSpPr>
+            <a:spLocks noGrp="1"/>
+          </p:cNvSpPr>
+          <p:nvPr>
+            <p:ph type="body" idx="1"/>
+          </p:nvPr>
+        </p:nvSpPr>
+        <p:spPr/>
+        <p:txBody>
+          <a:bodyPr>
             <a:normAutofit/>
           </a:bodyPr>
           <a:lstStyle/>
@@ -3499,11 +3702,11 @@
           <a:p>
             <a:r>
               <a:rPr lang="es-ES_tradnl" dirty="0" smtClean="0"/>
-              <a:t>Lo primero</a:t>
+              <a:t>El primer tema que vamos </a:t>
             </a:r>
             <a:r>
               <a:rPr lang="es-ES_tradnl" baseline="0" dirty="0" smtClean="0"/>
-              <a:t> que vamos a ver es la introducción. En este punto, se explicará el Contexto y la Problemática.</a:t>
+              <a:t>a ver es la introducción. En este punto, se explicará el Contexto y la Problemática.</a:t>
             </a:r>
             <a:endParaRPr lang="es-ES_tradnl" dirty="0"/>
           </a:p>
@@ -3617,15 +3820,7 @@
             </a:r>
             <a:r>
               <a:rPr lang="es-ES" dirty="0" smtClean="0"/>
-              <a:t>Los atributos de calidad o </a:t>
-            </a:r>
-            <a:r>
-              <a:rPr lang="es-ES" dirty="0" err="1" smtClean="0"/>
-              <a:t>QAs</a:t>
-            </a:r>
-            <a:r>
-              <a:rPr lang="es-ES" dirty="0" smtClean="0"/>
-              <a:t>  son propiedades deseadas o requerimientos adicionales de un sistema.  Ejemplo de</a:t>
+              <a:t>Los atributos de calidad o QAs  son propiedades deseadas o requerimientos adicionales de un sistema.  Ejemplo de</a:t>
             </a:r>
             <a:r>
               <a:rPr lang="es-ES" baseline="0" dirty="0" smtClean="0"/>
@@ -3644,29 +3839,7 @@
                 <a:ea typeface="+mn-ea"/>
                 <a:cs typeface="+mn-cs"/>
               </a:rPr>
-              <a:t>Estas </a:t>
-            </a:r>
-            <a:r>
-              <a:rPr lang="es-AR" sz="1200" kern="1200" dirty="0" smtClean="0">
-                <a:solidFill>
-                  <a:schemeClr val="tx1"/>
-                </a:solidFill>
-                <a:latin typeface="+mn-lt"/>
-                <a:ea typeface="+mn-ea"/>
-                <a:cs typeface="+mn-cs"/>
-              </a:rPr>
-              <a:t>propiedades son requerimientos adicionales del sistema que hacen referencia a características o restricciones que </a:t>
-            </a:r>
-            <a:r>
-              <a:rPr lang="es-AR" sz="1200" kern="1200" dirty="0" smtClean="0">
-                <a:solidFill>
-                  <a:schemeClr val="tx1"/>
-                </a:solidFill>
-                <a:latin typeface="+mn-lt"/>
-                <a:ea typeface="+mn-ea"/>
-                <a:cs typeface="+mn-cs"/>
-              </a:rPr>
-              <a:t>el</a:t>
+              <a:t>Estas propiedades son requerimientos adicionales del sistema que hacen referencia a características o restricciones que el</a:t>
             </a:r>
             <a:r>
               <a:rPr lang="es-AR" sz="1200" kern="1200" baseline="0" dirty="0" smtClean="0">
@@ -3710,7 +3883,7 @@
                 <a:ea typeface="+mn-ea"/>
                 <a:cs typeface="+mn-cs"/>
               </a:rPr>
-              <a:t>complementan </a:t>
+              <a:t>complementan los requerimientos funcionales del </a:t>
             </a:r>
             <a:r>
               <a:rPr lang="es-AR" sz="1200" kern="1200" dirty="0" smtClean="0">
@@ -3721,18 +3894,7 @@
                 <a:ea typeface="+mn-ea"/>
                 <a:cs typeface="+mn-cs"/>
               </a:rPr>
-              <a:t>los requerimientos funcionales del </a:t>
-            </a:r>
-            <a:r>
-              <a:rPr lang="es-AR" sz="1200" kern="1200" dirty="0" smtClean="0">
-                <a:solidFill>
-                  <a:schemeClr val="tx1"/>
-                </a:solidFill>
-                <a:latin typeface="+mn-lt"/>
-                <a:ea typeface="+mn-ea"/>
-                <a:cs typeface="+mn-cs"/>
-              </a:rPr>
-              <a:t>sistema.  </a:t>
+              <a:t>sistema.</a:t>
             </a:r>
             <a:endParaRPr lang="es-AR" sz="1200" kern="1200" dirty="0" smtClean="0">
               <a:solidFill>
@@ -3774,7 +3936,7 @@
                 <a:ea typeface="+mn-ea"/>
                 <a:cs typeface="+mn-cs"/>
               </a:rPr>
-              <a:t> </a:t>
+              <a:t> necesario identificar tempranamente los Qas del sistema para </a:t>
             </a:r>
             <a:r>
               <a:rPr lang="es-AR" sz="1200" kern="1200" baseline="0" dirty="0" smtClean="0">
@@ -3785,7 +3947,7 @@
                 <a:ea typeface="+mn-ea"/>
                 <a:cs typeface="+mn-cs"/>
               </a:rPr>
-              <a:t>necesario </a:t>
+              <a:t>que estos sean tenidos </a:t>
             </a:r>
             <a:r>
               <a:rPr lang="es-AR" sz="1200" kern="1200" baseline="0" dirty="0" smtClean="0">
@@ -3796,7 +3958,7 @@
                 <a:ea typeface="+mn-ea"/>
                 <a:cs typeface="+mn-cs"/>
               </a:rPr>
-              <a:t>identificar </a:t>
+              <a:t>en cuenta desde las primeras decisiones de diseño, por ejemplo en la </a:t>
             </a:r>
             <a:r>
               <a:rPr lang="es-AR" sz="1200" kern="1200" baseline="0" dirty="0" smtClean="0">
@@ -3807,7 +3969,7 @@
                 <a:ea typeface="+mn-ea"/>
                 <a:cs typeface="+mn-cs"/>
               </a:rPr>
-              <a:t>tempranamente los Qas del sistema para ser </a:t>
+              <a:t>arquitectura del sistema, </a:t>
             </a:r>
             <a:r>
               <a:rPr lang="es-AR" sz="1200" kern="1200" baseline="0" dirty="0" smtClean="0">
@@ -3818,7 +3980,7 @@
                 <a:ea typeface="+mn-ea"/>
                 <a:cs typeface="+mn-cs"/>
               </a:rPr>
-              <a:t>tenidos </a:t>
+              <a:t>ya que </a:t>
             </a:r>
             <a:r>
               <a:rPr lang="es-AR" sz="1200" kern="1200" baseline="0" dirty="0" smtClean="0">
@@ -3829,7 +3991,7 @@
                 <a:ea typeface="+mn-ea"/>
                 <a:cs typeface="+mn-cs"/>
               </a:rPr>
-              <a:t>en cuenta desde las primeras decisiones de </a:t>
+              <a:t>estas decisiones impactaran </a:t>
             </a:r>
             <a:r>
               <a:rPr lang="es-AR" sz="1200" kern="1200" baseline="0" dirty="0" smtClean="0">
@@ -3840,8 +4002,20 @@
                 <a:ea typeface="+mn-ea"/>
                 <a:cs typeface="+mn-cs"/>
               </a:rPr>
-              <a:t>diseño, por ejemplo en la arquitectura, ya que impactaran significativamente </a:t>
-            </a:r>
+              <a:t>significativamente en las etapas posteriores.</a:t>
+            </a:r>
+          </a:p>
+          <a:p>
+            <a:endParaRPr lang="es-AR" sz="1200" kern="1200" baseline="0" dirty="0" smtClean="0">
+              <a:solidFill>
+                <a:schemeClr val="tx1"/>
+              </a:solidFill>
+              <a:latin typeface="+mn-lt"/>
+              <a:ea typeface="+mn-ea"/>
+              <a:cs typeface="+mn-cs"/>
+            </a:endParaRPr>
+          </a:p>
+          <a:p>
             <a:r>
               <a:rPr lang="es-AR" sz="1200" kern="1200" baseline="0" dirty="0" smtClean="0">
                 <a:solidFill>
@@ -3851,20 +4025,8 @@
                 <a:ea typeface="+mn-ea"/>
                 <a:cs typeface="+mn-cs"/>
               </a:rPr>
-              <a:t>en las etapas posteriores.</a:t>
-            </a:r>
-          </a:p>
-          <a:p>
-            <a:endParaRPr lang="es-AR" sz="1200" kern="1200" baseline="0" dirty="0" smtClean="0">
-              <a:solidFill>
-                <a:schemeClr val="tx1"/>
-              </a:solidFill>
-              <a:latin typeface="+mn-lt"/>
-              <a:ea typeface="+mn-ea"/>
-              <a:cs typeface="+mn-cs"/>
-            </a:endParaRPr>
-          </a:p>
-          <a:p>
+              <a:t>- Una incorrecta identificación, ya sea por Qas faltantes o Qas erróneamente identificados, pueden producir costos elevados de re trabajo si éstos son detectados en etapas </a:t>
+            </a:r>
             <a:r>
               <a:rPr lang="es-AR" sz="1200" kern="1200" baseline="0" dirty="0" smtClean="0">
                 <a:solidFill>
@@ -3874,7 +4036,7 @@
                 <a:ea typeface="+mn-ea"/>
                 <a:cs typeface="+mn-cs"/>
               </a:rPr>
-              <a:t>- Una </a:t>
+              <a:t>avanzadas del </a:t>
             </a:r>
             <a:r>
               <a:rPr lang="es-AR" sz="1200" kern="1200" baseline="0" dirty="0" smtClean="0">
@@ -3885,73 +4047,7 @@
                 <a:ea typeface="+mn-ea"/>
                 <a:cs typeface="+mn-cs"/>
               </a:rPr>
-              <a:t>incorrecta </a:t>
-            </a:r>
-            <a:r>
-              <a:rPr lang="es-AR" sz="1200" kern="1200" baseline="0" dirty="0" smtClean="0">
-                <a:solidFill>
-                  <a:schemeClr val="tx1"/>
-                </a:solidFill>
-                <a:latin typeface="+mn-lt"/>
-                <a:ea typeface="+mn-ea"/>
-                <a:cs typeface="+mn-cs"/>
-              </a:rPr>
-              <a:t>identificación, ya </a:t>
-            </a:r>
-            <a:r>
-              <a:rPr lang="es-AR" sz="1200" kern="1200" baseline="0" dirty="0" smtClean="0">
-                <a:solidFill>
-                  <a:schemeClr val="tx1"/>
-                </a:solidFill>
-                <a:latin typeface="+mn-lt"/>
-                <a:ea typeface="+mn-ea"/>
-                <a:cs typeface="+mn-cs"/>
-              </a:rPr>
-              <a:t>sea por Qas faltantes o Qas </a:t>
-            </a:r>
-            <a:r>
-              <a:rPr lang="es-AR" sz="1200" kern="1200" baseline="0" dirty="0" smtClean="0">
-                <a:solidFill>
-                  <a:schemeClr val="tx1"/>
-                </a:solidFill>
-                <a:latin typeface="+mn-lt"/>
-                <a:ea typeface="+mn-ea"/>
-                <a:cs typeface="+mn-cs"/>
-              </a:rPr>
-              <a:t>erróneamente identificados, </a:t>
-            </a:r>
-            <a:r>
-              <a:rPr lang="es-AR" sz="1200" kern="1200" baseline="0" dirty="0" smtClean="0">
-                <a:solidFill>
-                  <a:schemeClr val="tx1"/>
-                </a:solidFill>
-                <a:latin typeface="+mn-lt"/>
-                <a:ea typeface="+mn-ea"/>
-                <a:cs typeface="+mn-cs"/>
-              </a:rPr>
-              <a:t>pueden producir costos elevados de </a:t>
-            </a:r>
-            <a:r>
-              <a:rPr lang="es-AR" sz="1200" kern="1200" baseline="0" dirty="0" smtClean="0">
-                <a:solidFill>
-                  <a:schemeClr val="tx1"/>
-                </a:solidFill>
-                <a:latin typeface="+mn-lt"/>
-                <a:ea typeface="+mn-ea"/>
-                <a:cs typeface="+mn-cs"/>
-              </a:rPr>
-              <a:t>re trabajo si </a:t>
-            </a:r>
-            <a:r>
-              <a:rPr lang="es-AR" sz="1200" kern="1200" baseline="0" dirty="0" smtClean="0">
-                <a:solidFill>
-                  <a:schemeClr val="tx1"/>
-                </a:solidFill>
-                <a:latin typeface="+mn-lt"/>
-                <a:ea typeface="+mn-ea"/>
-                <a:cs typeface="+mn-cs"/>
-              </a:rPr>
-              <a:t>éstos son detectados en etapas finales del desarrollo.</a:t>
+              <a:t>desarrollo.</a:t>
             </a:r>
             <a:r>
               <a:rPr lang="es-AR" sz="1200" kern="1200" dirty="0" smtClean="0">
@@ -4054,7 +4150,7 @@
                 <a:ea typeface="+mn-ea"/>
                 <a:cs typeface="+mn-cs"/>
               </a:rPr>
-              <a:t>-Por lo general, los QAs de un sistema provienen de distintas fuentes, como por ejemplo los objetivos de negocio, </a:t>
+              <a:t>-Por lo general, los QAs de un sistema provienen de distintas fuentes, como por ejemplo los objetivos de negocio, entrevistas con los </a:t>
             </a:r>
             <a:r>
               <a:rPr lang="es-AR" sz="1200" kern="1200" dirty="0" smtClean="0">
@@ -4065,29 +4161,7 @@
                 <a:ea typeface="+mn-ea"/>
                 <a:cs typeface="+mn-cs"/>
               </a:rPr>
-              <a:t>entrevistas </a:t>
-            </a:r>
-            <a:r>
-              <a:rPr lang="es-AR" sz="1200" kern="1200" dirty="0" smtClean="0">
-                <a:solidFill>
-                  <a:schemeClr val="tx1"/>
-                </a:solidFill>
-                <a:latin typeface="+mn-lt"/>
-                <a:ea typeface="+mn-ea"/>
-                <a:cs typeface="+mn-cs"/>
-              </a:rPr>
-              <a:t>con los stakeholders </a:t>
-            </a:r>
-            <a:r>
-              <a:rPr lang="es-AR" sz="1200" kern="1200" dirty="0" smtClean="0">
-                <a:solidFill>
-                  <a:schemeClr val="tx1"/>
-                </a:solidFill>
-                <a:latin typeface="+mn-lt"/>
-                <a:ea typeface="+mn-ea"/>
-                <a:cs typeface="+mn-cs"/>
-              </a:rPr>
-              <a:t>y </a:t>
+              <a:t>clientes y </a:t>
             </a:r>
             <a:r>
               <a:rPr lang="es-AR" sz="1200" kern="1200" dirty="0" smtClean="0">
@@ -4132,18 +4206,7 @@
                 <a:ea typeface="+mn-ea"/>
                 <a:cs typeface="+mn-cs"/>
               </a:rPr>
-              <a:t>hace</a:t>
-            </a:r>
-            <a:r>
-              <a:rPr lang="es-AR" sz="1200" kern="1200" baseline="0" dirty="0" smtClean="0">
-                <a:solidFill>
-                  <a:schemeClr val="tx1"/>
-                </a:solidFill>
-                <a:latin typeface="+mn-lt"/>
-                <a:ea typeface="+mn-ea"/>
-                <a:cs typeface="+mn-cs"/>
-              </a:rPr>
-              <a:t>n </a:t>
+              <a:t>definen los </a:t>
             </a:r>
             <a:r>
               <a:rPr lang="es-AR" sz="1200" kern="1200" dirty="0" smtClean="0">
@@ -4154,40 +4217,7 @@
                 <a:ea typeface="+mn-ea"/>
                 <a:cs typeface="+mn-cs"/>
               </a:rPr>
-              <a:t>los </a:t>
-            </a:r>
-            <a:r>
-              <a:rPr lang="es-AR" sz="1200" kern="1200" dirty="0" smtClean="0">
-                <a:solidFill>
-                  <a:schemeClr val="tx1"/>
-                </a:solidFill>
-                <a:latin typeface="+mn-lt"/>
-                <a:ea typeface="+mn-ea"/>
-                <a:cs typeface="+mn-cs"/>
-              </a:rPr>
-              <a:t>requerimientos funcionales (por ejemplo, en casos de uso), muchos stakeholders introducen aspectos de calidad relacionados con funcionalidades especificas del sistema. Algunos QAs </a:t>
-            </a:r>
-            <a:r>
-              <a:rPr lang="es-AR" sz="1200" kern="1200" dirty="0" smtClean="0">
-                <a:solidFill>
-                  <a:schemeClr val="tx1"/>
-                </a:solidFill>
-                <a:latin typeface="+mn-lt"/>
-                <a:ea typeface="+mn-ea"/>
-                <a:cs typeface="+mn-cs"/>
-              </a:rPr>
-              <a:t>quedan “ocultos</a:t>
-            </a:r>
-            <a:r>
-              <a:rPr lang="es-AR" sz="1200" kern="1200" dirty="0" smtClean="0">
-                <a:solidFill>
-                  <a:schemeClr val="tx1"/>
-                </a:solidFill>
-                <a:latin typeface="+mn-lt"/>
-                <a:ea typeface="+mn-ea"/>
-                <a:cs typeface="+mn-cs"/>
-              </a:rPr>
-              <a:t>” entre los requerimientos que especifican la funcionalidad y, por ello, podrían ser ignorados por los analistas. </a:t>
+              <a:t>requerimientos funcionales (por ejemplo, en casos de uso), muchos stakeholders introducen aspectos de calidad relacionados con funcionalidades especificas del sistema. Algunos QAs quedan “ocultos” entre los requerimientos que especifican la funcionalidad y, por ello, podrían ser ignorados por los analistas. </a:t>
             </a:r>
           </a:p>
           <a:p>
@@ -4418,51 +4448,7 @@
                 <a:ea typeface="+mn-ea"/>
                 <a:cs typeface="+mn-cs"/>
               </a:rPr>
-              <a:t>- En las primeras etapas de desarrollo, los </a:t>
-            </a:r>
-            <a:r>
-              <a:rPr lang="es-ES" sz="1200" kern="1200" dirty="0" err="1" smtClean="0">
-                <a:solidFill>
-                  <a:schemeClr val="tx1"/>
-                </a:solidFill>
-                <a:latin typeface="+mn-lt"/>
-                <a:ea typeface="+mn-ea"/>
-                <a:cs typeface="+mn-cs"/>
-              </a:rPr>
-              <a:t>concerns</a:t>
-            </a:r>
-            <a:r>
-              <a:rPr lang="es-ES" sz="1200" kern="1200" dirty="0" smtClean="0">
-                <a:solidFill>
-                  <a:schemeClr val="tx1"/>
-                </a:solidFill>
-                <a:latin typeface="+mn-lt"/>
-                <a:ea typeface="+mn-ea"/>
-                <a:cs typeface="+mn-cs"/>
-              </a:rPr>
-              <a:t> de interés central son los requerimientos. Una especificación de requerimientos bien escrita está caracterizada por el hecho de que cada requerimiento representa un solo </a:t>
-            </a:r>
-            <a:r>
-              <a:rPr lang="es-ES" sz="1200" kern="1200" dirty="0" err="1" smtClean="0">
-                <a:solidFill>
-                  <a:schemeClr val="tx1"/>
-                </a:solidFill>
-                <a:latin typeface="+mn-lt"/>
-                <a:ea typeface="+mn-ea"/>
-                <a:cs typeface="+mn-cs"/>
-              </a:rPr>
-              <a:t>concern</a:t>
-            </a:r>
-            <a:r>
-              <a:rPr lang="es-ES" sz="1200" kern="1200" dirty="0" smtClean="0">
-                <a:solidFill>
-                  <a:schemeClr val="tx1"/>
-                </a:solidFill>
-                <a:latin typeface="+mn-lt"/>
-                <a:ea typeface="+mn-ea"/>
-                <a:cs typeface="+mn-cs"/>
-              </a:rPr>
-              <a:t>. Sin embargo, algunos</a:t>
+              <a:t>- En las primeras etapas de desarrollo, los concerns de interés central son los requerimientos. Una especificación de requerimientos bien escrita está caracterizada por el hecho de que cada requerimiento representa un solo concern. Sin embargo, algunos</a:t>
             </a:r>
             <a:r>
               <a:rPr lang="es-ES" sz="1200" kern="1200" baseline="0" dirty="0" smtClean="0">
@@ -4473,51 +4459,7 @@
                 <a:ea typeface="+mn-ea"/>
                 <a:cs typeface="+mn-cs"/>
               </a:rPr>
-              <a:t> </a:t>
-            </a:r>
-            <a:r>
-              <a:rPr lang="es-ES" sz="1200" kern="1200" baseline="0" dirty="0" err="1" smtClean="0">
-                <a:solidFill>
-                  <a:schemeClr val="tx1"/>
-                </a:solidFill>
-                <a:latin typeface="+mn-lt"/>
-                <a:ea typeface="+mn-ea"/>
-                <a:cs typeface="+mn-cs"/>
-              </a:rPr>
-              <a:t>concerns</a:t>
-            </a:r>
-            <a:r>
-              <a:rPr lang="es-ES" sz="1200" kern="1200" baseline="0" dirty="0" smtClean="0">
-                <a:solidFill>
-                  <a:schemeClr val="tx1"/>
-                </a:solidFill>
-                <a:latin typeface="+mn-lt"/>
-                <a:ea typeface="+mn-ea"/>
-                <a:cs typeface="+mn-cs"/>
-              </a:rPr>
-              <a:t> no pueden ser </a:t>
-            </a:r>
-            <a:r>
-              <a:rPr lang="es-ES" sz="1200" kern="1200" baseline="0" dirty="0" err="1" smtClean="0">
-                <a:solidFill>
-                  <a:schemeClr val="tx1"/>
-                </a:solidFill>
-                <a:latin typeface="+mn-lt"/>
-                <a:ea typeface="+mn-ea"/>
-                <a:cs typeface="+mn-cs"/>
-              </a:rPr>
-              <a:t>modularizados</a:t>
-            </a:r>
-            <a:r>
-              <a:rPr lang="es-ES" sz="1200" kern="1200" baseline="0" dirty="0" smtClean="0">
-                <a:solidFill>
-                  <a:schemeClr val="tx1"/>
-                </a:solidFill>
-                <a:latin typeface="+mn-lt"/>
-                <a:ea typeface="+mn-ea"/>
-                <a:cs typeface="+mn-cs"/>
-              </a:rPr>
-              <a:t> en un solo requerimiento y se encuentran presentes en varios, a estos se los denominan “Aspectos Tempranos”.</a:t>
+              <a:t> concerns no pueden ser modularizados en un solo requerimiento y se encuentran presentes en varios, a estos se los denominan “Aspectos Tempranos”.</a:t>
             </a:r>
             <a:endParaRPr lang="es-ES_tradnl" dirty="0"/>
           </a:p>
@@ -9044,7 +8986,7 @@
           </a:bodyPr>
           <a:lstStyle/>
           <a:p>
-            <a:endParaRPr lang="es-ES_tradnl"/>
+            <a:endParaRPr lang="es-ES_tradnl" dirty="0"/>
           </a:p>
         </p:txBody>
       </p:sp>
@@ -9082,7 +9024,7 @@
           </a:bodyPr>
           <a:lstStyle/>
           <a:p>
-            <a:endParaRPr lang="es-ES_tradnl"/>
+            <a:endParaRPr lang="es-ES_tradnl" dirty="0"/>
           </a:p>
         </p:txBody>
       </p:sp>
@@ -9305,15 +9247,7 @@
             </a:r>
             <a:r>
               <a:rPr lang="es-AR" dirty="0" smtClean="0"/>
-              <a:t>semi-automatizadas para identificar aspectos tempranos </a:t>
-            </a:r>
-            <a:r>
-              <a:rPr lang="es-AR" dirty="0" smtClean="0"/>
-              <a:t>en casos </a:t>
-            </a:r>
-            <a:r>
-              <a:rPr lang="es-AR" dirty="0" smtClean="0"/>
-              <a:t>de uso</a:t>
+              <a:t>semi-automatizadas para identificar aspectos tempranos en casos de uso</a:t>
             </a:r>
           </a:p>
           <a:p>
@@ -9489,7 +9423,7 @@
           </a:bodyPr>
           <a:lstStyle/>
           <a:p>
-            <a:endParaRPr lang="es-ES_tradnl"/>
+            <a:endParaRPr lang="es-ES_tradnl" dirty="0"/>
           </a:p>
         </p:txBody>
       </p:sp>
@@ -9527,7 +9461,7 @@
           </a:bodyPr>
           <a:lstStyle/>
           <a:p>
-            <a:endParaRPr lang="es-ES_tradnl"/>
+            <a:endParaRPr lang="es-ES_tradnl" dirty="0"/>
           </a:p>
         </p:txBody>
       </p:sp>
@@ -9659,11 +9593,7 @@
           <a:p>
             <a:r>
               <a:rPr lang="es-ES_tradnl" dirty="0" smtClean="0"/>
-              <a:t>Tokens </a:t>
-            </a:r>
-            <a:r>
-              <a:rPr lang="es-ES_tradnl" dirty="0" err="1" smtClean="0"/>
-              <a:t>Generation</a:t>
+              <a:t>Tokens Generation</a:t>
             </a:r>
             <a:endParaRPr lang="es-ES_tradnl" dirty="0"/>
           </a:p>
@@ -10310,7 +10240,7 @@
           </a:bodyPr>
           <a:lstStyle/>
           <a:p>
-            <a:endParaRPr lang="es-ES_tradnl"/>
+            <a:endParaRPr lang="es-ES_tradnl" dirty="0"/>
           </a:p>
         </p:txBody>
       </p:sp>
@@ -10348,7 +10278,7 @@
           </a:bodyPr>
           <a:lstStyle/>
           <a:p>
-            <a:endParaRPr lang="es-ES_tradnl"/>
+            <a:endParaRPr lang="es-ES_tradnl" dirty="0"/>
           </a:p>
         </p:txBody>
       </p:sp>
@@ -10480,11 +10410,7 @@
           <a:p>
             <a:r>
               <a:rPr lang="es-ES_tradnl" dirty="0" smtClean="0"/>
-              <a:t>Tokens </a:t>
-            </a:r>
-            <a:r>
-              <a:rPr lang="es-ES_tradnl" dirty="0" err="1" smtClean="0"/>
-              <a:t>Analysis</a:t>
+              <a:t>Tokens Analysis</a:t>
             </a:r>
             <a:endParaRPr lang="es-ES_tradnl" dirty="0"/>
           </a:p>
@@ -10908,11 +10834,7 @@
           <a:p>
             <a:r>
               <a:rPr lang="es-ES_tradnl" dirty="0" smtClean="0"/>
-              <a:t>Tokens </a:t>
-            </a:r>
-            <a:r>
-              <a:rPr lang="es-ES_tradnl" dirty="0" err="1" smtClean="0"/>
-              <a:t>Analysis</a:t>
+              <a:t>Tokens Analysis</a:t>
             </a:r>
             <a:endParaRPr lang="es-ES_tradnl" dirty="0"/>
           </a:p>
@@ -11335,21 +11257,8 @@
           <a:p>
             <a:r>
               <a:rPr lang="es-ES" dirty="0" smtClean="0"/>
-              <a:t>Entrada en XML formada por casos de uso y salida de </a:t>
-            </a:r>
-            <a:r>
-              <a:rPr lang="es-ES" dirty="0" err="1" smtClean="0"/>
-              <a:t>Aspect</a:t>
-            </a:r>
-            <a:r>
-              <a:rPr lang="es-ES" dirty="0" smtClean="0"/>
-              <a:t> Extractor </a:t>
-            </a:r>
-            <a:r>
-              <a:rPr lang="es-ES" dirty="0" err="1" smtClean="0"/>
-              <a:t>Tool</a:t>
-            </a:r>
-            <a:endParaRPr lang="es-ES" dirty="0" smtClean="0"/>
+              <a:t>Entrada en XML formada por casos de uso y salida de Aspect Extractor Tool</a:t>
+            </a:r>
           </a:p>
           <a:p>
             <a:r>
@@ -11752,33 +11661,15 @@
                                   </p:childTnLst>
                                 </p:cTn>
                               </p:par>
-                            </p:childTnLst>
-                          </p:cTn>
-                        </p:par>
-                      </p:childTnLst>
-                    </p:cTn>
-                  </p:par>
-                  <p:par>
-                    <p:cTn id="26" fill="hold">
-                      <p:stCondLst>
-                        <p:cond delay="indefinite"/>
-                      </p:stCondLst>
-                      <p:childTnLst>
-                        <p:par>
-                          <p:cTn id="27" fill="hold">
-                            <p:stCondLst>
-                              <p:cond delay="0"/>
-                            </p:stCondLst>
-                            <p:childTnLst>
                               <p:par>
-                                <p:cTn id="28" presetID="23" presetClass="entr" presetSubtype="16" fill="hold" nodeType="clickEffect">
+                                <p:cTn id="26" presetID="23" presetClass="entr" presetSubtype="16" fill="hold" nodeType="withEffect">
                                   <p:stCondLst>
                                     <p:cond delay="0"/>
                                   </p:stCondLst>
                                   <p:childTnLst>
                                     <p:set>
                                       <p:cBhvr>
-                                        <p:cTn id="29" dur="1" fill="hold">
+                                        <p:cTn id="27" dur="1" fill="hold">
                                           <p:stCondLst>
                                             <p:cond delay="0"/>
                                           </p:stCondLst>
@@ -11796,7 +11687,7 @@
                                     </p:set>
                                     <p:anim calcmode="lin" valueType="num">
                                       <p:cBhvr>
-                                        <p:cTn id="30" dur="500" fill="hold"/>
+                                        <p:cTn id="28" dur="500" fill="hold"/>
                                         <p:tgtEl>
                                           <p:spTgt spid="2050"/>
                                         </p:tgtEl>
@@ -11819,7 +11710,7 @@
                                     </p:anim>
                                     <p:anim calcmode="lin" valueType="num">
                                       <p:cBhvr>
-                                        <p:cTn id="31" dur="500" fill="hold"/>
+                                        <p:cTn id="29" dur="500" fill="hold"/>
                                         <p:tgtEl>
                                           <p:spTgt spid="2050"/>
                                         </p:tgtEl>
@@ -12725,18 +12616,18 @@
           <p:nvPr/>
         </p:nvGraphicFramePr>
         <p:xfrm>
-          <a:off x="598311" y="4278489"/>
-          <a:ext cx="2749553" cy="1858125"/>
+          <a:off x="598311" y="4571999"/>
+          <a:ext cx="2786573" cy="1604213"/>
         </p:xfrm>
         <a:graphic>
           <a:graphicData uri="http://schemas.openxmlformats.org/drawingml/2006/table">
             <a:tbl>
               <a:tblPr/>
               <a:tblGrid>
-                <a:gridCol w="1859962"/>
-                <a:gridCol w="889591"/>
+                <a:gridCol w="1885005"/>
+                <a:gridCol w="901568"/>
               </a:tblGrid>
-              <a:tr h="371625">
+              <a:tr h="374259">
                 <a:tc>
                   <a:txBody>
                     <a:bodyPr/>
@@ -12751,9 +12642,9 @@
                         </a:spcAft>
                       </a:pPr>
                       <a:r>
-                        <a:rPr lang="es-AR" sz="1100" b="1" dirty="0">
+                        <a:rPr kumimoji="0" lang="es-AR" sz="1800" b="0" kern="1200" dirty="0">
                           <a:solidFill>
-                            <a:srgbClr val="FFFFFF"/>
+                            <a:schemeClr val="bg1"/>
                           </a:solidFill>
                           <a:latin typeface="Calibri"/>
                           <a:ea typeface="Calibri"/>
@@ -12761,11 +12652,6 @@
                         </a:rPr>
                         <a:t>Caso de Estudio</a:t>
                       </a:r>
-                      <a:endParaRPr lang="es-AR" sz="1100" dirty="0">
-                        <a:latin typeface="Calibri"/>
-                        <a:ea typeface="Times New Roman"/>
-                        <a:cs typeface="Times New Roman"/>
-                      </a:endParaRPr>
                     </a:p>
                   </a:txBody>
                   <a:tcPr marL="68580" marR="68580" marT="0" marB="0">
@@ -12818,9 +12704,9 @@
                         </a:spcAft>
                       </a:pPr>
                       <a:r>
-                        <a:rPr lang="es-AR" sz="1100" b="1" dirty="0">
+                        <a:rPr kumimoji="0" lang="es-AR" sz="1800" b="0" kern="1200" dirty="0">
                           <a:solidFill>
-                            <a:srgbClr val="FFFFFF"/>
+                            <a:schemeClr val="bg1"/>
                           </a:solidFill>
                           <a:latin typeface="Calibri"/>
                           <a:ea typeface="Calibri"/>
@@ -12828,11 +12714,6 @@
                         </a:rPr>
                         <a:t>HWS</a:t>
                       </a:r>
-                      <a:endParaRPr lang="es-AR" sz="1100" dirty="0">
-                        <a:latin typeface="Calibri"/>
-                        <a:ea typeface="Times New Roman"/>
-                        <a:cs typeface="Times New Roman"/>
-                      </a:endParaRPr>
                     </a:p>
                   </a:txBody>
                   <a:tcPr marL="68580" marR="68580" marT="0" marB="0">
@@ -12872,7 +12753,7 @@
                   </a:tcPr>
                 </a:tc>
               </a:tr>
-              <a:tr h="371625">
+              <a:tr h="374259">
                 <a:tc>
                   <a:txBody>
                     <a:bodyPr/>
@@ -12887,18 +12768,16 @@
                         </a:spcAft>
                       </a:pPr>
                       <a:r>
-                        <a:rPr lang="es-AR" sz="1100" b="1" dirty="0">
+                        <a:rPr kumimoji="0" lang="es-AR" sz="1800" b="0" kern="1200" dirty="0">
+                          <a:solidFill>
+                            <a:schemeClr val="tx1"/>
+                          </a:solidFill>
                           <a:latin typeface="Calibri"/>
                           <a:ea typeface="Calibri"/>
                           <a:cs typeface="Times New Roman"/>
                         </a:rPr>
                         <a:t>QVP</a:t>
                       </a:r>
-                      <a:endParaRPr lang="es-AR" sz="1100" dirty="0">
-                        <a:latin typeface="Calibri"/>
-                        <a:ea typeface="Times New Roman"/>
-                        <a:cs typeface="Times New Roman"/>
-                      </a:endParaRPr>
                     </a:p>
                   </a:txBody>
                   <a:tcPr marL="68580" marR="68580" marT="0" marB="0">
@@ -12948,18 +12827,16 @@
                         </a:spcAft>
                       </a:pPr>
                       <a:r>
-                        <a:rPr lang="es-AR" sz="1100" dirty="0">
+                        <a:rPr kumimoji="0" lang="es-AR" sz="1800" b="0" kern="1200" dirty="0">
+                          <a:solidFill>
+                            <a:schemeClr val="tx1"/>
+                          </a:solidFill>
                           <a:latin typeface="Calibri"/>
                           <a:ea typeface="Calibri"/>
                           <a:cs typeface="Times New Roman"/>
                         </a:rPr>
                         <a:t>3</a:t>
                       </a:r>
-                      <a:endParaRPr lang="es-AR" sz="1100" dirty="0">
-                        <a:latin typeface="Calibri"/>
-                        <a:ea typeface="Times New Roman"/>
-                        <a:cs typeface="Times New Roman"/>
-                      </a:endParaRPr>
                     </a:p>
                   </a:txBody>
                   <a:tcPr marL="68580" marR="68580" marT="0" marB="0">
@@ -12996,7 +12873,7 @@
                   </a:tcPr>
                 </a:tc>
               </a:tr>
-              <a:tr h="371625">
+              <a:tr h="374259">
                 <a:tc>
                   <a:txBody>
                     <a:bodyPr/>
@@ -13011,18 +12888,16 @@
                         </a:spcAft>
                       </a:pPr>
                       <a:r>
-                        <a:rPr lang="es-AR" sz="1100" b="1" dirty="0">
+                        <a:rPr kumimoji="0" lang="es-AR" sz="1800" b="0" kern="1200" dirty="0">
+                          <a:solidFill>
+                            <a:schemeClr val="tx1"/>
+                          </a:solidFill>
                           <a:latin typeface="Calibri"/>
                           <a:ea typeface="Calibri"/>
                           <a:cs typeface="Times New Roman"/>
                         </a:rPr>
                         <a:t>QFP</a:t>
                       </a:r>
-                      <a:endParaRPr lang="es-AR" sz="1100" dirty="0">
-                        <a:latin typeface="Calibri"/>
-                        <a:ea typeface="Times New Roman"/>
-                        <a:cs typeface="Times New Roman"/>
-                      </a:endParaRPr>
                     </a:p>
                   </a:txBody>
                   <a:tcPr marL="68580" marR="68580" marT="0" marB="0">
@@ -13072,18 +12947,16 @@
                         </a:spcAft>
                       </a:pPr>
                       <a:r>
-                        <a:rPr lang="es-AR" sz="1100" dirty="0">
+                        <a:rPr kumimoji="0" lang="es-AR" sz="1800" b="0" kern="1200" dirty="0">
+                          <a:solidFill>
+                            <a:schemeClr val="tx1"/>
+                          </a:solidFill>
                           <a:latin typeface="Calibri"/>
                           <a:ea typeface="Calibri"/>
                           <a:cs typeface="Times New Roman"/>
                         </a:rPr>
                         <a:t>3</a:t>
                       </a:r>
-                      <a:endParaRPr lang="es-AR" sz="1100" dirty="0">
-                        <a:latin typeface="Calibri"/>
-                        <a:ea typeface="Times New Roman"/>
-                        <a:cs typeface="Times New Roman"/>
-                      </a:endParaRPr>
                     </a:p>
                   </a:txBody>
                   <a:tcPr marL="68580" marR="68580" marT="0" marB="0">
@@ -13120,7 +12993,7 @@
                   </a:tcPr>
                 </a:tc>
               </a:tr>
-              <a:tr h="371625">
+              <a:tr h="481436">
                 <a:tc>
                   <a:txBody>
                     <a:bodyPr/>
@@ -13135,18 +13008,16 @@
                         </a:spcAft>
                       </a:pPr>
                       <a:r>
-                        <a:rPr lang="es-AR" sz="1100" b="1" dirty="0">
+                        <a:rPr kumimoji="0" lang="es-AR" sz="1800" b="0" kern="1200" dirty="0">
+                          <a:solidFill>
+                            <a:schemeClr val="tx1"/>
+                          </a:solidFill>
                           <a:latin typeface="Calibri"/>
                           <a:ea typeface="Calibri"/>
                           <a:cs typeface="Times New Roman"/>
                         </a:rPr>
                         <a:t>QFN</a:t>
                       </a:r>
-                      <a:endParaRPr lang="es-AR" sz="1100" dirty="0">
-                        <a:latin typeface="Calibri"/>
-                        <a:ea typeface="Times New Roman"/>
-                        <a:cs typeface="Times New Roman"/>
-                      </a:endParaRPr>
                     </a:p>
                   </a:txBody>
                   <a:tcPr marL="68580" marR="68580" marT="0" marB="0">
@@ -13196,142 +13067,16 @@
                         </a:spcAft>
                       </a:pPr>
                       <a:r>
-                        <a:rPr lang="es-AR" sz="1100" dirty="0">
+                        <a:rPr kumimoji="0" lang="es-AR" sz="1800" b="0" kern="1200" dirty="0">
+                          <a:solidFill>
+                            <a:schemeClr val="tx1"/>
+                          </a:solidFill>
                           <a:latin typeface="Calibri"/>
                           <a:ea typeface="Calibri"/>
                           <a:cs typeface="Times New Roman"/>
                         </a:rPr>
                         <a:t>3</a:t>
                       </a:r>
-                      <a:endParaRPr lang="es-AR" sz="1100" dirty="0">
-                        <a:latin typeface="Calibri"/>
-                        <a:ea typeface="Times New Roman"/>
-                        <a:cs typeface="Times New Roman"/>
-                      </a:endParaRPr>
-                    </a:p>
-                  </a:txBody>
-                  <a:tcPr marL="68580" marR="68580" marT="0" marB="0">
-                    <a:lnL>
-                      <a:noFill/>
-                    </a:lnL>
-                    <a:lnR w="12700" cap="flat" cmpd="sng" algn="ctr">
-                      <a:solidFill>
-                        <a:srgbClr val="4F81BD"/>
-                      </a:solidFill>
-                      <a:prstDash val="solid"/>
-                      <a:round/>
-                      <a:headEnd type="none" w="med" len="med"/>
-                      <a:tailEnd type="none" w="med" len="med"/>
-                    </a:lnR>
-                    <a:lnT w="12700" cap="flat" cmpd="sng" algn="ctr">
-                      <a:solidFill>
-                        <a:srgbClr val="4F81BD"/>
-                      </a:solidFill>
-                      <a:prstDash val="solid"/>
-                      <a:round/>
-                      <a:headEnd type="none" w="med" len="med"/>
-                      <a:tailEnd type="none" w="med" len="med"/>
-                    </a:lnT>
-                    <a:lnB w="12700" cap="flat" cmpd="sng" algn="ctr">
-                      <a:solidFill>
-                        <a:srgbClr val="4F81BD"/>
-                      </a:solidFill>
-                      <a:prstDash val="solid"/>
-                      <a:round/>
-                      <a:headEnd type="none" w="med" len="med"/>
-                      <a:tailEnd type="none" w="med" len="med"/>
-                    </a:lnB>
-                  </a:tcPr>
-                </a:tc>
-              </a:tr>
-              <a:tr h="371625">
-                <a:tc>
-                  <a:txBody>
-                    <a:bodyPr/>
-                    <a:lstStyle/>
-                    <a:p>
-                      <a:pPr algn="ctr">
-                        <a:lnSpc>
-                          <a:spcPct val="115000"/>
-                        </a:lnSpc>
-                        <a:spcAft>
-                          <a:spcPts val="0"/>
-                        </a:spcAft>
-                      </a:pPr>
-                      <a:r>
-                        <a:rPr lang="es-AR" sz="1100" b="1" dirty="0">
-                          <a:latin typeface="Calibri"/>
-                          <a:ea typeface="Calibri"/>
-                          <a:cs typeface="Times New Roman"/>
-                        </a:rPr>
-                        <a:t>QV</a:t>
-                      </a:r>
-                      <a:endParaRPr lang="es-AR" sz="1100" dirty="0">
-                        <a:latin typeface="Calibri"/>
-                        <a:ea typeface="Times New Roman"/>
-                        <a:cs typeface="Times New Roman"/>
-                      </a:endParaRPr>
-                    </a:p>
-                  </a:txBody>
-                  <a:tcPr marL="68580" marR="68580" marT="0" marB="0">
-                    <a:lnL w="12700" cap="flat" cmpd="sng" algn="ctr">
-                      <a:solidFill>
-                        <a:srgbClr val="4F81BD"/>
-                      </a:solidFill>
-                      <a:prstDash val="solid"/>
-                      <a:round/>
-                      <a:headEnd type="none" w="med" len="med"/>
-                      <a:tailEnd type="none" w="med" len="med"/>
-                    </a:lnL>
-                    <a:lnR>
-                      <a:noFill/>
-                    </a:lnR>
-                    <a:lnT w="12700" cap="flat" cmpd="sng" algn="ctr">
-                      <a:solidFill>
-                        <a:srgbClr val="4F81BD"/>
-                      </a:solidFill>
-                      <a:prstDash val="solid"/>
-                      <a:round/>
-                      <a:headEnd type="none" w="med" len="med"/>
-                      <a:tailEnd type="none" w="med" len="med"/>
-                    </a:lnT>
-                    <a:lnB w="12700" cap="flat" cmpd="sng" algn="ctr">
-                      <a:solidFill>
-                        <a:srgbClr val="4F81BD"/>
-                      </a:solidFill>
-                      <a:prstDash val="solid"/>
-                      <a:round/>
-                      <a:headEnd type="none" w="med" len="med"/>
-                      <a:tailEnd type="none" w="med" len="med"/>
-                    </a:lnB>
-                  </a:tcPr>
-                </a:tc>
-                <a:tc>
-                  <a:txBody>
-                    <a:bodyPr/>
-                    <a:lstStyle/>
-                    <a:p>
-                      <a:pPr algn="ctr">
-                        <a:lnSpc>
-                          <a:spcPct val="115000"/>
-                        </a:lnSpc>
-                        <a:spcAft>
-                          <a:spcPts val="0"/>
-                        </a:spcAft>
-                      </a:pPr>
-                      <a:r>
-                        <a:rPr lang="es-AR" sz="1100" dirty="0">
-                          <a:latin typeface="Calibri"/>
-                          <a:ea typeface="Calibri"/>
-                          <a:cs typeface="Times New Roman"/>
-                        </a:rPr>
-                        <a:t>6</a:t>
-                      </a:r>
-                      <a:endParaRPr lang="es-AR" sz="1100" dirty="0">
-                        <a:latin typeface="Calibri"/>
-                        <a:ea typeface="Times New Roman"/>
-                        <a:cs typeface="Times New Roman"/>
-                      </a:endParaRPr>
                     </a:p>
                   </a:txBody>
                   <a:tcPr marL="68580" marR="68580" marT="0" marB="0">
@@ -13379,7 +13124,7 @@
           <p:nvPr/>
         </p:nvPicPr>
         <p:blipFill>
-          <a:blip r:embed="rId2" cstate="print"/>
+          <a:blip r:embed="rId3" cstate="print"/>
           <a:srcRect/>
           <a:stretch>
             <a:fillRect/>
@@ -13387,8 +13132,8 @@
         </p:blipFill>
         <p:spPr bwMode="auto">
           <a:xfrm>
-            <a:off x="467544" y="1412776"/>
-            <a:ext cx="7992888" cy="2592288"/>
+            <a:off x="451501" y="1268396"/>
+            <a:ext cx="7992888" cy="2966719"/>
           </a:xfrm>
           <a:prstGeom prst="rect">
             <a:avLst/>
@@ -13411,7 +13156,7 @@
           <p:nvPr/>
         </p:nvPicPr>
         <p:blipFill>
-          <a:blip r:embed="rId3" cstate="print">
+          <a:blip r:embed="rId4" cstate="print">
             <a:clrChange>
               <a:clrFrom>
                 <a:srgbClr val="FFFFFF"/>
@@ -13448,7 +13193,7 @@
           <p:nvPr/>
         </p:nvPicPr>
         <p:blipFill>
-          <a:blip r:embed="rId4" cstate="print">
+          <a:blip r:embed="rId5" cstate="print">
             <a:clrChange>
               <a:clrFrom>
                 <a:srgbClr val="FFFFFF"/>
@@ -13467,7 +13212,7 @@
         </p:blipFill>
         <p:spPr bwMode="auto">
           <a:xfrm>
-            <a:off x="4139952" y="5445223"/>
+            <a:off x="4348500" y="5445223"/>
             <a:ext cx="3590318" cy="583043"/>
           </a:xfrm>
           <a:prstGeom prst="rect">
@@ -13549,6 +13294,839 @@
           <a:lstStyle/>
           <a:p>
             <a:endParaRPr lang="es-AR" dirty="0"/>
+          </a:p>
+        </p:txBody>
+      </p:sp>
+      <p:sp>
+        <p:nvSpPr>
+          <p:cNvPr id="10" name="9 Rectángulo redondeado"/>
+          <p:cNvSpPr/>
+          <p:nvPr/>
+        </p:nvSpPr>
+        <p:spPr>
+          <a:xfrm>
+            <a:off x="456879" y="1252568"/>
+            <a:ext cx="1810833" cy="2953672"/>
+          </a:xfrm>
+          <a:prstGeom prst="roundRect">
+            <a:avLst/>
+          </a:prstGeom>
+          <a:solidFill>
+            <a:srgbClr val="00CCFF">
+              <a:alpha val="12157"/>
+            </a:srgbClr>
+          </a:solidFill>
+        </p:spPr>
+        <p:style>
+          <a:lnRef idx="1">
+            <a:schemeClr val="accent3"/>
+          </a:lnRef>
+          <a:fillRef idx="3">
+            <a:schemeClr val="accent3"/>
+          </a:fillRef>
+          <a:effectRef idx="2">
+            <a:schemeClr val="accent3"/>
+          </a:effectRef>
+          <a:fontRef idx="minor">
+            <a:schemeClr val="lt1"/>
+          </a:fontRef>
+        </p:style>
+        <p:txBody>
+          <a:bodyPr rtlCol="0" anchor="ctr"/>
+          <a:lstStyle/>
+          <a:p>
+            <a:pPr algn="ctr"/>
+            <a:endParaRPr lang="es-ES_tradnl" dirty="0"/>
+          </a:p>
+        </p:txBody>
+      </p:sp>
+      <p:sp>
+        <p:nvSpPr>
+          <p:cNvPr id="11" name="10 Rectángulo redondeado"/>
+          <p:cNvSpPr/>
+          <p:nvPr/>
+        </p:nvSpPr>
+        <p:spPr>
+          <a:xfrm>
+            <a:off x="2267391" y="1246472"/>
+            <a:ext cx="2219265" cy="2978056"/>
+          </a:xfrm>
+          <a:prstGeom prst="roundRect">
+            <a:avLst/>
+          </a:prstGeom>
+          <a:solidFill>
+            <a:srgbClr val="00CCFF">
+              <a:alpha val="12157"/>
+            </a:srgbClr>
+          </a:solidFill>
+        </p:spPr>
+        <p:style>
+          <a:lnRef idx="1">
+            <a:schemeClr val="accent3"/>
+          </a:lnRef>
+          <a:fillRef idx="3">
+            <a:schemeClr val="accent3"/>
+          </a:fillRef>
+          <a:effectRef idx="2">
+            <a:schemeClr val="accent3"/>
+          </a:effectRef>
+          <a:fontRef idx="minor">
+            <a:schemeClr val="lt1"/>
+          </a:fontRef>
+        </p:style>
+        <p:txBody>
+          <a:bodyPr rtlCol="0" anchor="ctr"/>
+          <a:lstStyle/>
+          <a:p>
+            <a:pPr algn="ctr"/>
+            <a:endParaRPr lang="es-ES_tradnl" dirty="0"/>
+          </a:p>
+        </p:txBody>
+      </p:sp>
+      <p:sp>
+        <p:nvSpPr>
+          <p:cNvPr id="12" name="11 Rectángulo redondeado"/>
+          <p:cNvSpPr/>
+          <p:nvPr/>
+        </p:nvSpPr>
+        <p:spPr>
+          <a:xfrm>
+            <a:off x="4455855" y="3203288"/>
+            <a:ext cx="2639889" cy="990760"/>
+          </a:xfrm>
+          <a:prstGeom prst="roundRect">
+            <a:avLst/>
+          </a:prstGeom>
+          <a:solidFill>
+            <a:srgbClr val="00CCFF">
+              <a:alpha val="12157"/>
+            </a:srgbClr>
+          </a:solidFill>
+        </p:spPr>
+        <p:style>
+          <a:lnRef idx="1">
+            <a:schemeClr val="accent3"/>
+          </a:lnRef>
+          <a:fillRef idx="3">
+            <a:schemeClr val="accent3"/>
+          </a:fillRef>
+          <a:effectRef idx="2">
+            <a:schemeClr val="accent3"/>
+          </a:effectRef>
+          <a:fontRef idx="minor">
+            <a:schemeClr val="lt1"/>
+          </a:fontRef>
+        </p:style>
+        <p:txBody>
+          <a:bodyPr rtlCol="0" anchor="ctr"/>
+          <a:lstStyle/>
+          <a:p>
+            <a:pPr algn="ctr"/>
+            <a:endParaRPr lang="es-ES_tradnl" dirty="0"/>
+          </a:p>
+        </p:txBody>
+      </p:sp>
+      <p:sp>
+        <p:nvSpPr>
+          <p:cNvPr id="13" name="12 Rectángulo redondeado"/>
+          <p:cNvSpPr/>
+          <p:nvPr/>
+        </p:nvSpPr>
+        <p:spPr>
+          <a:xfrm>
+            <a:off x="450783" y="2279904"/>
+            <a:ext cx="1048833" cy="414528"/>
+          </a:xfrm>
+          <a:prstGeom prst="roundRect">
+            <a:avLst/>
+          </a:prstGeom>
+          <a:solidFill>
+            <a:srgbClr val="00CCFF">
+              <a:alpha val="12157"/>
+            </a:srgbClr>
+          </a:solidFill>
+        </p:spPr>
+        <p:style>
+          <a:lnRef idx="1">
+            <a:schemeClr val="accent3"/>
+          </a:lnRef>
+          <a:fillRef idx="3">
+            <a:schemeClr val="accent3"/>
+          </a:fillRef>
+          <a:effectRef idx="2">
+            <a:schemeClr val="accent3"/>
+          </a:effectRef>
+          <a:fontRef idx="minor">
+            <a:schemeClr val="lt1"/>
+          </a:fontRef>
+        </p:style>
+        <p:txBody>
+          <a:bodyPr rtlCol="0" anchor="ctr"/>
+          <a:lstStyle/>
+          <a:p>
+            <a:pPr algn="ctr"/>
+            <a:endParaRPr lang="es-ES_tradnl" dirty="0"/>
+          </a:p>
+        </p:txBody>
+      </p:sp>
+      <p:sp>
+        <p:nvSpPr>
+          <p:cNvPr id="14" name="13 Rectángulo redondeado"/>
+          <p:cNvSpPr/>
+          <p:nvPr/>
+        </p:nvSpPr>
+        <p:spPr>
+          <a:xfrm>
+            <a:off x="2261295" y="2045048"/>
+            <a:ext cx="1262193" cy="844456"/>
+          </a:xfrm>
+          <a:prstGeom prst="roundRect">
+            <a:avLst/>
+          </a:prstGeom>
+          <a:solidFill>
+            <a:srgbClr val="00CCFF">
+              <a:alpha val="12157"/>
+            </a:srgbClr>
+          </a:solidFill>
+        </p:spPr>
+        <p:style>
+          <a:lnRef idx="1">
+            <a:schemeClr val="accent3"/>
+          </a:lnRef>
+          <a:fillRef idx="3">
+            <a:schemeClr val="accent3"/>
+          </a:fillRef>
+          <a:effectRef idx="2">
+            <a:schemeClr val="accent3"/>
+          </a:effectRef>
+          <a:fontRef idx="minor">
+            <a:schemeClr val="lt1"/>
+          </a:fontRef>
+        </p:style>
+        <p:txBody>
+          <a:bodyPr rtlCol="0" anchor="ctr"/>
+          <a:lstStyle/>
+          <a:p>
+            <a:pPr algn="ctr"/>
+            <a:endParaRPr lang="es-ES_tradnl" dirty="0"/>
+          </a:p>
+        </p:txBody>
+      </p:sp>
+      <p:sp>
+        <p:nvSpPr>
+          <p:cNvPr id="15" name="14 Rectángulo redondeado"/>
+          <p:cNvSpPr/>
+          <p:nvPr/>
+        </p:nvSpPr>
+        <p:spPr>
+          <a:xfrm>
+            <a:off x="4583871" y="1280160"/>
+            <a:ext cx="2475297" cy="1853184"/>
+          </a:xfrm>
+          <a:prstGeom prst="roundRect">
+            <a:avLst/>
+          </a:prstGeom>
+          <a:solidFill>
+            <a:srgbClr val="00CCFF">
+              <a:alpha val="12157"/>
+            </a:srgbClr>
+          </a:solidFill>
+        </p:spPr>
+        <p:style>
+          <a:lnRef idx="1">
+            <a:schemeClr val="accent3"/>
+          </a:lnRef>
+          <a:fillRef idx="3">
+            <a:schemeClr val="accent3"/>
+          </a:fillRef>
+          <a:effectRef idx="2">
+            <a:schemeClr val="accent3"/>
+          </a:effectRef>
+          <a:fontRef idx="minor">
+            <a:schemeClr val="lt1"/>
+          </a:fontRef>
+        </p:style>
+        <p:txBody>
+          <a:bodyPr rtlCol="0" anchor="ctr"/>
+          <a:lstStyle/>
+          <a:p>
+            <a:pPr algn="ctr"/>
+            <a:endParaRPr lang="es-ES_tradnl" dirty="0"/>
+          </a:p>
+        </p:txBody>
+      </p:sp>
+      <p:sp>
+        <p:nvSpPr>
+          <p:cNvPr id="16" name="15 Rectángulo redondeado"/>
+          <p:cNvSpPr/>
+          <p:nvPr/>
+        </p:nvSpPr>
+        <p:spPr>
+          <a:xfrm>
+            <a:off x="7089327" y="1304544"/>
+            <a:ext cx="1371921" cy="2182368"/>
+          </a:xfrm>
+          <a:prstGeom prst="roundRect">
+            <a:avLst/>
+          </a:prstGeom>
+          <a:solidFill>
+            <a:srgbClr val="00CCFF">
+              <a:alpha val="12157"/>
+            </a:srgbClr>
+          </a:solidFill>
+        </p:spPr>
+        <p:style>
+          <a:lnRef idx="1">
+            <a:schemeClr val="accent3"/>
+          </a:lnRef>
+          <a:fillRef idx="3">
+            <a:schemeClr val="accent3"/>
+          </a:fillRef>
+          <a:effectRef idx="2">
+            <a:schemeClr val="accent3"/>
+          </a:effectRef>
+          <a:fontRef idx="minor">
+            <a:schemeClr val="lt1"/>
+          </a:fontRef>
+        </p:style>
+        <p:txBody>
+          <a:bodyPr rtlCol="0" anchor="ctr"/>
+          <a:lstStyle/>
+          <a:p>
+            <a:pPr algn="ctr"/>
+            <a:endParaRPr lang="es-ES_tradnl" dirty="0"/>
+          </a:p>
+        </p:txBody>
+      </p:sp>
+      <p:sp>
+        <p:nvSpPr>
+          <p:cNvPr id="17" name="16 Rectángulo redondeado"/>
+          <p:cNvSpPr/>
+          <p:nvPr/>
+        </p:nvSpPr>
+        <p:spPr>
+          <a:xfrm>
+            <a:off x="5102031" y="1877568"/>
+            <a:ext cx="1323153" cy="304800"/>
+          </a:xfrm>
+          <a:prstGeom prst="roundRect">
+            <a:avLst/>
+          </a:prstGeom>
+          <a:solidFill>
+            <a:schemeClr val="accent3">
+              <a:lumMod val="20000"/>
+              <a:lumOff val="80000"/>
+              <a:alpha val="12157"/>
+            </a:schemeClr>
+          </a:solidFill>
+        </p:spPr>
+        <p:style>
+          <a:lnRef idx="1">
+            <a:schemeClr val="accent3"/>
+          </a:lnRef>
+          <a:fillRef idx="3">
+            <a:schemeClr val="accent3"/>
+          </a:fillRef>
+          <a:effectRef idx="2">
+            <a:schemeClr val="accent3"/>
+          </a:effectRef>
+          <a:fontRef idx="minor">
+            <a:schemeClr val="lt1"/>
+          </a:fontRef>
+        </p:style>
+        <p:txBody>
+          <a:bodyPr rtlCol="0" anchor="ctr"/>
+          <a:lstStyle/>
+          <a:p>
+            <a:pPr algn="ctr"/>
+            <a:endParaRPr lang="es-ES_tradnl" dirty="0">
+              <a:solidFill>
+                <a:schemeClr val="accent3">
+                  <a:lumMod val="20000"/>
+                  <a:lumOff val="80000"/>
+                </a:schemeClr>
+              </a:solidFill>
+            </a:endParaRPr>
+          </a:p>
+        </p:txBody>
+      </p:sp>
+      <p:sp>
+        <p:nvSpPr>
+          <p:cNvPr id="18" name="17 Rectángulo redondeado"/>
+          <p:cNvSpPr/>
+          <p:nvPr/>
+        </p:nvSpPr>
+        <p:spPr>
+          <a:xfrm>
+            <a:off x="5108127" y="2474976"/>
+            <a:ext cx="1365825" cy="548640"/>
+          </a:xfrm>
+          <a:prstGeom prst="roundRect">
+            <a:avLst/>
+          </a:prstGeom>
+          <a:solidFill>
+            <a:schemeClr val="accent3">
+              <a:lumMod val="20000"/>
+              <a:lumOff val="80000"/>
+              <a:alpha val="12157"/>
+            </a:schemeClr>
+          </a:solidFill>
+          <a:ln>
+            <a:solidFill>
+              <a:srgbClr val="FFFF00"/>
+            </a:solidFill>
+          </a:ln>
+        </p:spPr>
+        <p:style>
+          <a:lnRef idx="1">
+            <a:schemeClr val="accent3"/>
+          </a:lnRef>
+          <a:fillRef idx="3">
+            <a:schemeClr val="accent3"/>
+          </a:fillRef>
+          <a:effectRef idx="2">
+            <a:schemeClr val="accent3"/>
+          </a:effectRef>
+          <a:fontRef idx="minor">
+            <a:schemeClr val="lt1"/>
+          </a:fontRef>
+        </p:style>
+        <p:txBody>
+          <a:bodyPr rtlCol="0" anchor="ctr"/>
+          <a:lstStyle/>
+          <a:p>
+            <a:pPr algn="ctr"/>
+            <a:endParaRPr lang="es-ES_tradnl" dirty="0">
+              <a:ln>
+                <a:solidFill>
+                  <a:srgbClr val="FFFF00"/>
+                </a:solidFill>
+              </a:ln>
+            </a:endParaRPr>
+          </a:p>
+        </p:txBody>
+      </p:sp>
+      <p:sp>
+        <p:nvSpPr>
+          <p:cNvPr id="19" name="18 Rectángulo redondeado"/>
+          <p:cNvSpPr/>
+          <p:nvPr/>
+        </p:nvSpPr>
+        <p:spPr>
+          <a:xfrm>
+            <a:off x="914079" y="4974336"/>
+            <a:ext cx="2316801" cy="268224"/>
+          </a:xfrm>
+          <a:prstGeom prst="roundRect">
+            <a:avLst/>
+          </a:prstGeom>
+          <a:solidFill>
+            <a:schemeClr val="accent3">
+              <a:lumMod val="20000"/>
+              <a:lumOff val="80000"/>
+              <a:alpha val="12157"/>
+            </a:schemeClr>
+          </a:solidFill>
+          <a:ln>
+            <a:solidFill>
+              <a:srgbClr val="FFFF00"/>
+            </a:solidFill>
+          </a:ln>
+        </p:spPr>
+        <p:style>
+          <a:lnRef idx="1">
+            <a:schemeClr val="accent3"/>
+          </a:lnRef>
+          <a:fillRef idx="3">
+            <a:schemeClr val="accent3"/>
+          </a:fillRef>
+          <a:effectRef idx="2">
+            <a:schemeClr val="accent3"/>
+          </a:effectRef>
+          <a:fontRef idx="minor">
+            <a:schemeClr val="lt1"/>
+          </a:fontRef>
+        </p:style>
+        <p:txBody>
+          <a:bodyPr rtlCol="0" anchor="ctr"/>
+          <a:lstStyle/>
+          <a:p>
+            <a:pPr algn="ctr"/>
+            <a:endParaRPr lang="es-ES_tradnl" dirty="0">
+              <a:ln>
+                <a:solidFill>
+                  <a:srgbClr val="FFFF00"/>
+                </a:solidFill>
+              </a:ln>
+              <a:solidFill>
+                <a:schemeClr val="accent3">
+                  <a:lumMod val="20000"/>
+                  <a:lumOff val="80000"/>
+                </a:schemeClr>
+              </a:solidFill>
+            </a:endParaRPr>
+          </a:p>
+        </p:txBody>
+      </p:sp>
+      <p:sp>
+        <p:nvSpPr>
+          <p:cNvPr id="20" name="19 Rectángulo redondeado"/>
+          <p:cNvSpPr/>
+          <p:nvPr/>
+        </p:nvSpPr>
+        <p:spPr>
+          <a:xfrm>
+            <a:off x="932367" y="5352288"/>
+            <a:ext cx="2316801" cy="262128"/>
+          </a:xfrm>
+          <a:prstGeom prst="roundRect">
+            <a:avLst/>
+          </a:prstGeom>
+          <a:solidFill>
+            <a:schemeClr val="accent3">
+              <a:lumMod val="20000"/>
+              <a:lumOff val="80000"/>
+              <a:alpha val="12157"/>
+            </a:schemeClr>
+          </a:solidFill>
+          <a:ln>
+            <a:solidFill>
+              <a:srgbClr val="FFFF00"/>
+            </a:solidFill>
+          </a:ln>
+        </p:spPr>
+        <p:style>
+          <a:lnRef idx="1">
+            <a:schemeClr val="accent3"/>
+          </a:lnRef>
+          <a:fillRef idx="3">
+            <a:schemeClr val="accent3"/>
+          </a:fillRef>
+          <a:effectRef idx="2">
+            <a:schemeClr val="accent3"/>
+          </a:effectRef>
+          <a:fontRef idx="minor">
+            <a:schemeClr val="lt1"/>
+          </a:fontRef>
+        </p:style>
+        <p:txBody>
+          <a:bodyPr rtlCol="0" anchor="ctr"/>
+          <a:lstStyle/>
+          <a:p>
+            <a:pPr algn="ctr"/>
+            <a:endParaRPr lang="es-ES_tradnl" dirty="0">
+              <a:ln>
+                <a:solidFill>
+                  <a:srgbClr val="FFFF00"/>
+                </a:solidFill>
+              </a:ln>
+              <a:solidFill>
+                <a:schemeClr val="accent3">
+                  <a:lumMod val="20000"/>
+                  <a:lumOff val="80000"/>
+                </a:schemeClr>
+              </a:solidFill>
+            </a:endParaRPr>
+          </a:p>
+        </p:txBody>
+      </p:sp>
+      <p:sp>
+        <p:nvSpPr>
+          <p:cNvPr id="22" name="21 Rectángulo redondeado"/>
+          <p:cNvSpPr/>
+          <p:nvPr/>
+        </p:nvSpPr>
+        <p:spPr>
+          <a:xfrm>
+            <a:off x="5144703" y="2151888"/>
+            <a:ext cx="1323153" cy="304800"/>
+          </a:xfrm>
+          <a:prstGeom prst="roundRect">
+            <a:avLst/>
+          </a:prstGeom>
+          <a:solidFill>
+            <a:schemeClr val="accent3">
+              <a:lumMod val="20000"/>
+              <a:lumOff val="80000"/>
+              <a:alpha val="12157"/>
+            </a:schemeClr>
+          </a:solidFill>
+        </p:spPr>
+        <p:style>
+          <a:lnRef idx="1">
+            <a:schemeClr val="accent3"/>
+          </a:lnRef>
+          <a:fillRef idx="3">
+            <a:schemeClr val="accent3"/>
+          </a:fillRef>
+          <a:effectRef idx="2">
+            <a:schemeClr val="accent3"/>
+          </a:effectRef>
+          <a:fontRef idx="minor">
+            <a:schemeClr val="lt1"/>
+          </a:fontRef>
+        </p:style>
+        <p:txBody>
+          <a:bodyPr rtlCol="0" anchor="ctr"/>
+          <a:lstStyle/>
+          <a:p>
+            <a:pPr algn="ctr"/>
+            <a:endParaRPr lang="es-ES_tradnl" dirty="0">
+              <a:solidFill>
+                <a:schemeClr val="accent3">
+                  <a:lumMod val="20000"/>
+                  <a:lumOff val="80000"/>
+                </a:schemeClr>
+              </a:solidFill>
+            </a:endParaRPr>
+          </a:p>
+        </p:txBody>
+      </p:sp>
+      <p:sp>
+        <p:nvSpPr>
+          <p:cNvPr id="23" name="22 Rectángulo redondeado"/>
+          <p:cNvSpPr/>
+          <p:nvPr/>
+        </p:nvSpPr>
+        <p:spPr>
+          <a:xfrm>
+            <a:off x="5175183" y="3681984"/>
+            <a:ext cx="1323153" cy="487680"/>
+          </a:xfrm>
+          <a:prstGeom prst="roundRect">
+            <a:avLst/>
+          </a:prstGeom>
+          <a:solidFill>
+            <a:schemeClr val="accent3">
+              <a:lumMod val="20000"/>
+              <a:lumOff val="80000"/>
+              <a:alpha val="12157"/>
+            </a:schemeClr>
+          </a:solidFill>
+          <a:ln>
+            <a:solidFill>
+              <a:srgbClr val="FFFF00"/>
+            </a:solidFill>
+          </a:ln>
+        </p:spPr>
+        <p:style>
+          <a:lnRef idx="1">
+            <a:schemeClr val="accent3"/>
+          </a:lnRef>
+          <a:fillRef idx="3">
+            <a:schemeClr val="accent3"/>
+          </a:fillRef>
+          <a:effectRef idx="2">
+            <a:schemeClr val="accent3"/>
+          </a:effectRef>
+          <a:fontRef idx="minor">
+            <a:schemeClr val="lt1"/>
+          </a:fontRef>
+        </p:style>
+        <p:txBody>
+          <a:bodyPr rtlCol="0" anchor="ctr"/>
+          <a:lstStyle/>
+          <a:p>
+            <a:pPr algn="ctr"/>
+            <a:endParaRPr lang="es-ES_tradnl" dirty="0">
+              <a:ln>
+                <a:solidFill>
+                  <a:srgbClr val="FFFF00"/>
+                </a:solidFill>
+              </a:ln>
+              <a:solidFill>
+                <a:schemeClr val="accent3">
+                  <a:lumMod val="20000"/>
+                  <a:lumOff val="80000"/>
+                </a:schemeClr>
+              </a:solidFill>
+            </a:endParaRPr>
+          </a:p>
+        </p:txBody>
+      </p:sp>
+      <p:sp>
+        <p:nvSpPr>
+          <p:cNvPr id="24" name="23 Rectángulo redondeado"/>
+          <p:cNvSpPr/>
+          <p:nvPr/>
+        </p:nvSpPr>
+        <p:spPr>
+          <a:xfrm>
+            <a:off x="914079" y="5718048"/>
+            <a:ext cx="2316801" cy="292608"/>
+          </a:xfrm>
+          <a:prstGeom prst="roundRect">
+            <a:avLst/>
+          </a:prstGeom>
+          <a:solidFill>
+            <a:schemeClr val="accent3">
+              <a:lumMod val="20000"/>
+              <a:lumOff val="80000"/>
+              <a:alpha val="12157"/>
+            </a:schemeClr>
+          </a:solidFill>
+          <a:ln>
+            <a:solidFill>
+              <a:srgbClr val="FFFF00"/>
+            </a:solidFill>
+          </a:ln>
+        </p:spPr>
+        <p:style>
+          <a:lnRef idx="1">
+            <a:schemeClr val="accent3"/>
+          </a:lnRef>
+          <a:fillRef idx="3">
+            <a:schemeClr val="accent3"/>
+          </a:fillRef>
+          <a:effectRef idx="2">
+            <a:schemeClr val="accent3"/>
+          </a:effectRef>
+          <a:fontRef idx="minor">
+            <a:schemeClr val="lt1"/>
+          </a:fontRef>
+        </p:style>
+        <p:txBody>
+          <a:bodyPr rtlCol="0" anchor="ctr"/>
+          <a:lstStyle/>
+          <a:p>
+            <a:pPr algn="ctr"/>
+            <a:endParaRPr lang="es-ES_tradnl" dirty="0">
+              <a:ln>
+                <a:solidFill>
+                  <a:srgbClr val="FFFF00"/>
+                </a:solidFill>
+              </a:ln>
+              <a:solidFill>
+                <a:schemeClr val="accent3">
+                  <a:lumMod val="20000"/>
+                  <a:lumOff val="80000"/>
+                </a:schemeClr>
+              </a:solidFill>
+            </a:endParaRPr>
+          </a:p>
+        </p:txBody>
+      </p:sp>
+      <p:sp>
+        <p:nvSpPr>
+          <p:cNvPr id="25" name="24 Rectángulo redondeado"/>
+          <p:cNvSpPr/>
+          <p:nvPr/>
+        </p:nvSpPr>
+        <p:spPr>
+          <a:xfrm>
+            <a:off x="7260015" y="2292096"/>
+            <a:ext cx="1091505" cy="499872"/>
+          </a:xfrm>
+          <a:prstGeom prst="roundRect">
+            <a:avLst/>
+          </a:prstGeom>
+          <a:solidFill>
+            <a:schemeClr val="accent3">
+              <a:lumMod val="20000"/>
+              <a:lumOff val="80000"/>
+              <a:alpha val="12157"/>
+            </a:schemeClr>
+          </a:solidFill>
+          <a:ln>
+            <a:solidFill>
+              <a:srgbClr val="FFFF00"/>
+            </a:solidFill>
+          </a:ln>
+        </p:spPr>
+        <p:style>
+          <a:lnRef idx="1">
+            <a:schemeClr val="accent3"/>
+          </a:lnRef>
+          <a:fillRef idx="3">
+            <a:schemeClr val="accent3"/>
+          </a:fillRef>
+          <a:effectRef idx="2">
+            <a:schemeClr val="accent3"/>
+          </a:effectRef>
+          <a:fontRef idx="minor">
+            <a:schemeClr val="lt1"/>
+          </a:fontRef>
+        </p:style>
+        <p:txBody>
+          <a:bodyPr rtlCol="0" anchor="ctr"/>
+          <a:lstStyle/>
+          <a:p>
+            <a:pPr algn="ctr"/>
+            <a:endParaRPr lang="es-ES_tradnl" dirty="0">
+              <a:ln>
+                <a:solidFill>
+                  <a:srgbClr val="FFFF00"/>
+                </a:solidFill>
+              </a:ln>
+              <a:solidFill>
+                <a:schemeClr val="accent3">
+                  <a:lumMod val="20000"/>
+                  <a:lumOff val="80000"/>
+                </a:schemeClr>
+              </a:solidFill>
+            </a:endParaRPr>
+          </a:p>
+        </p:txBody>
+      </p:sp>
+      <p:sp>
+        <p:nvSpPr>
+          <p:cNvPr id="26" name="25 Rectángulo redondeado"/>
+          <p:cNvSpPr/>
+          <p:nvPr/>
+        </p:nvSpPr>
+        <p:spPr>
+          <a:xfrm>
+            <a:off x="7241727" y="3041904"/>
+            <a:ext cx="1085409" cy="335280"/>
+          </a:xfrm>
+          <a:prstGeom prst="roundRect">
+            <a:avLst/>
+          </a:prstGeom>
+          <a:solidFill>
+            <a:schemeClr val="accent3">
+              <a:lumMod val="20000"/>
+              <a:lumOff val="80000"/>
+              <a:alpha val="12157"/>
+            </a:schemeClr>
+          </a:solidFill>
+          <a:ln>
+            <a:solidFill>
+              <a:srgbClr val="FFFF00"/>
+            </a:solidFill>
+          </a:ln>
+        </p:spPr>
+        <p:style>
+          <a:lnRef idx="1">
+            <a:schemeClr val="accent3"/>
+          </a:lnRef>
+          <a:fillRef idx="3">
+            <a:schemeClr val="accent3"/>
+          </a:fillRef>
+          <a:effectRef idx="2">
+            <a:schemeClr val="accent3"/>
+          </a:effectRef>
+          <a:fontRef idx="minor">
+            <a:schemeClr val="lt1"/>
+          </a:fontRef>
+        </p:style>
+        <p:txBody>
+          <a:bodyPr rtlCol="0" anchor="ctr"/>
+          <a:lstStyle/>
+          <a:p>
+            <a:pPr algn="ctr"/>
+            <a:endParaRPr lang="es-ES_tradnl" dirty="0">
+              <a:ln>
+                <a:solidFill>
+                  <a:srgbClr val="FFFF00"/>
+                </a:solidFill>
+              </a:ln>
+              <a:solidFill>
+                <a:schemeClr val="accent3">
+                  <a:lumMod val="20000"/>
+                  <a:lumOff val="80000"/>
+                </a:schemeClr>
+              </a:solidFill>
+            </a:endParaRPr>
           </a:p>
         </p:txBody>
       </p:sp>
@@ -13578,7 +14156,7 @@
                             </p:stCondLst>
                             <p:childTnLst>
                               <p:par>
-                                <p:cTn id="5" presetID="4" presetClass="entr" presetSubtype="16" fill="hold" nodeType="clickEffect">
+                                <p:cTn id="5" presetID="4" presetClass="entr" presetSubtype="16" fill="hold" grpId="0" nodeType="clickEffect">
                                   <p:stCondLst>
                                     <p:cond delay="0"/>
                                   </p:stCondLst>
@@ -13591,7 +14169,7 @@
                                           </p:stCondLst>
                                         </p:cTn>
                                         <p:tgtEl>
-                                          <p:spTgt spid="4"/>
+                                          <p:spTgt spid="10"/>
                                         </p:tgtEl>
                                         <p:attrNameLst>
                                           <p:attrName>style.visibility</p:attrName>
@@ -13605,7 +14183,7 @@
                                       <p:cBhvr>
                                         <p:cTn id="7" dur="500"/>
                                         <p:tgtEl>
-                                          <p:spTgt spid="4"/>
+                                          <p:spTgt spid="10"/>
                                         </p:tgtEl>
                                       </p:cBhvr>
                                     </p:animEffect>
@@ -13631,14 +14209,1350 @@
                             </p:stCondLst>
                             <p:childTnLst>
                               <p:par>
-                                <p:cTn id="10" presetID="4" presetClass="entr" presetSubtype="16" fill="hold" nodeType="clickEffect">
+                                <p:cTn id="10" presetID="4" presetClass="exit" presetSubtype="16" fill="hold" grpId="1" nodeType="clickEffect">
+                                  <p:stCondLst>
+                                    <p:cond delay="0"/>
+                                  </p:stCondLst>
+                                  <p:childTnLst>
+                                    <p:animEffect transition="out" filter="box(in)">
+                                      <p:cBhvr>
+                                        <p:cTn id="11" dur="500"/>
+                                        <p:tgtEl>
+                                          <p:spTgt spid="10"/>
+                                        </p:tgtEl>
+                                      </p:cBhvr>
+                                    </p:animEffect>
+                                    <p:set>
+                                      <p:cBhvr>
+                                        <p:cTn id="12" dur="1" fill="hold">
+                                          <p:stCondLst>
+                                            <p:cond delay="499"/>
+                                          </p:stCondLst>
+                                        </p:cTn>
+                                        <p:tgtEl>
+                                          <p:spTgt spid="10"/>
+                                        </p:tgtEl>
+                                        <p:attrNameLst>
+                                          <p:attrName>style.visibility</p:attrName>
+                                        </p:attrNameLst>
+                                      </p:cBhvr>
+                                      <p:to>
+                                        <p:strVal val="hidden"/>
+                                      </p:to>
+                                    </p:set>
+                                  </p:childTnLst>
+                                </p:cTn>
+                              </p:par>
+                              <p:par>
+                                <p:cTn id="13" presetID="4" presetClass="entr" presetSubtype="16" fill="hold" grpId="0" nodeType="withEffect">
                                   <p:stCondLst>
                                     <p:cond delay="0"/>
                                   </p:stCondLst>
                                   <p:childTnLst>
                                     <p:set>
                                       <p:cBhvr>
-                                        <p:cTn id="11" dur="1" fill="hold">
+                                        <p:cTn id="14" dur="1" fill="hold">
+                                          <p:stCondLst>
+                                            <p:cond delay="0"/>
+                                          </p:stCondLst>
+                                        </p:cTn>
+                                        <p:tgtEl>
+                                          <p:spTgt spid="11"/>
+                                        </p:tgtEl>
+                                        <p:attrNameLst>
+                                          <p:attrName>style.visibility</p:attrName>
+                                        </p:attrNameLst>
+                                      </p:cBhvr>
+                                      <p:to>
+                                        <p:strVal val="visible"/>
+                                      </p:to>
+                                    </p:set>
+                                    <p:animEffect transition="in" filter="box(in)">
+                                      <p:cBhvr>
+                                        <p:cTn id="15" dur="500"/>
+                                        <p:tgtEl>
+                                          <p:spTgt spid="11"/>
+                                        </p:tgtEl>
+                                      </p:cBhvr>
+                                    </p:animEffect>
+                                  </p:childTnLst>
+                                </p:cTn>
+                              </p:par>
+                            </p:childTnLst>
+                          </p:cTn>
+                        </p:par>
+                      </p:childTnLst>
+                    </p:cTn>
+                  </p:par>
+                  <p:par>
+                    <p:cTn id="16" fill="hold">
+                      <p:stCondLst>
+                        <p:cond delay="indefinite"/>
+                      </p:stCondLst>
+                      <p:childTnLst>
+                        <p:par>
+                          <p:cTn id="17" fill="hold">
+                            <p:stCondLst>
+                              <p:cond delay="0"/>
+                            </p:stCondLst>
+                            <p:childTnLst>
+                              <p:par>
+                                <p:cTn id="18" presetID="4" presetClass="exit" presetSubtype="16" fill="hold" grpId="1" nodeType="clickEffect">
+                                  <p:stCondLst>
+                                    <p:cond delay="0"/>
+                                  </p:stCondLst>
+                                  <p:childTnLst>
+                                    <p:animEffect transition="out" filter="box(in)">
+                                      <p:cBhvr>
+                                        <p:cTn id="19" dur="500"/>
+                                        <p:tgtEl>
+                                          <p:spTgt spid="11"/>
+                                        </p:tgtEl>
+                                      </p:cBhvr>
+                                    </p:animEffect>
+                                    <p:set>
+                                      <p:cBhvr>
+                                        <p:cTn id="20" dur="1" fill="hold">
+                                          <p:stCondLst>
+                                            <p:cond delay="499"/>
+                                          </p:stCondLst>
+                                        </p:cTn>
+                                        <p:tgtEl>
+                                          <p:spTgt spid="11"/>
+                                        </p:tgtEl>
+                                        <p:attrNameLst>
+                                          <p:attrName>style.visibility</p:attrName>
+                                        </p:attrNameLst>
+                                      </p:cBhvr>
+                                      <p:to>
+                                        <p:strVal val="hidden"/>
+                                      </p:to>
+                                    </p:set>
+                                  </p:childTnLst>
+                                </p:cTn>
+                              </p:par>
+                              <p:par>
+                                <p:cTn id="21" presetID="4" presetClass="entr" presetSubtype="16" fill="hold" grpId="0" nodeType="withEffect">
+                                  <p:stCondLst>
+                                    <p:cond delay="0"/>
+                                  </p:stCondLst>
+                                  <p:childTnLst>
+                                    <p:set>
+                                      <p:cBhvr>
+                                        <p:cTn id="22" dur="1" fill="hold">
+                                          <p:stCondLst>
+                                            <p:cond delay="0"/>
+                                          </p:stCondLst>
+                                        </p:cTn>
+                                        <p:tgtEl>
+                                          <p:spTgt spid="12"/>
+                                        </p:tgtEl>
+                                        <p:attrNameLst>
+                                          <p:attrName>style.visibility</p:attrName>
+                                        </p:attrNameLst>
+                                      </p:cBhvr>
+                                      <p:to>
+                                        <p:strVal val="visible"/>
+                                      </p:to>
+                                    </p:set>
+                                    <p:animEffect transition="in" filter="box(in)">
+                                      <p:cBhvr>
+                                        <p:cTn id="23" dur="500"/>
+                                        <p:tgtEl>
+                                          <p:spTgt spid="12"/>
+                                        </p:tgtEl>
+                                      </p:cBhvr>
+                                    </p:animEffect>
+                                  </p:childTnLst>
+                                </p:cTn>
+                              </p:par>
+                            </p:childTnLst>
+                          </p:cTn>
+                        </p:par>
+                      </p:childTnLst>
+                    </p:cTn>
+                  </p:par>
+                  <p:par>
+                    <p:cTn id="24" fill="hold">
+                      <p:stCondLst>
+                        <p:cond delay="indefinite"/>
+                      </p:stCondLst>
+                      <p:childTnLst>
+                        <p:par>
+                          <p:cTn id="25" fill="hold">
+                            <p:stCondLst>
+                              <p:cond delay="0"/>
+                            </p:stCondLst>
+                            <p:childTnLst>
+                              <p:par>
+                                <p:cTn id="26" presetID="4" presetClass="exit" presetSubtype="16" fill="hold" grpId="1" nodeType="clickEffect">
+                                  <p:stCondLst>
+                                    <p:cond delay="0"/>
+                                  </p:stCondLst>
+                                  <p:childTnLst>
+                                    <p:animEffect transition="out" filter="box(in)">
+                                      <p:cBhvr>
+                                        <p:cTn id="27" dur="500"/>
+                                        <p:tgtEl>
+                                          <p:spTgt spid="12"/>
+                                        </p:tgtEl>
+                                      </p:cBhvr>
+                                    </p:animEffect>
+                                    <p:set>
+                                      <p:cBhvr>
+                                        <p:cTn id="28" dur="1" fill="hold">
+                                          <p:stCondLst>
+                                            <p:cond delay="499"/>
+                                          </p:stCondLst>
+                                        </p:cTn>
+                                        <p:tgtEl>
+                                          <p:spTgt spid="12"/>
+                                        </p:tgtEl>
+                                        <p:attrNameLst>
+                                          <p:attrName>style.visibility</p:attrName>
+                                        </p:attrNameLst>
+                                      </p:cBhvr>
+                                      <p:to>
+                                        <p:strVal val="hidden"/>
+                                      </p:to>
+                                    </p:set>
+                                  </p:childTnLst>
+                                </p:cTn>
+                              </p:par>
+                              <p:par>
+                                <p:cTn id="29" presetID="4" presetClass="entr" presetSubtype="16" fill="hold" grpId="0" nodeType="withEffect">
+                                  <p:stCondLst>
+                                    <p:cond delay="0"/>
+                                  </p:stCondLst>
+                                  <p:childTnLst>
+                                    <p:set>
+                                      <p:cBhvr>
+                                        <p:cTn id="30" dur="1" fill="hold">
+                                          <p:stCondLst>
+                                            <p:cond delay="0"/>
+                                          </p:stCondLst>
+                                        </p:cTn>
+                                        <p:tgtEl>
+                                          <p:spTgt spid="13"/>
+                                        </p:tgtEl>
+                                        <p:attrNameLst>
+                                          <p:attrName>style.visibility</p:attrName>
+                                        </p:attrNameLst>
+                                      </p:cBhvr>
+                                      <p:to>
+                                        <p:strVal val="visible"/>
+                                      </p:to>
+                                    </p:set>
+                                    <p:animEffect transition="in" filter="box(in)">
+                                      <p:cBhvr>
+                                        <p:cTn id="31" dur="500"/>
+                                        <p:tgtEl>
+                                          <p:spTgt spid="13"/>
+                                        </p:tgtEl>
+                                      </p:cBhvr>
+                                    </p:animEffect>
+                                  </p:childTnLst>
+                                </p:cTn>
+                              </p:par>
+                            </p:childTnLst>
+                          </p:cTn>
+                        </p:par>
+                      </p:childTnLst>
+                    </p:cTn>
+                  </p:par>
+                  <p:par>
+                    <p:cTn id="32" fill="hold">
+                      <p:stCondLst>
+                        <p:cond delay="indefinite"/>
+                      </p:stCondLst>
+                      <p:childTnLst>
+                        <p:par>
+                          <p:cTn id="33" fill="hold">
+                            <p:stCondLst>
+                              <p:cond delay="0"/>
+                            </p:stCondLst>
+                            <p:childTnLst>
+                              <p:par>
+                                <p:cTn id="34" presetID="4" presetClass="exit" presetSubtype="16" fill="hold" grpId="1" nodeType="clickEffect">
+                                  <p:stCondLst>
+                                    <p:cond delay="0"/>
+                                  </p:stCondLst>
+                                  <p:childTnLst>
+                                    <p:animEffect transition="out" filter="box(in)">
+                                      <p:cBhvr>
+                                        <p:cTn id="35" dur="500"/>
+                                        <p:tgtEl>
+                                          <p:spTgt spid="13"/>
+                                        </p:tgtEl>
+                                      </p:cBhvr>
+                                    </p:animEffect>
+                                    <p:set>
+                                      <p:cBhvr>
+                                        <p:cTn id="36" dur="1" fill="hold">
+                                          <p:stCondLst>
+                                            <p:cond delay="499"/>
+                                          </p:stCondLst>
+                                        </p:cTn>
+                                        <p:tgtEl>
+                                          <p:spTgt spid="13"/>
+                                        </p:tgtEl>
+                                        <p:attrNameLst>
+                                          <p:attrName>style.visibility</p:attrName>
+                                        </p:attrNameLst>
+                                      </p:cBhvr>
+                                      <p:to>
+                                        <p:strVal val="hidden"/>
+                                      </p:to>
+                                    </p:set>
+                                  </p:childTnLst>
+                                </p:cTn>
+                              </p:par>
+                              <p:par>
+                                <p:cTn id="37" presetID="4" presetClass="entr" presetSubtype="16" fill="hold" grpId="0" nodeType="withEffect">
+                                  <p:stCondLst>
+                                    <p:cond delay="0"/>
+                                  </p:stCondLst>
+                                  <p:childTnLst>
+                                    <p:set>
+                                      <p:cBhvr>
+                                        <p:cTn id="38" dur="1" fill="hold">
+                                          <p:stCondLst>
+                                            <p:cond delay="0"/>
+                                          </p:stCondLst>
+                                        </p:cTn>
+                                        <p:tgtEl>
+                                          <p:spTgt spid="14"/>
+                                        </p:tgtEl>
+                                        <p:attrNameLst>
+                                          <p:attrName>style.visibility</p:attrName>
+                                        </p:attrNameLst>
+                                      </p:cBhvr>
+                                      <p:to>
+                                        <p:strVal val="visible"/>
+                                      </p:to>
+                                    </p:set>
+                                    <p:animEffect transition="in" filter="box(in)">
+                                      <p:cBhvr>
+                                        <p:cTn id="39" dur="500"/>
+                                        <p:tgtEl>
+                                          <p:spTgt spid="14"/>
+                                        </p:tgtEl>
+                                      </p:cBhvr>
+                                    </p:animEffect>
+                                  </p:childTnLst>
+                                </p:cTn>
+                              </p:par>
+                            </p:childTnLst>
+                          </p:cTn>
+                        </p:par>
+                      </p:childTnLst>
+                    </p:cTn>
+                  </p:par>
+                  <p:par>
+                    <p:cTn id="40" fill="hold">
+                      <p:stCondLst>
+                        <p:cond delay="indefinite"/>
+                      </p:stCondLst>
+                      <p:childTnLst>
+                        <p:par>
+                          <p:cTn id="41" fill="hold">
+                            <p:stCondLst>
+                              <p:cond delay="0"/>
+                            </p:stCondLst>
+                            <p:childTnLst>
+                              <p:par>
+                                <p:cTn id="42" presetID="4" presetClass="exit" presetSubtype="16" fill="hold" grpId="1" nodeType="clickEffect">
+                                  <p:stCondLst>
+                                    <p:cond delay="0"/>
+                                  </p:stCondLst>
+                                  <p:childTnLst>
+                                    <p:animEffect transition="out" filter="box(in)">
+                                      <p:cBhvr>
+                                        <p:cTn id="43" dur="500"/>
+                                        <p:tgtEl>
+                                          <p:spTgt spid="14"/>
+                                        </p:tgtEl>
+                                      </p:cBhvr>
+                                    </p:animEffect>
+                                    <p:set>
+                                      <p:cBhvr>
+                                        <p:cTn id="44" dur="1" fill="hold">
+                                          <p:stCondLst>
+                                            <p:cond delay="499"/>
+                                          </p:stCondLst>
+                                        </p:cTn>
+                                        <p:tgtEl>
+                                          <p:spTgt spid="14"/>
+                                        </p:tgtEl>
+                                        <p:attrNameLst>
+                                          <p:attrName>style.visibility</p:attrName>
+                                        </p:attrNameLst>
+                                      </p:cBhvr>
+                                      <p:to>
+                                        <p:strVal val="hidden"/>
+                                      </p:to>
+                                    </p:set>
+                                  </p:childTnLst>
+                                </p:cTn>
+                              </p:par>
+                              <p:par>
+                                <p:cTn id="45" presetID="4" presetClass="entr" presetSubtype="16" fill="hold" grpId="0" nodeType="withEffect">
+                                  <p:stCondLst>
+                                    <p:cond delay="0"/>
+                                  </p:stCondLst>
+                                  <p:childTnLst>
+                                    <p:set>
+                                      <p:cBhvr>
+                                        <p:cTn id="46" dur="1" fill="hold">
+                                          <p:stCondLst>
+                                            <p:cond delay="0"/>
+                                          </p:stCondLst>
+                                        </p:cTn>
+                                        <p:tgtEl>
+                                          <p:spTgt spid="15"/>
+                                        </p:tgtEl>
+                                        <p:attrNameLst>
+                                          <p:attrName>style.visibility</p:attrName>
+                                        </p:attrNameLst>
+                                      </p:cBhvr>
+                                      <p:to>
+                                        <p:strVal val="visible"/>
+                                      </p:to>
+                                    </p:set>
+                                    <p:animEffect transition="in" filter="box(in)">
+                                      <p:cBhvr>
+                                        <p:cTn id="47" dur="500"/>
+                                        <p:tgtEl>
+                                          <p:spTgt spid="15"/>
+                                        </p:tgtEl>
+                                      </p:cBhvr>
+                                    </p:animEffect>
+                                  </p:childTnLst>
+                                </p:cTn>
+                              </p:par>
+                            </p:childTnLst>
+                          </p:cTn>
+                        </p:par>
+                      </p:childTnLst>
+                    </p:cTn>
+                  </p:par>
+                  <p:par>
+                    <p:cTn id="48" fill="hold">
+                      <p:stCondLst>
+                        <p:cond delay="indefinite"/>
+                      </p:stCondLst>
+                      <p:childTnLst>
+                        <p:par>
+                          <p:cTn id="49" fill="hold">
+                            <p:stCondLst>
+                              <p:cond delay="0"/>
+                            </p:stCondLst>
+                            <p:childTnLst>
+                              <p:par>
+                                <p:cTn id="50" presetID="4" presetClass="exit" presetSubtype="16" fill="hold" grpId="1" nodeType="clickEffect">
+                                  <p:stCondLst>
+                                    <p:cond delay="0"/>
+                                  </p:stCondLst>
+                                  <p:childTnLst>
+                                    <p:animEffect transition="out" filter="box(in)">
+                                      <p:cBhvr>
+                                        <p:cTn id="51" dur="500"/>
+                                        <p:tgtEl>
+                                          <p:spTgt spid="15"/>
+                                        </p:tgtEl>
+                                      </p:cBhvr>
+                                    </p:animEffect>
+                                    <p:set>
+                                      <p:cBhvr>
+                                        <p:cTn id="52" dur="1" fill="hold">
+                                          <p:stCondLst>
+                                            <p:cond delay="499"/>
+                                          </p:stCondLst>
+                                        </p:cTn>
+                                        <p:tgtEl>
+                                          <p:spTgt spid="15"/>
+                                        </p:tgtEl>
+                                        <p:attrNameLst>
+                                          <p:attrName>style.visibility</p:attrName>
+                                        </p:attrNameLst>
+                                      </p:cBhvr>
+                                      <p:to>
+                                        <p:strVal val="hidden"/>
+                                      </p:to>
+                                    </p:set>
+                                  </p:childTnLst>
+                                </p:cTn>
+                              </p:par>
+                              <p:par>
+                                <p:cTn id="53" presetID="4" presetClass="entr" presetSubtype="16" fill="hold" grpId="0" nodeType="withEffect">
+                                  <p:stCondLst>
+                                    <p:cond delay="0"/>
+                                  </p:stCondLst>
+                                  <p:childTnLst>
+                                    <p:set>
+                                      <p:cBhvr>
+                                        <p:cTn id="54" dur="1" fill="hold">
+                                          <p:stCondLst>
+                                            <p:cond delay="0"/>
+                                          </p:stCondLst>
+                                        </p:cTn>
+                                        <p:tgtEl>
+                                          <p:spTgt spid="16"/>
+                                        </p:tgtEl>
+                                        <p:attrNameLst>
+                                          <p:attrName>style.visibility</p:attrName>
+                                        </p:attrNameLst>
+                                      </p:cBhvr>
+                                      <p:to>
+                                        <p:strVal val="visible"/>
+                                      </p:to>
+                                    </p:set>
+                                    <p:animEffect transition="in" filter="box(in)">
+                                      <p:cBhvr>
+                                        <p:cTn id="55" dur="500"/>
+                                        <p:tgtEl>
+                                          <p:spTgt spid="16"/>
+                                        </p:tgtEl>
+                                      </p:cBhvr>
+                                    </p:animEffect>
+                                  </p:childTnLst>
+                                </p:cTn>
+                              </p:par>
+                            </p:childTnLst>
+                          </p:cTn>
+                        </p:par>
+                      </p:childTnLst>
+                    </p:cTn>
+                  </p:par>
+                  <p:par>
+                    <p:cTn id="56" fill="hold">
+                      <p:stCondLst>
+                        <p:cond delay="indefinite"/>
+                      </p:stCondLst>
+                      <p:childTnLst>
+                        <p:par>
+                          <p:cTn id="57" fill="hold">
+                            <p:stCondLst>
+                              <p:cond delay="0"/>
+                            </p:stCondLst>
+                            <p:childTnLst>
+                              <p:par>
+                                <p:cTn id="58" presetID="4" presetClass="exit" presetSubtype="16" fill="hold" grpId="1" nodeType="clickEffect">
+                                  <p:stCondLst>
+                                    <p:cond delay="0"/>
+                                  </p:stCondLst>
+                                  <p:childTnLst>
+                                    <p:animEffect transition="out" filter="box(in)">
+                                      <p:cBhvr>
+                                        <p:cTn id="59" dur="500"/>
+                                        <p:tgtEl>
+                                          <p:spTgt spid="16"/>
+                                        </p:tgtEl>
+                                      </p:cBhvr>
+                                    </p:animEffect>
+                                    <p:set>
+                                      <p:cBhvr>
+                                        <p:cTn id="60" dur="1" fill="hold">
+                                          <p:stCondLst>
+                                            <p:cond delay="499"/>
+                                          </p:stCondLst>
+                                        </p:cTn>
+                                        <p:tgtEl>
+                                          <p:spTgt spid="16"/>
+                                        </p:tgtEl>
+                                        <p:attrNameLst>
+                                          <p:attrName>style.visibility</p:attrName>
+                                        </p:attrNameLst>
+                                      </p:cBhvr>
+                                      <p:to>
+                                        <p:strVal val="hidden"/>
+                                      </p:to>
+                                    </p:set>
+                                  </p:childTnLst>
+                                </p:cTn>
+                              </p:par>
+                              <p:par>
+                                <p:cTn id="61" presetID="4" presetClass="entr" presetSubtype="16" fill="hold" nodeType="withEffect">
+                                  <p:stCondLst>
+                                    <p:cond delay="0"/>
+                                  </p:stCondLst>
+                                  <p:childTnLst>
+                                    <p:set>
+                                      <p:cBhvr>
+                                        <p:cTn id="62" dur="1" fill="hold">
+                                          <p:stCondLst>
+                                            <p:cond delay="0"/>
+                                          </p:stCondLst>
+                                        </p:cTn>
+                                        <p:tgtEl>
+                                          <p:spTgt spid="4"/>
+                                        </p:tgtEl>
+                                        <p:attrNameLst>
+                                          <p:attrName>style.visibility</p:attrName>
+                                        </p:attrNameLst>
+                                      </p:cBhvr>
+                                      <p:to>
+                                        <p:strVal val="visible"/>
+                                      </p:to>
+                                    </p:set>
+                                    <p:animEffect transition="in" filter="box(in)">
+                                      <p:cBhvr>
+                                        <p:cTn id="63" dur="500"/>
+                                        <p:tgtEl>
+                                          <p:spTgt spid="4"/>
+                                        </p:tgtEl>
+                                      </p:cBhvr>
+                                    </p:animEffect>
+                                  </p:childTnLst>
+                                </p:cTn>
+                              </p:par>
+                            </p:childTnLst>
+                          </p:cTn>
+                        </p:par>
+                      </p:childTnLst>
+                    </p:cTn>
+                  </p:par>
+                  <p:par>
+                    <p:cTn id="64" fill="hold">
+                      <p:stCondLst>
+                        <p:cond delay="indefinite"/>
+                      </p:stCondLst>
+                      <p:childTnLst>
+                        <p:par>
+                          <p:cTn id="65" fill="hold">
+                            <p:stCondLst>
+                              <p:cond delay="0"/>
+                            </p:stCondLst>
+                            <p:childTnLst>
+                              <p:par>
+                                <p:cTn id="66" presetID="4" presetClass="entr" presetSubtype="16" fill="hold" grpId="0" nodeType="clickEffect">
+                                  <p:stCondLst>
+                                    <p:cond delay="0"/>
+                                  </p:stCondLst>
+                                  <p:childTnLst>
+                                    <p:set>
+                                      <p:cBhvr>
+                                        <p:cTn id="67" dur="1" fill="hold">
+                                          <p:stCondLst>
+                                            <p:cond delay="0"/>
+                                          </p:stCondLst>
+                                        </p:cTn>
+                                        <p:tgtEl>
+                                          <p:spTgt spid="17"/>
+                                        </p:tgtEl>
+                                        <p:attrNameLst>
+                                          <p:attrName>style.visibility</p:attrName>
+                                        </p:attrNameLst>
+                                      </p:cBhvr>
+                                      <p:to>
+                                        <p:strVal val="visible"/>
+                                      </p:to>
+                                    </p:set>
+                                    <p:animEffect transition="in" filter="box(in)">
+                                      <p:cBhvr>
+                                        <p:cTn id="68" dur="500"/>
+                                        <p:tgtEl>
+                                          <p:spTgt spid="17"/>
+                                        </p:tgtEl>
+                                      </p:cBhvr>
+                                    </p:animEffect>
+                                  </p:childTnLst>
+                                </p:cTn>
+                              </p:par>
+                              <p:par>
+                                <p:cTn id="69" presetID="4" presetClass="entr" presetSubtype="16" fill="hold" grpId="0" nodeType="withEffect">
+                                  <p:stCondLst>
+                                    <p:cond delay="0"/>
+                                  </p:stCondLst>
+                                  <p:childTnLst>
+                                    <p:set>
+                                      <p:cBhvr>
+                                        <p:cTn id="70" dur="1" fill="hold">
+                                          <p:stCondLst>
+                                            <p:cond delay="0"/>
+                                          </p:stCondLst>
+                                        </p:cTn>
+                                        <p:tgtEl>
+                                          <p:spTgt spid="18"/>
+                                        </p:tgtEl>
+                                        <p:attrNameLst>
+                                          <p:attrName>style.visibility</p:attrName>
+                                        </p:attrNameLst>
+                                      </p:cBhvr>
+                                      <p:to>
+                                        <p:strVal val="visible"/>
+                                      </p:to>
+                                    </p:set>
+                                    <p:animEffect transition="in" filter="box(in)">
+                                      <p:cBhvr>
+                                        <p:cTn id="71" dur="500"/>
+                                        <p:tgtEl>
+                                          <p:spTgt spid="18"/>
+                                        </p:tgtEl>
+                                      </p:cBhvr>
+                                    </p:animEffect>
+                                  </p:childTnLst>
+                                </p:cTn>
+                              </p:par>
+                              <p:par>
+                                <p:cTn id="72" presetID="4" presetClass="entr" presetSubtype="16" fill="hold" grpId="0" nodeType="withEffect">
+                                  <p:stCondLst>
+                                    <p:cond delay="0"/>
+                                  </p:stCondLst>
+                                  <p:childTnLst>
+                                    <p:set>
+                                      <p:cBhvr>
+                                        <p:cTn id="73" dur="1" fill="hold">
+                                          <p:stCondLst>
+                                            <p:cond delay="0"/>
+                                          </p:stCondLst>
+                                        </p:cTn>
+                                        <p:tgtEl>
+                                          <p:spTgt spid="19"/>
+                                        </p:tgtEl>
+                                        <p:attrNameLst>
+                                          <p:attrName>style.visibility</p:attrName>
+                                        </p:attrNameLst>
+                                      </p:cBhvr>
+                                      <p:to>
+                                        <p:strVal val="visible"/>
+                                      </p:to>
+                                    </p:set>
+                                    <p:animEffect transition="in" filter="box(in)">
+                                      <p:cBhvr>
+                                        <p:cTn id="74" dur="500"/>
+                                        <p:tgtEl>
+                                          <p:spTgt spid="19"/>
+                                        </p:tgtEl>
+                                      </p:cBhvr>
+                                    </p:animEffect>
+                                  </p:childTnLst>
+                                </p:cTn>
+                              </p:par>
+                            </p:childTnLst>
+                          </p:cTn>
+                        </p:par>
+                      </p:childTnLst>
+                    </p:cTn>
+                  </p:par>
+                  <p:par>
+                    <p:cTn id="75" fill="hold">
+                      <p:stCondLst>
+                        <p:cond delay="indefinite"/>
+                      </p:stCondLst>
+                      <p:childTnLst>
+                        <p:par>
+                          <p:cTn id="76" fill="hold">
+                            <p:stCondLst>
+                              <p:cond delay="0"/>
+                            </p:stCondLst>
+                            <p:childTnLst>
+                              <p:par>
+                                <p:cTn id="77" presetID="4" presetClass="exit" presetSubtype="16" fill="hold" grpId="1" nodeType="clickEffect">
+                                  <p:stCondLst>
+                                    <p:cond delay="0"/>
+                                  </p:stCondLst>
+                                  <p:childTnLst>
+                                    <p:animEffect transition="out" filter="box(in)">
+                                      <p:cBhvr>
+                                        <p:cTn id="78" dur="500"/>
+                                        <p:tgtEl>
+                                          <p:spTgt spid="17"/>
+                                        </p:tgtEl>
+                                      </p:cBhvr>
+                                    </p:animEffect>
+                                    <p:set>
+                                      <p:cBhvr>
+                                        <p:cTn id="79" dur="1" fill="hold">
+                                          <p:stCondLst>
+                                            <p:cond delay="499"/>
+                                          </p:stCondLst>
+                                        </p:cTn>
+                                        <p:tgtEl>
+                                          <p:spTgt spid="17"/>
+                                        </p:tgtEl>
+                                        <p:attrNameLst>
+                                          <p:attrName>style.visibility</p:attrName>
+                                        </p:attrNameLst>
+                                      </p:cBhvr>
+                                      <p:to>
+                                        <p:strVal val="hidden"/>
+                                      </p:to>
+                                    </p:set>
+                                  </p:childTnLst>
+                                </p:cTn>
+                              </p:par>
+                              <p:par>
+                                <p:cTn id="80" presetID="4" presetClass="exit" presetSubtype="16" fill="hold" grpId="1" nodeType="withEffect">
+                                  <p:stCondLst>
+                                    <p:cond delay="0"/>
+                                  </p:stCondLst>
+                                  <p:childTnLst>
+                                    <p:animEffect transition="out" filter="box(in)">
+                                      <p:cBhvr>
+                                        <p:cTn id="81" dur="500"/>
+                                        <p:tgtEl>
+                                          <p:spTgt spid="18"/>
+                                        </p:tgtEl>
+                                      </p:cBhvr>
+                                    </p:animEffect>
+                                    <p:set>
+                                      <p:cBhvr>
+                                        <p:cTn id="82" dur="1" fill="hold">
+                                          <p:stCondLst>
+                                            <p:cond delay="499"/>
+                                          </p:stCondLst>
+                                        </p:cTn>
+                                        <p:tgtEl>
+                                          <p:spTgt spid="18"/>
+                                        </p:tgtEl>
+                                        <p:attrNameLst>
+                                          <p:attrName>style.visibility</p:attrName>
+                                        </p:attrNameLst>
+                                      </p:cBhvr>
+                                      <p:to>
+                                        <p:strVal val="hidden"/>
+                                      </p:to>
+                                    </p:set>
+                                  </p:childTnLst>
+                                </p:cTn>
+                              </p:par>
+                              <p:par>
+                                <p:cTn id="83" presetID="4" presetClass="exit" presetSubtype="16" fill="hold" grpId="1" nodeType="withEffect">
+                                  <p:stCondLst>
+                                    <p:cond delay="0"/>
+                                  </p:stCondLst>
+                                  <p:childTnLst>
+                                    <p:animEffect transition="out" filter="box(in)">
+                                      <p:cBhvr>
+                                        <p:cTn id="84" dur="500"/>
+                                        <p:tgtEl>
+                                          <p:spTgt spid="19"/>
+                                        </p:tgtEl>
+                                      </p:cBhvr>
+                                    </p:animEffect>
+                                    <p:set>
+                                      <p:cBhvr>
+                                        <p:cTn id="85" dur="1" fill="hold">
+                                          <p:stCondLst>
+                                            <p:cond delay="499"/>
+                                          </p:stCondLst>
+                                        </p:cTn>
+                                        <p:tgtEl>
+                                          <p:spTgt spid="19"/>
+                                        </p:tgtEl>
+                                        <p:attrNameLst>
+                                          <p:attrName>style.visibility</p:attrName>
+                                        </p:attrNameLst>
+                                      </p:cBhvr>
+                                      <p:to>
+                                        <p:strVal val="hidden"/>
+                                      </p:to>
+                                    </p:set>
+                                  </p:childTnLst>
+                                </p:cTn>
+                              </p:par>
+                            </p:childTnLst>
+                          </p:cTn>
+                        </p:par>
+                      </p:childTnLst>
+                    </p:cTn>
+                  </p:par>
+                  <p:par>
+                    <p:cTn id="86" fill="hold">
+                      <p:stCondLst>
+                        <p:cond delay="indefinite"/>
+                      </p:stCondLst>
+                      <p:childTnLst>
+                        <p:par>
+                          <p:cTn id="87" fill="hold">
+                            <p:stCondLst>
+                              <p:cond delay="0"/>
+                            </p:stCondLst>
+                            <p:childTnLst>
+                              <p:par>
+                                <p:cTn id="88" presetID="4" presetClass="entr" presetSubtype="16" fill="hold" grpId="0" nodeType="clickEffect">
+                                  <p:stCondLst>
+                                    <p:cond delay="0"/>
+                                  </p:stCondLst>
+                                  <p:childTnLst>
+                                    <p:set>
+                                      <p:cBhvr>
+                                        <p:cTn id="89" dur="1" fill="hold">
+                                          <p:stCondLst>
+                                            <p:cond delay="0"/>
+                                          </p:stCondLst>
+                                        </p:cTn>
+                                        <p:tgtEl>
+                                          <p:spTgt spid="20"/>
+                                        </p:tgtEl>
+                                        <p:attrNameLst>
+                                          <p:attrName>style.visibility</p:attrName>
+                                        </p:attrNameLst>
+                                      </p:cBhvr>
+                                      <p:to>
+                                        <p:strVal val="visible"/>
+                                      </p:to>
+                                    </p:set>
+                                    <p:animEffect transition="in" filter="box(in)">
+                                      <p:cBhvr>
+                                        <p:cTn id="90" dur="500"/>
+                                        <p:tgtEl>
+                                          <p:spTgt spid="20"/>
+                                        </p:tgtEl>
+                                      </p:cBhvr>
+                                    </p:animEffect>
+                                  </p:childTnLst>
+                                </p:cTn>
+                              </p:par>
+                              <p:par>
+                                <p:cTn id="91" presetID="4" presetClass="entr" presetSubtype="16" fill="hold" grpId="0" nodeType="withEffect">
+                                  <p:stCondLst>
+                                    <p:cond delay="0"/>
+                                  </p:stCondLst>
+                                  <p:childTnLst>
+                                    <p:set>
+                                      <p:cBhvr>
+                                        <p:cTn id="92" dur="1" fill="hold">
+                                          <p:stCondLst>
+                                            <p:cond delay="0"/>
+                                          </p:stCondLst>
+                                        </p:cTn>
+                                        <p:tgtEl>
+                                          <p:spTgt spid="22"/>
+                                        </p:tgtEl>
+                                        <p:attrNameLst>
+                                          <p:attrName>style.visibility</p:attrName>
+                                        </p:attrNameLst>
+                                      </p:cBhvr>
+                                      <p:to>
+                                        <p:strVal val="visible"/>
+                                      </p:to>
+                                    </p:set>
+                                    <p:animEffect transition="in" filter="box(in)">
+                                      <p:cBhvr>
+                                        <p:cTn id="93" dur="500"/>
+                                        <p:tgtEl>
+                                          <p:spTgt spid="22"/>
+                                        </p:tgtEl>
+                                      </p:cBhvr>
+                                    </p:animEffect>
+                                  </p:childTnLst>
+                                </p:cTn>
+                              </p:par>
+                              <p:par>
+                                <p:cTn id="94" presetID="4" presetClass="entr" presetSubtype="16" fill="hold" grpId="0" nodeType="withEffect">
+                                  <p:stCondLst>
+                                    <p:cond delay="0"/>
+                                  </p:stCondLst>
+                                  <p:childTnLst>
+                                    <p:set>
+                                      <p:cBhvr>
+                                        <p:cTn id="95" dur="1" fill="hold">
+                                          <p:stCondLst>
+                                            <p:cond delay="0"/>
+                                          </p:stCondLst>
+                                        </p:cTn>
+                                        <p:tgtEl>
+                                          <p:spTgt spid="23"/>
+                                        </p:tgtEl>
+                                        <p:attrNameLst>
+                                          <p:attrName>style.visibility</p:attrName>
+                                        </p:attrNameLst>
+                                      </p:cBhvr>
+                                      <p:to>
+                                        <p:strVal val="visible"/>
+                                      </p:to>
+                                    </p:set>
+                                    <p:animEffect transition="in" filter="box(in)">
+                                      <p:cBhvr>
+                                        <p:cTn id="96" dur="500"/>
+                                        <p:tgtEl>
+                                          <p:spTgt spid="23"/>
+                                        </p:tgtEl>
+                                      </p:cBhvr>
+                                    </p:animEffect>
+                                  </p:childTnLst>
+                                </p:cTn>
+                              </p:par>
+                            </p:childTnLst>
+                          </p:cTn>
+                        </p:par>
+                      </p:childTnLst>
+                    </p:cTn>
+                  </p:par>
+                  <p:par>
+                    <p:cTn id="97" fill="hold">
+                      <p:stCondLst>
+                        <p:cond delay="indefinite"/>
+                      </p:stCondLst>
+                      <p:childTnLst>
+                        <p:par>
+                          <p:cTn id="98" fill="hold">
+                            <p:stCondLst>
+                              <p:cond delay="0"/>
+                            </p:stCondLst>
+                            <p:childTnLst>
+                              <p:par>
+                                <p:cTn id="99" presetID="4" presetClass="exit" presetSubtype="16" fill="hold" grpId="1" nodeType="clickEffect">
+                                  <p:stCondLst>
+                                    <p:cond delay="0"/>
+                                  </p:stCondLst>
+                                  <p:childTnLst>
+                                    <p:animEffect transition="out" filter="box(in)">
+                                      <p:cBhvr>
+                                        <p:cTn id="100" dur="500"/>
+                                        <p:tgtEl>
+                                          <p:spTgt spid="20"/>
+                                        </p:tgtEl>
+                                      </p:cBhvr>
+                                    </p:animEffect>
+                                    <p:set>
+                                      <p:cBhvr>
+                                        <p:cTn id="101" dur="1" fill="hold">
+                                          <p:stCondLst>
+                                            <p:cond delay="499"/>
+                                          </p:stCondLst>
+                                        </p:cTn>
+                                        <p:tgtEl>
+                                          <p:spTgt spid="20"/>
+                                        </p:tgtEl>
+                                        <p:attrNameLst>
+                                          <p:attrName>style.visibility</p:attrName>
+                                        </p:attrNameLst>
+                                      </p:cBhvr>
+                                      <p:to>
+                                        <p:strVal val="hidden"/>
+                                      </p:to>
+                                    </p:set>
+                                  </p:childTnLst>
+                                </p:cTn>
+                              </p:par>
+                              <p:par>
+                                <p:cTn id="102" presetID="4" presetClass="exit" presetSubtype="16" fill="hold" grpId="1" nodeType="withEffect">
+                                  <p:stCondLst>
+                                    <p:cond delay="0"/>
+                                  </p:stCondLst>
+                                  <p:childTnLst>
+                                    <p:animEffect transition="out" filter="box(in)">
+                                      <p:cBhvr>
+                                        <p:cTn id="103" dur="500"/>
+                                        <p:tgtEl>
+                                          <p:spTgt spid="23"/>
+                                        </p:tgtEl>
+                                      </p:cBhvr>
+                                    </p:animEffect>
+                                    <p:set>
+                                      <p:cBhvr>
+                                        <p:cTn id="104" dur="1" fill="hold">
+                                          <p:stCondLst>
+                                            <p:cond delay="499"/>
+                                          </p:stCondLst>
+                                        </p:cTn>
+                                        <p:tgtEl>
+                                          <p:spTgt spid="23"/>
+                                        </p:tgtEl>
+                                        <p:attrNameLst>
+                                          <p:attrName>style.visibility</p:attrName>
+                                        </p:attrNameLst>
+                                      </p:cBhvr>
+                                      <p:to>
+                                        <p:strVal val="hidden"/>
+                                      </p:to>
+                                    </p:set>
+                                  </p:childTnLst>
+                                </p:cTn>
+                              </p:par>
+                              <p:par>
+                                <p:cTn id="105" presetID="4" presetClass="exit" presetSubtype="16" fill="hold" grpId="1" nodeType="withEffect">
+                                  <p:stCondLst>
+                                    <p:cond delay="0"/>
+                                  </p:stCondLst>
+                                  <p:childTnLst>
+                                    <p:animEffect transition="out" filter="box(in)">
+                                      <p:cBhvr>
+                                        <p:cTn id="106" dur="500"/>
+                                        <p:tgtEl>
+                                          <p:spTgt spid="22"/>
+                                        </p:tgtEl>
+                                      </p:cBhvr>
+                                    </p:animEffect>
+                                    <p:set>
+                                      <p:cBhvr>
+                                        <p:cTn id="107" dur="1" fill="hold">
+                                          <p:stCondLst>
+                                            <p:cond delay="499"/>
+                                          </p:stCondLst>
+                                        </p:cTn>
+                                        <p:tgtEl>
+                                          <p:spTgt spid="22"/>
+                                        </p:tgtEl>
+                                        <p:attrNameLst>
+                                          <p:attrName>style.visibility</p:attrName>
+                                        </p:attrNameLst>
+                                      </p:cBhvr>
+                                      <p:to>
+                                        <p:strVal val="hidden"/>
+                                      </p:to>
+                                    </p:set>
+                                  </p:childTnLst>
+                                </p:cTn>
+                              </p:par>
+                            </p:childTnLst>
+                          </p:cTn>
+                        </p:par>
+                      </p:childTnLst>
+                    </p:cTn>
+                  </p:par>
+                  <p:par>
+                    <p:cTn id="108" fill="hold">
+                      <p:stCondLst>
+                        <p:cond delay="indefinite"/>
+                      </p:stCondLst>
+                      <p:childTnLst>
+                        <p:par>
+                          <p:cTn id="109" fill="hold">
+                            <p:stCondLst>
+                              <p:cond delay="0"/>
+                            </p:stCondLst>
+                            <p:childTnLst>
+                              <p:par>
+                                <p:cTn id="110" presetID="4" presetClass="entr" presetSubtype="16" fill="hold" grpId="0" nodeType="clickEffect">
+                                  <p:stCondLst>
+                                    <p:cond delay="0"/>
+                                  </p:stCondLst>
+                                  <p:childTnLst>
+                                    <p:set>
+                                      <p:cBhvr>
+                                        <p:cTn id="111" dur="1" fill="hold">
+                                          <p:stCondLst>
+                                            <p:cond delay="0"/>
+                                          </p:stCondLst>
+                                        </p:cTn>
+                                        <p:tgtEl>
+                                          <p:spTgt spid="24"/>
+                                        </p:tgtEl>
+                                        <p:attrNameLst>
+                                          <p:attrName>style.visibility</p:attrName>
+                                        </p:attrNameLst>
+                                      </p:cBhvr>
+                                      <p:to>
+                                        <p:strVal val="visible"/>
+                                      </p:to>
+                                    </p:set>
+                                    <p:animEffect transition="in" filter="box(in)">
+                                      <p:cBhvr>
+                                        <p:cTn id="112" dur="500"/>
+                                        <p:tgtEl>
+                                          <p:spTgt spid="24"/>
+                                        </p:tgtEl>
+                                      </p:cBhvr>
+                                    </p:animEffect>
+                                  </p:childTnLst>
+                                </p:cTn>
+                              </p:par>
+                              <p:par>
+                                <p:cTn id="113" presetID="4" presetClass="entr" presetSubtype="16" fill="hold" grpId="0" nodeType="withEffect">
+                                  <p:stCondLst>
+                                    <p:cond delay="0"/>
+                                  </p:stCondLst>
+                                  <p:childTnLst>
+                                    <p:set>
+                                      <p:cBhvr>
+                                        <p:cTn id="114" dur="1" fill="hold">
+                                          <p:stCondLst>
+                                            <p:cond delay="0"/>
+                                          </p:stCondLst>
+                                        </p:cTn>
+                                        <p:tgtEl>
+                                          <p:spTgt spid="25"/>
+                                        </p:tgtEl>
+                                        <p:attrNameLst>
+                                          <p:attrName>style.visibility</p:attrName>
+                                        </p:attrNameLst>
+                                      </p:cBhvr>
+                                      <p:to>
+                                        <p:strVal val="visible"/>
+                                      </p:to>
+                                    </p:set>
+                                    <p:animEffect transition="in" filter="box(in)">
+                                      <p:cBhvr>
+                                        <p:cTn id="115" dur="500"/>
+                                        <p:tgtEl>
+                                          <p:spTgt spid="25"/>
+                                        </p:tgtEl>
+                                      </p:cBhvr>
+                                    </p:animEffect>
+                                  </p:childTnLst>
+                                </p:cTn>
+                              </p:par>
+                              <p:par>
+                                <p:cTn id="116" presetID="4" presetClass="entr" presetSubtype="16" fill="hold" grpId="0" nodeType="withEffect">
+                                  <p:stCondLst>
+                                    <p:cond delay="0"/>
+                                  </p:stCondLst>
+                                  <p:childTnLst>
+                                    <p:set>
+                                      <p:cBhvr>
+                                        <p:cTn id="117" dur="1" fill="hold">
+                                          <p:stCondLst>
+                                            <p:cond delay="0"/>
+                                          </p:stCondLst>
+                                        </p:cTn>
+                                        <p:tgtEl>
+                                          <p:spTgt spid="26"/>
+                                        </p:tgtEl>
+                                        <p:attrNameLst>
+                                          <p:attrName>style.visibility</p:attrName>
+                                        </p:attrNameLst>
+                                      </p:cBhvr>
+                                      <p:to>
+                                        <p:strVal val="visible"/>
+                                      </p:to>
+                                    </p:set>
+                                    <p:animEffect transition="in" filter="box(in)">
+                                      <p:cBhvr>
+                                        <p:cTn id="118" dur="500"/>
+                                        <p:tgtEl>
+                                          <p:spTgt spid="26"/>
+                                        </p:tgtEl>
+                                      </p:cBhvr>
+                                    </p:animEffect>
+                                  </p:childTnLst>
+                                </p:cTn>
+                              </p:par>
+                            </p:childTnLst>
+                          </p:cTn>
+                        </p:par>
+                      </p:childTnLst>
+                    </p:cTn>
+                  </p:par>
+                  <p:par>
+                    <p:cTn id="119" fill="hold">
+                      <p:stCondLst>
+                        <p:cond delay="indefinite"/>
+                      </p:stCondLst>
+                      <p:childTnLst>
+                        <p:par>
+                          <p:cTn id="120" fill="hold">
+                            <p:stCondLst>
+                              <p:cond delay="0"/>
+                            </p:stCondLst>
+                            <p:childTnLst>
+                              <p:par>
+                                <p:cTn id="121" presetID="4" presetClass="exit" presetSubtype="16" fill="hold" grpId="1" nodeType="clickEffect">
+                                  <p:stCondLst>
+                                    <p:cond delay="0"/>
+                                  </p:stCondLst>
+                                  <p:childTnLst>
+                                    <p:animEffect transition="out" filter="box(in)">
+                                      <p:cBhvr>
+                                        <p:cTn id="122" dur="500"/>
+                                        <p:tgtEl>
+                                          <p:spTgt spid="24"/>
+                                        </p:tgtEl>
+                                      </p:cBhvr>
+                                    </p:animEffect>
+                                    <p:set>
+                                      <p:cBhvr>
+                                        <p:cTn id="123" dur="1" fill="hold">
+                                          <p:stCondLst>
+                                            <p:cond delay="499"/>
+                                          </p:stCondLst>
+                                        </p:cTn>
+                                        <p:tgtEl>
+                                          <p:spTgt spid="24"/>
+                                        </p:tgtEl>
+                                        <p:attrNameLst>
+                                          <p:attrName>style.visibility</p:attrName>
+                                        </p:attrNameLst>
+                                      </p:cBhvr>
+                                      <p:to>
+                                        <p:strVal val="hidden"/>
+                                      </p:to>
+                                    </p:set>
+                                  </p:childTnLst>
+                                </p:cTn>
+                              </p:par>
+                              <p:par>
+                                <p:cTn id="124" presetID="4" presetClass="exit" presetSubtype="16" fill="hold" grpId="1" nodeType="withEffect">
+                                  <p:stCondLst>
+                                    <p:cond delay="0"/>
+                                  </p:stCondLst>
+                                  <p:childTnLst>
+                                    <p:animEffect transition="out" filter="box(in)">
+                                      <p:cBhvr>
+                                        <p:cTn id="125" dur="500"/>
+                                        <p:tgtEl>
+                                          <p:spTgt spid="25"/>
+                                        </p:tgtEl>
+                                      </p:cBhvr>
+                                    </p:animEffect>
+                                    <p:set>
+                                      <p:cBhvr>
+                                        <p:cTn id="126" dur="1" fill="hold">
+                                          <p:stCondLst>
+                                            <p:cond delay="499"/>
+                                          </p:stCondLst>
+                                        </p:cTn>
+                                        <p:tgtEl>
+                                          <p:spTgt spid="25"/>
+                                        </p:tgtEl>
+                                        <p:attrNameLst>
+                                          <p:attrName>style.visibility</p:attrName>
+                                        </p:attrNameLst>
+                                      </p:cBhvr>
+                                      <p:to>
+                                        <p:strVal val="hidden"/>
+                                      </p:to>
+                                    </p:set>
+                                  </p:childTnLst>
+                                </p:cTn>
+                              </p:par>
+                              <p:par>
+                                <p:cTn id="127" presetID="4" presetClass="exit" presetSubtype="16" fill="hold" grpId="1" nodeType="withEffect">
+                                  <p:stCondLst>
+                                    <p:cond delay="0"/>
+                                  </p:stCondLst>
+                                  <p:childTnLst>
+                                    <p:animEffect transition="out" filter="box(in)">
+                                      <p:cBhvr>
+                                        <p:cTn id="128" dur="500"/>
+                                        <p:tgtEl>
+                                          <p:spTgt spid="26"/>
+                                        </p:tgtEl>
+                                      </p:cBhvr>
+                                    </p:animEffect>
+                                    <p:set>
+                                      <p:cBhvr>
+                                        <p:cTn id="129" dur="1" fill="hold">
+                                          <p:stCondLst>
+                                            <p:cond delay="499"/>
+                                          </p:stCondLst>
+                                        </p:cTn>
+                                        <p:tgtEl>
+                                          <p:spTgt spid="26"/>
+                                        </p:tgtEl>
+                                        <p:attrNameLst>
+                                          <p:attrName>style.visibility</p:attrName>
+                                        </p:attrNameLst>
+                                      </p:cBhvr>
+                                      <p:to>
+                                        <p:strVal val="hidden"/>
+                                      </p:to>
+                                    </p:set>
+                                  </p:childTnLst>
+                                </p:cTn>
+                              </p:par>
+                              <p:par>
+                                <p:cTn id="130" presetID="4" presetClass="entr" presetSubtype="16" fill="hold" nodeType="withEffect">
+                                  <p:stCondLst>
+                                    <p:cond delay="0"/>
+                                  </p:stCondLst>
+                                  <p:childTnLst>
+                                    <p:set>
+                                      <p:cBhvr>
+                                        <p:cTn id="131" dur="1" fill="hold">
                                           <p:stCondLst>
                                             <p:cond delay="0"/>
                                           </p:stCondLst>
@@ -13656,7 +15570,7 @@
                                     </p:set>
                                     <p:animEffect transition="in" filter="box(in)">
                                       <p:cBhvr>
-                                        <p:cTn id="12" dur="500"/>
+                                        <p:cTn id="132" dur="500"/>
                                         <p:tgtEl>
                                           <p:spTgt spid="25602"/>
                                         </p:tgtEl>
@@ -13672,26 +15586,26 @@
                     </p:cTn>
                   </p:par>
                   <p:par>
-                    <p:cTn id="13" fill="hold">
+                    <p:cTn id="133" fill="hold">
                       <p:stCondLst>
                         <p:cond delay="indefinite"/>
                       </p:stCondLst>
                       <p:childTnLst>
                         <p:par>
-                          <p:cTn id="14" fill="hold">
+                          <p:cTn id="134" fill="hold">
                             <p:stCondLst>
                               <p:cond delay="0"/>
                             </p:stCondLst>
                             <p:childTnLst>
                               <p:par>
-                                <p:cTn id="15" presetID="4" presetClass="entr" presetSubtype="16" fill="hold" nodeType="clickEffect">
+                                <p:cTn id="135" presetID="4" presetClass="entr" presetSubtype="16" fill="hold" nodeType="clickEffect">
                                   <p:stCondLst>
                                     <p:cond delay="0"/>
                                   </p:stCondLst>
                                   <p:childTnLst>
                                     <p:set>
                                       <p:cBhvr>
-                                        <p:cTn id="16" dur="1" fill="hold">
+                                        <p:cTn id="136" dur="1" fill="hold">
                                           <p:stCondLst>
                                             <p:cond delay="0"/>
                                           </p:stCondLst>
@@ -13709,7 +15623,7 @@
                                     </p:set>
                                     <p:animEffect transition="in" filter="box(in)">
                                       <p:cBhvr>
-                                        <p:cTn id="17" dur="500"/>
+                                        <p:cTn id="137" dur="500"/>
                                         <p:tgtEl>
                                           <p:spTgt spid="25601"/>
                                         </p:tgtEl>
@@ -13745,6 +15659,40 @@
         </p:cTn>
       </p:par>
     </p:tnLst>
+    <p:bldLst>
+      <p:bldP spid="10" grpId="0" animBg="1"/>
+      <p:bldP spid="10" grpId="1" animBg="1"/>
+      <p:bldP spid="11" grpId="0" animBg="1"/>
+      <p:bldP spid="11" grpId="1" animBg="1"/>
+      <p:bldP spid="12" grpId="0" animBg="1"/>
+      <p:bldP spid="12" grpId="1" animBg="1"/>
+      <p:bldP spid="13" grpId="0" animBg="1"/>
+      <p:bldP spid="13" grpId="1" animBg="1"/>
+      <p:bldP spid="14" grpId="0" animBg="1"/>
+      <p:bldP spid="14" grpId="1" animBg="1"/>
+      <p:bldP spid="15" grpId="0" animBg="1"/>
+      <p:bldP spid="15" grpId="1" animBg="1"/>
+      <p:bldP spid="16" grpId="0" animBg="1"/>
+      <p:bldP spid="16" grpId="1" animBg="1"/>
+      <p:bldP spid="17" grpId="0" animBg="1"/>
+      <p:bldP spid="17" grpId="1" animBg="1"/>
+      <p:bldP spid="18" grpId="0" animBg="1"/>
+      <p:bldP spid="18" grpId="1" animBg="1"/>
+      <p:bldP spid="19" grpId="0" animBg="1"/>
+      <p:bldP spid="19" grpId="1" animBg="1"/>
+      <p:bldP spid="20" grpId="0" animBg="1"/>
+      <p:bldP spid="20" grpId="1" animBg="1"/>
+      <p:bldP spid="22" grpId="0" animBg="1"/>
+      <p:bldP spid="22" grpId="1" animBg="1"/>
+      <p:bldP spid="23" grpId="0" animBg="1"/>
+      <p:bldP spid="23" grpId="1" animBg="1"/>
+      <p:bldP spid="24" grpId="0" animBg="1"/>
+      <p:bldP spid="24" grpId="1" animBg="1"/>
+      <p:bldP spid="25" grpId="0" animBg="1"/>
+      <p:bldP spid="25" grpId="1" animBg="1"/>
+      <p:bldP spid="26" grpId="0" animBg="1"/>
+      <p:bldP spid="26" grpId="1" animBg="1"/>
+    </p:bldLst>
   </p:timing>
 </p:sld>
 </file>
@@ -13927,8 +15875,8 @@
         </p:blipFill>
         <p:spPr bwMode="auto">
           <a:xfrm>
-            <a:off x="850164" y="1260390"/>
-            <a:ext cx="7552430" cy="2816682"/>
+            <a:off x="673768" y="1235241"/>
+            <a:ext cx="7728826" cy="3064043"/>
           </a:xfrm>
           <a:prstGeom prst="rect">
             <a:avLst/>
@@ -13942,27 +15890,202 @@
           </a:ln>
         </p:spPr>
       </p:pic>
+      <p:pic>
+        <p:nvPicPr>
+          <p:cNvPr id="52226" name="Picture 2"/>
+          <p:cNvPicPr>
+            <a:picLocks noChangeAspect="1" noChangeArrowheads="1"/>
+          </p:cNvPicPr>
+          <p:nvPr/>
+        </p:nvPicPr>
+        <p:blipFill>
+          <a:blip r:embed="rId4" cstate="print">
+            <a:clrChange>
+              <a:clrFrom>
+                <a:srgbClr val="FFFFFF"/>
+              </a:clrFrom>
+              <a:clrTo>
+                <a:srgbClr val="FFFFFF">
+                  <a:alpha val="0"/>
+                </a:srgbClr>
+              </a:clrTo>
+            </a:clrChange>
+          </a:blip>
+          <a:srcRect/>
+          <a:stretch>
+            <a:fillRect/>
+          </a:stretch>
+        </p:blipFill>
+        <p:spPr bwMode="auto">
+          <a:xfrm>
+            <a:off x="4200882" y="4541456"/>
+            <a:ext cx="3968178" cy="583996"/>
+          </a:xfrm>
+          <a:prstGeom prst="rect">
+            <a:avLst/>
+          </a:prstGeom>
+          <a:noFill/>
+        </p:spPr>
+      </p:pic>
+      <p:pic>
+        <p:nvPicPr>
+          <p:cNvPr id="52225" name="Picture 1"/>
+          <p:cNvPicPr>
+            <a:picLocks noChangeAspect="1" noChangeArrowheads="1"/>
+          </p:cNvPicPr>
+          <p:nvPr/>
+        </p:nvPicPr>
+        <p:blipFill>
+          <a:blip r:embed="rId5" cstate="print">
+            <a:clrChange>
+              <a:clrFrom>
+                <a:srgbClr val="FFFFFF"/>
+              </a:clrFrom>
+              <a:clrTo>
+                <a:srgbClr val="FFFFFF">
+                  <a:alpha val="0"/>
+                </a:srgbClr>
+              </a:clrTo>
+            </a:clrChange>
+          </a:blip>
+          <a:srcRect/>
+          <a:stretch>
+            <a:fillRect/>
+          </a:stretch>
+        </p:blipFill>
+        <p:spPr bwMode="auto">
+          <a:xfrm>
+            <a:off x="4404746" y="5384272"/>
+            <a:ext cx="3466290" cy="606212"/>
+          </a:xfrm>
+          <a:prstGeom prst="rect">
+            <a:avLst/>
+          </a:prstGeom>
+          <a:noFill/>
+        </p:spPr>
+      </p:pic>
+      <p:sp>
+        <p:nvSpPr>
+          <p:cNvPr id="52227" name="Rectangle 3"/>
+          <p:cNvSpPr>
+            <a:spLocks noChangeArrowheads="1"/>
+          </p:cNvSpPr>
+          <p:nvPr/>
+        </p:nvSpPr>
+        <p:spPr bwMode="auto">
+          <a:xfrm>
+            <a:off x="0" y="0"/>
+            <a:ext cx="9144000" cy="457200"/>
+          </a:xfrm>
+          <a:prstGeom prst="rect">
+            <a:avLst/>
+          </a:prstGeom>
+          <a:noFill/>
+          <a:ln w="9525">
+            <a:noFill/>
+            <a:miter lim="800000"/>
+            <a:headEnd/>
+            <a:tailEnd/>
+          </a:ln>
+          <a:effectLst/>
+        </p:spPr>
+        <p:txBody>
+          <a:bodyPr vert="horz" wrap="none" lIns="91440" tIns="45720" rIns="91440" bIns="45720" numCol="1" anchor="ctr" anchorCtr="0" compatLnSpc="1">
+            <a:prstTxWarp prst="textNoShape">
+              <a:avLst/>
+            </a:prstTxWarp>
+            <a:spAutoFit/>
+          </a:bodyPr>
+          <a:lstStyle/>
+          <a:p>
+            <a:endParaRPr lang="es-ES_tradnl" dirty="0"/>
+          </a:p>
+        </p:txBody>
+      </p:sp>
+      <p:sp>
+        <p:nvSpPr>
+          <p:cNvPr id="52228" name="Rectangle 4"/>
+          <p:cNvSpPr>
+            <a:spLocks noChangeArrowheads="1"/>
+          </p:cNvSpPr>
+          <p:nvPr/>
+        </p:nvSpPr>
+        <p:spPr bwMode="auto">
+          <a:xfrm>
+            <a:off x="0" y="828675"/>
+            <a:ext cx="9144000" cy="457200"/>
+          </a:xfrm>
+          <a:prstGeom prst="rect">
+            <a:avLst/>
+          </a:prstGeom>
+          <a:noFill/>
+          <a:ln w="9525">
+            <a:noFill/>
+            <a:miter lim="800000"/>
+            <a:headEnd/>
+            <a:tailEnd/>
+          </a:ln>
+          <a:effectLst/>
+        </p:spPr>
+        <p:txBody>
+          <a:bodyPr vert="horz" wrap="none" lIns="91440" tIns="45720" rIns="91440" bIns="45720" numCol="1" anchor="ctr" anchorCtr="0" compatLnSpc="1">
+            <a:prstTxWarp prst="textNoShape">
+              <a:avLst/>
+            </a:prstTxWarp>
+            <a:spAutoFit/>
+          </a:bodyPr>
+          <a:lstStyle/>
+          <a:p>
+            <a:pPr marL="0" marR="0" lvl="0" indent="0" algn="l" defTabSz="914400" rtl="0" eaLnBrk="1" fontAlgn="base" latinLnBrk="0" hangingPunct="1">
+              <a:lnSpc>
+                <a:spcPct val="100000"/>
+              </a:lnSpc>
+              <a:spcBef>
+                <a:spcPct val="0"/>
+              </a:spcBef>
+              <a:spcAft>
+                <a:spcPct val="0"/>
+              </a:spcAft>
+              <a:buClrTx/>
+              <a:buSzTx/>
+              <a:buFontTx/>
+              <a:buNone/>
+              <a:tabLst/>
+            </a:pPr>
+            <a:endParaRPr kumimoji="0" lang="es-ES_tradnl" sz="1800" b="0" i="0" u="none" strike="noStrike" cap="none" normalizeH="0" baseline="0" dirty="0" smtClean="0">
+              <a:ln>
+                <a:noFill/>
+              </a:ln>
+              <a:solidFill>
+                <a:schemeClr val="tx1"/>
+              </a:solidFill>
+              <a:effectLst/>
+              <a:latin typeface="Arial" pitchFamily="34" charset="0"/>
+            </a:endParaRPr>
+          </a:p>
+        </p:txBody>
+      </p:sp>
       <p:graphicFrame>
         <p:nvGraphicFramePr>
-          <p:cNvPr id="5" name="4 Tabla"/>
+          <p:cNvPr id="10" name="9 Tabla"/>
           <p:cNvGraphicFramePr>
             <a:graphicFrameLocks noGrp="1"/>
           </p:cNvGraphicFramePr>
           <p:nvPr/>
         </p:nvGraphicFramePr>
         <p:xfrm>
-          <a:off x="833542" y="4290963"/>
-          <a:ext cx="2786987" cy="1763850"/>
+          <a:off x="598311" y="4491788"/>
+          <a:ext cx="2786573" cy="1684423"/>
         </p:xfrm>
         <a:graphic>
           <a:graphicData uri="http://schemas.openxmlformats.org/drawingml/2006/table">
             <a:tbl>
               <a:tblPr/>
               <a:tblGrid>
-                <a:gridCol w="1885285"/>
-                <a:gridCol w="901702"/>
+                <a:gridCol w="1885005"/>
+                <a:gridCol w="901568"/>
               </a:tblGrid>
-              <a:tr h="352770">
+              <a:tr h="392972">
                 <a:tc>
                   <a:txBody>
                     <a:bodyPr/>
@@ -13977,21 +16100,16 @@
                         </a:spcAft>
                       </a:pPr>
                       <a:r>
-                        <a:rPr lang="es-AR" sz="1100" b="1" dirty="0">
+                        <a:rPr kumimoji="0" lang="es-AR" sz="1800" b="0" kern="1200" dirty="0">
                           <a:solidFill>
-                            <a:srgbClr val="FFFFFF"/>
+                            <a:schemeClr val="bg1"/>
                           </a:solidFill>
                           <a:latin typeface="Calibri"/>
                           <a:ea typeface="Calibri"/>
-                          <a:cs typeface="Calibri"/>
+                          <a:cs typeface="Times New Roman"/>
                         </a:rPr>
                         <a:t>Caso de Estudio</a:t>
                       </a:r>
-                      <a:endParaRPr lang="es-ES_tradnl" sz="1100" dirty="0">
-                        <a:latin typeface="Calibri"/>
-                        <a:ea typeface="Times New Roman"/>
-                        <a:cs typeface="Calibri"/>
-                      </a:endParaRPr>
                     </a:p>
                   </a:txBody>
                   <a:tcPr marL="68580" marR="68580" marT="0" marB="0">
@@ -14044,20 +16162,23 @@
                         </a:spcAft>
                       </a:pPr>
                       <a:r>
-                        <a:rPr lang="es-AR" sz="1100" b="1" dirty="0">
+                        <a:rPr kumimoji="0" lang="es-AR" sz="1800" b="0" kern="1200" dirty="0" smtClean="0">
                           <a:solidFill>
-                            <a:srgbClr val="FFFFFF"/>
+                            <a:schemeClr val="bg1"/>
                           </a:solidFill>
                           <a:latin typeface="Calibri"/>
                           <a:ea typeface="Calibri"/>
-                          <a:cs typeface="Calibri"/>
+                          <a:cs typeface="Times New Roman"/>
                         </a:rPr>
                         <a:t>CRS</a:t>
                       </a:r>
-                      <a:endParaRPr lang="es-ES_tradnl" sz="1100" dirty="0">
+                      <a:endParaRPr kumimoji="0" lang="es-AR" sz="1800" b="0" kern="1200" dirty="0">
+                        <a:solidFill>
+                          <a:schemeClr val="bg1"/>
+                        </a:solidFill>
                         <a:latin typeface="Calibri"/>
-                        <a:ea typeface="Times New Roman"/>
-                        <a:cs typeface="Calibri"/>
+                        <a:ea typeface="Calibri"/>
+                        <a:cs typeface="Times New Roman"/>
                       </a:endParaRPr>
                     </a:p>
                   </a:txBody>
@@ -14098,7 +16219,7 @@
                   </a:tcPr>
                 </a:tc>
               </a:tr>
-              <a:tr h="352770">
+              <a:tr h="392972">
                 <a:tc>
                   <a:txBody>
                     <a:bodyPr/>
@@ -14113,18 +16234,16 @@
                         </a:spcAft>
                       </a:pPr>
                       <a:r>
-                        <a:rPr lang="es-AR" sz="1100" b="1" dirty="0">
+                        <a:rPr kumimoji="0" lang="es-AR" sz="1800" b="0" kern="1200" dirty="0">
+                          <a:solidFill>
+                            <a:schemeClr val="tx1"/>
+                          </a:solidFill>
                           <a:latin typeface="Calibri"/>
                           <a:ea typeface="Calibri"/>
-                          <a:cs typeface="Calibri"/>
+                          <a:cs typeface="Times New Roman"/>
                         </a:rPr>
                         <a:t>QVP</a:t>
                       </a:r>
-                      <a:endParaRPr lang="es-ES_tradnl" sz="1100" dirty="0">
-                        <a:latin typeface="Calibri"/>
-                        <a:ea typeface="Times New Roman"/>
-                        <a:cs typeface="Calibri"/>
-                      </a:endParaRPr>
                     </a:p>
                   </a:txBody>
                   <a:tcPr marL="68580" marR="68580" marT="0" marB="0">
@@ -14174,18 +16293,16 @@
                         </a:spcAft>
                       </a:pPr>
                       <a:r>
-                        <a:rPr lang="es-AR" sz="1100" dirty="0">
+                        <a:rPr kumimoji="0" lang="es-AR" sz="1800" b="0" kern="1200" dirty="0">
+                          <a:solidFill>
+                            <a:schemeClr val="tx1"/>
+                          </a:solidFill>
                           <a:latin typeface="Calibri"/>
                           <a:ea typeface="Calibri"/>
-                          <a:cs typeface="Calibri"/>
+                          <a:cs typeface="Times New Roman"/>
                         </a:rPr>
                         <a:t>5</a:t>
                       </a:r>
-                      <a:endParaRPr lang="es-ES_tradnl" sz="1100" dirty="0">
-                        <a:latin typeface="Calibri"/>
-                        <a:ea typeface="Times New Roman"/>
-                        <a:cs typeface="Calibri"/>
-                      </a:endParaRPr>
                     </a:p>
                   </a:txBody>
                   <a:tcPr marL="68580" marR="68580" marT="0" marB="0">
@@ -14222,7 +16339,7 @@
                   </a:tcPr>
                 </a:tc>
               </a:tr>
-              <a:tr h="352770">
+              <a:tr h="392972">
                 <a:tc>
                   <a:txBody>
                     <a:bodyPr/>
@@ -14237,18 +16354,16 @@
                         </a:spcAft>
                       </a:pPr>
                       <a:r>
-                        <a:rPr lang="es-AR" sz="1100" b="1" dirty="0">
+                        <a:rPr kumimoji="0" lang="es-AR" sz="1800" b="0" kern="1200" dirty="0">
+                          <a:solidFill>
+                            <a:schemeClr val="tx1"/>
+                          </a:solidFill>
                           <a:latin typeface="Calibri"/>
                           <a:ea typeface="Calibri"/>
-                          <a:cs typeface="Calibri"/>
+                          <a:cs typeface="Times New Roman"/>
                         </a:rPr>
                         <a:t>QFP</a:t>
                       </a:r>
-                      <a:endParaRPr lang="es-ES_tradnl" sz="1100" dirty="0">
-                        <a:latin typeface="Calibri"/>
-                        <a:ea typeface="Times New Roman"/>
-                        <a:cs typeface="Calibri"/>
-                      </a:endParaRPr>
                     </a:p>
                   </a:txBody>
                   <a:tcPr marL="68580" marR="68580" marT="0" marB="0">
@@ -14298,18 +16413,16 @@
                         </a:spcAft>
                       </a:pPr>
                       <a:r>
-                        <a:rPr lang="es-AR" sz="1100" dirty="0">
+                        <a:rPr kumimoji="0" lang="es-AR" sz="1800" b="0" kern="1200" dirty="0">
+                          <a:solidFill>
+                            <a:schemeClr val="tx1"/>
+                          </a:solidFill>
                           <a:latin typeface="Calibri"/>
                           <a:ea typeface="Calibri"/>
-                          <a:cs typeface="Calibri"/>
+                          <a:cs typeface="Times New Roman"/>
                         </a:rPr>
                         <a:t>2</a:t>
                       </a:r>
-                      <a:endParaRPr lang="es-ES_tradnl" sz="1100" dirty="0">
-                        <a:latin typeface="Calibri"/>
-                        <a:ea typeface="Times New Roman"/>
-                        <a:cs typeface="Calibri"/>
-                      </a:endParaRPr>
                     </a:p>
                   </a:txBody>
                   <a:tcPr marL="68580" marR="68580" marT="0" marB="0">
@@ -14346,7 +16459,7 @@
                   </a:tcPr>
                 </a:tc>
               </a:tr>
-              <a:tr h="352770">
+              <a:tr h="505507">
                 <a:tc>
                   <a:txBody>
                     <a:bodyPr/>
@@ -14361,18 +16474,16 @@
                         </a:spcAft>
                       </a:pPr>
                       <a:r>
-                        <a:rPr lang="es-AR" sz="1100" b="1" dirty="0">
+                        <a:rPr kumimoji="0" lang="es-AR" sz="1800" b="0" kern="1200" dirty="0">
+                          <a:solidFill>
+                            <a:schemeClr val="tx1"/>
+                          </a:solidFill>
                           <a:latin typeface="Calibri"/>
                           <a:ea typeface="Calibri"/>
-                          <a:cs typeface="Calibri"/>
+                          <a:cs typeface="Times New Roman"/>
                         </a:rPr>
                         <a:t>QFN</a:t>
                       </a:r>
-                      <a:endParaRPr lang="es-ES_tradnl" sz="1100" dirty="0">
-                        <a:latin typeface="Calibri"/>
-                        <a:ea typeface="Times New Roman"/>
-                        <a:cs typeface="Calibri"/>
-                      </a:endParaRPr>
                     </a:p>
                   </a:txBody>
                   <a:tcPr marL="68580" marR="68580" marT="0" marB="0">
@@ -14422,142 +16533,16 @@
                         </a:spcAft>
                       </a:pPr>
                       <a:r>
-                        <a:rPr lang="es-AR" sz="1100" dirty="0">
+                        <a:rPr kumimoji="0" lang="es-AR" sz="1800" b="0" kern="1200" dirty="0">
+                          <a:solidFill>
+                            <a:schemeClr val="tx1"/>
+                          </a:solidFill>
                           <a:latin typeface="Calibri"/>
                           <a:ea typeface="Calibri"/>
-                          <a:cs typeface="Calibri"/>
+                          <a:cs typeface="Times New Roman"/>
                         </a:rPr>
                         <a:t>0</a:t>
                       </a:r>
-                      <a:endParaRPr lang="es-ES_tradnl" sz="1100" dirty="0">
-                        <a:latin typeface="Calibri"/>
-                        <a:ea typeface="Times New Roman"/>
-                        <a:cs typeface="Calibri"/>
-                      </a:endParaRPr>
-                    </a:p>
-                  </a:txBody>
-                  <a:tcPr marL="68580" marR="68580" marT="0" marB="0">
-                    <a:lnL>
-                      <a:noFill/>
-                    </a:lnL>
-                    <a:lnR w="12700" cap="flat" cmpd="sng" algn="ctr">
-                      <a:solidFill>
-                        <a:srgbClr val="4F81BD"/>
-                      </a:solidFill>
-                      <a:prstDash val="solid"/>
-                      <a:round/>
-                      <a:headEnd type="none" w="med" len="med"/>
-                      <a:tailEnd type="none" w="med" len="med"/>
-                    </a:lnR>
-                    <a:lnT w="12700" cap="flat" cmpd="sng" algn="ctr">
-                      <a:solidFill>
-                        <a:srgbClr val="4F81BD"/>
-                      </a:solidFill>
-                      <a:prstDash val="solid"/>
-                      <a:round/>
-                      <a:headEnd type="none" w="med" len="med"/>
-                      <a:tailEnd type="none" w="med" len="med"/>
-                    </a:lnT>
-                    <a:lnB w="12700" cap="flat" cmpd="sng" algn="ctr">
-                      <a:solidFill>
-                        <a:srgbClr val="4F81BD"/>
-                      </a:solidFill>
-                      <a:prstDash val="solid"/>
-                      <a:round/>
-                      <a:headEnd type="none" w="med" len="med"/>
-                      <a:tailEnd type="none" w="med" len="med"/>
-                    </a:lnB>
-                  </a:tcPr>
-                </a:tc>
-              </a:tr>
-              <a:tr h="352770">
-                <a:tc>
-                  <a:txBody>
-                    <a:bodyPr/>
-                    <a:lstStyle/>
-                    <a:p>
-                      <a:pPr algn="ctr">
-                        <a:lnSpc>
-                          <a:spcPct val="115000"/>
-                        </a:lnSpc>
-                        <a:spcAft>
-                          <a:spcPts val="0"/>
-                        </a:spcAft>
-                      </a:pPr>
-                      <a:r>
-                        <a:rPr lang="es-AR" sz="1100" b="1" dirty="0">
-                          <a:latin typeface="Calibri"/>
-                          <a:ea typeface="Calibri"/>
-                          <a:cs typeface="Calibri"/>
-                        </a:rPr>
-                        <a:t>QV</a:t>
-                      </a:r>
-                      <a:endParaRPr lang="es-ES_tradnl" sz="1100" dirty="0">
-                        <a:latin typeface="Calibri"/>
-                        <a:ea typeface="Times New Roman"/>
-                        <a:cs typeface="Calibri"/>
-                      </a:endParaRPr>
-                    </a:p>
-                  </a:txBody>
-                  <a:tcPr marL="68580" marR="68580" marT="0" marB="0">
-                    <a:lnL w="12700" cap="flat" cmpd="sng" algn="ctr">
-                      <a:solidFill>
-                        <a:srgbClr val="4F81BD"/>
-                      </a:solidFill>
-                      <a:prstDash val="solid"/>
-                      <a:round/>
-                      <a:headEnd type="none" w="med" len="med"/>
-                      <a:tailEnd type="none" w="med" len="med"/>
-                    </a:lnL>
-                    <a:lnR>
-                      <a:noFill/>
-                    </a:lnR>
-                    <a:lnT w="12700" cap="flat" cmpd="sng" algn="ctr">
-                      <a:solidFill>
-                        <a:srgbClr val="4F81BD"/>
-                      </a:solidFill>
-                      <a:prstDash val="solid"/>
-                      <a:round/>
-                      <a:headEnd type="none" w="med" len="med"/>
-                      <a:tailEnd type="none" w="med" len="med"/>
-                    </a:lnT>
-                    <a:lnB w="12700" cap="flat" cmpd="sng" algn="ctr">
-                      <a:solidFill>
-                        <a:srgbClr val="4F81BD"/>
-                      </a:solidFill>
-                      <a:prstDash val="solid"/>
-                      <a:round/>
-                      <a:headEnd type="none" w="med" len="med"/>
-                      <a:tailEnd type="none" w="med" len="med"/>
-                    </a:lnB>
-                  </a:tcPr>
-                </a:tc>
-                <a:tc>
-                  <a:txBody>
-                    <a:bodyPr/>
-                    <a:lstStyle/>
-                    <a:p>
-                      <a:pPr algn="ctr">
-                        <a:lnSpc>
-                          <a:spcPct val="115000"/>
-                        </a:lnSpc>
-                        <a:spcAft>
-                          <a:spcPts val="0"/>
-                        </a:spcAft>
-                      </a:pPr>
-                      <a:r>
-                        <a:rPr lang="es-AR" sz="1100" dirty="0">
-                          <a:latin typeface="Calibri"/>
-                          <a:ea typeface="Calibri"/>
-                          <a:cs typeface="Calibri"/>
-                        </a:rPr>
-                        <a:t>5</a:t>
-                      </a:r>
-                      <a:endParaRPr lang="es-ES_tradnl" sz="1100" dirty="0">
-                        <a:latin typeface="Calibri"/>
-                        <a:ea typeface="Times New Roman"/>
-                        <a:cs typeface="Calibri"/>
-                      </a:endParaRPr>
                     </a:p>
                   </a:txBody>
                   <a:tcPr marL="68580" marR="68580" marT="0" marB="0">
@@ -14598,181 +16583,6 @@
           </a:graphicData>
         </a:graphic>
       </p:graphicFrame>
-      <p:pic>
-        <p:nvPicPr>
-          <p:cNvPr id="52226" name="Picture 2"/>
-          <p:cNvPicPr>
-            <a:picLocks noChangeAspect="1" noChangeArrowheads="1"/>
-          </p:cNvPicPr>
-          <p:nvPr/>
-        </p:nvPicPr>
-        <p:blipFill>
-          <a:blip r:embed="rId4" cstate="print">
-            <a:clrChange>
-              <a:clrFrom>
-                <a:srgbClr val="FFFFFF"/>
-              </a:clrFrom>
-              <a:clrTo>
-                <a:srgbClr val="FFFFFF">
-                  <a:alpha val="0"/>
-                </a:srgbClr>
-              </a:clrTo>
-            </a:clrChange>
-          </a:blip>
-          <a:srcRect/>
-          <a:stretch>
-            <a:fillRect/>
-          </a:stretch>
-        </p:blipFill>
-        <p:spPr bwMode="auto">
-          <a:xfrm>
-            <a:off x="4184840" y="4445204"/>
-            <a:ext cx="3968178" cy="583996"/>
-          </a:xfrm>
-          <a:prstGeom prst="rect">
-            <a:avLst/>
-          </a:prstGeom>
-          <a:noFill/>
-        </p:spPr>
-      </p:pic>
-      <p:pic>
-        <p:nvPicPr>
-          <p:cNvPr id="52225" name="Picture 1"/>
-          <p:cNvPicPr>
-            <a:picLocks noChangeAspect="1" noChangeArrowheads="1"/>
-          </p:cNvPicPr>
-          <p:nvPr/>
-        </p:nvPicPr>
-        <p:blipFill>
-          <a:blip r:embed="rId5" cstate="print">
-            <a:clrChange>
-              <a:clrFrom>
-                <a:srgbClr val="FFFFFF"/>
-              </a:clrFrom>
-              <a:clrTo>
-                <a:srgbClr val="FFFFFF">
-                  <a:alpha val="0"/>
-                </a:srgbClr>
-              </a:clrTo>
-            </a:clrChange>
-          </a:blip>
-          <a:srcRect/>
-          <a:stretch>
-            <a:fillRect/>
-          </a:stretch>
-        </p:blipFill>
-        <p:spPr bwMode="auto">
-          <a:xfrm>
-            <a:off x="4244326" y="5336146"/>
-            <a:ext cx="3466290" cy="606212"/>
-          </a:xfrm>
-          <a:prstGeom prst="rect">
-            <a:avLst/>
-          </a:prstGeom>
-          <a:noFill/>
-        </p:spPr>
-      </p:pic>
-      <p:sp>
-        <p:nvSpPr>
-          <p:cNvPr id="52227" name="Rectangle 3"/>
-          <p:cNvSpPr>
-            <a:spLocks noChangeArrowheads="1"/>
-          </p:cNvSpPr>
-          <p:nvPr/>
-        </p:nvSpPr>
-        <p:spPr bwMode="auto">
-          <a:xfrm>
-            <a:off x="0" y="0"/>
-            <a:ext cx="9144000" cy="457200"/>
-          </a:xfrm>
-          <a:prstGeom prst="rect">
-            <a:avLst/>
-          </a:prstGeom>
-          <a:noFill/>
-          <a:ln w="9525">
-            <a:noFill/>
-            <a:miter lim="800000"/>
-            <a:headEnd/>
-            <a:tailEnd/>
-          </a:ln>
-          <a:effectLst/>
-        </p:spPr>
-        <p:txBody>
-          <a:bodyPr vert="horz" wrap="none" lIns="91440" tIns="45720" rIns="91440" bIns="45720" numCol="1" anchor="ctr" anchorCtr="0" compatLnSpc="1">
-            <a:prstTxWarp prst="textNoShape">
-              <a:avLst/>
-            </a:prstTxWarp>
-            <a:spAutoFit/>
-          </a:bodyPr>
-          <a:lstStyle/>
-          <a:p>
-            <a:endParaRPr lang="es-ES_tradnl" dirty="0"/>
-          </a:p>
-        </p:txBody>
-      </p:sp>
-      <p:sp>
-        <p:nvSpPr>
-          <p:cNvPr id="52228" name="Rectangle 4"/>
-          <p:cNvSpPr>
-            <a:spLocks noChangeArrowheads="1"/>
-          </p:cNvSpPr>
-          <p:nvPr/>
-        </p:nvSpPr>
-        <p:spPr bwMode="auto">
-          <a:xfrm>
-            <a:off x="0" y="828675"/>
-            <a:ext cx="9144000" cy="457200"/>
-          </a:xfrm>
-          <a:prstGeom prst="rect">
-            <a:avLst/>
-          </a:prstGeom>
-          <a:noFill/>
-          <a:ln w="9525">
-            <a:noFill/>
-            <a:miter lim="800000"/>
-            <a:headEnd/>
-            <a:tailEnd/>
-          </a:ln>
-          <a:effectLst/>
-        </p:spPr>
-        <p:txBody>
-          <a:bodyPr vert="horz" wrap="none" lIns="91440" tIns="45720" rIns="91440" bIns="45720" numCol="1" anchor="ctr" anchorCtr="0" compatLnSpc="1">
-            <a:prstTxWarp prst="textNoShape">
-              <a:avLst/>
-            </a:prstTxWarp>
-            <a:spAutoFit/>
-          </a:bodyPr>
-          <a:lstStyle/>
-          <a:p>
-            <a:pPr marL="0" marR="0" lvl="0" indent="0" algn="l" defTabSz="914400" rtl="0" eaLnBrk="1" fontAlgn="base" latinLnBrk="0" hangingPunct="1">
-              <a:lnSpc>
-                <a:spcPct val="100000"/>
-              </a:lnSpc>
-              <a:spcBef>
-                <a:spcPct val="0"/>
-              </a:spcBef>
-              <a:spcAft>
-                <a:spcPct val="0"/>
-              </a:spcAft>
-              <a:buClrTx/>
-              <a:buSzTx/>
-              <a:buFontTx/>
-              <a:buNone/>
-              <a:tabLst/>
-            </a:pPr>
-            <a:endParaRPr kumimoji="0" lang="es-ES_tradnl" sz="1800" b="0" i="0" u="none" strike="noStrike" cap="none" normalizeH="0" baseline="0" dirty="0" smtClean="0">
-              <a:ln>
-                <a:noFill/>
-              </a:ln>
-              <a:solidFill>
-                <a:schemeClr val="tx1"/>
-              </a:solidFill>
-              <a:effectLst/>
-              <a:latin typeface="Arial" pitchFamily="34" charset="0"/>
-            </a:endParaRPr>
-          </a:p>
-        </p:txBody>
-      </p:sp>
     </p:spTree>
   </p:cSld>
   <p:clrMapOvr>
@@ -14799,7 +16609,7 @@
                             </p:stCondLst>
                             <p:childTnLst>
                               <p:par>
-                                <p:cTn id="5" presetID="4" presetClass="entr" presetSubtype="16" fill="hold" nodeType="clickEffect">
+                                <p:cTn id="5" presetID="5" presetClass="entr" presetSubtype="10" fill="hold" nodeType="clickEffect">
                                   <p:stCondLst>
                                     <p:cond delay="0"/>
                                   </p:stCondLst>
@@ -14812,7 +16622,7 @@
                                           </p:stCondLst>
                                         </p:cTn>
                                         <p:tgtEl>
-                                          <p:spTgt spid="5"/>
+                                          <p:spTgt spid="52226"/>
                                         </p:tgtEl>
                                         <p:attrNameLst>
                                           <p:attrName>style.visibility</p:attrName>
@@ -14822,11 +16632,11 @@
                                         <p:strVal val="visible"/>
                                       </p:to>
                                     </p:set>
-                                    <p:animEffect transition="in" filter="box(in)">
+                                    <p:animEffect transition="in" filter="checkerboard(across)">
                                       <p:cBhvr>
                                         <p:cTn id="7" dur="500"/>
                                         <p:tgtEl>
-                                          <p:spTgt spid="5"/>
+                                          <p:spTgt spid="52226"/>
                                         </p:tgtEl>
                                       </p:cBhvr>
                                     </p:animEffect>
@@ -14852,7 +16662,7 @@
                             </p:stCondLst>
                             <p:childTnLst>
                               <p:par>
-                                <p:cTn id="10" presetID="5" presetClass="entr" presetSubtype="10" fill="hold" nodeType="clickEffect">
+                                <p:cTn id="10" presetID="2" presetClass="entr" presetSubtype="4" fill="hold" nodeType="clickEffect">
                                   <p:stCondLst>
                                     <p:cond delay="0"/>
                                   </p:stCondLst>
@@ -14860,59 +16670,6 @@
                                     <p:set>
                                       <p:cBhvr>
                                         <p:cTn id="11" dur="1" fill="hold">
-                                          <p:stCondLst>
-                                            <p:cond delay="0"/>
-                                          </p:stCondLst>
-                                        </p:cTn>
-                                        <p:tgtEl>
-                                          <p:spTgt spid="52226"/>
-                                        </p:tgtEl>
-                                        <p:attrNameLst>
-                                          <p:attrName>style.visibility</p:attrName>
-                                        </p:attrNameLst>
-                                      </p:cBhvr>
-                                      <p:to>
-                                        <p:strVal val="visible"/>
-                                      </p:to>
-                                    </p:set>
-                                    <p:animEffect transition="in" filter="checkerboard(across)">
-                                      <p:cBhvr>
-                                        <p:cTn id="12" dur="500"/>
-                                        <p:tgtEl>
-                                          <p:spTgt spid="52226"/>
-                                        </p:tgtEl>
-                                      </p:cBhvr>
-                                    </p:animEffect>
-                                  </p:childTnLst>
-                                </p:cTn>
-                              </p:par>
-                            </p:childTnLst>
-                          </p:cTn>
-                        </p:par>
-                      </p:childTnLst>
-                    </p:cTn>
-                  </p:par>
-                  <p:par>
-                    <p:cTn id="13" fill="hold">
-                      <p:stCondLst>
-                        <p:cond delay="indefinite"/>
-                      </p:stCondLst>
-                      <p:childTnLst>
-                        <p:par>
-                          <p:cTn id="14" fill="hold">
-                            <p:stCondLst>
-                              <p:cond delay="0"/>
-                            </p:stCondLst>
-                            <p:childTnLst>
-                              <p:par>
-                                <p:cTn id="15" presetID="2" presetClass="entr" presetSubtype="4" fill="hold" nodeType="clickEffect">
-                                  <p:stCondLst>
-                                    <p:cond delay="0"/>
-                                  </p:stCondLst>
-                                  <p:childTnLst>
-                                    <p:set>
-                                      <p:cBhvr>
-                                        <p:cTn id="16" dur="1" fill="hold">
                                           <p:stCondLst>
                                             <p:cond delay="0"/>
                                           </p:stCondLst>
@@ -14930,7 +16687,7 @@
                                     </p:set>
                                     <p:anim calcmode="lin" valueType="num">
                                       <p:cBhvr additive="base">
-                                        <p:cTn id="17" dur="500" fill="hold"/>
+                                        <p:cTn id="12" dur="500" fill="hold"/>
                                         <p:tgtEl>
                                           <p:spTgt spid="52225"/>
                                         </p:tgtEl>
@@ -14953,7 +16710,7 @@
                                     </p:anim>
                                     <p:anim calcmode="lin" valueType="num">
                                       <p:cBhvr additive="base">
-                                        <p:cTn id="18" dur="500" fill="hold"/>
+                                        <p:cTn id="13" dur="500" fill="hold"/>
                                         <p:tgtEl>
                                           <p:spTgt spid="52225"/>
                                         </p:tgtEl>
@@ -14974,6 +16731,59 @@
                                         </p:tav>
                                       </p:tavLst>
                                     </p:anim>
+                                  </p:childTnLst>
+                                </p:cTn>
+                              </p:par>
+                            </p:childTnLst>
+                          </p:cTn>
+                        </p:par>
+                      </p:childTnLst>
+                    </p:cTn>
+                  </p:par>
+                  <p:par>
+                    <p:cTn id="14" fill="hold">
+                      <p:stCondLst>
+                        <p:cond delay="indefinite"/>
+                      </p:stCondLst>
+                      <p:childTnLst>
+                        <p:par>
+                          <p:cTn id="15" fill="hold">
+                            <p:stCondLst>
+                              <p:cond delay="0"/>
+                            </p:stCondLst>
+                            <p:childTnLst>
+                              <p:par>
+                                <p:cTn id="16" presetID="4" presetClass="entr" presetSubtype="16" fill="hold" nodeType="clickEffect">
+                                  <p:stCondLst>
+                                    <p:cond delay="0"/>
+                                  </p:stCondLst>
+                                  <p:childTnLst>
+                                    <p:set>
+                                      <p:cBhvr>
+                                        <p:cTn id="17" dur="1" fill="hold">
+                                          <p:stCondLst>
+                                            <p:cond delay="0"/>
+                                          </p:stCondLst>
+                                        </p:cTn>
+                                        <p:tgtEl>
+                                          <p:spTgt spid="10"/>
+                                        </p:tgtEl>
+                                        <p:attrNameLst>
+                                          <p:attrName>style.visibility</p:attrName>
+                                        </p:attrNameLst>
+                                      </p:cBhvr>
+                                      <p:to>
+                                        <p:strVal val="visible"/>
+                                      </p:to>
+                                    </p:set>
+                                    <p:animEffect transition="in" filter="box(in)">
+                                      <p:cBhvr>
+                                        <p:cTn id="18" dur="500"/>
+                                        <p:tgtEl>
+                                          <p:spTgt spid="10"/>
+                                        </p:tgtEl>
+                                      </p:cBhvr>
+                                    </p:animEffect>
                                   </p:childTnLst>
                                 </p:cTn>
                               </p:par>
@@ -16358,158 +18168,6 @@
 </p:sld>
 </file>
 
-<file path=ppt/slides/slide34.xml><?xml version="1.0" encoding="utf-8"?>
-<p:sld xmlns:a="http://schemas.openxmlformats.org/drawingml/2006/main" xmlns:r="http://schemas.openxmlformats.org/officeDocument/2006/relationships" xmlns:p="http://schemas.openxmlformats.org/presentationml/2006/main">
-  <p:cSld>
-    <p:spTree>
-      <p:nvGrpSpPr>
-        <p:cNvPr id="1" name=""/>
-        <p:cNvGrpSpPr/>
-        <p:nvPr/>
-      </p:nvGrpSpPr>
-      <p:grpSpPr>
-        <a:xfrm>
-          <a:off x="0" y="0"/>
-          <a:ext cx="0" cy="0"/>
-          <a:chOff x="0" y="0"/>
-          <a:chExt cx="0" cy="0"/>
-        </a:xfrm>
-      </p:grpSpPr>
-      <p:sp>
-        <p:nvSpPr>
-          <p:cNvPr id="2" name="1 Título"/>
-          <p:cNvSpPr>
-            <a:spLocks noGrp="1"/>
-          </p:cNvSpPr>
-          <p:nvPr>
-            <p:ph type="title"/>
-          </p:nvPr>
-        </p:nvSpPr>
-        <p:spPr/>
-        <p:txBody>
-          <a:bodyPr>
-            <a:normAutofit/>
-          </a:bodyPr>
-          <a:lstStyle/>
-          <a:p>
-            <a:r>
-              <a:rPr lang="es-ES" dirty="0" smtClean="0"/>
-              <a:t>Trabajos relacionados</a:t>
-            </a:r>
-            <a:endParaRPr lang="es-ES" dirty="0"/>
-          </a:p>
-        </p:txBody>
-      </p:sp>
-      <p:sp>
-        <p:nvSpPr>
-          <p:cNvPr id="3" name="2 Marcador de contenido"/>
-          <p:cNvSpPr>
-            <a:spLocks noGrp="1"/>
-          </p:cNvSpPr>
-          <p:nvPr>
-            <p:ph sz="quarter" idx="1"/>
-          </p:nvPr>
-        </p:nvSpPr>
-        <p:spPr/>
-        <p:txBody>
-          <a:bodyPr>
-            <a:normAutofit/>
-          </a:bodyPr>
-          <a:lstStyle/>
-          <a:p>
-            <a:r>
-              <a:rPr lang="es-ES" dirty="0" smtClean="0"/>
-              <a:t>Método de </a:t>
-            </a:r>
-            <a:r>
-              <a:rPr lang="es-ES" dirty="0" err="1" smtClean="0"/>
-              <a:t>elicitación</a:t>
-            </a:r>
-            <a:endParaRPr lang="es-ES" dirty="0" smtClean="0"/>
-          </a:p>
-          <a:p>
-            <a:pPr lvl="1"/>
-            <a:r>
-              <a:rPr lang="es-ES" dirty="0" err="1" smtClean="0"/>
-              <a:t>Checklists</a:t>
-            </a:r>
-            <a:endParaRPr lang="es-ES" dirty="0" smtClean="0"/>
-          </a:p>
-          <a:p>
-            <a:pPr lvl="1"/>
-            <a:r>
-              <a:rPr lang="es-ES" dirty="0" err="1" smtClean="0"/>
-              <a:t>Templates</a:t>
-            </a:r>
-            <a:endParaRPr lang="es-ES" dirty="0" smtClean="0"/>
-          </a:p>
-          <a:p>
-            <a:pPr lvl="1"/>
-            <a:r>
-              <a:rPr lang="es-ES" dirty="0" smtClean="0"/>
-              <a:t>Cuestionarios</a:t>
-            </a:r>
-          </a:p>
-          <a:p>
-            <a:r>
-              <a:rPr lang="es-ES" dirty="0" smtClean="0"/>
-              <a:t>Herramientas semiautomáticas</a:t>
-            </a:r>
-          </a:p>
-          <a:p>
-            <a:pPr lvl="1"/>
-            <a:r>
-              <a:rPr lang="es-ES" dirty="0" smtClean="0"/>
-              <a:t>Comúnmente basadas en técnicas de IR o NLP</a:t>
-            </a:r>
-          </a:p>
-          <a:p>
-            <a:pPr lvl="1"/>
-            <a:endParaRPr lang="es-ES" dirty="0" smtClean="0"/>
-          </a:p>
-          <a:p>
-            <a:r>
-              <a:rPr lang="es-ES" dirty="0" smtClean="0"/>
-              <a:t>Generalmente,  estos enfoques no utilizan información </a:t>
-            </a:r>
-            <a:r>
-              <a:rPr lang="es-ES_tradnl" dirty="0" smtClean="0"/>
-              <a:t>proveniente </a:t>
-            </a:r>
-            <a:r>
-              <a:rPr lang="es-ES" dirty="0" smtClean="0"/>
-              <a:t>de los aspectos tempranos</a:t>
-            </a:r>
-          </a:p>
-          <a:p>
-            <a:pPr lvl="1">
-              <a:buNone/>
-            </a:pPr>
-            <a:endParaRPr lang="es-ES" dirty="0" smtClean="0"/>
-          </a:p>
-          <a:p>
-            <a:pPr lvl="1">
-              <a:buNone/>
-            </a:pPr>
-            <a:endParaRPr lang="es-ES" dirty="0" smtClean="0"/>
-          </a:p>
-        </p:txBody>
-      </p:sp>
-    </p:spTree>
-  </p:cSld>
-  <p:clrMapOvr>
-    <a:masterClrMapping/>
-  </p:clrMapOvr>
-  <p:timing>
-    <p:tnLst>
-      <p:par>
-        <p:cTn id="1" dur="indefinite" restart="never" nodeType="tmRoot"/>
-      </p:par>
-    </p:tnLst>
-  </p:timing>
-</p:sld>
-</file>
-
 <file path=ppt/slides/slide4.xml><?xml version="1.0" encoding="utf-8"?>
 <p:sld xmlns:a="http://schemas.openxmlformats.org/drawingml/2006/main" xmlns:r="http://schemas.openxmlformats.org/officeDocument/2006/relationships" xmlns:p="http://schemas.openxmlformats.org/presentationml/2006/main">
   <p:cSld>
@@ -16574,15 +18232,7 @@
           <a:p>
             <a:r>
               <a:rPr lang="es-ES" dirty="0" smtClean="0"/>
-              <a:t>Los atributos de calidad (QAs) son propiedades deseadas o requerimientos adicionales de un sistema.  Ejemplo: performance, </a:t>
-            </a:r>
-            <a:r>
-              <a:rPr lang="es-ES" dirty="0" smtClean="0"/>
-              <a:t> seguridad,  </a:t>
-            </a:r>
-            <a:r>
-              <a:rPr lang="es-ES" dirty="0" smtClean="0"/>
-              <a:t>disponibilidad,  etc.</a:t>
+              <a:t>Los atributos de calidad (QAs) son propiedades deseadas o requerimientos adicionales de un sistema.  Ejemplo: performance,  seguridad,  disponibilidad,  etc.</a:t>
             </a:r>
           </a:p>
           <a:p>
@@ -16681,15 +18331,35 @@
             <a:pPr lvl="1"/>
             <a:r>
               <a:rPr lang="es-ES" dirty="0" smtClean="0"/>
+              <a:t>Utilización </a:t>
+            </a:r>
+            <a:r>
+              <a:rPr lang="es-ES" dirty="0" smtClean="0"/>
+              <a:t>de lenguaje natural, sin estructurar los </a:t>
+            </a:r>
+            <a:r>
+              <a:rPr lang="es-ES" dirty="0" err="1" smtClean="0"/>
+              <a:t>QAs</a:t>
+            </a:r>
+            <a:r>
+              <a:rPr lang="es-ES" dirty="0" smtClean="0"/>
+              <a:t> </a:t>
+            </a:r>
+            <a:r>
+              <a:rPr lang="es-ES" dirty="0" smtClean="0"/>
+              <a:t>formalmente</a:t>
+            </a:r>
+          </a:p>
+          <a:p>
+            <a:pPr lvl="1"/>
+            <a:r>
+              <a:rPr lang="es-ES" dirty="0" smtClean="0"/>
               <a:t>Varios casos de uso de gran extensión</a:t>
             </a:r>
           </a:p>
           <a:p>
             <a:pPr lvl="1"/>
-            <a:r>
-              <a:rPr lang="es-ES" dirty="0" smtClean="0"/>
-              <a:t>Utilización de lenguaje natural, sin estructurar los QAs formalmente</a:t>
-            </a:r>
+            <a:endParaRPr lang="es-ES" dirty="0" smtClean="0"/>
           </a:p>
           <a:p>
             <a:pPr lvl="1">
@@ -16716,8 +18386,8 @@
         </p:blipFill>
         <p:spPr bwMode="auto">
           <a:xfrm>
-            <a:off x="4788024" y="3068960"/>
-            <a:ext cx="2997263" cy="3096344"/>
+            <a:off x="5710984" y="3015916"/>
+            <a:ext cx="2940571" cy="3245640"/>
           </a:xfrm>
           <a:prstGeom prst="rect">
             <a:avLst/>
@@ -17380,13 +19050,8 @@
             <a:pPr lvl="1"/>
             <a:r>
               <a:rPr lang="es-ES" dirty="0" smtClean="0"/>
-              <a:t>Interfaz de </a:t>
-            </a:r>
-            <a:r>
-              <a:rPr lang="es-ES" smtClean="0"/>
-              <a:t>usuario        Usabilidad</a:t>
-            </a:r>
-            <a:endParaRPr lang="es-ES" dirty="0" smtClean="0"/>
+              <a:t>Interfaz de usuario        Usabilidad</a:t>
+            </a:r>
           </a:p>
           <a:p>
             <a:endParaRPr lang="es-ES" dirty="0"/>
@@ -17455,7 +19120,7 @@
           <a:lstStyle/>
           <a:p>
             <a:pPr algn="ctr"/>
-            <a:endParaRPr lang="es-ES_tradnl"/>
+            <a:endParaRPr lang="es-ES_tradnl" dirty="0"/>
           </a:p>
         </p:txBody>
       </p:sp>
@@ -17495,7 +19160,7 @@
           <a:lstStyle/>
           <a:p>
             <a:pPr algn="ctr"/>
-            <a:endParaRPr lang="es-ES_tradnl"/>
+            <a:endParaRPr lang="es-ES_tradnl" dirty="0"/>
           </a:p>
         </p:txBody>
       </p:sp>

--- a/trunk/Capitulos Finales/FilminasV0.2.pptx
+++ b/trunk/Capitulos Finales/FilminasV0.2.pptx
@@ -639,15 +639,7 @@
             </a:r>
             <a:r>
               <a:rPr lang="es-ES_tradnl" baseline="0" dirty="0" smtClean="0"/>
-              <a:t>. Primero se describirá la propuesta y luego si, veremos en detalle el proceso que </a:t>
-            </a:r>
-            <a:r>
-              <a:rPr lang="es-ES_tradnl" baseline="0" dirty="0" smtClean="0"/>
-              <a:t>definimos. </a:t>
-            </a:r>
-            <a:r>
-              <a:rPr lang="es-ES_tradnl" baseline="0" dirty="0" smtClean="0"/>
-              <a:t>Por último, se presentará la herramienta que se creo como soporte al enfoque.</a:t>
+              <a:t>. Primero se describirá la propuesta y luego si, veremos en detalle el proceso que definimos. Por último, se presentará la herramienta que se creo como soporte al enfoque.</a:t>
             </a:r>
             <a:endParaRPr lang="es-ES_tradnl" dirty="0"/>
           </a:p>
@@ -737,40 +729,16 @@
             </a:r>
             <a:r>
               <a:rPr lang="es-ES_tradnl" baseline="0" dirty="0" smtClean="0"/>
-              <a:t> </a:t>
-            </a:r>
+              <a:t> en cuenta la relación que acaba de mencionar Francisco, entre atributos de calidad y aspectos tempranos, se propone una técnica semiautomática que identifique atributos de calidad a partir de un conjunto de aspectos tempranos y casos de uso, beneficiándose justamente de esa relación.</a:t>
+            </a:r>
+          </a:p>
+          <a:p>
+            <a:endParaRPr lang="es-ES_tradnl" baseline="0" dirty="0" smtClean="0"/>
+          </a:p>
+          <a:p>
             <a:r>
               <a:rPr lang="es-ES_tradnl" baseline="0" dirty="0" smtClean="0"/>
-              <a:t>en cuenta la relación que </a:t>
-            </a:r>
-            <a:r>
-              <a:rPr lang="es-ES_tradnl" baseline="0" dirty="0" smtClean="0"/>
-              <a:t>acaba de mencionar Francisco, </a:t>
-            </a:r>
-            <a:r>
-              <a:rPr lang="es-ES_tradnl" baseline="0" dirty="0" smtClean="0"/>
-              <a:t>entre atributos de calidad y aspectos tempranos, se propone una técnica semiautomática que identifique atributos de calidad a partir de un conjunto de aspectos tempranos y casos de uso, beneficiándose justamente de esa relación</a:t>
-            </a:r>
-            <a:r>
-              <a:rPr lang="es-ES_tradnl" baseline="0" dirty="0" smtClean="0"/>
-              <a:t>.</a:t>
-            </a:r>
-          </a:p>
-          <a:p>
-            <a:endParaRPr lang="es-ES_tradnl" baseline="0" dirty="0" smtClean="0"/>
-          </a:p>
-          <a:p>
-            <a:r>
-              <a:rPr lang="es-ES_tradnl" baseline="0" dirty="0" smtClean="0"/>
-              <a:t>- Además</a:t>
-            </a:r>
-            <a:r>
-              <a:rPr lang="es-ES_tradnl" baseline="0" dirty="0" smtClean="0"/>
-              <a:t>, se propone el desarrollo de una herramienta para soportar esta técnica </a:t>
-            </a:r>
-            <a:r>
-              <a:rPr lang="es-ES_tradnl" baseline="0" dirty="0" smtClean="0"/>
-              <a:t>que sirva de </a:t>
+              <a:t>- Además, se propone el desarrollo de una herramienta para soportar esta técnica que sirva de </a:t>
             </a:r>
             <a:r>
               <a:rPr lang="es-ES_tradnl" dirty="0" smtClean="0"/>
@@ -778,11 +746,7 @@
             </a:r>
             <a:r>
               <a:rPr lang="es-ES_tradnl" baseline="0" dirty="0" smtClean="0"/>
-              <a:t> al </a:t>
-            </a:r>
-            <a:r>
-              <a:rPr lang="es-ES_tradnl" baseline="0" dirty="0" smtClean="0"/>
-              <a:t>analista en esta tarea.</a:t>
+              <a:t> al analista en esta tarea.</a:t>
             </a:r>
           </a:p>
         </p:txBody>
@@ -902,29 +866,7 @@
                 <a:ea typeface="+mn-ea"/>
                 <a:cs typeface="+mn-cs"/>
               </a:rPr>
-              <a:t> del proceso donde se observa, en la parte superior la entrada (casos de uso y aspectos tempranos) , </a:t>
-            </a:r>
-            <a:r>
-              <a:rPr lang="es-AR" sz="1200" kern="1200" baseline="0" dirty="0" smtClean="0">
-                <a:solidFill>
-                  <a:schemeClr val="tx1"/>
-                </a:solidFill>
-                <a:latin typeface="+mn-lt"/>
-                <a:ea typeface="+mn-ea"/>
-                <a:cs typeface="+mn-cs"/>
-              </a:rPr>
-              <a:t>en el centro se ven las </a:t>
-            </a:r>
-            <a:r>
-              <a:rPr lang="es-AR" sz="1200" kern="1200" baseline="0" dirty="0" smtClean="0">
-                <a:solidFill>
-                  <a:schemeClr val="tx1"/>
-                </a:solidFill>
-                <a:latin typeface="+mn-lt"/>
-                <a:ea typeface="+mn-ea"/>
-                <a:cs typeface="+mn-cs"/>
-              </a:rPr>
-              <a:t>dos etapas principales del proceso (Tokens Generation</a:t>
+              <a:t> del proceso donde se observa, en la parte superior la entrada (casos de uso y aspectos tempranos) , en el centro se ven las dos etapas principales del proceso (Tokens Generation</a:t>
             </a:r>
             <a:r>
               <a:rPr lang="es-ES_tradnl" sz="1200" kern="1200" baseline="0" dirty="0" smtClean="0">
@@ -979,18 +921,7 @@
                 <a:ea typeface="+mn-ea"/>
                 <a:cs typeface="+mn-cs"/>
               </a:rPr>
-              <a:t>Cada una de estas etapas se verán en detalle a continuación</a:t>
-            </a:r>
-            <a:r>
-              <a:rPr lang="es-ES_tradnl" sz="1200" kern="1200" baseline="0" dirty="0" smtClean="0">
-                <a:solidFill>
-                  <a:schemeClr val="tx1"/>
-                </a:solidFill>
-                <a:latin typeface="+mn-lt"/>
-                <a:ea typeface="+mn-ea"/>
-                <a:cs typeface="+mn-cs"/>
-              </a:rPr>
-              <a:t>. </a:t>
+              <a:t>Cada una de estas etapas se verán en detalle a continuación. </a:t>
             </a:r>
             <a:r>
               <a:rPr lang="es-ES_tradnl" dirty="0" smtClean="0"/>
@@ -1109,18 +1040,7 @@
                 <a:ea typeface="+mn-ea"/>
                 <a:cs typeface="+mn-cs"/>
               </a:rPr>
-              <a:t>por un conjunto de casos </a:t>
-            </a:r>
-            <a:r>
-              <a:rPr lang="es-AR" sz="1200" kern="1200" dirty="0" smtClean="0">
-                <a:solidFill>
-                  <a:schemeClr val="tx1"/>
-                </a:solidFill>
-                <a:latin typeface="+mn-lt"/>
-                <a:ea typeface="+mn-ea"/>
-                <a:cs typeface="+mn-cs"/>
-              </a:rPr>
-              <a:t>de uso</a:t>
+              <a:t>por un conjunto de casos de uso</a:t>
             </a:r>
             <a:r>
               <a:rPr lang="es-ES_tradnl" sz="1200" kern="1200" dirty="0" smtClean="0">
@@ -1212,29 +1132,7 @@
                 <a:ea typeface="+mn-ea"/>
                 <a:cs typeface="+mn-cs"/>
               </a:rPr>
-              <a:t> acá en la </a:t>
-            </a:r>
-            <a:r>
-              <a:rPr lang="es-ES_tradnl" sz="1200" kern="1200" baseline="0" dirty="0" smtClean="0">
-                <a:solidFill>
-                  <a:schemeClr val="tx1"/>
-                </a:solidFill>
-                <a:latin typeface="+mn-lt"/>
-                <a:ea typeface="+mn-ea"/>
-                <a:cs typeface="+mn-cs"/>
-              </a:rPr>
-              <a:t>facultad </a:t>
-            </a:r>
-            <a:r>
-              <a:rPr lang="es-ES_tradnl" sz="1200" kern="1200" baseline="0" dirty="0" smtClean="0">
-                <a:solidFill>
-                  <a:schemeClr val="tx1"/>
-                </a:solidFill>
-                <a:latin typeface="+mn-lt"/>
-                <a:ea typeface="+mn-ea"/>
-                <a:cs typeface="+mn-cs"/>
-              </a:rPr>
-              <a:t>para otras tesis de grado, justamente se utiliza la última versión de esta </a:t>
+              <a:t> acá en la facultad para otras tesis de grado, justamente se utiliza la última versión de esta </a:t>
             </a:r>
             <a:r>
               <a:rPr lang="es-ES_tradnl" sz="1200" kern="1200" baseline="0" dirty="0" err="1" smtClean="0">
@@ -1256,18 +1154,7 @@
                 <a:ea typeface="+mn-ea"/>
                 <a:cs typeface="+mn-cs"/>
               </a:rPr>
-              <a:t> </a:t>
-            </a:r>
-            <a:r>
-              <a:rPr lang="es-ES_tradnl" sz="1200" kern="1200" baseline="0" dirty="0" smtClean="0">
-                <a:solidFill>
-                  <a:schemeClr val="tx1"/>
-                </a:solidFill>
-                <a:latin typeface="+mn-lt"/>
-                <a:ea typeface="+mn-ea"/>
-                <a:cs typeface="+mn-cs"/>
-              </a:rPr>
-              <a:t>que utiliza una algoritmo semántico  y representa un aspecto mediante un nombre y un conjunto de pares &lt;verbo, objeto directo&gt;.</a:t>
+              <a:t> que utiliza una algoritmo semántico  y representa un aspecto mediante un nombre y un conjunto de pares &lt;verbo, objeto directo&gt;.</a:t>
             </a:r>
             <a:endParaRPr lang="es-ES_tradnl" dirty="0" smtClean="0"/>
           </a:p>
@@ -1360,11 +1247,7 @@
             </a:r>
             <a:r>
               <a:rPr lang="es-ES_tradnl" baseline="0" dirty="0" smtClean="0"/>
-              <a:t> vamos a ver la primer etapa del proceso que es </a:t>
-            </a:r>
-            <a:r>
-              <a:rPr lang="es-ES_tradnl" baseline="0" dirty="0" smtClean="0"/>
-              <a:t>la etapa de generación de </a:t>
+              <a:t> vamos a ver la primer etapa del proceso que es la etapa de generación de </a:t>
             </a:r>
             <a:r>
               <a:rPr lang="es-ES_tradnl" baseline="0" dirty="0" err="1" smtClean="0"/>
@@ -1380,11 +1263,7 @@
             </a:r>
             <a:r>
               <a:rPr lang="es-ES_tradnl" baseline="0" dirty="0" smtClean="0"/>
-              <a:t> </a:t>
-            </a:r>
-            <a:r>
-              <a:rPr lang="es-ES_tradnl" baseline="0" dirty="0" smtClean="0"/>
-              <a:t>Generation.</a:t>
+              <a:t> Generation.</a:t>
             </a:r>
             <a:endParaRPr lang="es-ES_tradnl" dirty="0"/>
           </a:p>
@@ -1474,23 +1353,7 @@
             </a:r>
             <a:r>
               <a:rPr lang="es-ES_tradnl" baseline="0" dirty="0" smtClean="0"/>
-              <a:t> en esta etapa hay dos </a:t>
-            </a:r>
-            <a:r>
-              <a:rPr lang="es-ES_tradnl" baseline="0" dirty="0" smtClean="0"/>
-              <a:t>actividades. En la </a:t>
-            </a:r>
-            <a:r>
-              <a:rPr lang="es-ES_tradnl" baseline="0" dirty="0" smtClean="0"/>
-              <a:t>primer actividad, “Input Processor”, se analiza la entrada </a:t>
-            </a:r>
-            <a:r>
-              <a:rPr lang="es-ES_tradnl" baseline="0" dirty="0" smtClean="0"/>
-              <a:t>separando el texto en </a:t>
-            </a:r>
-            <a:r>
-              <a:rPr lang="es-ES_tradnl" baseline="0" dirty="0" smtClean="0"/>
-              <a:t>tokens. Un token es una unidad de información formada por una palabra y un conjunto de propiedades.  A partir de esta actividad se generan dos listas, una de tokens extraídos de los casos de uso y otra lista del aspecto temprano. Estas listas ingresan a la segunda actividad, “Tokens Filter”, en donde se aplican una serie de filtros que transformaran los tokens de las listas. Los filtros que se han definido los siguientes: Lower Case Filter, en donde se pasan las palabras de los tokens a minúscula. Stop Words filter en donde se eliminan los tokens cuya palabra sea considerada Stop-Word (un stop word es una palabra irrelevante para el análisis, artículos preposiciones, etc.) , luego el filtro de stem en donde se lleva la palabra a su raíz. Luego esta el filtro de pesos, en donde se da un peso el token de acuerdo a la sección del caso de uso donde aparezca. Por último se eliminan los tokens duplicados y se agrega la propiedad de número de ocurrencias.</a:t>
+              <a:t> en esta etapa hay dos actividades. En la primer actividad, “Input Processor”, se analiza la entrada separando el texto en tokens. Un token es una unidad de información formada por una palabra y un conjunto de propiedades.  A partir de esta actividad se generan dos listas, una de tokens extraídos de los casos de uso y otra lista del aspecto temprano. Estas listas ingresan a la segunda actividad, “Tokens Filter”, en donde se aplican una serie de filtros que transformaran los tokens de las listas. Los filtros que se han definido los siguientes: Lower Case Filter, en donde se pasan las palabras de los tokens a minúscula. Stop Words filter en donde se eliminan los tokens cuya palabra sea considerada Stop-Word (un stop word es una palabra irrelevante para el análisis, artículos preposiciones, etc.) , luego el filtro de stem en donde se lleva la palabra a su raíz. Luego esta el filtro de pesos, en donde se da un peso el token de acuerdo a la sección del caso de uso donde aparezca. Por último se eliminan los tokens duplicados y se agrega la propiedad de número de ocurrencias.</a:t>
             </a:r>
             <a:endParaRPr lang="es-ES_tradnl" dirty="0"/>
           </a:p>
@@ -1574,6 +1437,28 @@
           </a:bodyPr>
           <a:lstStyle/>
           <a:p>
+            <a:r>
+              <a:rPr lang="es-ES" dirty="0" smtClean="0"/>
+              <a:t>La segunda etapa del proceso se denomina </a:t>
+            </a:r>
+            <a:r>
+              <a:rPr lang="es-ES" dirty="0" err="1" smtClean="0"/>
+              <a:t>Token</a:t>
+            </a:r>
+            <a:r>
+              <a:rPr lang="es-ES" dirty="0" smtClean="0"/>
+              <a:t> </a:t>
+            </a:r>
+            <a:r>
+              <a:rPr lang="es-ES" dirty="0" err="1" smtClean="0"/>
+              <a:t>Analysis</a:t>
+            </a:r>
+            <a:r>
+              <a:rPr lang="es-ES" dirty="0" smtClean="0"/>
+              <a:t> y es la vamos a ver a continuación. </a:t>
+            </a:r>
+          </a:p>
+          <a:p>
             <a:endParaRPr lang="es-ES_tradnl" dirty="0"/>
           </a:p>
         </p:txBody>
@@ -1656,111 +1541,75 @@
           </a:bodyPr>
           <a:lstStyle/>
           <a:p>
-            <a:pPr marL="0" marR="0" indent="0" algn="l" defTabSz="914400" rtl="0" eaLnBrk="1" fontAlgn="auto" latinLnBrk="0" hangingPunct="1">
-              <a:lnSpc>
-                <a:spcPct val="100000"/>
-              </a:lnSpc>
-              <a:spcBef>
-                <a:spcPts val="0"/>
-              </a:spcBef>
-              <a:spcAft>
-                <a:spcPts val="0"/>
-              </a:spcAft>
-              <a:buClrTx/>
-              <a:buSzTx/>
-              <a:buFontTx/>
-              <a:buNone/>
-              <a:tabLst/>
-              <a:defRPr/>
-            </a:pPr>
-            <a:r>
-              <a:rPr lang="es-AR" sz="1200" kern="1200" dirty="0" smtClean="0">
-                <a:solidFill>
-                  <a:schemeClr val="tx1"/>
-                </a:solidFill>
-                <a:latin typeface="+mn-lt"/>
-                <a:ea typeface="+mn-ea"/>
-                <a:cs typeface="+mn-cs"/>
-              </a:rPr>
-              <a:t>Como soporte a este proceso se ha desarrollado una herramienta, denominada </a:t>
-            </a:r>
-            <a:r>
-              <a:rPr lang="es-AR" sz="1200" i="1" kern="1200" dirty="0" smtClean="0">
-                <a:solidFill>
-                  <a:schemeClr val="tx1"/>
-                </a:solidFill>
-                <a:latin typeface="+mn-lt"/>
-                <a:ea typeface="+mn-ea"/>
-                <a:cs typeface="+mn-cs"/>
-              </a:rPr>
-              <a:t>QA Miner</a:t>
-            </a:r>
-            <a:r>
-              <a:rPr lang="es-AR" sz="1200" kern="1200" dirty="0" smtClean="0">
-                <a:solidFill>
-                  <a:schemeClr val="tx1"/>
-                </a:solidFill>
-                <a:latin typeface="+mn-lt"/>
-                <a:ea typeface="+mn-ea"/>
-                <a:cs typeface="+mn-cs"/>
-              </a:rPr>
-              <a:t>, la cual es un </a:t>
-            </a:r>
-            <a:r>
-              <a:rPr lang="es-AR" sz="1200" i="1" kern="1200" dirty="0" smtClean="0">
-                <a:solidFill>
-                  <a:schemeClr val="tx1"/>
-                </a:solidFill>
-                <a:latin typeface="+mn-lt"/>
-                <a:ea typeface="+mn-ea"/>
-                <a:cs typeface="+mn-cs"/>
-              </a:rPr>
-              <a:t>plugin</a:t>
-            </a:r>
-            <a:r>
-              <a:rPr lang="es-AR" sz="1200" kern="1200" dirty="0" smtClean="0">
-                <a:solidFill>
-                  <a:schemeClr val="tx1"/>
-                </a:solidFill>
-                <a:latin typeface="+mn-lt"/>
-                <a:ea typeface="+mn-ea"/>
-                <a:cs typeface="+mn-cs"/>
-              </a:rPr>
-              <a:t> de Eclipse. Esta herramienta permite al analista seleccionar como entrada el aspecto temprano que desea analizar, junto a los casos de uso que los relaciona. Mediante </a:t>
-            </a:r>
-            <a:r>
-              <a:rPr lang="es-AR" sz="1200" i="1" kern="1200" dirty="0" smtClean="0">
-                <a:solidFill>
-                  <a:schemeClr val="tx1"/>
-                </a:solidFill>
-                <a:latin typeface="+mn-lt"/>
-                <a:ea typeface="+mn-ea"/>
-                <a:cs typeface="+mn-cs"/>
-              </a:rPr>
-              <a:t>QA Miner</a:t>
-            </a:r>
-            <a:r>
-              <a:rPr lang="es-AR" sz="1200" kern="1200" dirty="0" smtClean="0">
-                <a:solidFill>
-                  <a:schemeClr val="tx1"/>
-                </a:solidFill>
-                <a:latin typeface="+mn-lt"/>
-                <a:ea typeface="+mn-ea"/>
-                <a:cs typeface="+mn-cs"/>
-              </a:rPr>
-              <a:t>, el analista podrá contar con información acerca de los atributos de calidad identificados para el conjunto de datos de entrada. Es decir, para cada aspecto temprano del sistema, se muestra un ranking de porcentajes, con un atributo de calidad cada uno, indicando el grado de relación entre ese aspecto temprano y los distintos atributos de calidad presentes en la ontología. De esta manera, el analista podrá seleccionar los atributos de calidad destacados, para tenerlos en cuenta en las etapas siguientes del ciclo de desarrollo.</a:t>
-            </a:r>
-            <a:endParaRPr lang="es-ES_tradnl" sz="1200" kern="1200" dirty="0" smtClean="0">
-              <a:solidFill>
-                <a:schemeClr val="tx1"/>
-              </a:solidFill>
-              <a:latin typeface="+mn-lt"/>
-              <a:ea typeface="+mn-ea"/>
-              <a:cs typeface="+mn-cs"/>
-            </a:endParaRPr>
-          </a:p>
-          <a:p>
-            <a:endParaRPr lang="es-ES_tradnl" dirty="0"/>
+            <a:r>
+              <a:rPr lang="es-ES" dirty="0" smtClean="0"/>
+              <a:t>La etapa </a:t>
+            </a:r>
+            <a:r>
+              <a:rPr lang="es-ES" dirty="0" err="1" smtClean="0"/>
+              <a:t>Token</a:t>
+            </a:r>
+            <a:r>
+              <a:rPr lang="es-ES" dirty="0" smtClean="0"/>
+              <a:t> </a:t>
+            </a:r>
+            <a:r>
+              <a:rPr lang="es-ES" dirty="0" err="1" smtClean="0"/>
+              <a:t>Analysis</a:t>
+            </a:r>
+            <a:r>
+              <a:rPr lang="es-ES" dirty="0" smtClean="0"/>
+              <a:t> es la que, a partir de la las listas de </a:t>
+            </a:r>
+            <a:r>
+              <a:rPr lang="es-ES" dirty="0" err="1" smtClean="0"/>
+              <a:t>tokens</a:t>
+            </a:r>
+            <a:r>
+              <a:rPr lang="es-ES" dirty="0" smtClean="0"/>
+              <a:t> generadas en la etapa anterior, identifica un conjunto de atributos de calidad.</a:t>
+            </a:r>
+          </a:p>
+          <a:p>
+            <a:r>
+              <a:rPr lang="es-ES" dirty="0" smtClean="0"/>
+              <a:t>Esta etapa esta formada por dos actividades: QAT </a:t>
+            </a:r>
+            <a:r>
+              <a:rPr lang="es-ES" dirty="0" err="1" smtClean="0"/>
+              <a:t>Identification</a:t>
+            </a:r>
+            <a:r>
+              <a:rPr lang="es-ES" dirty="0" smtClean="0"/>
+              <a:t> y WORD-QA </a:t>
+            </a:r>
+            <a:r>
+              <a:rPr lang="es-ES" dirty="0" err="1" smtClean="0"/>
+              <a:t>Association</a:t>
+            </a:r>
+            <a:r>
+              <a:rPr lang="es-ES" dirty="0" smtClean="0"/>
+              <a:t>. La actividad Word-QA </a:t>
+            </a:r>
+            <a:r>
+              <a:rPr lang="es-ES" dirty="0" err="1" smtClean="0"/>
+              <a:t>Association</a:t>
+            </a:r>
+            <a:r>
+              <a:rPr lang="es-ES" dirty="0" smtClean="0"/>
+              <a:t> identifica el grado de relación de un </a:t>
+            </a:r>
+            <a:r>
+              <a:rPr lang="es-ES" dirty="0" err="1" smtClean="0"/>
+              <a:t>token</a:t>
+            </a:r>
+            <a:r>
+              <a:rPr lang="es-ES" dirty="0" smtClean="0"/>
+              <a:t> en particular con los distintos atributos de calidad. Para realizar esta asociación la actividad consulta los conceptos y las instancias presentes en una ontología. </a:t>
+            </a:r>
+          </a:p>
+          <a:p>
+            <a:endParaRPr lang="es-ES" dirty="0"/>
           </a:p>
         </p:txBody>
       </p:sp>
@@ -1782,7 +1631,7 @@
             <a:fld id="{1872ED1A-74B4-42AE-A5BF-D7540D1CC6CA}" type="slidenum">
               <a:rPr lang="es-ES" smtClean="0"/>
               <a:pPr/>
-              <a:t>20</a:t>
+              <a:t>17</a:t>
             </a:fld>
             <a:endParaRPr lang="es-ES" dirty="0"/>
           </a:p>
@@ -1842,7 +1691,25 @@
           </a:bodyPr>
           <a:lstStyle/>
           <a:p>
-            <a:endParaRPr lang="es-ES_tradnl" dirty="0"/>
+            <a:r>
+              <a:rPr lang="es-ES" dirty="0" smtClean="0"/>
+              <a:t>Una ontología es un modelo de datos que describe conceptos de un dominio, propiedades sobre esos conceptos y restricciones sobre los mismos.</a:t>
+            </a:r>
+          </a:p>
+          <a:p>
+            <a:r>
+              <a:rPr lang="es-ES" dirty="0" smtClean="0"/>
+              <a:t>La ontología utilizada en este trabajo representa el dominio de atributos de calidad y escenarios de calidad, junto con las distintas partes que conforman a los escenarios. Esta ontología es utilizada como fuente de conocimiento por la actividad y se considera modelada por un experto.</a:t>
+            </a:r>
+          </a:p>
+          <a:p>
+            <a:r>
+              <a:rPr lang="es-ES" dirty="0" smtClean="0"/>
+              <a:t>Esta es justamente el diagrama de la ontología definida donde se encuentran los conceptos de atributos de calidad y las partes de los escenarios. </a:t>
+            </a:r>
+          </a:p>
+          <a:p>
+            <a:endParaRPr lang="es-ES" dirty="0"/>
           </a:p>
         </p:txBody>
       </p:sp>
@@ -1864,7 +1731,7 @@
             <a:fld id="{1872ED1A-74B4-42AE-A5BF-D7540D1CC6CA}" type="slidenum">
               <a:rPr lang="es-ES" smtClean="0"/>
               <a:pPr/>
-              <a:t>21</a:t>
+              <a:t>18</a:t>
             </a:fld>
             <a:endParaRPr lang="es-ES" dirty="0"/>
           </a:p>
@@ -1924,7 +1791,91 @@
           </a:bodyPr>
           <a:lstStyle/>
           <a:p>
-            <a:endParaRPr lang="es-ES_tradnl" dirty="0"/>
+            <a:r>
+              <a:rPr lang="es-ES" dirty="0" smtClean="0"/>
+              <a:t>La actividad QAT </a:t>
+            </a:r>
+            <a:r>
+              <a:rPr lang="es-ES" dirty="0" err="1" smtClean="0"/>
+              <a:t>Identification</a:t>
+            </a:r>
+            <a:r>
+              <a:rPr lang="es-ES" dirty="0" smtClean="0"/>
+              <a:t> combina, mediante ecuaciones definidas, los resultados parciales de cada </a:t>
+            </a:r>
+            <a:r>
+              <a:rPr lang="es-ES" dirty="0" err="1" smtClean="0"/>
+              <a:t>token</a:t>
+            </a:r>
+            <a:r>
+              <a:rPr lang="es-ES" dirty="0" smtClean="0"/>
+              <a:t> individual obtenidos por la actividad WORD-QA </a:t>
+            </a:r>
+            <a:r>
+              <a:rPr lang="es-ES" dirty="0" err="1" smtClean="0"/>
+              <a:t>association</a:t>
+            </a:r>
+            <a:r>
+              <a:rPr lang="es-ES" dirty="0" smtClean="0"/>
+              <a:t>, y finalmente devuelve lo que denominamos como un </a:t>
+            </a:r>
+            <a:r>
+              <a:rPr lang="es-ES" dirty="0" err="1" smtClean="0"/>
+              <a:t>Quality</a:t>
+            </a:r>
+            <a:r>
+              <a:rPr lang="es-ES" dirty="0" smtClean="0"/>
+              <a:t> </a:t>
+            </a:r>
+            <a:r>
+              <a:rPr lang="es-ES" dirty="0" err="1" smtClean="0"/>
+              <a:t>Attribute</a:t>
+            </a:r>
+            <a:r>
+              <a:rPr lang="es-ES" dirty="0" smtClean="0"/>
+              <a:t> </a:t>
+            </a:r>
+            <a:r>
+              <a:rPr lang="es-ES" dirty="0" err="1" smtClean="0"/>
+              <a:t>Theme</a:t>
+            </a:r>
+            <a:r>
+              <a:rPr lang="es-ES" dirty="0" smtClean="0"/>
+              <a:t>.</a:t>
+            </a:r>
+          </a:p>
+          <a:p>
+            <a:r>
+              <a:rPr lang="es-ES" dirty="0" smtClean="0"/>
+              <a:t>Este </a:t>
+            </a:r>
+            <a:r>
+              <a:rPr lang="es-ES" dirty="0" err="1" smtClean="0"/>
+              <a:t>Quality</a:t>
+            </a:r>
+            <a:r>
+              <a:rPr lang="es-ES" dirty="0" smtClean="0"/>
+              <a:t> </a:t>
+            </a:r>
+            <a:r>
+              <a:rPr lang="es-ES" dirty="0" err="1" smtClean="0"/>
+              <a:t>Attribute</a:t>
+            </a:r>
+            <a:r>
+              <a:rPr lang="es-ES" dirty="0" smtClean="0"/>
+              <a:t> </a:t>
+            </a:r>
+            <a:r>
+              <a:rPr lang="es-ES" dirty="0" err="1" smtClean="0"/>
+              <a:t>Theme</a:t>
+            </a:r>
+            <a:r>
+              <a:rPr lang="es-ES" dirty="0" smtClean="0"/>
+              <a:t> esta formado por un aspecto temprano, los casos de uso que este relaciona y una lista de atributos de calidad identificados para este conjunto de datos de entrada. </a:t>
+            </a:r>
+          </a:p>
+          <a:p>
+            <a:endParaRPr lang="es-ES" dirty="0"/>
           </a:p>
         </p:txBody>
       </p:sp>
@@ -1946,7 +1897,7 @@
             <a:fld id="{1872ED1A-74B4-42AE-A5BF-D7540D1CC6CA}" type="slidenum">
               <a:rPr lang="es-ES" smtClean="0"/>
               <a:pPr/>
-              <a:t>24</a:t>
+              <a:t>19</a:t>
             </a:fld>
             <a:endParaRPr lang="es-ES" dirty="0"/>
           </a:p>
@@ -2012,39 +1963,7 @@
             </a:r>
             <a:r>
               <a:rPr lang="es-ES_tradnl" baseline="0" dirty="0" smtClean="0"/>
-              <a:t> que se va a seguir durante la presentación. Primero, vamos a hacer una introducción en donde se verá el contexto y la problemática. Luego, se introducirán algunos conceptos </a:t>
-            </a:r>
-            <a:r>
-              <a:rPr lang="es-ES_tradnl" baseline="0" dirty="0" smtClean="0"/>
-              <a:t>que son necesarios </a:t>
-            </a:r>
-            <a:r>
-              <a:rPr lang="es-ES_tradnl" baseline="0" dirty="0" smtClean="0"/>
-              <a:t>para explicar el enfoque propuesto</a:t>
-            </a:r>
-            <a:r>
-              <a:rPr lang="es-ES_tradnl" baseline="0" dirty="0" smtClean="0"/>
-              <a:t>. Posteriormente, se </a:t>
-            </a:r>
-            <a:r>
-              <a:rPr lang="es-ES_tradnl" baseline="0" dirty="0" smtClean="0"/>
-              <a:t>va a evaluar el enfoque propuesto con 2 casos de estudio reales. </a:t>
-            </a:r>
-            <a:r>
-              <a:rPr lang="es-ES_tradnl" baseline="0" dirty="0" smtClean="0"/>
-              <a:t>Luego, </a:t>
-            </a:r>
-            <a:r>
-              <a:rPr lang="es-ES_tradnl" baseline="0" dirty="0" smtClean="0"/>
-              <a:t>veremos las conclusiones, ventajas y desventajas </a:t>
-            </a:r>
-            <a:r>
-              <a:rPr lang="es-ES_tradnl" baseline="0" dirty="0" smtClean="0"/>
-              <a:t>que identificamos. </a:t>
-            </a:r>
-            <a:r>
-              <a:rPr lang="es-ES_tradnl" baseline="0" dirty="0" smtClean="0"/>
-              <a:t>Y por último, la </a:t>
+              <a:t> que se va a seguir durante la presentación. Primero, vamos a hacer una introducción en donde se verá el contexto y la problemática. Luego, se introducirán algunos conceptos que son necesarios para explicar el enfoque propuesto. Posteriormente, se va a evaluar el enfoque propuesto con 2 casos de estudio reales. Luego, veremos las conclusiones, ventajas y desventajas que identificamos. Y por último, la </a:t>
             </a:r>
             <a:r>
               <a:rPr lang="es-ES_tradnl" baseline="0" dirty="0" err="1" smtClean="0"/>
@@ -2052,19 +1971,7 @@
             </a:r>
             <a:r>
               <a:rPr lang="es-ES_tradnl" baseline="0" dirty="0" smtClean="0"/>
-              <a:t> de </a:t>
-            </a:r>
-            <a:r>
-              <a:rPr lang="es-ES_tradnl" baseline="0" dirty="0" smtClean="0"/>
-              <a:t>preguntas para </a:t>
-            </a:r>
-            <a:r>
-              <a:rPr lang="es-ES_tradnl" baseline="0" dirty="0" smtClean="0"/>
-              <a:t>que el </a:t>
-            </a:r>
-            <a:r>
-              <a:rPr lang="es-ES_tradnl" baseline="0" dirty="0" smtClean="0"/>
-              <a:t>jurado nos haga las preguntas u observaciones que hayan surgido durante la presentación.</a:t>
+              <a:t> de preguntas para que el jurado nos haga las preguntas u observaciones que hayan surgido durante la presentación.</a:t>
             </a:r>
             <a:endParaRPr lang="es-ES_tradnl" dirty="0"/>
           </a:p>
@@ -2149,13 +2056,124 @@
           <a:lstStyle/>
           <a:p>
             <a:r>
+              <a:rPr lang="es-AR" dirty="0" smtClean="0"/>
+              <a:t>Como soporte a este proceso se ha desarrollado una herramienta, denominada </a:t>
+            </a:r>
+            <a:r>
+              <a:rPr lang="es-AR" i="1" dirty="0" smtClean="0"/>
+              <a:t>QA </a:t>
+            </a:r>
+            <a:r>
+              <a:rPr lang="es-AR" i="1" dirty="0" err="1" smtClean="0"/>
+              <a:t>Miner</a:t>
+            </a:r>
+            <a:r>
+              <a:rPr lang="es-AR" dirty="0" smtClean="0"/>
+              <a:t>, la cual es un </a:t>
+            </a:r>
+            <a:r>
+              <a:rPr lang="es-AR" i="1" dirty="0" err="1" smtClean="0"/>
+              <a:t>plugin</a:t>
+            </a:r>
+            <a:r>
+              <a:rPr lang="es-AR" dirty="0" smtClean="0"/>
+              <a:t> de Eclipse. </a:t>
+            </a:r>
+            <a:endParaRPr lang="es-ES" dirty="0" smtClean="0"/>
+          </a:p>
+          <a:p>
+            <a:r>
+              <a:rPr lang="es-AR" dirty="0" smtClean="0"/>
+              <a:t>Esta herramienta tomo como entrada los datos expresados en formato XML. A su vez permite al analista modificar ciertos puntos de configuración, algunos incluso en tiempo de ejecución.</a:t>
+            </a:r>
+            <a:endParaRPr lang="es-ES" dirty="0" smtClean="0"/>
+          </a:p>
+          <a:p>
+            <a:r>
+              <a:rPr lang="es-AR" dirty="0" smtClean="0"/>
+              <a:t>Entre los puntos de configuración se encuentran los pesos que tendrán los </a:t>
+            </a:r>
+            <a:r>
+              <a:rPr lang="es-AR" dirty="0" err="1" smtClean="0"/>
+              <a:t>tokens</a:t>
+            </a:r>
+            <a:r>
+              <a:rPr lang="es-AR" dirty="0" smtClean="0"/>
+              <a:t> provenientes de las distintas secciones de los casos de uso, la lista de stop </a:t>
+            </a:r>
+            <a:r>
+              <a:rPr lang="es-AR" dirty="0" err="1" smtClean="0"/>
+              <a:t>words</a:t>
+            </a:r>
+            <a:r>
+              <a:rPr lang="es-AR" dirty="0" smtClean="0"/>
+              <a:t> que se utiliza durante la generación de </a:t>
+            </a:r>
+            <a:r>
+              <a:rPr lang="es-AR" dirty="0" err="1" smtClean="0"/>
+              <a:t>tokens</a:t>
+            </a:r>
+            <a:r>
+              <a:rPr lang="es-AR" dirty="0" smtClean="0"/>
+              <a:t> o el grado de </a:t>
+            </a:r>
+            <a:r>
+              <a:rPr lang="es-AR" dirty="0" err="1" smtClean="0"/>
+              <a:t>combinacion</a:t>
+            </a:r>
+            <a:r>
+              <a:rPr lang="es-AR" dirty="0" smtClean="0"/>
+              <a:t> de las dos listas de entrada en la etapa de </a:t>
+            </a:r>
+            <a:r>
+              <a:rPr lang="es-AR" dirty="0" err="1" smtClean="0"/>
+              <a:t>tokens</a:t>
+            </a:r>
+            <a:r>
+              <a:rPr lang="es-AR" dirty="0" smtClean="0"/>
+              <a:t> </a:t>
+            </a:r>
+            <a:r>
+              <a:rPr lang="es-AR" dirty="0" err="1" smtClean="0"/>
+              <a:t>analysis</a:t>
+            </a:r>
+            <a:r>
+              <a:rPr lang="es-AR" dirty="0" smtClean="0"/>
+              <a:t>.</a:t>
+            </a:r>
+            <a:endParaRPr lang="es-ES" dirty="0" smtClean="0"/>
+          </a:p>
+          <a:p>
+            <a:r>
               <a:rPr lang="es-ES_tradnl" dirty="0" smtClean="0"/>
-              <a:t>El segundo caso de estudio llamado CRS es un sistema de registro</a:t>
-            </a:r>
-            <a:r>
-              <a:rPr lang="es-ES_tradnl" baseline="0" dirty="0" smtClean="0"/>
-              <a:t> de cursos. Consta de 8 casos de uso, aproximadamente 3900 palabras. La herramienta AET ha identificado 7 aspectos tempranos. En esta caso, los QAs del sistema que buscamos o consideramos correctos, fueron obtenido a través del análisis manual de la especificación de requerimientos.</a:t>
-            </a:r>
+              <a:t>A su vez la salida es una lista de atributos de calidad </a:t>
+            </a:r>
+            <a:r>
+              <a:rPr lang="es-ES_tradnl" dirty="0" err="1" smtClean="0"/>
+              <a:t>ponderizados</a:t>
+            </a:r>
+            <a:r>
+              <a:rPr lang="es-ES_tradnl" dirty="0" smtClean="0"/>
+              <a:t> de acuerdo a la relación que tiene con los datos de entrada.</a:t>
+            </a:r>
+            <a:endParaRPr lang="es-ES" dirty="0" smtClean="0"/>
+          </a:p>
+          <a:p>
+            <a:r>
+              <a:rPr lang="es-ES_tradnl" dirty="0" smtClean="0"/>
+              <a:t>En esta imagen se ven una captura de la herramienta. Sobre la izquierda en el primer cuadro se pueden apreciar los aspectos detectados, mientras q en el cuadro inferior se ven los casos de uso relacionados para ese aspecto. Tanto en el centro como en la derecha se ven los resultados de haber ejecutado la herramienta sobre el aspecto temprano “Data </a:t>
+            </a:r>
+            <a:r>
+              <a:rPr lang="es-ES_tradnl" dirty="0" err="1" smtClean="0"/>
+              <a:t>Formatting</a:t>
+            </a:r>
+            <a:r>
+              <a:rPr lang="es-ES_tradnl" dirty="0" smtClean="0"/>
+              <a:t>”. </a:t>
+            </a:r>
+            <a:endParaRPr lang="es-ES" dirty="0" smtClean="0"/>
+          </a:p>
+          <a:p>
             <a:endParaRPr lang="es-ES_tradnl" dirty="0"/>
           </a:p>
         </p:txBody>
@@ -2178,7 +2196,7 @@
             <a:fld id="{1872ED1A-74B4-42AE-A5BF-D7540D1CC6CA}" type="slidenum">
               <a:rPr lang="es-ES" smtClean="0"/>
               <a:pPr/>
-              <a:t>25</a:t>
+              <a:t>20</a:t>
             </a:fld>
             <a:endParaRPr lang="es-ES" dirty="0"/>
           </a:p>
@@ -2240,12 +2258,11 @@
           <a:p>
             <a:r>
               <a:rPr lang="es-ES_tradnl" dirty="0" smtClean="0"/>
-              <a:t>Se presenta el mismo gráfico que explicó Francisco</a:t>
-            </a:r>
-            <a:r>
-              <a:rPr lang="es-ES_tradnl" baseline="0" dirty="0" smtClean="0"/>
-              <a:t> anteriormente, en este caso, vemos que en la última columna donde están los QAs reales del sistema todos tienen una flecha de entrada. Esto quiere decir que se han identificado todos los Qas del sistema. Por otro lado, existen dos QA que fueron mal identificados. Haciendo el reemplazo en las formulas obtenemos los siguientes resultados. Precision 0.68 y Recall 1. Este caso de estudio nos da mejores resultados que el caso anterior. </a:t>
-            </a:r>
+              <a:t>A continuación veremos una evaluación de la técnica propuesta sobre dos casos de estudio. </a:t>
+            </a:r>
+            <a:endParaRPr lang="es-ES" dirty="0" smtClean="0"/>
+          </a:p>
+          <a:p>
             <a:endParaRPr lang="es-ES_tradnl" dirty="0"/>
           </a:p>
         </p:txBody>
@@ -2268,7 +2285,7 @@
             <a:fld id="{1872ED1A-74B4-42AE-A5BF-D7540D1CC6CA}" type="slidenum">
               <a:rPr lang="es-ES" smtClean="0"/>
               <a:pPr/>
-              <a:t>26</a:t>
+              <a:t>21</a:t>
             </a:fld>
             <a:endParaRPr lang="es-ES" dirty="0"/>
           </a:p>
@@ -2329,13 +2346,46 @@
           <a:lstStyle/>
           <a:p>
             <a:r>
-              <a:rPr lang="es-ES_tradnl" dirty="0" smtClean="0"/>
-              <a:t>La otra métrica</a:t>
-            </a:r>
-            <a:r>
-              <a:rPr lang="es-ES_tradnl" baseline="0" dirty="0" smtClean="0"/>
-              <a:t> que se utilizó fue el tiempo de ejecución de la herramienta. Se observaron tiempos bajos en las ejecuciones. Para el primer caso de estudio, sumando la detección de todos los QATs tardó aproximadamente 7.2 segundos, mientras que en el caso de estudio CRS, tardó aproximadamente 4.9 segundos. Estos tiempos se consideran aceptables para el analista dado todo el procesamiento que se realiza la herramienta</a:t>
-            </a:r>
+              <a:rPr lang="es-ES" dirty="0" smtClean="0"/>
+              <a:t>Para la evaluación de la técnica propuesta se definieron dos conjuntos de métricas.</a:t>
+            </a:r>
+          </a:p>
+          <a:p>
+            <a:r>
+              <a:rPr lang="es-ES" dirty="0" smtClean="0"/>
+              <a:t>Las primeras pertenecen al área de recuperación de la información. Para ello se definieron 3 variables:</a:t>
+            </a:r>
+          </a:p>
+          <a:p>
+            <a:r>
+              <a:rPr lang="es-ES" dirty="0" smtClean="0"/>
+              <a:t>De esta manera, utilizando los valores de estas variables, se definen las métricas de precisión y </a:t>
+            </a:r>
+            <a:r>
+              <a:rPr lang="es-ES" dirty="0" err="1" smtClean="0"/>
+              <a:t>recall</a:t>
+            </a:r>
+            <a:r>
+              <a:rPr lang="es-ES" dirty="0" smtClean="0"/>
+              <a:t>. La primera se refiere a la </a:t>
+            </a:r>
+            <a:r>
+              <a:rPr lang="es-ES" dirty="0" err="1" smtClean="0"/>
+              <a:t>correctitud</a:t>
+            </a:r>
+            <a:r>
+              <a:rPr lang="es-ES" dirty="0" smtClean="0"/>
+              <a:t> de los resultados, mientras que la segunda se refiere a la completitud de los mismos.</a:t>
+            </a:r>
+          </a:p>
+          <a:p>
+            <a:r>
+              <a:rPr lang="es-ES" dirty="0" smtClean="0"/>
+              <a:t>Finalmente, la segunda métrica se refiere a los tiempos de ejecución de la técnica propuesta. </a:t>
+            </a:r>
+          </a:p>
+          <a:p>
+            <a:endParaRPr lang="es-ES" dirty="0"/>
           </a:p>
         </p:txBody>
       </p:sp>
@@ -2357,7 +2407,7 @@
             <a:fld id="{1872ED1A-74B4-42AE-A5BF-D7540D1CC6CA}" type="slidenum">
               <a:rPr lang="es-ES" smtClean="0"/>
               <a:pPr/>
-              <a:t>27</a:t>
+              <a:t>22</a:t>
             </a:fld>
             <a:endParaRPr lang="es-ES" dirty="0"/>
           </a:p>
@@ -2418,14 +2468,12 @@
           <a:lstStyle/>
           <a:p>
             <a:r>
-              <a:rPr lang="es-ES_tradnl" dirty="0" smtClean="0"/>
-              <a:t>A</a:t>
-            </a:r>
-            <a:r>
-              <a:rPr lang="es-ES_tradnl" baseline="0" dirty="0" smtClean="0"/>
-              <a:t> continuación, ya para ir finalizando, vamos a ver las conclusiones. Precisamente, las ventajas y desventajas que identificamos y algunos trabajos a futuros o mejoras que surgieron en este análisis.</a:t>
-            </a:r>
-            <a:endParaRPr lang="es-ES_tradnl" dirty="0"/>
+              <a:rPr lang="es-ES" dirty="0" smtClean="0"/>
+              <a:t>Caso de estudio HWS</a:t>
+            </a:r>
+          </a:p>
+          <a:p>
+            <a:endParaRPr lang="es-ES" dirty="0"/>
           </a:p>
         </p:txBody>
       </p:sp>
@@ -2447,7 +2495,7 @@
             <a:fld id="{1872ED1A-74B4-42AE-A5BF-D7540D1CC6CA}" type="slidenum">
               <a:rPr lang="es-ES" smtClean="0"/>
               <a:pPr/>
-              <a:t>28</a:t>
+              <a:t>23</a:t>
             </a:fld>
             <a:endParaRPr lang="es-ES" dirty="0"/>
           </a:p>
@@ -2488,7 +2536,12 @@
             <p:ph type="sldImg"/>
           </p:nvPr>
         </p:nvSpPr>
-        <p:spPr/>
+        <p:spPr>
+          <a:xfrm>
+            <a:off x="1143000" y="685800"/>
+            <a:ext cx="3368040" cy="2526030"/>
+          </a:xfrm>
+        </p:spPr>
       </p:sp>
       <p:sp>
         <p:nvSpPr>
@@ -2500,651 +2553,351 @@
             <p:ph type="body" idx="1"/>
           </p:nvPr>
         </p:nvSpPr>
-        <p:spPr/>
+        <p:spPr>
+          <a:xfrm>
+            <a:off x="685800" y="3474720"/>
+            <a:ext cx="5486400" cy="4983480"/>
+          </a:xfrm>
+        </p:spPr>
         <p:txBody>
           <a:bodyPr>
-            <a:normAutofit lnSpcReduction="10000"/>
+            <a:normAutofit fontScale="85000" lnSpcReduction="20000"/>
           </a:bodyPr>
           <a:lstStyle/>
           <a:p>
-            <a:r>
-              <a:rPr lang="es-ES_tradnl" dirty="0" smtClean="0"/>
-              <a:t>En primer lugar vamos a ver las</a:t>
-            </a:r>
-            <a:r>
-              <a:rPr lang="es-ES_tradnl" baseline="0" dirty="0" smtClean="0"/>
-              <a:t> ventajas. Estas son:</a:t>
-            </a:r>
-          </a:p>
-          <a:p>
-            <a:endParaRPr lang="es-ES_tradnl" baseline="0" dirty="0" smtClean="0"/>
-          </a:p>
-          <a:p>
-            <a:pPr marL="0" marR="0" lvl="0" indent="0" algn="l" defTabSz="914400" rtl="0" eaLnBrk="1" fontAlgn="auto" latinLnBrk="0" hangingPunct="1">
+            <a:pPr>
               <a:lnSpc>
-                <a:spcPct val="100000"/>
+                <a:spcPct val="115000"/>
               </a:lnSpc>
-              <a:spcBef>
-                <a:spcPts val="0"/>
-              </a:spcBef>
               <a:spcAft>
-                <a:spcPts val="0"/>
+                <a:spcPts val="1000"/>
               </a:spcAft>
-              <a:buClrTx/>
-              <a:buSzTx/>
-              <a:buFontTx/>
-              <a:buNone/>
-              <a:tabLst/>
-              <a:defRPr/>
             </a:pPr>
             <a:r>
-              <a:rPr lang="es-AR" sz="1200" kern="1200" dirty="0" smtClean="0">
-                <a:solidFill>
-                  <a:schemeClr val="tx1"/>
-                </a:solidFill>
-                <a:latin typeface="+mn-lt"/>
-                <a:ea typeface="+mn-ea"/>
-                <a:cs typeface="+mn-cs"/>
+              <a:rPr lang="es-ES" dirty="0" smtClean="0">
+                <a:ea typeface="Times New Roman"/>
+                <a:cs typeface="Times New Roman"/>
               </a:rPr>
-              <a:t>- </a:t>
-            </a:r>
-            <a:r>
-              <a:rPr lang="es-AR" sz="1200" kern="1200" dirty="0" err="1" smtClean="0">
-                <a:solidFill>
-                  <a:schemeClr val="tx1"/>
-                </a:solidFill>
-                <a:latin typeface="+mn-lt"/>
-                <a:ea typeface="+mn-ea"/>
-                <a:cs typeface="+mn-cs"/>
+              <a:t>Este grafico resume los resultados obtenidos para el primer caso de estudio.</a:t>
+            </a:r>
+          </a:p>
+          <a:p>
+            <a:pPr>
+              <a:lnSpc>
+                <a:spcPct val="115000"/>
+              </a:lnSpc>
+              <a:spcAft>
+                <a:spcPts val="1000"/>
+              </a:spcAft>
+            </a:pPr>
+            <a:r>
+              <a:rPr lang="es-ES" dirty="0" smtClean="0">
+                <a:ea typeface="Times New Roman"/>
+                <a:cs typeface="Times New Roman"/>
               </a:rPr>
-              <a:t>Recall</a:t>
-            </a:r>
-            <a:r>
-              <a:rPr lang="es-AR" sz="1200" kern="1200" dirty="0" smtClean="0">
-                <a:solidFill>
-                  <a:schemeClr val="tx1"/>
-                </a:solidFill>
-                <a:latin typeface="+mn-lt"/>
-                <a:ea typeface="+mn-ea"/>
-                <a:cs typeface="+mn-cs"/>
+              <a:t>En la primera columna se pueden ver los 6 aspectos tempranos detectados con el </a:t>
+            </a:r>
+            <a:r>
+              <a:rPr lang="es-ES" dirty="0" err="1" smtClean="0">
+                <a:ea typeface="Times New Roman"/>
+                <a:cs typeface="Times New Roman"/>
               </a:rPr>
-              <a:t>: el </a:t>
-            </a:r>
-            <a:r>
-              <a:rPr lang="es-AR" sz="1200" i="1" kern="1200" dirty="0" err="1" smtClean="0">
-                <a:solidFill>
-                  <a:schemeClr val="tx1"/>
-                </a:solidFill>
-                <a:latin typeface="+mn-lt"/>
-                <a:ea typeface="+mn-ea"/>
-                <a:cs typeface="+mn-cs"/>
+              <a:t>Aspect</a:t>
+            </a:r>
+            <a:r>
+              <a:rPr lang="es-ES" dirty="0" smtClean="0">
+                <a:ea typeface="Times New Roman"/>
+                <a:cs typeface="Times New Roman"/>
               </a:rPr>
-              <a:t>Recall</a:t>
-            </a:r>
-            <a:r>
-              <a:rPr lang="es-AR" sz="1200" kern="1200" dirty="0" smtClean="0">
-                <a:solidFill>
-                  <a:schemeClr val="tx1"/>
-                </a:solidFill>
-                <a:latin typeface="+mn-lt"/>
-                <a:ea typeface="+mn-ea"/>
-                <a:cs typeface="+mn-cs"/>
+              <a:t> Extractor </a:t>
+            </a:r>
+            <a:r>
+              <a:rPr lang="es-ES" dirty="0" err="1" smtClean="0">
+                <a:ea typeface="Times New Roman"/>
+                <a:cs typeface="Times New Roman"/>
               </a:rPr>
-              <a:t> de la herramienta mostró valores aceptables en el primer caso y muy buenos en el segundo. Los costos generados por la omisión de identificar un QA pueden llegar a ser muy altos. Por eso, se debe tratar de detectar la mayor cantidad de atributos de calidad posibles y, en consecuencia, conseguir el mayor </a:t>
-            </a:r>
-            <a:r>
-              <a:rPr lang="es-AR" sz="1200" i="1" kern="1200" dirty="0" err="1" smtClean="0">
-                <a:solidFill>
-                  <a:schemeClr val="tx1"/>
-                </a:solidFill>
-                <a:latin typeface="+mn-lt"/>
-                <a:ea typeface="+mn-ea"/>
-                <a:cs typeface="+mn-cs"/>
+              <a:t>Tool</a:t>
+            </a:r>
+            <a:r>
+              <a:rPr lang="es-ES" dirty="0" smtClean="0">
+                <a:ea typeface="Times New Roman"/>
+                <a:cs typeface="Times New Roman"/>
               </a:rPr>
-              <a:t>Recall</a:t>
-            </a:r>
-            <a:r>
-              <a:rPr lang="es-AR" sz="1200" kern="1200" dirty="0" smtClean="0">
-                <a:solidFill>
-                  <a:schemeClr val="tx1"/>
-                </a:solidFill>
-                <a:latin typeface="+mn-lt"/>
-                <a:ea typeface="+mn-ea"/>
-                <a:cs typeface="+mn-cs"/>
+              <a:t> para el caso de estudio HWS.</a:t>
+            </a:r>
+          </a:p>
+          <a:p>
+            <a:pPr>
+              <a:lnSpc>
+                <a:spcPct val="115000"/>
+              </a:lnSpc>
+              <a:spcAft>
+                <a:spcPts val="1000"/>
+              </a:spcAft>
+            </a:pPr>
+            <a:r>
+              <a:rPr lang="es-ES" dirty="0" smtClean="0">
+                <a:ea typeface="Times New Roman"/>
+                <a:cs typeface="Times New Roman"/>
               </a:rPr>
-              <a:t> posible.</a:t>
-            </a:r>
-            <a:endParaRPr lang="es-ES_tradnl" sz="1200" kern="1200" dirty="0" smtClean="0">
-              <a:solidFill>
-                <a:schemeClr val="tx1"/>
-              </a:solidFill>
-              <a:latin typeface="+mn-lt"/>
-              <a:ea typeface="+mn-ea"/>
-              <a:cs typeface="+mn-cs"/>
+              <a:t> En la segunda columna se muestras los QA detectados mediante el QA </a:t>
+            </a:r>
+            <a:r>
+              <a:rPr lang="es-ES" dirty="0" err="1" smtClean="0">
+                <a:ea typeface="Times New Roman"/>
+                <a:cs typeface="Times New Roman"/>
+              </a:rPr>
+              <a:t>Miner</a:t>
+            </a:r>
+            <a:r>
+              <a:rPr lang="es-ES" dirty="0" smtClean="0">
+                <a:ea typeface="Times New Roman"/>
+                <a:cs typeface="Times New Roman"/>
+              </a:rPr>
+              <a:t> para cada uno de los aspectos tempranos.</a:t>
+            </a:r>
+          </a:p>
+          <a:p>
+            <a:pPr>
+              <a:lnSpc>
+                <a:spcPct val="115000"/>
+              </a:lnSpc>
+              <a:spcAft>
+                <a:spcPts val="1000"/>
+              </a:spcAft>
+            </a:pPr>
+            <a:r>
+              <a:rPr lang="es-ES" dirty="0" smtClean="0">
+                <a:ea typeface="Times New Roman"/>
+                <a:cs typeface="Times New Roman"/>
+              </a:rPr>
+              <a:t>Antes de marcar los resultados como falsos positivos o falsos negativos, en rojo se marcan los atributos de calidad incorrectamente relacionados desde un punto de vista semántico. Estos ya forman parte del conjunto de falsos positivos, como se ve en el circulo rojo de la tercera columna.</a:t>
+            </a:r>
+          </a:p>
+          <a:p>
+            <a:pPr>
+              <a:lnSpc>
+                <a:spcPct val="115000"/>
+              </a:lnSpc>
+              <a:spcAft>
+                <a:spcPts val="1000"/>
+              </a:spcAft>
+            </a:pPr>
+            <a:r>
+              <a:rPr lang="es-ES" dirty="0" smtClean="0">
+                <a:ea typeface="Times New Roman"/>
+                <a:cs typeface="Times New Roman"/>
+              </a:rPr>
+              <a:t>Es decir, tomemos por ejemplo el caso del aspecto </a:t>
+            </a:r>
+            <a:r>
+              <a:rPr lang="es-ES" dirty="0" err="1" smtClean="0">
+                <a:ea typeface="Times New Roman"/>
+                <a:cs typeface="Times New Roman"/>
+              </a:rPr>
+              <a:t>Persistency</a:t>
+            </a:r>
+            <a:r>
+              <a:rPr lang="es-ES" dirty="0" smtClean="0">
+                <a:ea typeface="Times New Roman"/>
+                <a:cs typeface="Times New Roman"/>
+              </a:rPr>
+              <a:t>. En este caso se detectaron 3 atributos de calidad, Security, </a:t>
+            </a:r>
+            <a:r>
+              <a:rPr lang="es-ES" dirty="0" err="1" smtClean="0">
+                <a:ea typeface="Times New Roman"/>
+                <a:cs typeface="Times New Roman"/>
+              </a:rPr>
+              <a:t>Aviability</a:t>
+            </a:r>
+            <a:r>
+              <a:rPr lang="es-ES" dirty="0" smtClean="0">
+                <a:ea typeface="Times New Roman"/>
+                <a:cs typeface="Times New Roman"/>
+              </a:rPr>
+              <a:t> y </a:t>
+            </a:r>
+            <a:r>
+              <a:rPr lang="es-ES" dirty="0" err="1" smtClean="0">
+                <a:ea typeface="Times New Roman"/>
+                <a:cs typeface="Times New Roman"/>
+              </a:rPr>
+              <a:t>Modificability</a:t>
+            </a:r>
+            <a:r>
+              <a:rPr lang="es-ES" dirty="0" smtClean="0">
+                <a:ea typeface="Times New Roman"/>
+                <a:cs typeface="Times New Roman"/>
+              </a:rPr>
+              <a:t>. Sin embargo, los primeros dos se marcan en rojo ya que se consideran falsos positivos. Esto se debe q que el aspecto temprano no contenía palabras que sugirieran que este se debía relaciona con estos dos atributos. Esta falla se puede deber a que las palabras q conformaban el aspecto no se encontraban en la ontología o se relacionaban con atributos de calidad incorrectos.</a:t>
+            </a:r>
+          </a:p>
+          <a:p>
+            <a:pPr>
+              <a:lnSpc>
+                <a:spcPct val="115000"/>
+              </a:lnSpc>
+              <a:spcAft>
+                <a:spcPts val="1000"/>
+              </a:spcAft>
+            </a:pPr>
+            <a:r>
+              <a:rPr lang="es-ES" dirty="0" smtClean="0">
+                <a:ea typeface="Times New Roman"/>
+                <a:cs typeface="Times New Roman"/>
+              </a:rPr>
+              <a:t>El resto de los atributos de calidad, como por ejemplo </a:t>
+            </a:r>
+            <a:r>
+              <a:rPr lang="es-ES" dirty="0" err="1" smtClean="0">
+                <a:ea typeface="Times New Roman"/>
+                <a:cs typeface="Times New Roman"/>
+              </a:rPr>
+              <a:t>Modifiability</a:t>
+            </a:r>
+            <a:r>
+              <a:rPr lang="es-ES" dirty="0" smtClean="0">
+                <a:ea typeface="Times New Roman"/>
+                <a:cs typeface="Times New Roman"/>
+              </a:rPr>
+              <a:t> en el caso de </a:t>
+            </a:r>
+            <a:r>
+              <a:rPr lang="es-ES" dirty="0" err="1" smtClean="0">
+                <a:ea typeface="Times New Roman"/>
+                <a:cs typeface="Times New Roman"/>
+              </a:rPr>
+              <a:t>Persistency</a:t>
+            </a:r>
+            <a:r>
+              <a:rPr lang="es-ES" dirty="0" smtClean="0">
+                <a:ea typeface="Times New Roman"/>
+                <a:cs typeface="Times New Roman"/>
+              </a:rPr>
+              <a:t>, forman un conjunto de “potenciales” verdaderos positivos y se agrupan en el círculo azul de la tercera columna. Decimos que son “potenciales” porque depende de que sean efectivamente atributos de calidad del sistema para poder ser considerados realmente como verdaderos positivos.</a:t>
+            </a:r>
+          </a:p>
+          <a:p>
+            <a:pPr>
+              <a:lnSpc>
+                <a:spcPct val="115000"/>
+              </a:lnSpc>
+              <a:spcAft>
+                <a:spcPts val="1000"/>
+              </a:spcAft>
+            </a:pPr>
+            <a:r>
+              <a:rPr lang="es-ES" dirty="0" smtClean="0">
+                <a:ea typeface="Times New Roman"/>
+                <a:cs typeface="Times New Roman"/>
+              </a:rPr>
+              <a:t>Finalmente la cuarta columna indica los atributos de calidad reales del sistema, es decir los que se estaban buscando. Las flechas entre la tercera y la cuarta columna  indican cuáles de los atributos de calidad detectados son los reales pertenecientes al sistema</a:t>
+            </a:r>
+            <a:r>
+              <a:rPr lang="es-ES" dirty="0" smtClean="0">
+                <a:ea typeface="Times New Roman"/>
+                <a:cs typeface="Times New Roman"/>
+              </a:rPr>
+              <a:t>.</a:t>
+            </a:r>
+          </a:p>
+          <a:p>
+            <a:r>
+              <a:rPr lang="es-ES" dirty="0" smtClean="0"/>
+              <a:t>Los resultados del gráfico anterior se resumen en la siguiente tabla. </a:t>
+            </a:r>
+          </a:p>
+          <a:p>
+            <a:r>
+              <a:rPr lang="es-ES" dirty="0" smtClean="0"/>
+              <a:t>Los QVP o verdaderos positivos son 3: </a:t>
+            </a:r>
+            <a:r>
+              <a:rPr lang="es-ES" dirty="0" err="1" smtClean="0"/>
+              <a:t>Usability</a:t>
+            </a:r>
+            <a:r>
+              <a:rPr lang="es-ES" dirty="0" smtClean="0"/>
+              <a:t>, </a:t>
+            </a:r>
+            <a:r>
+              <a:rPr lang="es-ES" dirty="0" err="1" smtClean="0"/>
+              <a:t>availability</a:t>
+            </a:r>
+            <a:r>
+              <a:rPr lang="es-ES" dirty="0" smtClean="0"/>
+              <a:t> y Security.</a:t>
+            </a:r>
+          </a:p>
+          <a:p>
+            <a:r>
+              <a:rPr lang="es-ES" dirty="0" smtClean="0"/>
+              <a:t>Los QFP o falsos positivos son 3 también: Security y </a:t>
+            </a:r>
+            <a:r>
+              <a:rPr lang="es-ES" dirty="0" err="1" smtClean="0"/>
+              <a:t>availability</a:t>
+            </a:r>
+            <a:r>
+              <a:rPr lang="es-ES" dirty="0" smtClean="0"/>
+              <a:t> del circulo rojo por haber sido identificados incorrectamente, y </a:t>
+            </a:r>
+            <a:r>
+              <a:rPr lang="es-ES" dirty="0" err="1" smtClean="0"/>
+              <a:t>modifiability</a:t>
+            </a:r>
+            <a:r>
+              <a:rPr lang="es-ES" dirty="0" smtClean="0"/>
+              <a:t> del circulo azul ya que, aunque se considera correcta la relación con el aspecto temprano de origen, no se detectó que </a:t>
+            </a:r>
+            <a:r>
+              <a:rPr lang="es-ES" dirty="0" err="1" smtClean="0"/>
+              <a:t>Modifiability</a:t>
+            </a:r>
+            <a:r>
+              <a:rPr lang="es-ES" dirty="0" smtClean="0"/>
+              <a:t> sea un atributo de calidad del sistema.</a:t>
+            </a:r>
+          </a:p>
+          <a:p>
+            <a:r>
+              <a:rPr lang="es-ES" dirty="0" smtClean="0"/>
+              <a:t>Los QFN o falsos negativos son 3 también: Performance, </a:t>
+            </a:r>
+            <a:r>
+              <a:rPr lang="es-ES" dirty="0" err="1" smtClean="0"/>
+              <a:t>Scalabilty</a:t>
+            </a:r>
+            <a:r>
+              <a:rPr lang="es-ES" dirty="0" smtClean="0"/>
+              <a:t> y </a:t>
+            </a:r>
+            <a:r>
+              <a:rPr lang="es-ES" dirty="0" err="1" smtClean="0"/>
+              <a:t>Persistency</a:t>
+            </a:r>
+            <a:r>
+              <a:rPr lang="es-ES" dirty="0" smtClean="0"/>
+              <a:t>.</a:t>
+            </a:r>
+          </a:p>
+          <a:p>
+            <a:pPr>
+              <a:lnSpc>
+                <a:spcPct val="115000"/>
+              </a:lnSpc>
+              <a:spcAft>
+                <a:spcPts val="1000"/>
+              </a:spcAft>
+            </a:pPr>
+            <a:endParaRPr lang="es-ES" dirty="0" smtClean="0">
+              <a:ea typeface="Times New Roman"/>
+              <a:cs typeface="Times New Roman"/>
             </a:endParaRPr>
           </a:p>
           <a:p>
-            <a:pPr>
-              <a:buFontTx/>
-              <a:buNone/>
-            </a:pPr>
-            <a:endParaRPr lang="es-ES_tradnl" baseline="0" dirty="0" smtClean="0"/>
-          </a:p>
-          <a:p>
-            <a:pPr>
-              <a:buFontTx/>
-              <a:buChar char="-"/>
-            </a:pPr>
-            <a:r>
-              <a:rPr lang="es-ES_tradnl" baseline="0" dirty="0" smtClean="0"/>
-              <a:t> El tiempo de ejecución de la herramienta también fue muy bueno, solo llevo algunos segundos lo que manualmente insume mucho tiempo y esfuerzo.</a:t>
-            </a:r>
-          </a:p>
-          <a:p>
-            <a:pPr>
-              <a:buFontTx/>
-              <a:buChar char="-"/>
-            </a:pPr>
-            <a:endParaRPr lang="es-ES_tradnl" baseline="0" dirty="0" smtClean="0"/>
-          </a:p>
-          <a:p>
-            <a:pPr lvl="0">
-              <a:buFontTx/>
-              <a:buChar char="-"/>
-            </a:pPr>
-            <a:r>
-              <a:rPr lang="es-AR" sz="1200" kern="1200" dirty="0" smtClean="0">
-                <a:solidFill>
-                  <a:schemeClr val="tx1"/>
-                </a:solidFill>
-                <a:latin typeface="+mn-lt"/>
-                <a:ea typeface="+mn-ea"/>
-                <a:cs typeface="+mn-cs"/>
-              </a:rPr>
-              <a:t>Nivel de automatización: la interacción con el analista es mínima, no siendo necesario que éste tenga que agregar o clasificar información durante el proceso. Además, el QA Miner es de fácil utilización. Este nivel de automatización y simpleza es deseable ya que facilita la tarea del analista, especialmente cuando se cuenta con un gran número de casos de uso.</a:t>
-            </a:r>
-          </a:p>
-          <a:p>
-            <a:pPr lvl="0">
-              <a:buFontTx/>
-              <a:buChar char="-"/>
-            </a:pPr>
-            <a:endParaRPr lang="es-ES_tradnl" sz="1200" kern="1200" dirty="0" smtClean="0">
-              <a:solidFill>
-                <a:schemeClr val="tx1"/>
-              </a:solidFill>
-              <a:latin typeface="+mn-lt"/>
-              <a:ea typeface="+mn-ea"/>
-              <a:cs typeface="+mn-cs"/>
-            </a:endParaRPr>
-          </a:p>
-          <a:p>
-            <a:pPr marL="0" marR="0" lvl="0" indent="0" algn="l" defTabSz="914400" rtl="0" eaLnBrk="1" fontAlgn="auto" latinLnBrk="0" hangingPunct="1">
-              <a:lnSpc>
-                <a:spcPct val="100000"/>
-              </a:lnSpc>
-              <a:spcBef>
-                <a:spcPts val="0"/>
-              </a:spcBef>
-              <a:spcAft>
-                <a:spcPts val="0"/>
-              </a:spcAft>
-              <a:buClrTx/>
-              <a:buSzTx/>
-              <a:buFontTx/>
-              <a:buNone/>
-              <a:tabLst/>
-              <a:defRPr/>
-            </a:pPr>
-            <a:r>
-              <a:rPr lang="es-AR" sz="1200" kern="1200" dirty="0" smtClean="0">
-                <a:solidFill>
-                  <a:schemeClr val="tx1"/>
-                </a:solidFill>
-                <a:latin typeface="+mn-lt"/>
-                <a:ea typeface="+mn-ea"/>
-                <a:cs typeface="+mn-cs"/>
-              </a:rPr>
-              <a:t>- Extensión a otros documentos: la técnica propuesta puede ser de fácil adaptación para minar QAs de otros documentos basados en textos, como minutas, notas, entrevistas, etc. Es frecuente que, durante la elicitación de requerimientos, se produzcan una gran variedad de documentos. Con una adecuada selección de filtros y pocas modificaciones sobre </a:t>
-            </a:r>
-            <a:r>
-              <a:rPr lang="es-AR" sz="1200" i="1" kern="1200" dirty="0" smtClean="0">
-                <a:solidFill>
-                  <a:schemeClr val="tx1"/>
-                </a:solidFill>
-                <a:latin typeface="+mn-lt"/>
-                <a:ea typeface="+mn-ea"/>
-                <a:cs typeface="+mn-cs"/>
-              </a:rPr>
-              <a:t>QA Miner</a:t>
-            </a:r>
-            <a:r>
-              <a:rPr lang="es-AR" sz="1200" kern="1200" dirty="0" smtClean="0">
-                <a:solidFill>
-                  <a:schemeClr val="tx1"/>
-                </a:solidFill>
-                <a:latin typeface="+mn-lt"/>
-                <a:ea typeface="+mn-ea"/>
-                <a:cs typeface="+mn-cs"/>
-              </a:rPr>
-              <a:t>, se podría utilizar este enfoque para descubrir QAs sobre otros documentos textuales.</a:t>
-            </a:r>
-            <a:endParaRPr lang="es-ES_tradnl" sz="1200" kern="1200" dirty="0" smtClean="0">
-              <a:solidFill>
-                <a:schemeClr val="tx1"/>
-              </a:solidFill>
-              <a:latin typeface="+mn-lt"/>
-              <a:ea typeface="+mn-ea"/>
-              <a:cs typeface="+mn-cs"/>
-            </a:endParaRPr>
-          </a:p>
-          <a:p>
-            <a:pPr marL="0" marR="0" lvl="1" indent="0" algn="l" defTabSz="914400" rtl="0" eaLnBrk="1" fontAlgn="auto" latinLnBrk="0" hangingPunct="1">
-              <a:lnSpc>
-                <a:spcPct val="100000"/>
-              </a:lnSpc>
-              <a:spcBef>
-                <a:spcPts val="0"/>
-              </a:spcBef>
-              <a:spcAft>
-                <a:spcPts val="0"/>
-              </a:spcAft>
-              <a:buClrTx/>
-              <a:buSzTx/>
-              <a:buFontTx/>
-              <a:buNone/>
-              <a:tabLst/>
-              <a:defRPr/>
-            </a:pPr>
-            <a:endParaRPr lang="es-ES_tradnl" baseline="0" dirty="0" smtClean="0"/>
-          </a:p>
-          <a:p>
-            <a:pPr marL="0" marR="0" lvl="1" indent="0" algn="l" defTabSz="914400" rtl="0" eaLnBrk="1" fontAlgn="auto" latinLnBrk="0" hangingPunct="1">
-              <a:lnSpc>
-                <a:spcPct val="100000"/>
-              </a:lnSpc>
-              <a:spcBef>
-                <a:spcPts val="0"/>
-              </a:spcBef>
-              <a:spcAft>
-                <a:spcPts val="0"/>
-              </a:spcAft>
-              <a:buClrTx/>
-              <a:buSzTx/>
-              <a:buFontTx/>
-              <a:buNone/>
-              <a:tabLst/>
-              <a:defRPr/>
-            </a:pPr>
-            <a:r>
-              <a:rPr lang="es-AR" sz="1200" kern="1200" dirty="0" smtClean="0">
-                <a:solidFill>
-                  <a:schemeClr val="tx1"/>
-                </a:solidFill>
-                <a:latin typeface="+mn-lt"/>
-                <a:ea typeface="+mn-ea"/>
-                <a:cs typeface="+mn-cs"/>
-              </a:rPr>
-              <a:t>- Extensibilidad para la identificación de otros QAs: la ontología usada sólo contempla seis atributos de calidad. Sin embargo, este no es un impedimento teórico del enfoque propuesto. Extender </a:t>
-            </a:r>
-            <a:r>
-              <a:rPr lang="es-AR" sz="1200" i="1" kern="1200" dirty="0" smtClean="0">
-                <a:solidFill>
-                  <a:schemeClr val="tx1"/>
-                </a:solidFill>
-                <a:latin typeface="+mn-lt"/>
-                <a:ea typeface="+mn-ea"/>
-                <a:cs typeface="+mn-cs"/>
-              </a:rPr>
-              <a:t>QA Miner</a:t>
-            </a:r>
-            <a:r>
-              <a:rPr lang="es-AR" sz="1200" kern="1200" dirty="0" smtClean="0">
-                <a:solidFill>
-                  <a:schemeClr val="tx1"/>
-                </a:solidFill>
-                <a:latin typeface="+mn-lt"/>
-                <a:ea typeface="+mn-ea"/>
-                <a:cs typeface="+mn-cs"/>
-              </a:rPr>
-              <a:t> hacia la identificación de otros atributos de calidad sólo involucra su ingreso a la ontología.</a:t>
-            </a:r>
-            <a:endParaRPr lang="es-ES_tradnl" sz="1200" kern="1200" dirty="0" smtClean="0">
-              <a:solidFill>
-                <a:schemeClr val="tx1"/>
-              </a:solidFill>
-              <a:latin typeface="+mn-lt"/>
-              <a:ea typeface="+mn-ea"/>
-              <a:cs typeface="+mn-cs"/>
-            </a:endParaRPr>
-          </a:p>
-          <a:p>
-            <a:pPr marL="0" marR="0" lvl="1" indent="0" algn="l" defTabSz="914400" rtl="0" eaLnBrk="1" fontAlgn="auto" latinLnBrk="0" hangingPunct="1">
-              <a:lnSpc>
-                <a:spcPct val="100000"/>
-              </a:lnSpc>
-              <a:spcBef>
-                <a:spcPts val="0"/>
-              </a:spcBef>
-              <a:spcAft>
-                <a:spcPts val="0"/>
-              </a:spcAft>
-              <a:buClrTx/>
-              <a:buSzTx/>
-              <a:buFontTx/>
-              <a:buNone/>
-              <a:tabLst/>
-              <a:defRPr/>
-            </a:pPr>
-            <a:endParaRPr lang="es-ES_tradnl" baseline="0" dirty="0" smtClean="0"/>
-          </a:p>
-          <a:p>
-            <a:pPr marL="0" marR="0" lvl="1" indent="0" algn="l" defTabSz="914400" rtl="0" eaLnBrk="1" fontAlgn="auto" latinLnBrk="0" hangingPunct="1">
-              <a:lnSpc>
-                <a:spcPct val="100000"/>
-              </a:lnSpc>
-              <a:spcBef>
-                <a:spcPts val="0"/>
-              </a:spcBef>
-              <a:spcAft>
-                <a:spcPts val="0"/>
-              </a:spcAft>
-              <a:buClrTx/>
-              <a:buSzTx/>
-              <a:buFontTx/>
-              <a:buNone/>
-              <a:tabLst/>
-              <a:defRPr/>
-            </a:pPr>
-            <a:r>
-              <a:rPr lang="es-ES_tradnl" baseline="0" dirty="0" smtClean="0"/>
-              <a:t>Las desventajas que se identificaron fueron:</a:t>
-            </a:r>
-          </a:p>
-          <a:p>
-            <a:pPr marL="0" marR="0" lvl="1" indent="0" algn="l" defTabSz="914400" rtl="0" eaLnBrk="1" fontAlgn="auto" latinLnBrk="0" hangingPunct="1">
-              <a:lnSpc>
-                <a:spcPct val="100000"/>
-              </a:lnSpc>
-              <a:spcBef>
-                <a:spcPts val="0"/>
-              </a:spcBef>
-              <a:spcAft>
-                <a:spcPts val="0"/>
-              </a:spcAft>
-              <a:buClrTx/>
-              <a:buSzTx/>
-              <a:buFontTx/>
-              <a:buNone/>
-              <a:tabLst/>
-              <a:defRPr/>
-            </a:pPr>
-            <a:endParaRPr lang="es-ES_tradnl" baseline="0" dirty="0" smtClean="0"/>
-          </a:p>
-          <a:p>
-            <a:pPr lvl="0">
-              <a:buFontTx/>
-              <a:buChar char="-"/>
-            </a:pPr>
-            <a:r>
-              <a:rPr lang="es-AR" sz="1200" kern="1200" dirty="0" smtClean="0">
-                <a:solidFill>
-                  <a:schemeClr val="tx1"/>
-                </a:solidFill>
-                <a:latin typeface="+mn-lt"/>
-                <a:ea typeface="+mn-ea"/>
-                <a:cs typeface="+mn-cs"/>
-              </a:rPr>
-              <a:t>Dependencia de los aspectos encontrados: la técnica propuesta se basa en identificar atributos de calidad a partir de aspectos tempranos previamente detectados. Los aspectos deben estar correctamente formados, mediante palabras que los representen claramente. La herramienta Aspect Extractor Tool puede llegar a introducir “ruido” en los mismos, es decir, palabras que no se relacionan con los </a:t>
-            </a:r>
-            <a:r>
-              <a:rPr lang="es-AR" sz="1200" kern="1200" dirty="0" err="1" smtClean="0">
-                <a:solidFill>
-                  <a:schemeClr val="tx1"/>
-                </a:solidFill>
-                <a:latin typeface="+mn-lt"/>
-                <a:ea typeface="+mn-ea"/>
-                <a:cs typeface="+mn-cs"/>
-              </a:rPr>
-              <a:t>EAs</a:t>
-            </a:r>
-            <a:r>
-              <a:rPr lang="es-AR" sz="1200" kern="1200" dirty="0" smtClean="0">
-                <a:solidFill>
-                  <a:schemeClr val="tx1"/>
-                </a:solidFill>
-                <a:latin typeface="+mn-lt"/>
-                <a:ea typeface="+mn-ea"/>
-                <a:cs typeface="+mn-cs"/>
-              </a:rPr>
-              <a:t> identificados y, por lo tanto, dificultan la identificación de los QAs.</a:t>
-            </a:r>
-          </a:p>
-          <a:p>
-            <a:pPr lvl="0">
-              <a:buFontTx/>
-              <a:buChar char="-"/>
-            </a:pPr>
-            <a:endParaRPr lang="es-ES_tradnl" sz="1200" kern="1200" dirty="0" smtClean="0">
-              <a:solidFill>
-                <a:schemeClr val="tx1"/>
-              </a:solidFill>
-              <a:latin typeface="+mn-lt"/>
-              <a:ea typeface="+mn-ea"/>
-              <a:cs typeface="+mn-cs"/>
-            </a:endParaRPr>
-          </a:p>
-          <a:p>
-            <a:pPr lvl="0">
-              <a:buFontTx/>
-              <a:buChar char="-"/>
-            </a:pPr>
-            <a:r>
-              <a:rPr lang="es-AR" sz="1200" kern="1200" dirty="0" smtClean="0">
-                <a:solidFill>
-                  <a:schemeClr val="tx1"/>
-                </a:solidFill>
-                <a:latin typeface="+mn-lt"/>
-                <a:ea typeface="+mn-ea"/>
-                <a:cs typeface="+mn-cs"/>
-              </a:rPr>
-              <a:t>Atributos de calidad no relacionados con aspectos tempranos: no todos los QAs de un sistema están siempre relacionados con un aspecto temprano</a:t>
-            </a:r>
-            <a:r>
-              <a:rPr lang="es-AR" sz="1200" kern="1200" baseline="0" dirty="0" smtClean="0">
-                <a:solidFill>
-                  <a:schemeClr val="tx1"/>
-                </a:solidFill>
-                <a:latin typeface="+mn-lt"/>
-                <a:ea typeface="+mn-ea"/>
-                <a:cs typeface="+mn-cs"/>
-              </a:rPr>
-              <a:t> y viceversa</a:t>
-            </a:r>
-            <a:r>
-              <a:rPr lang="es-AR" sz="1200" kern="1200" dirty="0" smtClean="0">
-                <a:solidFill>
-                  <a:schemeClr val="tx1"/>
-                </a:solidFill>
-                <a:latin typeface="+mn-lt"/>
-                <a:ea typeface="+mn-ea"/>
-                <a:cs typeface="+mn-cs"/>
-              </a:rPr>
-              <a:t>. Estos QAs no serían detectados mediante este análisis.</a:t>
-            </a:r>
-          </a:p>
-          <a:p>
-            <a:pPr lvl="0">
-              <a:buFontTx/>
-              <a:buChar char="-"/>
-            </a:pPr>
-            <a:endParaRPr lang="es-ES_tradnl" sz="1200" kern="1200" dirty="0" smtClean="0">
-              <a:solidFill>
-                <a:schemeClr val="tx1"/>
-              </a:solidFill>
-              <a:latin typeface="+mn-lt"/>
-              <a:ea typeface="+mn-ea"/>
-              <a:cs typeface="+mn-cs"/>
-            </a:endParaRPr>
-          </a:p>
-          <a:p>
-            <a:pPr lvl="0">
-              <a:buFontTx/>
-              <a:buChar char="-"/>
-            </a:pPr>
-            <a:r>
-              <a:rPr lang="es-AR" sz="1200" kern="1200" dirty="0" smtClean="0">
-                <a:solidFill>
-                  <a:schemeClr val="tx1"/>
-                </a:solidFill>
-                <a:latin typeface="+mn-lt"/>
-                <a:ea typeface="+mn-ea"/>
-                <a:cs typeface="+mn-cs"/>
-              </a:rPr>
-              <a:t>Definición de la ontología: la técnica requiere de una ontología como fuente de conocimiento. El modelamiento de la misma para cada atributo de calidad podría llegar a ser una tarea compleja</a:t>
-            </a:r>
-            <a:r>
-              <a:rPr lang="es-AR" sz="1200" kern="1200" baseline="0" dirty="0" smtClean="0">
-                <a:solidFill>
-                  <a:schemeClr val="tx1"/>
-                </a:solidFill>
-                <a:latin typeface="+mn-lt"/>
-                <a:ea typeface="+mn-ea"/>
-                <a:cs typeface="+mn-cs"/>
-              </a:rPr>
-              <a:t> que requiere de </a:t>
-            </a:r>
-            <a:r>
-              <a:rPr lang="es-ES_tradnl" sz="1200" kern="1200" baseline="0" dirty="0" smtClean="0">
-                <a:solidFill>
-                  <a:schemeClr val="tx1"/>
-                </a:solidFill>
-                <a:latin typeface="+mn-lt"/>
-                <a:ea typeface="+mn-ea"/>
-                <a:cs typeface="+mn-cs"/>
-              </a:rPr>
-              <a:t>la participación de un experto en el dominio.</a:t>
-            </a:r>
-            <a:endParaRPr lang="es-AR" sz="1200" kern="1200" dirty="0" smtClean="0">
-              <a:solidFill>
-                <a:schemeClr val="tx1"/>
-              </a:solidFill>
-              <a:latin typeface="+mn-lt"/>
-              <a:ea typeface="+mn-ea"/>
-              <a:cs typeface="+mn-cs"/>
-            </a:endParaRPr>
-          </a:p>
-          <a:p>
-            <a:pPr lvl="0">
-              <a:buFontTx/>
-              <a:buChar char="-"/>
-            </a:pPr>
-            <a:endParaRPr lang="es-ES_tradnl" sz="1200" kern="1200" dirty="0" smtClean="0">
-              <a:solidFill>
-                <a:schemeClr val="tx1"/>
-              </a:solidFill>
-              <a:latin typeface="+mn-lt"/>
-              <a:ea typeface="+mn-ea"/>
-              <a:cs typeface="+mn-cs"/>
-            </a:endParaRPr>
-          </a:p>
-          <a:p>
-            <a:pPr lvl="0">
-              <a:buFontTx/>
-              <a:buChar char="-"/>
-            </a:pPr>
-            <a:r>
-              <a:rPr lang="es-AR" sz="1200" kern="1200" dirty="0" smtClean="0">
-                <a:solidFill>
-                  <a:schemeClr val="tx1"/>
-                </a:solidFill>
-                <a:latin typeface="+mn-lt"/>
-                <a:ea typeface="+mn-ea"/>
-                <a:cs typeface="+mn-cs"/>
-              </a:rPr>
-              <a:t>Limitaciones del lenguaje: al procesar los casos de uso, la técnica posee las limitaciones propias del análisis basado en el procesamiento del lenguaje natural. Estas limitaciones son, entre otras, la sinonimia, la ambigüedad, etc. </a:t>
-            </a:r>
-          </a:p>
-          <a:p>
-            <a:pPr lvl="0">
-              <a:buFontTx/>
-              <a:buChar char="-"/>
-            </a:pPr>
-            <a:endParaRPr lang="es-AR" sz="1200" kern="1200" dirty="0" smtClean="0">
-              <a:solidFill>
-                <a:schemeClr val="tx1"/>
-              </a:solidFill>
-              <a:latin typeface="+mn-lt"/>
-              <a:ea typeface="+mn-ea"/>
-              <a:cs typeface="+mn-cs"/>
-            </a:endParaRPr>
-          </a:p>
-          <a:p>
-            <a:pPr lvl="0">
-              <a:buFontTx/>
-              <a:buChar char="-"/>
-            </a:pPr>
-            <a:r>
-              <a:rPr lang="es-AR" sz="1200" kern="1200" dirty="0" smtClean="0">
-                <a:solidFill>
-                  <a:schemeClr val="tx1"/>
-                </a:solidFill>
-                <a:latin typeface="+mn-lt"/>
-                <a:ea typeface="+mn-ea"/>
-                <a:cs typeface="+mn-cs"/>
-              </a:rPr>
-              <a:t>Aprendizaje: </a:t>
-            </a:r>
-            <a:r>
-              <a:rPr lang="es-AR" sz="1200" i="1" kern="1200" dirty="0" smtClean="0">
-                <a:solidFill>
-                  <a:schemeClr val="tx1"/>
-                </a:solidFill>
-                <a:latin typeface="+mn-lt"/>
-                <a:ea typeface="+mn-ea"/>
-                <a:cs typeface="+mn-cs"/>
-              </a:rPr>
-              <a:t>QA Miner</a:t>
-            </a:r>
-            <a:r>
-              <a:rPr lang="es-AR" sz="1200" kern="1200" dirty="0" smtClean="0">
-                <a:solidFill>
-                  <a:schemeClr val="tx1"/>
-                </a:solidFill>
-                <a:latin typeface="+mn-lt"/>
-                <a:ea typeface="+mn-ea"/>
-                <a:cs typeface="+mn-cs"/>
-              </a:rPr>
-              <a:t> no prevé la interacción con un usuario o analista que pueda proveer cierta clase de feedback en base a los resultados obtenidos. Este tipo de información podría ser de ayuda para un mejor funcionamiento de la técnica.</a:t>
-            </a:r>
-            <a:endParaRPr lang="es-ES_tradnl" sz="1200" kern="1200" dirty="0" smtClean="0">
-              <a:solidFill>
-                <a:schemeClr val="tx1"/>
-              </a:solidFill>
-              <a:latin typeface="+mn-lt"/>
-              <a:ea typeface="+mn-ea"/>
-              <a:cs typeface="+mn-cs"/>
-            </a:endParaRPr>
-          </a:p>
-          <a:p>
-            <a:pPr marL="0" marR="0" lvl="1" indent="0" algn="l" defTabSz="914400" rtl="0" eaLnBrk="1" fontAlgn="auto" latinLnBrk="0" hangingPunct="1">
-              <a:lnSpc>
-                <a:spcPct val="100000"/>
-              </a:lnSpc>
-              <a:spcBef>
-                <a:spcPts val="0"/>
-              </a:spcBef>
-              <a:spcAft>
-                <a:spcPts val="0"/>
-              </a:spcAft>
-              <a:buClrTx/>
-              <a:buSzTx/>
-              <a:buFontTx/>
-              <a:buNone/>
-              <a:tabLst/>
-              <a:defRPr/>
-            </a:pPr>
-            <a:endParaRPr lang="es-ES_tradnl" baseline="0" dirty="0" smtClean="0"/>
+            <a:endParaRPr lang="es-ES_tradnl" dirty="0"/>
           </a:p>
         </p:txBody>
       </p:sp>
@@ -3166,7 +2919,7 @@
             <a:fld id="{1872ED1A-74B4-42AE-A5BF-D7540D1CC6CA}" type="slidenum">
               <a:rPr lang="es-ES" smtClean="0"/>
               <a:pPr/>
-              <a:t>29</a:t>
+              <a:t>24</a:t>
             </a:fld>
             <a:endParaRPr lang="es-ES" dirty="0"/>
           </a:p>
@@ -3222,320 +2975,18 @@
         <p:spPr/>
         <p:txBody>
           <a:bodyPr>
-            <a:normAutofit fontScale="92500" lnSpcReduction="20000"/>
+            <a:normAutofit/>
           </a:bodyPr>
           <a:lstStyle/>
           <a:p>
-            <a:pPr lvl="0">
-              <a:buFontTx/>
-              <a:buChar char="-"/>
-            </a:pPr>
-            <a:r>
-              <a:rPr lang="es-AR" sz="1200" kern="1200" dirty="0" smtClean="0">
-                <a:solidFill>
-                  <a:schemeClr val="tx1"/>
-                </a:solidFill>
-                <a:latin typeface="+mn-lt"/>
-                <a:ea typeface="+mn-ea"/>
-                <a:cs typeface="+mn-cs"/>
-              </a:rPr>
-              <a:t>Mejoramiento de la ontología: al ser la ontología una parte fundamental en el proceso, su mejora impacta directamente sobre el funcionamiento del mismo. La tarea de mejora cuenta con cuatro aristas. La primera, consiste en revisar los conceptos de la ontología, agregando nuevos o identificando nuevas relaciones sobre los existentes. La segunda, consiste en agregar, modificar y mejorar las instancias cargadas en la misma. La tercera, es incluir nuevos atributos de calidad y, por lo tanto, un conocimiento de esos atributos que permita ampliar el alcance de la técnica. La cuarta es implementar distintas estrategias de matching entre los tokens y la ontología.</a:t>
-            </a:r>
-          </a:p>
-          <a:p>
-            <a:pPr lvl="0">
-              <a:buFontTx/>
-              <a:buChar char="-"/>
-            </a:pPr>
-            <a:endParaRPr lang="es-ES_tradnl" sz="1200" kern="1200" dirty="0" smtClean="0">
-              <a:solidFill>
-                <a:schemeClr val="tx1"/>
-              </a:solidFill>
-              <a:latin typeface="+mn-lt"/>
-              <a:ea typeface="+mn-ea"/>
-              <a:cs typeface="+mn-cs"/>
-            </a:endParaRPr>
-          </a:p>
-          <a:p>
-            <a:pPr lvl="0">
-              <a:buFontTx/>
-              <a:buChar char="-"/>
-            </a:pPr>
-            <a:r>
-              <a:rPr lang="es-AR" sz="1200" kern="1200" dirty="0" smtClean="0">
-                <a:solidFill>
-                  <a:schemeClr val="tx1"/>
-                </a:solidFill>
-                <a:latin typeface="+mn-lt"/>
-                <a:ea typeface="+mn-ea"/>
-                <a:cs typeface="+mn-cs"/>
-              </a:rPr>
-              <a:t>Atributos de los tokens: se podrían agregar más atributos a los tokens mediante nuevos filtros</a:t>
-            </a:r>
-            <a:r>
-              <a:rPr lang="es-AR" sz="1200" kern="1200" baseline="0" dirty="0" smtClean="0">
-                <a:solidFill>
-                  <a:schemeClr val="tx1"/>
-                </a:solidFill>
-                <a:latin typeface="+mn-lt"/>
-                <a:ea typeface="+mn-ea"/>
-                <a:cs typeface="+mn-cs"/>
-              </a:rPr>
-              <a:t> para mejorar los resultados</a:t>
-            </a:r>
-            <a:r>
-              <a:rPr lang="es-AR" sz="1200" kern="1200" dirty="0" smtClean="0">
-                <a:solidFill>
-                  <a:schemeClr val="tx1"/>
-                </a:solidFill>
-                <a:latin typeface="+mn-lt"/>
-                <a:ea typeface="+mn-ea"/>
-                <a:cs typeface="+mn-cs"/>
-              </a:rPr>
-              <a:t>. Por</a:t>
-            </a:r>
-            <a:r>
-              <a:rPr lang="es-AR" sz="1200" kern="1200" baseline="0" dirty="0" smtClean="0">
-                <a:solidFill>
-                  <a:schemeClr val="tx1"/>
-                </a:solidFill>
-                <a:latin typeface="+mn-lt"/>
-                <a:ea typeface="+mn-ea"/>
-                <a:cs typeface="+mn-cs"/>
-              </a:rPr>
-              <a:t> ejemplo, se podría agregar en la secuencia de fil</a:t>
-            </a:r>
-            <a:r>
-              <a:rPr lang="es-AR" sz="1200" kern="1200" dirty="0" smtClean="0">
-                <a:solidFill>
-                  <a:schemeClr val="tx1"/>
-                </a:solidFill>
-                <a:latin typeface="+mn-lt"/>
-                <a:ea typeface="+mn-ea"/>
-                <a:cs typeface="+mn-cs"/>
-              </a:rPr>
-              <a:t>tros  que se vio anteriormente,</a:t>
-            </a:r>
-            <a:r>
-              <a:rPr lang="es-AR" sz="1200" kern="1200" baseline="0" dirty="0" smtClean="0">
-                <a:solidFill>
-                  <a:schemeClr val="tx1"/>
-                </a:solidFill>
-                <a:latin typeface="+mn-lt"/>
-                <a:ea typeface="+mn-ea"/>
-                <a:cs typeface="+mn-cs"/>
-              </a:rPr>
-              <a:t> un filtro </a:t>
-            </a:r>
-            <a:r>
-              <a:rPr lang="es-AR" sz="1200" kern="1200" dirty="0" smtClean="0">
-                <a:solidFill>
-                  <a:schemeClr val="tx1"/>
-                </a:solidFill>
-                <a:latin typeface="+mn-lt"/>
-                <a:ea typeface="+mn-ea"/>
-                <a:cs typeface="+mn-cs"/>
-              </a:rPr>
-              <a:t>de “sinónimos” donde se mine cada token con</a:t>
-            </a:r>
-            <a:r>
-              <a:rPr lang="es-AR" sz="1200" kern="1200" baseline="0" dirty="0" smtClean="0">
-                <a:solidFill>
-                  <a:schemeClr val="tx1"/>
-                </a:solidFill>
-                <a:latin typeface="+mn-lt"/>
-                <a:ea typeface="+mn-ea"/>
-                <a:cs typeface="+mn-cs"/>
-              </a:rPr>
-              <a:t> sus sinónimos.</a:t>
-            </a:r>
-            <a:endParaRPr lang="es-AR" sz="1200" kern="1200" dirty="0" smtClean="0">
-              <a:solidFill>
-                <a:schemeClr val="tx1"/>
-              </a:solidFill>
-              <a:latin typeface="+mn-lt"/>
-              <a:ea typeface="+mn-ea"/>
-              <a:cs typeface="+mn-cs"/>
-            </a:endParaRPr>
-          </a:p>
-          <a:p>
-            <a:pPr lvl="0">
-              <a:buFontTx/>
-              <a:buChar char="-"/>
-            </a:pPr>
-            <a:endParaRPr lang="es-ES_tradnl" sz="1200" kern="1200" dirty="0" smtClean="0">
-              <a:solidFill>
-                <a:schemeClr val="tx1"/>
-              </a:solidFill>
-              <a:latin typeface="+mn-lt"/>
-              <a:ea typeface="+mn-ea"/>
-              <a:cs typeface="+mn-cs"/>
-            </a:endParaRPr>
-          </a:p>
-          <a:p>
-            <a:pPr lvl="0">
-              <a:buFontTx/>
-              <a:buChar char="-"/>
-            </a:pPr>
-            <a:r>
-              <a:rPr lang="es-AR" sz="1200" kern="1200" dirty="0" smtClean="0">
-                <a:solidFill>
-                  <a:schemeClr val="tx1"/>
-                </a:solidFill>
-                <a:latin typeface="+mn-lt"/>
-                <a:ea typeface="+mn-ea"/>
-                <a:cs typeface="+mn-cs"/>
-              </a:rPr>
-              <a:t>Minar QAs desde distintos tipos de documentos: la técnica propuesta pude ser extendida para el tratamiento de diversos documentos, en donde se consideren que se pueden identificar atributos de calidad de un sistema. Ejemplo, minutas, BG.</a:t>
-            </a:r>
-          </a:p>
-          <a:p>
-            <a:pPr lvl="0">
-              <a:buFontTx/>
-              <a:buChar char="-"/>
-            </a:pPr>
-            <a:endParaRPr lang="es-ES_tradnl" sz="1200" kern="1200" dirty="0" smtClean="0">
-              <a:solidFill>
-                <a:schemeClr val="tx1"/>
-              </a:solidFill>
-              <a:latin typeface="+mn-lt"/>
-              <a:ea typeface="+mn-ea"/>
-              <a:cs typeface="+mn-cs"/>
-            </a:endParaRPr>
-          </a:p>
-          <a:p>
-            <a:pPr>
-              <a:buFontTx/>
-              <a:buChar char="-"/>
-            </a:pPr>
-            <a:r>
-              <a:rPr lang="es-AR" sz="1200" kern="1200" dirty="0" smtClean="0">
-                <a:solidFill>
-                  <a:schemeClr val="tx1"/>
-                </a:solidFill>
-                <a:latin typeface="+mn-lt"/>
-                <a:ea typeface="+mn-ea"/>
-                <a:cs typeface="+mn-cs"/>
-              </a:rPr>
-              <a:t>Aprendizaje: sería de utilidad el desarrollo de alguna técnica de aprendizaje que pueda ser agregada para que la herramienta </a:t>
-            </a:r>
-            <a:r>
-              <a:rPr lang="es-AR" sz="1200" i="1" kern="1200" dirty="0" smtClean="0">
-                <a:solidFill>
-                  <a:schemeClr val="tx1"/>
-                </a:solidFill>
-                <a:latin typeface="+mn-lt"/>
-                <a:ea typeface="+mn-ea"/>
-                <a:cs typeface="+mn-cs"/>
-              </a:rPr>
-              <a:t>QA Miner</a:t>
-            </a:r>
-            <a:r>
-              <a:rPr lang="es-AR" sz="1200" kern="1200" dirty="0" smtClean="0">
-                <a:solidFill>
-                  <a:schemeClr val="tx1"/>
-                </a:solidFill>
-                <a:latin typeface="+mn-lt"/>
-                <a:ea typeface="+mn-ea"/>
-                <a:cs typeface="+mn-cs"/>
-              </a:rPr>
-              <a:t> pueda ser ajustada en base al</a:t>
-            </a:r>
-            <a:r>
-              <a:rPr lang="es-AR" sz="1200" kern="1200" baseline="0" dirty="0" smtClean="0">
-                <a:solidFill>
-                  <a:schemeClr val="tx1"/>
-                </a:solidFill>
-                <a:latin typeface="+mn-lt"/>
-                <a:ea typeface="+mn-ea"/>
-                <a:cs typeface="+mn-cs"/>
-              </a:rPr>
-              <a:t> feedback del analista. De esta forma, se </a:t>
-            </a:r>
-            <a:r>
-              <a:rPr lang="es-ES_tradnl" sz="1200" kern="1200" baseline="0" dirty="0" smtClean="0">
-                <a:solidFill>
-                  <a:schemeClr val="tx1"/>
-                </a:solidFill>
-                <a:latin typeface="+mn-lt"/>
-                <a:ea typeface="+mn-ea"/>
-                <a:cs typeface="+mn-cs"/>
-              </a:rPr>
-              <a:t>podrían </a:t>
-            </a:r>
-            <a:r>
-              <a:rPr lang="es-AR" sz="1200" kern="1200" dirty="0" smtClean="0">
-                <a:solidFill>
-                  <a:schemeClr val="tx1"/>
-                </a:solidFill>
-                <a:latin typeface="+mn-lt"/>
-                <a:ea typeface="+mn-ea"/>
-                <a:cs typeface="+mn-cs"/>
-              </a:rPr>
-              <a:t>tener mejores resultados</a:t>
-            </a:r>
-            <a:r>
-              <a:rPr lang="es-AR" sz="1200" kern="1200" baseline="0" dirty="0" smtClean="0">
-                <a:solidFill>
-                  <a:schemeClr val="tx1"/>
-                </a:solidFill>
-                <a:latin typeface="+mn-lt"/>
-                <a:ea typeface="+mn-ea"/>
-                <a:cs typeface="+mn-cs"/>
-              </a:rPr>
-              <a:t> en futuras corridas</a:t>
-            </a:r>
-          </a:p>
-          <a:p>
-            <a:pPr>
-              <a:buFontTx/>
-              <a:buChar char="-"/>
-            </a:pPr>
-            <a:endParaRPr lang="es-AR" sz="1200" kern="1200" baseline="0" dirty="0" smtClean="0">
-              <a:solidFill>
-                <a:schemeClr val="tx1"/>
-              </a:solidFill>
-              <a:latin typeface="+mn-lt"/>
-              <a:ea typeface="+mn-ea"/>
-              <a:cs typeface="+mn-cs"/>
-            </a:endParaRPr>
-          </a:p>
-          <a:p>
-            <a:pPr lvl="0">
-              <a:buFontTx/>
-              <a:buChar char="-"/>
-            </a:pPr>
-            <a:endParaRPr lang="es-ES_tradnl" sz="1200" kern="1200" dirty="0" smtClean="0">
-              <a:solidFill>
-                <a:schemeClr val="tx1"/>
-              </a:solidFill>
-              <a:latin typeface="+mn-lt"/>
-              <a:ea typeface="+mn-ea"/>
-              <a:cs typeface="+mn-cs"/>
-            </a:endParaRPr>
-          </a:p>
-          <a:p>
-            <a:pPr lvl="0">
-              <a:buFontTx/>
-              <a:buChar char="-"/>
-            </a:pPr>
-            <a:r>
-              <a:rPr lang="es-AR" sz="1200" kern="1200" dirty="0" smtClean="0">
-                <a:solidFill>
-                  <a:schemeClr val="tx1"/>
-                </a:solidFill>
-                <a:latin typeface="+mn-lt"/>
-                <a:ea typeface="+mn-ea"/>
-                <a:cs typeface="+mn-cs"/>
-              </a:rPr>
-              <a:t>Arquitecturas orientadas a aspectos: una vez terminado el trabajo se observó que la técnica propuesta podría ser de mucha utilidad en los casos en que se decida utilizar arquitecturas orientadas a aspectos. Ya que se tiene como resultado los aspectos de entrada, cada uno junto con el atributos de calidad relacionado, el arquitecto podría diseñar un modulo de la arquitectura por aspecto y aplicar a cada módulo las tácticas arquitectónicas que satisfagan el atributo de  calidad relacionado.</a:t>
-            </a:r>
-          </a:p>
-          <a:p>
-            <a:pPr>
-              <a:buFontTx/>
-              <a:buChar char="-"/>
-            </a:pPr>
+            <a:r>
+              <a:rPr lang="es-ES_tradnl" dirty="0" smtClean="0"/>
+              <a:t>El segundo caso de estudio llamado CRS es un sistema de registro</a:t>
+            </a:r>
+            <a:r>
+              <a:rPr lang="es-ES_tradnl" baseline="0" dirty="0" smtClean="0"/>
+              <a:t> de cursos. Consta de 8 casos de uso, aproximadamente 3900 palabras. La herramienta AET ha identificado 7 aspectos tempranos. En esta caso, los QAs del sistema que buscamos o consideramos correctos, fueron obtenido a través del análisis manual de la especificación de requerimientos.</a:t>
+            </a:r>
             <a:endParaRPr lang="es-ES_tradnl" dirty="0"/>
           </a:p>
         </p:txBody>
@@ -3558,7 +3009,7 @@
             <a:fld id="{1872ED1A-74B4-42AE-A5BF-D7540D1CC6CA}" type="slidenum">
               <a:rPr lang="es-ES" smtClean="0"/>
               <a:pPr/>
-              <a:t>30</a:t>
+              <a:t>25</a:t>
             </a:fld>
             <a:endParaRPr lang="es-ES" dirty="0"/>
           </a:p>
@@ -3618,6 +3069,14 @@
           </a:bodyPr>
           <a:lstStyle/>
           <a:p>
+            <a:r>
+              <a:rPr lang="es-ES_tradnl" dirty="0" smtClean="0"/>
+              <a:t>Se presenta el mismo gráfico que explicó Francisco</a:t>
+            </a:r>
+            <a:r>
+              <a:rPr lang="es-ES_tradnl" baseline="0" dirty="0" smtClean="0"/>
+              <a:t> anteriormente, en este caso, vemos que en la última columna donde están los QAs reales del sistema todos tienen una flecha de entrada. Esto quiere decir que se han identificado todos los Qas del sistema. Por otro lado, existen dos QA que fueron mal identificados. Haciendo el reemplazo en las formulas obtenemos los siguientes resultados. Precision 0.68 y Recall 1. Este caso de estudio nos da mejores resultados que el caso anterior. </a:t>
+            </a:r>
             <a:endParaRPr lang="es-ES_tradnl" dirty="0"/>
           </a:p>
         </p:txBody>
@@ -3640,7 +3099,905 @@
             <a:fld id="{1872ED1A-74B4-42AE-A5BF-D7540D1CC6CA}" type="slidenum">
               <a:rPr lang="es-ES" smtClean="0"/>
               <a:pPr/>
-              <a:t>31</a:t>
+              <a:t>26</a:t>
+            </a:fld>
+            <a:endParaRPr lang="es-ES" dirty="0"/>
+          </a:p>
+        </p:txBody>
+      </p:sp>
+    </p:spTree>
+  </p:cSld>
+  <p:clrMapOvr>
+    <a:masterClrMapping/>
+  </p:clrMapOvr>
+</p:notes>
+</file>
+
+<file path=ppt/notesSlides/notesSlide27.xml><?xml version="1.0" encoding="utf-8"?>
+<p:notes xmlns:a="http://schemas.openxmlformats.org/drawingml/2006/main" xmlns:r="http://schemas.openxmlformats.org/officeDocument/2006/relationships" xmlns:p="http://schemas.openxmlformats.org/presentationml/2006/main">
+  <p:cSld>
+    <p:spTree>
+      <p:nvGrpSpPr>
+        <p:cNvPr id="1" name=""/>
+        <p:cNvGrpSpPr/>
+        <p:nvPr/>
+      </p:nvGrpSpPr>
+      <p:grpSpPr>
+        <a:xfrm>
+          <a:off x="0" y="0"/>
+          <a:ext cx="0" cy="0"/>
+          <a:chOff x="0" y="0"/>
+          <a:chExt cx="0" cy="0"/>
+        </a:xfrm>
+      </p:grpSpPr>
+      <p:sp>
+        <p:nvSpPr>
+          <p:cNvPr id="2" name="1 Marcador de imagen de diapositiva"/>
+          <p:cNvSpPr>
+            <a:spLocks noGrp="1" noRot="1" noChangeAspect="1"/>
+          </p:cNvSpPr>
+          <p:nvPr>
+            <p:ph type="sldImg"/>
+          </p:nvPr>
+        </p:nvSpPr>
+        <p:spPr/>
+      </p:sp>
+      <p:sp>
+        <p:nvSpPr>
+          <p:cNvPr id="3" name="2 Marcador de notas"/>
+          <p:cNvSpPr>
+            <a:spLocks noGrp="1"/>
+          </p:cNvSpPr>
+          <p:nvPr>
+            <p:ph type="body" idx="1"/>
+          </p:nvPr>
+        </p:nvSpPr>
+        <p:spPr/>
+        <p:txBody>
+          <a:bodyPr>
+            <a:normAutofit/>
+          </a:bodyPr>
+          <a:lstStyle/>
+          <a:p>
+            <a:r>
+              <a:rPr lang="es-ES_tradnl" dirty="0" smtClean="0"/>
+              <a:t>La otra métrica</a:t>
+            </a:r>
+            <a:r>
+              <a:rPr lang="es-ES_tradnl" baseline="0" dirty="0" smtClean="0"/>
+              <a:t> que se utilizó fue el tiempo de ejecución de la herramienta. Se observaron tiempos bajos en las ejecuciones. Para el primer caso de estudio, sumando la detección de todos los QATs tardó aproximadamente 7.2 segundos, mientras que en el caso de estudio CRS, tardó aproximadamente 4.9 segundos. Estos tiempos se consideran aceptables para el analista dado todo el procesamiento que se realiza la herramienta</a:t>
+            </a:r>
+          </a:p>
+        </p:txBody>
+      </p:sp>
+      <p:sp>
+        <p:nvSpPr>
+          <p:cNvPr id="4" name="3 Marcador de número de diapositiva"/>
+          <p:cNvSpPr>
+            <a:spLocks noGrp="1"/>
+          </p:cNvSpPr>
+          <p:nvPr>
+            <p:ph type="sldNum" sz="quarter" idx="10"/>
+          </p:nvPr>
+        </p:nvSpPr>
+        <p:spPr/>
+        <p:txBody>
+          <a:bodyPr/>
+          <a:lstStyle/>
+          <a:p>
+            <a:fld id="{1872ED1A-74B4-42AE-A5BF-D7540D1CC6CA}" type="slidenum">
+              <a:rPr lang="es-ES" smtClean="0"/>
+              <a:pPr/>
+              <a:t>27</a:t>
+            </a:fld>
+            <a:endParaRPr lang="es-ES" dirty="0"/>
+          </a:p>
+        </p:txBody>
+      </p:sp>
+    </p:spTree>
+  </p:cSld>
+  <p:clrMapOvr>
+    <a:masterClrMapping/>
+  </p:clrMapOvr>
+</p:notes>
+</file>
+
+<file path=ppt/notesSlides/notesSlide28.xml><?xml version="1.0" encoding="utf-8"?>
+<p:notes xmlns:a="http://schemas.openxmlformats.org/drawingml/2006/main" xmlns:r="http://schemas.openxmlformats.org/officeDocument/2006/relationships" xmlns:p="http://schemas.openxmlformats.org/presentationml/2006/main">
+  <p:cSld>
+    <p:spTree>
+      <p:nvGrpSpPr>
+        <p:cNvPr id="1" name=""/>
+        <p:cNvGrpSpPr/>
+        <p:nvPr/>
+      </p:nvGrpSpPr>
+      <p:grpSpPr>
+        <a:xfrm>
+          <a:off x="0" y="0"/>
+          <a:ext cx="0" cy="0"/>
+          <a:chOff x="0" y="0"/>
+          <a:chExt cx="0" cy="0"/>
+        </a:xfrm>
+      </p:grpSpPr>
+      <p:sp>
+        <p:nvSpPr>
+          <p:cNvPr id="2" name="1 Marcador de imagen de diapositiva"/>
+          <p:cNvSpPr>
+            <a:spLocks noGrp="1" noRot="1" noChangeAspect="1"/>
+          </p:cNvSpPr>
+          <p:nvPr>
+            <p:ph type="sldImg"/>
+          </p:nvPr>
+        </p:nvSpPr>
+        <p:spPr/>
+      </p:sp>
+      <p:sp>
+        <p:nvSpPr>
+          <p:cNvPr id="3" name="2 Marcador de notas"/>
+          <p:cNvSpPr>
+            <a:spLocks noGrp="1"/>
+          </p:cNvSpPr>
+          <p:nvPr>
+            <p:ph type="body" idx="1"/>
+          </p:nvPr>
+        </p:nvSpPr>
+        <p:spPr/>
+        <p:txBody>
+          <a:bodyPr>
+            <a:normAutofit/>
+          </a:bodyPr>
+          <a:lstStyle/>
+          <a:p>
+            <a:r>
+              <a:rPr lang="es-ES_tradnl" dirty="0" smtClean="0"/>
+              <a:t>A</a:t>
+            </a:r>
+            <a:r>
+              <a:rPr lang="es-ES_tradnl" baseline="0" dirty="0" smtClean="0"/>
+              <a:t> continuación, ya para ir finalizando, vamos a ver las conclusiones. Precisamente, las ventajas y desventajas que identificamos y algunos trabajos a futuros o mejoras que surgieron en este análisis.</a:t>
+            </a:r>
+            <a:endParaRPr lang="es-ES_tradnl" dirty="0"/>
+          </a:p>
+        </p:txBody>
+      </p:sp>
+      <p:sp>
+        <p:nvSpPr>
+          <p:cNvPr id="4" name="3 Marcador de número de diapositiva"/>
+          <p:cNvSpPr>
+            <a:spLocks noGrp="1"/>
+          </p:cNvSpPr>
+          <p:nvPr>
+            <p:ph type="sldNum" sz="quarter" idx="10"/>
+          </p:nvPr>
+        </p:nvSpPr>
+        <p:spPr/>
+        <p:txBody>
+          <a:bodyPr/>
+          <a:lstStyle/>
+          <a:p>
+            <a:fld id="{1872ED1A-74B4-42AE-A5BF-D7540D1CC6CA}" type="slidenum">
+              <a:rPr lang="es-ES" smtClean="0"/>
+              <a:pPr/>
+              <a:t>28</a:t>
+            </a:fld>
+            <a:endParaRPr lang="es-ES" dirty="0"/>
+          </a:p>
+        </p:txBody>
+      </p:sp>
+    </p:spTree>
+  </p:cSld>
+  <p:clrMapOvr>
+    <a:masterClrMapping/>
+  </p:clrMapOvr>
+</p:notes>
+</file>
+
+<file path=ppt/notesSlides/notesSlide29.xml><?xml version="1.0" encoding="utf-8"?>
+<p:notes xmlns:a="http://schemas.openxmlformats.org/drawingml/2006/main" xmlns:r="http://schemas.openxmlformats.org/officeDocument/2006/relationships" xmlns:p="http://schemas.openxmlformats.org/presentationml/2006/main">
+  <p:cSld>
+    <p:spTree>
+      <p:nvGrpSpPr>
+        <p:cNvPr id="1" name=""/>
+        <p:cNvGrpSpPr/>
+        <p:nvPr/>
+      </p:nvGrpSpPr>
+      <p:grpSpPr>
+        <a:xfrm>
+          <a:off x="0" y="0"/>
+          <a:ext cx="0" cy="0"/>
+          <a:chOff x="0" y="0"/>
+          <a:chExt cx="0" cy="0"/>
+        </a:xfrm>
+      </p:grpSpPr>
+      <p:sp>
+        <p:nvSpPr>
+          <p:cNvPr id="2" name="1 Marcador de imagen de diapositiva"/>
+          <p:cNvSpPr>
+            <a:spLocks noGrp="1" noRot="1" noChangeAspect="1"/>
+          </p:cNvSpPr>
+          <p:nvPr>
+            <p:ph type="sldImg"/>
+          </p:nvPr>
+        </p:nvSpPr>
+        <p:spPr/>
+      </p:sp>
+      <p:sp>
+        <p:nvSpPr>
+          <p:cNvPr id="3" name="2 Marcador de notas"/>
+          <p:cNvSpPr>
+            <a:spLocks noGrp="1"/>
+          </p:cNvSpPr>
+          <p:nvPr>
+            <p:ph type="body" idx="1"/>
+          </p:nvPr>
+        </p:nvSpPr>
+        <p:spPr/>
+        <p:txBody>
+          <a:bodyPr>
+            <a:normAutofit lnSpcReduction="10000"/>
+          </a:bodyPr>
+          <a:lstStyle/>
+          <a:p>
+            <a:r>
+              <a:rPr lang="es-ES_tradnl" dirty="0" smtClean="0"/>
+              <a:t>En primer lugar vamos a ver las</a:t>
+            </a:r>
+            <a:r>
+              <a:rPr lang="es-ES_tradnl" baseline="0" dirty="0" smtClean="0"/>
+              <a:t> ventajas. Estas son:</a:t>
+            </a:r>
+          </a:p>
+          <a:p>
+            <a:endParaRPr lang="es-ES_tradnl" baseline="0" dirty="0" smtClean="0"/>
+          </a:p>
+          <a:p>
+            <a:pPr marL="0" marR="0" lvl="0" indent="0" algn="l" defTabSz="914400" rtl="0" eaLnBrk="1" fontAlgn="auto" latinLnBrk="0" hangingPunct="1">
+              <a:lnSpc>
+                <a:spcPct val="100000"/>
+              </a:lnSpc>
+              <a:spcBef>
+                <a:spcPts val="0"/>
+              </a:spcBef>
+              <a:spcAft>
+                <a:spcPts val="0"/>
+              </a:spcAft>
+              <a:buClrTx/>
+              <a:buSzTx/>
+              <a:buFontTx/>
+              <a:buNone/>
+              <a:tabLst/>
+              <a:defRPr/>
+            </a:pPr>
+            <a:r>
+              <a:rPr lang="es-AR" sz="1200" kern="1200" dirty="0" smtClean="0">
+                <a:solidFill>
+                  <a:schemeClr val="tx1"/>
+                </a:solidFill>
+                <a:latin typeface="+mn-lt"/>
+                <a:ea typeface="+mn-ea"/>
+                <a:cs typeface="+mn-cs"/>
+              </a:rPr>
+              <a:t>- </a:t>
+            </a:r>
+            <a:r>
+              <a:rPr lang="es-AR" sz="1200" kern="1200" dirty="0" err="1" smtClean="0">
+                <a:solidFill>
+                  <a:schemeClr val="tx1"/>
+                </a:solidFill>
+                <a:latin typeface="+mn-lt"/>
+                <a:ea typeface="+mn-ea"/>
+                <a:cs typeface="+mn-cs"/>
+              </a:rPr>
+              <a:t>Recall</a:t>
+            </a:r>
+            <a:r>
+              <a:rPr lang="es-AR" sz="1200" kern="1200" dirty="0" smtClean="0">
+                <a:solidFill>
+                  <a:schemeClr val="tx1"/>
+                </a:solidFill>
+                <a:latin typeface="+mn-lt"/>
+                <a:ea typeface="+mn-ea"/>
+                <a:cs typeface="+mn-cs"/>
+              </a:rPr>
+              <a:t>: el </a:t>
+            </a:r>
+            <a:r>
+              <a:rPr lang="es-AR" sz="1200" i="1" kern="1200" dirty="0" err="1" smtClean="0">
+                <a:solidFill>
+                  <a:schemeClr val="tx1"/>
+                </a:solidFill>
+                <a:latin typeface="+mn-lt"/>
+                <a:ea typeface="+mn-ea"/>
+                <a:cs typeface="+mn-cs"/>
+              </a:rPr>
+              <a:t>Recall</a:t>
+            </a:r>
+            <a:r>
+              <a:rPr lang="es-AR" sz="1200" kern="1200" dirty="0" smtClean="0">
+                <a:solidFill>
+                  <a:schemeClr val="tx1"/>
+                </a:solidFill>
+                <a:latin typeface="+mn-lt"/>
+                <a:ea typeface="+mn-ea"/>
+                <a:cs typeface="+mn-cs"/>
+              </a:rPr>
+              <a:t> de la herramienta mostró valores aceptables en el primer caso y muy buenos en el segundo. Los costos generados por la omisión de identificar un QA pueden llegar a ser muy altos. Por eso, se debe tratar de detectar la mayor cantidad de atributos de calidad posibles y, en consecuencia, conseguir el mayor </a:t>
+            </a:r>
+            <a:r>
+              <a:rPr lang="es-AR" sz="1200" i="1" kern="1200" dirty="0" err="1" smtClean="0">
+                <a:solidFill>
+                  <a:schemeClr val="tx1"/>
+                </a:solidFill>
+                <a:latin typeface="+mn-lt"/>
+                <a:ea typeface="+mn-ea"/>
+                <a:cs typeface="+mn-cs"/>
+              </a:rPr>
+              <a:t>Recall</a:t>
+            </a:r>
+            <a:r>
+              <a:rPr lang="es-AR" sz="1200" kern="1200" dirty="0" smtClean="0">
+                <a:solidFill>
+                  <a:schemeClr val="tx1"/>
+                </a:solidFill>
+                <a:latin typeface="+mn-lt"/>
+                <a:ea typeface="+mn-ea"/>
+                <a:cs typeface="+mn-cs"/>
+              </a:rPr>
+              <a:t> posible.</a:t>
+            </a:r>
+            <a:endParaRPr lang="es-ES_tradnl" sz="1200" kern="1200" dirty="0" smtClean="0">
+              <a:solidFill>
+                <a:schemeClr val="tx1"/>
+              </a:solidFill>
+              <a:latin typeface="+mn-lt"/>
+              <a:ea typeface="+mn-ea"/>
+              <a:cs typeface="+mn-cs"/>
+            </a:endParaRPr>
+          </a:p>
+          <a:p>
+            <a:pPr>
+              <a:buFontTx/>
+              <a:buNone/>
+            </a:pPr>
+            <a:endParaRPr lang="es-ES_tradnl" baseline="0" dirty="0" smtClean="0"/>
+          </a:p>
+          <a:p>
+            <a:pPr>
+              <a:buFontTx/>
+              <a:buChar char="-"/>
+            </a:pPr>
+            <a:r>
+              <a:rPr lang="es-ES_tradnl" baseline="0" dirty="0" smtClean="0"/>
+              <a:t> El tiempo de ejecución de la herramienta también fue muy bueno, solo llevo algunos segundos lo que manualmente insume mucho tiempo y esfuerzo.</a:t>
+            </a:r>
+          </a:p>
+          <a:p>
+            <a:pPr>
+              <a:buFontTx/>
+              <a:buChar char="-"/>
+            </a:pPr>
+            <a:endParaRPr lang="es-ES_tradnl" baseline="0" dirty="0" smtClean="0"/>
+          </a:p>
+          <a:p>
+            <a:pPr lvl="0">
+              <a:buFontTx/>
+              <a:buChar char="-"/>
+            </a:pPr>
+            <a:r>
+              <a:rPr lang="es-AR" sz="1200" kern="1200" dirty="0" smtClean="0">
+                <a:solidFill>
+                  <a:schemeClr val="tx1"/>
+                </a:solidFill>
+                <a:latin typeface="+mn-lt"/>
+                <a:ea typeface="+mn-ea"/>
+                <a:cs typeface="+mn-cs"/>
+              </a:rPr>
+              <a:t>Nivel de automatización: la interacción con el analista es mínima, no siendo necesario que éste tenga que agregar o clasificar información durante el proceso. Además, el QA Miner es de fácil utilización. Este nivel de automatización y simpleza es deseable ya que facilita la tarea del analista, especialmente cuando se cuenta con un gran número de casos de uso.</a:t>
+            </a:r>
+          </a:p>
+          <a:p>
+            <a:pPr lvl="0">
+              <a:buFontTx/>
+              <a:buChar char="-"/>
+            </a:pPr>
+            <a:endParaRPr lang="es-ES_tradnl" sz="1200" kern="1200" dirty="0" smtClean="0">
+              <a:solidFill>
+                <a:schemeClr val="tx1"/>
+              </a:solidFill>
+              <a:latin typeface="+mn-lt"/>
+              <a:ea typeface="+mn-ea"/>
+              <a:cs typeface="+mn-cs"/>
+            </a:endParaRPr>
+          </a:p>
+          <a:p>
+            <a:pPr marL="0" marR="0" lvl="0" indent="0" algn="l" defTabSz="914400" rtl="0" eaLnBrk="1" fontAlgn="auto" latinLnBrk="0" hangingPunct="1">
+              <a:lnSpc>
+                <a:spcPct val="100000"/>
+              </a:lnSpc>
+              <a:spcBef>
+                <a:spcPts val="0"/>
+              </a:spcBef>
+              <a:spcAft>
+                <a:spcPts val="0"/>
+              </a:spcAft>
+              <a:buClrTx/>
+              <a:buSzTx/>
+              <a:buFontTx/>
+              <a:buNone/>
+              <a:tabLst/>
+              <a:defRPr/>
+            </a:pPr>
+            <a:r>
+              <a:rPr lang="es-AR" sz="1200" kern="1200" dirty="0" smtClean="0">
+                <a:solidFill>
+                  <a:schemeClr val="tx1"/>
+                </a:solidFill>
+                <a:latin typeface="+mn-lt"/>
+                <a:ea typeface="+mn-ea"/>
+                <a:cs typeface="+mn-cs"/>
+              </a:rPr>
+              <a:t>- Extensión a otros documentos: la técnica propuesta puede ser de fácil adaptación para minar QAs de otros documentos basados en textos, como minutas, notas, entrevistas, etc. Es frecuente que, durante la elicitación de requerimientos, se produzcan una gran variedad de documentos. Con una adecuada selección de filtros y pocas modificaciones sobre </a:t>
+            </a:r>
+            <a:r>
+              <a:rPr lang="es-AR" sz="1200" i="1" kern="1200" dirty="0" smtClean="0">
+                <a:solidFill>
+                  <a:schemeClr val="tx1"/>
+                </a:solidFill>
+                <a:latin typeface="+mn-lt"/>
+                <a:ea typeface="+mn-ea"/>
+                <a:cs typeface="+mn-cs"/>
+              </a:rPr>
+              <a:t>QA Miner</a:t>
+            </a:r>
+            <a:r>
+              <a:rPr lang="es-AR" sz="1200" kern="1200" dirty="0" smtClean="0">
+                <a:solidFill>
+                  <a:schemeClr val="tx1"/>
+                </a:solidFill>
+                <a:latin typeface="+mn-lt"/>
+                <a:ea typeface="+mn-ea"/>
+                <a:cs typeface="+mn-cs"/>
+              </a:rPr>
+              <a:t>, se podría utilizar este enfoque para descubrir QAs sobre otros documentos textuales.</a:t>
+            </a:r>
+            <a:endParaRPr lang="es-ES_tradnl" sz="1200" kern="1200" dirty="0" smtClean="0">
+              <a:solidFill>
+                <a:schemeClr val="tx1"/>
+              </a:solidFill>
+              <a:latin typeface="+mn-lt"/>
+              <a:ea typeface="+mn-ea"/>
+              <a:cs typeface="+mn-cs"/>
+            </a:endParaRPr>
+          </a:p>
+          <a:p>
+            <a:pPr marL="0" marR="0" lvl="1" indent="0" algn="l" defTabSz="914400" rtl="0" eaLnBrk="1" fontAlgn="auto" latinLnBrk="0" hangingPunct="1">
+              <a:lnSpc>
+                <a:spcPct val="100000"/>
+              </a:lnSpc>
+              <a:spcBef>
+                <a:spcPts val="0"/>
+              </a:spcBef>
+              <a:spcAft>
+                <a:spcPts val="0"/>
+              </a:spcAft>
+              <a:buClrTx/>
+              <a:buSzTx/>
+              <a:buFontTx/>
+              <a:buNone/>
+              <a:tabLst/>
+              <a:defRPr/>
+            </a:pPr>
+            <a:endParaRPr lang="es-ES_tradnl" baseline="0" dirty="0" smtClean="0"/>
+          </a:p>
+          <a:p>
+            <a:pPr marL="0" marR="0" lvl="1" indent="0" algn="l" defTabSz="914400" rtl="0" eaLnBrk="1" fontAlgn="auto" latinLnBrk="0" hangingPunct="1">
+              <a:lnSpc>
+                <a:spcPct val="100000"/>
+              </a:lnSpc>
+              <a:spcBef>
+                <a:spcPts val="0"/>
+              </a:spcBef>
+              <a:spcAft>
+                <a:spcPts val="0"/>
+              </a:spcAft>
+              <a:buClrTx/>
+              <a:buSzTx/>
+              <a:buFontTx/>
+              <a:buNone/>
+              <a:tabLst/>
+              <a:defRPr/>
+            </a:pPr>
+            <a:r>
+              <a:rPr lang="es-AR" sz="1200" kern="1200" dirty="0" smtClean="0">
+                <a:solidFill>
+                  <a:schemeClr val="tx1"/>
+                </a:solidFill>
+                <a:latin typeface="+mn-lt"/>
+                <a:ea typeface="+mn-ea"/>
+                <a:cs typeface="+mn-cs"/>
+              </a:rPr>
+              <a:t>- Extensibilidad para la identificación de otros QAs: la ontología usada sólo contempla seis atributos de calidad. Sin embargo, este no es un impedimento teórico del enfoque propuesto. Extender </a:t>
+            </a:r>
+            <a:r>
+              <a:rPr lang="es-AR" sz="1200" i="1" kern="1200" dirty="0" smtClean="0">
+                <a:solidFill>
+                  <a:schemeClr val="tx1"/>
+                </a:solidFill>
+                <a:latin typeface="+mn-lt"/>
+                <a:ea typeface="+mn-ea"/>
+                <a:cs typeface="+mn-cs"/>
+              </a:rPr>
+              <a:t>QA Miner</a:t>
+            </a:r>
+            <a:r>
+              <a:rPr lang="es-AR" sz="1200" kern="1200" dirty="0" smtClean="0">
+                <a:solidFill>
+                  <a:schemeClr val="tx1"/>
+                </a:solidFill>
+                <a:latin typeface="+mn-lt"/>
+                <a:ea typeface="+mn-ea"/>
+                <a:cs typeface="+mn-cs"/>
+              </a:rPr>
+              <a:t> hacia la identificación de otros atributos de calidad sólo involucra su ingreso a la ontología.</a:t>
+            </a:r>
+            <a:endParaRPr lang="es-ES_tradnl" sz="1200" kern="1200" dirty="0" smtClean="0">
+              <a:solidFill>
+                <a:schemeClr val="tx1"/>
+              </a:solidFill>
+              <a:latin typeface="+mn-lt"/>
+              <a:ea typeface="+mn-ea"/>
+              <a:cs typeface="+mn-cs"/>
+            </a:endParaRPr>
+          </a:p>
+          <a:p>
+            <a:pPr marL="0" marR="0" lvl="1" indent="0" algn="l" defTabSz="914400" rtl="0" eaLnBrk="1" fontAlgn="auto" latinLnBrk="0" hangingPunct="1">
+              <a:lnSpc>
+                <a:spcPct val="100000"/>
+              </a:lnSpc>
+              <a:spcBef>
+                <a:spcPts val="0"/>
+              </a:spcBef>
+              <a:spcAft>
+                <a:spcPts val="0"/>
+              </a:spcAft>
+              <a:buClrTx/>
+              <a:buSzTx/>
+              <a:buFontTx/>
+              <a:buNone/>
+              <a:tabLst/>
+              <a:defRPr/>
+            </a:pPr>
+            <a:endParaRPr lang="es-ES_tradnl" baseline="0" dirty="0" smtClean="0"/>
+          </a:p>
+          <a:p>
+            <a:pPr marL="0" marR="0" lvl="1" indent="0" algn="l" defTabSz="914400" rtl="0" eaLnBrk="1" fontAlgn="auto" latinLnBrk="0" hangingPunct="1">
+              <a:lnSpc>
+                <a:spcPct val="100000"/>
+              </a:lnSpc>
+              <a:spcBef>
+                <a:spcPts val="0"/>
+              </a:spcBef>
+              <a:spcAft>
+                <a:spcPts val="0"/>
+              </a:spcAft>
+              <a:buClrTx/>
+              <a:buSzTx/>
+              <a:buFontTx/>
+              <a:buNone/>
+              <a:tabLst/>
+              <a:defRPr/>
+            </a:pPr>
+            <a:r>
+              <a:rPr lang="es-ES_tradnl" baseline="0" dirty="0" smtClean="0"/>
+              <a:t>Las desventajas que se identificaron fueron:</a:t>
+            </a:r>
+          </a:p>
+          <a:p>
+            <a:pPr marL="0" marR="0" lvl="1" indent="0" algn="l" defTabSz="914400" rtl="0" eaLnBrk="1" fontAlgn="auto" latinLnBrk="0" hangingPunct="1">
+              <a:lnSpc>
+                <a:spcPct val="100000"/>
+              </a:lnSpc>
+              <a:spcBef>
+                <a:spcPts val="0"/>
+              </a:spcBef>
+              <a:spcAft>
+                <a:spcPts val="0"/>
+              </a:spcAft>
+              <a:buClrTx/>
+              <a:buSzTx/>
+              <a:buFontTx/>
+              <a:buNone/>
+              <a:tabLst/>
+              <a:defRPr/>
+            </a:pPr>
+            <a:endParaRPr lang="es-ES_tradnl" baseline="0" dirty="0" smtClean="0"/>
+          </a:p>
+          <a:p>
+            <a:pPr lvl="0">
+              <a:buFontTx/>
+              <a:buChar char="-"/>
+            </a:pPr>
+            <a:r>
+              <a:rPr lang="es-AR" sz="1200" kern="1200" dirty="0" smtClean="0">
+                <a:solidFill>
+                  <a:schemeClr val="tx1"/>
+                </a:solidFill>
+                <a:latin typeface="+mn-lt"/>
+                <a:ea typeface="+mn-ea"/>
+                <a:cs typeface="+mn-cs"/>
+              </a:rPr>
+              <a:t>Dependencia de los aspectos encontrados: la técnica propuesta se basa en identificar atributos de calidad a partir de aspectos tempranos previamente detectados. Los aspectos deben estar correctamente formados, mediante palabras que los representen claramente. La herramienta Aspect Extractor Tool puede llegar a introducir “ruido” en los mismos, es decir, palabras que no se relacionan con los </a:t>
+            </a:r>
+            <a:r>
+              <a:rPr lang="es-AR" sz="1200" kern="1200" dirty="0" err="1" smtClean="0">
+                <a:solidFill>
+                  <a:schemeClr val="tx1"/>
+                </a:solidFill>
+                <a:latin typeface="+mn-lt"/>
+                <a:ea typeface="+mn-ea"/>
+                <a:cs typeface="+mn-cs"/>
+              </a:rPr>
+              <a:t>EAs</a:t>
+            </a:r>
+            <a:r>
+              <a:rPr lang="es-AR" sz="1200" kern="1200" dirty="0" smtClean="0">
+                <a:solidFill>
+                  <a:schemeClr val="tx1"/>
+                </a:solidFill>
+                <a:latin typeface="+mn-lt"/>
+                <a:ea typeface="+mn-ea"/>
+                <a:cs typeface="+mn-cs"/>
+              </a:rPr>
+              <a:t> identificados y, por lo tanto, dificultan la identificación de los QAs.</a:t>
+            </a:r>
+          </a:p>
+          <a:p>
+            <a:pPr lvl="0">
+              <a:buFontTx/>
+              <a:buChar char="-"/>
+            </a:pPr>
+            <a:endParaRPr lang="es-ES_tradnl" sz="1200" kern="1200" dirty="0" smtClean="0">
+              <a:solidFill>
+                <a:schemeClr val="tx1"/>
+              </a:solidFill>
+              <a:latin typeface="+mn-lt"/>
+              <a:ea typeface="+mn-ea"/>
+              <a:cs typeface="+mn-cs"/>
+            </a:endParaRPr>
+          </a:p>
+          <a:p>
+            <a:pPr lvl="0">
+              <a:buFontTx/>
+              <a:buChar char="-"/>
+            </a:pPr>
+            <a:r>
+              <a:rPr lang="es-AR" sz="1200" kern="1200" dirty="0" smtClean="0">
+                <a:solidFill>
+                  <a:schemeClr val="tx1"/>
+                </a:solidFill>
+                <a:latin typeface="+mn-lt"/>
+                <a:ea typeface="+mn-ea"/>
+                <a:cs typeface="+mn-cs"/>
+              </a:rPr>
+              <a:t>Atributos de calidad no relacionados con aspectos tempranos: no todos los QAs de un sistema están siempre relacionados con un aspecto temprano</a:t>
+            </a:r>
+            <a:r>
+              <a:rPr lang="es-AR" sz="1200" kern="1200" baseline="0" dirty="0" smtClean="0">
+                <a:solidFill>
+                  <a:schemeClr val="tx1"/>
+                </a:solidFill>
+                <a:latin typeface="+mn-lt"/>
+                <a:ea typeface="+mn-ea"/>
+                <a:cs typeface="+mn-cs"/>
+              </a:rPr>
+              <a:t> y viceversa</a:t>
+            </a:r>
+            <a:r>
+              <a:rPr lang="es-AR" sz="1200" kern="1200" dirty="0" smtClean="0">
+                <a:solidFill>
+                  <a:schemeClr val="tx1"/>
+                </a:solidFill>
+                <a:latin typeface="+mn-lt"/>
+                <a:ea typeface="+mn-ea"/>
+                <a:cs typeface="+mn-cs"/>
+              </a:rPr>
+              <a:t>. Estos QAs no serían detectados mediante este análisis.</a:t>
+            </a:r>
+          </a:p>
+          <a:p>
+            <a:pPr lvl="0">
+              <a:buFontTx/>
+              <a:buChar char="-"/>
+            </a:pPr>
+            <a:endParaRPr lang="es-ES_tradnl" sz="1200" kern="1200" dirty="0" smtClean="0">
+              <a:solidFill>
+                <a:schemeClr val="tx1"/>
+              </a:solidFill>
+              <a:latin typeface="+mn-lt"/>
+              <a:ea typeface="+mn-ea"/>
+              <a:cs typeface="+mn-cs"/>
+            </a:endParaRPr>
+          </a:p>
+          <a:p>
+            <a:pPr lvl="0">
+              <a:buFontTx/>
+              <a:buChar char="-"/>
+            </a:pPr>
+            <a:r>
+              <a:rPr lang="es-AR" sz="1200" kern="1200" dirty="0" smtClean="0">
+                <a:solidFill>
+                  <a:schemeClr val="tx1"/>
+                </a:solidFill>
+                <a:latin typeface="+mn-lt"/>
+                <a:ea typeface="+mn-ea"/>
+                <a:cs typeface="+mn-cs"/>
+              </a:rPr>
+              <a:t>Definición de la ontología: la técnica requiere de una ontología como fuente de conocimiento. El modelamiento de la misma para cada atributo de calidad podría llegar a ser una tarea compleja</a:t>
+            </a:r>
+            <a:r>
+              <a:rPr lang="es-AR" sz="1200" kern="1200" baseline="0" dirty="0" smtClean="0">
+                <a:solidFill>
+                  <a:schemeClr val="tx1"/>
+                </a:solidFill>
+                <a:latin typeface="+mn-lt"/>
+                <a:ea typeface="+mn-ea"/>
+                <a:cs typeface="+mn-cs"/>
+              </a:rPr>
+              <a:t> que requiere de </a:t>
+            </a:r>
+            <a:r>
+              <a:rPr lang="es-ES_tradnl" sz="1200" kern="1200" baseline="0" dirty="0" smtClean="0">
+                <a:solidFill>
+                  <a:schemeClr val="tx1"/>
+                </a:solidFill>
+                <a:latin typeface="+mn-lt"/>
+                <a:ea typeface="+mn-ea"/>
+                <a:cs typeface="+mn-cs"/>
+              </a:rPr>
+              <a:t>la participación de un experto en el dominio.</a:t>
+            </a:r>
+            <a:endParaRPr lang="es-AR" sz="1200" kern="1200" dirty="0" smtClean="0">
+              <a:solidFill>
+                <a:schemeClr val="tx1"/>
+              </a:solidFill>
+              <a:latin typeface="+mn-lt"/>
+              <a:ea typeface="+mn-ea"/>
+              <a:cs typeface="+mn-cs"/>
+            </a:endParaRPr>
+          </a:p>
+          <a:p>
+            <a:pPr lvl="0">
+              <a:buFontTx/>
+              <a:buChar char="-"/>
+            </a:pPr>
+            <a:endParaRPr lang="es-ES_tradnl" sz="1200" kern="1200" dirty="0" smtClean="0">
+              <a:solidFill>
+                <a:schemeClr val="tx1"/>
+              </a:solidFill>
+              <a:latin typeface="+mn-lt"/>
+              <a:ea typeface="+mn-ea"/>
+              <a:cs typeface="+mn-cs"/>
+            </a:endParaRPr>
+          </a:p>
+          <a:p>
+            <a:pPr lvl="0">
+              <a:buFontTx/>
+              <a:buChar char="-"/>
+            </a:pPr>
+            <a:r>
+              <a:rPr lang="es-AR" sz="1200" kern="1200" dirty="0" smtClean="0">
+                <a:solidFill>
+                  <a:schemeClr val="tx1"/>
+                </a:solidFill>
+                <a:latin typeface="+mn-lt"/>
+                <a:ea typeface="+mn-ea"/>
+                <a:cs typeface="+mn-cs"/>
+              </a:rPr>
+              <a:t>Limitaciones del lenguaje: al procesar los casos de uso, la técnica posee las limitaciones propias del análisis basado en el procesamiento del lenguaje natural. Estas limitaciones son, entre otras, la sinonimia, la ambigüedad, etc. </a:t>
+            </a:r>
+          </a:p>
+          <a:p>
+            <a:pPr lvl="0">
+              <a:buFontTx/>
+              <a:buChar char="-"/>
+            </a:pPr>
+            <a:endParaRPr lang="es-AR" sz="1200" kern="1200" dirty="0" smtClean="0">
+              <a:solidFill>
+                <a:schemeClr val="tx1"/>
+              </a:solidFill>
+              <a:latin typeface="+mn-lt"/>
+              <a:ea typeface="+mn-ea"/>
+              <a:cs typeface="+mn-cs"/>
+            </a:endParaRPr>
+          </a:p>
+          <a:p>
+            <a:pPr lvl="0">
+              <a:buFontTx/>
+              <a:buChar char="-"/>
+            </a:pPr>
+            <a:r>
+              <a:rPr lang="es-AR" sz="1200" kern="1200" dirty="0" smtClean="0">
+                <a:solidFill>
+                  <a:schemeClr val="tx1"/>
+                </a:solidFill>
+                <a:latin typeface="+mn-lt"/>
+                <a:ea typeface="+mn-ea"/>
+                <a:cs typeface="+mn-cs"/>
+              </a:rPr>
+              <a:t>Aprendizaje: </a:t>
+            </a:r>
+            <a:r>
+              <a:rPr lang="es-AR" sz="1200" i="1" kern="1200" dirty="0" smtClean="0">
+                <a:solidFill>
+                  <a:schemeClr val="tx1"/>
+                </a:solidFill>
+                <a:latin typeface="+mn-lt"/>
+                <a:ea typeface="+mn-ea"/>
+                <a:cs typeface="+mn-cs"/>
+              </a:rPr>
+              <a:t>QA Miner</a:t>
+            </a:r>
+            <a:r>
+              <a:rPr lang="es-AR" sz="1200" kern="1200" dirty="0" smtClean="0">
+                <a:solidFill>
+                  <a:schemeClr val="tx1"/>
+                </a:solidFill>
+                <a:latin typeface="+mn-lt"/>
+                <a:ea typeface="+mn-ea"/>
+                <a:cs typeface="+mn-cs"/>
+              </a:rPr>
+              <a:t> no prevé la interacción con un usuario o analista que pueda proveer cierta clase de feedback en base a los resultados obtenidos. Este tipo de información podría ser de ayuda para un mejor funcionamiento de la técnica.</a:t>
+            </a:r>
+            <a:endParaRPr lang="es-ES_tradnl" sz="1200" kern="1200" dirty="0" smtClean="0">
+              <a:solidFill>
+                <a:schemeClr val="tx1"/>
+              </a:solidFill>
+              <a:latin typeface="+mn-lt"/>
+              <a:ea typeface="+mn-ea"/>
+              <a:cs typeface="+mn-cs"/>
+            </a:endParaRPr>
+          </a:p>
+          <a:p>
+            <a:pPr marL="0" marR="0" lvl="1" indent="0" algn="l" defTabSz="914400" rtl="0" eaLnBrk="1" fontAlgn="auto" latinLnBrk="0" hangingPunct="1">
+              <a:lnSpc>
+                <a:spcPct val="100000"/>
+              </a:lnSpc>
+              <a:spcBef>
+                <a:spcPts val="0"/>
+              </a:spcBef>
+              <a:spcAft>
+                <a:spcPts val="0"/>
+              </a:spcAft>
+              <a:buClrTx/>
+              <a:buSzTx/>
+              <a:buFontTx/>
+              <a:buNone/>
+              <a:tabLst/>
+              <a:defRPr/>
+            </a:pPr>
+            <a:endParaRPr lang="es-ES_tradnl" baseline="0" dirty="0" smtClean="0"/>
+          </a:p>
+        </p:txBody>
+      </p:sp>
+      <p:sp>
+        <p:nvSpPr>
+          <p:cNvPr id="4" name="3 Marcador de número de diapositiva"/>
+          <p:cNvSpPr>
+            <a:spLocks noGrp="1"/>
+          </p:cNvSpPr>
+          <p:nvPr>
+            <p:ph type="sldNum" sz="quarter" idx="10"/>
+          </p:nvPr>
+        </p:nvSpPr>
+        <p:spPr/>
+        <p:txBody>
+          <a:bodyPr/>
+          <a:lstStyle/>
+          <a:p>
+            <a:fld id="{1872ED1A-74B4-42AE-A5BF-D7540D1CC6CA}" type="slidenum">
+              <a:rPr lang="es-ES" smtClean="0"/>
+              <a:pPr/>
+              <a:t>29</a:t>
             </a:fld>
             <a:endParaRPr lang="es-ES" dirty="0"/>
           </a:p>
@@ -3744,6 +4101,480 @@
 </p:notes>
 </file>
 
+<file path=ppt/notesSlides/notesSlide30.xml><?xml version="1.0" encoding="utf-8"?>
+<p:notes xmlns:a="http://schemas.openxmlformats.org/drawingml/2006/main" xmlns:r="http://schemas.openxmlformats.org/officeDocument/2006/relationships" xmlns:p="http://schemas.openxmlformats.org/presentationml/2006/main">
+  <p:cSld>
+    <p:spTree>
+      <p:nvGrpSpPr>
+        <p:cNvPr id="1" name=""/>
+        <p:cNvGrpSpPr/>
+        <p:nvPr/>
+      </p:nvGrpSpPr>
+      <p:grpSpPr>
+        <a:xfrm>
+          <a:off x="0" y="0"/>
+          <a:ext cx="0" cy="0"/>
+          <a:chOff x="0" y="0"/>
+          <a:chExt cx="0" cy="0"/>
+        </a:xfrm>
+      </p:grpSpPr>
+      <p:sp>
+        <p:nvSpPr>
+          <p:cNvPr id="2" name="1 Marcador de imagen de diapositiva"/>
+          <p:cNvSpPr>
+            <a:spLocks noGrp="1" noRot="1" noChangeAspect="1"/>
+          </p:cNvSpPr>
+          <p:nvPr>
+            <p:ph type="sldImg"/>
+          </p:nvPr>
+        </p:nvSpPr>
+        <p:spPr/>
+      </p:sp>
+      <p:sp>
+        <p:nvSpPr>
+          <p:cNvPr id="3" name="2 Marcador de notas"/>
+          <p:cNvSpPr>
+            <a:spLocks noGrp="1"/>
+          </p:cNvSpPr>
+          <p:nvPr>
+            <p:ph type="body" idx="1"/>
+          </p:nvPr>
+        </p:nvSpPr>
+        <p:spPr/>
+        <p:txBody>
+          <a:bodyPr>
+            <a:normAutofit fontScale="92500" lnSpcReduction="20000"/>
+          </a:bodyPr>
+          <a:lstStyle/>
+          <a:p>
+            <a:pPr lvl="0">
+              <a:buFontTx/>
+              <a:buChar char="-"/>
+            </a:pPr>
+            <a:r>
+              <a:rPr lang="es-AR" sz="1200" kern="1200" dirty="0" smtClean="0">
+                <a:solidFill>
+                  <a:schemeClr val="tx1"/>
+                </a:solidFill>
+                <a:latin typeface="+mn-lt"/>
+                <a:ea typeface="+mn-ea"/>
+                <a:cs typeface="+mn-cs"/>
+              </a:rPr>
+              <a:t>Mejoramiento de la ontología: al ser la ontología una parte fundamental en el proceso, su mejora impacta directamente sobre el funcionamiento del mismo. La tarea de mejora cuenta con cuatro aristas. La primera, consiste en revisar los conceptos de la ontología, agregando nuevos o identificando nuevas relaciones sobre los existentes. La segunda, consiste en agregar, modificar y mejorar las instancias cargadas en la misma. La tercera, es incluir nuevos atributos de calidad y, por lo tanto, un conocimiento de esos atributos que permita ampliar el alcance de la técnica. La cuarta es implementar distintas estrategias de matching entre los tokens y la ontología.</a:t>
+            </a:r>
+          </a:p>
+          <a:p>
+            <a:pPr lvl="0">
+              <a:buFontTx/>
+              <a:buChar char="-"/>
+            </a:pPr>
+            <a:endParaRPr lang="es-ES_tradnl" sz="1200" kern="1200" dirty="0" smtClean="0">
+              <a:solidFill>
+                <a:schemeClr val="tx1"/>
+              </a:solidFill>
+              <a:latin typeface="+mn-lt"/>
+              <a:ea typeface="+mn-ea"/>
+              <a:cs typeface="+mn-cs"/>
+            </a:endParaRPr>
+          </a:p>
+          <a:p>
+            <a:pPr lvl="0">
+              <a:buFontTx/>
+              <a:buChar char="-"/>
+            </a:pPr>
+            <a:r>
+              <a:rPr lang="es-AR" sz="1200" kern="1200" dirty="0" smtClean="0">
+                <a:solidFill>
+                  <a:schemeClr val="tx1"/>
+                </a:solidFill>
+                <a:latin typeface="+mn-lt"/>
+                <a:ea typeface="+mn-ea"/>
+                <a:cs typeface="+mn-cs"/>
+              </a:rPr>
+              <a:t>Atributos de los tokens: se podrían agregar más atributos a los tokens mediante nuevos filtros</a:t>
+            </a:r>
+            <a:r>
+              <a:rPr lang="es-AR" sz="1200" kern="1200" baseline="0" dirty="0" smtClean="0">
+                <a:solidFill>
+                  <a:schemeClr val="tx1"/>
+                </a:solidFill>
+                <a:latin typeface="+mn-lt"/>
+                <a:ea typeface="+mn-ea"/>
+                <a:cs typeface="+mn-cs"/>
+              </a:rPr>
+              <a:t> para mejorar los resultados</a:t>
+            </a:r>
+            <a:r>
+              <a:rPr lang="es-AR" sz="1200" kern="1200" dirty="0" smtClean="0">
+                <a:solidFill>
+                  <a:schemeClr val="tx1"/>
+                </a:solidFill>
+                <a:latin typeface="+mn-lt"/>
+                <a:ea typeface="+mn-ea"/>
+                <a:cs typeface="+mn-cs"/>
+              </a:rPr>
+              <a:t>. Por</a:t>
+            </a:r>
+            <a:r>
+              <a:rPr lang="es-AR" sz="1200" kern="1200" baseline="0" dirty="0" smtClean="0">
+                <a:solidFill>
+                  <a:schemeClr val="tx1"/>
+                </a:solidFill>
+                <a:latin typeface="+mn-lt"/>
+                <a:ea typeface="+mn-ea"/>
+                <a:cs typeface="+mn-cs"/>
+              </a:rPr>
+              <a:t> ejemplo, se podría agregar en la secuencia de fil</a:t>
+            </a:r>
+            <a:r>
+              <a:rPr lang="es-AR" sz="1200" kern="1200" dirty="0" smtClean="0">
+                <a:solidFill>
+                  <a:schemeClr val="tx1"/>
+                </a:solidFill>
+                <a:latin typeface="+mn-lt"/>
+                <a:ea typeface="+mn-ea"/>
+                <a:cs typeface="+mn-cs"/>
+              </a:rPr>
+              <a:t>tros  que se vio anteriormente,</a:t>
+            </a:r>
+            <a:r>
+              <a:rPr lang="es-AR" sz="1200" kern="1200" baseline="0" dirty="0" smtClean="0">
+                <a:solidFill>
+                  <a:schemeClr val="tx1"/>
+                </a:solidFill>
+                <a:latin typeface="+mn-lt"/>
+                <a:ea typeface="+mn-ea"/>
+                <a:cs typeface="+mn-cs"/>
+              </a:rPr>
+              <a:t> un filtro </a:t>
+            </a:r>
+            <a:r>
+              <a:rPr lang="es-AR" sz="1200" kern="1200" dirty="0" smtClean="0">
+                <a:solidFill>
+                  <a:schemeClr val="tx1"/>
+                </a:solidFill>
+                <a:latin typeface="+mn-lt"/>
+                <a:ea typeface="+mn-ea"/>
+                <a:cs typeface="+mn-cs"/>
+              </a:rPr>
+              <a:t>de “sinónimos” donde se mine cada token con</a:t>
+            </a:r>
+            <a:r>
+              <a:rPr lang="es-AR" sz="1200" kern="1200" baseline="0" dirty="0" smtClean="0">
+                <a:solidFill>
+                  <a:schemeClr val="tx1"/>
+                </a:solidFill>
+                <a:latin typeface="+mn-lt"/>
+                <a:ea typeface="+mn-ea"/>
+                <a:cs typeface="+mn-cs"/>
+              </a:rPr>
+              <a:t> sus sinónimos.</a:t>
+            </a:r>
+            <a:endParaRPr lang="es-AR" sz="1200" kern="1200" dirty="0" smtClean="0">
+              <a:solidFill>
+                <a:schemeClr val="tx1"/>
+              </a:solidFill>
+              <a:latin typeface="+mn-lt"/>
+              <a:ea typeface="+mn-ea"/>
+              <a:cs typeface="+mn-cs"/>
+            </a:endParaRPr>
+          </a:p>
+          <a:p>
+            <a:pPr lvl="0">
+              <a:buFontTx/>
+              <a:buChar char="-"/>
+            </a:pPr>
+            <a:endParaRPr lang="es-ES_tradnl" sz="1200" kern="1200" dirty="0" smtClean="0">
+              <a:solidFill>
+                <a:schemeClr val="tx1"/>
+              </a:solidFill>
+              <a:latin typeface="+mn-lt"/>
+              <a:ea typeface="+mn-ea"/>
+              <a:cs typeface="+mn-cs"/>
+            </a:endParaRPr>
+          </a:p>
+          <a:p>
+            <a:pPr lvl="0">
+              <a:buFontTx/>
+              <a:buChar char="-"/>
+            </a:pPr>
+            <a:r>
+              <a:rPr lang="es-AR" sz="1200" kern="1200" dirty="0" smtClean="0">
+                <a:solidFill>
+                  <a:schemeClr val="tx1"/>
+                </a:solidFill>
+                <a:latin typeface="+mn-lt"/>
+                <a:ea typeface="+mn-ea"/>
+                <a:cs typeface="+mn-cs"/>
+              </a:rPr>
+              <a:t>Minar QAs desde distintos tipos de documentos: la técnica propuesta pude ser extendida para el tratamiento de diversos documentos, en donde se consideren que se pueden identificar atributos de calidad de un sistema. Ejemplo, minutas, BG.</a:t>
+            </a:r>
+          </a:p>
+          <a:p>
+            <a:pPr lvl="0">
+              <a:buFontTx/>
+              <a:buChar char="-"/>
+            </a:pPr>
+            <a:endParaRPr lang="es-ES_tradnl" sz="1200" kern="1200" dirty="0" smtClean="0">
+              <a:solidFill>
+                <a:schemeClr val="tx1"/>
+              </a:solidFill>
+              <a:latin typeface="+mn-lt"/>
+              <a:ea typeface="+mn-ea"/>
+              <a:cs typeface="+mn-cs"/>
+            </a:endParaRPr>
+          </a:p>
+          <a:p>
+            <a:pPr>
+              <a:buFontTx/>
+              <a:buChar char="-"/>
+            </a:pPr>
+            <a:r>
+              <a:rPr lang="es-AR" sz="1200" kern="1200" dirty="0" smtClean="0">
+                <a:solidFill>
+                  <a:schemeClr val="tx1"/>
+                </a:solidFill>
+                <a:latin typeface="+mn-lt"/>
+                <a:ea typeface="+mn-ea"/>
+                <a:cs typeface="+mn-cs"/>
+              </a:rPr>
+              <a:t>Aprendizaje: sería de utilidad el desarrollo de alguna técnica de aprendizaje que pueda ser agregada para que la herramienta </a:t>
+            </a:r>
+            <a:r>
+              <a:rPr lang="es-AR" sz="1200" i="1" kern="1200" dirty="0" smtClean="0">
+                <a:solidFill>
+                  <a:schemeClr val="tx1"/>
+                </a:solidFill>
+                <a:latin typeface="+mn-lt"/>
+                <a:ea typeface="+mn-ea"/>
+                <a:cs typeface="+mn-cs"/>
+              </a:rPr>
+              <a:t>QA Miner</a:t>
+            </a:r>
+            <a:r>
+              <a:rPr lang="es-AR" sz="1200" kern="1200" dirty="0" smtClean="0">
+                <a:solidFill>
+                  <a:schemeClr val="tx1"/>
+                </a:solidFill>
+                <a:latin typeface="+mn-lt"/>
+                <a:ea typeface="+mn-ea"/>
+                <a:cs typeface="+mn-cs"/>
+              </a:rPr>
+              <a:t> pueda ser ajustada en base al</a:t>
+            </a:r>
+            <a:r>
+              <a:rPr lang="es-AR" sz="1200" kern="1200" baseline="0" dirty="0" smtClean="0">
+                <a:solidFill>
+                  <a:schemeClr val="tx1"/>
+                </a:solidFill>
+                <a:latin typeface="+mn-lt"/>
+                <a:ea typeface="+mn-ea"/>
+                <a:cs typeface="+mn-cs"/>
+              </a:rPr>
+              <a:t> feedback del analista. De esta forma, se </a:t>
+            </a:r>
+            <a:r>
+              <a:rPr lang="es-ES_tradnl" sz="1200" kern="1200" baseline="0" dirty="0" smtClean="0">
+                <a:solidFill>
+                  <a:schemeClr val="tx1"/>
+                </a:solidFill>
+                <a:latin typeface="+mn-lt"/>
+                <a:ea typeface="+mn-ea"/>
+                <a:cs typeface="+mn-cs"/>
+              </a:rPr>
+              <a:t>podrían </a:t>
+            </a:r>
+            <a:r>
+              <a:rPr lang="es-AR" sz="1200" kern="1200" dirty="0" smtClean="0">
+                <a:solidFill>
+                  <a:schemeClr val="tx1"/>
+                </a:solidFill>
+                <a:latin typeface="+mn-lt"/>
+                <a:ea typeface="+mn-ea"/>
+                <a:cs typeface="+mn-cs"/>
+              </a:rPr>
+              <a:t>tener mejores resultados</a:t>
+            </a:r>
+            <a:r>
+              <a:rPr lang="es-AR" sz="1200" kern="1200" baseline="0" dirty="0" smtClean="0">
+                <a:solidFill>
+                  <a:schemeClr val="tx1"/>
+                </a:solidFill>
+                <a:latin typeface="+mn-lt"/>
+                <a:ea typeface="+mn-ea"/>
+                <a:cs typeface="+mn-cs"/>
+              </a:rPr>
+              <a:t> en futuras corridas</a:t>
+            </a:r>
+          </a:p>
+          <a:p>
+            <a:pPr>
+              <a:buFontTx/>
+              <a:buChar char="-"/>
+            </a:pPr>
+            <a:endParaRPr lang="es-AR" sz="1200" kern="1200" baseline="0" dirty="0" smtClean="0">
+              <a:solidFill>
+                <a:schemeClr val="tx1"/>
+              </a:solidFill>
+              <a:latin typeface="+mn-lt"/>
+              <a:ea typeface="+mn-ea"/>
+              <a:cs typeface="+mn-cs"/>
+            </a:endParaRPr>
+          </a:p>
+          <a:p>
+            <a:pPr lvl="0">
+              <a:buFontTx/>
+              <a:buChar char="-"/>
+            </a:pPr>
+            <a:endParaRPr lang="es-ES_tradnl" sz="1200" kern="1200" dirty="0" smtClean="0">
+              <a:solidFill>
+                <a:schemeClr val="tx1"/>
+              </a:solidFill>
+              <a:latin typeface="+mn-lt"/>
+              <a:ea typeface="+mn-ea"/>
+              <a:cs typeface="+mn-cs"/>
+            </a:endParaRPr>
+          </a:p>
+          <a:p>
+            <a:pPr lvl="0">
+              <a:buFontTx/>
+              <a:buChar char="-"/>
+            </a:pPr>
+            <a:r>
+              <a:rPr lang="es-AR" sz="1200" kern="1200" dirty="0" smtClean="0">
+                <a:solidFill>
+                  <a:schemeClr val="tx1"/>
+                </a:solidFill>
+                <a:latin typeface="+mn-lt"/>
+                <a:ea typeface="+mn-ea"/>
+                <a:cs typeface="+mn-cs"/>
+              </a:rPr>
+              <a:t>Arquitecturas orientadas a aspectos: una vez terminado el trabajo se observó que la técnica propuesta podría ser de mucha utilidad en los casos en que se decida utilizar arquitecturas orientadas a aspectos. Ya que se tiene como resultado los aspectos de entrada, cada uno junto con el atributos de calidad relacionado, el arquitecto podría diseñar un modulo de la arquitectura por aspecto y aplicar a cada módulo las tácticas arquitectónicas que satisfagan el atributo de  calidad relacionado.</a:t>
+            </a:r>
+          </a:p>
+          <a:p>
+            <a:pPr>
+              <a:buFontTx/>
+              <a:buChar char="-"/>
+            </a:pPr>
+            <a:endParaRPr lang="es-ES_tradnl" dirty="0"/>
+          </a:p>
+        </p:txBody>
+      </p:sp>
+      <p:sp>
+        <p:nvSpPr>
+          <p:cNvPr id="4" name="3 Marcador de número de diapositiva"/>
+          <p:cNvSpPr>
+            <a:spLocks noGrp="1"/>
+          </p:cNvSpPr>
+          <p:nvPr>
+            <p:ph type="sldNum" sz="quarter" idx="10"/>
+          </p:nvPr>
+        </p:nvSpPr>
+        <p:spPr/>
+        <p:txBody>
+          <a:bodyPr/>
+          <a:lstStyle/>
+          <a:p>
+            <a:fld id="{1872ED1A-74B4-42AE-A5BF-D7540D1CC6CA}" type="slidenum">
+              <a:rPr lang="es-ES" smtClean="0"/>
+              <a:pPr/>
+              <a:t>30</a:t>
+            </a:fld>
+            <a:endParaRPr lang="es-ES" dirty="0"/>
+          </a:p>
+        </p:txBody>
+      </p:sp>
+    </p:spTree>
+  </p:cSld>
+  <p:clrMapOvr>
+    <a:masterClrMapping/>
+  </p:clrMapOvr>
+</p:notes>
+</file>
+
+<file path=ppt/notesSlides/notesSlide31.xml><?xml version="1.0" encoding="utf-8"?>
+<p:notes xmlns:a="http://schemas.openxmlformats.org/drawingml/2006/main" xmlns:r="http://schemas.openxmlformats.org/officeDocument/2006/relationships" xmlns:p="http://schemas.openxmlformats.org/presentationml/2006/main">
+  <p:cSld>
+    <p:spTree>
+      <p:nvGrpSpPr>
+        <p:cNvPr id="1" name=""/>
+        <p:cNvGrpSpPr/>
+        <p:nvPr/>
+      </p:nvGrpSpPr>
+      <p:grpSpPr>
+        <a:xfrm>
+          <a:off x="0" y="0"/>
+          <a:ext cx="0" cy="0"/>
+          <a:chOff x="0" y="0"/>
+          <a:chExt cx="0" cy="0"/>
+        </a:xfrm>
+      </p:grpSpPr>
+      <p:sp>
+        <p:nvSpPr>
+          <p:cNvPr id="2" name="1 Marcador de imagen de diapositiva"/>
+          <p:cNvSpPr>
+            <a:spLocks noGrp="1" noRot="1" noChangeAspect="1"/>
+          </p:cNvSpPr>
+          <p:nvPr>
+            <p:ph type="sldImg"/>
+          </p:nvPr>
+        </p:nvSpPr>
+        <p:spPr/>
+      </p:sp>
+      <p:sp>
+        <p:nvSpPr>
+          <p:cNvPr id="3" name="2 Marcador de notas"/>
+          <p:cNvSpPr>
+            <a:spLocks noGrp="1"/>
+          </p:cNvSpPr>
+          <p:nvPr>
+            <p:ph type="body" idx="1"/>
+          </p:nvPr>
+        </p:nvSpPr>
+        <p:spPr/>
+        <p:txBody>
+          <a:bodyPr>
+            <a:normAutofit/>
+          </a:bodyPr>
+          <a:lstStyle/>
+          <a:p>
+            <a:endParaRPr lang="es-ES_tradnl" dirty="0"/>
+          </a:p>
+        </p:txBody>
+      </p:sp>
+      <p:sp>
+        <p:nvSpPr>
+          <p:cNvPr id="4" name="3 Marcador de número de diapositiva"/>
+          <p:cNvSpPr>
+            <a:spLocks noGrp="1"/>
+          </p:cNvSpPr>
+          <p:nvPr>
+            <p:ph type="sldNum" sz="quarter" idx="10"/>
+          </p:nvPr>
+        </p:nvSpPr>
+        <p:spPr/>
+        <p:txBody>
+          <a:bodyPr/>
+          <a:lstStyle/>
+          <a:p>
+            <a:fld id="{1872ED1A-74B4-42AE-A5BF-D7540D1CC6CA}" type="slidenum">
+              <a:rPr lang="es-ES" smtClean="0"/>
+              <a:pPr/>
+              <a:t>31</a:t>
+            </a:fld>
+            <a:endParaRPr lang="es-ES" dirty="0"/>
+          </a:p>
+        </p:txBody>
+      </p:sp>
+    </p:spTree>
+  </p:cSld>
+  <p:clrMapOvr>
+    <a:masterClrMapping/>
+  </p:clrMapOvr>
+</p:notes>
+</file>
+
 <file path=ppt/notesSlides/notesSlide4.xml><?xml version="1.0" encoding="utf-8"?>
 <p:notes xmlns:a="http://schemas.openxmlformats.org/drawingml/2006/main" xmlns:r="http://schemas.openxmlformats.org/officeDocument/2006/relationships" xmlns:p="http://schemas.openxmlformats.org/presentationml/2006/main">
   <p:cSld>
@@ -3786,7 +4617,7 @@
         <p:spPr/>
         <p:txBody>
           <a:bodyPr>
-            <a:normAutofit lnSpcReduction="10000"/>
+            <a:normAutofit/>
           </a:bodyPr>
           <a:lstStyle/>
           <a:p>
@@ -3883,27 +4714,8 @@
                 <a:ea typeface="+mn-ea"/>
                 <a:cs typeface="+mn-cs"/>
               </a:rPr>
-              <a:t>complementan los requerimientos funcionales del </a:t>
-            </a:r>
-            <a:r>
-              <a:rPr lang="es-AR" sz="1200" kern="1200" dirty="0" smtClean="0">
-                <a:solidFill>
-                  <a:schemeClr val="tx1"/>
-                </a:solidFill>
-                <a:latin typeface="+mn-lt"/>
-                <a:ea typeface="+mn-ea"/>
-                <a:cs typeface="+mn-cs"/>
-              </a:rPr>
-              <a:t>sistema.</a:t>
-            </a:r>
-            <a:endParaRPr lang="es-AR" sz="1200" kern="1200" dirty="0" smtClean="0">
-              <a:solidFill>
-                <a:schemeClr val="tx1"/>
-              </a:solidFill>
-              <a:latin typeface="+mn-lt"/>
-              <a:ea typeface="+mn-ea"/>
-              <a:cs typeface="+mn-cs"/>
-            </a:endParaRPr>
+              <a:t>complementan los requerimientos funcionales del sistema.</a:t>
+            </a:r>
           </a:p>
           <a:p>
             <a:endParaRPr lang="es-AR" sz="1200" kern="1200" dirty="0" smtClean="0">
@@ -3936,8 +4748,20 @@
                 <a:ea typeface="+mn-ea"/>
                 <a:cs typeface="+mn-cs"/>
               </a:rPr>
-              <a:t> necesario identificar tempranamente los Qas del sistema para </a:t>
-            </a:r>
+              <a:t> necesario identificar tempranamente los Qas del sistema para que estos sean tenidos en cuenta desde las primeras decisiones de diseño, por ejemplo en la arquitectura del sistema, ya que estas decisiones impactaran significativamente en las etapas posteriores.</a:t>
+            </a:r>
+          </a:p>
+          <a:p>
+            <a:endParaRPr lang="es-AR" sz="1200" kern="1200" baseline="0" dirty="0" smtClean="0">
+              <a:solidFill>
+                <a:schemeClr val="tx1"/>
+              </a:solidFill>
+              <a:latin typeface="+mn-lt"/>
+              <a:ea typeface="+mn-ea"/>
+              <a:cs typeface="+mn-cs"/>
+            </a:endParaRPr>
+          </a:p>
+          <a:p>
             <a:r>
               <a:rPr lang="es-AR" sz="1200" kern="1200" baseline="0" dirty="0" smtClean="0">
                 <a:solidFill>
@@ -3947,107 +4771,7 @@
                 <a:ea typeface="+mn-ea"/>
                 <a:cs typeface="+mn-cs"/>
               </a:rPr>
-              <a:t>que estos sean tenidos </a:t>
-            </a:r>
-            <a:r>
-              <a:rPr lang="es-AR" sz="1200" kern="1200" baseline="0" dirty="0" smtClean="0">
-                <a:solidFill>
-                  <a:schemeClr val="tx1"/>
-                </a:solidFill>
-                <a:latin typeface="+mn-lt"/>
-                <a:ea typeface="+mn-ea"/>
-                <a:cs typeface="+mn-cs"/>
-              </a:rPr>
-              <a:t>en cuenta desde las primeras decisiones de diseño, por ejemplo en la </a:t>
-            </a:r>
-            <a:r>
-              <a:rPr lang="es-AR" sz="1200" kern="1200" baseline="0" dirty="0" smtClean="0">
-                <a:solidFill>
-                  <a:schemeClr val="tx1"/>
-                </a:solidFill>
-                <a:latin typeface="+mn-lt"/>
-                <a:ea typeface="+mn-ea"/>
-                <a:cs typeface="+mn-cs"/>
-              </a:rPr>
-              <a:t>arquitectura del sistema, </a:t>
-            </a:r>
-            <a:r>
-              <a:rPr lang="es-AR" sz="1200" kern="1200" baseline="0" dirty="0" smtClean="0">
-                <a:solidFill>
-                  <a:schemeClr val="tx1"/>
-                </a:solidFill>
-                <a:latin typeface="+mn-lt"/>
-                <a:ea typeface="+mn-ea"/>
-                <a:cs typeface="+mn-cs"/>
-              </a:rPr>
-              <a:t>ya que </a:t>
-            </a:r>
-            <a:r>
-              <a:rPr lang="es-AR" sz="1200" kern="1200" baseline="0" dirty="0" smtClean="0">
-                <a:solidFill>
-                  <a:schemeClr val="tx1"/>
-                </a:solidFill>
-                <a:latin typeface="+mn-lt"/>
-                <a:ea typeface="+mn-ea"/>
-                <a:cs typeface="+mn-cs"/>
-              </a:rPr>
-              <a:t>estas decisiones impactaran </a:t>
-            </a:r>
-            <a:r>
-              <a:rPr lang="es-AR" sz="1200" kern="1200" baseline="0" dirty="0" smtClean="0">
-                <a:solidFill>
-                  <a:schemeClr val="tx1"/>
-                </a:solidFill>
-                <a:latin typeface="+mn-lt"/>
-                <a:ea typeface="+mn-ea"/>
-                <a:cs typeface="+mn-cs"/>
-              </a:rPr>
-              <a:t>significativamente en las etapas posteriores.</a:t>
-            </a:r>
-          </a:p>
-          <a:p>
-            <a:endParaRPr lang="es-AR" sz="1200" kern="1200" baseline="0" dirty="0" smtClean="0">
-              <a:solidFill>
-                <a:schemeClr val="tx1"/>
-              </a:solidFill>
-              <a:latin typeface="+mn-lt"/>
-              <a:ea typeface="+mn-ea"/>
-              <a:cs typeface="+mn-cs"/>
-            </a:endParaRPr>
-          </a:p>
-          <a:p>
-            <a:r>
-              <a:rPr lang="es-AR" sz="1200" kern="1200" baseline="0" dirty="0" smtClean="0">
-                <a:solidFill>
-                  <a:schemeClr val="tx1"/>
-                </a:solidFill>
-                <a:latin typeface="+mn-lt"/>
-                <a:ea typeface="+mn-ea"/>
-                <a:cs typeface="+mn-cs"/>
-              </a:rPr>
-              <a:t>- Una incorrecta identificación, ya sea por Qas faltantes o Qas erróneamente identificados, pueden producir costos elevados de re trabajo si éstos son detectados en etapas </a:t>
-            </a:r>
-            <a:r>
-              <a:rPr lang="es-AR" sz="1200" kern="1200" baseline="0" dirty="0" smtClean="0">
-                <a:solidFill>
-                  <a:schemeClr val="tx1"/>
-                </a:solidFill>
-                <a:latin typeface="+mn-lt"/>
-                <a:ea typeface="+mn-ea"/>
-                <a:cs typeface="+mn-cs"/>
-              </a:rPr>
-              <a:t>avanzadas del </a:t>
-            </a:r>
-            <a:r>
-              <a:rPr lang="es-AR" sz="1200" kern="1200" baseline="0" dirty="0" smtClean="0">
-                <a:solidFill>
-                  <a:schemeClr val="tx1"/>
-                </a:solidFill>
-                <a:latin typeface="+mn-lt"/>
-                <a:ea typeface="+mn-ea"/>
-                <a:cs typeface="+mn-cs"/>
-              </a:rPr>
-              <a:t>desarrollo.</a:t>
+              <a:t>- Una incorrecta identificación, ya sea por Qas faltantes o Qas erróneamente identificados, pueden producir costos elevados de re trabajo si éstos son detectados en etapas avanzadas del desarrollo.</a:t>
             </a:r>
             <a:r>
               <a:rPr lang="es-AR" sz="1200" kern="1200" dirty="0" smtClean="0">
@@ -4150,8 +4874,20 @@
                 <a:ea typeface="+mn-ea"/>
                 <a:cs typeface="+mn-cs"/>
               </a:rPr>
-              <a:t>-Por lo general, los QAs de un sistema provienen de distintas fuentes, como por ejemplo los objetivos de negocio, entrevistas con los </a:t>
-            </a:r>
+              <a:t>-Por lo general, los QAs de un sistema provienen de distintas fuentes, como por ejemplo los objetivos de negocio, entrevistas con los clientes y las especificaciones de requerimientos. </a:t>
+            </a:r>
+          </a:p>
+          <a:p>
+            <a:endParaRPr lang="es-AR" sz="1200" kern="1200" dirty="0" smtClean="0">
+              <a:solidFill>
+                <a:schemeClr val="tx1"/>
+              </a:solidFill>
+              <a:latin typeface="+mn-lt"/>
+              <a:ea typeface="+mn-ea"/>
+              <a:cs typeface="+mn-cs"/>
+            </a:endParaRPr>
+          </a:p>
+          <a:p>
             <a:r>
               <a:rPr lang="es-AR" sz="1200" kern="1200" dirty="0" smtClean="0">
                 <a:solidFill>
@@ -4161,63 +4897,7 @@
                 <a:ea typeface="+mn-ea"/>
                 <a:cs typeface="+mn-cs"/>
               </a:rPr>
-              <a:t>clientes y </a:t>
-            </a:r>
-            <a:r>
-              <a:rPr lang="es-AR" sz="1200" kern="1200" dirty="0" smtClean="0">
-                <a:solidFill>
-                  <a:schemeClr val="tx1"/>
-                </a:solidFill>
-                <a:latin typeface="+mn-lt"/>
-                <a:ea typeface="+mn-ea"/>
-                <a:cs typeface="+mn-cs"/>
-              </a:rPr>
-              <a:t>las especificaciones de requerimientos. </a:t>
-            </a:r>
-          </a:p>
-          <a:p>
-            <a:endParaRPr lang="es-AR" sz="1200" kern="1200" dirty="0" smtClean="0">
-              <a:solidFill>
-                <a:schemeClr val="tx1"/>
-              </a:solidFill>
-              <a:latin typeface="+mn-lt"/>
-              <a:ea typeface="+mn-ea"/>
-              <a:cs typeface="+mn-cs"/>
-            </a:endParaRPr>
-          </a:p>
-          <a:p>
-            <a:r>
-              <a:rPr lang="es-AR" sz="1200" kern="1200" dirty="0" smtClean="0">
-                <a:solidFill>
-                  <a:schemeClr val="tx1"/>
-                </a:solidFill>
-                <a:latin typeface="+mn-lt"/>
-                <a:ea typeface="+mn-ea"/>
-                <a:cs typeface="+mn-cs"/>
-              </a:rPr>
-              <a:t>-En este último caso, cuando se </a:t>
-            </a:r>
-            <a:r>
-              <a:rPr lang="es-AR" sz="1200" kern="1200" dirty="0" smtClean="0">
-                <a:solidFill>
-                  <a:schemeClr val="tx1"/>
-                </a:solidFill>
-                <a:latin typeface="+mn-lt"/>
-                <a:ea typeface="+mn-ea"/>
-                <a:cs typeface="+mn-cs"/>
-              </a:rPr>
-              <a:t>definen los </a:t>
-            </a:r>
-            <a:r>
-              <a:rPr lang="es-AR" sz="1200" kern="1200" dirty="0" smtClean="0">
-                <a:solidFill>
-                  <a:schemeClr val="tx1"/>
-                </a:solidFill>
-                <a:latin typeface="+mn-lt"/>
-                <a:ea typeface="+mn-ea"/>
-                <a:cs typeface="+mn-cs"/>
-              </a:rPr>
-              <a:t>requerimientos funcionales (por ejemplo, en casos de uso), muchos stakeholders introducen aspectos de calidad relacionados con funcionalidades especificas del sistema. Algunos QAs quedan “ocultos” entre los requerimientos que especifican la funcionalidad y, por ello, podrían ser ignorados por los analistas. </a:t>
+              <a:t>-En este último caso, cuando se definen los requerimientos funcionales (por ejemplo, en casos de uso), muchos stakeholders introducen aspectos de calidad relacionados con funcionalidades especificas del sistema. Algunos QAs quedan “ocultos” entre los requerimientos que especifican la funcionalidad y, por ello, podrían ser ignorados por los analistas. </a:t>
             </a:r>
           </a:p>
           <a:p>
@@ -4357,6 +5037,44 @@
           </a:bodyPr>
           <a:lstStyle/>
           <a:p>
+            <a:pPr marL="0" marR="0" indent="0" algn="l" defTabSz="914400" rtl="0" eaLnBrk="1" fontAlgn="auto" latinLnBrk="0" hangingPunct="1">
+              <a:lnSpc>
+                <a:spcPct val="100000"/>
+              </a:lnSpc>
+              <a:spcBef>
+                <a:spcPts val="0"/>
+              </a:spcBef>
+              <a:spcAft>
+                <a:spcPts val="0"/>
+              </a:spcAft>
+              <a:buClrTx/>
+              <a:buSzTx/>
+              <a:buFontTx/>
+              <a:buNone/>
+              <a:tabLst/>
+              <a:defRPr/>
+            </a:pPr>
+            <a:r>
+              <a:rPr lang="es-ES_tradnl" sz="1200" kern="1200" dirty="0" smtClean="0">
+                <a:solidFill>
+                  <a:schemeClr val="tx1"/>
+                </a:solidFill>
+                <a:latin typeface="+mn-lt"/>
+                <a:ea typeface="+mn-ea"/>
+                <a:cs typeface="+mn-cs"/>
+              </a:rPr>
+              <a:t>Antes de ver el enfoque propuesto, vamos a introducir el concepto de aspecto temprano y explorar la relación de éstos con los atributos de calidad. Esto se debe a que, posteriormente, la técnica propuesta tiene en cuenta esta relación para su análisis. </a:t>
+            </a:r>
+            <a:endParaRPr lang="es-ES" sz="1200" kern="1200" dirty="0" smtClean="0">
+              <a:solidFill>
+                <a:schemeClr val="tx1"/>
+              </a:solidFill>
+              <a:latin typeface="+mn-lt"/>
+              <a:ea typeface="+mn-ea"/>
+              <a:cs typeface="+mn-cs"/>
+            </a:endParaRPr>
+          </a:p>
+          <a:p>
             <a:endParaRPr lang="es-ES_tradnl" dirty="0"/>
           </a:p>
         </p:txBody>
@@ -4448,10 +5166,10 @@
                 <a:ea typeface="+mn-ea"/>
                 <a:cs typeface="+mn-cs"/>
               </a:rPr>
-              <a:t>- En las primeras etapas de desarrollo, los concerns de interés central son los requerimientos. Una especificación de requerimientos bien escrita está caracterizada por el hecho de que cada requerimiento representa un solo concern. Sin embargo, algunos</a:t>
-            </a:r>
-            <a:r>
-              <a:rPr lang="es-ES" sz="1200" kern="1200" baseline="0" dirty="0" smtClean="0">
+              <a:t>En el desarrollo de software un </a:t>
+            </a:r>
+            <a:r>
+              <a:rPr lang="es-ES" sz="1200" kern="1200" dirty="0" err="1" smtClean="0">
                 <a:solidFill>
                   <a:schemeClr val="tx1"/>
                 </a:solidFill>
@@ -4459,9 +5177,137 @@
                 <a:ea typeface="+mn-ea"/>
                 <a:cs typeface="+mn-cs"/>
               </a:rPr>
-              <a:t> concerns no pueden ser modularizados en un solo requerimiento y se encuentran presentes en varios, a estos se los denominan “Aspectos Tempranos”.</a:t>
-            </a:r>
-            <a:endParaRPr lang="es-ES_tradnl" dirty="0"/>
+              <a:t>concern</a:t>
+            </a:r>
+            <a:r>
+              <a:rPr lang="es-ES" sz="1200" kern="1200" dirty="0" smtClean="0">
+                <a:solidFill>
+                  <a:schemeClr val="tx1"/>
+                </a:solidFill>
+                <a:latin typeface="+mn-lt"/>
+                <a:ea typeface="+mn-ea"/>
+                <a:cs typeface="+mn-cs"/>
+              </a:rPr>
+              <a:t> es cualquier asunto de interés de un sistema. Particularmente, en las primeras etapas de desarrollo, los </a:t>
+            </a:r>
+            <a:r>
+              <a:rPr lang="es-ES" sz="1200" kern="1200" dirty="0" err="1" smtClean="0">
+                <a:solidFill>
+                  <a:schemeClr val="tx1"/>
+                </a:solidFill>
+                <a:latin typeface="+mn-lt"/>
+                <a:ea typeface="+mn-ea"/>
+                <a:cs typeface="+mn-cs"/>
+              </a:rPr>
+              <a:t>concerns</a:t>
+            </a:r>
+            <a:r>
+              <a:rPr lang="es-ES" sz="1200" kern="1200" dirty="0" smtClean="0">
+                <a:solidFill>
+                  <a:schemeClr val="tx1"/>
+                </a:solidFill>
+                <a:latin typeface="+mn-lt"/>
+                <a:ea typeface="+mn-ea"/>
+                <a:cs typeface="+mn-cs"/>
+              </a:rPr>
+              <a:t> de interés central son los requerimientos. Una especificación de requerimientos bien escrita está caracterizada por el hecho de que cada requerimiento representa un solo </a:t>
+            </a:r>
+            <a:r>
+              <a:rPr lang="es-ES" sz="1200" kern="1200" dirty="0" err="1" smtClean="0">
+                <a:solidFill>
+                  <a:schemeClr val="tx1"/>
+                </a:solidFill>
+                <a:latin typeface="+mn-lt"/>
+                <a:ea typeface="+mn-ea"/>
+                <a:cs typeface="+mn-cs"/>
+              </a:rPr>
+              <a:t>concern</a:t>
+            </a:r>
+            <a:r>
+              <a:rPr lang="es-ES" sz="1200" kern="1200" dirty="0" smtClean="0">
+                <a:solidFill>
+                  <a:schemeClr val="tx1"/>
+                </a:solidFill>
+                <a:latin typeface="+mn-lt"/>
+                <a:ea typeface="+mn-ea"/>
+                <a:cs typeface="+mn-cs"/>
+              </a:rPr>
+              <a:t>. Sin embargo, algunos </a:t>
+            </a:r>
+            <a:r>
+              <a:rPr lang="es-ES" sz="1200" kern="1200" dirty="0" err="1" smtClean="0">
+                <a:solidFill>
+                  <a:schemeClr val="tx1"/>
+                </a:solidFill>
+                <a:latin typeface="+mn-lt"/>
+                <a:ea typeface="+mn-ea"/>
+                <a:cs typeface="+mn-cs"/>
+              </a:rPr>
+              <a:t>concerns</a:t>
+            </a:r>
+            <a:r>
+              <a:rPr lang="es-ES" sz="1200" kern="1200" dirty="0" smtClean="0">
+                <a:solidFill>
+                  <a:schemeClr val="tx1"/>
+                </a:solidFill>
+                <a:latin typeface="+mn-lt"/>
+                <a:ea typeface="+mn-ea"/>
+                <a:cs typeface="+mn-cs"/>
+              </a:rPr>
+              <a:t> no pueden ser </a:t>
+            </a:r>
+            <a:r>
+              <a:rPr lang="es-ES" sz="1200" kern="1200" dirty="0" err="1" smtClean="0">
+                <a:solidFill>
+                  <a:schemeClr val="tx1"/>
+                </a:solidFill>
+                <a:latin typeface="+mn-lt"/>
+                <a:ea typeface="+mn-ea"/>
+                <a:cs typeface="+mn-cs"/>
+              </a:rPr>
+              <a:t>modularizados</a:t>
+            </a:r>
+            <a:r>
+              <a:rPr lang="es-ES" sz="1200" kern="1200" dirty="0" smtClean="0">
+                <a:solidFill>
+                  <a:schemeClr val="tx1"/>
+                </a:solidFill>
+                <a:latin typeface="+mn-lt"/>
+                <a:ea typeface="+mn-ea"/>
+                <a:cs typeface="+mn-cs"/>
+              </a:rPr>
+              <a:t> en un solo requerimiento, por lo que se encuentran presentes en varios de ellos. A estos </a:t>
+            </a:r>
+            <a:r>
+              <a:rPr lang="es-ES" sz="1200" kern="1200" dirty="0" err="1" smtClean="0">
+                <a:solidFill>
+                  <a:schemeClr val="tx1"/>
+                </a:solidFill>
+                <a:latin typeface="+mn-lt"/>
+                <a:ea typeface="+mn-ea"/>
+                <a:cs typeface="+mn-cs"/>
+              </a:rPr>
+              <a:t>concerns</a:t>
+            </a:r>
+            <a:r>
+              <a:rPr lang="es-ES" sz="1200" kern="1200" dirty="0" smtClean="0">
+                <a:solidFill>
+                  <a:schemeClr val="tx1"/>
+                </a:solidFill>
+                <a:latin typeface="+mn-lt"/>
+                <a:ea typeface="+mn-ea"/>
+                <a:cs typeface="+mn-cs"/>
+              </a:rPr>
+              <a:t>, que se dice que “atraviesan” a un conjunto de requerimientos, se los denominan como “Aspectos Tempranos”. </a:t>
+            </a:r>
+            <a:endParaRPr lang="es-ES" sz="1200" kern="1200" dirty="0">
+              <a:solidFill>
+                <a:schemeClr val="tx1"/>
+              </a:solidFill>
+              <a:latin typeface="+mn-lt"/>
+              <a:ea typeface="+mn-ea"/>
+              <a:cs typeface="+mn-cs"/>
+            </a:endParaRPr>
           </a:p>
         </p:txBody>
       </p:sp>
@@ -4543,7 +5389,46 @@
           </a:bodyPr>
           <a:lstStyle/>
           <a:p>
-            <a:endParaRPr lang="es-ES_tradnl" dirty="0"/>
+            <a:r>
+              <a:rPr lang="es-ES_tradnl" sz="1200" kern="1200" dirty="0" smtClean="0">
+                <a:solidFill>
+                  <a:schemeClr val="tx1"/>
+                </a:solidFill>
+                <a:latin typeface="+mn-lt"/>
+                <a:ea typeface="+mn-ea"/>
+                <a:cs typeface="+mn-cs"/>
+              </a:rPr>
+              <a:t>Justamente en este diagrama de UML vemos varios ejemplos de aspectos temprano. El actor 1 ejecuta los casos de uso 1 y 2, mientras que el actor 2 ejecuta los casos de uso 3, 4, 5 y 6. </a:t>
+            </a:r>
+            <a:endParaRPr lang="es-ES" sz="1200" kern="1200" dirty="0" smtClean="0">
+              <a:solidFill>
+                <a:schemeClr val="tx1"/>
+              </a:solidFill>
+              <a:latin typeface="+mn-lt"/>
+              <a:ea typeface="+mn-ea"/>
+              <a:cs typeface="+mn-cs"/>
+            </a:endParaRPr>
+          </a:p>
+          <a:p>
+            <a:r>
+              <a:rPr lang="es-ES_tradnl" sz="1200" kern="1200" dirty="0" smtClean="0">
+                <a:solidFill>
+                  <a:schemeClr val="tx1"/>
+                </a:solidFill>
+                <a:latin typeface="+mn-lt"/>
+                <a:ea typeface="+mn-ea"/>
+                <a:cs typeface="+mn-cs"/>
+              </a:rPr>
+              <a:t>Acá se ve como, por ejemplo, el aspecto temprano 2 “atraviesa” los casos de uso 1, 2, 4 y 5. Mientras que, por ejemplo, el aspecto temprano 3 atraviesa el caso de uso 1 y 5. </a:t>
+            </a:r>
+            <a:endParaRPr lang="es-ES" sz="1200" kern="1200" dirty="0" smtClean="0">
+              <a:solidFill>
+                <a:schemeClr val="tx1"/>
+              </a:solidFill>
+              <a:latin typeface="+mn-lt"/>
+              <a:ea typeface="+mn-ea"/>
+              <a:cs typeface="+mn-cs"/>
+            </a:endParaRPr>
           </a:p>
         </p:txBody>
       </p:sp>
@@ -4624,6 +5509,20 @@
             <a:normAutofit/>
           </a:bodyPr>
           <a:lstStyle/>
+          <a:p>
+            <a:r>
+              <a:rPr lang="es-ES_tradnl" dirty="0" smtClean="0"/>
+              <a:t>Varios aspectos tempranos se relacionan con atributos de calidad del sistema. De esta manera, el descubrimiento de los primeros podría proporcionar “pistas” para identificar atributos de calidad. </a:t>
+            </a:r>
+            <a:endParaRPr lang="es-ES" dirty="0" smtClean="0"/>
+          </a:p>
+          <a:p>
+            <a:r>
+              <a:rPr lang="es-ES_tradnl" dirty="0" smtClean="0"/>
+              <a:t>Ejemplos de la relación entre aspectos tempranos y atributos de calidad se pueden apreciar, por ejemplo, analizando 2 aspectos tempranos que se encuentran comúnmente en los requerimientos. Estos son el aspecto temprano “autorización” q se relaciona con seguridad o el aspecto “interfaz de usuario” que se relaciona con usabilidad. </a:t>
+            </a:r>
+            <a:endParaRPr lang="es-ES" dirty="0" smtClean="0"/>
+          </a:p>
           <a:p>
             <a:endParaRPr lang="es-ES_tradnl" dirty="0"/>
           </a:p>
@@ -10444,7 +11343,7 @@
           <p:nvPr/>
         </p:nvPicPr>
         <p:blipFill>
-          <a:blip r:embed="rId2" cstate="print"/>
+          <a:blip r:embed="rId3" cstate="print"/>
           <a:srcRect/>
           <a:stretch>
             <a:fillRect/>
@@ -10694,7 +11593,7 @@
           <p:nvPr/>
         </p:nvPicPr>
         <p:blipFill>
-          <a:blip r:embed="rId2" cstate="print"/>
+          <a:blip r:embed="rId3" cstate="print"/>
           <a:stretch>
             <a:fillRect/>
           </a:stretch>
@@ -10868,7 +11767,7 @@
           <p:nvPr/>
         </p:nvPicPr>
         <p:blipFill>
-          <a:blip r:embed="rId2" cstate="print"/>
+          <a:blip r:embed="rId3" cstate="print"/>
           <a:srcRect/>
           <a:stretch>
             <a:fillRect/>
@@ -12236,7 +13135,7 @@
           <p:nvPr/>
         </p:nvPicPr>
         <p:blipFill>
-          <a:blip r:embed="rId2" cstate="print">
+          <a:blip r:embed="rId3" cstate="print">
             <a:clrChange>
               <a:clrFrom>
                 <a:srgbClr val="FFFFFF"/>
@@ -12282,7 +13181,7 @@
           <p:nvPr/>
         </p:nvPicPr>
         <p:blipFill>
-          <a:blip r:embed="rId3" cstate="print">
+          <a:blip r:embed="rId4" cstate="print">
             <a:clrChange>
               <a:clrFrom>
                 <a:srgbClr val="FFFFFF"/>
@@ -12404,7 +13303,7 @@
           <p:nvPr/>
         </p:nvPicPr>
         <p:blipFill>
-          <a:blip r:embed="rId4" cstate="print"/>
+          <a:blip r:embed="rId5" cstate="print"/>
           <a:srcRect/>
           <a:stretch>
             <a:fillRect/>
@@ -18331,11 +19230,7 @@
             <a:pPr lvl="1"/>
             <a:r>
               <a:rPr lang="es-ES" dirty="0" smtClean="0"/>
-              <a:t>Utilización </a:t>
-            </a:r>
-            <a:r>
-              <a:rPr lang="es-ES" dirty="0" smtClean="0"/>
-              <a:t>de lenguaje natural, sin estructurar los </a:t>
+              <a:t>Utilización de lenguaje natural, sin estructurar los </a:t>
             </a:r>
             <a:r>
               <a:rPr lang="es-ES" dirty="0" err="1" smtClean="0"/>
@@ -18343,11 +19238,7 @@
             </a:r>
             <a:r>
               <a:rPr lang="es-ES" dirty="0" smtClean="0"/>
-              <a:t> </a:t>
-            </a:r>
-            <a:r>
-              <a:rPr lang="es-ES" dirty="0" smtClean="0"/>
-              <a:t>formalmente</a:t>
+              <a:t> formalmente</a:t>
             </a:r>
           </a:p>
           <a:p>
